--- a/src/pages/en/events/2024-09-13/slides/03_utas_utol_en.pptx
+++ b/src/pages/en/events/2024-09-13/slides/03_utas_utol_en.pptx
@@ -149,11 +149,7 @@
 <file path=ppt/revisionInfo.xml><?xml version="1.0" encoding="utf-8"?>
 <p1510:revInfo xmlns:a="http://schemas.openxmlformats.org/drawingml/2006/main" xmlns:r="http://schemas.openxmlformats.org/officeDocument/2006/relationships" xmlns:p1510="http://schemas.microsoft.com/office/powerpoint/2015/10/main">
   <p1510:revLst>
-    <p1510:client id="{0809808E-536E-6D47-16C4-27B8C4CF9EEA}" v="728" dt="2024-09-08T14:31:11.475"/>
-    <p1510:client id="{29B416D7-6A9C-5138-D7DB-54674D91A798}" v="12" dt="2024-09-08T05:08:48.932"/>
-    <p1510:client id="{86306417-DAAF-4CFB-9028-3E4EA03B485E}" v="1" dt="2024-09-09T02:20:58.238"/>
-    <p1510:client id="{8C09A18B-A87D-6154-4DC2-8826B0A70040}" v="1" dt="2024-09-08T05:37:22.851"/>
-    <p1510:client id="{F60464E8-BBB8-6E40-BC50-59B3BBB32414}" v="2" dt="2024-09-09T00:59:12.630"/>
+    <p1510:client id="{86306417-DAAF-4CFB-9028-3E4EA03B485E}" v="12" dt="2024-09-10T07:49:17.171"/>
   </p1510:revLst>
 </p1510:revInfo>
 </file>
@@ -161,20 +157,246 @@
 <file path=ppt/changesInfos/changesInfo1.xml><?xml version="1.0" encoding="utf-8"?>
 <pc:chgInfo xmlns:a="http://schemas.openxmlformats.org/drawingml/2006/main" xmlns:r="http://schemas.openxmlformats.org/officeDocument/2006/relationships" xmlns:ac="http://schemas.microsoft.com/office/drawing/2013/main/command" xmlns:pc="http://schemas.microsoft.com/office/powerpoint/2013/main/command">
   <pc:docChgLst>
-    <pc:chgData name="雨宮　智浩" userId="S::9288019215@utac.u-tokyo.ac.jp::018ceb06-00b6-4c8b-821f-fe5856736a8a" providerId="AD" clId="Web-{C59DD01F-5E58-DC3E-F867-C2DF0D0032B2}"/>
-    <pc:docChg chg="modSld sldOrd">
-      <pc:chgData name="雨宮　智浩" userId="S::9288019215@utac.u-tokyo.ac.jp::018ceb06-00b6-4c8b-821f-fe5856736a8a" providerId="AD" clId="Web-{C59DD01F-5E58-DC3E-F867-C2DF0D0032B2}" dt="2024-09-05T06:48:10.534" v="13" actId="20577"/>
+    <pc:chgData name="雨宮　智浩" userId="S::9288019215@utac.u-tokyo.ac.jp::018ceb06-00b6-4c8b-821f-fe5856736a8a" providerId="AD" clId="Web-{68FE3186-E4E8-C727-9B14-B26AA440F5DC}"/>
+    <pc:docChg chg="modSld">
+      <pc:chgData name="雨宮　智浩" userId="S::9288019215@utac.u-tokyo.ac.jp::018ceb06-00b6-4c8b-821f-fe5856736a8a" providerId="AD" clId="Web-{68FE3186-E4E8-C727-9B14-B26AA440F5DC}" dt="2024-09-04T08:07:21.535" v="71" actId="1076"/>
       <pc:docMkLst>
         <pc:docMk/>
       </pc:docMkLst>
       <pc:sldChg chg="modSp">
-        <pc:chgData name="雨宮　智浩" userId="S::9288019215@utac.u-tokyo.ac.jp::018ceb06-00b6-4c8b-821f-fe5856736a8a" providerId="AD" clId="Web-{C59DD01F-5E58-DC3E-F867-C2DF0D0032B2}" dt="2024-09-05T06:42:30.917" v="5" actId="20577"/>
+        <pc:chgData name="雨宮　智浩" userId="S::9288019215@utac.u-tokyo.ac.jp::018ceb06-00b6-4c8b-821f-fe5856736a8a" providerId="AD" clId="Web-{68FE3186-E4E8-C727-9B14-B26AA440F5DC}" dt="2024-09-04T08:04:13.890" v="55" actId="1076"/>
+        <pc:sldMkLst>
+          <pc:docMk/>
+          <pc:sldMk cId="176847597" sldId="1415"/>
+        </pc:sldMkLst>
+        <pc:spChg chg="mod">
+          <ac:chgData name="雨宮　智浩" userId="S::9288019215@utac.u-tokyo.ac.jp::018ceb06-00b6-4c8b-821f-fe5856736a8a" providerId="AD" clId="Web-{68FE3186-E4E8-C727-9B14-B26AA440F5DC}" dt="2024-09-04T08:04:13.890" v="55" actId="1076"/>
+          <ac:spMkLst>
+            <pc:docMk/>
+            <pc:sldMk cId="176847597" sldId="1415"/>
+            <ac:spMk id="3" creationId="{41AEE836-B07F-6756-DC70-5EA0EE3A1CC4}"/>
+          </ac:spMkLst>
+        </pc:spChg>
+      </pc:sldChg>
+      <pc:sldChg chg="addSp modSp">
+        <pc:chgData name="雨宮　智浩" userId="S::9288019215@utac.u-tokyo.ac.jp::018ceb06-00b6-4c8b-821f-fe5856736a8a" providerId="AD" clId="Web-{68FE3186-E4E8-C727-9B14-B26AA440F5DC}" dt="2024-09-04T08:07:21.535" v="71" actId="1076"/>
+        <pc:sldMkLst>
+          <pc:docMk/>
+          <pc:sldMk cId="2473131799" sldId="1418"/>
+        </pc:sldMkLst>
+        <pc:spChg chg="mod">
+          <ac:chgData name="雨宮　智浩" userId="S::9288019215@utac.u-tokyo.ac.jp::018ceb06-00b6-4c8b-821f-fe5856736a8a" providerId="AD" clId="Web-{68FE3186-E4E8-C727-9B14-B26AA440F5DC}" dt="2024-09-04T08:06:16.565" v="59" actId="20577"/>
+          <ac:spMkLst>
+            <pc:docMk/>
+            <pc:sldMk cId="2473131799" sldId="1418"/>
+            <ac:spMk id="2" creationId="{DAA4631E-08C4-0E32-119E-7BC58AE9E790}"/>
+          </ac:spMkLst>
+        </pc:spChg>
+        <pc:spChg chg="mod">
+          <ac:chgData name="雨宮　智浩" userId="S::9288019215@utac.u-tokyo.ac.jp::018ceb06-00b6-4c8b-821f-fe5856736a8a" providerId="AD" clId="Web-{68FE3186-E4E8-C727-9B14-B26AA440F5DC}" dt="2024-09-04T08:06:49.941" v="63" actId="1076"/>
+          <ac:spMkLst>
+            <pc:docMk/>
+            <pc:sldMk cId="2473131799" sldId="1418"/>
+            <ac:spMk id="15" creationId="{1B436B85-723F-9246-41D2-7AB66B80A298}"/>
+          </ac:spMkLst>
+        </pc:spChg>
+        <pc:spChg chg="mod">
+          <ac:chgData name="雨宮　智浩" userId="S::9288019215@utac.u-tokyo.ac.jp::018ceb06-00b6-4c8b-821f-fe5856736a8a" providerId="AD" clId="Web-{68FE3186-E4E8-C727-9B14-B26AA440F5DC}" dt="2024-09-04T08:06:49.957" v="64" actId="1076"/>
+          <ac:spMkLst>
+            <pc:docMk/>
+            <pc:sldMk cId="2473131799" sldId="1418"/>
+            <ac:spMk id="18" creationId="{7D73C95A-4B95-38BC-C5FB-1DA717401B3A}"/>
+          </ac:spMkLst>
+        </pc:spChg>
+        <pc:spChg chg="mod">
+          <ac:chgData name="雨宮　智浩" userId="S::9288019215@utac.u-tokyo.ac.jp::018ceb06-00b6-4c8b-821f-fe5856736a8a" providerId="AD" clId="Web-{68FE3186-E4E8-C727-9B14-B26AA440F5DC}" dt="2024-09-04T08:06:49.957" v="65" actId="1076"/>
+          <ac:spMkLst>
+            <pc:docMk/>
+            <pc:sldMk cId="2473131799" sldId="1418"/>
+            <ac:spMk id="19" creationId="{E6D588E6-CD39-D225-38E8-F9B83EEAEFF6}"/>
+          </ac:spMkLst>
+        </pc:spChg>
+        <pc:picChg chg="add mod">
+          <ac:chgData name="雨宮　智浩" userId="S::9288019215@utac.u-tokyo.ac.jp::018ceb06-00b6-4c8b-821f-fe5856736a8a" providerId="AD" clId="Web-{68FE3186-E4E8-C727-9B14-B26AA440F5DC}" dt="2024-09-04T08:07:21.535" v="71" actId="1076"/>
+          <ac:picMkLst>
+            <pc:docMk/>
+            <pc:sldMk cId="2473131799" sldId="1418"/>
+            <ac:picMk id="3" creationId="{45F7C8BB-D72F-C945-B7FD-81F0902BB732}"/>
+          </ac:picMkLst>
+        </pc:picChg>
+        <pc:picChg chg="mod">
+          <ac:chgData name="雨宮　智浩" userId="S::9288019215@utac.u-tokyo.ac.jp::018ceb06-00b6-4c8b-821f-fe5856736a8a" providerId="AD" clId="Web-{68FE3186-E4E8-C727-9B14-B26AA440F5DC}" dt="2024-09-04T08:06:49.941" v="62" actId="1076"/>
+          <ac:picMkLst>
+            <pc:docMk/>
+            <pc:sldMk cId="2473131799" sldId="1418"/>
+            <ac:picMk id="24" creationId="{61796372-4A04-4435-7FD8-7EBAC9111186}"/>
+          </ac:picMkLst>
+        </pc:picChg>
+      </pc:sldChg>
+    </pc:docChg>
+  </pc:docChgLst>
+  <pc:docChgLst>
+    <pc:chgData name="佐藤　寛也" userId="27837c8b-abaf-4096-b544-58e4cbe7054e" providerId="ADAL" clId="{03C4690F-D76B-48FB-B343-CCF95B0FF544}"/>
+    <pc:docChg chg="custSel modSld">
+      <pc:chgData name="佐藤　寛也" userId="27837c8b-abaf-4096-b544-58e4cbe7054e" providerId="ADAL" clId="{03C4690F-D76B-48FB-B343-CCF95B0FF544}" dt="2024-07-05T06:36:01.982" v="1"/>
+      <pc:docMkLst>
+        <pc:docMk/>
+      </pc:docMkLst>
+      <pc:sldChg chg="addSp delSp modSp mod">
+        <pc:chgData name="佐藤　寛也" userId="27837c8b-abaf-4096-b544-58e4cbe7054e" providerId="ADAL" clId="{03C4690F-D76B-48FB-B343-CCF95B0FF544}" dt="2024-07-05T06:36:01.982" v="1"/>
+        <pc:sldMkLst>
+          <pc:docMk/>
+          <pc:sldMk cId="2292264982" sldId="256"/>
+        </pc:sldMkLst>
+        <pc:spChg chg="del">
+          <ac:chgData name="佐藤　寛也" userId="27837c8b-abaf-4096-b544-58e4cbe7054e" providerId="ADAL" clId="{03C4690F-D76B-48FB-B343-CCF95B0FF544}" dt="2024-07-05T06:35:52.853" v="0" actId="478"/>
+          <ac:spMkLst>
+            <pc:docMk/>
+            <pc:sldMk cId="2292264982" sldId="256"/>
+            <ac:spMk id="4" creationId="{D12A556D-E458-C03F-159E-C94DB8018206}"/>
+          </ac:spMkLst>
+        </pc:spChg>
+        <pc:spChg chg="del">
+          <ac:chgData name="佐藤　寛也" userId="27837c8b-abaf-4096-b544-58e4cbe7054e" providerId="ADAL" clId="{03C4690F-D76B-48FB-B343-CCF95B0FF544}" dt="2024-07-05T06:35:52.853" v="0" actId="478"/>
+          <ac:spMkLst>
+            <pc:docMk/>
+            <pc:sldMk cId="2292264982" sldId="256"/>
+            <ac:spMk id="5" creationId="{CB76B9EF-5509-7E11-647E-D88F96AC0E91}"/>
+          </ac:spMkLst>
+        </pc:spChg>
+        <pc:spChg chg="del">
+          <ac:chgData name="佐藤　寛也" userId="27837c8b-abaf-4096-b544-58e4cbe7054e" providerId="ADAL" clId="{03C4690F-D76B-48FB-B343-CCF95B0FF544}" dt="2024-07-05T06:35:52.853" v="0" actId="478"/>
+          <ac:spMkLst>
+            <pc:docMk/>
+            <pc:sldMk cId="2292264982" sldId="256"/>
+            <ac:spMk id="7" creationId="{B1409E50-9F00-2674-DECA-28AB5BADBBB0}"/>
+          </ac:spMkLst>
+        </pc:spChg>
+        <pc:spChg chg="add mod">
+          <ac:chgData name="佐藤　寛也" userId="27837c8b-abaf-4096-b544-58e4cbe7054e" providerId="ADAL" clId="{03C4690F-D76B-48FB-B343-CCF95B0FF544}" dt="2024-07-05T06:36:01.982" v="1"/>
+          <ac:spMkLst>
+            <pc:docMk/>
+            <pc:sldMk cId="2292264982" sldId="256"/>
+            <ac:spMk id="8" creationId="{49D27D66-AAE8-E08B-218F-03A7B6FF2F95}"/>
+          </ac:spMkLst>
+        </pc:spChg>
+        <pc:spChg chg="add mod">
+          <ac:chgData name="佐藤　寛也" userId="27837c8b-abaf-4096-b544-58e4cbe7054e" providerId="ADAL" clId="{03C4690F-D76B-48FB-B343-CCF95B0FF544}" dt="2024-07-05T06:36:01.982" v="1"/>
+          <ac:spMkLst>
+            <pc:docMk/>
+            <pc:sldMk cId="2292264982" sldId="256"/>
+            <ac:spMk id="9" creationId="{C500070E-B6D1-AC6E-5ED4-298D0E9250B7}"/>
+          </ac:spMkLst>
+        </pc:spChg>
+        <pc:spChg chg="add mod">
+          <ac:chgData name="佐藤　寛也" userId="27837c8b-abaf-4096-b544-58e4cbe7054e" providerId="ADAL" clId="{03C4690F-D76B-48FB-B343-CCF95B0FF544}" dt="2024-07-05T06:36:01.982" v="1"/>
+          <ac:spMkLst>
+            <pc:docMk/>
+            <pc:sldMk cId="2292264982" sldId="256"/>
+            <ac:spMk id="10" creationId="{7DD91D86-2F47-884B-7F6D-45BC8F5B6D88}"/>
+          </ac:spMkLst>
+        </pc:spChg>
+      </pc:sldChg>
+    </pc:docChg>
+  </pc:docChgLst>
+  <pc:docChgLst>
+    <pc:chgData name="佐藤　寛也" userId="27837c8b-abaf-4096-b544-58e4cbe7054e" providerId="ADAL" clId="{193E6E28-8FC8-4E23-B702-0C05D06AA1DC}"/>
+    <pc:docChg chg="undo redo custSel addSld delSld modSld sldOrd">
+      <pc:chgData name="佐藤　寛也" userId="27837c8b-abaf-4096-b544-58e4cbe7054e" providerId="ADAL" clId="{193E6E28-8FC8-4E23-B702-0C05D06AA1DC}" dt="2024-09-06T02:52:29.130" v="5393"/>
+      <pc:docMkLst>
+        <pc:docMk/>
+      </pc:docMkLst>
+      <pc:sldChg chg="addSp modSp mod">
+        <pc:chgData name="佐藤　寛也" userId="27837c8b-abaf-4096-b544-58e4cbe7054e" providerId="ADAL" clId="{193E6E28-8FC8-4E23-B702-0C05D06AA1DC}" dt="2024-09-06T02:49:25.401" v="5342" actId="20577"/>
+        <pc:sldMkLst>
+          <pc:docMk/>
+          <pc:sldMk cId="2292264982" sldId="256"/>
+        </pc:sldMkLst>
+        <pc:spChg chg="mod">
+          <ac:chgData name="佐藤　寛也" userId="27837c8b-abaf-4096-b544-58e4cbe7054e" providerId="ADAL" clId="{193E6E28-8FC8-4E23-B702-0C05D06AA1DC}" dt="2024-09-06T02:49:20.762" v="5340" actId="27636"/>
+          <ac:spMkLst>
+            <pc:docMk/>
+            <pc:sldMk cId="2292264982" sldId="256"/>
+            <ac:spMk id="3" creationId="{92A3CDA6-C2CF-9E57-ABBE-E6FF1371E360}"/>
+          </ac:spMkLst>
+        </pc:spChg>
+        <pc:spChg chg="add mod">
+          <ac:chgData name="佐藤　寛也" userId="27837c8b-abaf-4096-b544-58e4cbe7054e" providerId="ADAL" clId="{193E6E28-8FC8-4E23-B702-0C05D06AA1DC}" dt="2024-09-06T02:49:25.401" v="5342" actId="20577"/>
+          <ac:spMkLst>
+            <pc:docMk/>
+            <pc:sldMk cId="2292264982" sldId="256"/>
+            <ac:spMk id="4" creationId="{74A8D6B1-152D-8CDC-6D83-B795F55DE09A}"/>
+          </ac:spMkLst>
+        </pc:spChg>
+      </pc:sldChg>
+      <pc:sldChg chg="modSp mod">
+        <pc:chgData name="佐藤　寛也" userId="27837c8b-abaf-4096-b544-58e4cbe7054e" providerId="ADAL" clId="{193E6E28-8FC8-4E23-B702-0C05D06AA1DC}" dt="2024-09-06T02:52:29.130" v="5393"/>
+        <pc:sldMkLst>
+          <pc:docMk/>
+          <pc:sldMk cId="1578608887" sldId="1402"/>
+        </pc:sldMkLst>
+        <pc:spChg chg="mod">
+          <ac:chgData name="佐藤　寛也" userId="27837c8b-abaf-4096-b544-58e4cbe7054e" providerId="ADAL" clId="{193E6E28-8FC8-4E23-B702-0C05D06AA1DC}" dt="2024-09-06T02:52:29.130" v="5393"/>
+          <ac:spMkLst>
+            <pc:docMk/>
+            <pc:sldMk cId="1578608887" sldId="1402"/>
+            <ac:spMk id="3" creationId="{16FF0A75-AD20-769F-6C62-614A33EDE4D0}"/>
+          </ac:spMkLst>
+        </pc:spChg>
+      </pc:sldChg>
+      <pc:sldChg chg="del">
+        <pc:chgData name="佐藤　寛也" userId="27837c8b-abaf-4096-b544-58e4cbe7054e" providerId="ADAL" clId="{193E6E28-8FC8-4E23-B702-0C05D06AA1DC}" dt="2024-09-04T04:44:50.611" v="1734" actId="47"/>
+        <pc:sldMkLst>
+          <pc:docMk/>
+          <pc:sldMk cId="3844574707" sldId="1405"/>
+        </pc:sldMkLst>
+      </pc:sldChg>
+      <pc:sldChg chg="modSp mod ord">
+        <pc:chgData name="佐藤　寛也" userId="27837c8b-abaf-4096-b544-58e4cbe7054e" providerId="ADAL" clId="{193E6E28-8FC8-4E23-B702-0C05D06AA1DC}" dt="2024-09-05T08:28:23.729" v="4210" actId="20577"/>
+        <pc:sldMkLst>
+          <pc:docMk/>
+          <pc:sldMk cId="1985137625" sldId="1406"/>
+        </pc:sldMkLst>
+        <pc:spChg chg="mod">
+          <ac:chgData name="佐藤　寛也" userId="27837c8b-abaf-4096-b544-58e4cbe7054e" providerId="ADAL" clId="{193E6E28-8FC8-4E23-B702-0C05D06AA1DC}" dt="2024-09-05T08:28:23.729" v="4210" actId="20577"/>
+          <ac:spMkLst>
+            <pc:docMk/>
+            <pc:sldMk cId="1985137625" sldId="1406"/>
+            <ac:spMk id="7" creationId="{015FA5FE-9762-006C-3F83-289C82D18762}"/>
+          </ac:spMkLst>
+        </pc:spChg>
+      </pc:sldChg>
+      <pc:sldChg chg="modSp mod">
+        <pc:chgData name="佐藤　寛也" userId="27837c8b-abaf-4096-b544-58e4cbe7054e" providerId="ADAL" clId="{193E6E28-8FC8-4E23-B702-0C05D06AA1DC}" dt="2024-09-04T05:37:32.468" v="2597" actId="20577"/>
+        <pc:sldMkLst>
+          <pc:docMk/>
+          <pc:sldMk cId="754850982" sldId="1407"/>
+        </pc:sldMkLst>
+        <pc:spChg chg="mod">
+          <ac:chgData name="佐藤　寛也" userId="27837c8b-abaf-4096-b544-58e4cbe7054e" providerId="ADAL" clId="{193E6E28-8FC8-4E23-B702-0C05D06AA1DC}" dt="2024-09-04T05:37:32.468" v="2597" actId="20577"/>
+          <ac:spMkLst>
+            <pc:docMk/>
+            <pc:sldMk cId="754850982" sldId="1407"/>
+            <ac:spMk id="7" creationId="{73218CA3-DCC3-9247-1CB7-5311CC12A4F5}"/>
+          </ac:spMkLst>
+        </pc:spChg>
+      </pc:sldChg>
+      <pc:sldChg chg="modSp mod">
+        <pc:chgData name="佐藤　寛也" userId="27837c8b-abaf-4096-b544-58e4cbe7054e" providerId="ADAL" clId="{193E6E28-8FC8-4E23-B702-0C05D06AA1DC}" dt="2024-09-06T02:52:06.113" v="5387" actId="20577"/>
         <pc:sldMkLst>
           <pc:docMk/>
           <pc:sldMk cId="2141358339" sldId="1408"/>
         </pc:sldMkLst>
         <pc:spChg chg="mod">
-          <ac:chgData name="雨宮　智浩" userId="S::9288019215@utac.u-tokyo.ac.jp::018ceb06-00b6-4c8b-821f-fe5856736a8a" providerId="AD" clId="Web-{C59DD01F-5E58-DC3E-F867-C2DF0D0032B2}" dt="2024-09-05T06:42:30.917" v="5" actId="20577"/>
+          <ac:chgData name="佐藤　寛也" userId="27837c8b-abaf-4096-b544-58e4cbe7054e" providerId="ADAL" clId="{193E6E28-8FC8-4E23-B702-0C05D06AA1DC}" dt="2024-09-04T04:41:59.717" v="1667" actId="113"/>
+          <ac:spMkLst>
+            <pc:docMk/>
+            <pc:sldMk cId="2141358339" sldId="1408"/>
+            <ac:spMk id="2" creationId="{8661AFE6-57B7-F88A-D022-A14791F59621}"/>
+          </ac:spMkLst>
+        </pc:spChg>
+        <pc:spChg chg="mod">
+          <ac:chgData name="佐藤　寛也" userId="27837c8b-abaf-4096-b544-58e4cbe7054e" providerId="ADAL" clId="{193E6E28-8FC8-4E23-B702-0C05D06AA1DC}" dt="2024-09-06T02:52:06.113" v="5387" actId="20577"/>
           <ac:spMkLst>
             <pc:docMk/>
             <pc:sldMk cId="2141358339" sldId="1408"/>
@@ -182,25 +404,1939 @@
           </ac:spMkLst>
         </pc:spChg>
       </pc:sldChg>
-      <pc:sldChg chg="ord">
-        <pc:chgData name="雨宮　智浩" userId="S::9288019215@utac.u-tokyo.ac.jp::018ceb06-00b6-4c8b-821f-fe5856736a8a" providerId="AD" clId="Web-{C59DD01F-5E58-DC3E-F867-C2DF0D0032B2}" dt="2024-09-05T06:45:15.233" v="7"/>
+      <pc:sldChg chg="modSp add mod">
+        <pc:chgData name="佐藤　寛也" userId="27837c8b-abaf-4096-b544-58e4cbe7054e" providerId="ADAL" clId="{193E6E28-8FC8-4E23-B702-0C05D06AA1DC}" dt="2024-09-04T10:23:42.444" v="4021" actId="113"/>
+        <pc:sldMkLst>
+          <pc:docMk/>
+          <pc:sldMk cId="737078635" sldId="1409"/>
+        </pc:sldMkLst>
+        <pc:spChg chg="mod">
+          <ac:chgData name="佐藤　寛也" userId="27837c8b-abaf-4096-b544-58e4cbe7054e" providerId="ADAL" clId="{193E6E28-8FC8-4E23-B702-0C05D06AA1DC}" dt="2024-09-04T04:42:21.963" v="1669" actId="113"/>
+          <ac:spMkLst>
+            <pc:docMk/>
+            <pc:sldMk cId="737078635" sldId="1409"/>
+            <ac:spMk id="2" creationId="{8661AFE6-57B7-F88A-D022-A14791F59621}"/>
+          </ac:spMkLst>
+        </pc:spChg>
+        <pc:spChg chg="mod">
+          <ac:chgData name="佐藤　寛也" userId="27837c8b-abaf-4096-b544-58e4cbe7054e" providerId="ADAL" clId="{193E6E28-8FC8-4E23-B702-0C05D06AA1DC}" dt="2024-09-04T10:23:42.444" v="4021" actId="113"/>
+          <ac:spMkLst>
+            <pc:docMk/>
+            <pc:sldMk cId="737078635" sldId="1409"/>
+            <ac:spMk id="3" creationId="{11BE7EF4-56DF-F510-784F-2E996E481ACE}"/>
+          </ac:spMkLst>
+        </pc:spChg>
+      </pc:sldChg>
+      <pc:sldChg chg="addSp delSp modSp new mod ord modClrScheme chgLayout">
+        <pc:chgData name="佐藤　寛也" userId="27837c8b-abaf-4096-b544-58e4cbe7054e" providerId="ADAL" clId="{193E6E28-8FC8-4E23-B702-0C05D06AA1DC}" dt="2024-09-04T04:47:48.111" v="1787" actId="1076"/>
+        <pc:sldMkLst>
+          <pc:docMk/>
+          <pc:sldMk cId="4288561965" sldId="1410"/>
+        </pc:sldMkLst>
+        <pc:spChg chg="mod ord">
+          <ac:chgData name="佐藤　寛也" userId="27837c8b-abaf-4096-b544-58e4cbe7054e" providerId="ADAL" clId="{193E6E28-8FC8-4E23-B702-0C05D06AA1DC}" dt="2024-09-04T04:14:16.162" v="850" actId="700"/>
+          <ac:spMkLst>
+            <pc:docMk/>
+            <pc:sldMk cId="4288561965" sldId="1410"/>
+            <ac:spMk id="2" creationId="{D2EC63E3-45D7-F476-18BF-25E58D75754D}"/>
+          </ac:spMkLst>
+        </pc:spChg>
+        <pc:spChg chg="del mod ord">
+          <ac:chgData name="佐藤　寛也" userId="27837c8b-abaf-4096-b544-58e4cbe7054e" providerId="ADAL" clId="{193E6E28-8FC8-4E23-B702-0C05D06AA1DC}" dt="2024-09-04T04:14:12.735" v="849" actId="700"/>
+          <ac:spMkLst>
+            <pc:docMk/>
+            <pc:sldMk cId="4288561965" sldId="1410"/>
+            <ac:spMk id="3" creationId="{953213B8-1FBE-318A-151A-51BABF1F6ABE}"/>
+          </ac:spMkLst>
+        </pc:spChg>
+        <pc:spChg chg="mod ord">
+          <ac:chgData name="佐藤　寛也" userId="27837c8b-abaf-4096-b544-58e4cbe7054e" providerId="ADAL" clId="{193E6E28-8FC8-4E23-B702-0C05D06AA1DC}" dt="2024-09-04T04:14:16.162" v="850" actId="700"/>
+          <ac:spMkLst>
+            <pc:docMk/>
+            <pc:sldMk cId="4288561965" sldId="1410"/>
+            <ac:spMk id="4" creationId="{8BD9BA96-2C73-F15B-0EC8-A1740938D32B}"/>
+          </ac:spMkLst>
+        </pc:spChg>
+        <pc:spChg chg="mod ord">
+          <ac:chgData name="佐藤　寛也" userId="27837c8b-abaf-4096-b544-58e4cbe7054e" providerId="ADAL" clId="{193E6E28-8FC8-4E23-B702-0C05D06AA1DC}" dt="2024-09-04T04:14:16.162" v="850" actId="700"/>
+          <ac:spMkLst>
+            <pc:docMk/>
+            <pc:sldMk cId="4288561965" sldId="1410"/>
+            <ac:spMk id="5" creationId="{C4BB9A44-04C9-CB39-DD07-4D1DA8158E25}"/>
+          </ac:spMkLst>
+        </pc:spChg>
+        <pc:spChg chg="mod ord">
+          <ac:chgData name="佐藤　寛也" userId="27837c8b-abaf-4096-b544-58e4cbe7054e" providerId="ADAL" clId="{193E6E28-8FC8-4E23-B702-0C05D06AA1DC}" dt="2024-09-04T04:14:16.162" v="850" actId="700"/>
+          <ac:spMkLst>
+            <pc:docMk/>
+            <pc:sldMk cId="4288561965" sldId="1410"/>
+            <ac:spMk id="6" creationId="{297C03DE-83C8-7CF2-6CFB-108BA541C5DD}"/>
+          </ac:spMkLst>
+        </pc:spChg>
+        <pc:spChg chg="add del mod ord">
+          <ac:chgData name="佐藤　寛也" userId="27837c8b-abaf-4096-b544-58e4cbe7054e" providerId="ADAL" clId="{193E6E28-8FC8-4E23-B702-0C05D06AA1DC}" dt="2024-09-04T04:14:16.162" v="850" actId="700"/>
+          <ac:spMkLst>
+            <pc:docMk/>
+            <pc:sldMk cId="4288561965" sldId="1410"/>
+            <ac:spMk id="7" creationId="{FF616FF9-66AA-A57B-F133-D794FAB594A5}"/>
+          </ac:spMkLst>
+        </pc:spChg>
+        <pc:spChg chg="add mod ord">
+          <ac:chgData name="佐藤　寛也" userId="27837c8b-abaf-4096-b544-58e4cbe7054e" providerId="ADAL" clId="{193E6E28-8FC8-4E23-B702-0C05D06AA1DC}" dt="2024-09-04T04:47:45.143" v="1786" actId="5793"/>
+          <ac:spMkLst>
+            <pc:docMk/>
+            <pc:sldMk cId="4288561965" sldId="1410"/>
+            <ac:spMk id="8" creationId="{55FEF13F-7146-C72A-A1BD-C7CB3F1B77BE}"/>
+          </ac:spMkLst>
+        </pc:spChg>
+        <pc:spChg chg="add mod topLvl">
+          <ac:chgData name="佐藤　寛也" userId="27837c8b-abaf-4096-b544-58e4cbe7054e" providerId="ADAL" clId="{193E6E28-8FC8-4E23-B702-0C05D06AA1DC}" dt="2024-09-04T04:46:45.666" v="1759" actId="1076"/>
+          <ac:spMkLst>
+            <pc:docMk/>
+            <pc:sldMk cId="4288561965" sldId="1410"/>
+            <ac:spMk id="14" creationId="{70DDFEBA-092B-A9D6-2266-F35A7F4C94C5}"/>
+          </ac:spMkLst>
+        </pc:spChg>
+        <pc:spChg chg="add del">
+          <ac:chgData name="佐藤　寛也" userId="27837c8b-abaf-4096-b544-58e4cbe7054e" providerId="ADAL" clId="{193E6E28-8FC8-4E23-B702-0C05D06AA1DC}" dt="2024-09-04T04:18:06.583" v="930" actId="11529"/>
+          <ac:spMkLst>
+            <pc:docMk/>
+            <pc:sldMk cId="4288561965" sldId="1410"/>
+            <ac:spMk id="15" creationId="{E94B7C5F-543E-3F63-E908-989BAB38D63C}"/>
+          </ac:spMkLst>
+        </pc:spChg>
+        <pc:spChg chg="add mod topLvl">
+          <ac:chgData name="佐藤　寛也" userId="27837c8b-abaf-4096-b544-58e4cbe7054e" providerId="ADAL" clId="{193E6E28-8FC8-4E23-B702-0C05D06AA1DC}" dt="2024-09-04T04:46:31.636" v="1757" actId="14100"/>
+          <ac:spMkLst>
+            <pc:docMk/>
+            <pc:sldMk cId="4288561965" sldId="1410"/>
+            <ac:spMk id="16" creationId="{BA133BB0-CDDA-EEFB-971F-B1341348D334}"/>
+          </ac:spMkLst>
+        </pc:spChg>
+        <pc:spChg chg="add mod">
+          <ac:chgData name="佐藤　寛也" userId="27837c8b-abaf-4096-b544-58e4cbe7054e" providerId="ADAL" clId="{193E6E28-8FC8-4E23-B702-0C05D06AA1DC}" dt="2024-09-04T04:47:48.111" v="1787" actId="1076"/>
+          <ac:spMkLst>
+            <pc:docMk/>
+            <pc:sldMk cId="4288561965" sldId="1410"/>
+            <ac:spMk id="19" creationId="{AAE4CC20-8DA8-CD98-D4E7-356E56F28EEF}"/>
+          </ac:spMkLst>
+        </pc:spChg>
+        <pc:spChg chg="add mod">
+          <ac:chgData name="佐藤　寛也" userId="27837c8b-abaf-4096-b544-58e4cbe7054e" providerId="ADAL" clId="{193E6E28-8FC8-4E23-B702-0C05D06AA1DC}" dt="2024-09-04T04:45:13.369" v="1740" actId="1076"/>
+          <ac:spMkLst>
+            <pc:docMk/>
+            <pc:sldMk cId="4288561965" sldId="1410"/>
+            <ac:spMk id="21" creationId="{5C6E9D95-BE3E-ED49-4E17-F55D0D399D76}"/>
+          </ac:spMkLst>
+        </pc:spChg>
+        <pc:grpChg chg="add del mod">
+          <ac:chgData name="佐藤　寛也" userId="27837c8b-abaf-4096-b544-58e4cbe7054e" providerId="ADAL" clId="{193E6E28-8FC8-4E23-B702-0C05D06AA1DC}" dt="2024-09-04T04:45:56.226" v="1750" actId="165"/>
+          <ac:grpSpMkLst>
+            <pc:docMk/>
+            <pc:sldMk cId="4288561965" sldId="1410"/>
+            <ac:grpSpMk id="23" creationId="{735F41C9-C4C5-D5EE-D53F-53D2E6670CCF}"/>
+          </ac:grpSpMkLst>
+        </pc:grpChg>
+        <pc:picChg chg="add mod topLvl modCrop">
+          <ac:chgData name="佐藤　寛也" userId="27837c8b-abaf-4096-b544-58e4cbe7054e" providerId="ADAL" clId="{193E6E28-8FC8-4E23-B702-0C05D06AA1DC}" dt="2024-09-04T04:45:56.226" v="1750" actId="165"/>
+          <ac:picMkLst>
+            <pc:docMk/>
+            <pc:sldMk cId="4288561965" sldId="1410"/>
+            <ac:picMk id="10" creationId="{7DD40797-3CD1-E1AF-F422-BFD8D8778E1B}"/>
+          </ac:picMkLst>
+        </pc:picChg>
+        <pc:picChg chg="add mod ord topLvl">
+          <ac:chgData name="佐藤　寛也" userId="27837c8b-abaf-4096-b544-58e4cbe7054e" providerId="ADAL" clId="{193E6E28-8FC8-4E23-B702-0C05D06AA1DC}" dt="2024-09-04T04:46:10.657" v="1753" actId="1076"/>
+          <ac:picMkLst>
+            <pc:docMk/>
+            <pc:sldMk cId="4288561965" sldId="1410"/>
+            <ac:picMk id="12" creationId="{F309749A-0CC3-145E-F4BF-D4F86DB32282}"/>
+          </ac:picMkLst>
+        </pc:picChg>
+        <pc:cxnChg chg="add mod topLvl">
+          <ac:chgData name="佐藤　寛也" userId="27837c8b-abaf-4096-b544-58e4cbe7054e" providerId="ADAL" clId="{193E6E28-8FC8-4E23-B702-0C05D06AA1DC}" dt="2024-09-04T04:46:47.735" v="1760" actId="1076"/>
+          <ac:cxnSpMkLst>
+            <pc:docMk/>
+            <pc:sldMk cId="4288561965" sldId="1410"/>
+            <ac:cxnSpMk id="18" creationId="{2F398C5F-9944-1CAD-7B35-9F9BF6684016}"/>
+          </ac:cxnSpMkLst>
+        </pc:cxnChg>
+      </pc:sldChg>
+      <pc:sldChg chg="addSp delSp modSp new del mod ord">
+        <pc:chgData name="佐藤　寛也" userId="27837c8b-abaf-4096-b544-58e4cbe7054e" providerId="ADAL" clId="{193E6E28-8FC8-4E23-B702-0C05D06AA1DC}" dt="2024-09-05T09:06:56.557" v="5138" actId="47"/>
         <pc:sldMkLst>
           <pc:docMk/>
           <pc:sldMk cId="1810238456" sldId="1411"/>
         </pc:sldMkLst>
+        <pc:spChg chg="mod">
+          <ac:chgData name="佐藤　寛也" userId="27837c8b-abaf-4096-b544-58e4cbe7054e" providerId="ADAL" clId="{193E6E28-8FC8-4E23-B702-0C05D06AA1DC}" dt="2024-09-04T04:43:28.403" v="1729" actId="20577"/>
+          <ac:spMkLst>
+            <pc:docMk/>
+            <pc:sldMk cId="1810238456" sldId="1411"/>
+            <ac:spMk id="2" creationId="{21D0CFCA-348F-6DF4-2D11-99E2969833F2}"/>
+          </ac:spMkLst>
+        </pc:spChg>
+        <pc:spChg chg="del mod">
+          <ac:chgData name="佐藤　寛也" userId="27837c8b-abaf-4096-b544-58e4cbe7054e" providerId="ADAL" clId="{193E6E28-8FC8-4E23-B702-0C05D06AA1DC}" dt="2024-09-04T04:21:24.792" v="1045" actId="478"/>
+          <ac:spMkLst>
+            <pc:docMk/>
+            <pc:sldMk cId="1810238456" sldId="1411"/>
+            <ac:spMk id="3" creationId="{41AEE836-B07F-6756-DC70-5EA0EE3A1CC4}"/>
+          </ac:spMkLst>
+        </pc:spChg>
+        <pc:spChg chg="add mod">
+          <ac:chgData name="佐藤　寛也" userId="27837c8b-abaf-4096-b544-58e4cbe7054e" providerId="ADAL" clId="{193E6E28-8FC8-4E23-B702-0C05D06AA1DC}" dt="2024-09-04T09:23:31.173" v="3751" actId="1076"/>
+          <ac:spMkLst>
+            <pc:docMk/>
+            <pc:sldMk cId="1810238456" sldId="1411"/>
+            <ac:spMk id="7" creationId="{2E7461E0-B650-187F-0547-70108A04EB76}"/>
+          </ac:spMkLst>
+        </pc:spChg>
+        <pc:spChg chg="add mod">
+          <ac:chgData name="佐藤　寛也" userId="27837c8b-abaf-4096-b544-58e4cbe7054e" providerId="ADAL" clId="{193E6E28-8FC8-4E23-B702-0C05D06AA1DC}" dt="2024-09-04T04:21:13.561" v="1042" actId="14100"/>
+          <ac:spMkLst>
+            <pc:docMk/>
+            <pc:sldMk cId="1810238456" sldId="1411"/>
+            <ac:spMk id="8" creationId="{711889AB-7B2F-6A6E-E852-8811831E890F}"/>
+          </ac:spMkLst>
+        </pc:spChg>
+        <pc:spChg chg="add mod">
+          <ac:chgData name="佐藤　寛也" userId="27837c8b-abaf-4096-b544-58e4cbe7054e" providerId="ADAL" clId="{193E6E28-8FC8-4E23-B702-0C05D06AA1DC}" dt="2024-09-04T09:23:31.173" v="3751" actId="1076"/>
+          <ac:spMkLst>
+            <pc:docMk/>
+            <pc:sldMk cId="1810238456" sldId="1411"/>
+            <ac:spMk id="9" creationId="{B50CD7E4-A3CA-1DFD-AD7F-C71027C18AD9}"/>
+          </ac:spMkLst>
+        </pc:spChg>
+        <pc:spChg chg="add mod">
+          <ac:chgData name="佐藤　寛也" userId="27837c8b-abaf-4096-b544-58e4cbe7054e" providerId="ADAL" clId="{193E6E28-8FC8-4E23-B702-0C05D06AA1DC}" dt="2024-09-04T09:23:31.173" v="3751" actId="1076"/>
+          <ac:spMkLst>
+            <pc:docMk/>
+            <pc:sldMk cId="1810238456" sldId="1411"/>
+            <ac:spMk id="10" creationId="{E9B9608B-7923-1E0A-D0CC-7595F0EED9EC}"/>
+          </ac:spMkLst>
+        </pc:spChg>
+        <pc:spChg chg="add del mod">
+          <ac:chgData name="佐藤　寛也" userId="27837c8b-abaf-4096-b544-58e4cbe7054e" providerId="ADAL" clId="{193E6E28-8FC8-4E23-B702-0C05D06AA1DC}" dt="2024-09-04T04:21:27.441" v="1046" actId="478"/>
+          <ac:spMkLst>
+            <pc:docMk/>
+            <pc:sldMk cId="1810238456" sldId="1411"/>
+            <ac:spMk id="14" creationId="{ABA86493-5AE8-89DD-E09A-37987E1AD538}"/>
+          </ac:spMkLst>
+        </pc:spChg>
+        <pc:spChg chg="add mod">
+          <ac:chgData name="佐藤　寛也" userId="27837c8b-abaf-4096-b544-58e4cbe7054e" providerId="ADAL" clId="{193E6E28-8FC8-4E23-B702-0C05D06AA1DC}" dt="2024-09-04T09:23:31.173" v="3751" actId="1076"/>
+          <ac:spMkLst>
+            <pc:docMk/>
+            <pc:sldMk cId="1810238456" sldId="1411"/>
+            <ac:spMk id="15" creationId="{6AC0C189-57F6-5C45-6CF6-8A1BADECB49F}"/>
+          </ac:spMkLst>
+        </pc:spChg>
+        <pc:spChg chg="add mod">
+          <ac:chgData name="佐藤　寛也" userId="27837c8b-abaf-4096-b544-58e4cbe7054e" providerId="ADAL" clId="{193E6E28-8FC8-4E23-B702-0C05D06AA1DC}" dt="2024-09-04T09:23:31.173" v="3751" actId="1076"/>
+          <ac:spMkLst>
+            <pc:docMk/>
+            <pc:sldMk cId="1810238456" sldId="1411"/>
+            <ac:spMk id="16" creationId="{FAC1266D-89CE-06E6-FF8D-D07DA41A0FFE}"/>
+          </ac:spMkLst>
+        </pc:spChg>
+        <pc:spChg chg="add del mod">
+          <ac:chgData name="佐藤　寛也" userId="27837c8b-abaf-4096-b544-58e4cbe7054e" providerId="ADAL" clId="{193E6E28-8FC8-4E23-B702-0C05D06AA1DC}" dt="2024-09-04T10:23:57.963" v="4022" actId="478"/>
+          <ac:spMkLst>
+            <pc:docMk/>
+            <pc:sldMk cId="1810238456" sldId="1411"/>
+            <ac:spMk id="17" creationId="{058E648A-BAE6-E27B-1DC4-1175A3B52EA3}"/>
+          </ac:spMkLst>
+        </pc:spChg>
+        <pc:picChg chg="add mod">
+          <ac:chgData name="佐藤　寛也" userId="27837c8b-abaf-4096-b544-58e4cbe7054e" providerId="ADAL" clId="{193E6E28-8FC8-4E23-B702-0C05D06AA1DC}" dt="2024-09-04T04:21:07.329" v="1041"/>
+          <ac:picMkLst>
+            <pc:docMk/>
+            <pc:sldMk cId="1810238456" sldId="1411"/>
+            <ac:picMk id="11" creationId="{DD413FC8-0CFB-A46C-BA80-DCD723AE08AF}"/>
+          </ac:picMkLst>
+        </pc:picChg>
+        <pc:picChg chg="add mod">
+          <ac:chgData name="佐藤　寛也" userId="27837c8b-abaf-4096-b544-58e4cbe7054e" providerId="ADAL" clId="{193E6E28-8FC8-4E23-B702-0C05D06AA1DC}" dt="2024-09-04T04:21:07.329" v="1041"/>
+          <ac:picMkLst>
+            <pc:docMk/>
+            <pc:sldMk cId="1810238456" sldId="1411"/>
+            <ac:picMk id="12" creationId="{B3A843EF-E3A6-DC9E-6BC2-A7FB2C510DFC}"/>
+          </ac:picMkLst>
+        </pc:picChg>
       </pc:sldChg>
-      <pc:sldChg chg="modSp">
-        <pc:chgData name="雨宮　智浩" userId="S::9288019215@utac.u-tokyo.ac.jp::018ceb06-00b6-4c8b-821f-fe5856736a8a" providerId="AD" clId="Web-{C59DD01F-5E58-DC3E-F867-C2DF0D0032B2}" dt="2024-09-05T06:48:10.534" v="13" actId="20577"/>
+      <pc:sldChg chg="addSp modSp add mod modClrScheme chgLayout">
+        <pc:chgData name="佐藤　寛也" userId="27837c8b-abaf-4096-b544-58e4cbe7054e" providerId="ADAL" clId="{193E6E28-8FC8-4E23-B702-0C05D06AA1DC}" dt="2024-09-04T07:33:49.978" v="2654" actId="1036"/>
+        <pc:sldMkLst>
+          <pc:docMk/>
+          <pc:sldMk cId="360300041" sldId="1412"/>
+        </pc:sldMkLst>
+        <pc:spChg chg="mod ord">
+          <ac:chgData name="佐藤　寛也" userId="27837c8b-abaf-4096-b544-58e4cbe7054e" providerId="ADAL" clId="{193E6E28-8FC8-4E23-B702-0C05D06AA1DC}" dt="2024-09-04T04:14:18.948" v="851" actId="700"/>
+          <ac:spMkLst>
+            <pc:docMk/>
+            <pc:sldMk cId="360300041" sldId="1412"/>
+            <ac:spMk id="2" creationId="{D2EC63E3-45D7-F476-18BF-25E58D75754D}"/>
+          </ac:spMkLst>
+        </pc:spChg>
+        <pc:spChg chg="mod ord">
+          <ac:chgData name="佐藤　寛也" userId="27837c8b-abaf-4096-b544-58e4cbe7054e" providerId="ADAL" clId="{193E6E28-8FC8-4E23-B702-0C05D06AA1DC}" dt="2024-09-04T04:47:42.500" v="1785" actId="313"/>
+          <ac:spMkLst>
+            <pc:docMk/>
+            <pc:sldMk cId="360300041" sldId="1412"/>
+            <ac:spMk id="3" creationId="{953213B8-1FBE-318A-151A-51BABF1F6ABE}"/>
+          </ac:spMkLst>
+        </pc:spChg>
+        <pc:spChg chg="mod ord">
+          <ac:chgData name="佐藤　寛也" userId="27837c8b-abaf-4096-b544-58e4cbe7054e" providerId="ADAL" clId="{193E6E28-8FC8-4E23-B702-0C05D06AA1DC}" dt="2024-09-04T04:14:18.948" v="851" actId="700"/>
+          <ac:spMkLst>
+            <pc:docMk/>
+            <pc:sldMk cId="360300041" sldId="1412"/>
+            <ac:spMk id="4" creationId="{8BD9BA96-2C73-F15B-0EC8-A1740938D32B}"/>
+          </ac:spMkLst>
+        </pc:spChg>
+        <pc:spChg chg="mod ord">
+          <ac:chgData name="佐藤　寛也" userId="27837c8b-abaf-4096-b544-58e4cbe7054e" providerId="ADAL" clId="{193E6E28-8FC8-4E23-B702-0C05D06AA1DC}" dt="2024-09-04T04:14:18.948" v="851" actId="700"/>
+          <ac:spMkLst>
+            <pc:docMk/>
+            <pc:sldMk cId="360300041" sldId="1412"/>
+            <ac:spMk id="5" creationId="{C4BB9A44-04C9-CB39-DD07-4D1DA8158E25}"/>
+          </ac:spMkLst>
+        </pc:spChg>
+        <pc:spChg chg="mod ord">
+          <ac:chgData name="佐藤　寛也" userId="27837c8b-abaf-4096-b544-58e4cbe7054e" providerId="ADAL" clId="{193E6E28-8FC8-4E23-B702-0C05D06AA1DC}" dt="2024-09-04T04:14:18.948" v="851" actId="700"/>
+          <ac:spMkLst>
+            <pc:docMk/>
+            <pc:sldMk cId="360300041" sldId="1412"/>
+            <ac:spMk id="6" creationId="{297C03DE-83C8-7CF2-6CFB-108BA541C5DD}"/>
+          </ac:spMkLst>
+        </pc:spChg>
+        <pc:spChg chg="add mod">
+          <ac:chgData name="佐藤　寛也" userId="27837c8b-abaf-4096-b544-58e4cbe7054e" providerId="ADAL" clId="{193E6E28-8FC8-4E23-B702-0C05D06AA1DC}" dt="2024-09-04T04:13:28.497" v="836" actId="1076"/>
+          <ac:spMkLst>
+            <pc:docMk/>
+            <pc:sldMk cId="360300041" sldId="1412"/>
+            <ac:spMk id="9" creationId="{436A2211-6598-39E1-49D6-3FDBFFA3D253}"/>
+          </ac:spMkLst>
+        </pc:spChg>
+        <pc:spChg chg="add mod">
+          <ac:chgData name="佐藤　寛也" userId="27837c8b-abaf-4096-b544-58e4cbe7054e" providerId="ADAL" clId="{193E6E28-8FC8-4E23-B702-0C05D06AA1DC}" dt="2024-09-04T04:19:44.029" v="955" actId="1076"/>
+          <ac:spMkLst>
+            <pc:docMk/>
+            <pc:sldMk cId="360300041" sldId="1412"/>
+            <ac:spMk id="10" creationId="{F5D2E339-C9B2-5A49-C6D9-FEF71A14B0CE}"/>
+          </ac:spMkLst>
+        </pc:spChg>
+        <pc:spChg chg="add mod">
+          <ac:chgData name="佐藤　寛也" userId="27837c8b-abaf-4096-b544-58e4cbe7054e" providerId="ADAL" clId="{193E6E28-8FC8-4E23-B702-0C05D06AA1DC}" dt="2024-09-04T04:45:29.999" v="1744" actId="120"/>
+          <ac:spMkLst>
+            <pc:docMk/>
+            <pc:sldMk cId="360300041" sldId="1412"/>
+            <ac:spMk id="11" creationId="{6C4F3BB4-84BB-B9DB-31B5-D969F8F419CC}"/>
+          </ac:spMkLst>
+        </pc:spChg>
+        <pc:spChg chg="add mod">
+          <ac:chgData name="佐藤　寛也" userId="27837c8b-abaf-4096-b544-58e4cbe7054e" providerId="ADAL" clId="{193E6E28-8FC8-4E23-B702-0C05D06AA1DC}" dt="2024-09-04T07:33:12.155" v="2643" actId="20577"/>
+          <ac:spMkLst>
+            <pc:docMk/>
+            <pc:sldMk cId="360300041" sldId="1412"/>
+            <ac:spMk id="13" creationId="{C4DF6A5F-5111-F7EB-928B-53FA6EDE050D}"/>
+          </ac:spMkLst>
+        </pc:spChg>
+        <pc:spChg chg="add mod">
+          <ac:chgData name="佐藤　寛也" userId="27837c8b-abaf-4096-b544-58e4cbe7054e" providerId="ADAL" clId="{193E6E28-8FC8-4E23-B702-0C05D06AA1DC}" dt="2024-09-04T07:32:13.385" v="2627" actId="571"/>
+          <ac:spMkLst>
+            <pc:docMk/>
+            <pc:sldMk cId="360300041" sldId="1412"/>
+            <ac:spMk id="15" creationId="{EB2A8EFB-2DBD-A206-C322-53D4353B9D07}"/>
+          </ac:spMkLst>
+        </pc:spChg>
+        <pc:spChg chg="add mod">
+          <ac:chgData name="佐藤　寛也" userId="27837c8b-abaf-4096-b544-58e4cbe7054e" providerId="ADAL" clId="{193E6E28-8FC8-4E23-B702-0C05D06AA1DC}" dt="2024-09-04T07:33:49.978" v="2654" actId="1036"/>
+          <ac:spMkLst>
+            <pc:docMk/>
+            <pc:sldMk cId="360300041" sldId="1412"/>
+            <ac:spMk id="18" creationId="{1BB2D213-780C-5C69-9922-58C04F4ED897}"/>
+          </ac:spMkLst>
+        </pc:spChg>
+        <pc:picChg chg="add mod">
+          <ac:chgData name="佐藤　寛也" userId="27837c8b-abaf-4096-b544-58e4cbe7054e" providerId="ADAL" clId="{193E6E28-8FC8-4E23-B702-0C05D06AA1DC}" dt="2024-09-04T04:19:44.029" v="955" actId="1076"/>
+          <ac:picMkLst>
+            <pc:docMk/>
+            <pc:sldMk cId="360300041" sldId="1412"/>
+            <ac:picMk id="8" creationId="{843C1C8E-EFC2-5530-0CE4-E5BCCB26BD08}"/>
+          </ac:picMkLst>
+        </pc:picChg>
+        <pc:picChg chg="add mod">
+          <ac:chgData name="佐藤　寛也" userId="27837c8b-abaf-4096-b544-58e4cbe7054e" providerId="ADAL" clId="{193E6E28-8FC8-4E23-B702-0C05D06AA1DC}" dt="2024-09-04T07:32:03.639" v="2624" actId="1037"/>
+          <ac:picMkLst>
+            <pc:docMk/>
+            <pc:sldMk cId="360300041" sldId="1412"/>
+            <ac:picMk id="12" creationId="{BFE54770-9D87-D440-564E-5D493C622E76}"/>
+          </ac:picMkLst>
+        </pc:picChg>
+        <pc:cxnChg chg="add mod">
+          <ac:chgData name="佐藤　寛也" userId="27837c8b-abaf-4096-b544-58e4cbe7054e" providerId="ADAL" clId="{193E6E28-8FC8-4E23-B702-0C05D06AA1DC}" dt="2024-09-04T07:33:20.213" v="2648" actId="14100"/>
+          <ac:cxnSpMkLst>
+            <pc:docMk/>
+            <pc:sldMk cId="360300041" sldId="1412"/>
+            <ac:cxnSpMk id="14" creationId="{8414C94A-EB32-7FAA-DEAD-F2EA787EDB3D}"/>
+          </ac:cxnSpMkLst>
+        </pc:cxnChg>
+      </pc:sldChg>
+      <pc:sldChg chg="modSp new del mod">
+        <pc:chgData name="佐藤　寛也" userId="27837c8b-abaf-4096-b544-58e4cbe7054e" providerId="ADAL" clId="{193E6E28-8FC8-4E23-B702-0C05D06AA1DC}" dt="2024-09-04T03:09:50.186" v="142" actId="47"/>
+        <pc:sldMkLst>
+          <pc:docMk/>
+          <pc:sldMk cId="2333443033" sldId="1412"/>
+        </pc:sldMkLst>
+        <pc:spChg chg="mod">
+          <ac:chgData name="佐藤　寛也" userId="27837c8b-abaf-4096-b544-58e4cbe7054e" providerId="ADAL" clId="{193E6E28-8FC8-4E23-B702-0C05D06AA1DC}" dt="2024-09-04T03:09:15.242" v="132" actId="27636"/>
+          <ac:spMkLst>
+            <pc:docMk/>
+            <pc:sldMk cId="2333443033" sldId="1412"/>
+            <ac:spMk id="2" creationId="{9E91D1B4-6CE5-621C-2DC0-4445402B0C7B}"/>
+          </ac:spMkLst>
+        </pc:spChg>
+      </pc:sldChg>
+      <pc:sldChg chg="modSp add mod ord">
+        <pc:chgData name="佐藤　寛也" userId="27837c8b-abaf-4096-b544-58e4cbe7054e" providerId="ADAL" clId="{193E6E28-8FC8-4E23-B702-0C05D06AA1DC}" dt="2024-09-06T02:39:16.348" v="5329" actId="20577"/>
         <pc:sldMkLst>
           <pc:docMk/>
           <pc:sldMk cId="117506766" sldId="1413"/>
         </pc:sldMkLst>
         <pc:spChg chg="mod">
-          <ac:chgData name="雨宮　智浩" userId="S::9288019215@utac.u-tokyo.ac.jp::018ceb06-00b6-4c8b-821f-fe5856736a8a" providerId="AD" clId="Web-{C59DD01F-5E58-DC3E-F867-C2DF0D0032B2}" dt="2024-09-05T06:48:10.534" v="13" actId="20577"/>
+          <ac:chgData name="佐藤　寛也" userId="27837c8b-abaf-4096-b544-58e4cbe7054e" providerId="ADAL" clId="{193E6E28-8FC8-4E23-B702-0C05D06AA1DC}" dt="2024-09-04T04:40:26.983" v="1614" actId="20577"/>
+          <ac:spMkLst>
+            <pc:docMk/>
+            <pc:sldMk cId="117506766" sldId="1413"/>
+            <ac:spMk id="2" creationId="{21D0CFCA-348F-6DF4-2D11-99E2969833F2}"/>
+          </ac:spMkLst>
+        </pc:spChg>
+        <pc:spChg chg="mod">
+          <ac:chgData name="佐藤　寛也" userId="27837c8b-abaf-4096-b544-58e4cbe7054e" providerId="ADAL" clId="{193E6E28-8FC8-4E23-B702-0C05D06AA1DC}" dt="2024-09-06T02:39:16.348" v="5329" actId="20577"/>
           <ac:spMkLst>
             <pc:docMk/>
             <pc:sldMk cId="117506766" sldId="1413"/>
             <ac:spMk id="3" creationId="{41AEE836-B07F-6756-DC70-5EA0EE3A1CC4}"/>
+          </ac:spMkLst>
+        </pc:spChg>
+      </pc:sldChg>
+      <pc:sldChg chg="modSp add del mod">
+        <pc:chgData name="佐藤　寛也" userId="27837c8b-abaf-4096-b544-58e4cbe7054e" providerId="ADAL" clId="{193E6E28-8FC8-4E23-B702-0C05D06AA1DC}" dt="2024-09-04T03:09:49.076" v="141" actId="47"/>
+        <pc:sldMkLst>
+          <pc:docMk/>
+          <pc:sldMk cId="416721258" sldId="1413"/>
+        </pc:sldMkLst>
+        <pc:spChg chg="mod">
+          <ac:chgData name="佐藤　寛也" userId="27837c8b-abaf-4096-b544-58e4cbe7054e" providerId="ADAL" clId="{193E6E28-8FC8-4E23-B702-0C05D06AA1DC}" dt="2024-09-04T03:09:31.705" v="136" actId="14100"/>
+          <ac:spMkLst>
+            <pc:docMk/>
+            <pc:sldMk cId="416721258" sldId="1413"/>
+            <ac:spMk id="2" creationId="{9E91D1B4-6CE5-621C-2DC0-4445402B0C7B}"/>
+          </ac:spMkLst>
+        </pc:spChg>
+      </pc:sldChg>
+      <pc:sldChg chg="add del ord">
+        <pc:chgData name="佐藤　寛也" userId="27837c8b-abaf-4096-b544-58e4cbe7054e" providerId="ADAL" clId="{193E6E28-8FC8-4E23-B702-0C05D06AA1DC}" dt="2024-09-04T03:09:48.121" v="140" actId="47"/>
+        <pc:sldMkLst>
+          <pc:docMk/>
+          <pc:sldMk cId="270009088" sldId="1414"/>
+        </pc:sldMkLst>
+      </pc:sldChg>
+      <pc:sldChg chg="modSp add del mod ord">
+        <pc:chgData name="佐藤　寛也" userId="27837c8b-abaf-4096-b544-58e4cbe7054e" providerId="ADAL" clId="{193E6E28-8FC8-4E23-B702-0C05D06AA1DC}" dt="2024-09-04T05:17:19.489" v="2442" actId="47"/>
+        <pc:sldMkLst>
+          <pc:docMk/>
+          <pc:sldMk cId="3915811712" sldId="1414"/>
+        </pc:sldMkLst>
+        <pc:spChg chg="mod">
+          <ac:chgData name="佐藤　寛也" userId="27837c8b-abaf-4096-b544-58e4cbe7054e" providerId="ADAL" clId="{193E6E28-8FC8-4E23-B702-0C05D06AA1DC}" dt="2024-09-04T04:49:24.965" v="1810" actId="20577"/>
+          <ac:spMkLst>
+            <pc:docMk/>
+            <pc:sldMk cId="3915811712" sldId="1414"/>
+            <ac:spMk id="2" creationId="{21D0CFCA-348F-6DF4-2D11-99E2969833F2}"/>
+          </ac:spMkLst>
+        </pc:spChg>
+        <pc:spChg chg="mod">
+          <ac:chgData name="佐藤　寛也" userId="27837c8b-abaf-4096-b544-58e4cbe7054e" providerId="ADAL" clId="{193E6E28-8FC8-4E23-B702-0C05D06AA1DC}" dt="2024-09-04T05:09:20.596" v="2296" actId="20578"/>
+          <ac:spMkLst>
+            <pc:docMk/>
+            <pc:sldMk cId="3915811712" sldId="1414"/>
+            <ac:spMk id="3" creationId="{41AEE836-B07F-6756-DC70-5EA0EE3A1CC4}"/>
+          </ac:spMkLst>
+        </pc:spChg>
+      </pc:sldChg>
+      <pc:sldChg chg="modSp add mod">
+        <pc:chgData name="佐藤　寛也" userId="27837c8b-abaf-4096-b544-58e4cbe7054e" providerId="ADAL" clId="{193E6E28-8FC8-4E23-B702-0C05D06AA1DC}" dt="2024-09-05T09:28:01.770" v="5259" actId="20577"/>
+        <pc:sldMkLst>
+          <pc:docMk/>
+          <pc:sldMk cId="176847597" sldId="1415"/>
+        </pc:sldMkLst>
+        <pc:spChg chg="mod">
+          <ac:chgData name="佐藤　寛也" userId="27837c8b-abaf-4096-b544-58e4cbe7054e" providerId="ADAL" clId="{193E6E28-8FC8-4E23-B702-0C05D06AA1DC}" dt="2024-09-05T09:28:01.770" v="5259" actId="20577"/>
+          <ac:spMkLst>
+            <pc:docMk/>
+            <pc:sldMk cId="176847597" sldId="1415"/>
+            <ac:spMk id="3" creationId="{41AEE836-B07F-6756-DC70-5EA0EE3A1CC4}"/>
+          </ac:spMkLst>
+        </pc:spChg>
+      </pc:sldChg>
+      <pc:sldChg chg="addSp delSp modSp add del mod ord">
+        <pc:chgData name="佐藤　寛也" userId="27837c8b-abaf-4096-b544-58e4cbe7054e" providerId="ADAL" clId="{193E6E28-8FC8-4E23-B702-0C05D06AA1DC}" dt="2024-09-05T09:06:32.744" v="5119" actId="47"/>
+        <pc:sldMkLst>
+          <pc:docMk/>
+          <pc:sldMk cId="2659024569" sldId="1416"/>
+        </pc:sldMkLst>
+        <pc:spChg chg="mod">
+          <ac:chgData name="佐藤　寛也" userId="27837c8b-abaf-4096-b544-58e4cbe7054e" providerId="ADAL" clId="{193E6E28-8FC8-4E23-B702-0C05D06AA1DC}" dt="2024-09-04T05:07:28.962" v="2281" actId="20577"/>
+          <ac:spMkLst>
+            <pc:docMk/>
+            <pc:sldMk cId="2659024569" sldId="1416"/>
+            <ac:spMk id="3" creationId="{41AEE836-B07F-6756-DC70-5EA0EE3A1CC4}"/>
+          </ac:spMkLst>
+        </pc:spChg>
+        <pc:spChg chg="add mod">
+          <ac:chgData name="佐藤　寛也" userId="27837c8b-abaf-4096-b544-58e4cbe7054e" providerId="ADAL" clId="{193E6E28-8FC8-4E23-B702-0C05D06AA1DC}" dt="2024-09-04T09:00:21.885" v="3687" actId="1582"/>
+          <ac:spMkLst>
+            <pc:docMk/>
+            <pc:sldMk cId="2659024569" sldId="1416"/>
+            <ac:spMk id="8" creationId="{549AE2D9-DA59-50D5-3413-B0D146083583}"/>
+          </ac:spMkLst>
+        </pc:spChg>
+        <pc:spChg chg="add del">
+          <ac:chgData name="佐藤　寛也" userId="27837c8b-abaf-4096-b544-58e4cbe7054e" providerId="ADAL" clId="{193E6E28-8FC8-4E23-B702-0C05D06AA1DC}" dt="2024-09-04T05:09:06.487" v="2295" actId="478"/>
+          <ac:spMkLst>
+            <pc:docMk/>
+            <pc:sldMk cId="2659024569" sldId="1416"/>
+            <ac:spMk id="8" creationId="{F0B24EA4-4BAA-BA18-523E-93A750BD5C55}"/>
+          </ac:spMkLst>
+        </pc:spChg>
+        <pc:spChg chg="add mod">
+          <ac:chgData name="佐藤　寛也" userId="27837c8b-abaf-4096-b544-58e4cbe7054e" providerId="ADAL" clId="{193E6E28-8FC8-4E23-B702-0C05D06AA1DC}" dt="2024-09-04T09:48:25.210" v="3915" actId="1076"/>
+          <ac:spMkLst>
+            <pc:docMk/>
+            <pc:sldMk cId="2659024569" sldId="1416"/>
+            <ac:spMk id="9" creationId="{2BEF2B5C-0BFE-EE67-2BC9-31924B40AA08}"/>
+          </ac:spMkLst>
+        </pc:spChg>
+        <pc:spChg chg="add mod">
+          <ac:chgData name="佐藤　寛也" userId="27837c8b-abaf-4096-b544-58e4cbe7054e" providerId="ADAL" clId="{193E6E28-8FC8-4E23-B702-0C05D06AA1DC}" dt="2024-09-04T09:48:04.130" v="3909" actId="1076"/>
+          <ac:spMkLst>
+            <pc:docMk/>
+            <pc:sldMk cId="2659024569" sldId="1416"/>
+            <ac:spMk id="10" creationId="{77DF0CC4-9166-3878-268B-B07887951991}"/>
+          </ac:spMkLst>
+        </pc:spChg>
+        <pc:spChg chg="add del">
+          <ac:chgData name="佐藤　寛也" userId="27837c8b-abaf-4096-b544-58e4cbe7054e" providerId="ADAL" clId="{193E6E28-8FC8-4E23-B702-0C05D06AA1DC}" dt="2024-09-04T09:00:50.814" v="3692" actId="478"/>
+          <ac:spMkLst>
+            <pc:docMk/>
+            <pc:sldMk cId="2659024569" sldId="1416"/>
+            <ac:spMk id="11" creationId="{EC954807-6560-AE57-95E7-F82A857C931C}"/>
+          </ac:spMkLst>
+        </pc:spChg>
+        <pc:spChg chg="add del mod">
+          <ac:chgData name="佐藤　寛也" userId="27837c8b-abaf-4096-b544-58e4cbe7054e" providerId="ADAL" clId="{193E6E28-8FC8-4E23-B702-0C05D06AA1DC}" dt="2024-09-04T08:58:20.757" v="3664" actId="478"/>
+          <ac:spMkLst>
+            <pc:docMk/>
+            <pc:sldMk cId="2659024569" sldId="1416"/>
+            <ac:spMk id="13" creationId="{C9FAFFB9-93D0-9D7D-D9B0-A6C80D67F416}"/>
+          </ac:spMkLst>
+        </pc:spChg>
+        <pc:spChg chg="add del">
+          <ac:chgData name="佐藤　寛也" userId="27837c8b-abaf-4096-b544-58e4cbe7054e" providerId="ADAL" clId="{193E6E28-8FC8-4E23-B702-0C05D06AA1DC}" dt="2024-09-04T05:13:56.666" v="2409" actId="478"/>
+          <ac:spMkLst>
+            <pc:docMk/>
+            <pc:sldMk cId="2659024569" sldId="1416"/>
+            <ac:spMk id="14" creationId="{24A21E9B-281D-BAE1-5699-0129DD7E86D7}"/>
+          </ac:spMkLst>
+        </pc:spChg>
+        <pc:spChg chg="add mod">
+          <ac:chgData name="佐藤　寛也" userId="27837c8b-abaf-4096-b544-58e4cbe7054e" providerId="ADAL" clId="{193E6E28-8FC8-4E23-B702-0C05D06AA1DC}" dt="2024-09-04T09:00:10.862" v="3685" actId="1582"/>
+          <ac:spMkLst>
+            <pc:docMk/>
+            <pc:sldMk cId="2659024569" sldId="1416"/>
+            <ac:spMk id="14" creationId="{83E5FD2B-71A6-0378-E492-304B82034893}"/>
+          </ac:spMkLst>
+        </pc:spChg>
+        <pc:spChg chg="add del mod">
+          <ac:chgData name="佐藤　寛也" userId="27837c8b-abaf-4096-b544-58e4cbe7054e" providerId="ADAL" clId="{193E6E28-8FC8-4E23-B702-0C05D06AA1DC}" dt="2024-09-04T08:58:56.886" v="3667" actId="478"/>
+          <ac:spMkLst>
+            <pc:docMk/>
+            <pc:sldMk cId="2659024569" sldId="1416"/>
+            <ac:spMk id="15" creationId="{737D231C-57B1-052C-82D1-E71DAE8BC95E}"/>
+          </ac:spMkLst>
+        </pc:spChg>
+        <pc:spChg chg="add mod ord">
+          <ac:chgData name="佐藤　寛也" userId="27837c8b-abaf-4096-b544-58e4cbe7054e" providerId="ADAL" clId="{193E6E28-8FC8-4E23-B702-0C05D06AA1DC}" dt="2024-09-04T09:48:25.210" v="3915" actId="1076"/>
+          <ac:spMkLst>
+            <pc:docMk/>
+            <pc:sldMk cId="2659024569" sldId="1416"/>
+            <ac:spMk id="16" creationId="{EFB4FFCD-A85F-5C00-D4CC-44B23EEB4F38}"/>
+          </ac:spMkLst>
+        </pc:spChg>
+        <pc:spChg chg="add mod">
+          <ac:chgData name="佐藤　寛也" userId="27837c8b-abaf-4096-b544-58e4cbe7054e" providerId="ADAL" clId="{193E6E28-8FC8-4E23-B702-0C05D06AA1DC}" dt="2024-09-04T09:00:10.862" v="3685" actId="1582"/>
+          <ac:spMkLst>
+            <pc:docMk/>
+            <pc:sldMk cId="2659024569" sldId="1416"/>
+            <ac:spMk id="17" creationId="{7198A0E0-FA17-4F47-CC3C-17A4C6473590}"/>
+          </ac:spMkLst>
+        </pc:spChg>
+        <pc:spChg chg="add mod">
+          <ac:chgData name="佐藤　寛也" userId="27837c8b-abaf-4096-b544-58e4cbe7054e" providerId="ADAL" clId="{193E6E28-8FC8-4E23-B702-0C05D06AA1DC}" dt="2024-09-04T09:49:12.272" v="3929" actId="14100"/>
+          <ac:spMkLst>
+            <pc:docMk/>
+            <pc:sldMk cId="2659024569" sldId="1416"/>
+            <ac:spMk id="18" creationId="{F95050BD-DCBF-1534-F37F-004F44F94704}"/>
+          </ac:spMkLst>
+        </pc:spChg>
+        <pc:spChg chg="add del">
+          <ac:chgData name="佐藤　寛也" userId="27837c8b-abaf-4096-b544-58e4cbe7054e" providerId="ADAL" clId="{193E6E28-8FC8-4E23-B702-0C05D06AA1DC}" dt="2024-09-04T05:31:20.738" v="2568" actId="478"/>
+          <ac:spMkLst>
+            <pc:docMk/>
+            <pc:sldMk cId="2659024569" sldId="1416"/>
+            <ac:spMk id="19" creationId="{5FE85ED1-60EF-6CFE-69F9-AB9F31A57623}"/>
+          </ac:spMkLst>
+        </pc:spChg>
+        <pc:spChg chg="add del mod">
+          <ac:chgData name="佐藤　寛也" userId="27837c8b-abaf-4096-b544-58e4cbe7054e" providerId="ADAL" clId="{193E6E28-8FC8-4E23-B702-0C05D06AA1DC}" dt="2024-09-04T08:58:59.870" v="3669" actId="478"/>
+          <ac:spMkLst>
+            <pc:docMk/>
+            <pc:sldMk cId="2659024569" sldId="1416"/>
+            <ac:spMk id="20" creationId="{489AB132-9C77-A190-1410-C672627C3BC9}"/>
+          </ac:spMkLst>
+        </pc:spChg>
+        <pc:graphicFrameChg chg="add mod modGraphic">
+          <ac:chgData name="佐藤　寛也" userId="27837c8b-abaf-4096-b544-58e4cbe7054e" providerId="ADAL" clId="{193E6E28-8FC8-4E23-B702-0C05D06AA1DC}" dt="2024-09-04T09:49:06" v="3928" actId="20577"/>
+          <ac:graphicFrameMkLst>
+            <pc:docMk/>
+            <pc:sldMk cId="2659024569" sldId="1416"/>
+            <ac:graphicFrameMk id="7" creationId="{CD95F47B-724F-6E0A-C103-DA07593C0894}"/>
+          </ac:graphicFrameMkLst>
+        </pc:graphicFrameChg>
+        <pc:cxnChg chg="add mod">
+          <ac:chgData name="佐藤　寛也" userId="27837c8b-abaf-4096-b544-58e4cbe7054e" providerId="ADAL" clId="{193E6E28-8FC8-4E23-B702-0C05D06AA1DC}" dt="2024-09-04T08:58:24.934" v="3665" actId="1076"/>
+          <ac:cxnSpMkLst>
+            <pc:docMk/>
+            <pc:sldMk cId="2659024569" sldId="1416"/>
+            <ac:cxnSpMk id="12" creationId="{9ABD69E2-4E9C-0E2E-84B6-5DA2730856E6}"/>
+          </ac:cxnSpMkLst>
+        </pc:cxnChg>
+        <pc:cxnChg chg="add del mod">
+          <ac:chgData name="佐藤　寛也" userId="27837c8b-abaf-4096-b544-58e4cbe7054e" providerId="ADAL" clId="{193E6E28-8FC8-4E23-B702-0C05D06AA1DC}" dt="2024-09-04T05:32:40.519" v="2578" actId="478"/>
+          <ac:cxnSpMkLst>
+            <pc:docMk/>
+            <pc:sldMk cId="2659024569" sldId="1416"/>
+            <ac:cxnSpMk id="22" creationId="{93760CA7-D477-1AFC-DC56-17CA2DD8F8AE}"/>
+          </ac:cxnSpMkLst>
+        </pc:cxnChg>
+        <pc:cxnChg chg="add del mod">
+          <ac:chgData name="佐藤　寛也" userId="27837c8b-abaf-4096-b544-58e4cbe7054e" providerId="ADAL" clId="{193E6E28-8FC8-4E23-B702-0C05D06AA1DC}" dt="2024-09-04T05:33:30.156" v="2594" actId="478"/>
+          <ac:cxnSpMkLst>
+            <pc:docMk/>
+            <pc:sldMk cId="2659024569" sldId="1416"/>
+            <ac:cxnSpMk id="24" creationId="{E6EFFAFD-24F5-2911-501B-D6DD35B54BF4}"/>
+          </ac:cxnSpMkLst>
+        </pc:cxnChg>
+        <pc:cxnChg chg="add del mod">
+          <ac:chgData name="佐藤　寛也" userId="27837c8b-abaf-4096-b544-58e4cbe7054e" providerId="ADAL" clId="{193E6E28-8FC8-4E23-B702-0C05D06AA1DC}" dt="2024-09-04T05:33:30.156" v="2594" actId="478"/>
+          <ac:cxnSpMkLst>
+            <pc:docMk/>
+            <pc:sldMk cId="2659024569" sldId="1416"/>
+            <ac:cxnSpMk id="25" creationId="{04C03AAB-188C-EF47-EA9E-7FE853030626}"/>
+          </ac:cxnSpMkLst>
+        </pc:cxnChg>
+      </pc:sldChg>
+      <pc:sldChg chg="addSp delSp modSp new mod ord">
+        <pc:chgData name="佐藤　寛也" userId="27837c8b-abaf-4096-b544-58e4cbe7054e" providerId="ADAL" clId="{193E6E28-8FC8-4E23-B702-0C05D06AA1DC}" dt="2024-09-05T08:29:43.315" v="4214" actId="404"/>
+        <pc:sldMkLst>
+          <pc:docMk/>
+          <pc:sldMk cId="2127359854" sldId="1417"/>
+        </pc:sldMkLst>
+        <pc:spChg chg="mod">
+          <ac:chgData name="佐藤　寛也" userId="27837c8b-abaf-4096-b544-58e4cbe7054e" providerId="ADAL" clId="{193E6E28-8FC8-4E23-B702-0C05D06AA1DC}" dt="2024-09-05T08:29:43.315" v="4214" actId="404"/>
+          <ac:spMkLst>
+            <pc:docMk/>
+            <pc:sldMk cId="2127359854" sldId="1417"/>
+            <ac:spMk id="2" creationId="{DAA4631E-08C4-0E32-119E-7BC58AE9E790}"/>
+          </ac:spMkLst>
+        </pc:spChg>
+        <pc:spChg chg="del">
+          <ac:chgData name="佐藤　寛也" userId="27837c8b-abaf-4096-b544-58e4cbe7054e" providerId="ADAL" clId="{193E6E28-8FC8-4E23-B702-0C05D06AA1DC}" dt="2024-09-04T07:37:08.332" v="2656" actId="22"/>
+          <ac:spMkLst>
+            <pc:docMk/>
+            <pc:sldMk cId="2127359854" sldId="1417"/>
+            <ac:spMk id="3" creationId="{252A3F36-8C80-225E-866F-3D1B3DF48EDB}"/>
+          </ac:spMkLst>
+        </pc:spChg>
+        <pc:spChg chg="add del mod">
+          <ac:chgData name="佐藤　寛也" userId="27837c8b-abaf-4096-b544-58e4cbe7054e" providerId="ADAL" clId="{193E6E28-8FC8-4E23-B702-0C05D06AA1DC}" dt="2024-09-04T07:38:40.564" v="2660"/>
+          <ac:spMkLst>
+            <pc:docMk/>
+            <pc:sldMk cId="2127359854" sldId="1417"/>
+            <ac:spMk id="10" creationId="{4C2031B0-DD10-1B23-9960-F9709784CDCC}"/>
+          </ac:spMkLst>
+        </pc:spChg>
+        <pc:spChg chg="add del mod">
+          <ac:chgData name="佐藤　寛也" userId="27837c8b-abaf-4096-b544-58e4cbe7054e" providerId="ADAL" clId="{193E6E28-8FC8-4E23-B702-0C05D06AA1DC}" dt="2024-09-04T08:09:37.558" v="3576" actId="478"/>
+          <ac:spMkLst>
+            <pc:docMk/>
+            <pc:sldMk cId="2127359854" sldId="1417"/>
+            <ac:spMk id="15" creationId="{1B436B85-723F-9246-41D2-7AB66B80A298}"/>
+          </ac:spMkLst>
+        </pc:spChg>
+        <pc:spChg chg="add del mod">
+          <ac:chgData name="佐藤　寛也" userId="27837c8b-abaf-4096-b544-58e4cbe7054e" providerId="ADAL" clId="{193E6E28-8FC8-4E23-B702-0C05D06AA1DC}" dt="2024-09-04T08:09:57.866" v="3584" actId="1038"/>
+          <ac:spMkLst>
+            <pc:docMk/>
+            <pc:sldMk cId="2127359854" sldId="1417"/>
+            <ac:spMk id="16" creationId="{F0DC19EE-563C-180A-EDB8-2801DB7236FB}"/>
+          </ac:spMkLst>
+        </pc:spChg>
+        <pc:spChg chg="add del mod">
+          <ac:chgData name="佐藤　寛也" userId="27837c8b-abaf-4096-b544-58e4cbe7054e" providerId="ADAL" clId="{193E6E28-8FC8-4E23-B702-0C05D06AA1DC}" dt="2024-09-04T08:09:49.184" v="3580" actId="1037"/>
+          <ac:spMkLst>
+            <pc:docMk/>
+            <pc:sldMk cId="2127359854" sldId="1417"/>
+            <ac:spMk id="17" creationId="{F6CDBF55-FAF5-C3A5-F438-B2CC04200004}"/>
+          </ac:spMkLst>
+        </pc:spChg>
+        <pc:spChg chg="add del mod">
+          <ac:chgData name="佐藤　寛也" userId="27837c8b-abaf-4096-b544-58e4cbe7054e" providerId="ADAL" clId="{193E6E28-8FC8-4E23-B702-0C05D06AA1DC}" dt="2024-09-04T08:09:37.558" v="3576" actId="478"/>
+          <ac:spMkLst>
+            <pc:docMk/>
+            <pc:sldMk cId="2127359854" sldId="1417"/>
+            <ac:spMk id="18" creationId="{7D73C95A-4B95-38BC-C5FB-1DA717401B3A}"/>
+          </ac:spMkLst>
+        </pc:spChg>
+        <pc:spChg chg="add del mod">
+          <ac:chgData name="佐藤　寛也" userId="27837c8b-abaf-4096-b544-58e4cbe7054e" providerId="ADAL" clId="{193E6E28-8FC8-4E23-B702-0C05D06AA1DC}" dt="2024-09-04T08:09:37.558" v="3576" actId="478"/>
+          <ac:spMkLst>
+            <pc:docMk/>
+            <pc:sldMk cId="2127359854" sldId="1417"/>
+            <ac:spMk id="19" creationId="{E6D588E6-CD39-D225-38E8-F9B83EEAEFF6}"/>
+          </ac:spMkLst>
+        </pc:spChg>
+        <pc:spChg chg="add del mod">
+          <ac:chgData name="佐藤　寛也" userId="27837c8b-abaf-4096-b544-58e4cbe7054e" providerId="ADAL" clId="{193E6E28-8FC8-4E23-B702-0C05D06AA1DC}" dt="2024-09-04T07:42:46.842" v="2719" actId="478"/>
+          <ac:spMkLst>
+            <pc:docMk/>
+            <pc:sldMk cId="2127359854" sldId="1417"/>
+            <ac:spMk id="20" creationId="{91D86F52-C6FB-F093-100D-85CC93896535}"/>
+          </ac:spMkLst>
+        </pc:spChg>
+        <pc:spChg chg="add del mod">
+          <ac:chgData name="佐藤　寛也" userId="27837c8b-abaf-4096-b544-58e4cbe7054e" providerId="ADAL" clId="{193E6E28-8FC8-4E23-B702-0C05D06AA1DC}" dt="2024-09-04T08:09:49.184" v="3580" actId="1037"/>
+          <ac:spMkLst>
+            <pc:docMk/>
+            <pc:sldMk cId="2127359854" sldId="1417"/>
+            <ac:spMk id="21" creationId="{CE68ECF9-A3C0-9DF9-5DC0-3D511E49790E}"/>
+          </ac:spMkLst>
+        </pc:spChg>
+        <pc:spChg chg="add mod">
+          <ac:chgData name="佐藤　寛也" userId="27837c8b-abaf-4096-b544-58e4cbe7054e" providerId="ADAL" clId="{193E6E28-8FC8-4E23-B702-0C05D06AA1DC}" dt="2024-09-04T08:11:50.124" v="3597" actId="1035"/>
+          <ac:spMkLst>
+            <pc:docMk/>
+            <pc:sldMk cId="2127359854" sldId="1417"/>
+            <ac:spMk id="24" creationId="{2B40E22E-15C3-4952-0BF7-702C427E19CE}"/>
+          </ac:spMkLst>
+        </pc:spChg>
+        <pc:spChg chg="add del">
+          <ac:chgData name="佐藤　寛也" userId="27837c8b-abaf-4096-b544-58e4cbe7054e" providerId="ADAL" clId="{193E6E28-8FC8-4E23-B702-0C05D06AA1DC}" dt="2024-09-04T08:12:52.715" v="3608" actId="478"/>
+          <ac:spMkLst>
+            <pc:docMk/>
+            <pc:sldMk cId="2127359854" sldId="1417"/>
+            <ac:spMk id="25" creationId="{183742CF-9441-BA83-FB9A-F2DDA2CBFA39}"/>
+          </ac:spMkLst>
+        </pc:spChg>
+        <pc:picChg chg="add del mod ord">
+          <ac:chgData name="佐藤　寛也" userId="27837c8b-abaf-4096-b544-58e4cbe7054e" providerId="ADAL" clId="{193E6E28-8FC8-4E23-B702-0C05D06AA1DC}" dt="2024-09-04T07:37:18.233" v="2657" actId="478"/>
+          <ac:picMkLst>
+            <pc:docMk/>
+            <pc:sldMk cId="2127359854" sldId="1417"/>
+            <ac:picMk id="8" creationId="{37B379B1-4905-AB49-73B3-C2073B5E502D}"/>
+          </ac:picMkLst>
+        </pc:picChg>
+        <pc:picChg chg="add del">
+          <ac:chgData name="佐藤　寛也" userId="27837c8b-abaf-4096-b544-58e4cbe7054e" providerId="ADAL" clId="{193E6E28-8FC8-4E23-B702-0C05D06AA1DC}" dt="2024-09-04T07:37:23.214" v="2659" actId="22"/>
+          <ac:picMkLst>
+            <pc:docMk/>
+            <pc:sldMk cId="2127359854" sldId="1417"/>
+            <ac:picMk id="12" creationId="{B94B05BA-3117-3F4B-EDDE-CB6EFF0155D7}"/>
+          </ac:picMkLst>
+        </pc:picChg>
+        <pc:picChg chg="add mod">
+          <ac:chgData name="佐藤　寛也" userId="27837c8b-abaf-4096-b544-58e4cbe7054e" providerId="ADAL" clId="{193E6E28-8FC8-4E23-B702-0C05D06AA1DC}" dt="2024-09-04T08:09:25.360" v="3575" actId="1076"/>
+          <ac:picMkLst>
+            <pc:docMk/>
+            <pc:sldMk cId="2127359854" sldId="1417"/>
+            <ac:picMk id="14" creationId="{211F2B1D-9AEE-6A59-7CE4-771E01313C47}"/>
+          </ac:picMkLst>
+        </pc:picChg>
+        <pc:picChg chg="add mod">
+          <ac:chgData name="佐藤　寛也" userId="27837c8b-abaf-4096-b544-58e4cbe7054e" providerId="ADAL" clId="{193E6E28-8FC8-4E23-B702-0C05D06AA1DC}" dt="2024-09-04T08:11:28.293" v="3591" actId="1076"/>
+          <ac:picMkLst>
+            <pc:docMk/>
+            <pc:sldMk cId="2127359854" sldId="1417"/>
+            <ac:picMk id="23" creationId="{956AA407-9D39-7C11-4329-63DF6CE12F99}"/>
+          </ac:picMkLst>
+        </pc:picChg>
+        <pc:cxnChg chg="add mod">
+          <ac:chgData name="佐藤　寛也" userId="27837c8b-abaf-4096-b544-58e4cbe7054e" providerId="ADAL" clId="{193E6E28-8FC8-4E23-B702-0C05D06AA1DC}" dt="2024-09-04T08:13:08.185" v="3615" actId="692"/>
+          <ac:cxnSpMkLst>
+            <pc:docMk/>
+            <pc:sldMk cId="2127359854" sldId="1417"/>
+            <ac:cxnSpMk id="27" creationId="{F4C1438F-47D9-3EA6-3269-4033E5F7EE56}"/>
+          </ac:cxnSpMkLst>
+        </pc:cxnChg>
+      </pc:sldChg>
+      <pc:sldChg chg="addSp delSp modSp add mod ord">
+        <pc:chgData name="佐藤　寛也" userId="27837c8b-abaf-4096-b544-58e4cbe7054e" providerId="ADAL" clId="{193E6E28-8FC8-4E23-B702-0C05D06AA1DC}" dt="2024-09-04T08:12:42.740" v="3606" actId="14100"/>
+        <pc:sldMkLst>
+          <pc:docMk/>
+          <pc:sldMk cId="2473131799" sldId="1418"/>
+        </pc:sldMkLst>
+        <pc:spChg chg="mod">
+          <ac:chgData name="佐藤　寛也" userId="27837c8b-abaf-4096-b544-58e4cbe7054e" providerId="ADAL" clId="{193E6E28-8FC8-4E23-B702-0C05D06AA1DC}" dt="2024-09-04T08:08:23.854" v="3569" actId="20577"/>
+          <ac:spMkLst>
+            <pc:docMk/>
+            <pc:sldMk cId="2473131799" sldId="1418"/>
+            <ac:spMk id="2" creationId="{DAA4631E-08C4-0E32-119E-7BC58AE9E790}"/>
+          </ac:spMkLst>
+        </pc:spChg>
+        <pc:spChg chg="add del mod">
+          <ac:chgData name="佐藤　寛也" userId="27837c8b-abaf-4096-b544-58e4cbe7054e" providerId="ADAL" clId="{193E6E28-8FC8-4E23-B702-0C05D06AA1DC}" dt="2024-09-04T07:44:38.351" v="2736" actId="478"/>
+          <ac:spMkLst>
+            <pc:docMk/>
+            <pc:sldMk cId="2473131799" sldId="1418"/>
+            <ac:spMk id="9" creationId="{43D47544-F5D1-66EF-C3C8-06B4B9967E9F}"/>
+          </ac:spMkLst>
+        </pc:spChg>
+        <pc:spChg chg="add del mod">
+          <ac:chgData name="佐藤　寛也" userId="27837c8b-abaf-4096-b544-58e4cbe7054e" providerId="ADAL" clId="{193E6E28-8FC8-4E23-B702-0C05D06AA1DC}" dt="2024-09-04T07:44:41.186" v="2738" actId="478"/>
+          <ac:spMkLst>
+            <pc:docMk/>
+            <pc:sldMk cId="2473131799" sldId="1418"/>
+            <ac:spMk id="11" creationId="{E8AD554F-9F8D-E11D-EC7C-7219897858B2}"/>
+          </ac:spMkLst>
+        </pc:spChg>
+        <pc:spChg chg="add del mod">
+          <ac:chgData name="佐藤　寛也" userId="27837c8b-abaf-4096-b544-58e4cbe7054e" providerId="ADAL" clId="{193E6E28-8FC8-4E23-B702-0C05D06AA1DC}" dt="2024-09-04T07:44:45.271" v="2740" actId="478"/>
+          <ac:spMkLst>
+            <pc:docMk/>
+            <pc:sldMk cId="2473131799" sldId="1418"/>
+            <ac:spMk id="13" creationId="{E230B75D-07D4-D7C7-2821-3CCCAF092EF3}"/>
+          </ac:spMkLst>
+        </pc:spChg>
+        <pc:spChg chg="mod">
+          <ac:chgData name="佐藤　寛也" userId="27837c8b-abaf-4096-b544-58e4cbe7054e" providerId="ADAL" clId="{193E6E28-8FC8-4E23-B702-0C05D06AA1DC}" dt="2024-09-04T07:45:09.601" v="2749" actId="1076"/>
+          <ac:spMkLst>
+            <pc:docMk/>
+            <pc:sldMk cId="2473131799" sldId="1418"/>
+            <ac:spMk id="15" creationId="{1B436B85-723F-9246-41D2-7AB66B80A298}"/>
+          </ac:spMkLst>
+        </pc:spChg>
+        <pc:spChg chg="del">
+          <ac:chgData name="佐藤　寛也" userId="27837c8b-abaf-4096-b544-58e4cbe7054e" providerId="ADAL" clId="{193E6E28-8FC8-4E23-B702-0C05D06AA1DC}" dt="2024-09-04T07:45:04.902" v="2748" actId="478"/>
+          <ac:spMkLst>
+            <pc:docMk/>
+            <pc:sldMk cId="2473131799" sldId="1418"/>
+            <ac:spMk id="16" creationId="{F0DC19EE-563C-180A-EDB8-2801DB7236FB}"/>
+          </ac:spMkLst>
+        </pc:spChg>
+        <pc:spChg chg="del">
+          <ac:chgData name="佐藤　寛也" userId="27837c8b-abaf-4096-b544-58e4cbe7054e" providerId="ADAL" clId="{193E6E28-8FC8-4E23-B702-0C05D06AA1DC}" dt="2024-09-04T07:45:04.902" v="2748" actId="478"/>
+          <ac:spMkLst>
+            <pc:docMk/>
+            <pc:sldMk cId="2473131799" sldId="1418"/>
+            <ac:spMk id="17" creationId="{F6CDBF55-FAF5-C3A5-F438-B2CC04200004}"/>
+          </ac:spMkLst>
+        </pc:spChg>
+        <pc:spChg chg="mod">
+          <ac:chgData name="佐藤　寛也" userId="27837c8b-abaf-4096-b544-58e4cbe7054e" providerId="ADAL" clId="{193E6E28-8FC8-4E23-B702-0C05D06AA1DC}" dt="2024-09-04T08:09:08.258" v="3573" actId="1076"/>
+          <ac:spMkLst>
+            <pc:docMk/>
+            <pc:sldMk cId="2473131799" sldId="1418"/>
+            <ac:spMk id="18" creationId="{7D73C95A-4B95-38BC-C5FB-1DA717401B3A}"/>
+          </ac:spMkLst>
+        </pc:spChg>
+        <pc:spChg chg="mod">
+          <ac:chgData name="佐藤　寛也" userId="27837c8b-abaf-4096-b544-58e4cbe7054e" providerId="ADAL" clId="{193E6E28-8FC8-4E23-B702-0C05D06AA1DC}" dt="2024-09-04T07:45:09.601" v="2749" actId="1076"/>
+          <ac:spMkLst>
+            <pc:docMk/>
+            <pc:sldMk cId="2473131799" sldId="1418"/>
+            <ac:spMk id="19" creationId="{E6D588E6-CD39-D225-38E8-F9B83EEAEFF6}"/>
+          </ac:spMkLst>
+        </pc:spChg>
+        <pc:spChg chg="del">
+          <ac:chgData name="佐藤　寛也" userId="27837c8b-abaf-4096-b544-58e4cbe7054e" providerId="ADAL" clId="{193E6E28-8FC8-4E23-B702-0C05D06AA1DC}" dt="2024-09-04T07:45:04.902" v="2748" actId="478"/>
+          <ac:spMkLst>
+            <pc:docMk/>
+            <pc:sldMk cId="2473131799" sldId="1418"/>
+            <ac:spMk id="21" creationId="{CE68ECF9-A3C0-9DF9-5DC0-3D511E49790E}"/>
+          </ac:spMkLst>
+        </pc:spChg>
+        <pc:spChg chg="add del mod">
+          <ac:chgData name="佐藤　寛也" userId="27837c8b-abaf-4096-b544-58e4cbe7054e" providerId="ADAL" clId="{193E6E28-8FC8-4E23-B702-0C05D06AA1DC}" dt="2024-09-04T07:44:54.188" v="2745"/>
+          <ac:spMkLst>
+            <pc:docMk/>
+            <pc:sldMk cId="2473131799" sldId="1418"/>
+            <ac:spMk id="22" creationId="{4CA4ACC5-CFE4-1E84-A15B-A0604E8958B4}"/>
+          </ac:spMkLst>
+        </pc:spChg>
+        <pc:spChg chg="add mod">
+          <ac:chgData name="佐藤　寛也" userId="27837c8b-abaf-4096-b544-58e4cbe7054e" providerId="ADAL" clId="{193E6E28-8FC8-4E23-B702-0C05D06AA1DC}" dt="2024-09-04T08:11:59.397" v="3600" actId="14100"/>
+          <ac:spMkLst>
+            <pc:docMk/>
+            <pc:sldMk cId="2473131799" sldId="1418"/>
+            <ac:spMk id="25" creationId="{1A1A300E-1CB5-6469-5262-841788DA66BD}"/>
+          </ac:spMkLst>
+        </pc:spChg>
+        <pc:spChg chg="add mod">
+          <ac:chgData name="佐藤　寛也" userId="27837c8b-abaf-4096-b544-58e4cbe7054e" providerId="ADAL" clId="{193E6E28-8FC8-4E23-B702-0C05D06AA1DC}" dt="2024-09-04T08:12:42.740" v="3606" actId="14100"/>
+          <ac:spMkLst>
+            <pc:docMk/>
+            <pc:sldMk cId="2473131799" sldId="1418"/>
+            <ac:spMk id="26" creationId="{75D3F8DF-B853-F8F8-9105-1D48DB735745}"/>
+          </ac:spMkLst>
+        </pc:spChg>
+        <pc:picChg chg="mod">
+          <ac:chgData name="佐藤　寛也" userId="27837c8b-abaf-4096-b544-58e4cbe7054e" providerId="ADAL" clId="{193E6E28-8FC8-4E23-B702-0C05D06AA1DC}" dt="2024-09-04T08:10:10.168" v="3585" actId="1076"/>
+          <ac:picMkLst>
+            <pc:docMk/>
+            <pc:sldMk cId="2473131799" sldId="1418"/>
+            <ac:picMk id="3" creationId="{45F7C8BB-D72F-C945-B7FD-81F0902BB732}"/>
+          </ac:picMkLst>
+        </pc:picChg>
+        <pc:picChg chg="add del mod ord">
+          <ac:chgData name="佐藤　寛也" userId="27837c8b-abaf-4096-b544-58e4cbe7054e" providerId="ADAL" clId="{193E6E28-8FC8-4E23-B702-0C05D06AA1DC}" dt="2024-09-04T07:44:46.996" v="2743" actId="478"/>
+          <ac:picMkLst>
+            <pc:docMk/>
+            <pc:sldMk cId="2473131799" sldId="1418"/>
+            <ac:picMk id="7" creationId="{A7CAC9B1-1AB9-DAAA-3172-DC26DD4C7641}"/>
+          </ac:picMkLst>
+        </pc:picChg>
+        <pc:picChg chg="add del mod">
+          <ac:chgData name="佐藤　寛也" userId="27837c8b-abaf-4096-b544-58e4cbe7054e" providerId="ADAL" clId="{193E6E28-8FC8-4E23-B702-0C05D06AA1DC}" dt="2024-09-04T07:44:48.358" v="2744" actId="478"/>
+          <ac:picMkLst>
+            <pc:docMk/>
+            <pc:sldMk cId="2473131799" sldId="1418"/>
+            <ac:picMk id="14" creationId="{211F2B1D-9AEE-6A59-7CE4-771E01313C47}"/>
+          </ac:picMkLst>
+        </pc:picChg>
+        <pc:picChg chg="add mod ord">
+          <ac:chgData name="佐藤　寛也" userId="27837c8b-abaf-4096-b544-58e4cbe7054e" providerId="ADAL" clId="{193E6E28-8FC8-4E23-B702-0C05D06AA1DC}" dt="2024-09-04T07:44:58.198" v="2747" actId="167"/>
+          <ac:picMkLst>
+            <pc:docMk/>
+            <pc:sldMk cId="2473131799" sldId="1418"/>
+            <ac:picMk id="24" creationId="{61796372-4A04-4435-7FD8-7EBAC9111186}"/>
+          </ac:picMkLst>
+        </pc:picChg>
+      </pc:sldChg>
+      <pc:sldChg chg="addSp delSp modSp new mod">
+        <pc:chgData name="佐藤　寛也" userId="27837c8b-abaf-4096-b544-58e4cbe7054e" providerId="ADAL" clId="{193E6E28-8FC8-4E23-B702-0C05D06AA1DC}" dt="2024-09-05T08:29:33.101" v="4212" actId="404"/>
+        <pc:sldMkLst>
+          <pc:docMk/>
+          <pc:sldMk cId="280610682" sldId="1419"/>
+        </pc:sldMkLst>
+        <pc:spChg chg="mod">
+          <ac:chgData name="佐藤　寛也" userId="27837c8b-abaf-4096-b544-58e4cbe7054e" providerId="ADAL" clId="{193E6E28-8FC8-4E23-B702-0C05D06AA1DC}" dt="2024-09-05T08:29:33.101" v="4212" actId="404"/>
+          <ac:spMkLst>
+            <pc:docMk/>
+            <pc:sldMk cId="280610682" sldId="1419"/>
+            <ac:spMk id="2" creationId="{616BBF18-2EA3-DF8C-AC99-B7328D4F60C3}"/>
+          </ac:spMkLst>
+        </pc:spChg>
+        <pc:spChg chg="del">
+          <ac:chgData name="佐藤　寛也" userId="27837c8b-abaf-4096-b544-58e4cbe7054e" providerId="ADAL" clId="{193E6E28-8FC8-4E23-B702-0C05D06AA1DC}" dt="2024-09-04T07:49:36.566" v="2757"/>
+          <ac:spMkLst>
+            <pc:docMk/>
+            <pc:sldMk cId="280610682" sldId="1419"/>
+            <ac:spMk id="3" creationId="{38282C82-5977-36DC-546C-B59D9A037010}"/>
+          </ac:spMkLst>
+        </pc:spChg>
+        <pc:spChg chg="add del mod">
+          <ac:chgData name="佐藤　寛也" userId="27837c8b-abaf-4096-b544-58e4cbe7054e" providerId="ADAL" clId="{193E6E28-8FC8-4E23-B702-0C05D06AA1DC}" dt="2024-09-04T07:51:00.076" v="2780" actId="21"/>
+          <ac:spMkLst>
+            <pc:docMk/>
+            <pc:sldMk cId="280610682" sldId="1419"/>
+            <ac:spMk id="9" creationId="{D89255AF-7EC5-8CD7-A46F-17BBBCC60CAD}"/>
+          </ac:spMkLst>
+        </pc:spChg>
+        <pc:spChg chg="add mod">
+          <ac:chgData name="佐藤　寛也" userId="27837c8b-abaf-4096-b544-58e4cbe7054e" providerId="ADAL" clId="{193E6E28-8FC8-4E23-B702-0C05D06AA1DC}" dt="2024-09-04T07:50:38.174" v="2778" actId="1037"/>
+          <ac:spMkLst>
+            <pc:docMk/>
+            <pc:sldMk cId="280610682" sldId="1419"/>
+            <ac:spMk id="10" creationId="{73DF0402-38DC-B08E-5268-777359499633}"/>
+          </ac:spMkLst>
+        </pc:spChg>
+        <pc:spChg chg="add mod">
+          <ac:chgData name="佐藤　寛也" userId="27837c8b-abaf-4096-b544-58e4cbe7054e" providerId="ADAL" clId="{193E6E28-8FC8-4E23-B702-0C05D06AA1DC}" dt="2024-09-04T07:50:31.109" v="2768" actId="1076"/>
+          <ac:spMkLst>
+            <pc:docMk/>
+            <pc:sldMk cId="280610682" sldId="1419"/>
+            <ac:spMk id="11" creationId="{28098476-6517-BB5A-C683-D01771E4CF48}"/>
+          </ac:spMkLst>
+        </pc:spChg>
+        <pc:picChg chg="add mod">
+          <ac:chgData name="佐藤　寛也" userId="27837c8b-abaf-4096-b544-58e4cbe7054e" providerId="ADAL" clId="{193E6E28-8FC8-4E23-B702-0C05D06AA1DC}" dt="2024-09-04T07:49:38.447" v="2758" actId="27614"/>
+          <ac:picMkLst>
+            <pc:docMk/>
+            <pc:sldMk cId="280610682" sldId="1419"/>
+            <ac:picMk id="8" creationId="{715C7BA1-B92C-6F40-BD15-60FA37996BA0}"/>
+          </ac:picMkLst>
+        </pc:picChg>
+      </pc:sldChg>
+      <pc:sldChg chg="addSp delSp modSp new mod">
+        <pc:chgData name="佐藤　寛也" userId="27837c8b-abaf-4096-b544-58e4cbe7054e" providerId="ADAL" clId="{193E6E28-8FC8-4E23-B702-0C05D06AA1DC}" dt="2024-09-06T02:52:08.814" v="5392"/>
+        <pc:sldMkLst>
+          <pc:docMk/>
+          <pc:sldMk cId="2698866615" sldId="1420"/>
+        </pc:sldMkLst>
+        <pc:spChg chg="mod">
+          <ac:chgData name="佐藤　寛也" userId="27837c8b-abaf-4096-b544-58e4cbe7054e" providerId="ADAL" clId="{193E6E28-8FC8-4E23-B702-0C05D06AA1DC}" dt="2024-09-06T02:52:08.498" v="5391" actId="20577"/>
+          <ac:spMkLst>
+            <pc:docMk/>
+            <pc:sldMk cId="2698866615" sldId="1420"/>
+            <ac:spMk id="2" creationId="{3F9BFB1D-6AA6-7123-ED79-C9B8C17397B4}"/>
+          </ac:spMkLst>
+        </pc:spChg>
+        <pc:spChg chg="del">
+          <ac:chgData name="佐藤　寛也" userId="27837c8b-abaf-4096-b544-58e4cbe7054e" providerId="ADAL" clId="{193E6E28-8FC8-4E23-B702-0C05D06AA1DC}" dt="2024-09-04T07:49:49.730" v="2760"/>
+          <ac:spMkLst>
+            <pc:docMk/>
+            <pc:sldMk cId="2698866615" sldId="1420"/>
+            <ac:spMk id="3" creationId="{F7C3B6F9-D0F4-20D6-B4A8-4DFAA5BAC55D}"/>
+          </ac:spMkLst>
+        </pc:spChg>
+        <pc:spChg chg="add mod">
+          <ac:chgData name="佐藤　寛也" userId="27837c8b-abaf-4096-b544-58e4cbe7054e" providerId="ADAL" clId="{193E6E28-8FC8-4E23-B702-0C05D06AA1DC}" dt="2024-09-04T07:51:13.846" v="2784" actId="1038"/>
+          <ac:spMkLst>
+            <pc:docMk/>
+            <pc:sldMk cId="2698866615" sldId="1420"/>
+            <ac:spMk id="9" creationId="{B26D6197-871C-1E39-E761-0892E07E53A6}"/>
+          </ac:spMkLst>
+        </pc:spChg>
+        <pc:spChg chg="add mod">
+          <ac:chgData name="佐藤　寛也" userId="27837c8b-abaf-4096-b544-58e4cbe7054e" providerId="ADAL" clId="{193E6E28-8FC8-4E23-B702-0C05D06AA1DC}" dt="2024-09-04T07:51:41.897" v="2790" actId="14100"/>
+          <ac:spMkLst>
+            <pc:docMk/>
+            <pc:sldMk cId="2698866615" sldId="1420"/>
+            <ac:spMk id="10" creationId="{00728A6A-76A4-E921-26C6-B3AC1D809ABF}"/>
+          </ac:spMkLst>
+        </pc:spChg>
+        <pc:spChg chg="add mod">
+          <ac:chgData name="佐藤　寛也" userId="27837c8b-abaf-4096-b544-58e4cbe7054e" providerId="ADAL" clId="{193E6E28-8FC8-4E23-B702-0C05D06AA1DC}" dt="2024-09-04T07:52:23.301" v="2795" actId="14100"/>
+          <ac:spMkLst>
+            <pc:docMk/>
+            <pc:sldMk cId="2698866615" sldId="1420"/>
+            <ac:spMk id="13" creationId="{F8E4AD28-FD4B-07B4-D706-B62EBE56C381}"/>
+          </ac:spMkLst>
+        </pc:spChg>
+        <pc:spChg chg="add mod">
+          <ac:chgData name="佐藤　寛也" userId="27837c8b-abaf-4096-b544-58e4cbe7054e" providerId="ADAL" clId="{193E6E28-8FC8-4E23-B702-0C05D06AA1DC}" dt="2024-09-04T07:53:31.664" v="2824" actId="1037"/>
+          <ac:spMkLst>
+            <pc:docMk/>
+            <pc:sldMk cId="2698866615" sldId="1420"/>
+            <ac:spMk id="14" creationId="{5EFACEEC-0F13-B200-86A5-264E03635949}"/>
+          </ac:spMkLst>
+        </pc:spChg>
+        <pc:spChg chg="add mod">
+          <ac:chgData name="佐藤　寛也" userId="27837c8b-abaf-4096-b544-58e4cbe7054e" providerId="ADAL" clId="{193E6E28-8FC8-4E23-B702-0C05D06AA1DC}" dt="2024-09-04T07:54:18.573" v="2830" actId="692"/>
+          <ac:spMkLst>
+            <pc:docMk/>
+            <pc:sldMk cId="2698866615" sldId="1420"/>
+            <ac:spMk id="15" creationId="{AAA0F9F2-AF40-2A6D-8B91-1F21711C8A2F}"/>
+          </ac:spMkLst>
+        </pc:spChg>
+        <pc:spChg chg="add mod">
+          <ac:chgData name="佐藤　寛也" userId="27837c8b-abaf-4096-b544-58e4cbe7054e" providerId="ADAL" clId="{193E6E28-8FC8-4E23-B702-0C05D06AA1DC}" dt="2024-09-04T07:54:18.573" v="2830" actId="692"/>
+          <ac:spMkLst>
+            <pc:docMk/>
+            <pc:sldMk cId="2698866615" sldId="1420"/>
+            <ac:spMk id="16" creationId="{3D252DBD-76DE-CD5B-AC7E-9E9D040B595C}"/>
+          </ac:spMkLst>
+        </pc:spChg>
+        <pc:spChg chg="add mod">
+          <ac:chgData name="佐藤　寛也" userId="27837c8b-abaf-4096-b544-58e4cbe7054e" providerId="ADAL" clId="{193E6E28-8FC8-4E23-B702-0C05D06AA1DC}" dt="2024-09-04T08:04:50.184" v="3454" actId="1076"/>
+          <ac:spMkLst>
+            <pc:docMk/>
+            <pc:sldMk cId="2698866615" sldId="1420"/>
+            <ac:spMk id="17" creationId="{7AFE6929-7E40-B2B6-45C8-951BCAF8BF00}"/>
+          </ac:spMkLst>
+        </pc:spChg>
+        <pc:spChg chg="add mod">
+          <ac:chgData name="佐藤　寛也" userId="27837c8b-abaf-4096-b544-58e4cbe7054e" providerId="ADAL" clId="{193E6E28-8FC8-4E23-B702-0C05D06AA1DC}" dt="2024-09-04T07:55:05.736" v="2855" actId="1036"/>
+          <ac:spMkLst>
+            <pc:docMk/>
+            <pc:sldMk cId="2698866615" sldId="1420"/>
+            <ac:spMk id="18" creationId="{51C32DB4-2474-2AE7-3BBE-FC97226E0DB5}"/>
+          </ac:spMkLst>
+        </pc:spChg>
+        <pc:spChg chg="add mod">
+          <ac:chgData name="佐藤　寛也" userId="27837c8b-abaf-4096-b544-58e4cbe7054e" providerId="ADAL" clId="{193E6E28-8FC8-4E23-B702-0C05D06AA1DC}" dt="2024-09-06T02:52:08.814" v="5392"/>
+          <ac:spMkLst>
+            <pc:docMk/>
+            <pc:sldMk cId="2698866615" sldId="1420"/>
+            <ac:spMk id="19" creationId="{A4CBD873-9283-E822-05D7-39E0A0831949}"/>
+          </ac:spMkLst>
+        </pc:spChg>
+        <pc:picChg chg="add mod">
+          <ac:chgData name="佐藤　寛也" userId="27837c8b-abaf-4096-b544-58e4cbe7054e" providerId="ADAL" clId="{193E6E28-8FC8-4E23-B702-0C05D06AA1DC}" dt="2024-09-04T07:51:18.323" v="2787" actId="1076"/>
+          <ac:picMkLst>
+            <pc:docMk/>
+            <pc:sldMk cId="2698866615" sldId="1420"/>
+            <ac:picMk id="8" creationId="{0DCE835E-D41F-1506-D64E-1E7A09A24010}"/>
+          </ac:picMkLst>
+        </pc:picChg>
+        <pc:picChg chg="add mod">
+          <ac:chgData name="佐藤　寛也" userId="27837c8b-abaf-4096-b544-58e4cbe7054e" providerId="ADAL" clId="{193E6E28-8FC8-4E23-B702-0C05D06AA1DC}" dt="2024-09-04T07:53:14.943" v="2812" actId="1582"/>
+          <ac:picMkLst>
+            <pc:docMk/>
+            <pc:sldMk cId="2698866615" sldId="1420"/>
+            <ac:picMk id="12" creationId="{44521B13-CCAB-0F47-2838-D4696DC240A2}"/>
+          </ac:picMkLst>
+        </pc:picChg>
+      </pc:sldChg>
+      <pc:sldChg chg="addSp delSp modSp new mod">
+        <pc:chgData name="佐藤　寛也" userId="27837c8b-abaf-4096-b544-58e4cbe7054e" providerId="ADAL" clId="{193E6E28-8FC8-4E23-B702-0C05D06AA1DC}" dt="2024-09-06T02:38:32.165" v="5317" actId="207"/>
+        <pc:sldMkLst>
+          <pc:docMk/>
+          <pc:sldMk cId="1866858908" sldId="1421"/>
+        </pc:sldMkLst>
+        <pc:spChg chg="mod">
+          <ac:chgData name="佐藤　寛也" userId="27837c8b-abaf-4096-b544-58e4cbe7054e" providerId="ADAL" clId="{193E6E28-8FC8-4E23-B702-0C05D06AA1DC}" dt="2024-09-04T08:05:31.968" v="3456" actId="20577"/>
+          <ac:spMkLst>
+            <pc:docMk/>
+            <pc:sldMk cId="1866858908" sldId="1421"/>
+            <ac:spMk id="5" creationId="{01B5EB9C-C463-9341-554C-9D7DF7264B33}"/>
+          </ac:spMkLst>
+        </pc:spChg>
+        <pc:spChg chg="mod">
+          <ac:chgData name="佐藤　寛也" userId="27837c8b-abaf-4096-b544-58e4cbe7054e" providerId="ADAL" clId="{193E6E28-8FC8-4E23-B702-0C05D06AA1DC}" dt="2024-09-06T02:38:32.165" v="5317" actId="207"/>
+          <ac:spMkLst>
+            <pc:docMk/>
+            <pc:sldMk cId="1866858908" sldId="1421"/>
+            <ac:spMk id="6" creationId="{22083119-FBF2-9464-4116-E981DDB743E8}"/>
+          </ac:spMkLst>
+        </pc:spChg>
+        <pc:spChg chg="add del mod">
+          <ac:chgData name="佐藤　寛也" userId="27837c8b-abaf-4096-b544-58e4cbe7054e" providerId="ADAL" clId="{193E6E28-8FC8-4E23-B702-0C05D06AA1DC}" dt="2024-09-04T10:24:04.095" v="4023" actId="478"/>
+          <ac:spMkLst>
+            <pc:docMk/>
+            <pc:sldMk cId="1866858908" sldId="1421"/>
+            <ac:spMk id="7" creationId="{86C96E61-6BB2-D9A8-9829-B161E79B128F}"/>
+          </ac:spMkLst>
+        </pc:spChg>
+      </pc:sldChg>
+      <pc:sldChg chg="modSp mod">
+        <pc:chgData name="佐藤　寛也" userId="27837c8b-abaf-4096-b544-58e4cbe7054e" providerId="ADAL" clId="{193E6E28-8FC8-4E23-B702-0C05D06AA1DC}" dt="2024-09-05T08:36:13.869" v="4245" actId="2710"/>
+        <pc:sldMkLst>
+          <pc:docMk/>
+          <pc:sldMk cId="393741535" sldId="1422"/>
+        </pc:sldMkLst>
+        <pc:spChg chg="mod">
+          <ac:chgData name="佐藤　寛也" userId="27837c8b-abaf-4096-b544-58e4cbe7054e" providerId="ADAL" clId="{193E6E28-8FC8-4E23-B702-0C05D06AA1DC}" dt="2024-09-05T08:36:13.869" v="4245" actId="2710"/>
+          <ac:spMkLst>
+            <pc:docMk/>
+            <pc:sldMk cId="393741535" sldId="1422"/>
+            <ac:spMk id="3" creationId="{F68775E6-F813-17B7-0CC8-EF53F6F34CDC}"/>
+          </ac:spMkLst>
+        </pc:spChg>
+      </pc:sldChg>
+      <pc:sldChg chg="addSp delSp modSp new mod">
+        <pc:chgData name="佐藤　寛也" userId="27837c8b-abaf-4096-b544-58e4cbe7054e" providerId="ADAL" clId="{193E6E28-8FC8-4E23-B702-0C05D06AA1DC}" dt="2024-09-06T02:33:20.795" v="5284"/>
+        <pc:sldMkLst>
+          <pc:docMk/>
+          <pc:sldMk cId="2964385537" sldId="1423"/>
+        </pc:sldMkLst>
+        <pc:spChg chg="del">
+          <ac:chgData name="佐藤　寛也" userId="27837c8b-abaf-4096-b544-58e4cbe7054e" providerId="ADAL" clId="{193E6E28-8FC8-4E23-B702-0C05D06AA1DC}" dt="2024-09-05T08:18:35.592" v="4026" actId="478"/>
+          <ac:spMkLst>
+            <pc:docMk/>
+            <pc:sldMk cId="2964385537" sldId="1423"/>
+            <ac:spMk id="5" creationId="{0E7B4C01-251B-A6B2-D4F4-D9CC54125403}"/>
+          </ac:spMkLst>
+        </pc:spChg>
+        <pc:spChg chg="del">
+          <ac:chgData name="佐藤　寛也" userId="27837c8b-abaf-4096-b544-58e4cbe7054e" providerId="ADAL" clId="{193E6E28-8FC8-4E23-B702-0C05D06AA1DC}" dt="2024-09-05T08:18:36.880" v="4027" actId="478"/>
+          <ac:spMkLst>
+            <pc:docMk/>
+            <pc:sldMk cId="2964385537" sldId="1423"/>
+            <ac:spMk id="6" creationId="{AE2E1A86-6A4F-3FE9-72BB-6F6247173FAB}"/>
+          </ac:spMkLst>
+        </pc:spChg>
+        <pc:spChg chg="add mod">
+          <ac:chgData name="佐藤　寛也" userId="27837c8b-abaf-4096-b544-58e4cbe7054e" providerId="ADAL" clId="{193E6E28-8FC8-4E23-B702-0C05D06AA1DC}" dt="2024-09-05T08:27:01.888" v="4209" actId="20577"/>
+          <ac:spMkLst>
+            <pc:docMk/>
+            <pc:sldMk cId="2964385537" sldId="1423"/>
+            <ac:spMk id="8" creationId="{9D254E49-B69D-583E-7C4B-320E2506F067}"/>
+          </ac:spMkLst>
+        </pc:spChg>
+        <pc:spChg chg="add mod">
+          <ac:chgData name="佐藤　寛也" userId="27837c8b-abaf-4096-b544-58e4cbe7054e" providerId="ADAL" clId="{193E6E28-8FC8-4E23-B702-0C05D06AA1DC}" dt="2024-09-05T08:21:38.507" v="4122" actId="14100"/>
+          <ac:spMkLst>
+            <pc:docMk/>
+            <pc:sldMk cId="2964385537" sldId="1423"/>
+            <ac:spMk id="9" creationId="{35DE4730-263C-C0D9-F491-AEFDDFC60C9D}"/>
+          </ac:spMkLst>
+        </pc:spChg>
+        <pc:spChg chg="add mod">
+          <ac:chgData name="佐藤　寛也" userId="27837c8b-abaf-4096-b544-58e4cbe7054e" providerId="ADAL" clId="{193E6E28-8FC8-4E23-B702-0C05D06AA1DC}" dt="2024-09-06T02:33:20.795" v="5284"/>
+          <ac:spMkLst>
+            <pc:docMk/>
+            <pc:sldMk cId="2964385537" sldId="1423"/>
+            <ac:spMk id="10" creationId="{78AF498D-AD80-E042-F315-A68AC5DC4391}"/>
+          </ac:spMkLst>
+        </pc:spChg>
+        <pc:spChg chg="add mod">
+          <ac:chgData name="佐藤　寛也" userId="27837c8b-abaf-4096-b544-58e4cbe7054e" providerId="ADAL" clId="{193E6E28-8FC8-4E23-B702-0C05D06AA1DC}" dt="2024-09-06T02:33:20.795" v="5284"/>
+          <ac:spMkLst>
+            <pc:docMk/>
+            <pc:sldMk cId="2964385537" sldId="1423"/>
+            <ac:spMk id="11" creationId="{6491C56D-3639-E92C-9EC6-9B8A1137F1E2}"/>
+          </ac:spMkLst>
+        </pc:spChg>
+        <pc:spChg chg="add mod">
+          <ac:chgData name="佐藤　寛也" userId="27837c8b-abaf-4096-b544-58e4cbe7054e" providerId="ADAL" clId="{193E6E28-8FC8-4E23-B702-0C05D06AA1DC}" dt="2024-09-06T02:33:20.795" v="5284"/>
+          <ac:spMkLst>
+            <pc:docMk/>
+            <pc:sldMk cId="2964385537" sldId="1423"/>
+            <ac:spMk id="12" creationId="{BD73687E-AC4B-826F-B9C2-3A3642B64B07}"/>
+          </ac:spMkLst>
+        </pc:spChg>
+        <pc:picChg chg="add mod">
+          <ac:chgData name="佐藤　寛也" userId="27837c8b-abaf-4096-b544-58e4cbe7054e" providerId="ADAL" clId="{193E6E28-8FC8-4E23-B702-0C05D06AA1DC}" dt="2024-09-06T02:31:47.983" v="5272" actId="167"/>
+          <ac:picMkLst>
+            <pc:docMk/>
+            <pc:sldMk cId="2964385537" sldId="1423"/>
+            <ac:picMk id="5" creationId="{C2D670E3-524C-0811-DB41-D504E1656656}"/>
+          </ac:picMkLst>
+        </pc:picChg>
+        <pc:picChg chg="add mod">
+          <ac:chgData name="佐藤　寛也" userId="27837c8b-abaf-4096-b544-58e4cbe7054e" providerId="ADAL" clId="{193E6E28-8FC8-4E23-B702-0C05D06AA1DC}" dt="2024-09-06T02:31:47.983" v="5272" actId="167"/>
+          <ac:picMkLst>
+            <pc:docMk/>
+            <pc:sldMk cId="2964385537" sldId="1423"/>
+            <ac:picMk id="6" creationId="{21F4EED5-FEF4-E1BE-18E4-B4E07D1F059C}"/>
+          </ac:picMkLst>
+        </pc:picChg>
+        <pc:picChg chg="add del mod">
+          <ac:chgData name="佐藤　寛也" userId="27837c8b-abaf-4096-b544-58e4cbe7054e" providerId="ADAL" clId="{193E6E28-8FC8-4E23-B702-0C05D06AA1DC}" dt="2024-09-06T02:31:44.304" v="5269" actId="478"/>
+          <ac:picMkLst>
+            <pc:docMk/>
+            <pc:sldMk cId="2964385537" sldId="1423"/>
+            <ac:picMk id="7" creationId="{1EF74D3A-AC52-BA6D-29BE-F95C63253944}"/>
+          </ac:picMkLst>
+        </pc:picChg>
+      </pc:sldChg>
+      <pc:sldChg chg="addSp delSp modSp add mod">
+        <pc:chgData name="佐藤　寛也" userId="27837c8b-abaf-4096-b544-58e4cbe7054e" providerId="ADAL" clId="{193E6E28-8FC8-4E23-B702-0C05D06AA1DC}" dt="2024-09-06T02:33:22.806" v="5285"/>
+        <pc:sldMkLst>
+          <pc:docMk/>
+          <pc:sldMk cId="1606902397" sldId="1424"/>
+        </pc:sldMkLst>
+        <pc:spChg chg="add mod">
+          <ac:chgData name="佐藤　寛也" userId="27837c8b-abaf-4096-b544-58e4cbe7054e" providerId="ADAL" clId="{193E6E28-8FC8-4E23-B702-0C05D06AA1DC}" dt="2024-09-05T08:22:21.573" v="4168" actId="1035"/>
+          <ac:spMkLst>
+            <pc:docMk/>
+            <pc:sldMk cId="1606902397" sldId="1424"/>
+            <ac:spMk id="5" creationId="{7B6B1757-E3ED-2CBA-0349-55489ECB094C}"/>
+          </ac:spMkLst>
+        </pc:spChg>
+        <pc:spChg chg="mod">
+          <ac:chgData name="佐藤　寛也" userId="27837c8b-abaf-4096-b544-58e4cbe7054e" providerId="ADAL" clId="{193E6E28-8FC8-4E23-B702-0C05D06AA1DC}" dt="2024-09-05T08:22:05.033" v="4160" actId="113"/>
+          <ac:spMkLst>
+            <pc:docMk/>
+            <pc:sldMk cId="1606902397" sldId="1424"/>
+            <ac:spMk id="8" creationId="{9D254E49-B69D-583E-7C4B-320E2506F067}"/>
+          </ac:spMkLst>
+        </pc:spChg>
+        <pc:spChg chg="add mod">
+          <ac:chgData name="佐藤　寛也" userId="27837c8b-abaf-4096-b544-58e4cbe7054e" providerId="ADAL" clId="{193E6E28-8FC8-4E23-B702-0C05D06AA1DC}" dt="2024-09-06T02:33:22.806" v="5285"/>
+          <ac:spMkLst>
+            <pc:docMk/>
+            <pc:sldMk cId="1606902397" sldId="1424"/>
+            <ac:spMk id="11" creationId="{B77DA59D-AD25-06A1-1E25-BD0D0BFF3BE6}"/>
+          </ac:spMkLst>
+        </pc:spChg>
+        <pc:spChg chg="add mod">
+          <ac:chgData name="佐藤　寛也" userId="27837c8b-abaf-4096-b544-58e4cbe7054e" providerId="ADAL" clId="{193E6E28-8FC8-4E23-B702-0C05D06AA1DC}" dt="2024-09-06T02:33:22.806" v="5285"/>
+          <ac:spMkLst>
+            <pc:docMk/>
+            <pc:sldMk cId="1606902397" sldId="1424"/>
+            <ac:spMk id="12" creationId="{5431061E-6D02-FB62-5C39-54FA7B1BCF8E}"/>
+          </ac:spMkLst>
+        </pc:spChg>
+        <pc:spChg chg="add mod">
+          <ac:chgData name="佐藤　寛也" userId="27837c8b-abaf-4096-b544-58e4cbe7054e" providerId="ADAL" clId="{193E6E28-8FC8-4E23-B702-0C05D06AA1DC}" dt="2024-09-06T02:33:22.806" v="5285"/>
+          <ac:spMkLst>
+            <pc:docMk/>
+            <pc:sldMk cId="1606902397" sldId="1424"/>
+            <ac:spMk id="13" creationId="{4BDEC34C-74D4-FE4A-CA67-199AA920DD40}"/>
+          </ac:spMkLst>
+        </pc:spChg>
+        <pc:picChg chg="add mod">
+          <ac:chgData name="佐藤　寛也" userId="27837c8b-abaf-4096-b544-58e4cbe7054e" providerId="ADAL" clId="{193E6E28-8FC8-4E23-B702-0C05D06AA1DC}" dt="2024-09-06T02:31:41.643" v="5268" actId="167"/>
+          <ac:picMkLst>
+            <pc:docMk/>
+            <pc:sldMk cId="1606902397" sldId="1424"/>
+            <ac:picMk id="6" creationId="{CC2F0B05-61E1-14F4-335D-8C61630AE301}"/>
+          </ac:picMkLst>
+        </pc:picChg>
+        <pc:picChg chg="del">
+          <ac:chgData name="佐藤　寛也" userId="27837c8b-abaf-4096-b544-58e4cbe7054e" providerId="ADAL" clId="{193E6E28-8FC8-4E23-B702-0C05D06AA1DC}" dt="2024-09-06T02:31:39.455" v="5266" actId="478"/>
+          <ac:picMkLst>
+            <pc:docMk/>
+            <pc:sldMk cId="1606902397" sldId="1424"/>
+            <ac:picMk id="7" creationId="{1EF74D3A-AC52-BA6D-29BE-F95C63253944}"/>
+          </ac:picMkLst>
+        </pc:picChg>
+        <pc:picChg chg="add mod">
+          <ac:chgData name="佐藤　寛也" userId="27837c8b-abaf-4096-b544-58e4cbe7054e" providerId="ADAL" clId="{193E6E28-8FC8-4E23-B702-0C05D06AA1DC}" dt="2024-09-06T02:31:41.643" v="5268" actId="167"/>
+          <ac:picMkLst>
+            <pc:docMk/>
+            <pc:sldMk cId="1606902397" sldId="1424"/>
+            <ac:picMk id="10" creationId="{383E5D78-4DAA-5458-5992-F34EF8E5AD80}"/>
+          </ac:picMkLst>
+        </pc:picChg>
+      </pc:sldChg>
+      <pc:sldChg chg="addSp delSp modSp add mod">
+        <pc:chgData name="佐藤　寛也" userId="27837c8b-abaf-4096-b544-58e4cbe7054e" providerId="ADAL" clId="{193E6E28-8FC8-4E23-B702-0C05D06AA1DC}" dt="2024-09-06T02:33:24.390" v="5286"/>
+        <pc:sldMkLst>
+          <pc:docMk/>
+          <pc:sldMk cId="477276183" sldId="1425"/>
+        </pc:sldMkLst>
+        <pc:spChg chg="mod">
+          <ac:chgData name="佐藤　寛也" userId="27837c8b-abaf-4096-b544-58e4cbe7054e" providerId="ADAL" clId="{193E6E28-8FC8-4E23-B702-0C05D06AA1DC}" dt="2024-09-05T08:23:27.310" v="4208" actId="1036"/>
+          <ac:spMkLst>
+            <pc:docMk/>
+            <pc:sldMk cId="477276183" sldId="1425"/>
+            <ac:spMk id="5" creationId="{7B6B1757-E3ED-2CBA-0349-55489ECB094C}"/>
+          </ac:spMkLst>
+        </pc:spChg>
+        <pc:spChg chg="add mod">
+          <ac:chgData name="佐藤　寛也" userId="27837c8b-abaf-4096-b544-58e4cbe7054e" providerId="ADAL" clId="{193E6E28-8FC8-4E23-B702-0C05D06AA1DC}" dt="2024-09-06T02:30:47.776" v="5262"/>
+          <ac:spMkLst>
+            <pc:docMk/>
+            <pc:sldMk cId="477276183" sldId="1425"/>
+            <ac:spMk id="6" creationId="{44F2B169-C674-C0CE-D744-CF5671CF2E2B}"/>
+          </ac:spMkLst>
+        </pc:spChg>
+        <pc:spChg chg="mod">
+          <ac:chgData name="佐藤　寛也" userId="27837c8b-abaf-4096-b544-58e4cbe7054e" providerId="ADAL" clId="{193E6E28-8FC8-4E23-B702-0C05D06AA1DC}" dt="2024-09-05T08:23:22.526" v="4205" actId="20577"/>
+          <ac:spMkLst>
+            <pc:docMk/>
+            <pc:sldMk cId="477276183" sldId="1425"/>
+            <ac:spMk id="8" creationId="{9D254E49-B69D-583E-7C4B-320E2506F067}"/>
+          </ac:spMkLst>
+        </pc:spChg>
+        <pc:spChg chg="add mod">
+          <ac:chgData name="佐藤　寛也" userId="27837c8b-abaf-4096-b544-58e4cbe7054e" providerId="ADAL" clId="{193E6E28-8FC8-4E23-B702-0C05D06AA1DC}" dt="2024-09-06T02:30:47.776" v="5262"/>
+          <ac:spMkLst>
+            <pc:docMk/>
+            <pc:sldMk cId="477276183" sldId="1425"/>
+            <ac:spMk id="10" creationId="{65AC8C15-DB16-84C0-AA2D-F9E4E6467557}"/>
+          </ac:spMkLst>
+        </pc:spChg>
+        <pc:spChg chg="add mod">
+          <ac:chgData name="佐藤　寛也" userId="27837c8b-abaf-4096-b544-58e4cbe7054e" providerId="ADAL" clId="{193E6E28-8FC8-4E23-B702-0C05D06AA1DC}" dt="2024-09-06T02:30:47.776" v="5262"/>
+          <ac:spMkLst>
+            <pc:docMk/>
+            <pc:sldMk cId="477276183" sldId="1425"/>
+            <ac:spMk id="11" creationId="{402B1887-DFB2-FBFA-6B2A-4BE447A5CA2D}"/>
+          </ac:spMkLst>
+        </pc:spChg>
+        <pc:spChg chg="add mod">
+          <ac:chgData name="佐藤　寛也" userId="27837c8b-abaf-4096-b544-58e4cbe7054e" providerId="ADAL" clId="{193E6E28-8FC8-4E23-B702-0C05D06AA1DC}" dt="2024-09-06T02:33:24.390" v="5286"/>
+          <ac:spMkLst>
+            <pc:docMk/>
+            <pc:sldMk cId="477276183" sldId="1425"/>
+            <ac:spMk id="14" creationId="{719C6C3F-82E3-CD40-77F7-DED3DEB8D32C}"/>
+          </ac:spMkLst>
+        </pc:spChg>
+        <pc:spChg chg="add mod">
+          <ac:chgData name="佐藤　寛也" userId="27837c8b-abaf-4096-b544-58e4cbe7054e" providerId="ADAL" clId="{193E6E28-8FC8-4E23-B702-0C05D06AA1DC}" dt="2024-09-06T02:33:24.390" v="5286"/>
+          <ac:spMkLst>
+            <pc:docMk/>
+            <pc:sldMk cId="477276183" sldId="1425"/>
+            <ac:spMk id="15" creationId="{C0111617-1731-309F-80D6-B5FD33ABE9EA}"/>
+          </ac:spMkLst>
+        </pc:spChg>
+        <pc:spChg chg="add mod">
+          <ac:chgData name="佐藤　寛也" userId="27837c8b-abaf-4096-b544-58e4cbe7054e" providerId="ADAL" clId="{193E6E28-8FC8-4E23-B702-0C05D06AA1DC}" dt="2024-09-06T02:33:24.390" v="5286"/>
+          <ac:spMkLst>
+            <pc:docMk/>
+            <pc:sldMk cId="477276183" sldId="1425"/>
+            <ac:spMk id="16" creationId="{99910DC9-F519-DD0D-7C0A-334E2CBFB9B5}"/>
+          </ac:spMkLst>
+        </pc:spChg>
+        <pc:picChg chg="del">
+          <ac:chgData name="佐藤　寛也" userId="27837c8b-abaf-4096-b544-58e4cbe7054e" providerId="ADAL" clId="{193E6E28-8FC8-4E23-B702-0C05D06AA1DC}" dt="2024-09-06T02:31:32.438" v="5263" actId="478"/>
+          <ac:picMkLst>
+            <pc:docMk/>
+            <pc:sldMk cId="477276183" sldId="1425"/>
+            <ac:picMk id="7" creationId="{1EF74D3A-AC52-BA6D-29BE-F95C63253944}"/>
+          </ac:picMkLst>
+        </pc:picChg>
+        <pc:picChg chg="add mod">
+          <ac:chgData name="佐藤　寛也" userId="27837c8b-abaf-4096-b544-58e4cbe7054e" providerId="ADAL" clId="{193E6E28-8FC8-4E23-B702-0C05D06AA1DC}" dt="2024-09-06T02:31:34.426" v="5265" actId="167"/>
+          <ac:picMkLst>
+            <pc:docMk/>
+            <pc:sldMk cId="477276183" sldId="1425"/>
+            <ac:picMk id="12" creationId="{070D081D-9390-8001-7AE8-EEE89B794C5A}"/>
+          </ac:picMkLst>
+        </pc:picChg>
+        <pc:picChg chg="add mod">
+          <ac:chgData name="佐藤　寛也" userId="27837c8b-abaf-4096-b544-58e4cbe7054e" providerId="ADAL" clId="{193E6E28-8FC8-4E23-B702-0C05D06AA1DC}" dt="2024-09-06T02:31:34.426" v="5265" actId="167"/>
+          <ac:picMkLst>
+            <pc:docMk/>
+            <pc:sldMk cId="477276183" sldId="1425"/>
+            <ac:picMk id="13" creationId="{07EE37E5-2FC5-9FC4-CAC0-4C1763DE6C37}"/>
+          </ac:picMkLst>
+        </pc:picChg>
+      </pc:sldChg>
+      <pc:sldChg chg="addSp delSp modSp add mod ord">
+        <pc:chgData name="佐藤　寛也" userId="27837c8b-abaf-4096-b544-58e4cbe7054e" providerId="ADAL" clId="{193E6E28-8FC8-4E23-B702-0C05D06AA1DC}" dt="2024-09-06T02:24:22.294" v="5261" actId="14100"/>
+        <pc:sldMkLst>
+          <pc:docMk/>
+          <pc:sldMk cId="3444094588" sldId="1426"/>
+        </pc:sldMkLst>
+        <pc:spChg chg="mod">
+          <ac:chgData name="佐藤　寛也" userId="27837c8b-abaf-4096-b544-58e4cbe7054e" providerId="ADAL" clId="{193E6E28-8FC8-4E23-B702-0C05D06AA1DC}" dt="2024-09-05T08:58:37.592" v="4951" actId="20577"/>
+          <ac:spMkLst>
+            <pc:docMk/>
+            <pc:sldMk cId="3444094588" sldId="1426"/>
+            <ac:spMk id="2" creationId="{21D0CFCA-348F-6DF4-2D11-99E2969833F2}"/>
+          </ac:spMkLst>
+        </pc:spChg>
+        <pc:spChg chg="del">
+          <ac:chgData name="佐藤　寛也" userId="27837c8b-abaf-4096-b544-58e4cbe7054e" providerId="ADAL" clId="{193E6E28-8FC8-4E23-B702-0C05D06AA1DC}" dt="2024-09-05T08:37:44.418" v="4247" actId="478"/>
+          <ac:spMkLst>
+            <pc:docMk/>
+            <pc:sldMk cId="3444094588" sldId="1426"/>
+            <ac:spMk id="3" creationId="{C8906452-3DF7-BA54-EA6F-A4DDBF3FBC16}"/>
+          </ac:spMkLst>
+        </pc:spChg>
+        <pc:spChg chg="mod">
+          <ac:chgData name="佐藤　寛也" userId="27837c8b-abaf-4096-b544-58e4cbe7054e" providerId="ADAL" clId="{193E6E28-8FC8-4E23-B702-0C05D06AA1DC}" dt="2024-09-05T08:54:20.387" v="4796" actId="1076"/>
+          <ac:spMkLst>
+            <pc:docMk/>
+            <pc:sldMk cId="3444094588" sldId="1426"/>
+            <ac:spMk id="7" creationId="{2E7461E0-B650-187F-0547-70108A04EB76}"/>
+          </ac:spMkLst>
+        </pc:spChg>
+        <pc:spChg chg="mod">
+          <ac:chgData name="佐藤　寛也" userId="27837c8b-abaf-4096-b544-58e4cbe7054e" providerId="ADAL" clId="{193E6E28-8FC8-4E23-B702-0C05D06AA1DC}" dt="2024-09-05T08:54:20.387" v="4796" actId="1076"/>
+          <ac:spMkLst>
+            <pc:docMk/>
+            <pc:sldMk cId="3444094588" sldId="1426"/>
+            <ac:spMk id="8" creationId="{711889AB-7B2F-6A6E-E852-8811831E890F}"/>
+          </ac:spMkLst>
+        </pc:spChg>
+        <pc:spChg chg="mod">
+          <ac:chgData name="佐藤　寛也" userId="27837c8b-abaf-4096-b544-58e4cbe7054e" providerId="ADAL" clId="{193E6E28-8FC8-4E23-B702-0C05D06AA1DC}" dt="2024-09-05T08:54:20.387" v="4796" actId="1076"/>
+          <ac:spMkLst>
+            <pc:docMk/>
+            <pc:sldMk cId="3444094588" sldId="1426"/>
+            <ac:spMk id="9" creationId="{B50CD7E4-A3CA-1DFD-AD7F-C71027C18AD9}"/>
+          </ac:spMkLst>
+        </pc:spChg>
+        <pc:spChg chg="mod">
+          <ac:chgData name="佐藤　寛也" userId="27837c8b-abaf-4096-b544-58e4cbe7054e" providerId="ADAL" clId="{193E6E28-8FC8-4E23-B702-0C05D06AA1DC}" dt="2024-09-05T08:54:20.387" v="4796" actId="1076"/>
+          <ac:spMkLst>
+            <pc:docMk/>
+            <pc:sldMk cId="3444094588" sldId="1426"/>
+            <ac:spMk id="10" creationId="{E9B9608B-7923-1E0A-D0CC-7595F0EED9EC}"/>
+          </ac:spMkLst>
+        </pc:spChg>
+        <pc:spChg chg="add mod">
+          <ac:chgData name="佐藤　寛也" userId="27837c8b-abaf-4096-b544-58e4cbe7054e" providerId="ADAL" clId="{193E6E28-8FC8-4E23-B702-0C05D06AA1DC}" dt="2024-09-05T09:02:28.341" v="5093" actId="403"/>
+          <ac:spMkLst>
+            <pc:docMk/>
+            <pc:sldMk cId="3444094588" sldId="1426"/>
+            <ac:spMk id="13" creationId="{B7B8D02E-2E56-98ED-9443-58A2BFD110BF}"/>
+          </ac:spMkLst>
+        </pc:spChg>
+        <pc:spChg chg="add mod">
+          <ac:chgData name="佐藤　寛也" userId="27837c8b-abaf-4096-b544-58e4cbe7054e" providerId="ADAL" clId="{193E6E28-8FC8-4E23-B702-0C05D06AA1DC}" dt="2024-09-05T09:03:44.574" v="5111" actId="207"/>
+          <ac:spMkLst>
+            <pc:docMk/>
+            <pc:sldMk cId="3444094588" sldId="1426"/>
+            <ac:spMk id="14" creationId="{BCE6DF86-A867-F4C9-DA40-28D57A6A6B36}"/>
+          </ac:spMkLst>
+        </pc:spChg>
+        <pc:spChg chg="del mod">
+          <ac:chgData name="佐藤　寛也" userId="27837c8b-abaf-4096-b544-58e4cbe7054e" providerId="ADAL" clId="{193E6E28-8FC8-4E23-B702-0C05D06AA1DC}" dt="2024-09-05T08:55:02.126" v="4820" actId="478"/>
+          <ac:spMkLst>
+            <pc:docMk/>
+            <pc:sldMk cId="3444094588" sldId="1426"/>
+            <ac:spMk id="15" creationId="{6AC0C189-57F6-5C45-6CF6-8A1BADECB49F}"/>
+          </ac:spMkLst>
+        </pc:spChg>
+        <pc:spChg chg="del mod">
+          <ac:chgData name="佐藤　寛也" userId="27837c8b-abaf-4096-b544-58e4cbe7054e" providerId="ADAL" clId="{193E6E28-8FC8-4E23-B702-0C05D06AA1DC}" dt="2024-09-05T08:55:02.126" v="4820" actId="478"/>
+          <ac:spMkLst>
+            <pc:docMk/>
+            <pc:sldMk cId="3444094588" sldId="1426"/>
+            <ac:spMk id="16" creationId="{FAC1266D-89CE-06E6-FF8D-D07DA41A0FFE}"/>
+          </ac:spMkLst>
+        </pc:spChg>
+        <pc:spChg chg="add mod">
+          <ac:chgData name="佐藤　寛也" userId="27837c8b-abaf-4096-b544-58e4cbe7054e" providerId="ADAL" clId="{193E6E28-8FC8-4E23-B702-0C05D06AA1DC}" dt="2024-09-05T08:54:53.615" v="4819" actId="20577"/>
+          <ac:spMkLst>
+            <pc:docMk/>
+            <pc:sldMk cId="3444094588" sldId="1426"/>
+            <ac:spMk id="17" creationId="{DA5EA3CC-8576-21AB-A136-624017CA6C94}"/>
+          </ac:spMkLst>
+        </pc:spChg>
+        <pc:spChg chg="add mod">
+          <ac:chgData name="佐藤　寛也" userId="27837c8b-abaf-4096-b544-58e4cbe7054e" providerId="ADAL" clId="{193E6E28-8FC8-4E23-B702-0C05D06AA1DC}" dt="2024-09-05T08:54:20.387" v="4796" actId="1076"/>
+          <ac:spMkLst>
+            <pc:docMk/>
+            <pc:sldMk cId="3444094588" sldId="1426"/>
+            <ac:spMk id="28" creationId="{BFEB9934-1363-F438-87DC-75334851D616}"/>
+          </ac:spMkLst>
+        </pc:spChg>
+        <pc:spChg chg="add mod">
+          <ac:chgData name="佐藤　寛也" userId="27837c8b-abaf-4096-b544-58e4cbe7054e" providerId="ADAL" clId="{193E6E28-8FC8-4E23-B702-0C05D06AA1DC}" dt="2024-09-05T08:54:20.387" v="4796" actId="1076"/>
+          <ac:spMkLst>
+            <pc:docMk/>
+            <pc:sldMk cId="3444094588" sldId="1426"/>
+            <ac:spMk id="29" creationId="{59081A0F-A52D-34C4-92B6-3D13F0766D27}"/>
+          </ac:spMkLst>
+        </pc:spChg>
+        <pc:spChg chg="add mod">
+          <ac:chgData name="佐藤　寛也" userId="27837c8b-abaf-4096-b544-58e4cbe7054e" providerId="ADAL" clId="{193E6E28-8FC8-4E23-B702-0C05D06AA1DC}" dt="2024-09-05T08:54:20.387" v="4796" actId="1076"/>
+          <ac:spMkLst>
+            <pc:docMk/>
+            <pc:sldMk cId="3444094588" sldId="1426"/>
+            <ac:spMk id="30" creationId="{2139ABF0-A068-C6DC-FB55-925DD2FD2D7C}"/>
+          </ac:spMkLst>
+        </pc:spChg>
+        <pc:spChg chg="add mod">
+          <ac:chgData name="佐藤　寛也" userId="27837c8b-abaf-4096-b544-58e4cbe7054e" providerId="ADAL" clId="{193E6E28-8FC8-4E23-B702-0C05D06AA1DC}" dt="2024-09-05T08:54:20.387" v="4796" actId="1076"/>
+          <ac:spMkLst>
+            <pc:docMk/>
+            <pc:sldMk cId="3444094588" sldId="1426"/>
+            <ac:spMk id="32" creationId="{E1DD4F29-F619-C42A-FE41-51C56B699A36}"/>
+          </ac:spMkLst>
+        </pc:spChg>
+        <pc:spChg chg="add mod">
+          <ac:chgData name="佐藤　寛也" userId="27837c8b-abaf-4096-b544-58e4cbe7054e" providerId="ADAL" clId="{193E6E28-8FC8-4E23-B702-0C05D06AA1DC}" dt="2024-09-05T08:54:20.387" v="4796" actId="1076"/>
+          <ac:spMkLst>
+            <pc:docMk/>
+            <pc:sldMk cId="3444094588" sldId="1426"/>
+            <ac:spMk id="33" creationId="{A09CD86C-1EEF-E1A3-68F8-6D8531E2DB29}"/>
+          </ac:spMkLst>
+        </pc:spChg>
+        <pc:spChg chg="add mod">
+          <ac:chgData name="佐藤　寛也" userId="27837c8b-abaf-4096-b544-58e4cbe7054e" providerId="ADAL" clId="{193E6E28-8FC8-4E23-B702-0C05D06AA1DC}" dt="2024-09-05T09:09:18.969" v="5177" actId="20577"/>
+          <ac:spMkLst>
+            <pc:docMk/>
+            <pc:sldMk cId="3444094588" sldId="1426"/>
+            <ac:spMk id="34" creationId="{8FDC921C-7EF6-A770-CA01-6F61C3D13BD1}"/>
+          </ac:spMkLst>
+        </pc:spChg>
+        <pc:spChg chg="add mod">
+          <ac:chgData name="佐藤　寛也" userId="27837c8b-abaf-4096-b544-58e4cbe7054e" providerId="ADAL" clId="{193E6E28-8FC8-4E23-B702-0C05D06AA1DC}" dt="2024-09-05T08:59:41.790" v="4963" actId="207"/>
+          <ac:spMkLst>
+            <pc:docMk/>
+            <pc:sldMk cId="3444094588" sldId="1426"/>
+            <ac:spMk id="35" creationId="{9060F685-F1B2-E7D9-A3DD-655A15CE7432}"/>
+          </ac:spMkLst>
+        </pc:spChg>
+        <pc:spChg chg="add mod">
+          <ac:chgData name="佐藤　寛也" userId="27837c8b-abaf-4096-b544-58e4cbe7054e" providerId="ADAL" clId="{193E6E28-8FC8-4E23-B702-0C05D06AA1DC}" dt="2024-09-05T09:00:38.769" v="5029" actId="1035"/>
+          <ac:spMkLst>
+            <pc:docMk/>
+            <pc:sldMk cId="3444094588" sldId="1426"/>
+            <ac:spMk id="36" creationId="{1045E949-D964-E1B0-DFBD-DCDEF236B442}"/>
+          </ac:spMkLst>
+        </pc:spChg>
+        <pc:spChg chg="add del mod">
+          <ac:chgData name="佐藤　寛也" userId="27837c8b-abaf-4096-b544-58e4cbe7054e" providerId="ADAL" clId="{193E6E28-8FC8-4E23-B702-0C05D06AA1DC}" dt="2024-09-05T09:01:25.895" v="5080" actId="478"/>
+          <ac:spMkLst>
+            <pc:docMk/>
+            <pc:sldMk cId="3444094588" sldId="1426"/>
+            <ac:spMk id="38" creationId="{92E475D8-487B-8B98-29AB-BFE100DF82E0}"/>
+          </ac:spMkLst>
+        </pc:spChg>
+        <pc:spChg chg="add del mod">
+          <ac:chgData name="佐藤　寛也" userId="27837c8b-abaf-4096-b544-58e4cbe7054e" providerId="ADAL" clId="{193E6E28-8FC8-4E23-B702-0C05D06AA1DC}" dt="2024-09-05T09:01:25.498" v="5079" actId="478"/>
+          <ac:spMkLst>
+            <pc:docMk/>
+            <pc:sldMk cId="3444094588" sldId="1426"/>
+            <ac:spMk id="39" creationId="{1608131E-B36A-EFE5-D302-4509144159D8}"/>
+          </ac:spMkLst>
+        </pc:spChg>
+        <pc:spChg chg="add del mod">
+          <ac:chgData name="佐藤　寛也" userId="27837c8b-abaf-4096-b544-58e4cbe7054e" providerId="ADAL" clId="{193E6E28-8FC8-4E23-B702-0C05D06AA1DC}" dt="2024-09-05T09:01:22.777" v="5078" actId="478"/>
+          <ac:spMkLst>
+            <pc:docMk/>
+            <pc:sldMk cId="3444094588" sldId="1426"/>
+            <ac:spMk id="40" creationId="{65A6690C-5FE0-DA84-F406-058480726DAB}"/>
+          </ac:spMkLst>
+        </pc:spChg>
+        <pc:spChg chg="add mod ord">
+          <ac:chgData name="佐藤　寛也" userId="27837c8b-abaf-4096-b544-58e4cbe7054e" providerId="ADAL" clId="{193E6E28-8FC8-4E23-B702-0C05D06AA1DC}" dt="2024-09-05T09:03:58.801" v="5112" actId="207"/>
+          <ac:spMkLst>
+            <pc:docMk/>
+            <pc:sldMk cId="3444094588" sldId="1426"/>
+            <ac:spMk id="41" creationId="{10DB6C19-FF1A-8EB4-0155-3D314D417FFF}"/>
+          </ac:spMkLst>
+        </pc:spChg>
+        <pc:spChg chg="add mod ord">
+          <ac:chgData name="佐藤　寛也" userId="27837c8b-abaf-4096-b544-58e4cbe7054e" providerId="ADAL" clId="{193E6E28-8FC8-4E23-B702-0C05D06AA1DC}" dt="2024-09-05T09:03:58.801" v="5112" actId="207"/>
+          <ac:spMkLst>
+            <pc:docMk/>
+            <pc:sldMk cId="3444094588" sldId="1426"/>
+            <ac:spMk id="42" creationId="{FE4D9754-0ACB-3378-1747-27C01114183E}"/>
+          </ac:spMkLst>
+        </pc:spChg>
+        <pc:spChg chg="add mod ord">
+          <ac:chgData name="佐藤　寛也" userId="27837c8b-abaf-4096-b544-58e4cbe7054e" providerId="ADAL" clId="{193E6E28-8FC8-4E23-B702-0C05D06AA1DC}" dt="2024-09-05T09:03:30.553" v="5109" actId="167"/>
+          <ac:spMkLst>
+            <pc:docMk/>
+            <pc:sldMk cId="3444094588" sldId="1426"/>
+            <ac:spMk id="43" creationId="{EA122432-64F8-5E89-DE0B-335B361E75DC}"/>
+          </ac:spMkLst>
+        </pc:spChg>
+        <pc:spChg chg="add mod ord">
+          <ac:chgData name="佐藤　寛也" userId="27837c8b-abaf-4096-b544-58e4cbe7054e" providerId="ADAL" clId="{193E6E28-8FC8-4E23-B702-0C05D06AA1DC}" dt="2024-09-06T02:24:22.294" v="5261" actId="14100"/>
+          <ac:spMkLst>
+            <pc:docMk/>
+            <pc:sldMk cId="3444094588" sldId="1426"/>
+            <ac:spMk id="44" creationId="{73A6A888-446F-AE1D-66A3-08A62304EB71}"/>
+          </ac:spMkLst>
+        </pc:spChg>
+        <pc:spChg chg="add mod">
+          <ac:chgData name="佐藤　寛也" userId="27837c8b-abaf-4096-b544-58e4cbe7054e" providerId="ADAL" clId="{193E6E28-8FC8-4E23-B702-0C05D06AA1DC}" dt="2024-09-05T09:06:48.915" v="5137" actId="121"/>
+          <ac:spMkLst>
+            <pc:docMk/>
+            <pc:sldMk cId="3444094588" sldId="1426"/>
+            <ac:spMk id="45" creationId="{8DDA4C2F-364E-2BEF-7C73-6E7AADFDC417}"/>
+          </ac:spMkLst>
+        </pc:spChg>
+        <pc:grpChg chg="add del mod">
+          <ac:chgData name="佐藤　寛也" userId="27837c8b-abaf-4096-b544-58e4cbe7054e" providerId="ADAL" clId="{193E6E28-8FC8-4E23-B702-0C05D06AA1DC}" dt="2024-09-05T08:54:15.996" v="4795" actId="165"/>
+          <ac:grpSpMkLst>
+            <pc:docMk/>
+            <pc:sldMk cId="3444094588" sldId="1426"/>
+            <ac:grpSpMk id="37" creationId="{A2EF7691-3009-1994-EAA7-CBCBA62F5BD1}"/>
+          </ac:grpSpMkLst>
+        </pc:grpChg>
+        <pc:picChg chg="mod">
+          <ac:chgData name="佐藤　寛也" userId="27837c8b-abaf-4096-b544-58e4cbe7054e" providerId="ADAL" clId="{193E6E28-8FC8-4E23-B702-0C05D06AA1DC}" dt="2024-09-05T08:54:20.387" v="4796" actId="1076"/>
+          <ac:picMkLst>
+            <pc:docMk/>
+            <pc:sldMk cId="3444094588" sldId="1426"/>
+            <ac:picMk id="11" creationId="{DD413FC8-0CFB-A46C-BA80-DCD723AE08AF}"/>
+          </ac:picMkLst>
+        </pc:picChg>
+        <pc:picChg chg="mod">
+          <ac:chgData name="佐藤　寛也" userId="27837c8b-abaf-4096-b544-58e4cbe7054e" providerId="ADAL" clId="{193E6E28-8FC8-4E23-B702-0C05D06AA1DC}" dt="2024-09-05T08:54:20.387" v="4796" actId="1076"/>
+          <ac:picMkLst>
+            <pc:docMk/>
+            <pc:sldMk cId="3444094588" sldId="1426"/>
+            <ac:picMk id="12" creationId="{B3A843EF-E3A6-DC9E-6BC2-A7FB2C510DFC}"/>
+          </ac:picMkLst>
+        </pc:picChg>
+        <pc:cxnChg chg="add mod">
+          <ac:chgData name="佐藤　寛也" userId="27837c8b-abaf-4096-b544-58e4cbe7054e" providerId="ADAL" clId="{193E6E28-8FC8-4E23-B702-0C05D06AA1DC}" dt="2024-09-05T09:02:17.646" v="5092" actId="1582"/>
+          <ac:cxnSpMkLst>
+            <pc:docMk/>
+            <pc:sldMk cId="3444094588" sldId="1426"/>
+            <ac:cxnSpMk id="19" creationId="{18D3F40A-F4C1-9035-98B8-9F98AB265918}"/>
+          </ac:cxnSpMkLst>
+        </pc:cxnChg>
+        <pc:cxnChg chg="add mod">
+          <ac:chgData name="佐藤　寛也" userId="27837c8b-abaf-4096-b544-58e4cbe7054e" providerId="ADAL" clId="{193E6E28-8FC8-4E23-B702-0C05D06AA1DC}" dt="2024-09-05T09:02:17.646" v="5092" actId="1582"/>
+          <ac:cxnSpMkLst>
+            <pc:docMk/>
+            <pc:sldMk cId="3444094588" sldId="1426"/>
+            <ac:cxnSpMk id="20" creationId="{50FAEF67-BE10-1F6A-56EF-31CBC6B8FFC5}"/>
+          </ac:cxnSpMkLst>
+        </pc:cxnChg>
+        <pc:cxnChg chg="add del mod">
+          <ac:chgData name="佐藤　寛也" userId="27837c8b-abaf-4096-b544-58e4cbe7054e" providerId="ADAL" clId="{193E6E28-8FC8-4E23-B702-0C05D06AA1DC}" dt="2024-09-05T08:42:43.538" v="4480" actId="478"/>
+          <ac:cxnSpMkLst>
+            <pc:docMk/>
+            <pc:sldMk cId="3444094588" sldId="1426"/>
+            <ac:cxnSpMk id="21" creationId="{A4B3B3E5-6064-82D2-C4F4-CC0B9BADDEC2}"/>
+          </ac:cxnSpMkLst>
+        </pc:cxnChg>
+        <pc:cxnChg chg="add mod">
+          <ac:chgData name="佐藤　寛也" userId="27837c8b-abaf-4096-b544-58e4cbe7054e" providerId="ADAL" clId="{193E6E28-8FC8-4E23-B702-0C05D06AA1DC}" dt="2024-09-05T09:02:17.646" v="5092" actId="1582"/>
+          <ac:cxnSpMkLst>
+            <pc:docMk/>
+            <pc:sldMk cId="3444094588" sldId="1426"/>
+            <ac:cxnSpMk id="22" creationId="{C6EEEC4F-0B9E-E08B-F9E0-338793B3F205}"/>
+          </ac:cxnSpMkLst>
+        </pc:cxnChg>
+        <pc:cxnChg chg="add mod topLvl">
+          <ac:chgData name="佐藤　寛也" userId="27837c8b-abaf-4096-b544-58e4cbe7054e" providerId="ADAL" clId="{193E6E28-8FC8-4E23-B702-0C05D06AA1DC}" dt="2024-09-05T09:02:17.646" v="5092" actId="1582"/>
+          <ac:cxnSpMkLst>
+            <pc:docMk/>
+            <pc:sldMk cId="3444094588" sldId="1426"/>
+            <ac:cxnSpMk id="23" creationId="{7884EBE2-8D31-2777-D638-85694DCEEC2D}"/>
+          </ac:cxnSpMkLst>
+        </pc:cxnChg>
+        <pc:cxnChg chg="add mod topLvl">
+          <ac:chgData name="佐藤　寛也" userId="27837c8b-abaf-4096-b544-58e4cbe7054e" providerId="ADAL" clId="{193E6E28-8FC8-4E23-B702-0C05D06AA1DC}" dt="2024-09-05T09:02:17.646" v="5092" actId="1582"/>
+          <ac:cxnSpMkLst>
+            <pc:docMk/>
+            <pc:sldMk cId="3444094588" sldId="1426"/>
+            <ac:cxnSpMk id="26" creationId="{C8168B1F-86C8-24C2-8AB5-A37E2410197D}"/>
+          </ac:cxnSpMkLst>
+        </pc:cxnChg>
+        <pc:cxnChg chg="add mod topLvl">
+          <ac:chgData name="佐藤　寛也" userId="27837c8b-abaf-4096-b544-58e4cbe7054e" providerId="ADAL" clId="{193E6E28-8FC8-4E23-B702-0C05D06AA1DC}" dt="2024-09-05T09:02:17.646" v="5092" actId="1582"/>
+          <ac:cxnSpMkLst>
+            <pc:docMk/>
+            <pc:sldMk cId="3444094588" sldId="1426"/>
+            <ac:cxnSpMk id="27" creationId="{3CC2EC10-0E9F-73CE-14DF-ABC6086BC858}"/>
+          </ac:cxnSpMkLst>
+        </pc:cxnChg>
+      </pc:sldChg>
+      <pc:sldChg chg="addSp delSp modSp add mod ord">
+        <pc:chgData name="佐藤　寛也" userId="27837c8b-abaf-4096-b544-58e4cbe7054e" providerId="ADAL" clId="{193E6E28-8FC8-4E23-B702-0C05D06AA1DC}" dt="2024-09-05T09:22:33.088" v="5248" actId="1037"/>
+        <pc:sldMkLst>
+          <pc:docMk/>
+          <pc:sldMk cId="1881789830" sldId="1427"/>
+        </pc:sldMkLst>
+        <pc:spChg chg="mod">
+          <ac:chgData name="佐藤　寛也" userId="27837c8b-abaf-4096-b544-58e4cbe7054e" providerId="ADAL" clId="{193E6E28-8FC8-4E23-B702-0C05D06AA1DC}" dt="2024-09-05T08:53:38.916" v="4789" actId="20577"/>
+          <ac:spMkLst>
+            <pc:docMk/>
+            <pc:sldMk cId="1881789830" sldId="1427"/>
+            <ac:spMk id="2" creationId="{21D0CFCA-348F-6DF4-2D11-99E2969833F2}"/>
+          </ac:spMkLst>
+        </pc:spChg>
+        <pc:spChg chg="del mod">
+          <ac:chgData name="佐藤　寛也" userId="27837c8b-abaf-4096-b544-58e4cbe7054e" providerId="ADAL" clId="{193E6E28-8FC8-4E23-B702-0C05D06AA1DC}" dt="2024-09-05T09:04:17.914" v="5116" actId="478"/>
+          <ac:spMkLst>
+            <pc:docMk/>
+            <pc:sldMk cId="1881789830" sldId="1427"/>
+            <ac:spMk id="3" creationId="{41AEE836-B07F-6756-DC70-5EA0EE3A1CC4}"/>
+          </ac:spMkLst>
+        </pc:spChg>
+        <pc:spChg chg="mod">
+          <ac:chgData name="佐藤　寛也" userId="27837c8b-abaf-4096-b544-58e4cbe7054e" providerId="ADAL" clId="{193E6E28-8FC8-4E23-B702-0C05D06AA1DC}" dt="2024-09-05T09:21:48.002" v="5221" actId="14100"/>
+          <ac:spMkLst>
+            <pc:docMk/>
+            <pc:sldMk cId="1881789830" sldId="1427"/>
+            <ac:spMk id="8" creationId="{549AE2D9-DA59-50D5-3413-B0D146083583}"/>
+          </ac:spMkLst>
+        </pc:spChg>
+        <pc:spChg chg="del">
+          <ac:chgData name="佐藤　寛也" userId="27837c8b-abaf-4096-b544-58e4cbe7054e" providerId="ADAL" clId="{193E6E28-8FC8-4E23-B702-0C05D06AA1DC}" dt="2024-09-05T08:55:06.857" v="4821" actId="478"/>
+          <ac:spMkLst>
+            <pc:docMk/>
+            <pc:sldMk cId="1881789830" sldId="1427"/>
+            <ac:spMk id="9" creationId="{2BEF2B5C-0BFE-EE67-2BC9-31924B40AA08}"/>
+          </ac:spMkLst>
+        </pc:spChg>
+        <pc:spChg chg="mod">
+          <ac:chgData name="佐藤　寛也" userId="27837c8b-abaf-4096-b544-58e4cbe7054e" providerId="ADAL" clId="{193E6E28-8FC8-4E23-B702-0C05D06AA1DC}" dt="2024-09-05T09:22:27.105" v="5236" actId="1076"/>
+          <ac:spMkLst>
+            <pc:docMk/>
+            <pc:sldMk cId="1881789830" sldId="1427"/>
+            <ac:spMk id="10" creationId="{77DF0CC4-9166-3878-268B-B07887951991}"/>
+          </ac:spMkLst>
+        </pc:spChg>
+        <pc:spChg chg="add del mod">
+          <ac:chgData name="佐藤　寛也" userId="27837c8b-abaf-4096-b544-58e4cbe7054e" providerId="ADAL" clId="{193E6E28-8FC8-4E23-B702-0C05D06AA1DC}" dt="2024-09-05T09:20:19.411" v="5190" actId="478"/>
+          <ac:spMkLst>
+            <pc:docMk/>
+            <pc:sldMk cId="1881789830" sldId="1427"/>
+            <ac:spMk id="11" creationId="{BBB49099-76F1-7875-2409-AF3C6F6CE7F3}"/>
+          </ac:spMkLst>
+        </pc:spChg>
+        <pc:spChg chg="mod">
+          <ac:chgData name="佐藤　寛也" userId="27837c8b-abaf-4096-b544-58e4cbe7054e" providerId="ADAL" clId="{193E6E28-8FC8-4E23-B702-0C05D06AA1DC}" dt="2024-09-05T09:21:59.793" v="5224" actId="14100"/>
+          <ac:spMkLst>
+            <pc:docMk/>
+            <pc:sldMk cId="1881789830" sldId="1427"/>
+            <ac:spMk id="14" creationId="{83E5FD2B-71A6-0378-E492-304B82034893}"/>
+          </ac:spMkLst>
+        </pc:spChg>
+        <pc:spChg chg="del">
+          <ac:chgData name="佐藤　寛也" userId="27837c8b-abaf-4096-b544-58e4cbe7054e" providerId="ADAL" clId="{193E6E28-8FC8-4E23-B702-0C05D06AA1DC}" dt="2024-09-05T08:55:06.857" v="4821" actId="478"/>
+          <ac:spMkLst>
+            <pc:docMk/>
+            <pc:sldMk cId="1881789830" sldId="1427"/>
+            <ac:spMk id="16" creationId="{EFB4FFCD-A85F-5C00-D4CC-44B23EEB4F38}"/>
+          </ac:spMkLst>
+        </pc:spChg>
+        <pc:spChg chg="mod">
+          <ac:chgData name="佐藤　寛也" userId="27837c8b-abaf-4096-b544-58e4cbe7054e" providerId="ADAL" clId="{193E6E28-8FC8-4E23-B702-0C05D06AA1DC}" dt="2024-09-05T09:22:16.844" v="5230" actId="14100"/>
+          <ac:spMkLst>
+            <pc:docMk/>
+            <pc:sldMk cId="1881789830" sldId="1427"/>
+            <ac:spMk id="17" creationId="{7198A0E0-FA17-4F47-CC3C-17A4C6473590}"/>
+          </ac:spMkLst>
+        </pc:spChg>
+        <pc:spChg chg="del">
+          <ac:chgData name="佐藤　寛也" userId="27837c8b-abaf-4096-b544-58e4cbe7054e" providerId="ADAL" clId="{193E6E28-8FC8-4E23-B702-0C05D06AA1DC}" dt="2024-09-05T08:55:08.704" v="4822" actId="478"/>
+          <ac:spMkLst>
+            <pc:docMk/>
+            <pc:sldMk cId="1881789830" sldId="1427"/>
+            <ac:spMk id="18" creationId="{F95050BD-DCBF-1534-F37F-004F44F94704}"/>
+          </ac:spMkLst>
+        </pc:spChg>
+        <pc:graphicFrameChg chg="mod modGraphic">
+          <ac:chgData name="佐藤　寛也" userId="27837c8b-abaf-4096-b544-58e4cbe7054e" providerId="ADAL" clId="{193E6E28-8FC8-4E23-B702-0C05D06AA1DC}" dt="2024-09-05T09:22:11.262" v="5228"/>
+          <ac:graphicFrameMkLst>
+            <pc:docMk/>
+            <pc:sldMk cId="1881789830" sldId="1427"/>
+            <ac:graphicFrameMk id="7" creationId="{CD95F47B-724F-6E0A-C103-DA07593C0894}"/>
+          </ac:graphicFrameMkLst>
+        </pc:graphicFrameChg>
+        <pc:cxnChg chg="mod">
+          <ac:chgData name="佐藤　寛也" userId="27837c8b-abaf-4096-b544-58e4cbe7054e" providerId="ADAL" clId="{193E6E28-8FC8-4E23-B702-0C05D06AA1DC}" dt="2024-09-05T09:22:33.088" v="5248" actId="1037"/>
+          <ac:cxnSpMkLst>
+            <pc:docMk/>
+            <pc:sldMk cId="1881789830" sldId="1427"/>
+            <ac:cxnSpMk id="12" creationId="{9ABD69E2-4E9C-0E2E-84B6-5DA2730856E6}"/>
+          </ac:cxnSpMkLst>
+        </pc:cxnChg>
+      </pc:sldChg>
+      <pc:sldChg chg="addSp delSp modSp add mod">
+        <pc:chgData name="佐藤　寛也" userId="27837c8b-abaf-4096-b544-58e4cbe7054e" providerId="ADAL" clId="{193E6E28-8FC8-4E23-B702-0C05D06AA1DC}" dt="2024-09-06T02:35:03.697" v="5297"/>
+        <pc:sldMkLst>
+          <pc:docMk/>
+          <pc:sldMk cId="789427228" sldId="1428"/>
+        </pc:sldMkLst>
+        <pc:spChg chg="mod">
+          <ac:chgData name="佐藤　寛也" userId="27837c8b-abaf-4096-b544-58e4cbe7054e" providerId="ADAL" clId="{193E6E28-8FC8-4E23-B702-0C05D06AA1DC}" dt="2024-09-06T02:35:03.697" v="5297"/>
+          <ac:spMkLst>
+            <pc:docMk/>
+            <pc:sldMk cId="789427228" sldId="1428"/>
+            <ac:spMk id="3" creationId="{41AEE836-B07F-6756-DC70-5EA0EE3A1CC4}"/>
+          </ac:spMkLst>
+        </pc:spChg>
+        <pc:spChg chg="del">
+          <ac:chgData name="佐藤　寛也" userId="27837c8b-abaf-4096-b544-58e4cbe7054e" providerId="ADAL" clId="{193E6E28-8FC8-4E23-B702-0C05D06AA1DC}" dt="2024-09-05T08:55:18.940" v="4824" actId="478"/>
+          <ac:spMkLst>
+            <pc:docMk/>
+            <pc:sldMk cId="789427228" sldId="1428"/>
+            <ac:spMk id="8" creationId="{549AE2D9-DA59-50D5-3413-B0D146083583}"/>
+          </ac:spMkLst>
+        </pc:spChg>
+        <pc:spChg chg="del">
+          <ac:chgData name="佐藤　寛也" userId="27837c8b-abaf-4096-b544-58e4cbe7054e" providerId="ADAL" clId="{193E6E28-8FC8-4E23-B702-0C05D06AA1DC}" dt="2024-09-05T08:55:18.940" v="4824" actId="478"/>
+          <ac:spMkLst>
+            <pc:docMk/>
+            <pc:sldMk cId="789427228" sldId="1428"/>
+            <ac:spMk id="9" creationId="{2BEF2B5C-0BFE-EE67-2BC9-31924B40AA08}"/>
+          </ac:spMkLst>
+        </pc:spChg>
+        <pc:spChg chg="del">
+          <ac:chgData name="佐藤　寛也" userId="27837c8b-abaf-4096-b544-58e4cbe7054e" providerId="ADAL" clId="{193E6E28-8FC8-4E23-B702-0C05D06AA1DC}" dt="2024-09-05T08:55:18.940" v="4824" actId="478"/>
+          <ac:spMkLst>
+            <pc:docMk/>
+            <pc:sldMk cId="789427228" sldId="1428"/>
+            <ac:spMk id="10" creationId="{77DF0CC4-9166-3878-268B-B07887951991}"/>
+          </ac:spMkLst>
+        </pc:spChg>
+        <pc:spChg chg="add del mod">
+          <ac:chgData name="佐藤　寛也" userId="27837c8b-abaf-4096-b544-58e4cbe7054e" providerId="ADAL" clId="{193E6E28-8FC8-4E23-B702-0C05D06AA1DC}" dt="2024-09-05T08:57:31.183" v="4883" actId="22"/>
+          <ac:spMkLst>
+            <pc:docMk/>
+            <pc:sldMk cId="789427228" sldId="1428"/>
+            <ac:spMk id="13" creationId="{945913AE-2917-B488-AC10-F49402BAD406}"/>
+          </ac:spMkLst>
+        </pc:spChg>
+        <pc:spChg chg="del">
+          <ac:chgData name="佐藤　寛也" userId="27837c8b-abaf-4096-b544-58e4cbe7054e" providerId="ADAL" clId="{193E6E28-8FC8-4E23-B702-0C05D06AA1DC}" dt="2024-09-05T08:55:18.940" v="4824" actId="478"/>
+          <ac:spMkLst>
+            <pc:docMk/>
+            <pc:sldMk cId="789427228" sldId="1428"/>
+            <ac:spMk id="14" creationId="{83E5FD2B-71A6-0378-E492-304B82034893}"/>
+          </ac:spMkLst>
+        </pc:spChg>
+        <pc:spChg chg="del">
+          <ac:chgData name="佐藤　寛也" userId="27837c8b-abaf-4096-b544-58e4cbe7054e" providerId="ADAL" clId="{193E6E28-8FC8-4E23-B702-0C05D06AA1DC}" dt="2024-09-05T08:55:18.940" v="4824" actId="478"/>
+          <ac:spMkLst>
+            <pc:docMk/>
+            <pc:sldMk cId="789427228" sldId="1428"/>
+            <ac:spMk id="16" creationId="{EFB4FFCD-A85F-5C00-D4CC-44B23EEB4F38}"/>
+          </ac:spMkLst>
+        </pc:spChg>
+        <pc:spChg chg="del">
+          <ac:chgData name="佐藤　寛也" userId="27837c8b-abaf-4096-b544-58e4cbe7054e" providerId="ADAL" clId="{193E6E28-8FC8-4E23-B702-0C05D06AA1DC}" dt="2024-09-05T08:55:18.940" v="4824" actId="478"/>
+          <ac:spMkLst>
+            <pc:docMk/>
+            <pc:sldMk cId="789427228" sldId="1428"/>
+            <ac:spMk id="17" creationId="{7198A0E0-FA17-4F47-CC3C-17A4C6473590}"/>
+          </ac:spMkLst>
+        </pc:spChg>
+        <pc:spChg chg="del">
+          <ac:chgData name="佐藤　寛也" userId="27837c8b-abaf-4096-b544-58e4cbe7054e" providerId="ADAL" clId="{193E6E28-8FC8-4E23-B702-0C05D06AA1DC}" dt="2024-09-05T08:55:18.940" v="4824" actId="478"/>
+          <ac:spMkLst>
+            <pc:docMk/>
+            <pc:sldMk cId="789427228" sldId="1428"/>
+            <ac:spMk id="18" creationId="{F95050BD-DCBF-1534-F37F-004F44F94704}"/>
+          </ac:spMkLst>
+        </pc:spChg>
+        <pc:graphicFrameChg chg="del">
+          <ac:chgData name="佐藤　寛也" userId="27837c8b-abaf-4096-b544-58e4cbe7054e" providerId="ADAL" clId="{193E6E28-8FC8-4E23-B702-0C05D06AA1DC}" dt="2024-09-05T08:55:18.940" v="4824" actId="478"/>
+          <ac:graphicFrameMkLst>
+            <pc:docMk/>
+            <pc:sldMk cId="789427228" sldId="1428"/>
+            <ac:graphicFrameMk id="7" creationId="{CD95F47B-724F-6E0A-C103-DA07593C0894}"/>
+          </ac:graphicFrameMkLst>
+        </pc:graphicFrameChg>
+        <pc:cxnChg chg="del">
+          <ac:chgData name="佐藤　寛也" userId="27837c8b-abaf-4096-b544-58e4cbe7054e" providerId="ADAL" clId="{193E6E28-8FC8-4E23-B702-0C05D06AA1DC}" dt="2024-09-05T08:55:18.940" v="4824" actId="478"/>
+          <ac:cxnSpMkLst>
+            <pc:docMk/>
+            <pc:sldMk cId="789427228" sldId="1428"/>
+            <ac:cxnSpMk id="12" creationId="{9ABD69E2-4E9C-0E2E-84B6-5DA2730856E6}"/>
+          </ac:cxnSpMkLst>
+        </pc:cxnChg>
+      </pc:sldChg>
+      <pc:sldChg chg="addSp modSp add mod">
+        <pc:chgData name="佐藤　寛也" userId="27837c8b-abaf-4096-b544-58e4cbe7054e" providerId="ADAL" clId="{193E6E28-8FC8-4E23-B702-0C05D06AA1DC}" dt="2024-09-06T02:33:26.782" v="5287"/>
+        <pc:sldMkLst>
+          <pc:docMk/>
+          <pc:sldMk cId="1939673003" sldId="1429"/>
+        </pc:sldMkLst>
+        <pc:spChg chg="add mod">
+          <ac:chgData name="佐藤　寛也" userId="27837c8b-abaf-4096-b544-58e4cbe7054e" providerId="ADAL" clId="{193E6E28-8FC8-4E23-B702-0C05D06AA1DC}" dt="2024-09-06T02:33:26.782" v="5287"/>
+          <ac:spMkLst>
+            <pc:docMk/>
+            <pc:sldMk cId="1939673003" sldId="1429"/>
+            <ac:spMk id="7" creationId="{F3779465-5948-BBC2-1B4B-6A088C70DAB3}"/>
+          </ac:spMkLst>
+        </pc:spChg>
+        <pc:spChg chg="mod">
+          <ac:chgData name="佐藤　寛也" userId="27837c8b-abaf-4096-b544-58e4cbe7054e" providerId="ADAL" clId="{193E6E28-8FC8-4E23-B702-0C05D06AA1DC}" dt="2024-09-06T02:32:07.919" v="5283" actId="20577"/>
+          <ac:spMkLst>
+            <pc:docMk/>
+            <pc:sldMk cId="1939673003" sldId="1429"/>
+            <ac:spMk id="8" creationId="{9D254E49-B69D-583E-7C4B-320E2506F067}"/>
+          </ac:spMkLst>
+        </pc:spChg>
+        <pc:spChg chg="add mod">
+          <ac:chgData name="佐藤　寛也" userId="27837c8b-abaf-4096-b544-58e4cbe7054e" providerId="ADAL" clId="{193E6E28-8FC8-4E23-B702-0C05D06AA1DC}" dt="2024-09-06T02:33:26.782" v="5287"/>
+          <ac:spMkLst>
+            <pc:docMk/>
+            <pc:sldMk cId="1939673003" sldId="1429"/>
+            <ac:spMk id="10" creationId="{E4E683BA-D493-0E92-4B62-2E3339B8F342}"/>
+          </ac:spMkLst>
+        </pc:spChg>
+        <pc:spChg chg="add mod">
+          <ac:chgData name="佐藤　寛也" userId="27837c8b-abaf-4096-b544-58e4cbe7054e" providerId="ADAL" clId="{193E6E28-8FC8-4E23-B702-0C05D06AA1DC}" dt="2024-09-06T02:33:26.782" v="5287"/>
+          <ac:spMkLst>
+            <pc:docMk/>
+            <pc:sldMk cId="1939673003" sldId="1429"/>
+            <ac:spMk id="11" creationId="{13A585DA-5AD7-A8DF-3D0A-13D4DED2EE6F}"/>
           </ac:spMkLst>
         </pc:spChg>
       </pc:sldChg>
@@ -208,23 +2344,46 @@
   </pc:docChgLst>
   <pc:docChgLst>
     <pc:chgData name="佐藤　寛也" userId="27837c8b-abaf-4096-b544-58e4cbe7054e" providerId="ADAL" clId="{86306417-DAAF-4CFB-9028-3E4EA03B485E}"/>
-    <pc:docChg chg="modSld">
-      <pc:chgData name="佐藤　寛也" userId="27837c8b-abaf-4096-b544-58e4cbe7054e" providerId="ADAL" clId="{86306417-DAAF-4CFB-9028-3E4EA03B485E}" dt="2024-09-09T02:29:42.833" v="11" actId="1076"/>
+    <pc:docChg chg="custSel modSld">
+      <pc:chgData name="佐藤　寛也" userId="27837c8b-abaf-4096-b544-58e4cbe7054e" providerId="ADAL" clId="{86306417-DAAF-4CFB-9028-3E4EA03B485E}" dt="2024-09-10T07:48:51.057" v="40" actId="478"/>
       <pc:docMkLst>
         <pc:docMk/>
       </pc:docMkLst>
       <pc:sldChg chg="modSp mod">
-        <pc:chgData name="佐藤　寛也" userId="27837c8b-abaf-4096-b544-58e4cbe7054e" providerId="ADAL" clId="{86306417-DAAF-4CFB-9028-3E4EA03B485E}" dt="2024-09-09T02:22:49.547" v="10" actId="20577"/>
+        <pc:chgData name="佐藤　寛也" userId="27837c8b-abaf-4096-b544-58e4cbe7054e" providerId="ADAL" clId="{86306417-DAAF-4CFB-9028-3E4EA03B485E}" dt="2024-09-10T07:36:25.323" v="17" actId="20577"/>
         <pc:sldMkLst>
           <pc:docMk/>
           <pc:sldMk cId="2292264982" sldId="256"/>
         </pc:sldMkLst>
         <pc:spChg chg="mod">
-          <ac:chgData name="佐藤　寛也" userId="27837c8b-abaf-4096-b544-58e4cbe7054e" providerId="ADAL" clId="{86306417-DAAF-4CFB-9028-3E4EA03B485E}" dt="2024-09-09T02:22:49.547" v="10" actId="20577"/>
+          <ac:chgData name="佐藤　寛也" userId="27837c8b-abaf-4096-b544-58e4cbe7054e" providerId="ADAL" clId="{86306417-DAAF-4CFB-9028-3E4EA03B485E}" dt="2024-09-10T07:36:25.323" v="17" actId="20577"/>
           <ac:spMkLst>
             <pc:docMk/>
             <pc:sldMk cId="2292264982" sldId="256"/>
             <ac:spMk id="4" creationId="{74A8D6B1-152D-8CDC-6D83-B795F55DE09A}"/>
+          </ac:spMkLst>
+        </pc:spChg>
+      </pc:sldChg>
+      <pc:sldChg chg="addSp delSp modSp mod">
+        <pc:chgData name="佐藤　寛也" userId="27837c8b-abaf-4096-b544-58e4cbe7054e" providerId="ADAL" clId="{86306417-DAAF-4CFB-9028-3E4EA03B485E}" dt="2024-09-10T07:48:51.057" v="40" actId="478"/>
+        <pc:sldMkLst>
+          <pc:docMk/>
+          <pc:sldMk cId="1866858908" sldId="1421"/>
+        </pc:sldMkLst>
+        <pc:spChg chg="mod">
+          <ac:chgData name="佐藤　寛也" userId="27837c8b-abaf-4096-b544-58e4cbe7054e" providerId="ADAL" clId="{86306417-DAAF-4CFB-9028-3E4EA03B485E}" dt="2024-09-10T07:42:21.368" v="31" actId="20577"/>
+          <ac:spMkLst>
+            <pc:docMk/>
+            <pc:sldMk cId="1866858908" sldId="1421"/>
+            <ac:spMk id="6" creationId="{22083119-FBF2-9464-4116-E981DDB743E8}"/>
+          </ac:spMkLst>
+        </pc:spChg>
+        <pc:spChg chg="add del mod">
+          <ac:chgData name="佐藤　寛也" userId="27837c8b-abaf-4096-b544-58e4cbe7054e" providerId="ADAL" clId="{86306417-DAAF-4CFB-9028-3E4EA03B485E}" dt="2024-09-10T07:48:51.057" v="40" actId="478"/>
+          <ac:spMkLst>
+            <pc:docMk/>
+            <pc:sldMk cId="1866858908" sldId="1421"/>
+            <ac:spMk id="8" creationId="{E36D1BF9-4EE2-4162-E422-7B7AD3358153}"/>
           </ac:spMkLst>
         </pc:spChg>
       </pc:sldChg>
@@ -265,6 +2424,53 @@
             <ac:picMk id="3" creationId="{6FBA79E7-B728-E9C5-4940-FB8F21E9B31D}"/>
           </ac:picMkLst>
         </pc:picChg>
+      </pc:sldChg>
+    </pc:docChg>
+  </pc:docChgLst>
+  <pc:docChgLst>
+    <pc:chgData name="雨宮　智浩" userId="S::9288019215@utac.u-tokyo.ac.jp::018ceb06-00b6-4c8b-821f-fe5856736a8a" providerId="AD" clId="Web-{08EB0644-43D4-88A8-127E-88ED17A1E6B7}"/>
+    <pc:docChg chg="modSld">
+      <pc:chgData name="雨宮　智浩" userId="S::9288019215@utac.u-tokyo.ac.jp::018ceb06-00b6-4c8b-821f-fe5856736a8a" providerId="AD" clId="Web-{08EB0644-43D4-88A8-127E-88ED17A1E6B7}" dt="2024-09-05T14:25:00.414" v="48" actId="20577"/>
+      <pc:docMkLst>
+        <pc:docMk/>
+      </pc:docMkLst>
+      <pc:sldChg chg="modSp">
+        <pc:chgData name="雨宮　智浩" userId="S::9288019215@utac.u-tokyo.ac.jp::018ceb06-00b6-4c8b-821f-fe5856736a8a" providerId="AD" clId="Web-{08EB0644-43D4-88A8-127E-88ED17A1E6B7}" dt="2024-09-05T14:25:00.414" v="48" actId="20577"/>
+        <pc:sldMkLst>
+          <pc:docMk/>
+          <pc:sldMk cId="3626337591" sldId="1404"/>
+        </pc:sldMkLst>
+        <pc:spChg chg="mod">
+          <ac:chgData name="雨宮　智浩" userId="S::9288019215@utac.u-tokyo.ac.jp::018ceb06-00b6-4c8b-821f-fe5856736a8a" providerId="AD" clId="Web-{08EB0644-43D4-88A8-127E-88ED17A1E6B7}" dt="2024-09-05T14:25:00.414" v="48" actId="20577"/>
+          <ac:spMkLst>
+            <pc:docMk/>
+            <pc:sldMk cId="3626337591" sldId="1404"/>
+            <ac:spMk id="14" creationId="{376F3ABE-2951-B7E3-5373-0751143AA308}"/>
+          </ac:spMkLst>
+        </pc:spChg>
+      </pc:sldChg>
+      <pc:sldChg chg="delSp modSp">
+        <pc:chgData name="雨宮　智浩" userId="S::9288019215@utac.u-tokyo.ac.jp::018ceb06-00b6-4c8b-821f-fe5856736a8a" providerId="AD" clId="Web-{08EB0644-43D4-88A8-127E-88ED17A1E6B7}" dt="2024-09-05T14:20:07.144" v="46"/>
+        <pc:sldMkLst>
+          <pc:docMk/>
+          <pc:sldMk cId="3444094588" sldId="1426"/>
+        </pc:sldMkLst>
+        <pc:spChg chg="mod">
+          <ac:chgData name="雨宮　智浩" userId="S::9288019215@utac.u-tokyo.ac.jp::018ceb06-00b6-4c8b-821f-fe5856736a8a" providerId="AD" clId="Web-{08EB0644-43D4-88A8-127E-88ED17A1E6B7}" dt="2024-09-05T14:17:28.402" v="45" actId="20577"/>
+          <ac:spMkLst>
+            <pc:docMk/>
+            <pc:sldMk cId="3444094588" sldId="1426"/>
+            <ac:spMk id="34" creationId="{8FDC921C-7EF6-A770-CA01-6F61C3D13BD1}"/>
+          </ac:spMkLst>
+        </pc:spChg>
+        <pc:spChg chg="del">
+          <ac:chgData name="雨宮　智浩" userId="S::9288019215@utac.u-tokyo.ac.jp::018ceb06-00b6-4c8b-821f-fe5856736a8a" providerId="AD" clId="Web-{08EB0644-43D4-88A8-127E-88ED17A1E6B7}" dt="2024-09-05T14:20:07.144" v="46"/>
+          <ac:spMkLst>
+            <pc:docMk/>
+            <pc:sldMk cId="3444094588" sldId="1426"/>
+            <ac:spMk id="45" creationId="{8DDA4C2F-364E-2BEF-7C73-6E7AADFDC417}"/>
+          </ac:spMkLst>
+        </pc:spChg>
       </pc:sldChg>
     </pc:docChg>
   </pc:docChgLst>
@@ -503,6 +2709,461 @@
           </pc:spChg>
         </pc:sldLayoutChg>
       </pc:sldMasterChg>
+    </pc:docChg>
+  </pc:docChgLst>
+  <pc:docChgLst>
+    <pc:chgData name="雨宮　智浩" userId="S::9288019215@utac.u-tokyo.ac.jp::018ceb06-00b6-4c8b-821f-fe5856736a8a" providerId="AD" clId="Web-{8C09A18B-A87D-6154-4DC2-8826B0A70040}"/>
+    <pc:docChg chg="modSld">
+      <pc:chgData name="雨宮　智浩" userId="S::9288019215@utac.u-tokyo.ac.jp::018ceb06-00b6-4c8b-821f-fe5856736a8a" providerId="AD" clId="Web-{8C09A18B-A87D-6154-4DC2-8826B0A70040}" dt="2024-09-08T05:37:22.851" v="0" actId="20577"/>
+      <pc:docMkLst>
+        <pc:docMk/>
+      </pc:docMkLst>
+      <pc:sldChg chg="modSp">
+        <pc:chgData name="雨宮　智浩" userId="S::9288019215@utac.u-tokyo.ac.jp::018ceb06-00b6-4c8b-821f-fe5856736a8a" providerId="AD" clId="Web-{8C09A18B-A87D-6154-4DC2-8826B0A70040}" dt="2024-09-08T05:37:22.851" v="0" actId="20577"/>
+        <pc:sldMkLst>
+          <pc:docMk/>
+          <pc:sldMk cId="737078635" sldId="1409"/>
+        </pc:sldMkLst>
+        <pc:spChg chg="mod">
+          <ac:chgData name="雨宮　智浩" userId="S::9288019215@utac.u-tokyo.ac.jp::018ceb06-00b6-4c8b-821f-fe5856736a8a" providerId="AD" clId="Web-{8C09A18B-A87D-6154-4DC2-8826B0A70040}" dt="2024-09-08T05:37:22.851" v="0" actId="20577"/>
+          <ac:spMkLst>
+            <pc:docMk/>
+            <pc:sldMk cId="737078635" sldId="1409"/>
+            <ac:spMk id="3" creationId="{11BE7EF4-56DF-F510-784F-2E996E481ACE}"/>
+          </ac:spMkLst>
+        </pc:spChg>
+      </pc:sldChg>
+    </pc:docChg>
+  </pc:docChgLst>
+  <pc:docChgLst>
+    <pc:chgData name="雨宮　智浩" userId="S::9288019215@utac.u-tokyo.ac.jp::018ceb06-00b6-4c8b-821f-fe5856736a8a" providerId="AD" clId="Web-{71F8D438-9F47-872D-730F-066D2D943600}"/>
+    <pc:docChg chg="addSld modSld sldOrd">
+      <pc:chgData name="雨宮　智浩" userId="S::9288019215@utac.u-tokyo.ac.jp::018ceb06-00b6-4c8b-821f-fe5856736a8a" providerId="AD" clId="Web-{71F8D438-9F47-872D-730F-066D2D943600}" dt="2024-09-05T08:37:48.233" v="348" actId="14100"/>
+      <pc:docMkLst>
+        <pc:docMk/>
+      </pc:docMkLst>
+      <pc:sldChg chg="modSp">
+        <pc:chgData name="雨宮　智浩" userId="S::9288019215@utac.u-tokyo.ac.jp::018ceb06-00b6-4c8b-821f-fe5856736a8a" providerId="AD" clId="Web-{71F8D438-9F47-872D-730F-066D2D943600}" dt="2024-09-05T07:44:12.170" v="31" actId="20577"/>
+        <pc:sldMkLst>
+          <pc:docMk/>
+          <pc:sldMk cId="2141358339" sldId="1408"/>
+        </pc:sldMkLst>
+        <pc:spChg chg="mod">
+          <ac:chgData name="雨宮　智浩" userId="S::9288019215@utac.u-tokyo.ac.jp::018ceb06-00b6-4c8b-821f-fe5856736a8a" providerId="AD" clId="Web-{71F8D438-9F47-872D-730F-066D2D943600}" dt="2024-09-05T07:44:12.170" v="31" actId="20577"/>
+          <ac:spMkLst>
+            <pc:docMk/>
+            <pc:sldMk cId="2141358339" sldId="1408"/>
+            <ac:spMk id="3" creationId="{11BE7EF4-56DF-F510-784F-2E996E481ACE}"/>
+          </ac:spMkLst>
+        </pc:spChg>
+      </pc:sldChg>
+      <pc:sldChg chg="modSp">
+        <pc:chgData name="雨宮　智浩" userId="S::9288019215@utac.u-tokyo.ac.jp::018ceb06-00b6-4c8b-821f-fe5856736a8a" providerId="AD" clId="Web-{71F8D438-9F47-872D-730F-066D2D943600}" dt="2024-09-05T07:41:35.149" v="20" actId="20577"/>
+        <pc:sldMkLst>
+          <pc:docMk/>
+          <pc:sldMk cId="737078635" sldId="1409"/>
+        </pc:sldMkLst>
+        <pc:spChg chg="mod">
+          <ac:chgData name="雨宮　智浩" userId="S::9288019215@utac.u-tokyo.ac.jp::018ceb06-00b6-4c8b-821f-fe5856736a8a" providerId="AD" clId="Web-{71F8D438-9F47-872D-730F-066D2D943600}" dt="2024-09-05T07:41:35.149" v="20" actId="20577"/>
+          <ac:spMkLst>
+            <pc:docMk/>
+            <pc:sldMk cId="737078635" sldId="1409"/>
+            <ac:spMk id="3" creationId="{11BE7EF4-56DF-F510-784F-2E996E481ACE}"/>
+          </ac:spMkLst>
+        </pc:spChg>
+      </pc:sldChg>
+      <pc:sldChg chg="addSp modSp">
+        <pc:chgData name="雨宮　智浩" userId="S::9288019215@utac.u-tokyo.ac.jp::018ceb06-00b6-4c8b-821f-fe5856736a8a" providerId="AD" clId="Web-{71F8D438-9F47-872D-730F-066D2D943600}" dt="2024-09-05T08:37:48.233" v="348" actId="14100"/>
+        <pc:sldMkLst>
+          <pc:docMk/>
+          <pc:sldMk cId="1810238456" sldId="1411"/>
+        </pc:sldMkLst>
+        <pc:spChg chg="add mod">
+          <ac:chgData name="雨宮　智浩" userId="S::9288019215@utac.u-tokyo.ac.jp::018ceb06-00b6-4c8b-821f-fe5856736a8a" providerId="AD" clId="Web-{71F8D438-9F47-872D-730F-066D2D943600}" dt="2024-09-05T08:37:48.233" v="348" actId="14100"/>
+          <ac:spMkLst>
+            <pc:docMk/>
+            <pc:sldMk cId="1810238456" sldId="1411"/>
+            <ac:spMk id="3" creationId="{C8906452-3DF7-BA54-EA6F-A4DDBF3FBC16}"/>
+          </ac:spMkLst>
+        </pc:spChg>
+      </pc:sldChg>
+      <pc:sldChg chg="modSp">
+        <pc:chgData name="雨宮　智浩" userId="S::9288019215@utac.u-tokyo.ac.jp::018ceb06-00b6-4c8b-821f-fe5856736a8a" providerId="AD" clId="Web-{71F8D438-9F47-872D-730F-066D2D943600}" dt="2024-09-05T07:58:41.278" v="95" actId="20577"/>
+        <pc:sldMkLst>
+          <pc:docMk/>
+          <pc:sldMk cId="117506766" sldId="1413"/>
+        </pc:sldMkLst>
+        <pc:spChg chg="mod">
+          <ac:chgData name="雨宮　智浩" userId="S::9288019215@utac.u-tokyo.ac.jp::018ceb06-00b6-4c8b-821f-fe5856736a8a" providerId="AD" clId="Web-{71F8D438-9F47-872D-730F-066D2D943600}" dt="2024-09-05T07:58:41.278" v="95" actId="20577"/>
+          <ac:spMkLst>
+            <pc:docMk/>
+            <pc:sldMk cId="117506766" sldId="1413"/>
+            <ac:spMk id="3" creationId="{41AEE836-B07F-6756-DC70-5EA0EE3A1CC4}"/>
+          </ac:spMkLst>
+        </pc:spChg>
+      </pc:sldChg>
+      <pc:sldChg chg="modSp">
+        <pc:chgData name="雨宮　智浩" userId="S::9288019215@utac.u-tokyo.ac.jp::018ceb06-00b6-4c8b-821f-fe5856736a8a" providerId="AD" clId="Web-{71F8D438-9F47-872D-730F-066D2D943600}" dt="2024-09-05T07:46:22.878" v="42" actId="20577"/>
+        <pc:sldMkLst>
+          <pc:docMk/>
+          <pc:sldMk cId="2127359854" sldId="1417"/>
+        </pc:sldMkLst>
+        <pc:spChg chg="mod">
+          <ac:chgData name="雨宮　智浩" userId="S::9288019215@utac.u-tokyo.ac.jp::018ceb06-00b6-4c8b-821f-fe5856736a8a" providerId="AD" clId="Web-{71F8D438-9F47-872D-730F-066D2D943600}" dt="2024-09-05T07:46:22.878" v="42" actId="20577"/>
+          <ac:spMkLst>
+            <pc:docMk/>
+            <pc:sldMk cId="2127359854" sldId="1417"/>
+            <ac:spMk id="2" creationId="{DAA4631E-08C4-0E32-119E-7BC58AE9E790}"/>
+          </ac:spMkLst>
+        </pc:spChg>
+      </pc:sldChg>
+      <pc:sldChg chg="modSp">
+        <pc:chgData name="雨宮　智浩" userId="S::9288019215@utac.u-tokyo.ac.jp::018ceb06-00b6-4c8b-821f-fe5856736a8a" providerId="AD" clId="Web-{71F8D438-9F47-872D-730F-066D2D943600}" dt="2024-09-05T07:45:20.610" v="38" actId="20577"/>
+        <pc:sldMkLst>
+          <pc:docMk/>
+          <pc:sldMk cId="280610682" sldId="1419"/>
+        </pc:sldMkLst>
+        <pc:spChg chg="mod">
+          <ac:chgData name="雨宮　智浩" userId="S::9288019215@utac.u-tokyo.ac.jp::018ceb06-00b6-4c8b-821f-fe5856736a8a" providerId="AD" clId="Web-{71F8D438-9F47-872D-730F-066D2D943600}" dt="2024-09-05T07:45:20.610" v="38" actId="20577"/>
+          <ac:spMkLst>
+            <pc:docMk/>
+            <pc:sldMk cId="280610682" sldId="1419"/>
+            <ac:spMk id="2" creationId="{616BBF18-2EA3-DF8C-AC99-B7328D4F60C3}"/>
+          </ac:spMkLst>
+        </pc:spChg>
+      </pc:sldChg>
+      <pc:sldChg chg="modSp new ord">
+        <pc:chgData name="雨宮　智浩" userId="S::9288019215@utac.u-tokyo.ac.jp::018ceb06-00b6-4c8b-821f-fe5856736a8a" providerId="AD" clId="Web-{71F8D438-9F47-872D-730F-066D2D943600}" dt="2024-09-05T08:16:59.722" v="288"/>
+        <pc:sldMkLst>
+          <pc:docMk/>
+          <pc:sldMk cId="393741535" sldId="1422"/>
+        </pc:sldMkLst>
+        <pc:spChg chg="mod">
+          <ac:chgData name="雨宮　智浩" userId="S::9288019215@utac.u-tokyo.ac.jp::018ceb06-00b6-4c8b-821f-fe5856736a8a" providerId="AD" clId="Web-{71F8D438-9F47-872D-730F-066D2D943600}" dt="2024-09-05T08:16:44.049" v="287" actId="20577"/>
+          <ac:spMkLst>
+            <pc:docMk/>
+            <pc:sldMk cId="393741535" sldId="1422"/>
+            <ac:spMk id="2" creationId="{4E1D0AED-C4B4-CB0B-E228-9C810E80C2AF}"/>
+          </ac:spMkLst>
+        </pc:spChg>
+        <pc:spChg chg="mod">
+          <ac:chgData name="雨宮　智浩" userId="S::9288019215@utac.u-tokyo.ac.jp::018ceb06-00b6-4c8b-821f-fe5856736a8a" providerId="AD" clId="Web-{71F8D438-9F47-872D-730F-066D2D943600}" dt="2024-09-05T08:15:29.125" v="279" actId="20577"/>
+          <ac:spMkLst>
+            <pc:docMk/>
+            <pc:sldMk cId="393741535" sldId="1422"/>
+            <ac:spMk id="3" creationId="{F68775E6-F813-17B7-0CC8-EF53F6F34CDC}"/>
+          </ac:spMkLst>
+        </pc:spChg>
+      </pc:sldChg>
+    </pc:docChg>
+  </pc:docChgLst>
+  <pc:docChgLst>
+    <pc:chgData name="佐藤　寛也" userId="27837c8b-abaf-4096-b544-58e4cbe7054e" providerId="ADAL" clId="{F60464E8-BBB8-6E40-BC50-59B3BBB32414}"/>
+    <pc:docChg chg="undo custSel delSld modSld">
+      <pc:chgData name="佐藤　寛也" userId="27837c8b-abaf-4096-b544-58e4cbe7054e" providerId="ADAL" clId="{F60464E8-BBB8-6E40-BC50-59B3BBB32414}" dt="2024-09-09T01:05:42.239" v="120" actId="14100"/>
+      <pc:docMkLst>
+        <pc:docMk/>
+      </pc:docMkLst>
+      <pc:sldChg chg="modSp mod">
+        <pc:chgData name="佐藤　寛也" userId="27837c8b-abaf-4096-b544-58e4cbe7054e" providerId="ADAL" clId="{F60464E8-BBB8-6E40-BC50-59B3BBB32414}" dt="2024-09-09T00:56:24.876" v="0" actId="20577"/>
+        <pc:sldMkLst>
+          <pc:docMk/>
+          <pc:sldMk cId="1578608887" sldId="1402"/>
+        </pc:sldMkLst>
+        <pc:spChg chg="mod">
+          <ac:chgData name="佐藤　寛也" userId="27837c8b-abaf-4096-b544-58e4cbe7054e" providerId="ADAL" clId="{F60464E8-BBB8-6E40-BC50-59B3BBB32414}" dt="2024-09-09T00:56:24.876" v="0" actId="20577"/>
+          <ac:spMkLst>
+            <pc:docMk/>
+            <pc:sldMk cId="1578608887" sldId="1402"/>
+            <ac:spMk id="3" creationId="{16FF0A75-AD20-769F-6C62-614A33EDE4D0}"/>
+          </ac:spMkLst>
+        </pc:spChg>
+      </pc:sldChg>
+      <pc:sldChg chg="modSp mod">
+        <pc:chgData name="佐藤　寛也" userId="27837c8b-abaf-4096-b544-58e4cbe7054e" providerId="ADAL" clId="{F60464E8-BBB8-6E40-BC50-59B3BBB32414}" dt="2024-09-09T00:56:32.613" v="4" actId="20577"/>
+        <pc:sldMkLst>
+          <pc:docMk/>
+          <pc:sldMk cId="4080963220" sldId="1403"/>
+        </pc:sldMkLst>
+        <pc:spChg chg="mod">
+          <ac:chgData name="佐藤　寛也" userId="27837c8b-abaf-4096-b544-58e4cbe7054e" providerId="ADAL" clId="{F60464E8-BBB8-6E40-BC50-59B3BBB32414}" dt="2024-09-09T00:56:32.613" v="4" actId="20577"/>
+          <ac:spMkLst>
+            <pc:docMk/>
+            <pc:sldMk cId="4080963220" sldId="1403"/>
+            <ac:spMk id="2" creationId="{0DD8CF49-64AC-1FCC-3F64-297A9BEC1995}"/>
+          </ac:spMkLst>
+        </pc:spChg>
+      </pc:sldChg>
+      <pc:sldChg chg="modSp mod">
+        <pc:chgData name="佐藤　寛也" userId="27837c8b-abaf-4096-b544-58e4cbe7054e" providerId="ADAL" clId="{F60464E8-BBB8-6E40-BC50-59B3BBB32414}" dt="2024-09-09T01:05:42.239" v="120" actId="14100"/>
+        <pc:sldMkLst>
+          <pc:docMk/>
+          <pc:sldMk cId="3626337591" sldId="1404"/>
+        </pc:sldMkLst>
+        <pc:spChg chg="mod">
+          <ac:chgData name="佐藤　寛也" userId="27837c8b-abaf-4096-b544-58e4cbe7054e" providerId="ADAL" clId="{F60464E8-BBB8-6E40-BC50-59B3BBB32414}" dt="2024-09-09T01:05:22.582" v="119" actId="20577"/>
+          <ac:spMkLst>
+            <pc:docMk/>
+            <pc:sldMk cId="3626337591" sldId="1404"/>
+            <ac:spMk id="14" creationId="{376F3ABE-2951-B7E3-5373-0751143AA308}"/>
+          </ac:spMkLst>
+        </pc:spChg>
+        <pc:cxnChg chg="mod">
+          <ac:chgData name="佐藤　寛也" userId="27837c8b-abaf-4096-b544-58e4cbe7054e" providerId="ADAL" clId="{F60464E8-BBB8-6E40-BC50-59B3BBB32414}" dt="2024-09-09T01:05:42.239" v="120" actId="14100"/>
+          <ac:cxnSpMkLst>
+            <pc:docMk/>
+            <pc:sldMk cId="3626337591" sldId="1404"/>
+            <ac:cxnSpMk id="30" creationId="{7B0CADFD-1AE9-087C-7295-F0ABBD009364}"/>
+          </ac:cxnSpMkLst>
+        </pc:cxnChg>
+      </pc:sldChg>
+      <pc:sldChg chg="modSp mod">
+        <pc:chgData name="佐藤　寛也" userId="27837c8b-abaf-4096-b544-58e4cbe7054e" providerId="ADAL" clId="{F60464E8-BBB8-6E40-BC50-59B3BBB32414}" dt="2024-09-09T01:02:41.728" v="73" actId="20577"/>
+        <pc:sldMkLst>
+          <pc:docMk/>
+          <pc:sldMk cId="754850982" sldId="1407"/>
+        </pc:sldMkLst>
+        <pc:spChg chg="mod">
+          <ac:chgData name="佐藤　寛也" userId="27837c8b-abaf-4096-b544-58e4cbe7054e" providerId="ADAL" clId="{F60464E8-BBB8-6E40-BC50-59B3BBB32414}" dt="2024-09-09T01:02:41.728" v="73" actId="20577"/>
+          <ac:spMkLst>
+            <pc:docMk/>
+            <pc:sldMk cId="754850982" sldId="1407"/>
+            <ac:spMk id="3" creationId="{16FF0A75-AD20-769F-6C62-614A33EDE4D0}"/>
+          </ac:spMkLst>
+        </pc:spChg>
+      </pc:sldChg>
+      <pc:sldChg chg="modSp mod">
+        <pc:chgData name="佐藤　寛也" userId="27837c8b-abaf-4096-b544-58e4cbe7054e" providerId="ADAL" clId="{F60464E8-BBB8-6E40-BC50-59B3BBB32414}" dt="2024-09-09T01:04:42.993" v="97" actId="20577"/>
+        <pc:sldMkLst>
+          <pc:docMk/>
+          <pc:sldMk cId="2141358339" sldId="1408"/>
+        </pc:sldMkLst>
+        <pc:spChg chg="mod">
+          <ac:chgData name="佐藤　寛也" userId="27837c8b-abaf-4096-b544-58e4cbe7054e" providerId="ADAL" clId="{F60464E8-BBB8-6E40-BC50-59B3BBB32414}" dt="2024-09-09T01:04:42.993" v="97" actId="20577"/>
+          <ac:spMkLst>
+            <pc:docMk/>
+            <pc:sldMk cId="2141358339" sldId="1408"/>
+            <ac:spMk id="3" creationId="{11BE7EF4-56DF-F510-784F-2E996E481ACE}"/>
+          </ac:spMkLst>
+        </pc:spChg>
+      </pc:sldChg>
+      <pc:sldChg chg="modSp mod">
+        <pc:chgData name="佐藤　寛也" userId="27837c8b-abaf-4096-b544-58e4cbe7054e" providerId="ADAL" clId="{F60464E8-BBB8-6E40-BC50-59B3BBB32414}" dt="2024-09-09T00:57:46.306" v="24" actId="20577"/>
+        <pc:sldMkLst>
+          <pc:docMk/>
+          <pc:sldMk cId="2127359854" sldId="1417"/>
+        </pc:sldMkLst>
+        <pc:spChg chg="mod">
+          <ac:chgData name="佐藤　寛也" userId="27837c8b-abaf-4096-b544-58e4cbe7054e" providerId="ADAL" clId="{F60464E8-BBB8-6E40-BC50-59B3BBB32414}" dt="2024-09-09T00:57:46.306" v="24" actId="20577"/>
+          <ac:spMkLst>
+            <pc:docMk/>
+            <pc:sldMk cId="2127359854" sldId="1417"/>
+            <ac:spMk id="2" creationId="{DAA4631E-08C4-0E32-119E-7BC58AE9E790}"/>
+          </ac:spMkLst>
+        </pc:spChg>
+      </pc:sldChg>
+      <pc:sldChg chg="modSp mod">
+        <pc:chgData name="佐藤　寛也" userId="27837c8b-abaf-4096-b544-58e4cbe7054e" providerId="ADAL" clId="{F60464E8-BBB8-6E40-BC50-59B3BBB32414}" dt="2024-09-09T00:57:48.562" v="26" actId="20577"/>
+        <pc:sldMkLst>
+          <pc:docMk/>
+          <pc:sldMk cId="2473131799" sldId="1418"/>
+        </pc:sldMkLst>
+        <pc:spChg chg="mod">
+          <ac:chgData name="佐藤　寛也" userId="27837c8b-abaf-4096-b544-58e4cbe7054e" providerId="ADAL" clId="{F60464E8-BBB8-6E40-BC50-59B3BBB32414}" dt="2024-09-09T00:57:48.562" v="26" actId="20577"/>
+          <ac:spMkLst>
+            <pc:docMk/>
+            <pc:sldMk cId="2473131799" sldId="1418"/>
+            <ac:spMk id="2" creationId="{DAA4631E-08C4-0E32-119E-7BC58AE9E790}"/>
+          </ac:spMkLst>
+        </pc:spChg>
+      </pc:sldChg>
+      <pc:sldChg chg="modSp mod">
+        <pc:chgData name="佐藤　寛也" userId="27837c8b-abaf-4096-b544-58e4cbe7054e" providerId="ADAL" clId="{F60464E8-BBB8-6E40-BC50-59B3BBB32414}" dt="2024-09-09T00:57:52.972" v="28" actId="20577"/>
+        <pc:sldMkLst>
+          <pc:docMk/>
+          <pc:sldMk cId="280610682" sldId="1419"/>
+        </pc:sldMkLst>
+        <pc:spChg chg="mod">
+          <ac:chgData name="佐藤　寛也" userId="27837c8b-abaf-4096-b544-58e4cbe7054e" providerId="ADAL" clId="{F60464E8-BBB8-6E40-BC50-59B3BBB32414}" dt="2024-09-09T00:57:52.972" v="28" actId="20577"/>
+          <ac:spMkLst>
+            <pc:docMk/>
+            <pc:sldMk cId="280610682" sldId="1419"/>
+            <ac:spMk id="2" creationId="{616BBF18-2EA3-DF8C-AC99-B7328D4F60C3}"/>
+          </ac:spMkLst>
+        </pc:spChg>
+      </pc:sldChg>
+      <pc:sldChg chg="modSp mod">
+        <pc:chgData name="佐藤　寛也" userId="27837c8b-abaf-4096-b544-58e4cbe7054e" providerId="ADAL" clId="{F60464E8-BBB8-6E40-BC50-59B3BBB32414}" dt="2024-09-09T01:04:24.089" v="92" actId="20577"/>
+        <pc:sldMkLst>
+          <pc:docMk/>
+          <pc:sldMk cId="3444094588" sldId="1426"/>
+        </pc:sldMkLst>
+        <pc:spChg chg="mod">
+          <ac:chgData name="佐藤　寛也" userId="27837c8b-abaf-4096-b544-58e4cbe7054e" providerId="ADAL" clId="{F60464E8-BBB8-6E40-BC50-59B3BBB32414}" dt="2024-09-09T01:04:19.465" v="83" actId="20577"/>
+          <ac:spMkLst>
+            <pc:docMk/>
+            <pc:sldMk cId="3444094588" sldId="1426"/>
+            <ac:spMk id="17" creationId="{DA5EA3CC-8576-21AB-A136-624017CA6C94}"/>
+          </ac:spMkLst>
+        </pc:spChg>
+        <pc:spChg chg="mod">
+          <ac:chgData name="佐藤　寛也" userId="27837c8b-abaf-4096-b544-58e4cbe7054e" providerId="ADAL" clId="{F60464E8-BBB8-6E40-BC50-59B3BBB32414}" dt="2024-09-09T01:04:24.089" v="92" actId="20577"/>
+          <ac:spMkLst>
+            <pc:docMk/>
+            <pc:sldMk cId="3444094588" sldId="1426"/>
+            <ac:spMk id="36" creationId="{1045E949-D964-E1B0-DFBD-DCDEF236B442}"/>
+          </ac:spMkLst>
+        </pc:spChg>
+      </pc:sldChg>
+      <pc:sldChg chg="modSp mod">
+        <pc:chgData name="佐藤　寛也" userId="27837c8b-abaf-4096-b544-58e4cbe7054e" providerId="ADAL" clId="{F60464E8-BBB8-6E40-BC50-59B3BBB32414}" dt="2024-09-09T01:02:12.637" v="68" actId="20577"/>
+        <pc:sldMkLst>
+          <pc:docMk/>
+          <pc:sldMk cId="1881789830" sldId="1427"/>
+        </pc:sldMkLst>
+        <pc:spChg chg="mod">
+          <ac:chgData name="佐藤　寛也" userId="27837c8b-abaf-4096-b544-58e4cbe7054e" providerId="ADAL" clId="{F60464E8-BBB8-6E40-BC50-59B3BBB32414}" dt="2024-09-09T01:02:09.448" v="66" actId="20577"/>
+          <ac:spMkLst>
+            <pc:docMk/>
+            <pc:sldMk cId="1881789830" sldId="1427"/>
+            <ac:spMk id="10" creationId="{77DF0CC4-9166-3878-268B-B07887951991}"/>
+          </ac:spMkLst>
+        </pc:spChg>
+        <pc:graphicFrameChg chg="modGraphic">
+          <ac:chgData name="佐藤　寛也" userId="27837c8b-abaf-4096-b544-58e4cbe7054e" providerId="ADAL" clId="{F60464E8-BBB8-6E40-BC50-59B3BBB32414}" dt="2024-09-09T01:02:12.637" v="68" actId="20577"/>
+          <ac:graphicFrameMkLst>
+            <pc:docMk/>
+            <pc:sldMk cId="1881789830" sldId="1427"/>
+            <ac:graphicFrameMk id="7" creationId="{CD95F47B-724F-6E0A-C103-DA07593C0894}"/>
+          </ac:graphicFrameMkLst>
+        </pc:graphicFrameChg>
+      </pc:sldChg>
+      <pc:sldChg chg="del">
+        <pc:chgData name="佐藤　寛也" userId="27837c8b-abaf-4096-b544-58e4cbe7054e" providerId="ADAL" clId="{F60464E8-BBB8-6E40-BC50-59B3BBB32414}" dt="2024-09-09T01:03:29.818" v="74" actId="2696"/>
+        <pc:sldMkLst>
+          <pc:docMk/>
+          <pc:sldMk cId="789427228" sldId="1428"/>
+        </pc:sldMkLst>
+      </pc:sldChg>
+      <pc:sldChg chg="addSp delSp modSp mod">
+        <pc:chgData name="佐藤　寛也" userId="27837c8b-abaf-4096-b544-58e4cbe7054e" providerId="ADAL" clId="{F60464E8-BBB8-6E40-BC50-59B3BBB32414}" dt="2024-09-09T01:01:48.182" v="65" actId="478"/>
+        <pc:sldMkLst>
+          <pc:docMk/>
+          <pc:sldMk cId="1093800098" sldId="1430"/>
+        </pc:sldMkLst>
+        <pc:spChg chg="mod">
+          <ac:chgData name="佐藤　寛也" userId="27837c8b-abaf-4096-b544-58e4cbe7054e" providerId="ADAL" clId="{F60464E8-BBB8-6E40-BC50-59B3BBB32414}" dt="2024-09-09T01:00:16.016" v="57" actId="1076"/>
+          <ac:spMkLst>
+            <pc:docMk/>
+            <pc:sldMk cId="1093800098" sldId="1430"/>
+            <ac:spMk id="7" creationId="{1C090726-8088-0A58-4CA6-55B6CC9661EA}"/>
+          </ac:spMkLst>
+        </pc:spChg>
+        <pc:spChg chg="mod">
+          <ac:chgData name="佐藤　寛也" userId="27837c8b-abaf-4096-b544-58e4cbe7054e" providerId="ADAL" clId="{F60464E8-BBB8-6E40-BC50-59B3BBB32414}" dt="2024-09-09T01:01:30.001" v="61" actId="1076"/>
+          <ac:spMkLst>
+            <pc:docMk/>
+            <pc:sldMk cId="1093800098" sldId="1430"/>
+            <ac:spMk id="8" creationId="{52FE5440-5E7C-C658-956C-7B7F33D2BB65}"/>
+          </ac:spMkLst>
+        </pc:spChg>
+        <pc:spChg chg="mod">
+          <ac:chgData name="佐藤　寛也" userId="27837c8b-abaf-4096-b544-58e4cbe7054e" providerId="ADAL" clId="{F60464E8-BBB8-6E40-BC50-59B3BBB32414}" dt="2024-09-09T00:58:37.392" v="35" actId="207"/>
+          <ac:spMkLst>
+            <pc:docMk/>
+            <pc:sldMk cId="1093800098" sldId="1430"/>
+            <ac:spMk id="9" creationId="{E529D8B3-7258-2B3A-0DE0-5E5A46783454}"/>
+          </ac:spMkLst>
+        </pc:spChg>
+        <pc:spChg chg="mod">
+          <ac:chgData name="佐藤　寛也" userId="27837c8b-abaf-4096-b544-58e4cbe7054e" providerId="ADAL" clId="{F60464E8-BBB8-6E40-BC50-59B3BBB32414}" dt="2024-09-09T00:58:44.510" v="36" actId="207"/>
+          <ac:spMkLst>
+            <pc:docMk/>
+            <pc:sldMk cId="1093800098" sldId="1430"/>
+            <ac:spMk id="10" creationId="{ECA37AAF-723E-1CC1-93EA-B6E403EB3B0A}"/>
+          </ac:spMkLst>
+        </pc:spChg>
+        <pc:spChg chg="mod">
+          <ac:chgData name="佐藤　寛也" userId="27837c8b-abaf-4096-b544-58e4cbe7054e" providerId="ADAL" clId="{F60464E8-BBB8-6E40-BC50-59B3BBB32414}" dt="2024-09-09T00:58:10.613" v="30" actId="20577"/>
+          <ac:spMkLst>
+            <pc:docMk/>
+            <pc:sldMk cId="1093800098" sldId="1430"/>
+            <ac:spMk id="11" creationId="{412D0704-2941-C41E-7BAD-41E87DBD07B8}"/>
+          </ac:spMkLst>
+        </pc:spChg>
+        <pc:spChg chg="mod">
+          <ac:chgData name="佐藤　寛也" userId="27837c8b-abaf-4096-b544-58e4cbe7054e" providerId="ADAL" clId="{F60464E8-BBB8-6E40-BC50-59B3BBB32414}" dt="2024-09-09T01:01:44.171" v="63" actId="1076"/>
+          <ac:spMkLst>
+            <pc:docMk/>
+            <pc:sldMk cId="1093800098" sldId="1430"/>
+            <ac:spMk id="12" creationId="{891BF255-1F97-D5DE-C3D3-1931B2421379}"/>
+          </ac:spMkLst>
+        </pc:spChg>
+        <pc:spChg chg="add del">
+          <ac:chgData name="佐藤　寛也" userId="27837c8b-abaf-4096-b544-58e4cbe7054e" providerId="ADAL" clId="{F60464E8-BBB8-6E40-BC50-59B3BBB32414}" dt="2024-09-09T01:01:48.182" v="65" actId="478"/>
+          <ac:spMkLst>
+            <pc:docMk/>
+            <pc:sldMk cId="1093800098" sldId="1430"/>
+            <ac:spMk id="13" creationId="{102701C2-2CC5-7B16-1CD2-D841FF14320D}"/>
+          </ac:spMkLst>
+        </pc:spChg>
+        <pc:spChg chg="add mod">
+          <ac:chgData name="佐藤　寛也" userId="27837c8b-abaf-4096-b544-58e4cbe7054e" providerId="ADAL" clId="{F60464E8-BBB8-6E40-BC50-59B3BBB32414}" dt="2024-09-09T00:59:22.690" v="45" actId="2085"/>
+          <ac:spMkLst>
+            <pc:docMk/>
+            <pc:sldMk cId="1093800098" sldId="1430"/>
+            <ac:spMk id="14" creationId="{AAE39981-D072-15C2-2C45-08ED56B0CD76}"/>
+          </ac:spMkLst>
+        </pc:spChg>
+        <pc:spChg chg="add mod">
+          <ac:chgData name="佐藤　寛也" userId="27837c8b-abaf-4096-b544-58e4cbe7054e" providerId="ADAL" clId="{F60464E8-BBB8-6E40-BC50-59B3BBB32414}" dt="2024-09-09T00:59:27.517" v="47" actId="2085"/>
+          <ac:spMkLst>
+            <pc:docMk/>
+            <pc:sldMk cId="1093800098" sldId="1430"/>
+            <ac:spMk id="16" creationId="{F333DD37-6DA2-9F3D-56D6-A473CF419027}"/>
+          </ac:spMkLst>
+        </pc:spChg>
+      </pc:sldChg>
+    </pc:docChg>
+  </pc:docChgLst>
+  <pc:docChgLst>
+    <pc:chgData name="雨宮　智浩" userId="S::9288019215@utac.u-tokyo.ac.jp::018ceb06-00b6-4c8b-821f-fe5856736a8a" providerId="AD" clId="Web-{29B416D7-6A9C-5138-D7DB-54674D91A798}"/>
+    <pc:docChg chg="modSld">
+      <pc:chgData name="雨宮　智浩" userId="S::9288019215@utac.u-tokyo.ac.jp::018ceb06-00b6-4c8b-821f-fe5856736a8a" providerId="AD" clId="Web-{29B416D7-6A9C-5138-D7DB-54674D91A798}" dt="2024-09-08T05:08:48.932" v="11" actId="1076"/>
+      <pc:docMkLst>
+        <pc:docMk/>
+      </pc:docMkLst>
+      <pc:sldChg chg="modSp">
+        <pc:chgData name="雨宮　智浩" userId="S::9288019215@utac.u-tokyo.ac.jp::018ceb06-00b6-4c8b-821f-fe5856736a8a" providerId="AD" clId="Web-{29B416D7-6A9C-5138-D7DB-54674D91A798}" dt="2024-09-08T05:08:48.932" v="11" actId="1076"/>
+        <pc:sldMkLst>
+          <pc:docMk/>
+          <pc:sldMk cId="3626337591" sldId="1404"/>
+        </pc:sldMkLst>
+        <pc:spChg chg="mod">
+          <ac:chgData name="雨宮　智浩" userId="S::9288019215@utac.u-tokyo.ac.jp::018ceb06-00b6-4c8b-821f-fe5856736a8a" providerId="AD" clId="Web-{29B416D7-6A9C-5138-D7DB-54674D91A798}" dt="2024-09-08T05:08:34.728" v="9" actId="20577"/>
+          <ac:spMkLst>
+            <pc:docMk/>
+            <pc:sldMk cId="3626337591" sldId="1404"/>
+            <ac:spMk id="2" creationId="{0DD8CF49-64AC-1FCC-3F64-297A9BEC1995}"/>
+          </ac:spMkLst>
+        </pc:spChg>
+        <pc:spChg chg="mod">
+          <ac:chgData name="雨宮　智浩" userId="S::9288019215@utac.u-tokyo.ac.jp::018ceb06-00b6-4c8b-821f-fe5856736a8a" providerId="AD" clId="Web-{29B416D7-6A9C-5138-D7DB-54674D91A798}" dt="2024-09-08T05:08:48.932" v="11" actId="1076"/>
+          <ac:spMkLst>
+            <pc:docMk/>
+            <pc:sldMk cId="3626337591" sldId="1404"/>
+            <ac:spMk id="37" creationId="{6FD6F3CB-7631-A255-278E-51C50C9B009E}"/>
+          </ac:spMkLst>
+        </pc:spChg>
+        <pc:spChg chg="mod">
+          <ac:chgData name="雨宮　智浩" userId="S::9288019215@utac.u-tokyo.ac.jp::018ceb06-00b6-4c8b-821f-fe5856736a8a" providerId="AD" clId="Web-{29B416D7-6A9C-5138-D7DB-54674D91A798}" dt="2024-09-08T05:08:48.917" v="10" actId="1076"/>
+          <ac:spMkLst>
+            <pc:docMk/>
+            <pc:sldMk cId="3626337591" sldId="1404"/>
+            <ac:spMk id="39" creationId="{BCEF91A0-7FDC-7AA4-8C67-0C37335F5A29}"/>
+          </ac:spMkLst>
+        </pc:spChg>
+      </pc:sldChg>
     </pc:docChg>
   </pc:docChgLst>
   <pc:docChgLst>
@@ -887,24 +3548,459 @@
     </pc:docChg>
   </pc:docChgLst>
   <pc:docChgLst>
-    <pc:chgData name="雨宮　智浩" userId="S::9288019215@utac.u-tokyo.ac.jp::018ceb06-00b6-4c8b-821f-fe5856736a8a" providerId="AD" clId="Web-{8C09A18B-A87D-6154-4DC2-8826B0A70040}"/>
-    <pc:docChg chg="modSld">
-      <pc:chgData name="雨宮　智浩" userId="S::9288019215@utac.u-tokyo.ac.jp::018ceb06-00b6-4c8b-821f-fe5856736a8a" providerId="AD" clId="Web-{8C09A18B-A87D-6154-4DC2-8826B0A70040}" dt="2024-09-08T05:37:22.851" v="0" actId="20577"/>
+    <pc:chgData name="寛也 佐藤" userId="27837c8b-abaf-4096-b544-58e4cbe7054e" providerId="ADAL" clId="{03C4690F-D76B-48FB-B343-CCF95B0FF544}"/>
+    <pc:docChg chg="undo custSel modSld">
+      <pc:chgData name="寛也 佐藤" userId="27837c8b-abaf-4096-b544-58e4cbe7054e" providerId="ADAL" clId="{03C4690F-D76B-48FB-B343-CCF95B0FF544}" dt="2024-07-03T05:13:57.059" v="136"/>
+      <pc:docMkLst>
+        <pc:docMk/>
+      </pc:docMkLst>
+      <pc:sldChg chg="addSp delSp modSp mod">
+        <pc:chgData name="寛也 佐藤" userId="27837c8b-abaf-4096-b544-58e4cbe7054e" providerId="ADAL" clId="{03C4690F-D76B-48FB-B343-CCF95B0FF544}" dt="2024-07-03T05:13:57.059" v="136"/>
+        <pc:sldMkLst>
+          <pc:docMk/>
+          <pc:sldMk cId="2292264982" sldId="256"/>
+        </pc:sldMkLst>
+        <pc:spChg chg="add mod">
+          <ac:chgData name="寛也 佐藤" userId="27837c8b-abaf-4096-b544-58e4cbe7054e" providerId="ADAL" clId="{03C4690F-D76B-48FB-B343-CCF95B0FF544}" dt="2024-07-03T05:13:57.059" v="136"/>
+          <ac:spMkLst>
+            <pc:docMk/>
+            <pc:sldMk cId="2292264982" sldId="256"/>
+            <ac:spMk id="4" creationId="{D12A556D-E458-C03F-159E-C94DB8018206}"/>
+          </ac:spMkLst>
+        </pc:spChg>
+        <pc:spChg chg="add mod">
+          <ac:chgData name="寛也 佐藤" userId="27837c8b-abaf-4096-b544-58e4cbe7054e" providerId="ADAL" clId="{03C4690F-D76B-48FB-B343-CCF95B0FF544}" dt="2024-07-03T05:13:57.059" v="136"/>
+          <ac:spMkLst>
+            <pc:docMk/>
+            <pc:sldMk cId="2292264982" sldId="256"/>
+            <ac:spMk id="5" creationId="{CB76B9EF-5509-7E11-647E-D88F96AC0E91}"/>
+          </ac:spMkLst>
+        </pc:spChg>
+        <pc:spChg chg="add mod">
+          <ac:chgData name="寛也 佐藤" userId="27837c8b-abaf-4096-b544-58e4cbe7054e" providerId="ADAL" clId="{03C4690F-D76B-48FB-B343-CCF95B0FF544}" dt="2024-07-03T05:13:57.059" v="136"/>
+          <ac:spMkLst>
+            <pc:docMk/>
+            <pc:sldMk cId="2292264982" sldId="256"/>
+            <ac:spMk id="7" creationId="{B1409E50-9F00-2674-DECA-28AB5BADBBB0}"/>
+          </ac:spMkLst>
+        </pc:spChg>
+        <pc:spChg chg="del">
+          <ac:chgData name="寛也 佐藤" userId="27837c8b-abaf-4096-b544-58e4cbe7054e" providerId="ADAL" clId="{03C4690F-D76B-48FB-B343-CCF95B0FF544}" dt="2024-07-03T05:13:56.697" v="135" actId="478"/>
+          <ac:spMkLst>
+            <pc:docMk/>
+            <pc:sldMk cId="2292264982" sldId="256"/>
+            <ac:spMk id="11" creationId="{280B162B-F3E3-38D5-D7D2-85F3BB83C66A}"/>
+          </ac:spMkLst>
+        </pc:spChg>
+        <pc:spChg chg="del">
+          <ac:chgData name="寛也 佐藤" userId="27837c8b-abaf-4096-b544-58e4cbe7054e" providerId="ADAL" clId="{03C4690F-D76B-48FB-B343-CCF95B0FF544}" dt="2024-07-03T05:13:56.697" v="135" actId="478"/>
+          <ac:spMkLst>
+            <pc:docMk/>
+            <pc:sldMk cId="2292264982" sldId="256"/>
+            <ac:spMk id="12" creationId="{5F1580B5-9344-B223-A358-8F1A7F38DDEF}"/>
+          </ac:spMkLst>
+        </pc:spChg>
+        <pc:spChg chg="del">
+          <ac:chgData name="寛也 佐藤" userId="27837c8b-abaf-4096-b544-58e4cbe7054e" providerId="ADAL" clId="{03C4690F-D76B-48FB-B343-CCF95B0FF544}" dt="2024-07-03T05:13:56.697" v="135" actId="478"/>
+          <ac:spMkLst>
+            <pc:docMk/>
+            <pc:sldMk cId="2292264982" sldId="256"/>
+            <ac:spMk id="13" creationId="{057E6938-EF25-914D-D785-B730E296D4D3}"/>
+          </ac:spMkLst>
+        </pc:spChg>
+        <pc:picChg chg="del">
+          <ac:chgData name="寛也 佐藤" userId="27837c8b-abaf-4096-b544-58e4cbe7054e" providerId="ADAL" clId="{03C4690F-D76B-48FB-B343-CCF95B0FF544}" dt="2024-07-03T05:13:56.697" v="135" actId="478"/>
+          <ac:picMkLst>
+            <pc:docMk/>
+            <pc:sldMk cId="2292264982" sldId="256"/>
+            <ac:picMk id="10" creationId="{4B34BF66-4F07-2DA9-2FBA-98C408BA5F2A}"/>
+          </ac:picMkLst>
+        </pc:picChg>
+      </pc:sldChg>
+      <pc:sldChg chg="addSp delSp modSp mod">
+        <pc:chgData name="寛也 佐藤" userId="27837c8b-abaf-4096-b544-58e4cbe7054e" providerId="ADAL" clId="{03C4690F-D76B-48FB-B343-CCF95B0FF544}" dt="2024-07-03T05:08:44.897" v="134" actId="113"/>
+        <pc:sldMkLst>
+          <pc:docMk/>
+          <pc:sldMk cId="3626337591" sldId="1404"/>
+        </pc:sldMkLst>
+        <pc:spChg chg="add mod">
+          <ac:chgData name="寛也 佐藤" userId="27837c8b-abaf-4096-b544-58e4cbe7054e" providerId="ADAL" clId="{03C4690F-D76B-48FB-B343-CCF95B0FF544}" dt="2024-07-03T05:03:33.067" v="39" actId="164"/>
+          <ac:spMkLst>
+            <pc:docMk/>
+            <pc:sldMk cId="3626337591" sldId="1404"/>
+            <ac:spMk id="3" creationId="{8CBE3A8C-7AF4-A0E7-59BB-C557DBADA5F8}"/>
+          </ac:spMkLst>
+        </pc:spChg>
+        <pc:spChg chg="add mod">
+          <ac:chgData name="寛也 佐藤" userId="27837c8b-abaf-4096-b544-58e4cbe7054e" providerId="ADAL" clId="{03C4690F-D76B-48FB-B343-CCF95B0FF544}" dt="2024-07-03T05:03:33.067" v="39" actId="164"/>
+          <ac:spMkLst>
+            <pc:docMk/>
+            <pc:sldMk cId="3626337591" sldId="1404"/>
+            <ac:spMk id="7" creationId="{9DCB46B5-0A33-3972-8142-C2EC2943808F}"/>
+          </ac:spMkLst>
+        </pc:spChg>
+        <pc:spChg chg="mod ord">
+          <ac:chgData name="寛也 佐藤" userId="27837c8b-abaf-4096-b544-58e4cbe7054e" providerId="ADAL" clId="{03C4690F-D76B-48FB-B343-CCF95B0FF544}" dt="2024-07-03T05:07:58.331" v="119" actId="166"/>
+          <ac:spMkLst>
+            <pc:docMk/>
+            <pc:sldMk cId="3626337591" sldId="1404"/>
+            <ac:spMk id="8" creationId="{CC0A4548-9B98-19E8-4E13-A77C30631351}"/>
+          </ac:spMkLst>
+        </pc:spChg>
+        <pc:spChg chg="mod ord">
+          <ac:chgData name="寛也 佐藤" userId="27837c8b-abaf-4096-b544-58e4cbe7054e" providerId="ADAL" clId="{03C4690F-D76B-48FB-B343-CCF95B0FF544}" dt="2024-07-03T05:07:58.331" v="119" actId="166"/>
+          <ac:spMkLst>
+            <pc:docMk/>
+            <pc:sldMk cId="3626337591" sldId="1404"/>
+            <ac:spMk id="9" creationId="{5679176E-2F40-CEAB-09FD-BB8507225644}"/>
+          </ac:spMkLst>
+        </pc:spChg>
+        <pc:spChg chg="add mod">
+          <ac:chgData name="寛也 佐藤" userId="27837c8b-abaf-4096-b544-58e4cbe7054e" providerId="ADAL" clId="{03C4690F-D76B-48FB-B343-CCF95B0FF544}" dt="2024-07-03T05:03:33.067" v="39" actId="164"/>
+          <ac:spMkLst>
+            <pc:docMk/>
+            <pc:sldMk cId="3626337591" sldId="1404"/>
+            <ac:spMk id="10" creationId="{E2ED809F-BA37-95E8-D03E-F57A40B2795A}"/>
+          </ac:spMkLst>
+        </pc:spChg>
+        <pc:spChg chg="add mod">
+          <ac:chgData name="寛也 佐藤" userId="27837c8b-abaf-4096-b544-58e4cbe7054e" providerId="ADAL" clId="{03C4690F-D76B-48FB-B343-CCF95B0FF544}" dt="2024-07-03T05:03:03.963" v="31" actId="164"/>
+          <ac:spMkLst>
+            <pc:docMk/>
+            <pc:sldMk cId="3626337591" sldId="1404"/>
+            <ac:spMk id="12" creationId="{F4174DF7-A2A4-1BEE-388F-81839DFF242B}"/>
+          </ac:spMkLst>
+        </pc:spChg>
+        <pc:spChg chg="mod">
+          <ac:chgData name="寛也 佐藤" userId="27837c8b-abaf-4096-b544-58e4cbe7054e" providerId="ADAL" clId="{03C4690F-D76B-48FB-B343-CCF95B0FF544}" dt="2024-07-03T05:04:34.910" v="84" actId="6549"/>
+          <ac:spMkLst>
+            <pc:docMk/>
+            <pc:sldMk cId="3626337591" sldId="1404"/>
+            <ac:spMk id="14" creationId="{376F3ABE-2951-B7E3-5373-0751143AA308}"/>
+          </ac:spMkLst>
+        </pc:spChg>
+        <pc:spChg chg="add mod">
+          <ac:chgData name="寛也 佐藤" userId="27837c8b-abaf-4096-b544-58e4cbe7054e" providerId="ADAL" clId="{03C4690F-D76B-48FB-B343-CCF95B0FF544}" dt="2024-07-03T05:03:03.963" v="31" actId="164"/>
+          <ac:spMkLst>
+            <pc:docMk/>
+            <pc:sldMk cId="3626337591" sldId="1404"/>
+            <ac:spMk id="15" creationId="{6A76E322-9289-CFD5-75B0-663CBF8B3D87}"/>
+          </ac:spMkLst>
+        </pc:spChg>
+        <pc:spChg chg="add mod">
+          <ac:chgData name="寛也 佐藤" userId="27837c8b-abaf-4096-b544-58e4cbe7054e" providerId="ADAL" clId="{03C4690F-D76B-48FB-B343-CCF95B0FF544}" dt="2024-07-03T05:03:03.963" v="31" actId="164"/>
+          <ac:spMkLst>
+            <pc:docMk/>
+            <pc:sldMk cId="3626337591" sldId="1404"/>
+            <ac:spMk id="16" creationId="{7018AD8A-40F8-1597-91CB-895CB4199546}"/>
+          </ac:spMkLst>
+        </pc:spChg>
+        <pc:spChg chg="mod">
+          <ac:chgData name="寛也 佐藤" userId="27837c8b-abaf-4096-b544-58e4cbe7054e" providerId="ADAL" clId="{03C4690F-D76B-48FB-B343-CCF95B0FF544}" dt="2024-07-03T05:04:41.584" v="90" actId="1036"/>
+          <ac:spMkLst>
+            <pc:docMk/>
+            <pc:sldMk cId="3626337591" sldId="1404"/>
+            <ac:spMk id="17" creationId="{87C88432-358A-C200-5551-F60A17028B14}"/>
+          </ac:spMkLst>
+        </pc:spChg>
+        <pc:spChg chg="add mod">
+          <ac:chgData name="寛也 佐藤" userId="27837c8b-abaf-4096-b544-58e4cbe7054e" providerId="ADAL" clId="{03C4690F-D76B-48FB-B343-CCF95B0FF544}" dt="2024-07-03T05:03:03.963" v="31" actId="164"/>
+          <ac:spMkLst>
+            <pc:docMk/>
+            <pc:sldMk cId="3626337591" sldId="1404"/>
+            <ac:spMk id="19" creationId="{45DFE9C8-1625-332D-24F7-6820A436B024}"/>
+          </ac:spMkLst>
+        </pc:spChg>
+        <pc:spChg chg="add mod">
+          <ac:chgData name="寛也 佐藤" userId="27837c8b-abaf-4096-b544-58e4cbe7054e" providerId="ADAL" clId="{03C4690F-D76B-48FB-B343-CCF95B0FF544}" dt="2024-07-03T05:03:03.963" v="31" actId="164"/>
+          <ac:spMkLst>
+            <pc:docMk/>
+            <pc:sldMk cId="3626337591" sldId="1404"/>
+            <ac:spMk id="20" creationId="{2B905198-E822-6CEE-CA71-E00FD0B001E6}"/>
+          </ac:spMkLst>
+        </pc:spChg>
+        <pc:spChg chg="add mod">
+          <ac:chgData name="寛也 佐藤" userId="27837c8b-abaf-4096-b544-58e4cbe7054e" providerId="ADAL" clId="{03C4690F-D76B-48FB-B343-CCF95B0FF544}" dt="2024-07-03T05:03:03.963" v="31" actId="164"/>
+          <ac:spMkLst>
+            <pc:docMk/>
+            <pc:sldMk cId="3626337591" sldId="1404"/>
+            <ac:spMk id="21" creationId="{95943EA8-80D8-7F02-405F-66F47FF6E305}"/>
+          </ac:spMkLst>
+        </pc:spChg>
+        <pc:spChg chg="add mod">
+          <ac:chgData name="寛也 佐藤" userId="27837c8b-abaf-4096-b544-58e4cbe7054e" providerId="ADAL" clId="{03C4690F-D76B-48FB-B343-CCF95B0FF544}" dt="2024-07-03T05:03:03.963" v="31" actId="164"/>
+          <ac:spMkLst>
+            <pc:docMk/>
+            <pc:sldMk cId="3626337591" sldId="1404"/>
+            <ac:spMk id="22" creationId="{8F2376CD-4761-D6DB-FCAC-B8B2927214F5}"/>
+          </ac:spMkLst>
+        </pc:spChg>
+        <pc:spChg chg="add mod">
+          <ac:chgData name="寛也 佐藤" userId="27837c8b-abaf-4096-b544-58e4cbe7054e" providerId="ADAL" clId="{03C4690F-D76B-48FB-B343-CCF95B0FF544}" dt="2024-07-03T05:04:41.584" v="90" actId="1036"/>
+          <ac:spMkLst>
+            <pc:docMk/>
+            <pc:sldMk cId="3626337591" sldId="1404"/>
+            <ac:spMk id="32" creationId="{04D40111-56A4-377E-F0A9-CD3EFB25189A}"/>
+          </ac:spMkLst>
+        </pc:spChg>
+        <pc:spChg chg="add del mod">
+          <ac:chgData name="寛也 佐藤" userId="27837c8b-abaf-4096-b544-58e4cbe7054e" providerId="ADAL" clId="{03C4690F-D76B-48FB-B343-CCF95B0FF544}" dt="2024-07-03T05:06:02.791" v="93"/>
+          <ac:spMkLst>
+            <pc:docMk/>
+            <pc:sldMk cId="3626337591" sldId="1404"/>
+            <ac:spMk id="36" creationId="{6F5331FD-E97C-A3DB-3569-1E67A929CAE5}"/>
+          </ac:spMkLst>
+        </pc:spChg>
+        <pc:spChg chg="add mod ord">
+          <ac:chgData name="寛也 佐藤" userId="27837c8b-abaf-4096-b544-58e4cbe7054e" providerId="ADAL" clId="{03C4690F-D76B-48FB-B343-CCF95B0FF544}" dt="2024-07-03T05:08:44.897" v="134" actId="113"/>
+          <ac:spMkLst>
+            <pc:docMk/>
+            <pc:sldMk cId="3626337591" sldId="1404"/>
+            <ac:spMk id="37" creationId="{6FD6F3CB-7631-A255-278E-51C50C9B009E}"/>
+          </ac:spMkLst>
+        </pc:spChg>
+        <pc:spChg chg="add mod ord">
+          <ac:chgData name="寛也 佐藤" userId="27837c8b-abaf-4096-b544-58e4cbe7054e" providerId="ADAL" clId="{03C4690F-D76B-48FB-B343-CCF95B0FF544}" dt="2024-07-03T05:07:32.287" v="114" actId="207"/>
+          <ac:spMkLst>
+            <pc:docMk/>
+            <pc:sldMk cId="3626337591" sldId="1404"/>
+            <ac:spMk id="38" creationId="{43D38C52-9B81-71D3-FEBF-5DC95CCB46B0}"/>
+          </ac:spMkLst>
+        </pc:spChg>
+        <pc:spChg chg="add mod">
+          <ac:chgData name="寛也 佐藤" userId="27837c8b-abaf-4096-b544-58e4cbe7054e" providerId="ADAL" clId="{03C4690F-D76B-48FB-B343-CCF95B0FF544}" dt="2024-07-03T05:08:28.525" v="129" actId="2085"/>
+          <ac:spMkLst>
+            <pc:docMk/>
+            <pc:sldMk cId="3626337591" sldId="1404"/>
+            <ac:spMk id="39" creationId="{BCEF91A0-7FDC-7AA4-8C67-0C37335F5A29}"/>
+          </ac:spMkLst>
+        </pc:spChg>
+        <pc:grpChg chg="add mod">
+          <ac:chgData name="寛也 佐藤" userId="27837c8b-abaf-4096-b544-58e4cbe7054e" providerId="ADAL" clId="{03C4690F-D76B-48FB-B343-CCF95B0FF544}" dt="2024-07-03T05:02:59.082" v="30" actId="164"/>
+          <ac:grpSpMkLst>
+            <pc:docMk/>
+            <pc:sldMk cId="3626337591" sldId="1404"/>
+            <ac:grpSpMk id="33" creationId="{6A6DCCA6-C286-4A24-E173-D9381ABB7C42}"/>
+          </ac:grpSpMkLst>
+        </pc:grpChg>
+        <pc:grpChg chg="add mod">
+          <ac:chgData name="寛也 佐藤" userId="27837c8b-abaf-4096-b544-58e4cbe7054e" providerId="ADAL" clId="{03C4690F-D76B-48FB-B343-CCF95B0FF544}" dt="2024-07-03T05:04:41.584" v="90" actId="1036"/>
+          <ac:grpSpMkLst>
+            <pc:docMk/>
+            <pc:sldMk cId="3626337591" sldId="1404"/>
+            <ac:grpSpMk id="34" creationId="{2FA0FCAC-5F85-7BE1-F851-F3BCC4B5912F}"/>
+          </ac:grpSpMkLst>
+        </pc:grpChg>
+        <pc:grpChg chg="add mod">
+          <ac:chgData name="寛也 佐藤" userId="27837c8b-abaf-4096-b544-58e4cbe7054e" providerId="ADAL" clId="{03C4690F-D76B-48FB-B343-CCF95B0FF544}" dt="2024-07-03T05:04:41.584" v="90" actId="1036"/>
+          <ac:grpSpMkLst>
+            <pc:docMk/>
+            <pc:sldMk cId="3626337591" sldId="1404"/>
+            <ac:grpSpMk id="35" creationId="{90982899-2706-3505-B83C-F2F033B46CF3}"/>
+          </ac:grpSpMkLst>
+        </pc:grpChg>
+        <pc:cxnChg chg="mod">
+          <ac:chgData name="寛也 佐藤" userId="27837c8b-abaf-4096-b544-58e4cbe7054e" providerId="ADAL" clId="{03C4690F-D76B-48FB-B343-CCF95B0FF544}" dt="2024-07-03T05:04:41.584" v="90" actId="1036"/>
+          <ac:cxnSpMkLst>
+            <pc:docMk/>
+            <pc:sldMk cId="3626337591" sldId="1404"/>
+            <ac:cxnSpMk id="11" creationId="{BEC88D06-97F6-1B8B-2E22-DE88B44EF445}"/>
+          </ac:cxnSpMkLst>
+        </pc:cxnChg>
+        <pc:cxnChg chg="mod">
+          <ac:chgData name="寛也 佐藤" userId="27837c8b-abaf-4096-b544-58e4cbe7054e" providerId="ADAL" clId="{03C4690F-D76B-48FB-B343-CCF95B0FF544}" dt="2024-07-03T05:04:41.584" v="90" actId="1036"/>
+          <ac:cxnSpMkLst>
+            <pc:docMk/>
+            <pc:sldMk cId="3626337591" sldId="1404"/>
+            <ac:cxnSpMk id="13" creationId="{EF5DDC12-12EA-EBB1-B4A5-F461E8EFFFC2}"/>
+          </ac:cxnSpMkLst>
+        </pc:cxnChg>
+        <pc:cxnChg chg="mod">
+          <ac:chgData name="寛也 佐藤" userId="27837c8b-abaf-4096-b544-58e4cbe7054e" providerId="ADAL" clId="{03C4690F-D76B-48FB-B343-CCF95B0FF544}" dt="2024-07-03T05:04:41.584" v="90" actId="1036"/>
+          <ac:cxnSpMkLst>
+            <pc:docMk/>
+            <pc:sldMk cId="3626337591" sldId="1404"/>
+            <ac:cxnSpMk id="18" creationId="{798BDA78-8DF2-1A69-D056-39E83F5CCC49}"/>
+          </ac:cxnSpMkLst>
+        </pc:cxnChg>
+        <pc:cxnChg chg="mod">
+          <ac:chgData name="寛也 佐藤" userId="27837c8b-abaf-4096-b544-58e4cbe7054e" providerId="ADAL" clId="{03C4690F-D76B-48FB-B343-CCF95B0FF544}" dt="2024-07-03T05:04:41.584" v="90" actId="1036"/>
+          <ac:cxnSpMkLst>
+            <pc:docMk/>
+            <pc:sldMk cId="3626337591" sldId="1404"/>
+            <ac:cxnSpMk id="23" creationId="{3B6164EB-111F-F125-3503-A5D2E76DCF62}"/>
+          </ac:cxnSpMkLst>
+        </pc:cxnChg>
+        <pc:cxnChg chg="mod">
+          <ac:chgData name="寛也 佐藤" userId="27837c8b-abaf-4096-b544-58e4cbe7054e" providerId="ADAL" clId="{03C4690F-D76B-48FB-B343-CCF95B0FF544}" dt="2024-07-03T05:04:41.584" v="90" actId="1036"/>
+          <ac:cxnSpMkLst>
+            <pc:docMk/>
+            <pc:sldMk cId="3626337591" sldId="1404"/>
+            <ac:cxnSpMk id="24" creationId="{86E3763F-A72D-EB84-1FE7-5E0708E40F57}"/>
+          </ac:cxnSpMkLst>
+        </pc:cxnChg>
+        <pc:cxnChg chg="mod">
+          <ac:chgData name="寛也 佐藤" userId="27837c8b-abaf-4096-b544-58e4cbe7054e" providerId="ADAL" clId="{03C4690F-D76B-48FB-B343-CCF95B0FF544}" dt="2024-07-03T05:04:41.584" v="90" actId="1036"/>
+          <ac:cxnSpMkLst>
+            <pc:docMk/>
+            <pc:sldMk cId="3626337591" sldId="1404"/>
+            <ac:cxnSpMk id="25" creationId="{F3F401C3-079B-7489-FB08-4DB9BC17FA09}"/>
+          </ac:cxnSpMkLst>
+        </pc:cxnChg>
+        <pc:cxnChg chg="mod">
+          <ac:chgData name="寛也 佐藤" userId="27837c8b-abaf-4096-b544-58e4cbe7054e" providerId="ADAL" clId="{03C4690F-D76B-48FB-B343-CCF95B0FF544}" dt="2024-07-03T05:04:41.584" v="90" actId="1036"/>
+          <ac:cxnSpMkLst>
+            <pc:docMk/>
+            <pc:sldMk cId="3626337591" sldId="1404"/>
+            <ac:cxnSpMk id="26" creationId="{D14C974B-4D96-BA53-C586-35257BB1DF00}"/>
+          </ac:cxnSpMkLst>
+        </pc:cxnChg>
+        <pc:cxnChg chg="mod">
+          <ac:chgData name="寛也 佐藤" userId="27837c8b-abaf-4096-b544-58e4cbe7054e" providerId="ADAL" clId="{03C4690F-D76B-48FB-B343-CCF95B0FF544}" dt="2024-07-03T05:04:41.584" v="90" actId="1036"/>
+          <ac:cxnSpMkLst>
+            <pc:docMk/>
+            <pc:sldMk cId="3626337591" sldId="1404"/>
+            <ac:cxnSpMk id="27" creationId="{CA765CCA-A712-7BC8-7570-B42E3DF5B657}"/>
+          </ac:cxnSpMkLst>
+        </pc:cxnChg>
+        <pc:cxnChg chg="mod">
+          <ac:chgData name="寛也 佐藤" userId="27837c8b-abaf-4096-b544-58e4cbe7054e" providerId="ADAL" clId="{03C4690F-D76B-48FB-B343-CCF95B0FF544}" dt="2024-07-03T05:04:41.584" v="90" actId="1036"/>
+          <ac:cxnSpMkLst>
+            <pc:docMk/>
+            <pc:sldMk cId="3626337591" sldId="1404"/>
+            <ac:cxnSpMk id="28" creationId="{E424F6BF-13A3-6E74-B6B1-DBEB9B3B160D}"/>
+          </ac:cxnSpMkLst>
+        </pc:cxnChg>
+        <pc:cxnChg chg="mod">
+          <ac:chgData name="寛也 佐藤" userId="27837c8b-abaf-4096-b544-58e4cbe7054e" providerId="ADAL" clId="{03C4690F-D76B-48FB-B343-CCF95B0FF544}" dt="2024-07-03T05:04:41.584" v="90" actId="1036"/>
+          <ac:cxnSpMkLst>
+            <pc:docMk/>
+            <pc:sldMk cId="3626337591" sldId="1404"/>
+            <ac:cxnSpMk id="29" creationId="{A4CC6401-F1B9-0E69-35A5-A7D4A1FA9831}"/>
+          </ac:cxnSpMkLst>
+        </pc:cxnChg>
+        <pc:cxnChg chg="mod">
+          <ac:chgData name="寛也 佐藤" userId="27837c8b-abaf-4096-b544-58e4cbe7054e" providerId="ADAL" clId="{03C4690F-D76B-48FB-B343-CCF95B0FF544}" dt="2024-07-03T05:04:41.584" v="90" actId="1036"/>
+          <ac:cxnSpMkLst>
+            <pc:docMk/>
+            <pc:sldMk cId="3626337591" sldId="1404"/>
+            <ac:cxnSpMk id="30" creationId="{7B0CADFD-1AE9-087C-7295-F0ABBD009364}"/>
+          </ac:cxnSpMkLst>
+        </pc:cxnChg>
+        <pc:cxnChg chg="mod">
+          <ac:chgData name="寛也 佐藤" userId="27837c8b-abaf-4096-b544-58e4cbe7054e" providerId="ADAL" clId="{03C4690F-D76B-48FB-B343-CCF95B0FF544}" dt="2024-07-03T05:04:41.584" v="90" actId="1036"/>
+          <ac:cxnSpMkLst>
+            <pc:docMk/>
+            <pc:sldMk cId="3626337591" sldId="1404"/>
+            <ac:cxnSpMk id="31" creationId="{C4D87125-D3FE-0D03-39B0-4D02FAADD664}"/>
+          </ac:cxnSpMkLst>
+        </pc:cxnChg>
+      </pc:sldChg>
+    </pc:docChg>
+  </pc:docChgLst>
+  <pc:docChgLst>
+    <pc:chgData name="雨宮　智浩" userId="S::9288019215@utac.u-tokyo.ac.jp::018ceb06-00b6-4c8b-821f-fe5856736a8a" providerId="AD" clId="Web-{C59DD01F-5E58-DC3E-F867-C2DF0D0032B2}"/>
+    <pc:docChg chg="modSld sldOrd">
+      <pc:chgData name="雨宮　智浩" userId="S::9288019215@utac.u-tokyo.ac.jp::018ceb06-00b6-4c8b-821f-fe5856736a8a" providerId="AD" clId="Web-{C59DD01F-5E58-DC3E-F867-C2DF0D0032B2}" dt="2024-09-05T06:48:10.534" v="13" actId="20577"/>
       <pc:docMkLst>
         <pc:docMk/>
       </pc:docMkLst>
       <pc:sldChg chg="modSp">
-        <pc:chgData name="雨宮　智浩" userId="S::9288019215@utac.u-tokyo.ac.jp::018ceb06-00b6-4c8b-821f-fe5856736a8a" providerId="AD" clId="Web-{8C09A18B-A87D-6154-4DC2-8826B0A70040}" dt="2024-09-08T05:37:22.851" v="0" actId="20577"/>
+        <pc:chgData name="雨宮　智浩" userId="S::9288019215@utac.u-tokyo.ac.jp::018ceb06-00b6-4c8b-821f-fe5856736a8a" providerId="AD" clId="Web-{C59DD01F-5E58-DC3E-F867-C2DF0D0032B2}" dt="2024-09-05T06:42:30.917" v="5" actId="20577"/>
         <pc:sldMkLst>
           <pc:docMk/>
-          <pc:sldMk cId="737078635" sldId="1409"/>
+          <pc:sldMk cId="2141358339" sldId="1408"/>
         </pc:sldMkLst>
         <pc:spChg chg="mod">
-          <ac:chgData name="雨宮　智浩" userId="S::9288019215@utac.u-tokyo.ac.jp::018ceb06-00b6-4c8b-821f-fe5856736a8a" providerId="AD" clId="Web-{8C09A18B-A87D-6154-4DC2-8826B0A70040}" dt="2024-09-08T05:37:22.851" v="0" actId="20577"/>
-          <ac:spMkLst>
-            <pc:docMk/>
-            <pc:sldMk cId="737078635" sldId="1409"/>
+          <ac:chgData name="雨宮　智浩" userId="S::9288019215@utac.u-tokyo.ac.jp::018ceb06-00b6-4c8b-821f-fe5856736a8a" providerId="AD" clId="Web-{C59DD01F-5E58-DC3E-F867-C2DF0D0032B2}" dt="2024-09-05T06:42:30.917" v="5" actId="20577"/>
+          <ac:spMkLst>
+            <pc:docMk/>
+            <pc:sldMk cId="2141358339" sldId="1408"/>
             <ac:spMk id="3" creationId="{11BE7EF4-56DF-F510-784F-2E996E481ACE}"/>
+          </ac:spMkLst>
+        </pc:spChg>
+      </pc:sldChg>
+      <pc:sldChg chg="ord">
+        <pc:chgData name="雨宮　智浩" userId="S::9288019215@utac.u-tokyo.ac.jp::018ceb06-00b6-4c8b-821f-fe5856736a8a" providerId="AD" clId="Web-{C59DD01F-5E58-DC3E-F867-C2DF0D0032B2}" dt="2024-09-05T06:45:15.233" v="7"/>
+        <pc:sldMkLst>
+          <pc:docMk/>
+          <pc:sldMk cId="1810238456" sldId="1411"/>
+        </pc:sldMkLst>
+      </pc:sldChg>
+      <pc:sldChg chg="modSp">
+        <pc:chgData name="雨宮　智浩" userId="S::9288019215@utac.u-tokyo.ac.jp::018ceb06-00b6-4c8b-821f-fe5856736a8a" providerId="AD" clId="Web-{C59DD01F-5E58-DC3E-F867-C2DF0D0032B2}" dt="2024-09-05T06:48:10.534" v="13" actId="20577"/>
+        <pc:sldMkLst>
+          <pc:docMk/>
+          <pc:sldMk cId="117506766" sldId="1413"/>
+        </pc:sldMkLst>
+        <pc:spChg chg="mod">
+          <ac:chgData name="雨宮　智浩" userId="S::9288019215@utac.u-tokyo.ac.jp::018ceb06-00b6-4c8b-821f-fe5856736a8a" providerId="AD" clId="Web-{C59DD01F-5E58-DC3E-F867-C2DF0D0032B2}" dt="2024-09-05T06:48:10.534" v="13" actId="20577"/>
+          <ac:spMkLst>
+            <pc:docMk/>
+            <pc:sldMk cId="117506766" sldId="1413"/>
+            <ac:spMk id="3" creationId="{41AEE836-B07F-6756-DC70-5EA0EE3A1CC4}"/>
+          </ac:spMkLst>
+        </pc:spChg>
+      </pc:sldChg>
+    </pc:docChg>
+  </pc:docChgLst>
+  <pc:docChgLst>
+    <pc:chgData name="雨宮　智浩" userId="S::9288019215@utac.u-tokyo.ac.jp::018ceb06-00b6-4c8b-821f-fe5856736a8a" providerId="AD" clId="Web-{E52823F3-2262-B852-0200-E4DF1045324F}"/>
+    <pc:docChg chg="modSld">
+      <pc:chgData name="雨宮　智浩" userId="S::9288019215@utac.u-tokyo.ac.jp::018ceb06-00b6-4c8b-821f-fe5856736a8a" providerId="AD" clId="Web-{E52823F3-2262-B852-0200-E4DF1045324F}" dt="2024-09-04T05:53:54.583" v="228" actId="20577"/>
+      <pc:docMkLst>
+        <pc:docMk/>
+      </pc:docMkLst>
+      <pc:sldChg chg="modSp">
+        <pc:chgData name="雨宮　智浩" userId="S::9288019215@utac.u-tokyo.ac.jp::018ceb06-00b6-4c8b-821f-fe5856736a8a" providerId="AD" clId="Web-{E52823F3-2262-B852-0200-E4DF1045324F}" dt="2024-09-04T05:14:53.710" v="16" actId="1076"/>
+        <pc:sldMkLst>
+          <pc:docMk/>
+          <pc:sldMk cId="4080963220" sldId="1403"/>
+        </pc:sldMkLst>
+        <pc:spChg chg="mod">
+          <ac:chgData name="雨宮　智浩" userId="S::9288019215@utac.u-tokyo.ac.jp::018ceb06-00b6-4c8b-821f-fe5856736a8a" providerId="AD" clId="Web-{E52823F3-2262-B852-0200-E4DF1045324F}" dt="2024-09-04T05:14:49.476" v="15" actId="20577"/>
+          <ac:spMkLst>
+            <pc:docMk/>
+            <pc:sldMk cId="4080963220" sldId="1403"/>
+            <ac:spMk id="14" creationId="{376F3ABE-2951-B7E3-5373-0751143AA308}"/>
+          </ac:spMkLst>
+        </pc:spChg>
+        <pc:picChg chg="mod">
+          <ac:chgData name="雨宮　智浩" userId="S::9288019215@utac.u-tokyo.ac.jp::018ceb06-00b6-4c8b-821f-fe5856736a8a" providerId="AD" clId="Web-{E52823F3-2262-B852-0200-E4DF1045324F}" dt="2024-09-04T05:14:53.710" v="16" actId="1076"/>
+          <ac:picMkLst>
+            <pc:docMk/>
+            <pc:sldMk cId="4080963220" sldId="1403"/>
+            <ac:picMk id="15" creationId="{534F1761-1B29-536E-2867-FC177425F5A3}"/>
+          </ac:picMkLst>
+        </pc:picChg>
+      </pc:sldChg>
+      <pc:sldChg chg="modSp">
+        <pc:chgData name="雨宮　智浩" userId="S::9288019215@utac.u-tokyo.ac.jp::018ceb06-00b6-4c8b-821f-fe5856736a8a" providerId="AD" clId="Web-{E52823F3-2262-B852-0200-E4DF1045324F}" dt="2024-09-04T05:53:54.583" v="228" actId="20577"/>
+        <pc:sldMkLst>
+          <pc:docMk/>
+          <pc:sldMk cId="176847597" sldId="1415"/>
+        </pc:sldMkLst>
+        <pc:spChg chg="mod">
+          <ac:chgData name="雨宮　智浩" userId="S::9288019215@utac.u-tokyo.ac.jp::018ceb06-00b6-4c8b-821f-fe5856736a8a" providerId="AD" clId="Web-{E52823F3-2262-B852-0200-E4DF1045324F}" dt="2024-09-04T05:53:54.583" v="228" actId="20577"/>
+          <ac:spMkLst>
+            <pc:docMk/>
+            <pc:sldMk cId="176847597" sldId="1415"/>
+            <ac:spMk id="3" creationId="{41AEE836-B07F-6756-DC70-5EA0EE3A1CC4}"/>
+          </ac:spMkLst>
+        </pc:spChg>
+      </pc:sldChg>
+      <pc:sldChg chg="addSp modSp">
+        <pc:chgData name="雨宮　智浩" userId="S::9288019215@utac.u-tokyo.ac.jp::018ceb06-00b6-4c8b-821f-fe5856736a8a" providerId="AD" clId="Web-{E52823F3-2262-B852-0200-E4DF1045324F}" dt="2024-09-04T05:30:59.890" v="44" actId="1076"/>
+        <pc:sldMkLst>
+          <pc:docMk/>
+          <pc:sldMk cId="2659024569" sldId="1416"/>
+        </pc:sldMkLst>
+        <pc:spChg chg="add mod">
+          <ac:chgData name="雨宮　智浩" userId="S::9288019215@utac.u-tokyo.ac.jp::018ceb06-00b6-4c8b-821f-fe5856736a8a" providerId="AD" clId="Web-{E52823F3-2262-B852-0200-E4DF1045324F}" dt="2024-09-04T05:30:59.890" v="44" actId="1076"/>
+          <ac:spMkLst>
+            <pc:docMk/>
+            <pc:sldMk cId="2659024569" sldId="1416"/>
+            <ac:spMk id="11" creationId="{EC954807-6560-AE57-95E7-F82A857C931C}"/>
           </ac:spMkLst>
         </pc:spChg>
       </pc:sldChg>
@@ -967,3083 +4063,6 @@
             <pc:docMk/>
             <pc:sldMk cId="3444094588" sldId="1426"/>
             <ac:spMk id="36" creationId="{1045E949-D964-E1B0-DFBD-DCDEF236B442}"/>
-          </ac:spMkLst>
-        </pc:spChg>
-      </pc:sldChg>
-    </pc:docChg>
-  </pc:docChgLst>
-  <pc:docChgLst>
-    <pc:chgData name="雨宮　智浩" userId="S::9288019215@utac.u-tokyo.ac.jp::018ceb06-00b6-4c8b-821f-fe5856736a8a" providerId="AD" clId="Web-{08EB0644-43D4-88A8-127E-88ED17A1E6B7}"/>
-    <pc:docChg chg="modSld">
-      <pc:chgData name="雨宮　智浩" userId="S::9288019215@utac.u-tokyo.ac.jp::018ceb06-00b6-4c8b-821f-fe5856736a8a" providerId="AD" clId="Web-{08EB0644-43D4-88A8-127E-88ED17A1E6B7}" dt="2024-09-05T14:25:00.414" v="48" actId="20577"/>
-      <pc:docMkLst>
-        <pc:docMk/>
-      </pc:docMkLst>
-      <pc:sldChg chg="modSp">
-        <pc:chgData name="雨宮　智浩" userId="S::9288019215@utac.u-tokyo.ac.jp::018ceb06-00b6-4c8b-821f-fe5856736a8a" providerId="AD" clId="Web-{08EB0644-43D4-88A8-127E-88ED17A1E6B7}" dt="2024-09-05T14:25:00.414" v="48" actId="20577"/>
-        <pc:sldMkLst>
-          <pc:docMk/>
-          <pc:sldMk cId="3626337591" sldId="1404"/>
-        </pc:sldMkLst>
-        <pc:spChg chg="mod">
-          <ac:chgData name="雨宮　智浩" userId="S::9288019215@utac.u-tokyo.ac.jp::018ceb06-00b6-4c8b-821f-fe5856736a8a" providerId="AD" clId="Web-{08EB0644-43D4-88A8-127E-88ED17A1E6B7}" dt="2024-09-05T14:25:00.414" v="48" actId="20577"/>
-          <ac:spMkLst>
-            <pc:docMk/>
-            <pc:sldMk cId="3626337591" sldId="1404"/>
-            <ac:spMk id="14" creationId="{376F3ABE-2951-B7E3-5373-0751143AA308}"/>
-          </ac:spMkLst>
-        </pc:spChg>
-      </pc:sldChg>
-      <pc:sldChg chg="delSp modSp">
-        <pc:chgData name="雨宮　智浩" userId="S::9288019215@utac.u-tokyo.ac.jp::018ceb06-00b6-4c8b-821f-fe5856736a8a" providerId="AD" clId="Web-{08EB0644-43D4-88A8-127E-88ED17A1E6B7}" dt="2024-09-05T14:20:07.144" v="46"/>
-        <pc:sldMkLst>
-          <pc:docMk/>
-          <pc:sldMk cId="3444094588" sldId="1426"/>
-        </pc:sldMkLst>
-        <pc:spChg chg="mod">
-          <ac:chgData name="雨宮　智浩" userId="S::9288019215@utac.u-tokyo.ac.jp::018ceb06-00b6-4c8b-821f-fe5856736a8a" providerId="AD" clId="Web-{08EB0644-43D4-88A8-127E-88ED17A1E6B7}" dt="2024-09-05T14:17:28.402" v="45" actId="20577"/>
-          <ac:spMkLst>
-            <pc:docMk/>
-            <pc:sldMk cId="3444094588" sldId="1426"/>
-            <ac:spMk id="34" creationId="{8FDC921C-7EF6-A770-CA01-6F61C3D13BD1}"/>
-          </ac:spMkLst>
-        </pc:spChg>
-        <pc:spChg chg="del">
-          <ac:chgData name="雨宮　智浩" userId="S::9288019215@utac.u-tokyo.ac.jp::018ceb06-00b6-4c8b-821f-fe5856736a8a" providerId="AD" clId="Web-{08EB0644-43D4-88A8-127E-88ED17A1E6B7}" dt="2024-09-05T14:20:07.144" v="46"/>
-          <ac:spMkLst>
-            <pc:docMk/>
-            <pc:sldMk cId="3444094588" sldId="1426"/>
-            <ac:spMk id="45" creationId="{8DDA4C2F-364E-2BEF-7C73-6E7AADFDC417}"/>
-          </ac:spMkLst>
-        </pc:spChg>
-      </pc:sldChg>
-    </pc:docChg>
-  </pc:docChgLst>
-  <pc:docChgLst>
-    <pc:chgData name="雨宮　智浩" userId="S::9288019215@utac.u-tokyo.ac.jp::018ceb06-00b6-4c8b-821f-fe5856736a8a" providerId="AD" clId="Web-{E52823F3-2262-B852-0200-E4DF1045324F}"/>
-    <pc:docChg chg="modSld">
-      <pc:chgData name="雨宮　智浩" userId="S::9288019215@utac.u-tokyo.ac.jp::018ceb06-00b6-4c8b-821f-fe5856736a8a" providerId="AD" clId="Web-{E52823F3-2262-B852-0200-E4DF1045324F}" dt="2024-09-04T05:53:54.583" v="228" actId="20577"/>
-      <pc:docMkLst>
-        <pc:docMk/>
-      </pc:docMkLst>
-      <pc:sldChg chg="modSp">
-        <pc:chgData name="雨宮　智浩" userId="S::9288019215@utac.u-tokyo.ac.jp::018ceb06-00b6-4c8b-821f-fe5856736a8a" providerId="AD" clId="Web-{E52823F3-2262-B852-0200-E4DF1045324F}" dt="2024-09-04T05:14:53.710" v="16" actId="1076"/>
-        <pc:sldMkLst>
-          <pc:docMk/>
-          <pc:sldMk cId="4080963220" sldId="1403"/>
-        </pc:sldMkLst>
-        <pc:spChg chg="mod">
-          <ac:chgData name="雨宮　智浩" userId="S::9288019215@utac.u-tokyo.ac.jp::018ceb06-00b6-4c8b-821f-fe5856736a8a" providerId="AD" clId="Web-{E52823F3-2262-B852-0200-E4DF1045324F}" dt="2024-09-04T05:14:49.476" v="15" actId="20577"/>
-          <ac:spMkLst>
-            <pc:docMk/>
-            <pc:sldMk cId="4080963220" sldId="1403"/>
-            <ac:spMk id="14" creationId="{376F3ABE-2951-B7E3-5373-0751143AA308}"/>
-          </ac:spMkLst>
-        </pc:spChg>
-        <pc:picChg chg="mod">
-          <ac:chgData name="雨宮　智浩" userId="S::9288019215@utac.u-tokyo.ac.jp::018ceb06-00b6-4c8b-821f-fe5856736a8a" providerId="AD" clId="Web-{E52823F3-2262-B852-0200-E4DF1045324F}" dt="2024-09-04T05:14:53.710" v="16" actId="1076"/>
-          <ac:picMkLst>
-            <pc:docMk/>
-            <pc:sldMk cId="4080963220" sldId="1403"/>
-            <ac:picMk id="15" creationId="{534F1761-1B29-536E-2867-FC177425F5A3}"/>
-          </ac:picMkLst>
-        </pc:picChg>
-      </pc:sldChg>
-      <pc:sldChg chg="modSp">
-        <pc:chgData name="雨宮　智浩" userId="S::9288019215@utac.u-tokyo.ac.jp::018ceb06-00b6-4c8b-821f-fe5856736a8a" providerId="AD" clId="Web-{E52823F3-2262-B852-0200-E4DF1045324F}" dt="2024-09-04T05:53:54.583" v="228" actId="20577"/>
-        <pc:sldMkLst>
-          <pc:docMk/>
-          <pc:sldMk cId="176847597" sldId="1415"/>
-        </pc:sldMkLst>
-        <pc:spChg chg="mod">
-          <ac:chgData name="雨宮　智浩" userId="S::9288019215@utac.u-tokyo.ac.jp::018ceb06-00b6-4c8b-821f-fe5856736a8a" providerId="AD" clId="Web-{E52823F3-2262-B852-0200-E4DF1045324F}" dt="2024-09-04T05:53:54.583" v="228" actId="20577"/>
-          <ac:spMkLst>
-            <pc:docMk/>
-            <pc:sldMk cId="176847597" sldId="1415"/>
-            <ac:spMk id="3" creationId="{41AEE836-B07F-6756-DC70-5EA0EE3A1CC4}"/>
-          </ac:spMkLst>
-        </pc:spChg>
-      </pc:sldChg>
-      <pc:sldChg chg="addSp modSp">
-        <pc:chgData name="雨宮　智浩" userId="S::9288019215@utac.u-tokyo.ac.jp::018ceb06-00b6-4c8b-821f-fe5856736a8a" providerId="AD" clId="Web-{E52823F3-2262-B852-0200-E4DF1045324F}" dt="2024-09-04T05:30:59.890" v="44" actId="1076"/>
-        <pc:sldMkLst>
-          <pc:docMk/>
-          <pc:sldMk cId="2659024569" sldId="1416"/>
-        </pc:sldMkLst>
-        <pc:spChg chg="add mod">
-          <ac:chgData name="雨宮　智浩" userId="S::9288019215@utac.u-tokyo.ac.jp::018ceb06-00b6-4c8b-821f-fe5856736a8a" providerId="AD" clId="Web-{E52823F3-2262-B852-0200-E4DF1045324F}" dt="2024-09-04T05:30:59.890" v="44" actId="1076"/>
-          <ac:spMkLst>
-            <pc:docMk/>
-            <pc:sldMk cId="2659024569" sldId="1416"/>
-            <ac:spMk id="11" creationId="{EC954807-6560-AE57-95E7-F82A857C931C}"/>
-          </ac:spMkLst>
-        </pc:spChg>
-      </pc:sldChg>
-    </pc:docChg>
-  </pc:docChgLst>
-  <pc:docChgLst>
-    <pc:chgData name="雨宮　智浩" userId="S::9288019215@utac.u-tokyo.ac.jp::018ceb06-00b6-4c8b-821f-fe5856736a8a" providerId="AD" clId="Web-{71F8D438-9F47-872D-730F-066D2D943600}"/>
-    <pc:docChg chg="addSld modSld sldOrd">
-      <pc:chgData name="雨宮　智浩" userId="S::9288019215@utac.u-tokyo.ac.jp::018ceb06-00b6-4c8b-821f-fe5856736a8a" providerId="AD" clId="Web-{71F8D438-9F47-872D-730F-066D2D943600}" dt="2024-09-05T08:37:48.233" v="348" actId="14100"/>
-      <pc:docMkLst>
-        <pc:docMk/>
-      </pc:docMkLst>
-      <pc:sldChg chg="modSp">
-        <pc:chgData name="雨宮　智浩" userId="S::9288019215@utac.u-tokyo.ac.jp::018ceb06-00b6-4c8b-821f-fe5856736a8a" providerId="AD" clId="Web-{71F8D438-9F47-872D-730F-066D2D943600}" dt="2024-09-05T07:44:12.170" v="31" actId="20577"/>
-        <pc:sldMkLst>
-          <pc:docMk/>
-          <pc:sldMk cId="2141358339" sldId="1408"/>
-        </pc:sldMkLst>
-        <pc:spChg chg="mod">
-          <ac:chgData name="雨宮　智浩" userId="S::9288019215@utac.u-tokyo.ac.jp::018ceb06-00b6-4c8b-821f-fe5856736a8a" providerId="AD" clId="Web-{71F8D438-9F47-872D-730F-066D2D943600}" dt="2024-09-05T07:44:12.170" v="31" actId="20577"/>
-          <ac:spMkLst>
-            <pc:docMk/>
-            <pc:sldMk cId="2141358339" sldId="1408"/>
-            <ac:spMk id="3" creationId="{11BE7EF4-56DF-F510-784F-2E996E481ACE}"/>
-          </ac:spMkLst>
-        </pc:spChg>
-      </pc:sldChg>
-      <pc:sldChg chg="modSp">
-        <pc:chgData name="雨宮　智浩" userId="S::9288019215@utac.u-tokyo.ac.jp::018ceb06-00b6-4c8b-821f-fe5856736a8a" providerId="AD" clId="Web-{71F8D438-9F47-872D-730F-066D2D943600}" dt="2024-09-05T07:41:35.149" v="20" actId="20577"/>
-        <pc:sldMkLst>
-          <pc:docMk/>
-          <pc:sldMk cId="737078635" sldId="1409"/>
-        </pc:sldMkLst>
-        <pc:spChg chg="mod">
-          <ac:chgData name="雨宮　智浩" userId="S::9288019215@utac.u-tokyo.ac.jp::018ceb06-00b6-4c8b-821f-fe5856736a8a" providerId="AD" clId="Web-{71F8D438-9F47-872D-730F-066D2D943600}" dt="2024-09-05T07:41:35.149" v="20" actId="20577"/>
-          <ac:spMkLst>
-            <pc:docMk/>
-            <pc:sldMk cId="737078635" sldId="1409"/>
-            <ac:spMk id="3" creationId="{11BE7EF4-56DF-F510-784F-2E996E481ACE}"/>
-          </ac:spMkLst>
-        </pc:spChg>
-      </pc:sldChg>
-      <pc:sldChg chg="addSp modSp">
-        <pc:chgData name="雨宮　智浩" userId="S::9288019215@utac.u-tokyo.ac.jp::018ceb06-00b6-4c8b-821f-fe5856736a8a" providerId="AD" clId="Web-{71F8D438-9F47-872D-730F-066D2D943600}" dt="2024-09-05T08:37:48.233" v="348" actId="14100"/>
-        <pc:sldMkLst>
-          <pc:docMk/>
-          <pc:sldMk cId="1810238456" sldId="1411"/>
-        </pc:sldMkLst>
-        <pc:spChg chg="add mod">
-          <ac:chgData name="雨宮　智浩" userId="S::9288019215@utac.u-tokyo.ac.jp::018ceb06-00b6-4c8b-821f-fe5856736a8a" providerId="AD" clId="Web-{71F8D438-9F47-872D-730F-066D2D943600}" dt="2024-09-05T08:37:48.233" v="348" actId="14100"/>
-          <ac:spMkLst>
-            <pc:docMk/>
-            <pc:sldMk cId="1810238456" sldId="1411"/>
-            <ac:spMk id="3" creationId="{C8906452-3DF7-BA54-EA6F-A4DDBF3FBC16}"/>
-          </ac:spMkLst>
-        </pc:spChg>
-      </pc:sldChg>
-      <pc:sldChg chg="modSp">
-        <pc:chgData name="雨宮　智浩" userId="S::9288019215@utac.u-tokyo.ac.jp::018ceb06-00b6-4c8b-821f-fe5856736a8a" providerId="AD" clId="Web-{71F8D438-9F47-872D-730F-066D2D943600}" dt="2024-09-05T07:58:41.278" v="95" actId="20577"/>
-        <pc:sldMkLst>
-          <pc:docMk/>
-          <pc:sldMk cId="117506766" sldId="1413"/>
-        </pc:sldMkLst>
-        <pc:spChg chg="mod">
-          <ac:chgData name="雨宮　智浩" userId="S::9288019215@utac.u-tokyo.ac.jp::018ceb06-00b6-4c8b-821f-fe5856736a8a" providerId="AD" clId="Web-{71F8D438-9F47-872D-730F-066D2D943600}" dt="2024-09-05T07:58:41.278" v="95" actId="20577"/>
-          <ac:spMkLst>
-            <pc:docMk/>
-            <pc:sldMk cId="117506766" sldId="1413"/>
-            <ac:spMk id="3" creationId="{41AEE836-B07F-6756-DC70-5EA0EE3A1CC4}"/>
-          </ac:spMkLst>
-        </pc:spChg>
-      </pc:sldChg>
-      <pc:sldChg chg="modSp">
-        <pc:chgData name="雨宮　智浩" userId="S::9288019215@utac.u-tokyo.ac.jp::018ceb06-00b6-4c8b-821f-fe5856736a8a" providerId="AD" clId="Web-{71F8D438-9F47-872D-730F-066D2D943600}" dt="2024-09-05T07:46:22.878" v="42" actId="20577"/>
-        <pc:sldMkLst>
-          <pc:docMk/>
-          <pc:sldMk cId="2127359854" sldId="1417"/>
-        </pc:sldMkLst>
-        <pc:spChg chg="mod">
-          <ac:chgData name="雨宮　智浩" userId="S::9288019215@utac.u-tokyo.ac.jp::018ceb06-00b6-4c8b-821f-fe5856736a8a" providerId="AD" clId="Web-{71F8D438-9F47-872D-730F-066D2D943600}" dt="2024-09-05T07:46:22.878" v="42" actId="20577"/>
-          <ac:spMkLst>
-            <pc:docMk/>
-            <pc:sldMk cId="2127359854" sldId="1417"/>
-            <ac:spMk id="2" creationId="{DAA4631E-08C4-0E32-119E-7BC58AE9E790}"/>
-          </ac:spMkLst>
-        </pc:spChg>
-      </pc:sldChg>
-      <pc:sldChg chg="modSp">
-        <pc:chgData name="雨宮　智浩" userId="S::9288019215@utac.u-tokyo.ac.jp::018ceb06-00b6-4c8b-821f-fe5856736a8a" providerId="AD" clId="Web-{71F8D438-9F47-872D-730F-066D2D943600}" dt="2024-09-05T07:45:20.610" v="38" actId="20577"/>
-        <pc:sldMkLst>
-          <pc:docMk/>
-          <pc:sldMk cId="280610682" sldId="1419"/>
-        </pc:sldMkLst>
-        <pc:spChg chg="mod">
-          <ac:chgData name="雨宮　智浩" userId="S::9288019215@utac.u-tokyo.ac.jp::018ceb06-00b6-4c8b-821f-fe5856736a8a" providerId="AD" clId="Web-{71F8D438-9F47-872D-730F-066D2D943600}" dt="2024-09-05T07:45:20.610" v="38" actId="20577"/>
-          <ac:spMkLst>
-            <pc:docMk/>
-            <pc:sldMk cId="280610682" sldId="1419"/>
-            <ac:spMk id="2" creationId="{616BBF18-2EA3-DF8C-AC99-B7328D4F60C3}"/>
-          </ac:spMkLst>
-        </pc:spChg>
-      </pc:sldChg>
-      <pc:sldChg chg="modSp new ord">
-        <pc:chgData name="雨宮　智浩" userId="S::9288019215@utac.u-tokyo.ac.jp::018ceb06-00b6-4c8b-821f-fe5856736a8a" providerId="AD" clId="Web-{71F8D438-9F47-872D-730F-066D2D943600}" dt="2024-09-05T08:16:59.722" v="288"/>
-        <pc:sldMkLst>
-          <pc:docMk/>
-          <pc:sldMk cId="393741535" sldId="1422"/>
-        </pc:sldMkLst>
-        <pc:spChg chg="mod">
-          <ac:chgData name="雨宮　智浩" userId="S::9288019215@utac.u-tokyo.ac.jp::018ceb06-00b6-4c8b-821f-fe5856736a8a" providerId="AD" clId="Web-{71F8D438-9F47-872D-730F-066D2D943600}" dt="2024-09-05T08:16:44.049" v="287" actId="20577"/>
-          <ac:spMkLst>
-            <pc:docMk/>
-            <pc:sldMk cId="393741535" sldId="1422"/>
-            <ac:spMk id="2" creationId="{4E1D0AED-C4B4-CB0B-E228-9C810E80C2AF}"/>
-          </ac:spMkLst>
-        </pc:spChg>
-        <pc:spChg chg="mod">
-          <ac:chgData name="雨宮　智浩" userId="S::9288019215@utac.u-tokyo.ac.jp::018ceb06-00b6-4c8b-821f-fe5856736a8a" providerId="AD" clId="Web-{71F8D438-9F47-872D-730F-066D2D943600}" dt="2024-09-05T08:15:29.125" v="279" actId="20577"/>
-          <ac:spMkLst>
-            <pc:docMk/>
-            <pc:sldMk cId="393741535" sldId="1422"/>
-            <ac:spMk id="3" creationId="{F68775E6-F813-17B7-0CC8-EF53F6F34CDC}"/>
-          </ac:spMkLst>
-        </pc:spChg>
-      </pc:sldChg>
-    </pc:docChg>
-  </pc:docChgLst>
-  <pc:docChgLst>
-    <pc:chgData name="雨宮　智浩" userId="S::9288019215@utac.u-tokyo.ac.jp::018ceb06-00b6-4c8b-821f-fe5856736a8a" providerId="AD" clId="Web-{29B416D7-6A9C-5138-D7DB-54674D91A798}"/>
-    <pc:docChg chg="modSld">
-      <pc:chgData name="雨宮　智浩" userId="S::9288019215@utac.u-tokyo.ac.jp::018ceb06-00b6-4c8b-821f-fe5856736a8a" providerId="AD" clId="Web-{29B416D7-6A9C-5138-D7DB-54674D91A798}" dt="2024-09-08T05:08:48.932" v="11" actId="1076"/>
-      <pc:docMkLst>
-        <pc:docMk/>
-      </pc:docMkLst>
-      <pc:sldChg chg="modSp">
-        <pc:chgData name="雨宮　智浩" userId="S::9288019215@utac.u-tokyo.ac.jp::018ceb06-00b6-4c8b-821f-fe5856736a8a" providerId="AD" clId="Web-{29B416D7-6A9C-5138-D7DB-54674D91A798}" dt="2024-09-08T05:08:48.932" v="11" actId="1076"/>
-        <pc:sldMkLst>
-          <pc:docMk/>
-          <pc:sldMk cId="3626337591" sldId="1404"/>
-        </pc:sldMkLst>
-        <pc:spChg chg="mod">
-          <ac:chgData name="雨宮　智浩" userId="S::9288019215@utac.u-tokyo.ac.jp::018ceb06-00b6-4c8b-821f-fe5856736a8a" providerId="AD" clId="Web-{29B416D7-6A9C-5138-D7DB-54674D91A798}" dt="2024-09-08T05:08:34.728" v="9" actId="20577"/>
-          <ac:spMkLst>
-            <pc:docMk/>
-            <pc:sldMk cId="3626337591" sldId="1404"/>
-            <ac:spMk id="2" creationId="{0DD8CF49-64AC-1FCC-3F64-297A9BEC1995}"/>
-          </ac:spMkLst>
-        </pc:spChg>
-        <pc:spChg chg="mod">
-          <ac:chgData name="雨宮　智浩" userId="S::9288019215@utac.u-tokyo.ac.jp::018ceb06-00b6-4c8b-821f-fe5856736a8a" providerId="AD" clId="Web-{29B416D7-6A9C-5138-D7DB-54674D91A798}" dt="2024-09-08T05:08:48.932" v="11" actId="1076"/>
-          <ac:spMkLst>
-            <pc:docMk/>
-            <pc:sldMk cId="3626337591" sldId="1404"/>
-            <ac:spMk id="37" creationId="{6FD6F3CB-7631-A255-278E-51C50C9B009E}"/>
-          </ac:spMkLst>
-        </pc:spChg>
-        <pc:spChg chg="mod">
-          <ac:chgData name="雨宮　智浩" userId="S::9288019215@utac.u-tokyo.ac.jp::018ceb06-00b6-4c8b-821f-fe5856736a8a" providerId="AD" clId="Web-{29B416D7-6A9C-5138-D7DB-54674D91A798}" dt="2024-09-08T05:08:48.917" v="10" actId="1076"/>
-          <ac:spMkLst>
-            <pc:docMk/>
-            <pc:sldMk cId="3626337591" sldId="1404"/>
-            <ac:spMk id="39" creationId="{BCEF91A0-7FDC-7AA4-8C67-0C37335F5A29}"/>
-          </ac:spMkLst>
-        </pc:spChg>
-      </pc:sldChg>
-    </pc:docChg>
-  </pc:docChgLst>
-  <pc:docChgLst>
-    <pc:chgData name="佐藤　寛也" userId="27837c8b-abaf-4096-b544-58e4cbe7054e" providerId="ADAL" clId="{03C4690F-D76B-48FB-B343-CCF95B0FF544}"/>
-    <pc:docChg chg="custSel modSld">
-      <pc:chgData name="佐藤　寛也" userId="27837c8b-abaf-4096-b544-58e4cbe7054e" providerId="ADAL" clId="{03C4690F-D76B-48FB-B343-CCF95B0FF544}" dt="2024-07-05T06:36:01.982" v="1"/>
-      <pc:docMkLst>
-        <pc:docMk/>
-      </pc:docMkLst>
-      <pc:sldChg chg="addSp delSp modSp mod">
-        <pc:chgData name="佐藤　寛也" userId="27837c8b-abaf-4096-b544-58e4cbe7054e" providerId="ADAL" clId="{03C4690F-D76B-48FB-B343-CCF95B0FF544}" dt="2024-07-05T06:36:01.982" v="1"/>
-        <pc:sldMkLst>
-          <pc:docMk/>
-          <pc:sldMk cId="2292264982" sldId="256"/>
-        </pc:sldMkLst>
-        <pc:spChg chg="del">
-          <ac:chgData name="佐藤　寛也" userId="27837c8b-abaf-4096-b544-58e4cbe7054e" providerId="ADAL" clId="{03C4690F-D76B-48FB-B343-CCF95B0FF544}" dt="2024-07-05T06:35:52.853" v="0" actId="478"/>
-          <ac:spMkLst>
-            <pc:docMk/>
-            <pc:sldMk cId="2292264982" sldId="256"/>
-            <ac:spMk id="4" creationId="{D12A556D-E458-C03F-159E-C94DB8018206}"/>
-          </ac:spMkLst>
-        </pc:spChg>
-        <pc:spChg chg="del">
-          <ac:chgData name="佐藤　寛也" userId="27837c8b-abaf-4096-b544-58e4cbe7054e" providerId="ADAL" clId="{03C4690F-D76B-48FB-B343-CCF95B0FF544}" dt="2024-07-05T06:35:52.853" v="0" actId="478"/>
-          <ac:spMkLst>
-            <pc:docMk/>
-            <pc:sldMk cId="2292264982" sldId="256"/>
-            <ac:spMk id="5" creationId="{CB76B9EF-5509-7E11-647E-D88F96AC0E91}"/>
-          </ac:spMkLst>
-        </pc:spChg>
-        <pc:spChg chg="del">
-          <ac:chgData name="佐藤　寛也" userId="27837c8b-abaf-4096-b544-58e4cbe7054e" providerId="ADAL" clId="{03C4690F-D76B-48FB-B343-CCF95B0FF544}" dt="2024-07-05T06:35:52.853" v="0" actId="478"/>
-          <ac:spMkLst>
-            <pc:docMk/>
-            <pc:sldMk cId="2292264982" sldId="256"/>
-            <ac:spMk id="7" creationId="{B1409E50-9F00-2674-DECA-28AB5BADBBB0}"/>
-          </ac:spMkLst>
-        </pc:spChg>
-        <pc:spChg chg="add mod">
-          <ac:chgData name="佐藤　寛也" userId="27837c8b-abaf-4096-b544-58e4cbe7054e" providerId="ADAL" clId="{03C4690F-D76B-48FB-B343-CCF95B0FF544}" dt="2024-07-05T06:36:01.982" v="1"/>
-          <ac:spMkLst>
-            <pc:docMk/>
-            <pc:sldMk cId="2292264982" sldId="256"/>
-            <ac:spMk id="8" creationId="{49D27D66-AAE8-E08B-218F-03A7B6FF2F95}"/>
-          </ac:spMkLst>
-        </pc:spChg>
-        <pc:spChg chg="add mod">
-          <ac:chgData name="佐藤　寛也" userId="27837c8b-abaf-4096-b544-58e4cbe7054e" providerId="ADAL" clId="{03C4690F-D76B-48FB-B343-CCF95B0FF544}" dt="2024-07-05T06:36:01.982" v="1"/>
-          <ac:spMkLst>
-            <pc:docMk/>
-            <pc:sldMk cId="2292264982" sldId="256"/>
-            <ac:spMk id="9" creationId="{C500070E-B6D1-AC6E-5ED4-298D0E9250B7}"/>
-          </ac:spMkLst>
-        </pc:spChg>
-        <pc:spChg chg="add mod">
-          <ac:chgData name="佐藤　寛也" userId="27837c8b-abaf-4096-b544-58e4cbe7054e" providerId="ADAL" clId="{03C4690F-D76B-48FB-B343-CCF95B0FF544}" dt="2024-07-05T06:36:01.982" v="1"/>
-          <ac:spMkLst>
-            <pc:docMk/>
-            <pc:sldMk cId="2292264982" sldId="256"/>
-            <ac:spMk id="10" creationId="{7DD91D86-2F47-884B-7F6D-45BC8F5B6D88}"/>
-          </ac:spMkLst>
-        </pc:spChg>
-      </pc:sldChg>
-    </pc:docChg>
-  </pc:docChgLst>
-  <pc:docChgLst>
-    <pc:chgData name="寛也 佐藤" userId="27837c8b-abaf-4096-b544-58e4cbe7054e" providerId="ADAL" clId="{03C4690F-D76B-48FB-B343-CCF95B0FF544}"/>
-    <pc:docChg chg="undo custSel modSld">
-      <pc:chgData name="寛也 佐藤" userId="27837c8b-abaf-4096-b544-58e4cbe7054e" providerId="ADAL" clId="{03C4690F-D76B-48FB-B343-CCF95B0FF544}" dt="2024-07-03T05:13:57.059" v="136"/>
-      <pc:docMkLst>
-        <pc:docMk/>
-      </pc:docMkLst>
-      <pc:sldChg chg="addSp delSp modSp mod">
-        <pc:chgData name="寛也 佐藤" userId="27837c8b-abaf-4096-b544-58e4cbe7054e" providerId="ADAL" clId="{03C4690F-D76B-48FB-B343-CCF95B0FF544}" dt="2024-07-03T05:13:57.059" v="136"/>
-        <pc:sldMkLst>
-          <pc:docMk/>
-          <pc:sldMk cId="2292264982" sldId="256"/>
-        </pc:sldMkLst>
-        <pc:spChg chg="add mod">
-          <ac:chgData name="寛也 佐藤" userId="27837c8b-abaf-4096-b544-58e4cbe7054e" providerId="ADAL" clId="{03C4690F-D76B-48FB-B343-CCF95B0FF544}" dt="2024-07-03T05:13:57.059" v="136"/>
-          <ac:spMkLst>
-            <pc:docMk/>
-            <pc:sldMk cId="2292264982" sldId="256"/>
-            <ac:spMk id="4" creationId="{D12A556D-E458-C03F-159E-C94DB8018206}"/>
-          </ac:spMkLst>
-        </pc:spChg>
-        <pc:spChg chg="add mod">
-          <ac:chgData name="寛也 佐藤" userId="27837c8b-abaf-4096-b544-58e4cbe7054e" providerId="ADAL" clId="{03C4690F-D76B-48FB-B343-CCF95B0FF544}" dt="2024-07-03T05:13:57.059" v="136"/>
-          <ac:spMkLst>
-            <pc:docMk/>
-            <pc:sldMk cId="2292264982" sldId="256"/>
-            <ac:spMk id="5" creationId="{CB76B9EF-5509-7E11-647E-D88F96AC0E91}"/>
-          </ac:spMkLst>
-        </pc:spChg>
-        <pc:spChg chg="add mod">
-          <ac:chgData name="寛也 佐藤" userId="27837c8b-abaf-4096-b544-58e4cbe7054e" providerId="ADAL" clId="{03C4690F-D76B-48FB-B343-CCF95B0FF544}" dt="2024-07-03T05:13:57.059" v="136"/>
-          <ac:spMkLst>
-            <pc:docMk/>
-            <pc:sldMk cId="2292264982" sldId="256"/>
-            <ac:spMk id="7" creationId="{B1409E50-9F00-2674-DECA-28AB5BADBBB0}"/>
-          </ac:spMkLst>
-        </pc:spChg>
-        <pc:spChg chg="del">
-          <ac:chgData name="寛也 佐藤" userId="27837c8b-abaf-4096-b544-58e4cbe7054e" providerId="ADAL" clId="{03C4690F-D76B-48FB-B343-CCF95B0FF544}" dt="2024-07-03T05:13:56.697" v="135" actId="478"/>
-          <ac:spMkLst>
-            <pc:docMk/>
-            <pc:sldMk cId="2292264982" sldId="256"/>
-            <ac:spMk id="11" creationId="{280B162B-F3E3-38D5-D7D2-85F3BB83C66A}"/>
-          </ac:spMkLst>
-        </pc:spChg>
-        <pc:spChg chg="del">
-          <ac:chgData name="寛也 佐藤" userId="27837c8b-abaf-4096-b544-58e4cbe7054e" providerId="ADAL" clId="{03C4690F-D76B-48FB-B343-CCF95B0FF544}" dt="2024-07-03T05:13:56.697" v="135" actId="478"/>
-          <ac:spMkLst>
-            <pc:docMk/>
-            <pc:sldMk cId="2292264982" sldId="256"/>
-            <ac:spMk id="12" creationId="{5F1580B5-9344-B223-A358-8F1A7F38DDEF}"/>
-          </ac:spMkLst>
-        </pc:spChg>
-        <pc:spChg chg="del">
-          <ac:chgData name="寛也 佐藤" userId="27837c8b-abaf-4096-b544-58e4cbe7054e" providerId="ADAL" clId="{03C4690F-D76B-48FB-B343-CCF95B0FF544}" dt="2024-07-03T05:13:56.697" v="135" actId="478"/>
-          <ac:spMkLst>
-            <pc:docMk/>
-            <pc:sldMk cId="2292264982" sldId="256"/>
-            <ac:spMk id="13" creationId="{057E6938-EF25-914D-D785-B730E296D4D3}"/>
-          </ac:spMkLst>
-        </pc:spChg>
-        <pc:picChg chg="del">
-          <ac:chgData name="寛也 佐藤" userId="27837c8b-abaf-4096-b544-58e4cbe7054e" providerId="ADAL" clId="{03C4690F-D76B-48FB-B343-CCF95B0FF544}" dt="2024-07-03T05:13:56.697" v="135" actId="478"/>
-          <ac:picMkLst>
-            <pc:docMk/>
-            <pc:sldMk cId="2292264982" sldId="256"/>
-            <ac:picMk id="10" creationId="{4B34BF66-4F07-2DA9-2FBA-98C408BA5F2A}"/>
-          </ac:picMkLst>
-        </pc:picChg>
-      </pc:sldChg>
-      <pc:sldChg chg="addSp delSp modSp mod">
-        <pc:chgData name="寛也 佐藤" userId="27837c8b-abaf-4096-b544-58e4cbe7054e" providerId="ADAL" clId="{03C4690F-D76B-48FB-B343-CCF95B0FF544}" dt="2024-07-03T05:08:44.897" v="134" actId="113"/>
-        <pc:sldMkLst>
-          <pc:docMk/>
-          <pc:sldMk cId="3626337591" sldId="1404"/>
-        </pc:sldMkLst>
-        <pc:spChg chg="add mod">
-          <ac:chgData name="寛也 佐藤" userId="27837c8b-abaf-4096-b544-58e4cbe7054e" providerId="ADAL" clId="{03C4690F-D76B-48FB-B343-CCF95B0FF544}" dt="2024-07-03T05:03:33.067" v="39" actId="164"/>
-          <ac:spMkLst>
-            <pc:docMk/>
-            <pc:sldMk cId="3626337591" sldId="1404"/>
-            <ac:spMk id="3" creationId="{8CBE3A8C-7AF4-A0E7-59BB-C557DBADA5F8}"/>
-          </ac:spMkLst>
-        </pc:spChg>
-        <pc:spChg chg="add mod">
-          <ac:chgData name="寛也 佐藤" userId="27837c8b-abaf-4096-b544-58e4cbe7054e" providerId="ADAL" clId="{03C4690F-D76B-48FB-B343-CCF95B0FF544}" dt="2024-07-03T05:03:33.067" v="39" actId="164"/>
-          <ac:spMkLst>
-            <pc:docMk/>
-            <pc:sldMk cId="3626337591" sldId="1404"/>
-            <ac:spMk id="7" creationId="{9DCB46B5-0A33-3972-8142-C2EC2943808F}"/>
-          </ac:spMkLst>
-        </pc:spChg>
-        <pc:spChg chg="mod ord">
-          <ac:chgData name="寛也 佐藤" userId="27837c8b-abaf-4096-b544-58e4cbe7054e" providerId="ADAL" clId="{03C4690F-D76B-48FB-B343-CCF95B0FF544}" dt="2024-07-03T05:07:58.331" v="119" actId="166"/>
-          <ac:spMkLst>
-            <pc:docMk/>
-            <pc:sldMk cId="3626337591" sldId="1404"/>
-            <ac:spMk id="8" creationId="{CC0A4548-9B98-19E8-4E13-A77C30631351}"/>
-          </ac:spMkLst>
-        </pc:spChg>
-        <pc:spChg chg="mod ord">
-          <ac:chgData name="寛也 佐藤" userId="27837c8b-abaf-4096-b544-58e4cbe7054e" providerId="ADAL" clId="{03C4690F-D76B-48FB-B343-CCF95B0FF544}" dt="2024-07-03T05:07:58.331" v="119" actId="166"/>
-          <ac:spMkLst>
-            <pc:docMk/>
-            <pc:sldMk cId="3626337591" sldId="1404"/>
-            <ac:spMk id="9" creationId="{5679176E-2F40-CEAB-09FD-BB8507225644}"/>
-          </ac:spMkLst>
-        </pc:spChg>
-        <pc:spChg chg="add mod">
-          <ac:chgData name="寛也 佐藤" userId="27837c8b-abaf-4096-b544-58e4cbe7054e" providerId="ADAL" clId="{03C4690F-D76B-48FB-B343-CCF95B0FF544}" dt="2024-07-03T05:03:33.067" v="39" actId="164"/>
-          <ac:spMkLst>
-            <pc:docMk/>
-            <pc:sldMk cId="3626337591" sldId="1404"/>
-            <ac:spMk id="10" creationId="{E2ED809F-BA37-95E8-D03E-F57A40B2795A}"/>
-          </ac:spMkLst>
-        </pc:spChg>
-        <pc:spChg chg="add mod">
-          <ac:chgData name="寛也 佐藤" userId="27837c8b-abaf-4096-b544-58e4cbe7054e" providerId="ADAL" clId="{03C4690F-D76B-48FB-B343-CCF95B0FF544}" dt="2024-07-03T05:03:03.963" v="31" actId="164"/>
-          <ac:spMkLst>
-            <pc:docMk/>
-            <pc:sldMk cId="3626337591" sldId="1404"/>
-            <ac:spMk id="12" creationId="{F4174DF7-A2A4-1BEE-388F-81839DFF242B}"/>
-          </ac:spMkLst>
-        </pc:spChg>
-        <pc:spChg chg="mod">
-          <ac:chgData name="寛也 佐藤" userId="27837c8b-abaf-4096-b544-58e4cbe7054e" providerId="ADAL" clId="{03C4690F-D76B-48FB-B343-CCF95B0FF544}" dt="2024-07-03T05:04:34.910" v="84" actId="6549"/>
-          <ac:spMkLst>
-            <pc:docMk/>
-            <pc:sldMk cId="3626337591" sldId="1404"/>
-            <ac:spMk id="14" creationId="{376F3ABE-2951-B7E3-5373-0751143AA308}"/>
-          </ac:spMkLst>
-        </pc:spChg>
-        <pc:spChg chg="add mod">
-          <ac:chgData name="寛也 佐藤" userId="27837c8b-abaf-4096-b544-58e4cbe7054e" providerId="ADAL" clId="{03C4690F-D76B-48FB-B343-CCF95B0FF544}" dt="2024-07-03T05:03:03.963" v="31" actId="164"/>
-          <ac:spMkLst>
-            <pc:docMk/>
-            <pc:sldMk cId="3626337591" sldId="1404"/>
-            <ac:spMk id="15" creationId="{6A76E322-9289-CFD5-75B0-663CBF8B3D87}"/>
-          </ac:spMkLst>
-        </pc:spChg>
-        <pc:spChg chg="add mod">
-          <ac:chgData name="寛也 佐藤" userId="27837c8b-abaf-4096-b544-58e4cbe7054e" providerId="ADAL" clId="{03C4690F-D76B-48FB-B343-CCF95B0FF544}" dt="2024-07-03T05:03:03.963" v="31" actId="164"/>
-          <ac:spMkLst>
-            <pc:docMk/>
-            <pc:sldMk cId="3626337591" sldId="1404"/>
-            <ac:spMk id="16" creationId="{7018AD8A-40F8-1597-91CB-895CB4199546}"/>
-          </ac:spMkLst>
-        </pc:spChg>
-        <pc:spChg chg="mod">
-          <ac:chgData name="寛也 佐藤" userId="27837c8b-abaf-4096-b544-58e4cbe7054e" providerId="ADAL" clId="{03C4690F-D76B-48FB-B343-CCF95B0FF544}" dt="2024-07-03T05:04:41.584" v="90" actId="1036"/>
-          <ac:spMkLst>
-            <pc:docMk/>
-            <pc:sldMk cId="3626337591" sldId="1404"/>
-            <ac:spMk id="17" creationId="{87C88432-358A-C200-5551-F60A17028B14}"/>
-          </ac:spMkLst>
-        </pc:spChg>
-        <pc:spChg chg="add mod">
-          <ac:chgData name="寛也 佐藤" userId="27837c8b-abaf-4096-b544-58e4cbe7054e" providerId="ADAL" clId="{03C4690F-D76B-48FB-B343-CCF95B0FF544}" dt="2024-07-03T05:03:03.963" v="31" actId="164"/>
-          <ac:spMkLst>
-            <pc:docMk/>
-            <pc:sldMk cId="3626337591" sldId="1404"/>
-            <ac:spMk id="19" creationId="{45DFE9C8-1625-332D-24F7-6820A436B024}"/>
-          </ac:spMkLst>
-        </pc:spChg>
-        <pc:spChg chg="add mod">
-          <ac:chgData name="寛也 佐藤" userId="27837c8b-abaf-4096-b544-58e4cbe7054e" providerId="ADAL" clId="{03C4690F-D76B-48FB-B343-CCF95B0FF544}" dt="2024-07-03T05:03:03.963" v="31" actId="164"/>
-          <ac:spMkLst>
-            <pc:docMk/>
-            <pc:sldMk cId="3626337591" sldId="1404"/>
-            <ac:spMk id="20" creationId="{2B905198-E822-6CEE-CA71-E00FD0B001E6}"/>
-          </ac:spMkLst>
-        </pc:spChg>
-        <pc:spChg chg="add mod">
-          <ac:chgData name="寛也 佐藤" userId="27837c8b-abaf-4096-b544-58e4cbe7054e" providerId="ADAL" clId="{03C4690F-D76B-48FB-B343-CCF95B0FF544}" dt="2024-07-03T05:03:03.963" v="31" actId="164"/>
-          <ac:spMkLst>
-            <pc:docMk/>
-            <pc:sldMk cId="3626337591" sldId="1404"/>
-            <ac:spMk id="21" creationId="{95943EA8-80D8-7F02-405F-66F47FF6E305}"/>
-          </ac:spMkLst>
-        </pc:spChg>
-        <pc:spChg chg="add mod">
-          <ac:chgData name="寛也 佐藤" userId="27837c8b-abaf-4096-b544-58e4cbe7054e" providerId="ADAL" clId="{03C4690F-D76B-48FB-B343-CCF95B0FF544}" dt="2024-07-03T05:03:03.963" v="31" actId="164"/>
-          <ac:spMkLst>
-            <pc:docMk/>
-            <pc:sldMk cId="3626337591" sldId="1404"/>
-            <ac:spMk id="22" creationId="{8F2376CD-4761-D6DB-FCAC-B8B2927214F5}"/>
-          </ac:spMkLst>
-        </pc:spChg>
-        <pc:spChg chg="add mod">
-          <ac:chgData name="寛也 佐藤" userId="27837c8b-abaf-4096-b544-58e4cbe7054e" providerId="ADAL" clId="{03C4690F-D76B-48FB-B343-CCF95B0FF544}" dt="2024-07-03T05:04:41.584" v="90" actId="1036"/>
-          <ac:spMkLst>
-            <pc:docMk/>
-            <pc:sldMk cId="3626337591" sldId="1404"/>
-            <ac:spMk id="32" creationId="{04D40111-56A4-377E-F0A9-CD3EFB25189A}"/>
-          </ac:spMkLst>
-        </pc:spChg>
-        <pc:spChg chg="add del mod">
-          <ac:chgData name="寛也 佐藤" userId="27837c8b-abaf-4096-b544-58e4cbe7054e" providerId="ADAL" clId="{03C4690F-D76B-48FB-B343-CCF95B0FF544}" dt="2024-07-03T05:06:02.791" v="93"/>
-          <ac:spMkLst>
-            <pc:docMk/>
-            <pc:sldMk cId="3626337591" sldId="1404"/>
-            <ac:spMk id="36" creationId="{6F5331FD-E97C-A3DB-3569-1E67A929CAE5}"/>
-          </ac:spMkLst>
-        </pc:spChg>
-        <pc:spChg chg="add mod ord">
-          <ac:chgData name="寛也 佐藤" userId="27837c8b-abaf-4096-b544-58e4cbe7054e" providerId="ADAL" clId="{03C4690F-D76B-48FB-B343-CCF95B0FF544}" dt="2024-07-03T05:08:44.897" v="134" actId="113"/>
-          <ac:spMkLst>
-            <pc:docMk/>
-            <pc:sldMk cId="3626337591" sldId="1404"/>
-            <ac:spMk id="37" creationId="{6FD6F3CB-7631-A255-278E-51C50C9B009E}"/>
-          </ac:spMkLst>
-        </pc:spChg>
-        <pc:spChg chg="add mod ord">
-          <ac:chgData name="寛也 佐藤" userId="27837c8b-abaf-4096-b544-58e4cbe7054e" providerId="ADAL" clId="{03C4690F-D76B-48FB-B343-CCF95B0FF544}" dt="2024-07-03T05:07:32.287" v="114" actId="207"/>
-          <ac:spMkLst>
-            <pc:docMk/>
-            <pc:sldMk cId="3626337591" sldId="1404"/>
-            <ac:spMk id="38" creationId="{43D38C52-9B81-71D3-FEBF-5DC95CCB46B0}"/>
-          </ac:spMkLst>
-        </pc:spChg>
-        <pc:spChg chg="add mod">
-          <ac:chgData name="寛也 佐藤" userId="27837c8b-abaf-4096-b544-58e4cbe7054e" providerId="ADAL" clId="{03C4690F-D76B-48FB-B343-CCF95B0FF544}" dt="2024-07-03T05:08:28.525" v="129" actId="2085"/>
-          <ac:spMkLst>
-            <pc:docMk/>
-            <pc:sldMk cId="3626337591" sldId="1404"/>
-            <ac:spMk id="39" creationId="{BCEF91A0-7FDC-7AA4-8C67-0C37335F5A29}"/>
-          </ac:spMkLst>
-        </pc:spChg>
-        <pc:grpChg chg="add mod">
-          <ac:chgData name="寛也 佐藤" userId="27837c8b-abaf-4096-b544-58e4cbe7054e" providerId="ADAL" clId="{03C4690F-D76B-48FB-B343-CCF95B0FF544}" dt="2024-07-03T05:02:59.082" v="30" actId="164"/>
-          <ac:grpSpMkLst>
-            <pc:docMk/>
-            <pc:sldMk cId="3626337591" sldId="1404"/>
-            <ac:grpSpMk id="33" creationId="{6A6DCCA6-C286-4A24-E173-D9381ABB7C42}"/>
-          </ac:grpSpMkLst>
-        </pc:grpChg>
-        <pc:grpChg chg="add mod">
-          <ac:chgData name="寛也 佐藤" userId="27837c8b-abaf-4096-b544-58e4cbe7054e" providerId="ADAL" clId="{03C4690F-D76B-48FB-B343-CCF95B0FF544}" dt="2024-07-03T05:04:41.584" v="90" actId="1036"/>
-          <ac:grpSpMkLst>
-            <pc:docMk/>
-            <pc:sldMk cId="3626337591" sldId="1404"/>
-            <ac:grpSpMk id="34" creationId="{2FA0FCAC-5F85-7BE1-F851-F3BCC4B5912F}"/>
-          </ac:grpSpMkLst>
-        </pc:grpChg>
-        <pc:grpChg chg="add mod">
-          <ac:chgData name="寛也 佐藤" userId="27837c8b-abaf-4096-b544-58e4cbe7054e" providerId="ADAL" clId="{03C4690F-D76B-48FB-B343-CCF95B0FF544}" dt="2024-07-03T05:04:41.584" v="90" actId="1036"/>
-          <ac:grpSpMkLst>
-            <pc:docMk/>
-            <pc:sldMk cId="3626337591" sldId="1404"/>
-            <ac:grpSpMk id="35" creationId="{90982899-2706-3505-B83C-F2F033B46CF3}"/>
-          </ac:grpSpMkLst>
-        </pc:grpChg>
-        <pc:cxnChg chg="mod">
-          <ac:chgData name="寛也 佐藤" userId="27837c8b-abaf-4096-b544-58e4cbe7054e" providerId="ADAL" clId="{03C4690F-D76B-48FB-B343-CCF95B0FF544}" dt="2024-07-03T05:04:41.584" v="90" actId="1036"/>
-          <ac:cxnSpMkLst>
-            <pc:docMk/>
-            <pc:sldMk cId="3626337591" sldId="1404"/>
-            <ac:cxnSpMk id="11" creationId="{BEC88D06-97F6-1B8B-2E22-DE88B44EF445}"/>
-          </ac:cxnSpMkLst>
-        </pc:cxnChg>
-        <pc:cxnChg chg="mod">
-          <ac:chgData name="寛也 佐藤" userId="27837c8b-abaf-4096-b544-58e4cbe7054e" providerId="ADAL" clId="{03C4690F-D76B-48FB-B343-CCF95B0FF544}" dt="2024-07-03T05:04:41.584" v="90" actId="1036"/>
-          <ac:cxnSpMkLst>
-            <pc:docMk/>
-            <pc:sldMk cId="3626337591" sldId="1404"/>
-            <ac:cxnSpMk id="13" creationId="{EF5DDC12-12EA-EBB1-B4A5-F461E8EFFFC2}"/>
-          </ac:cxnSpMkLst>
-        </pc:cxnChg>
-        <pc:cxnChg chg="mod">
-          <ac:chgData name="寛也 佐藤" userId="27837c8b-abaf-4096-b544-58e4cbe7054e" providerId="ADAL" clId="{03C4690F-D76B-48FB-B343-CCF95B0FF544}" dt="2024-07-03T05:04:41.584" v="90" actId="1036"/>
-          <ac:cxnSpMkLst>
-            <pc:docMk/>
-            <pc:sldMk cId="3626337591" sldId="1404"/>
-            <ac:cxnSpMk id="18" creationId="{798BDA78-8DF2-1A69-D056-39E83F5CCC49}"/>
-          </ac:cxnSpMkLst>
-        </pc:cxnChg>
-        <pc:cxnChg chg="mod">
-          <ac:chgData name="寛也 佐藤" userId="27837c8b-abaf-4096-b544-58e4cbe7054e" providerId="ADAL" clId="{03C4690F-D76B-48FB-B343-CCF95B0FF544}" dt="2024-07-03T05:04:41.584" v="90" actId="1036"/>
-          <ac:cxnSpMkLst>
-            <pc:docMk/>
-            <pc:sldMk cId="3626337591" sldId="1404"/>
-            <ac:cxnSpMk id="23" creationId="{3B6164EB-111F-F125-3503-A5D2E76DCF62}"/>
-          </ac:cxnSpMkLst>
-        </pc:cxnChg>
-        <pc:cxnChg chg="mod">
-          <ac:chgData name="寛也 佐藤" userId="27837c8b-abaf-4096-b544-58e4cbe7054e" providerId="ADAL" clId="{03C4690F-D76B-48FB-B343-CCF95B0FF544}" dt="2024-07-03T05:04:41.584" v="90" actId="1036"/>
-          <ac:cxnSpMkLst>
-            <pc:docMk/>
-            <pc:sldMk cId="3626337591" sldId="1404"/>
-            <ac:cxnSpMk id="24" creationId="{86E3763F-A72D-EB84-1FE7-5E0708E40F57}"/>
-          </ac:cxnSpMkLst>
-        </pc:cxnChg>
-        <pc:cxnChg chg="mod">
-          <ac:chgData name="寛也 佐藤" userId="27837c8b-abaf-4096-b544-58e4cbe7054e" providerId="ADAL" clId="{03C4690F-D76B-48FB-B343-CCF95B0FF544}" dt="2024-07-03T05:04:41.584" v="90" actId="1036"/>
-          <ac:cxnSpMkLst>
-            <pc:docMk/>
-            <pc:sldMk cId="3626337591" sldId="1404"/>
-            <ac:cxnSpMk id="25" creationId="{F3F401C3-079B-7489-FB08-4DB9BC17FA09}"/>
-          </ac:cxnSpMkLst>
-        </pc:cxnChg>
-        <pc:cxnChg chg="mod">
-          <ac:chgData name="寛也 佐藤" userId="27837c8b-abaf-4096-b544-58e4cbe7054e" providerId="ADAL" clId="{03C4690F-D76B-48FB-B343-CCF95B0FF544}" dt="2024-07-03T05:04:41.584" v="90" actId="1036"/>
-          <ac:cxnSpMkLst>
-            <pc:docMk/>
-            <pc:sldMk cId="3626337591" sldId="1404"/>
-            <ac:cxnSpMk id="26" creationId="{D14C974B-4D96-BA53-C586-35257BB1DF00}"/>
-          </ac:cxnSpMkLst>
-        </pc:cxnChg>
-        <pc:cxnChg chg="mod">
-          <ac:chgData name="寛也 佐藤" userId="27837c8b-abaf-4096-b544-58e4cbe7054e" providerId="ADAL" clId="{03C4690F-D76B-48FB-B343-CCF95B0FF544}" dt="2024-07-03T05:04:41.584" v="90" actId="1036"/>
-          <ac:cxnSpMkLst>
-            <pc:docMk/>
-            <pc:sldMk cId="3626337591" sldId="1404"/>
-            <ac:cxnSpMk id="27" creationId="{CA765CCA-A712-7BC8-7570-B42E3DF5B657}"/>
-          </ac:cxnSpMkLst>
-        </pc:cxnChg>
-        <pc:cxnChg chg="mod">
-          <ac:chgData name="寛也 佐藤" userId="27837c8b-abaf-4096-b544-58e4cbe7054e" providerId="ADAL" clId="{03C4690F-D76B-48FB-B343-CCF95B0FF544}" dt="2024-07-03T05:04:41.584" v="90" actId="1036"/>
-          <ac:cxnSpMkLst>
-            <pc:docMk/>
-            <pc:sldMk cId="3626337591" sldId="1404"/>
-            <ac:cxnSpMk id="28" creationId="{E424F6BF-13A3-6E74-B6B1-DBEB9B3B160D}"/>
-          </ac:cxnSpMkLst>
-        </pc:cxnChg>
-        <pc:cxnChg chg="mod">
-          <ac:chgData name="寛也 佐藤" userId="27837c8b-abaf-4096-b544-58e4cbe7054e" providerId="ADAL" clId="{03C4690F-D76B-48FB-B343-CCF95B0FF544}" dt="2024-07-03T05:04:41.584" v="90" actId="1036"/>
-          <ac:cxnSpMkLst>
-            <pc:docMk/>
-            <pc:sldMk cId="3626337591" sldId="1404"/>
-            <ac:cxnSpMk id="29" creationId="{A4CC6401-F1B9-0E69-35A5-A7D4A1FA9831}"/>
-          </ac:cxnSpMkLst>
-        </pc:cxnChg>
-        <pc:cxnChg chg="mod">
-          <ac:chgData name="寛也 佐藤" userId="27837c8b-abaf-4096-b544-58e4cbe7054e" providerId="ADAL" clId="{03C4690F-D76B-48FB-B343-CCF95B0FF544}" dt="2024-07-03T05:04:41.584" v="90" actId="1036"/>
-          <ac:cxnSpMkLst>
-            <pc:docMk/>
-            <pc:sldMk cId="3626337591" sldId="1404"/>
-            <ac:cxnSpMk id="30" creationId="{7B0CADFD-1AE9-087C-7295-F0ABBD009364}"/>
-          </ac:cxnSpMkLst>
-        </pc:cxnChg>
-        <pc:cxnChg chg="mod">
-          <ac:chgData name="寛也 佐藤" userId="27837c8b-abaf-4096-b544-58e4cbe7054e" providerId="ADAL" clId="{03C4690F-D76B-48FB-B343-CCF95B0FF544}" dt="2024-07-03T05:04:41.584" v="90" actId="1036"/>
-          <ac:cxnSpMkLst>
-            <pc:docMk/>
-            <pc:sldMk cId="3626337591" sldId="1404"/>
-            <ac:cxnSpMk id="31" creationId="{C4D87125-D3FE-0D03-39B0-4D02FAADD664}"/>
-          </ac:cxnSpMkLst>
-        </pc:cxnChg>
-      </pc:sldChg>
-    </pc:docChg>
-  </pc:docChgLst>
-  <pc:docChgLst>
-    <pc:chgData name="佐藤　寛也" userId="27837c8b-abaf-4096-b544-58e4cbe7054e" providerId="ADAL" clId="{F60464E8-BBB8-6E40-BC50-59B3BBB32414}"/>
-    <pc:docChg chg="undo custSel delSld modSld">
-      <pc:chgData name="佐藤　寛也" userId="27837c8b-abaf-4096-b544-58e4cbe7054e" providerId="ADAL" clId="{F60464E8-BBB8-6E40-BC50-59B3BBB32414}" dt="2024-09-09T01:05:42.239" v="120" actId="14100"/>
-      <pc:docMkLst>
-        <pc:docMk/>
-      </pc:docMkLst>
-      <pc:sldChg chg="modSp mod">
-        <pc:chgData name="佐藤　寛也" userId="27837c8b-abaf-4096-b544-58e4cbe7054e" providerId="ADAL" clId="{F60464E8-BBB8-6E40-BC50-59B3BBB32414}" dt="2024-09-09T00:56:24.876" v="0" actId="20577"/>
-        <pc:sldMkLst>
-          <pc:docMk/>
-          <pc:sldMk cId="1578608887" sldId="1402"/>
-        </pc:sldMkLst>
-        <pc:spChg chg="mod">
-          <ac:chgData name="佐藤　寛也" userId="27837c8b-abaf-4096-b544-58e4cbe7054e" providerId="ADAL" clId="{F60464E8-BBB8-6E40-BC50-59B3BBB32414}" dt="2024-09-09T00:56:24.876" v="0" actId="20577"/>
-          <ac:spMkLst>
-            <pc:docMk/>
-            <pc:sldMk cId="1578608887" sldId="1402"/>
-            <ac:spMk id="3" creationId="{16FF0A75-AD20-769F-6C62-614A33EDE4D0}"/>
-          </ac:spMkLst>
-        </pc:spChg>
-      </pc:sldChg>
-      <pc:sldChg chg="modSp mod">
-        <pc:chgData name="佐藤　寛也" userId="27837c8b-abaf-4096-b544-58e4cbe7054e" providerId="ADAL" clId="{F60464E8-BBB8-6E40-BC50-59B3BBB32414}" dt="2024-09-09T00:56:32.613" v="4" actId="20577"/>
-        <pc:sldMkLst>
-          <pc:docMk/>
-          <pc:sldMk cId="4080963220" sldId="1403"/>
-        </pc:sldMkLst>
-        <pc:spChg chg="mod">
-          <ac:chgData name="佐藤　寛也" userId="27837c8b-abaf-4096-b544-58e4cbe7054e" providerId="ADAL" clId="{F60464E8-BBB8-6E40-BC50-59B3BBB32414}" dt="2024-09-09T00:56:32.613" v="4" actId="20577"/>
-          <ac:spMkLst>
-            <pc:docMk/>
-            <pc:sldMk cId="4080963220" sldId="1403"/>
-            <ac:spMk id="2" creationId="{0DD8CF49-64AC-1FCC-3F64-297A9BEC1995}"/>
-          </ac:spMkLst>
-        </pc:spChg>
-      </pc:sldChg>
-      <pc:sldChg chg="modSp mod">
-        <pc:chgData name="佐藤　寛也" userId="27837c8b-abaf-4096-b544-58e4cbe7054e" providerId="ADAL" clId="{F60464E8-BBB8-6E40-BC50-59B3BBB32414}" dt="2024-09-09T01:05:42.239" v="120" actId="14100"/>
-        <pc:sldMkLst>
-          <pc:docMk/>
-          <pc:sldMk cId="3626337591" sldId="1404"/>
-        </pc:sldMkLst>
-        <pc:spChg chg="mod">
-          <ac:chgData name="佐藤　寛也" userId="27837c8b-abaf-4096-b544-58e4cbe7054e" providerId="ADAL" clId="{F60464E8-BBB8-6E40-BC50-59B3BBB32414}" dt="2024-09-09T01:05:22.582" v="119" actId="20577"/>
-          <ac:spMkLst>
-            <pc:docMk/>
-            <pc:sldMk cId="3626337591" sldId="1404"/>
-            <ac:spMk id="14" creationId="{376F3ABE-2951-B7E3-5373-0751143AA308}"/>
-          </ac:spMkLst>
-        </pc:spChg>
-        <pc:cxnChg chg="mod">
-          <ac:chgData name="佐藤　寛也" userId="27837c8b-abaf-4096-b544-58e4cbe7054e" providerId="ADAL" clId="{F60464E8-BBB8-6E40-BC50-59B3BBB32414}" dt="2024-09-09T01:05:42.239" v="120" actId="14100"/>
-          <ac:cxnSpMkLst>
-            <pc:docMk/>
-            <pc:sldMk cId="3626337591" sldId="1404"/>
-            <ac:cxnSpMk id="30" creationId="{7B0CADFD-1AE9-087C-7295-F0ABBD009364}"/>
-          </ac:cxnSpMkLst>
-        </pc:cxnChg>
-      </pc:sldChg>
-      <pc:sldChg chg="modSp mod">
-        <pc:chgData name="佐藤　寛也" userId="27837c8b-abaf-4096-b544-58e4cbe7054e" providerId="ADAL" clId="{F60464E8-BBB8-6E40-BC50-59B3BBB32414}" dt="2024-09-09T01:02:41.728" v="73" actId="20577"/>
-        <pc:sldMkLst>
-          <pc:docMk/>
-          <pc:sldMk cId="754850982" sldId="1407"/>
-        </pc:sldMkLst>
-        <pc:spChg chg="mod">
-          <ac:chgData name="佐藤　寛也" userId="27837c8b-abaf-4096-b544-58e4cbe7054e" providerId="ADAL" clId="{F60464E8-BBB8-6E40-BC50-59B3BBB32414}" dt="2024-09-09T01:02:41.728" v="73" actId="20577"/>
-          <ac:spMkLst>
-            <pc:docMk/>
-            <pc:sldMk cId="754850982" sldId="1407"/>
-            <ac:spMk id="3" creationId="{16FF0A75-AD20-769F-6C62-614A33EDE4D0}"/>
-          </ac:spMkLst>
-        </pc:spChg>
-      </pc:sldChg>
-      <pc:sldChg chg="modSp mod">
-        <pc:chgData name="佐藤　寛也" userId="27837c8b-abaf-4096-b544-58e4cbe7054e" providerId="ADAL" clId="{F60464E8-BBB8-6E40-BC50-59B3BBB32414}" dt="2024-09-09T01:04:42.993" v="97" actId="20577"/>
-        <pc:sldMkLst>
-          <pc:docMk/>
-          <pc:sldMk cId="2141358339" sldId="1408"/>
-        </pc:sldMkLst>
-        <pc:spChg chg="mod">
-          <ac:chgData name="佐藤　寛也" userId="27837c8b-abaf-4096-b544-58e4cbe7054e" providerId="ADAL" clId="{F60464E8-BBB8-6E40-BC50-59B3BBB32414}" dt="2024-09-09T01:04:42.993" v="97" actId="20577"/>
-          <ac:spMkLst>
-            <pc:docMk/>
-            <pc:sldMk cId="2141358339" sldId="1408"/>
-            <ac:spMk id="3" creationId="{11BE7EF4-56DF-F510-784F-2E996E481ACE}"/>
-          </ac:spMkLst>
-        </pc:spChg>
-      </pc:sldChg>
-      <pc:sldChg chg="modSp mod">
-        <pc:chgData name="佐藤　寛也" userId="27837c8b-abaf-4096-b544-58e4cbe7054e" providerId="ADAL" clId="{F60464E8-BBB8-6E40-BC50-59B3BBB32414}" dt="2024-09-09T00:57:46.306" v="24" actId="20577"/>
-        <pc:sldMkLst>
-          <pc:docMk/>
-          <pc:sldMk cId="2127359854" sldId="1417"/>
-        </pc:sldMkLst>
-        <pc:spChg chg="mod">
-          <ac:chgData name="佐藤　寛也" userId="27837c8b-abaf-4096-b544-58e4cbe7054e" providerId="ADAL" clId="{F60464E8-BBB8-6E40-BC50-59B3BBB32414}" dt="2024-09-09T00:57:46.306" v="24" actId="20577"/>
-          <ac:spMkLst>
-            <pc:docMk/>
-            <pc:sldMk cId="2127359854" sldId="1417"/>
-            <ac:spMk id="2" creationId="{DAA4631E-08C4-0E32-119E-7BC58AE9E790}"/>
-          </ac:spMkLst>
-        </pc:spChg>
-      </pc:sldChg>
-      <pc:sldChg chg="modSp mod">
-        <pc:chgData name="佐藤　寛也" userId="27837c8b-abaf-4096-b544-58e4cbe7054e" providerId="ADAL" clId="{F60464E8-BBB8-6E40-BC50-59B3BBB32414}" dt="2024-09-09T00:57:48.562" v="26" actId="20577"/>
-        <pc:sldMkLst>
-          <pc:docMk/>
-          <pc:sldMk cId="2473131799" sldId="1418"/>
-        </pc:sldMkLst>
-        <pc:spChg chg="mod">
-          <ac:chgData name="佐藤　寛也" userId="27837c8b-abaf-4096-b544-58e4cbe7054e" providerId="ADAL" clId="{F60464E8-BBB8-6E40-BC50-59B3BBB32414}" dt="2024-09-09T00:57:48.562" v="26" actId="20577"/>
-          <ac:spMkLst>
-            <pc:docMk/>
-            <pc:sldMk cId="2473131799" sldId="1418"/>
-            <ac:spMk id="2" creationId="{DAA4631E-08C4-0E32-119E-7BC58AE9E790}"/>
-          </ac:spMkLst>
-        </pc:spChg>
-      </pc:sldChg>
-      <pc:sldChg chg="modSp mod">
-        <pc:chgData name="佐藤　寛也" userId="27837c8b-abaf-4096-b544-58e4cbe7054e" providerId="ADAL" clId="{F60464E8-BBB8-6E40-BC50-59B3BBB32414}" dt="2024-09-09T00:57:52.972" v="28" actId="20577"/>
-        <pc:sldMkLst>
-          <pc:docMk/>
-          <pc:sldMk cId="280610682" sldId="1419"/>
-        </pc:sldMkLst>
-        <pc:spChg chg="mod">
-          <ac:chgData name="佐藤　寛也" userId="27837c8b-abaf-4096-b544-58e4cbe7054e" providerId="ADAL" clId="{F60464E8-BBB8-6E40-BC50-59B3BBB32414}" dt="2024-09-09T00:57:52.972" v="28" actId="20577"/>
-          <ac:spMkLst>
-            <pc:docMk/>
-            <pc:sldMk cId="280610682" sldId="1419"/>
-            <ac:spMk id="2" creationId="{616BBF18-2EA3-DF8C-AC99-B7328D4F60C3}"/>
-          </ac:spMkLst>
-        </pc:spChg>
-      </pc:sldChg>
-      <pc:sldChg chg="modSp mod">
-        <pc:chgData name="佐藤　寛也" userId="27837c8b-abaf-4096-b544-58e4cbe7054e" providerId="ADAL" clId="{F60464E8-BBB8-6E40-BC50-59B3BBB32414}" dt="2024-09-09T01:04:24.089" v="92" actId="20577"/>
-        <pc:sldMkLst>
-          <pc:docMk/>
-          <pc:sldMk cId="3444094588" sldId="1426"/>
-        </pc:sldMkLst>
-        <pc:spChg chg="mod">
-          <ac:chgData name="佐藤　寛也" userId="27837c8b-abaf-4096-b544-58e4cbe7054e" providerId="ADAL" clId="{F60464E8-BBB8-6E40-BC50-59B3BBB32414}" dt="2024-09-09T01:04:19.465" v="83" actId="20577"/>
-          <ac:spMkLst>
-            <pc:docMk/>
-            <pc:sldMk cId="3444094588" sldId="1426"/>
-            <ac:spMk id="17" creationId="{DA5EA3CC-8576-21AB-A136-624017CA6C94}"/>
-          </ac:spMkLst>
-        </pc:spChg>
-        <pc:spChg chg="mod">
-          <ac:chgData name="佐藤　寛也" userId="27837c8b-abaf-4096-b544-58e4cbe7054e" providerId="ADAL" clId="{F60464E8-BBB8-6E40-BC50-59B3BBB32414}" dt="2024-09-09T01:04:24.089" v="92" actId="20577"/>
-          <ac:spMkLst>
-            <pc:docMk/>
-            <pc:sldMk cId="3444094588" sldId="1426"/>
-            <ac:spMk id="36" creationId="{1045E949-D964-E1B0-DFBD-DCDEF236B442}"/>
-          </ac:spMkLst>
-        </pc:spChg>
-      </pc:sldChg>
-      <pc:sldChg chg="modSp mod">
-        <pc:chgData name="佐藤　寛也" userId="27837c8b-abaf-4096-b544-58e4cbe7054e" providerId="ADAL" clId="{F60464E8-BBB8-6E40-BC50-59B3BBB32414}" dt="2024-09-09T01:02:12.637" v="68" actId="20577"/>
-        <pc:sldMkLst>
-          <pc:docMk/>
-          <pc:sldMk cId="1881789830" sldId="1427"/>
-        </pc:sldMkLst>
-        <pc:spChg chg="mod">
-          <ac:chgData name="佐藤　寛也" userId="27837c8b-abaf-4096-b544-58e4cbe7054e" providerId="ADAL" clId="{F60464E8-BBB8-6E40-BC50-59B3BBB32414}" dt="2024-09-09T01:02:09.448" v="66" actId="20577"/>
-          <ac:spMkLst>
-            <pc:docMk/>
-            <pc:sldMk cId="1881789830" sldId="1427"/>
-            <ac:spMk id="10" creationId="{77DF0CC4-9166-3878-268B-B07887951991}"/>
-          </ac:spMkLst>
-        </pc:spChg>
-        <pc:graphicFrameChg chg="modGraphic">
-          <ac:chgData name="佐藤　寛也" userId="27837c8b-abaf-4096-b544-58e4cbe7054e" providerId="ADAL" clId="{F60464E8-BBB8-6E40-BC50-59B3BBB32414}" dt="2024-09-09T01:02:12.637" v="68" actId="20577"/>
-          <ac:graphicFrameMkLst>
-            <pc:docMk/>
-            <pc:sldMk cId="1881789830" sldId="1427"/>
-            <ac:graphicFrameMk id="7" creationId="{CD95F47B-724F-6E0A-C103-DA07593C0894}"/>
-          </ac:graphicFrameMkLst>
-        </pc:graphicFrameChg>
-      </pc:sldChg>
-      <pc:sldChg chg="del">
-        <pc:chgData name="佐藤　寛也" userId="27837c8b-abaf-4096-b544-58e4cbe7054e" providerId="ADAL" clId="{F60464E8-BBB8-6E40-BC50-59B3BBB32414}" dt="2024-09-09T01:03:29.818" v="74" actId="2696"/>
-        <pc:sldMkLst>
-          <pc:docMk/>
-          <pc:sldMk cId="789427228" sldId="1428"/>
-        </pc:sldMkLst>
-      </pc:sldChg>
-      <pc:sldChg chg="addSp delSp modSp mod">
-        <pc:chgData name="佐藤　寛也" userId="27837c8b-abaf-4096-b544-58e4cbe7054e" providerId="ADAL" clId="{F60464E8-BBB8-6E40-BC50-59B3BBB32414}" dt="2024-09-09T01:01:48.182" v="65" actId="478"/>
-        <pc:sldMkLst>
-          <pc:docMk/>
-          <pc:sldMk cId="1093800098" sldId="1430"/>
-        </pc:sldMkLst>
-        <pc:spChg chg="mod">
-          <ac:chgData name="佐藤　寛也" userId="27837c8b-abaf-4096-b544-58e4cbe7054e" providerId="ADAL" clId="{F60464E8-BBB8-6E40-BC50-59B3BBB32414}" dt="2024-09-09T01:00:16.016" v="57" actId="1076"/>
-          <ac:spMkLst>
-            <pc:docMk/>
-            <pc:sldMk cId="1093800098" sldId="1430"/>
-            <ac:spMk id="7" creationId="{1C090726-8088-0A58-4CA6-55B6CC9661EA}"/>
-          </ac:spMkLst>
-        </pc:spChg>
-        <pc:spChg chg="mod">
-          <ac:chgData name="佐藤　寛也" userId="27837c8b-abaf-4096-b544-58e4cbe7054e" providerId="ADAL" clId="{F60464E8-BBB8-6E40-BC50-59B3BBB32414}" dt="2024-09-09T01:01:30.001" v="61" actId="1076"/>
-          <ac:spMkLst>
-            <pc:docMk/>
-            <pc:sldMk cId="1093800098" sldId="1430"/>
-            <ac:spMk id="8" creationId="{52FE5440-5E7C-C658-956C-7B7F33D2BB65}"/>
-          </ac:spMkLst>
-        </pc:spChg>
-        <pc:spChg chg="mod">
-          <ac:chgData name="佐藤　寛也" userId="27837c8b-abaf-4096-b544-58e4cbe7054e" providerId="ADAL" clId="{F60464E8-BBB8-6E40-BC50-59B3BBB32414}" dt="2024-09-09T00:58:37.392" v="35" actId="207"/>
-          <ac:spMkLst>
-            <pc:docMk/>
-            <pc:sldMk cId="1093800098" sldId="1430"/>
-            <ac:spMk id="9" creationId="{E529D8B3-7258-2B3A-0DE0-5E5A46783454}"/>
-          </ac:spMkLst>
-        </pc:spChg>
-        <pc:spChg chg="mod">
-          <ac:chgData name="佐藤　寛也" userId="27837c8b-abaf-4096-b544-58e4cbe7054e" providerId="ADAL" clId="{F60464E8-BBB8-6E40-BC50-59B3BBB32414}" dt="2024-09-09T00:58:44.510" v="36" actId="207"/>
-          <ac:spMkLst>
-            <pc:docMk/>
-            <pc:sldMk cId="1093800098" sldId="1430"/>
-            <ac:spMk id="10" creationId="{ECA37AAF-723E-1CC1-93EA-B6E403EB3B0A}"/>
-          </ac:spMkLst>
-        </pc:spChg>
-        <pc:spChg chg="mod">
-          <ac:chgData name="佐藤　寛也" userId="27837c8b-abaf-4096-b544-58e4cbe7054e" providerId="ADAL" clId="{F60464E8-BBB8-6E40-BC50-59B3BBB32414}" dt="2024-09-09T00:58:10.613" v="30" actId="20577"/>
-          <ac:spMkLst>
-            <pc:docMk/>
-            <pc:sldMk cId="1093800098" sldId="1430"/>
-            <ac:spMk id="11" creationId="{412D0704-2941-C41E-7BAD-41E87DBD07B8}"/>
-          </ac:spMkLst>
-        </pc:spChg>
-        <pc:spChg chg="mod">
-          <ac:chgData name="佐藤　寛也" userId="27837c8b-abaf-4096-b544-58e4cbe7054e" providerId="ADAL" clId="{F60464E8-BBB8-6E40-BC50-59B3BBB32414}" dt="2024-09-09T01:01:44.171" v="63" actId="1076"/>
-          <ac:spMkLst>
-            <pc:docMk/>
-            <pc:sldMk cId="1093800098" sldId="1430"/>
-            <ac:spMk id="12" creationId="{891BF255-1F97-D5DE-C3D3-1931B2421379}"/>
-          </ac:spMkLst>
-        </pc:spChg>
-        <pc:spChg chg="add del">
-          <ac:chgData name="佐藤　寛也" userId="27837c8b-abaf-4096-b544-58e4cbe7054e" providerId="ADAL" clId="{F60464E8-BBB8-6E40-BC50-59B3BBB32414}" dt="2024-09-09T01:01:48.182" v="65" actId="478"/>
-          <ac:spMkLst>
-            <pc:docMk/>
-            <pc:sldMk cId="1093800098" sldId="1430"/>
-            <ac:spMk id="13" creationId="{102701C2-2CC5-7B16-1CD2-D841FF14320D}"/>
-          </ac:spMkLst>
-        </pc:spChg>
-        <pc:spChg chg="add mod">
-          <ac:chgData name="佐藤　寛也" userId="27837c8b-abaf-4096-b544-58e4cbe7054e" providerId="ADAL" clId="{F60464E8-BBB8-6E40-BC50-59B3BBB32414}" dt="2024-09-09T00:59:22.690" v="45" actId="2085"/>
-          <ac:spMkLst>
-            <pc:docMk/>
-            <pc:sldMk cId="1093800098" sldId="1430"/>
-            <ac:spMk id="14" creationId="{AAE39981-D072-15C2-2C45-08ED56B0CD76}"/>
-          </ac:spMkLst>
-        </pc:spChg>
-        <pc:spChg chg="add mod">
-          <ac:chgData name="佐藤　寛也" userId="27837c8b-abaf-4096-b544-58e4cbe7054e" providerId="ADAL" clId="{F60464E8-BBB8-6E40-BC50-59B3BBB32414}" dt="2024-09-09T00:59:27.517" v="47" actId="2085"/>
-          <ac:spMkLst>
-            <pc:docMk/>
-            <pc:sldMk cId="1093800098" sldId="1430"/>
-            <ac:spMk id="16" creationId="{F333DD37-6DA2-9F3D-56D6-A473CF419027}"/>
-          </ac:spMkLst>
-        </pc:spChg>
-      </pc:sldChg>
-    </pc:docChg>
-  </pc:docChgLst>
-  <pc:docChgLst>
-    <pc:chgData name="雨宮　智浩" userId="S::9288019215@utac.u-tokyo.ac.jp::018ceb06-00b6-4c8b-821f-fe5856736a8a" providerId="AD" clId="Web-{68FE3186-E4E8-C727-9B14-B26AA440F5DC}"/>
-    <pc:docChg chg="modSld">
-      <pc:chgData name="雨宮　智浩" userId="S::9288019215@utac.u-tokyo.ac.jp::018ceb06-00b6-4c8b-821f-fe5856736a8a" providerId="AD" clId="Web-{68FE3186-E4E8-C727-9B14-B26AA440F5DC}" dt="2024-09-04T08:07:21.535" v="71" actId="1076"/>
-      <pc:docMkLst>
-        <pc:docMk/>
-      </pc:docMkLst>
-      <pc:sldChg chg="modSp">
-        <pc:chgData name="雨宮　智浩" userId="S::9288019215@utac.u-tokyo.ac.jp::018ceb06-00b6-4c8b-821f-fe5856736a8a" providerId="AD" clId="Web-{68FE3186-E4E8-C727-9B14-B26AA440F5DC}" dt="2024-09-04T08:04:13.890" v="55" actId="1076"/>
-        <pc:sldMkLst>
-          <pc:docMk/>
-          <pc:sldMk cId="176847597" sldId="1415"/>
-        </pc:sldMkLst>
-        <pc:spChg chg="mod">
-          <ac:chgData name="雨宮　智浩" userId="S::9288019215@utac.u-tokyo.ac.jp::018ceb06-00b6-4c8b-821f-fe5856736a8a" providerId="AD" clId="Web-{68FE3186-E4E8-C727-9B14-B26AA440F5DC}" dt="2024-09-04T08:04:13.890" v="55" actId="1076"/>
-          <ac:spMkLst>
-            <pc:docMk/>
-            <pc:sldMk cId="176847597" sldId="1415"/>
-            <ac:spMk id="3" creationId="{41AEE836-B07F-6756-DC70-5EA0EE3A1CC4}"/>
-          </ac:spMkLst>
-        </pc:spChg>
-      </pc:sldChg>
-      <pc:sldChg chg="addSp modSp">
-        <pc:chgData name="雨宮　智浩" userId="S::9288019215@utac.u-tokyo.ac.jp::018ceb06-00b6-4c8b-821f-fe5856736a8a" providerId="AD" clId="Web-{68FE3186-E4E8-C727-9B14-B26AA440F5DC}" dt="2024-09-04T08:07:21.535" v="71" actId="1076"/>
-        <pc:sldMkLst>
-          <pc:docMk/>
-          <pc:sldMk cId="2473131799" sldId="1418"/>
-        </pc:sldMkLst>
-        <pc:spChg chg="mod">
-          <ac:chgData name="雨宮　智浩" userId="S::9288019215@utac.u-tokyo.ac.jp::018ceb06-00b6-4c8b-821f-fe5856736a8a" providerId="AD" clId="Web-{68FE3186-E4E8-C727-9B14-B26AA440F5DC}" dt="2024-09-04T08:06:16.565" v="59" actId="20577"/>
-          <ac:spMkLst>
-            <pc:docMk/>
-            <pc:sldMk cId="2473131799" sldId="1418"/>
-            <ac:spMk id="2" creationId="{DAA4631E-08C4-0E32-119E-7BC58AE9E790}"/>
-          </ac:spMkLst>
-        </pc:spChg>
-        <pc:spChg chg="mod">
-          <ac:chgData name="雨宮　智浩" userId="S::9288019215@utac.u-tokyo.ac.jp::018ceb06-00b6-4c8b-821f-fe5856736a8a" providerId="AD" clId="Web-{68FE3186-E4E8-C727-9B14-B26AA440F5DC}" dt="2024-09-04T08:06:49.941" v="63" actId="1076"/>
-          <ac:spMkLst>
-            <pc:docMk/>
-            <pc:sldMk cId="2473131799" sldId="1418"/>
-            <ac:spMk id="15" creationId="{1B436B85-723F-9246-41D2-7AB66B80A298}"/>
-          </ac:spMkLst>
-        </pc:spChg>
-        <pc:spChg chg="mod">
-          <ac:chgData name="雨宮　智浩" userId="S::9288019215@utac.u-tokyo.ac.jp::018ceb06-00b6-4c8b-821f-fe5856736a8a" providerId="AD" clId="Web-{68FE3186-E4E8-C727-9B14-B26AA440F5DC}" dt="2024-09-04T08:06:49.957" v="64" actId="1076"/>
-          <ac:spMkLst>
-            <pc:docMk/>
-            <pc:sldMk cId="2473131799" sldId="1418"/>
-            <ac:spMk id="18" creationId="{7D73C95A-4B95-38BC-C5FB-1DA717401B3A}"/>
-          </ac:spMkLst>
-        </pc:spChg>
-        <pc:spChg chg="mod">
-          <ac:chgData name="雨宮　智浩" userId="S::9288019215@utac.u-tokyo.ac.jp::018ceb06-00b6-4c8b-821f-fe5856736a8a" providerId="AD" clId="Web-{68FE3186-E4E8-C727-9B14-B26AA440F5DC}" dt="2024-09-04T08:06:49.957" v="65" actId="1076"/>
-          <ac:spMkLst>
-            <pc:docMk/>
-            <pc:sldMk cId="2473131799" sldId="1418"/>
-            <ac:spMk id="19" creationId="{E6D588E6-CD39-D225-38E8-F9B83EEAEFF6}"/>
-          </ac:spMkLst>
-        </pc:spChg>
-        <pc:picChg chg="add mod">
-          <ac:chgData name="雨宮　智浩" userId="S::9288019215@utac.u-tokyo.ac.jp::018ceb06-00b6-4c8b-821f-fe5856736a8a" providerId="AD" clId="Web-{68FE3186-E4E8-C727-9B14-B26AA440F5DC}" dt="2024-09-04T08:07:21.535" v="71" actId="1076"/>
-          <ac:picMkLst>
-            <pc:docMk/>
-            <pc:sldMk cId="2473131799" sldId="1418"/>
-            <ac:picMk id="3" creationId="{45F7C8BB-D72F-C945-B7FD-81F0902BB732}"/>
-          </ac:picMkLst>
-        </pc:picChg>
-        <pc:picChg chg="mod">
-          <ac:chgData name="雨宮　智浩" userId="S::9288019215@utac.u-tokyo.ac.jp::018ceb06-00b6-4c8b-821f-fe5856736a8a" providerId="AD" clId="Web-{68FE3186-E4E8-C727-9B14-B26AA440F5DC}" dt="2024-09-04T08:06:49.941" v="62" actId="1076"/>
-          <ac:picMkLst>
-            <pc:docMk/>
-            <pc:sldMk cId="2473131799" sldId="1418"/>
-            <ac:picMk id="24" creationId="{61796372-4A04-4435-7FD8-7EBAC9111186}"/>
-          </ac:picMkLst>
-        </pc:picChg>
-      </pc:sldChg>
-    </pc:docChg>
-  </pc:docChgLst>
-  <pc:docChgLst>
-    <pc:chgData name="佐藤　寛也" userId="27837c8b-abaf-4096-b544-58e4cbe7054e" providerId="ADAL" clId="{193E6E28-8FC8-4E23-B702-0C05D06AA1DC}"/>
-    <pc:docChg chg="undo redo custSel addSld delSld modSld sldOrd">
-      <pc:chgData name="佐藤　寛也" userId="27837c8b-abaf-4096-b544-58e4cbe7054e" providerId="ADAL" clId="{193E6E28-8FC8-4E23-B702-0C05D06AA1DC}" dt="2024-09-06T02:52:29.130" v="5393"/>
-      <pc:docMkLst>
-        <pc:docMk/>
-      </pc:docMkLst>
-      <pc:sldChg chg="addSp modSp mod">
-        <pc:chgData name="佐藤　寛也" userId="27837c8b-abaf-4096-b544-58e4cbe7054e" providerId="ADAL" clId="{193E6E28-8FC8-4E23-B702-0C05D06AA1DC}" dt="2024-09-06T02:49:25.401" v="5342" actId="20577"/>
-        <pc:sldMkLst>
-          <pc:docMk/>
-          <pc:sldMk cId="2292264982" sldId="256"/>
-        </pc:sldMkLst>
-        <pc:spChg chg="mod">
-          <ac:chgData name="佐藤　寛也" userId="27837c8b-abaf-4096-b544-58e4cbe7054e" providerId="ADAL" clId="{193E6E28-8FC8-4E23-B702-0C05D06AA1DC}" dt="2024-09-06T02:49:20.762" v="5340" actId="27636"/>
-          <ac:spMkLst>
-            <pc:docMk/>
-            <pc:sldMk cId="2292264982" sldId="256"/>
-            <ac:spMk id="3" creationId="{92A3CDA6-C2CF-9E57-ABBE-E6FF1371E360}"/>
-          </ac:spMkLst>
-        </pc:spChg>
-        <pc:spChg chg="add mod">
-          <ac:chgData name="佐藤　寛也" userId="27837c8b-abaf-4096-b544-58e4cbe7054e" providerId="ADAL" clId="{193E6E28-8FC8-4E23-B702-0C05D06AA1DC}" dt="2024-09-06T02:49:25.401" v="5342" actId="20577"/>
-          <ac:spMkLst>
-            <pc:docMk/>
-            <pc:sldMk cId="2292264982" sldId="256"/>
-            <ac:spMk id="4" creationId="{74A8D6B1-152D-8CDC-6D83-B795F55DE09A}"/>
-          </ac:spMkLst>
-        </pc:spChg>
-      </pc:sldChg>
-      <pc:sldChg chg="modSp mod">
-        <pc:chgData name="佐藤　寛也" userId="27837c8b-abaf-4096-b544-58e4cbe7054e" providerId="ADAL" clId="{193E6E28-8FC8-4E23-B702-0C05D06AA1DC}" dt="2024-09-06T02:52:29.130" v="5393"/>
-        <pc:sldMkLst>
-          <pc:docMk/>
-          <pc:sldMk cId="1578608887" sldId="1402"/>
-        </pc:sldMkLst>
-        <pc:spChg chg="mod">
-          <ac:chgData name="佐藤　寛也" userId="27837c8b-abaf-4096-b544-58e4cbe7054e" providerId="ADAL" clId="{193E6E28-8FC8-4E23-B702-0C05D06AA1DC}" dt="2024-09-06T02:52:29.130" v="5393"/>
-          <ac:spMkLst>
-            <pc:docMk/>
-            <pc:sldMk cId="1578608887" sldId="1402"/>
-            <ac:spMk id="3" creationId="{16FF0A75-AD20-769F-6C62-614A33EDE4D0}"/>
-          </ac:spMkLst>
-        </pc:spChg>
-      </pc:sldChg>
-      <pc:sldChg chg="del">
-        <pc:chgData name="佐藤　寛也" userId="27837c8b-abaf-4096-b544-58e4cbe7054e" providerId="ADAL" clId="{193E6E28-8FC8-4E23-B702-0C05D06AA1DC}" dt="2024-09-04T04:44:50.611" v="1734" actId="47"/>
-        <pc:sldMkLst>
-          <pc:docMk/>
-          <pc:sldMk cId="3844574707" sldId="1405"/>
-        </pc:sldMkLst>
-      </pc:sldChg>
-      <pc:sldChg chg="modSp mod ord">
-        <pc:chgData name="佐藤　寛也" userId="27837c8b-abaf-4096-b544-58e4cbe7054e" providerId="ADAL" clId="{193E6E28-8FC8-4E23-B702-0C05D06AA1DC}" dt="2024-09-05T08:28:23.729" v="4210" actId="20577"/>
-        <pc:sldMkLst>
-          <pc:docMk/>
-          <pc:sldMk cId="1985137625" sldId="1406"/>
-        </pc:sldMkLst>
-        <pc:spChg chg="mod">
-          <ac:chgData name="佐藤　寛也" userId="27837c8b-abaf-4096-b544-58e4cbe7054e" providerId="ADAL" clId="{193E6E28-8FC8-4E23-B702-0C05D06AA1DC}" dt="2024-09-05T08:28:23.729" v="4210" actId="20577"/>
-          <ac:spMkLst>
-            <pc:docMk/>
-            <pc:sldMk cId="1985137625" sldId="1406"/>
-            <ac:spMk id="7" creationId="{015FA5FE-9762-006C-3F83-289C82D18762}"/>
-          </ac:spMkLst>
-        </pc:spChg>
-      </pc:sldChg>
-      <pc:sldChg chg="modSp mod">
-        <pc:chgData name="佐藤　寛也" userId="27837c8b-abaf-4096-b544-58e4cbe7054e" providerId="ADAL" clId="{193E6E28-8FC8-4E23-B702-0C05D06AA1DC}" dt="2024-09-04T05:37:32.468" v="2597" actId="20577"/>
-        <pc:sldMkLst>
-          <pc:docMk/>
-          <pc:sldMk cId="754850982" sldId="1407"/>
-        </pc:sldMkLst>
-        <pc:spChg chg="mod">
-          <ac:chgData name="佐藤　寛也" userId="27837c8b-abaf-4096-b544-58e4cbe7054e" providerId="ADAL" clId="{193E6E28-8FC8-4E23-B702-0C05D06AA1DC}" dt="2024-09-04T05:37:32.468" v="2597" actId="20577"/>
-          <ac:spMkLst>
-            <pc:docMk/>
-            <pc:sldMk cId="754850982" sldId="1407"/>
-            <ac:spMk id="7" creationId="{73218CA3-DCC3-9247-1CB7-5311CC12A4F5}"/>
-          </ac:spMkLst>
-        </pc:spChg>
-      </pc:sldChg>
-      <pc:sldChg chg="modSp mod">
-        <pc:chgData name="佐藤　寛也" userId="27837c8b-abaf-4096-b544-58e4cbe7054e" providerId="ADAL" clId="{193E6E28-8FC8-4E23-B702-0C05D06AA1DC}" dt="2024-09-06T02:52:06.113" v="5387" actId="20577"/>
-        <pc:sldMkLst>
-          <pc:docMk/>
-          <pc:sldMk cId="2141358339" sldId="1408"/>
-        </pc:sldMkLst>
-        <pc:spChg chg="mod">
-          <ac:chgData name="佐藤　寛也" userId="27837c8b-abaf-4096-b544-58e4cbe7054e" providerId="ADAL" clId="{193E6E28-8FC8-4E23-B702-0C05D06AA1DC}" dt="2024-09-04T04:41:59.717" v="1667" actId="113"/>
-          <ac:spMkLst>
-            <pc:docMk/>
-            <pc:sldMk cId="2141358339" sldId="1408"/>
-            <ac:spMk id="2" creationId="{8661AFE6-57B7-F88A-D022-A14791F59621}"/>
-          </ac:spMkLst>
-        </pc:spChg>
-        <pc:spChg chg="mod">
-          <ac:chgData name="佐藤　寛也" userId="27837c8b-abaf-4096-b544-58e4cbe7054e" providerId="ADAL" clId="{193E6E28-8FC8-4E23-B702-0C05D06AA1DC}" dt="2024-09-06T02:52:06.113" v="5387" actId="20577"/>
-          <ac:spMkLst>
-            <pc:docMk/>
-            <pc:sldMk cId="2141358339" sldId="1408"/>
-            <ac:spMk id="3" creationId="{11BE7EF4-56DF-F510-784F-2E996E481ACE}"/>
-          </ac:spMkLst>
-        </pc:spChg>
-      </pc:sldChg>
-      <pc:sldChg chg="modSp add mod">
-        <pc:chgData name="佐藤　寛也" userId="27837c8b-abaf-4096-b544-58e4cbe7054e" providerId="ADAL" clId="{193E6E28-8FC8-4E23-B702-0C05D06AA1DC}" dt="2024-09-04T10:23:42.444" v="4021" actId="113"/>
-        <pc:sldMkLst>
-          <pc:docMk/>
-          <pc:sldMk cId="737078635" sldId="1409"/>
-        </pc:sldMkLst>
-        <pc:spChg chg="mod">
-          <ac:chgData name="佐藤　寛也" userId="27837c8b-abaf-4096-b544-58e4cbe7054e" providerId="ADAL" clId="{193E6E28-8FC8-4E23-B702-0C05D06AA1DC}" dt="2024-09-04T04:42:21.963" v="1669" actId="113"/>
-          <ac:spMkLst>
-            <pc:docMk/>
-            <pc:sldMk cId="737078635" sldId="1409"/>
-            <ac:spMk id="2" creationId="{8661AFE6-57B7-F88A-D022-A14791F59621}"/>
-          </ac:spMkLst>
-        </pc:spChg>
-        <pc:spChg chg="mod">
-          <ac:chgData name="佐藤　寛也" userId="27837c8b-abaf-4096-b544-58e4cbe7054e" providerId="ADAL" clId="{193E6E28-8FC8-4E23-B702-0C05D06AA1DC}" dt="2024-09-04T10:23:42.444" v="4021" actId="113"/>
-          <ac:spMkLst>
-            <pc:docMk/>
-            <pc:sldMk cId="737078635" sldId="1409"/>
-            <ac:spMk id="3" creationId="{11BE7EF4-56DF-F510-784F-2E996E481ACE}"/>
-          </ac:spMkLst>
-        </pc:spChg>
-      </pc:sldChg>
-      <pc:sldChg chg="addSp delSp modSp new mod ord modClrScheme chgLayout">
-        <pc:chgData name="佐藤　寛也" userId="27837c8b-abaf-4096-b544-58e4cbe7054e" providerId="ADAL" clId="{193E6E28-8FC8-4E23-B702-0C05D06AA1DC}" dt="2024-09-04T04:47:48.111" v="1787" actId="1076"/>
-        <pc:sldMkLst>
-          <pc:docMk/>
-          <pc:sldMk cId="4288561965" sldId="1410"/>
-        </pc:sldMkLst>
-        <pc:spChg chg="mod ord">
-          <ac:chgData name="佐藤　寛也" userId="27837c8b-abaf-4096-b544-58e4cbe7054e" providerId="ADAL" clId="{193E6E28-8FC8-4E23-B702-0C05D06AA1DC}" dt="2024-09-04T04:14:16.162" v="850" actId="700"/>
-          <ac:spMkLst>
-            <pc:docMk/>
-            <pc:sldMk cId="4288561965" sldId="1410"/>
-            <ac:spMk id="2" creationId="{D2EC63E3-45D7-F476-18BF-25E58D75754D}"/>
-          </ac:spMkLst>
-        </pc:spChg>
-        <pc:spChg chg="del mod ord">
-          <ac:chgData name="佐藤　寛也" userId="27837c8b-abaf-4096-b544-58e4cbe7054e" providerId="ADAL" clId="{193E6E28-8FC8-4E23-B702-0C05D06AA1DC}" dt="2024-09-04T04:14:12.735" v="849" actId="700"/>
-          <ac:spMkLst>
-            <pc:docMk/>
-            <pc:sldMk cId="4288561965" sldId="1410"/>
-            <ac:spMk id="3" creationId="{953213B8-1FBE-318A-151A-51BABF1F6ABE}"/>
-          </ac:spMkLst>
-        </pc:spChg>
-        <pc:spChg chg="mod ord">
-          <ac:chgData name="佐藤　寛也" userId="27837c8b-abaf-4096-b544-58e4cbe7054e" providerId="ADAL" clId="{193E6E28-8FC8-4E23-B702-0C05D06AA1DC}" dt="2024-09-04T04:14:16.162" v="850" actId="700"/>
-          <ac:spMkLst>
-            <pc:docMk/>
-            <pc:sldMk cId="4288561965" sldId="1410"/>
-            <ac:spMk id="4" creationId="{8BD9BA96-2C73-F15B-0EC8-A1740938D32B}"/>
-          </ac:spMkLst>
-        </pc:spChg>
-        <pc:spChg chg="mod ord">
-          <ac:chgData name="佐藤　寛也" userId="27837c8b-abaf-4096-b544-58e4cbe7054e" providerId="ADAL" clId="{193E6E28-8FC8-4E23-B702-0C05D06AA1DC}" dt="2024-09-04T04:14:16.162" v="850" actId="700"/>
-          <ac:spMkLst>
-            <pc:docMk/>
-            <pc:sldMk cId="4288561965" sldId="1410"/>
-            <ac:spMk id="5" creationId="{C4BB9A44-04C9-CB39-DD07-4D1DA8158E25}"/>
-          </ac:spMkLst>
-        </pc:spChg>
-        <pc:spChg chg="mod ord">
-          <ac:chgData name="佐藤　寛也" userId="27837c8b-abaf-4096-b544-58e4cbe7054e" providerId="ADAL" clId="{193E6E28-8FC8-4E23-B702-0C05D06AA1DC}" dt="2024-09-04T04:14:16.162" v="850" actId="700"/>
-          <ac:spMkLst>
-            <pc:docMk/>
-            <pc:sldMk cId="4288561965" sldId="1410"/>
-            <ac:spMk id="6" creationId="{297C03DE-83C8-7CF2-6CFB-108BA541C5DD}"/>
-          </ac:spMkLst>
-        </pc:spChg>
-        <pc:spChg chg="add del mod ord">
-          <ac:chgData name="佐藤　寛也" userId="27837c8b-abaf-4096-b544-58e4cbe7054e" providerId="ADAL" clId="{193E6E28-8FC8-4E23-B702-0C05D06AA1DC}" dt="2024-09-04T04:14:16.162" v="850" actId="700"/>
-          <ac:spMkLst>
-            <pc:docMk/>
-            <pc:sldMk cId="4288561965" sldId="1410"/>
-            <ac:spMk id="7" creationId="{FF616FF9-66AA-A57B-F133-D794FAB594A5}"/>
-          </ac:spMkLst>
-        </pc:spChg>
-        <pc:spChg chg="add mod ord">
-          <ac:chgData name="佐藤　寛也" userId="27837c8b-abaf-4096-b544-58e4cbe7054e" providerId="ADAL" clId="{193E6E28-8FC8-4E23-B702-0C05D06AA1DC}" dt="2024-09-04T04:47:45.143" v="1786" actId="5793"/>
-          <ac:spMkLst>
-            <pc:docMk/>
-            <pc:sldMk cId="4288561965" sldId="1410"/>
-            <ac:spMk id="8" creationId="{55FEF13F-7146-C72A-A1BD-C7CB3F1B77BE}"/>
-          </ac:spMkLst>
-        </pc:spChg>
-        <pc:spChg chg="add mod topLvl">
-          <ac:chgData name="佐藤　寛也" userId="27837c8b-abaf-4096-b544-58e4cbe7054e" providerId="ADAL" clId="{193E6E28-8FC8-4E23-B702-0C05D06AA1DC}" dt="2024-09-04T04:46:45.666" v="1759" actId="1076"/>
-          <ac:spMkLst>
-            <pc:docMk/>
-            <pc:sldMk cId="4288561965" sldId="1410"/>
-            <ac:spMk id="14" creationId="{70DDFEBA-092B-A9D6-2266-F35A7F4C94C5}"/>
-          </ac:spMkLst>
-        </pc:spChg>
-        <pc:spChg chg="add del">
-          <ac:chgData name="佐藤　寛也" userId="27837c8b-abaf-4096-b544-58e4cbe7054e" providerId="ADAL" clId="{193E6E28-8FC8-4E23-B702-0C05D06AA1DC}" dt="2024-09-04T04:18:06.583" v="930" actId="11529"/>
-          <ac:spMkLst>
-            <pc:docMk/>
-            <pc:sldMk cId="4288561965" sldId="1410"/>
-            <ac:spMk id="15" creationId="{E94B7C5F-543E-3F63-E908-989BAB38D63C}"/>
-          </ac:spMkLst>
-        </pc:spChg>
-        <pc:spChg chg="add mod topLvl">
-          <ac:chgData name="佐藤　寛也" userId="27837c8b-abaf-4096-b544-58e4cbe7054e" providerId="ADAL" clId="{193E6E28-8FC8-4E23-B702-0C05D06AA1DC}" dt="2024-09-04T04:46:31.636" v="1757" actId="14100"/>
-          <ac:spMkLst>
-            <pc:docMk/>
-            <pc:sldMk cId="4288561965" sldId="1410"/>
-            <ac:spMk id="16" creationId="{BA133BB0-CDDA-EEFB-971F-B1341348D334}"/>
-          </ac:spMkLst>
-        </pc:spChg>
-        <pc:spChg chg="add mod">
-          <ac:chgData name="佐藤　寛也" userId="27837c8b-abaf-4096-b544-58e4cbe7054e" providerId="ADAL" clId="{193E6E28-8FC8-4E23-B702-0C05D06AA1DC}" dt="2024-09-04T04:47:48.111" v="1787" actId="1076"/>
-          <ac:spMkLst>
-            <pc:docMk/>
-            <pc:sldMk cId="4288561965" sldId="1410"/>
-            <ac:spMk id="19" creationId="{AAE4CC20-8DA8-CD98-D4E7-356E56F28EEF}"/>
-          </ac:spMkLst>
-        </pc:spChg>
-        <pc:spChg chg="add mod">
-          <ac:chgData name="佐藤　寛也" userId="27837c8b-abaf-4096-b544-58e4cbe7054e" providerId="ADAL" clId="{193E6E28-8FC8-4E23-B702-0C05D06AA1DC}" dt="2024-09-04T04:45:13.369" v="1740" actId="1076"/>
-          <ac:spMkLst>
-            <pc:docMk/>
-            <pc:sldMk cId="4288561965" sldId="1410"/>
-            <ac:spMk id="21" creationId="{5C6E9D95-BE3E-ED49-4E17-F55D0D399D76}"/>
-          </ac:spMkLst>
-        </pc:spChg>
-        <pc:grpChg chg="add del mod">
-          <ac:chgData name="佐藤　寛也" userId="27837c8b-abaf-4096-b544-58e4cbe7054e" providerId="ADAL" clId="{193E6E28-8FC8-4E23-B702-0C05D06AA1DC}" dt="2024-09-04T04:45:56.226" v="1750" actId="165"/>
-          <ac:grpSpMkLst>
-            <pc:docMk/>
-            <pc:sldMk cId="4288561965" sldId="1410"/>
-            <ac:grpSpMk id="23" creationId="{735F41C9-C4C5-D5EE-D53F-53D2E6670CCF}"/>
-          </ac:grpSpMkLst>
-        </pc:grpChg>
-        <pc:picChg chg="add mod topLvl modCrop">
-          <ac:chgData name="佐藤　寛也" userId="27837c8b-abaf-4096-b544-58e4cbe7054e" providerId="ADAL" clId="{193E6E28-8FC8-4E23-B702-0C05D06AA1DC}" dt="2024-09-04T04:45:56.226" v="1750" actId="165"/>
-          <ac:picMkLst>
-            <pc:docMk/>
-            <pc:sldMk cId="4288561965" sldId="1410"/>
-            <ac:picMk id="10" creationId="{7DD40797-3CD1-E1AF-F422-BFD8D8778E1B}"/>
-          </ac:picMkLst>
-        </pc:picChg>
-        <pc:picChg chg="add mod ord topLvl">
-          <ac:chgData name="佐藤　寛也" userId="27837c8b-abaf-4096-b544-58e4cbe7054e" providerId="ADAL" clId="{193E6E28-8FC8-4E23-B702-0C05D06AA1DC}" dt="2024-09-04T04:46:10.657" v="1753" actId="1076"/>
-          <ac:picMkLst>
-            <pc:docMk/>
-            <pc:sldMk cId="4288561965" sldId="1410"/>
-            <ac:picMk id="12" creationId="{F309749A-0CC3-145E-F4BF-D4F86DB32282}"/>
-          </ac:picMkLst>
-        </pc:picChg>
-        <pc:cxnChg chg="add mod topLvl">
-          <ac:chgData name="佐藤　寛也" userId="27837c8b-abaf-4096-b544-58e4cbe7054e" providerId="ADAL" clId="{193E6E28-8FC8-4E23-B702-0C05D06AA1DC}" dt="2024-09-04T04:46:47.735" v="1760" actId="1076"/>
-          <ac:cxnSpMkLst>
-            <pc:docMk/>
-            <pc:sldMk cId="4288561965" sldId="1410"/>
-            <ac:cxnSpMk id="18" creationId="{2F398C5F-9944-1CAD-7B35-9F9BF6684016}"/>
-          </ac:cxnSpMkLst>
-        </pc:cxnChg>
-      </pc:sldChg>
-      <pc:sldChg chg="addSp delSp modSp new del mod ord">
-        <pc:chgData name="佐藤　寛也" userId="27837c8b-abaf-4096-b544-58e4cbe7054e" providerId="ADAL" clId="{193E6E28-8FC8-4E23-B702-0C05D06AA1DC}" dt="2024-09-05T09:06:56.557" v="5138" actId="47"/>
-        <pc:sldMkLst>
-          <pc:docMk/>
-          <pc:sldMk cId="1810238456" sldId="1411"/>
-        </pc:sldMkLst>
-        <pc:spChg chg="mod">
-          <ac:chgData name="佐藤　寛也" userId="27837c8b-abaf-4096-b544-58e4cbe7054e" providerId="ADAL" clId="{193E6E28-8FC8-4E23-B702-0C05D06AA1DC}" dt="2024-09-04T04:43:28.403" v="1729" actId="20577"/>
-          <ac:spMkLst>
-            <pc:docMk/>
-            <pc:sldMk cId="1810238456" sldId="1411"/>
-            <ac:spMk id="2" creationId="{21D0CFCA-348F-6DF4-2D11-99E2969833F2}"/>
-          </ac:spMkLst>
-        </pc:spChg>
-        <pc:spChg chg="del mod">
-          <ac:chgData name="佐藤　寛也" userId="27837c8b-abaf-4096-b544-58e4cbe7054e" providerId="ADAL" clId="{193E6E28-8FC8-4E23-B702-0C05D06AA1DC}" dt="2024-09-04T04:21:24.792" v="1045" actId="478"/>
-          <ac:spMkLst>
-            <pc:docMk/>
-            <pc:sldMk cId="1810238456" sldId="1411"/>
-            <ac:spMk id="3" creationId="{41AEE836-B07F-6756-DC70-5EA0EE3A1CC4}"/>
-          </ac:spMkLst>
-        </pc:spChg>
-        <pc:spChg chg="add mod">
-          <ac:chgData name="佐藤　寛也" userId="27837c8b-abaf-4096-b544-58e4cbe7054e" providerId="ADAL" clId="{193E6E28-8FC8-4E23-B702-0C05D06AA1DC}" dt="2024-09-04T09:23:31.173" v="3751" actId="1076"/>
-          <ac:spMkLst>
-            <pc:docMk/>
-            <pc:sldMk cId="1810238456" sldId="1411"/>
-            <ac:spMk id="7" creationId="{2E7461E0-B650-187F-0547-70108A04EB76}"/>
-          </ac:spMkLst>
-        </pc:spChg>
-        <pc:spChg chg="add mod">
-          <ac:chgData name="佐藤　寛也" userId="27837c8b-abaf-4096-b544-58e4cbe7054e" providerId="ADAL" clId="{193E6E28-8FC8-4E23-B702-0C05D06AA1DC}" dt="2024-09-04T04:21:13.561" v="1042" actId="14100"/>
-          <ac:spMkLst>
-            <pc:docMk/>
-            <pc:sldMk cId="1810238456" sldId="1411"/>
-            <ac:spMk id="8" creationId="{711889AB-7B2F-6A6E-E852-8811831E890F}"/>
-          </ac:spMkLst>
-        </pc:spChg>
-        <pc:spChg chg="add mod">
-          <ac:chgData name="佐藤　寛也" userId="27837c8b-abaf-4096-b544-58e4cbe7054e" providerId="ADAL" clId="{193E6E28-8FC8-4E23-B702-0C05D06AA1DC}" dt="2024-09-04T09:23:31.173" v="3751" actId="1076"/>
-          <ac:spMkLst>
-            <pc:docMk/>
-            <pc:sldMk cId="1810238456" sldId="1411"/>
-            <ac:spMk id="9" creationId="{B50CD7E4-A3CA-1DFD-AD7F-C71027C18AD9}"/>
-          </ac:spMkLst>
-        </pc:spChg>
-        <pc:spChg chg="add mod">
-          <ac:chgData name="佐藤　寛也" userId="27837c8b-abaf-4096-b544-58e4cbe7054e" providerId="ADAL" clId="{193E6E28-8FC8-4E23-B702-0C05D06AA1DC}" dt="2024-09-04T09:23:31.173" v="3751" actId="1076"/>
-          <ac:spMkLst>
-            <pc:docMk/>
-            <pc:sldMk cId="1810238456" sldId="1411"/>
-            <ac:spMk id="10" creationId="{E9B9608B-7923-1E0A-D0CC-7595F0EED9EC}"/>
-          </ac:spMkLst>
-        </pc:spChg>
-        <pc:spChg chg="add del mod">
-          <ac:chgData name="佐藤　寛也" userId="27837c8b-abaf-4096-b544-58e4cbe7054e" providerId="ADAL" clId="{193E6E28-8FC8-4E23-B702-0C05D06AA1DC}" dt="2024-09-04T04:21:27.441" v="1046" actId="478"/>
-          <ac:spMkLst>
-            <pc:docMk/>
-            <pc:sldMk cId="1810238456" sldId="1411"/>
-            <ac:spMk id="14" creationId="{ABA86493-5AE8-89DD-E09A-37987E1AD538}"/>
-          </ac:spMkLst>
-        </pc:spChg>
-        <pc:spChg chg="add mod">
-          <ac:chgData name="佐藤　寛也" userId="27837c8b-abaf-4096-b544-58e4cbe7054e" providerId="ADAL" clId="{193E6E28-8FC8-4E23-B702-0C05D06AA1DC}" dt="2024-09-04T09:23:31.173" v="3751" actId="1076"/>
-          <ac:spMkLst>
-            <pc:docMk/>
-            <pc:sldMk cId="1810238456" sldId="1411"/>
-            <ac:spMk id="15" creationId="{6AC0C189-57F6-5C45-6CF6-8A1BADECB49F}"/>
-          </ac:spMkLst>
-        </pc:spChg>
-        <pc:spChg chg="add mod">
-          <ac:chgData name="佐藤　寛也" userId="27837c8b-abaf-4096-b544-58e4cbe7054e" providerId="ADAL" clId="{193E6E28-8FC8-4E23-B702-0C05D06AA1DC}" dt="2024-09-04T09:23:31.173" v="3751" actId="1076"/>
-          <ac:spMkLst>
-            <pc:docMk/>
-            <pc:sldMk cId="1810238456" sldId="1411"/>
-            <ac:spMk id="16" creationId="{FAC1266D-89CE-06E6-FF8D-D07DA41A0FFE}"/>
-          </ac:spMkLst>
-        </pc:spChg>
-        <pc:spChg chg="add del mod">
-          <ac:chgData name="佐藤　寛也" userId="27837c8b-abaf-4096-b544-58e4cbe7054e" providerId="ADAL" clId="{193E6E28-8FC8-4E23-B702-0C05D06AA1DC}" dt="2024-09-04T10:23:57.963" v="4022" actId="478"/>
-          <ac:spMkLst>
-            <pc:docMk/>
-            <pc:sldMk cId="1810238456" sldId="1411"/>
-            <ac:spMk id="17" creationId="{058E648A-BAE6-E27B-1DC4-1175A3B52EA3}"/>
-          </ac:spMkLst>
-        </pc:spChg>
-        <pc:picChg chg="add mod">
-          <ac:chgData name="佐藤　寛也" userId="27837c8b-abaf-4096-b544-58e4cbe7054e" providerId="ADAL" clId="{193E6E28-8FC8-4E23-B702-0C05D06AA1DC}" dt="2024-09-04T04:21:07.329" v="1041"/>
-          <ac:picMkLst>
-            <pc:docMk/>
-            <pc:sldMk cId="1810238456" sldId="1411"/>
-            <ac:picMk id="11" creationId="{DD413FC8-0CFB-A46C-BA80-DCD723AE08AF}"/>
-          </ac:picMkLst>
-        </pc:picChg>
-        <pc:picChg chg="add mod">
-          <ac:chgData name="佐藤　寛也" userId="27837c8b-abaf-4096-b544-58e4cbe7054e" providerId="ADAL" clId="{193E6E28-8FC8-4E23-B702-0C05D06AA1DC}" dt="2024-09-04T04:21:07.329" v="1041"/>
-          <ac:picMkLst>
-            <pc:docMk/>
-            <pc:sldMk cId="1810238456" sldId="1411"/>
-            <ac:picMk id="12" creationId="{B3A843EF-E3A6-DC9E-6BC2-A7FB2C510DFC}"/>
-          </ac:picMkLst>
-        </pc:picChg>
-      </pc:sldChg>
-      <pc:sldChg chg="addSp modSp add mod modClrScheme chgLayout">
-        <pc:chgData name="佐藤　寛也" userId="27837c8b-abaf-4096-b544-58e4cbe7054e" providerId="ADAL" clId="{193E6E28-8FC8-4E23-B702-0C05D06AA1DC}" dt="2024-09-04T07:33:49.978" v="2654" actId="1036"/>
-        <pc:sldMkLst>
-          <pc:docMk/>
-          <pc:sldMk cId="360300041" sldId="1412"/>
-        </pc:sldMkLst>
-        <pc:spChg chg="mod ord">
-          <ac:chgData name="佐藤　寛也" userId="27837c8b-abaf-4096-b544-58e4cbe7054e" providerId="ADAL" clId="{193E6E28-8FC8-4E23-B702-0C05D06AA1DC}" dt="2024-09-04T04:14:18.948" v="851" actId="700"/>
-          <ac:spMkLst>
-            <pc:docMk/>
-            <pc:sldMk cId="360300041" sldId="1412"/>
-            <ac:spMk id="2" creationId="{D2EC63E3-45D7-F476-18BF-25E58D75754D}"/>
-          </ac:spMkLst>
-        </pc:spChg>
-        <pc:spChg chg="mod ord">
-          <ac:chgData name="佐藤　寛也" userId="27837c8b-abaf-4096-b544-58e4cbe7054e" providerId="ADAL" clId="{193E6E28-8FC8-4E23-B702-0C05D06AA1DC}" dt="2024-09-04T04:47:42.500" v="1785" actId="313"/>
-          <ac:spMkLst>
-            <pc:docMk/>
-            <pc:sldMk cId="360300041" sldId="1412"/>
-            <ac:spMk id="3" creationId="{953213B8-1FBE-318A-151A-51BABF1F6ABE}"/>
-          </ac:spMkLst>
-        </pc:spChg>
-        <pc:spChg chg="mod ord">
-          <ac:chgData name="佐藤　寛也" userId="27837c8b-abaf-4096-b544-58e4cbe7054e" providerId="ADAL" clId="{193E6E28-8FC8-4E23-B702-0C05D06AA1DC}" dt="2024-09-04T04:14:18.948" v="851" actId="700"/>
-          <ac:spMkLst>
-            <pc:docMk/>
-            <pc:sldMk cId="360300041" sldId="1412"/>
-            <ac:spMk id="4" creationId="{8BD9BA96-2C73-F15B-0EC8-A1740938D32B}"/>
-          </ac:spMkLst>
-        </pc:spChg>
-        <pc:spChg chg="mod ord">
-          <ac:chgData name="佐藤　寛也" userId="27837c8b-abaf-4096-b544-58e4cbe7054e" providerId="ADAL" clId="{193E6E28-8FC8-4E23-B702-0C05D06AA1DC}" dt="2024-09-04T04:14:18.948" v="851" actId="700"/>
-          <ac:spMkLst>
-            <pc:docMk/>
-            <pc:sldMk cId="360300041" sldId="1412"/>
-            <ac:spMk id="5" creationId="{C4BB9A44-04C9-CB39-DD07-4D1DA8158E25}"/>
-          </ac:spMkLst>
-        </pc:spChg>
-        <pc:spChg chg="mod ord">
-          <ac:chgData name="佐藤　寛也" userId="27837c8b-abaf-4096-b544-58e4cbe7054e" providerId="ADAL" clId="{193E6E28-8FC8-4E23-B702-0C05D06AA1DC}" dt="2024-09-04T04:14:18.948" v="851" actId="700"/>
-          <ac:spMkLst>
-            <pc:docMk/>
-            <pc:sldMk cId="360300041" sldId="1412"/>
-            <ac:spMk id="6" creationId="{297C03DE-83C8-7CF2-6CFB-108BA541C5DD}"/>
-          </ac:spMkLst>
-        </pc:spChg>
-        <pc:spChg chg="add mod">
-          <ac:chgData name="佐藤　寛也" userId="27837c8b-abaf-4096-b544-58e4cbe7054e" providerId="ADAL" clId="{193E6E28-8FC8-4E23-B702-0C05D06AA1DC}" dt="2024-09-04T04:13:28.497" v="836" actId="1076"/>
-          <ac:spMkLst>
-            <pc:docMk/>
-            <pc:sldMk cId="360300041" sldId="1412"/>
-            <ac:spMk id="9" creationId="{436A2211-6598-39E1-49D6-3FDBFFA3D253}"/>
-          </ac:spMkLst>
-        </pc:spChg>
-        <pc:spChg chg="add mod">
-          <ac:chgData name="佐藤　寛也" userId="27837c8b-abaf-4096-b544-58e4cbe7054e" providerId="ADAL" clId="{193E6E28-8FC8-4E23-B702-0C05D06AA1DC}" dt="2024-09-04T04:19:44.029" v="955" actId="1076"/>
-          <ac:spMkLst>
-            <pc:docMk/>
-            <pc:sldMk cId="360300041" sldId="1412"/>
-            <ac:spMk id="10" creationId="{F5D2E339-C9B2-5A49-C6D9-FEF71A14B0CE}"/>
-          </ac:spMkLst>
-        </pc:spChg>
-        <pc:spChg chg="add mod">
-          <ac:chgData name="佐藤　寛也" userId="27837c8b-abaf-4096-b544-58e4cbe7054e" providerId="ADAL" clId="{193E6E28-8FC8-4E23-B702-0C05D06AA1DC}" dt="2024-09-04T04:45:29.999" v="1744" actId="120"/>
-          <ac:spMkLst>
-            <pc:docMk/>
-            <pc:sldMk cId="360300041" sldId="1412"/>
-            <ac:spMk id="11" creationId="{6C4F3BB4-84BB-B9DB-31B5-D969F8F419CC}"/>
-          </ac:spMkLst>
-        </pc:spChg>
-        <pc:spChg chg="add mod">
-          <ac:chgData name="佐藤　寛也" userId="27837c8b-abaf-4096-b544-58e4cbe7054e" providerId="ADAL" clId="{193E6E28-8FC8-4E23-B702-0C05D06AA1DC}" dt="2024-09-04T07:33:12.155" v="2643" actId="20577"/>
-          <ac:spMkLst>
-            <pc:docMk/>
-            <pc:sldMk cId="360300041" sldId="1412"/>
-            <ac:spMk id="13" creationId="{C4DF6A5F-5111-F7EB-928B-53FA6EDE050D}"/>
-          </ac:spMkLst>
-        </pc:spChg>
-        <pc:spChg chg="add mod">
-          <ac:chgData name="佐藤　寛也" userId="27837c8b-abaf-4096-b544-58e4cbe7054e" providerId="ADAL" clId="{193E6E28-8FC8-4E23-B702-0C05D06AA1DC}" dt="2024-09-04T07:32:13.385" v="2627" actId="571"/>
-          <ac:spMkLst>
-            <pc:docMk/>
-            <pc:sldMk cId="360300041" sldId="1412"/>
-            <ac:spMk id="15" creationId="{EB2A8EFB-2DBD-A206-C322-53D4353B9D07}"/>
-          </ac:spMkLst>
-        </pc:spChg>
-        <pc:spChg chg="add mod">
-          <ac:chgData name="佐藤　寛也" userId="27837c8b-abaf-4096-b544-58e4cbe7054e" providerId="ADAL" clId="{193E6E28-8FC8-4E23-B702-0C05D06AA1DC}" dt="2024-09-04T07:33:49.978" v="2654" actId="1036"/>
-          <ac:spMkLst>
-            <pc:docMk/>
-            <pc:sldMk cId="360300041" sldId="1412"/>
-            <ac:spMk id="18" creationId="{1BB2D213-780C-5C69-9922-58C04F4ED897}"/>
-          </ac:spMkLst>
-        </pc:spChg>
-        <pc:picChg chg="add mod">
-          <ac:chgData name="佐藤　寛也" userId="27837c8b-abaf-4096-b544-58e4cbe7054e" providerId="ADAL" clId="{193E6E28-8FC8-4E23-B702-0C05D06AA1DC}" dt="2024-09-04T04:19:44.029" v="955" actId="1076"/>
-          <ac:picMkLst>
-            <pc:docMk/>
-            <pc:sldMk cId="360300041" sldId="1412"/>
-            <ac:picMk id="8" creationId="{843C1C8E-EFC2-5530-0CE4-E5BCCB26BD08}"/>
-          </ac:picMkLst>
-        </pc:picChg>
-        <pc:picChg chg="add mod">
-          <ac:chgData name="佐藤　寛也" userId="27837c8b-abaf-4096-b544-58e4cbe7054e" providerId="ADAL" clId="{193E6E28-8FC8-4E23-B702-0C05D06AA1DC}" dt="2024-09-04T07:32:03.639" v="2624" actId="1037"/>
-          <ac:picMkLst>
-            <pc:docMk/>
-            <pc:sldMk cId="360300041" sldId="1412"/>
-            <ac:picMk id="12" creationId="{BFE54770-9D87-D440-564E-5D493C622E76}"/>
-          </ac:picMkLst>
-        </pc:picChg>
-        <pc:cxnChg chg="add mod">
-          <ac:chgData name="佐藤　寛也" userId="27837c8b-abaf-4096-b544-58e4cbe7054e" providerId="ADAL" clId="{193E6E28-8FC8-4E23-B702-0C05D06AA1DC}" dt="2024-09-04T07:33:20.213" v="2648" actId="14100"/>
-          <ac:cxnSpMkLst>
-            <pc:docMk/>
-            <pc:sldMk cId="360300041" sldId="1412"/>
-            <ac:cxnSpMk id="14" creationId="{8414C94A-EB32-7FAA-DEAD-F2EA787EDB3D}"/>
-          </ac:cxnSpMkLst>
-        </pc:cxnChg>
-      </pc:sldChg>
-      <pc:sldChg chg="modSp new del mod">
-        <pc:chgData name="佐藤　寛也" userId="27837c8b-abaf-4096-b544-58e4cbe7054e" providerId="ADAL" clId="{193E6E28-8FC8-4E23-B702-0C05D06AA1DC}" dt="2024-09-04T03:09:50.186" v="142" actId="47"/>
-        <pc:sldMkLst>
-          <pc:docMk/>
-          <pc:sldMk cId="2333443033" sldId="1412"/>
-        </pc:sldMkLst>
-        <pc:spChg chg="mod">
-          <ac:chgData name="佐藤　寛也" userId="27837c8b-abaf-4096-b544-58e4cbe7054e" providerId="ADAL" clId="{193E6E28-8FC8-4E23-B702-0C05D06AA1DC}" dt="2024-09-04T03:09:15.242" v="132" actId="27636"/>
-          <ac:spMkLst>
-            <pc:docMk/>
-            <pc:sldMk cId="2333443033" sldId="1412"/>
-            <ac:spMk id="2" creationId="{9E91D1B4-6CE5-621C-2DC0-4445402B0C7B}"/>
-          </ac:spMkLst>
-        </pc:spChg>
-      </pc:sldChg>
-      <pc:sldChg chg="modSp add mod ord">
-        <pc:chgData name="佐藤　寛也" userId="27837c8b-abaf-4096-b544-58e4cbe7054e" providerId="ADAL" clId="{193E6E28-8FC8-4E23-B702-0C05D06AA1DC}" dt="2024-09-06T02:39:16.348" v="5329" actId="20577"/>
-        <pc:sldMkLst>
-          <pc:docMk/>
-          <pc:sldMk cId="117506766" sldId="1413"/>
-        </pc:sldMkLst>
-        <pc:spChg chg="mod">
-          <ac:chgData name="佐藤　寛也" userId="27837c8b-abaf-4096-b544-58e4cbe7054e" providerId="ADAL" clId="{193E6E28-8FC8-4E23-B702-0C05D06AA1DC}" dt="2024-09-04T04:40:26.983" v="1614" actId="20577"/>
-          <ac:spMkLst>
-            <pc:docMk/>
-            <pc:sldMk cId="117506766" sldId="1413"/>
-            <ac:spMk id="2" creationId="{21D0CFCA-348F-6DF4-2D11-99E2969833F2}"/>
-          </ac:spMkLst>
-        </pc:spChg>
-        <pc:spChg chg="mod">
-          <ac:chgData name="佐藤　寛也" userId="27837c8b-abaf-4096-b544-58e4cbe7054e" providerId="ADAL" clId="{193E6E28-8FC8-4E23-B702-0C05D06AA1DC}" dt="2024-09-06T02:39:16.348" v="5329" actId="20577"/>
-          <ac:spMkLst>
-            <pc:docMk/>
-            <pc:sldMk cId="117506766" sldId="1413"/>
-            <ac:spMk id="3" creationId="{41AEE836-B07F-6756-DC70-5EA0EE3A1CC4}"/>
-          </ac:spMkLst>
-        </pc:spChg>
-      </pc:sldChg>
-      <pc:sldChg chg="modSp add del mod">
-        <pc:chgData name="佐藤　寛也" userId="27837c8b-abaf-4096-b544-58e4cbe7054e" providerId="ADAL" clId="{193E6E28-8FC8-4E23-B702-0C05D06AA1DC}" dt="2024-09-04T03:09:49.076" v="141" actId="47"/>
-        <pc:sldMkLst>
-          <pc:docMk/>
-          <pc:sldMk cId="416721258" sldId="1413"/>
-        </pc:sldMkLst>
-        <pc:spChg chg="mod">
-          <ac:chgData name="佐藤　寛也" userId="27837c8b-abaf-4096-b544-58e4cbe7054e" providerId="ADAL" clId="{193E6E28-8FC8-4E23-B702-0C05D06AA1DC}" dt="2024-09-04T03:09:31.705" v="136" actId="14100"/>
-          <ac:spMkLst>
-            <pc:docMk/>
-            <pc:sldMk cId="416721258" sldId="1413"/>
-            <ac:spMk id="2" creationId="{9E91D1B4-6CE5-621C-2DC0-4445402B0C7B}"/>
-          </ac:spMkLst>
-        </pc:spChg>
-      </pc:sldChg>
-      <pc:sldChg chg="add del ord">
-        <pc:chgData name="佐藤　寛也" userId="27837c8b-abaf-4096-b544-58e4cbe7054e" providerId="ADAL" clId="{193E6E28-8FC8-4E23-B702-0C05D06AA1DC}" dt="2024-09-04T03:09:48.121" v="140" actId="47"/>
-        <pc:sldMkLst>
-          <pc:docMk/>
-          <pc:sldMk cId="270009088" sldId="1414"/>
-        </pc:sldMkLst>
-      </pc:sldChg>
-      <pc:sldChg chg="modSp add del mod ord">
-        <pc:chgData name="佐藤　寛也" userId="27837c8b-abaf-4096-b544-58e4cbe7054e" providerId="ADAL" clId="{193E6E28-8FC8-4E23-B702-0C05D06AA1DC}" dt="2024-09-04T05:17:19.489" v="2442" actId="47"/>
-        <pc:sldMkLst>
-          <pc:docMk/>
-          <pc:sldMk cId="3915811712" sldId="1414"/>
-        </pc:sldMkLst>
-        <pc:spChg chg="mod">
-          <ac:chgData name="佐藤　寛也" userId="27837c8b-abaf-4096-b544-58e4cbe7054e" providerId="ADAL" clId="{193E6E28-8FC8-4E23-B702-0C05D06AA1DC}" dt="2024-09-04T04:49:24.965" v="1810" actId="20577"/>
-          <ac:spMkLst>
-            <pc:docMk/>
-            <pc:sldMk cId="3915811712" sldId="1414"/>
-            <ac:spMk id="2" creationId="{21D0CFCA-348F-6DF4-2D11-99E2969833F2}"/>
-          </ac:spMkLst>
-        </pc:spChg>
-        <pc:spChg chg="mod">
-          <ac:chgData name="佐藤　寛也" userId="27837c8b-abaf-4096-b544-58e4cbe7054e" providerId="ADAL" clId="{193E6E28-8FC8-4E23-B702-0C05D06AA1DC}" dt="2024-09-04T05:09:20.596" v="2296" actId="20578"/>
-          <ac:spMkLst>
-            <pc:docMk/>
-            <pc:sldMk cId="3915811712" sldId="1414"/>
-            <ac:spMk id="3" creationId="{41AEE836-B07F-6756-DC70-5EA0EE3A1CC4}"/>
-          </ac:spMkLst>
-        </pc:spChg>
-      </pc:sldChg>
-      <pc:sldChg chg="modSp add mod">
-        <pc:chgData name="佐藤　寛也" userId="27837c8b-abaf-4096-b544-58e4cbe7054e" providerId="ADAL" clId="{193E6E28-8FC8-4E23-B702-0C05D06AA1DC}" dt="2024-09-05T09:28:01.770" v="5259" actId="20577"/>
-        <pc:sldMkLst>
-          <pc:docMk/>
-          <pc:sldMk cId="176847597" sldId="1415"/>
-        </pc:sldMkLst>
-        <pc:spChg chg="mod">
-          <ac:chgData name="佐藤　寛也" userId="27837c8b-abaf-4096-b544-58e4cbe7054e" providerId="ADAL" clId="{193E6E28-8FC8-4E23-B702-0C05D06AA1DC}" dt="2024-09-05T09:28:01.770" v="5259" actId="20577"/>
-          <ac:spMkLst>
-            <pc:docMk/>
-            <pc:sldMk cId="176847597" sldId="1415"/>
-            <ac:spMk id="3" creationId="{41AEE836-B07F-6756-DC70-5EA0EE3A1CC4}"/>
-          </ac:spMkLst>
-        </pc:spChg>
-      </pc:sldChg>
-      <pc:sldChg chg="addSp delSp modSp add del mod ord">
-        <pc:chgData name="佐藤　寛也" userId="27837c8b-abaf-4096-b544-58e4cbe7054e" providerId="ADAL" clId="{193E6E28-8FC8-4E23-B702-0C05D06AA1DC}" dt="2024-09-05T09:06:32.744" v="5119" actId="47"/>
-        <pc:sldMkLst>
-          <pc:docMk/>
-          <pc:sldMk cId="2659024569" sldId="1416"/>
-        </pc:sldMkLst>
-        <pc:spChg chg="mod">
-          <ac:chgData name="佐藤　寛也" userId="27837c8b-abaf-4096-b544-58e4cbe7054e" providerId="ADAL" clId="{193E6E28-8FC8-4E23-B702-0C05D06AA1DC}" dt="2024-09-04T05:07:28.962" v="2281" actId="20577"/>
-          <ac:spMkLst>
-            <pc:docMk/>
-            <pc:sldMk cId="2659024569" sldId="1416"/>
-            <ac:spMk id="3" creationId="{41AEE836-B07F-6756-DC70-5EA0EE3A1CC4}"/>
-          </ac:spMkLst>
-        </pc:spChg>
-        <pc:spChg chg="add mod">
-          <ac:chgData name="佐藤　寛也" userId="27837c8b-abaf-4096-b544-58e4cbe7054e" providerId="ADAL" clId="{193E6E28-8FC8-4E23-B702-0C05D06AA1DC}" dt="2024-09-04T09:00:21.885" v="3687" actId="1582"/>
-          <ac:spMkLst>
-            <pc:docMk/>
-            <pc:sldMk cId="2659024569" sldId="1416"/>
-            <ac:spMk id="8" creationId="{549AE2D9-DA59-50D5-3413-B0D146083583}"/>
-          </ac:spMkLst>
-        </pc:spChg>
-        <pc:spChg chg="add del">
-          <ac:chgData name="佐藤　寛也" userId="27837c8b-abaf-4096-b544-58e4cbe7054e" providerId="ADAL" clId="{193E6E28-8FC8-4E23-B702-0C05D06AA1DC}" dt="2024-09-04T05:09:06.487" v="2295" actId="478"/>
-          <ac:spMkLst>
-            <pc:docMk/>
-            <pc:sldMk cId="2659024569" sldId="1416"/>
-            <ac:spMk id="8" creationId="{F0B24EA4-4BAA-BA18-523E-93A750BD5C55}"/>
-          </ac:spMkLst>
-        </pc:spChg>
-        <pc:spChg chg="add mod">
-          <ac:chgData name="佐藤　寛也" userId="27837c8b-abaf-4096-b544-58e4cbe7054e" providerId="ADAL" clId="{193E6E28-8FC8-4E23-B702-0C05D06AA1DC}" dt="2024-09-04T09:48:25.210" v="3915" actId="1076"/>
-          <ac:spMkLst>
-            <pc:docMk/>
-            <pc:sldMk cId="2659024569" sldId="1416"/>
-            <ac:spMk id="9" creationId="{2BEF2B5C-0BFE-EE67-2BC9-31924B40AA08}"/>
-          </ac:spMkLst>
-        </pc:spChg>
-        <pc:spChg chg="add mod">
-          <ac:chgData name="佐藤　寛也" userId="27837c8b-abaf-4096-b544-58e4cbe7054e" providerId="ADAL" clId="{193E6E28-8FC8-4E23-B702-0C05D06AA1DC}" dt="2024-09-04T09:48:04.130" v="3909" actId="1076"/>
-          <ac:spMkLst>
-            <pc:docMk/>
-            <pc:sldMk cId="2659024569" sldId="1416"/>
-            <ac:spMk id="10" creationId="{77DF0CC4-9166-3878-268B-B07887951991}"/>
-          </ac:spMkLst>
-        </pc:spChg>
-        <pc:spChg chg="add del">
-          <ac:chgData name="佐藤　寛也" userId="27837c8b-abaf-4096-b544-58e4cbe7054e" providerId="ADAL" clId="{193E6E28-8FC8-4E23-B702-0C05D06AA1DC}" dt="2024-09-04T09:00:50.814" v="3692" actId="478"/>
-          <ac:spMkLst>
-            <pc:docMk/>
-            <pc:sldMk cId="2659024569" sldId="1416"/>
-            <ac:spMk id="11" creationId="{EC954807-6560-AE57-95E7-F82A857C931C}"/>
-          </ac:spMkLst>
-        </pc:spChg>
-        <pc:spChg chg="add del mod">
-          <ac:chgData name="佐藤　寛也" userId="27837c8b-abaf-4096-b544-58e4cbe7054e" providerId="ADAL" clId="{193E6E28-8FC8-4E23-B702-0C05D06AA1DC}" dt="2024-09-04T08:58:20.757" v="3664" actId="478"/>
-          <ac:spMkLst>
-            <pc:docMk/>
-            <pc:sldMk cId="2659024569" sldId="1416"/>
-            <ac:spMk id="13" creationId="{C9FAFFB9-93D0-9D7D-D9B0-A6C80D67F416}"/>
-          </ac:spMkLst>
-        </pc:spChg>
-        <pc:spChg chg="add del">
-          <ac:chgData name="佐藤　寛也" userId="27837c8b-abaf-4096-b544-58e4cbe7054e" providerId="ADAL" clId="{193E6E28-8FC8-4E23-B702-0C05D06AA1DC}" dt="2024-09-04T05:13:56.666" v="2409" actId="478"/>
-          <ac:spMkLst>
-            <pc:docMk/>
-            <pc:sldMk cId="2659024569" sldId="1416"/>
-            <ac:spMk id="14" creationId="{24A21E9B-281D-BAE1-5699-0129DD7E86D7}"/>
-          </ac:spMkLst>
-        </pc:spChg>
-        <pc:spChg chg="add mod">
-          <ac:chgData name="佐藤　寛也" userId="27837c8b-abaf-4096-b544-58e4cbe7054e" providerId="ADAL" clId="{193E6E28-8FC8-4E23-B702-0C05D06AA1DC}" dt="2024-09-04T09:00:10.862" v="3685" actId="1582"/>
-          <ac:spMkLst>
-            <pc:docMk/>
-            <pc:sldMk cId="2659024569" sldId="1416"/>
-            <ac:spMk id="14" creationId="{83E5FD2B-71A6-0378-E492-304B82034893}"/>
-          </ac:spMkLst>
-        </pc:spChg>
-        <pc:spChg chg="add del mod">
-          <ac:chgData name="佐藤　寛也" userId="27837c8b-abaf-4096-b544-58e4cbe7054e" providerId="ADAL" clId="{193E6E28-8FC8-4E23-B702-0C05D06AA1DC}" dt="2024-09-04T08:58:56.886" v="3667" actId="478"/>
-          <ac:spMkLst>
-            <pc:docMk/>
-            <pc:sldMk cId="2659024569" sldId="1416"/>
-            <ac:spMk id="15" creationId="{737D231C-57B1-052C-82D1-E71DAE8BC95E}"/>
-          </ac:spMkLst>
-        </pc:spChg>
-        <pc:spChg chg="add mod ord">
-          <ac:chgData name="佐藤　寛也" userId="27837c8b-abaf-4096-b544-58e4cbe7054e" providerId="ADAL" clId="{193E6E28-8FC8-4E23-B702-0C05D06AA1DC}" dt="2024-09-04T09:48:25.210" v="3915" actId="1076"/>
-          <ac:spMkLst>
-            <pc:docMk/>
-            <pc:sldMk cId="2659024569" sldId="1416"/>
-            <ac:spMk id="16" creationId="{EFB4FFCD-A85F-5C00-D4CC-44B23EEB4F38}"/>
-          </ac:spMkLst>
-        </pc:spChg>
-        <pc:spChg chg="add mod">
-          <ac:chgData name="佐藤　寛也" userId="27837c8b-abaf-4096-b544-58e4cbe7054e" providerId="ADAL" clId="{193E6E28-8FC8-4E23-B702-0C05D06AA1DC}" dt="2024-09-04T09:00:10.862" v="3685" actId="1582"/>
-          <ac:spMkLst>
-            <pc:docMk/>
-            <pc:sldMk cId="2659024569" sldId="1416"/>
-            <ac:spMk id="17" creationId="{7198A0E0-FA17-4F47-CC3C-17A4C6473590}"/>
-          </ac:spMkLst>
-        </pc:spChg>
-        <pc:spChg chg="add mod">
-          <ac:chgData name="佐藤　寛也" userId="27837c8b-abaf-4096-b544-58e4cbe7054e" providerId="ADAL" clId="{193E6E28-8FC8-4E23-B702-0C05D06AA1DC}" dt="2024-09-04T09:49:12.272" v="3929" actId="14100"/>
-          <ac:spMkLst>
-            <pc:docMk/>
-            <pc:sldMk cId="2659024569" sldId="1416"/>
-            <ac:spMk id="18" creationId="{F95050BD-DCBF-1534-F37F-004F44F94704}"/>
-          </ac:spMkLst>
-        </pc:spChg>
-        <pc:spChg chg="add del">
-          <ac:chgData name="佐藤　寛也" userId="27837c8b-abaf-4096-b544-58e4cbe7054e" providerId="ADAL" clId="{193E6E28-8FC8-4E23-B702-0C05D06AA1DC}" dt="2024-09-04T05:31:20.738" v="2568" actId="478"/>
-          <ac:spMkLst>
-            <pc:docMk/>
-            <pc:sldMk cId="2659024569" sldId="1416"/>
-            <ac:spMk id="19" creationId="{5FE85ED1-60EF-6CFE-69F9-AB9F31A57623}"/>
-          </ac:spMkLst>
-        </pc:spChg>
-        <pc:spChg chg="add del mod">
-          <ac:chgData name="佐藤　寛也" userId="27837c8b-abaf-4096-b544-58e4cbe7054e" providerId="ADAL" clId="{193E6E28-8FC8-4E23-B702-0C05D06AA1DC}" dt="2024-09-04T08:58:59.870" v="3669" actId="478"/>
-          <ac:spMkLst>
-            <pc:docMk/>
-            <pc:sldMk cId="2659024569" sldId="1416"/>
-            <ac:spMk id="20" creationId="{489AB132-9C77-A190-1410-C672627C3BC9}"/>
-          </ac:spMkLst>
-        </pc:spChg>
-        <pc:graphicFrameChg chg="add mod modGraphic">
-          <ac:chgData name="佐藤　寛也" userId="27837c8b-abaf-4096-b544-58e4cbe7054e" providerId="ADAL" clId="{193E6E28-8FC8-4E23-B702-0C05D06AA1DC}" dt="2024-09-04T09:49:06" v="3928" actId="20577"/>
-          <ac:graphicFrameMkLst>
-            <pc:docMk/>
-            <pc:sldMk cId="2659024569" sldId="1416"/>
-            <ac:graphicFrameMk id="7" creationId="{CD95F47B-724F-6E0A-C103-DA07593C0894}"/>
-          </ac:graphicFrameMkLst>
-        </pc:graphicFrameChg>
-        <pc:cxnChg chg="add mod">
-          <ac:chgData name="佐藤　寛也" userId="27837c8b-abaf-4096-b544-58e4cbe7054e" providerId="ADAL" clId="{193E6E28-8FC8-4E23-B702-0C05D06AA1DC}" dt="2024-09-04T08:58:24.934" v="3665" actId="1076"/>
-          <ac:cxnSpMkLst>
-            <pc:docMk/>
-            <pc:sldMk cId="2659024569" sldId="1416"/>
-            <ac:cxnSpMk id="12" creationId="{9ABD69E2-4E9C-0E2E-84B6-5DA2730856E6}"/>
-          </ac:cxnSpMkLst>
-        </pc:cxnChg>
-        <pc:cxnChg chg="add del mod">
-          <ac:chgData name="佐藤　寛也" userId="27837c8b-abaf-4096-b544-58e4cbe7054e" providerId="ADAL" clId="{193E6E28-8FC8-4E23-B702-0C05D06AA1DC}" dt="2024-09-04T05:32:40.519" v="2578" actId="478"/>
-          <ac:cxnSpMkLst>
-            <pc:docMk/>
-            <pc:sldMk cId="2659024569" sldId="1416"/>
-            <ac:cxnSpMk id="22" creationId="{93760CA7-D477-1AFC-DC56-17CA2DD8F8AE}"/>
-          </ac:cxnSpMkLst>
-        </pc:cxnChg>
-        <pc:cxnChg chg="add del mod">
-          <ac:chgData name="佐藤　寛也" userId="27837c8b-abaf-4096-b544-58e4cbe7054e" providerId="ADAL" clId="{193E6E28-8FC8-4E23-B702-0C05D06AA1DC}" dt="2024-09-04T05:33:30.156" v="2594" actId="478"/>
-          <ac:cxnSpMkLst>
-            <pc:docMk/>
-            <pc:sldMk cId="2659024569" sldId="1416"/>
-            <ac:cxnSpMk id="24" creationId="{E6EFFAFD-24F5-2911-501B-D6DD35B54BF4}"/>
-          </ac:cxnSpMkLst>
-        </pc:cxnChg>
-        <pc:cxnChg chg="add del mod">
-          <ac:chgData name="佐藤　寛也" userId="27837c8b-abaf-4096-b544-58e4cbe7054e" providerId="ADAL" clId="{193E6E28-8FC8-4E23-B702-0C05D06AA1DC}" dt="2024-09-04T05:33:30.156" v="2594" actId="478"/>
-          <ac:cxnSpMkLst>
-            <pc:docMk/>
-            <pc:sldMk cId="2659024569" sldId="1416"/>
-            <ac:cxnSpMk id="25" creationId="{04C03AAB-188C-EF47-EA9E-7FE853030626}"/>
-          </ac:cxnSpMkLst>
-        </pc:cxnChg>
-      </pc:sldChg>
-      <pc:sldChg chg="addSp delSp modSp new mod ord">
-        <pc:chgData name="佐藤　寛也" userId="27837c8b-abaf-4096-b544-58e4cbe7054e" providerId="ADAL" clId="{193E6E28-8FC8-4E23-B702-0C05D06AA1DC}" dt="2024-09-05T08:29:43.315" v="4214" actId="404"/>
-        <pc:sldMkLst>
-          <pc:docMk/>
-          <pc:sldMk cId="2127359854" sldId="1417"/>
-        </pc:sldMkLst>
-        <pc:spChg chg="mod">
-          <ac:chgData name="佐藤　寛也" userId="27837c8b-abaf-4096-b544-58e4cbe7054e" providerId="ADAL" clId="{193E6E28-8FC8-4E23-B702-0C05D06AA1DC}" dt="2024-09-05T08:29:43.315" v="4214" actId="404"/>
-          <ac:spMkLst>
-            <pc:docMk/>
-            <pc:sldMk cId="2127359854" sldId="1417"/>
-            <ac:spMk id="2" creationId="{DAA4631E-08C4-0E32-119E-7BC58AE9E790}"/>
-          </ac:spMkLst>
-        </pc:spChg>
-        <pc:spChg chg="del">
-          <ac:chgData name="佐藤　寛也" userId="27837c8b-abaf-4096-b544-58e4cbe7054e" providerId="ADAL" clId="{193E6E28-8FC8-4E23-B702-0C05D06AA1DC}" dt="2024-09-04T07:37:08.332" v="2656" actId="22"/>
-          <ac:spMkLst>
-            <pc:docMk/>
-            <pc:sldMk cId="2127359854" sldId="1417"/>
-            <ac:spMk id="3" creationId="{252A3F36-8C80-225E-866F-3D1B3DF48EDB}"/>
-          </ac:spMkLst>
-        </pc:spChg>
-        <pc:spChg chg="add del mod">
-          <ac:chgData name="佐藤　寛也" userId="27837c8b-abaf-4096-b544-58e4cbe7054e" providerId="ADAL" clId="{193E6E28-8FC8-4E23-B702-0C05D06AA1DC}" dt="2024-09-04T07:38:40.564" v="2660"/>
-          <ac:spMkLst>
-            <pc:docMk/>
-            <pc:sldMk cId="2127359854" sldId="1417"/>
-            <ac:spMk id="10" creationId="{4C2031B0-DD10-1B23-9960-F9709784CDCC}"/>
-          </ac:spMkLst>
-        </pc:spChg>
-        <pc:spChg chg="add del mod">
-          <ac:chgData name="佐藤　寛也" userId="27837c8b-abaf-4096-b544-58e4cbe7054e" providerId="ADAL" clId="{193E6E28-8FC8-4E23-B702-0C05D06AA1DC}" dt="2024-09-04T08:09:37.558" v="3576" actId="478"/>
-          <ac:spMkLst>
-            <pc:docMk/>
-            <pc:sldMk cId="2127359854" sldId="1417"/>
-            <ac:spMk id="15" creationId="{1B436B85-723F-9246-41D2-7AB66B80A298}"/>
-          </ac:spMkLst>
-        </pc:spChg>
-        <pc:spChg chg="add del mod">
-          <ac:chgData name="佐藤　寛也" userId="27837c8b-abaf-4096-b544-58e4cbe7054e" providerId="ADAL" clId="{193E6E28-8FC8-4E23-B702-0C05D06AA1DC}" dt="2024-09-04T08:09:57.866" v="3584" actId="1038"/>
-          <ac:spMkLst>
-            <pc:docMk/>
-            <pc:sldMk cId="2127359854" sldId="1417"/>
-            <ac:spMk id="16" creationId="{F0DC19EE-563C-180A-EDB8-2801DB7236FB}"/>
-          </ac:spMkLst>
-        </pc:spChg>
-        <pc:spChg chg="add del mod">
-          <ac:chgData name="佐藤　寛也" userId="27837c8b-abaf-4096-b544-58e4cbe7054e" providerId="ADAL" clId="{193E6E28-8FC8-4E23-B702-0C05D06AA1DC}" dt="2024-09-04T08:09:49.184" v="3580" actId="1037"/>
-          <ac:spMkLst>
-            <pc:docMk/>
-            <pc:sldMk cId="2127359854" sldId="1417"/>
-            <ac:spMk id="17" creationId="{F6CDBF55-FAF5-C3A5-F438-B2CC04200004}"/>
-          </ac:spMkLst>
-        </pc:spChg>
-        <pc:spChg chg="add del mod">
-          <ac:chgData name="佐藤　寛也" userId="27837c8b-abaf-4096-b544-58e4cbe7054e" providerId="ADAL" clId="{193E6E28-8FC8-4E23-B702-0C05D06AA1DC}" dt="2024-09-04T08:09:37.558" v="3576" actId="478"/>
-          <ac:spMkLst>
-            <pc:docMk/>
-            <pc:sldMk cId="2127359854" sldId="1417"/>
-            <ac:spMk id="18" creationId="{7D73C95A-4B95-38BC-C5FB-1DA717401B3A}"/>
-          </ac:spMkLst>
-        </pc:spChg>
-        <pc:spChg chg="add del mod">
-          <ac:chgData name="佐藤　寛也" userId="27837c8b-abaf-4096-b544-58e4cbe7054e" providerId="ADAL" clId="{193E6E28-8FC8-4E23-B702-0C05D06AA1DC}" dt="2024-09-04T08:09:37.558" v="3576" actId="478"/>
-          <ac:spMkLst>
-            <pc:docMk/>
-            <pc:sldMk cId="2127359854" sldId="1417"/>
-            <ac:spMk id="19" creationId="{E6D588E6-CD39-D225-38E8-F9B83EEAEFF6}"/>
-          </ac:spMkLst>
-        </pc:spChg>
-        <pc:spChg chg="add del mod">
-          <ac:chgData name="佐藤　寛也" userId="27837c8b-abaf-4096-b544-58e4cbe7054e" providerId="ADAL" clId="{193E6E28-8FC8-4E23-B702-0C05D06AA1DC}" dt="2024-09-04T07:42:46.842" v="2719" actId="478"/>
-          <ac:spMkLst>
-            <pc:docMk/>
-            <pc:sldMk cId="2127359854" sldId="1417"/>
-            <ac:spMk id="20" creationId="{91D86F52-C6FB-F093-100D-85CC93896535}"/>
-          </ac:spMkLst>
-        </pc:spChg>
-        <pc:spChg chg="add del mod">
-          <ac:chgData name="佐藤　寛也" userId="27837c8b-abaf-4096-b544-58e4cbe7054e" providerId="ADAL" clId="{193E6E28-8FC8-4E23-B702-0C05D06AA1DC}" dt="2024-09-04T08:09:49.184" v="3580" actId="1037"/>
-          <ac:spMkLst>
-            <pc:docMk/>
-            <pc:sldMk cId="2127359854" sldId="1417"/>
-            <ac:spMk id="21" creationId="{CE68ECF9-A3C0-9DF9-5DC0-3D511E49790E}"/>
-          </ac:spMkLst>
-        </pc:spChg>
-        <pc:spChg chg="add mod">
-          <ac:chgData name="佐藤　寛也" userId="27837c8b-abaf-4096-b544-58e4cbe7054e" providerId="ADAL" clId="{193E6E28-8FC8-4E23-B702-0C05D06AA1DC}" dt="2024-09-04T08:11:50.124" v="3597" actId="1035"/>
-          <ac:spMkLst>
-            <pc:docMk/>
-            <pc:sldMk cId="2127359854" sldId="1417"/>
-            <ac:spMk id="24" creationId="{2B40E22E-15C3-4952-0BF7-702C427E19CE}"/>
-          </ac:spMkLst>
-        </pc:spChg>
-        <pc:spChg chg="add del">
-          <ac:chgData name="佐藤　寛也" userId="27837c8b-abaf-4096-b544-58e4cbe7054e" providerId="ADAL" clId="{193E6E28-8FC8-4E23-B702-0C05D06AA1DC}" dt="2024-09-04T08:12:52.715" v="3608" actId="478"/>
-          <ac:spMkLst>
-            <pc:docMk/>
-            <pc:sldMk cId="2127359854" sldId="1417"/>
-            <ac:spMk id="25" creationId="{183742CF-9441-BA83-FB9A-F2DDA2CBFA39}"/>
-          </ac:spMkLst>
-        </pc:spChg>
-        <pc:picChg chg="add del mod ord">
-          <ac:chgData name="佐藤　寛也" userId="27837c8b-abaf-4096-b544-58e4cbe7054e" providerId="ADAL" clId="{193E6E28-8FC8-4E23-B702-0C05D06AA1DC}" dt="2024-09-04T07:37:18.233" v="2657" actId="478"/>
-          <ac:picMkLst>
-            <pc:docMk/>
-            <pc:sldMk cId="2127359854" sldId="1417"/>
-            <ac:picMk id="8" creationId="{37B379B1-4905-AB49-73B3-C2073B5E502D}"/>
-          </ac:picMkLst>
-        </pc:picChg>
-        <pc:picChg chg="add del">
-          <ac:chgData name="佐藤　寛也" userId="27837c8b-abaf-4096-b544-58e4cbe7054e" providerId="ADAL" clId="{193E6E28-8FC8-4E23-B702-0C05D06AA1DC}" dt="2024-09-04T07:37:23.214" v="2659" actId="22"/>
-          <ac:picMkLst>
-            <pc:docMk/>
-            <pc:sldMk cId="2127359854" sldId="1417"/>
-            <ac:picMk id="12" creationId="{B94B05BA-3117-3F4B-EDDE-CB6EFF0155D7}"/>
-          </ac:picMkLst>
-        </pc:picChg>
-        <pc:picChg chg="add mod">
-          <ac:chgData name="佐藤　寛也" userId="27837c8b-abaf-4096-b544-58e4cbe7054e" providerId="ADAL" clId="{193E6E28-8FC8-4E23-B702-0C05D06AA1DC}" dt="2024-09-04T08:09:25.360" v="3575" actId="1076"/>
-          <ac:picMkLst>
-            <pc:docMk/>
-            <pc:sldMk cId="2127359854" sldId="1417"/>
-            <ac:picMk id="14" creationId="{211F2B1D-9AEE-6A59-7CE4-771E01313C47}"/>
-          </ac:picMkLst>
-        </pc:picChg>
-        <pc:picChg chg="add mod">
-          <ac:chgData name="佐藤　寛也" userId="27837c8b-abaf-4096-b544-58e4cbe7054e" providerId="ADAL" clId="{193E6E28-8FC8-4E23-B702-0C05D06AA1DC}" dt="2024-09-04T08:11:28.293" v="3591" actId="1076"/>
-          <ac:picMkLst>
-            <pc:docMk/>
-            <pc:sldMk cId="2127359854" sldId="1417"/>
-            <ac:picMk id="23" creationId="{956AA407-9D39-7C11-4329-63DF6CE12F99}"/>
-          </ac:picMkLst>
-        </pc:picChg>
-        <pc:cxnChg chg="add mod">
-          <ac:chgData name="佐藤　寛也" userId="27837c8b-abaf-4096-b544-58e4cbe7054e" providerId="ADAL" clId="{193E6E28-8FC8-4E23-B702-0C05D06AA1DC}" dt="2024-09-04T08:13:08.185" v="3615" actId="692"/>
-          <ac:cxnSpMkLst>
-            <pc:docMk/>
-            <pc:sldMk cId="2127359854" sldId="1417"/>
-            <ac:cxnSpMk id="27" creationId="{F4C1438F-47D9-3EA6-3269-4033E5F7EE56}"/>
-          </ac:cxnSpMkLst>
-        </pc:cxnChg>
-      </pc:sldChg>
-      <pc:sldChg chg="addSp delSp modSp add mod ord">
-        <pc:chgData name="佐藤　寛也" userId="27837c8b-abaf-4096-b544-58e4cbe7054e" providerId="ADAL" clId="{193E6E28-8FC8-4E23-B702-0C05D06AA1DC}" dt="2024-09-04T08:12:42.740" v="3606" actId="14100"/>
-        <pc:sldMkLst>
-          <pc:docMk/>
-          <pc:sldMk cId="2473131799" sldId="1418"/>
-        </pc:sldMkLst>
-        <pc:spChg chg="mod">
-          <ac:chgData name="佐藤　寛也" userId="27837c8b-abaf-4096-b544-58e4cbe7054e" providerId="ADAL" clId="{193E6E28-8FC8-4E23-B702-0C05D06AA1DC}" dt="2024-09-04T08:08:23.854" v="3569" actId="20577"/>
-          <ac:spMkLst>
-            <pc:docMk/>
-            <pc:sldMk cId="2473131799" sldId="1418"/>
-            <ac:spMk id="2" creationId="{DAA4631E-08C4-0E32-119E-7BC58AE9E790}"/>
-          </ac:spMkLst>
-        </pc:spChg>
-        <pc:spChg chg="add del mod">
-          <ac:chgData name="佐藤　寛也" userId="27837c8b-abaf-4096-b544-58e4cbe7054e" providerId="ADAL" clId="{193E6E28-8FC8-4E23-B702-0C05D06AA1DC}" dt="2024-09-04T07:44:38.351" v="2736" actId="478"/>
-          <ac:spMkLst>
-            <pc:docMk/>
-            <pc:sldMk cId="2473131799" sldId="1418"/>
-            <ac:spMk id="9" creationId="{43D47544-F5D1-66EF-C3C8-06B4B9967E9F}"/>
-          </ac:spMkLst>
-        </pc:spChg>
-        <pc:spChg chg="add del mod">
-          <ac:chgData name="佐藤　寛也" userId="27837c8b-abaf-4096-b544-58e4cbe7054e" providerId="ADAL" clId="{193E6E28-8FC8-4E23-B702-0C05D06AA1DC}" dt="2024-09-04T07:44:41.186" v="2738" actId="478"/>
-          <ac:spMkLst>
-            <pc:docMk/>
-            <pc:sldMk cId="2473131799" sldId="1418"/>
-            <ac:spMk id="11" creationId="{E8AD554F-9F8D-E11D-EC7C-7219897858B2}"/>
-          </ac:spMkLst>
-        </pc:spChg>
-        <pc:spChg chg="add del mod">
-          <ac:chgData name="佐藤　寛也" userId="27837c8b-abaf-4096-b544-58e4cbe7054e" providerId="ADAL" clId="{193E6E28-8FC8-4E23-B702-0C05D06AA1DC}" dt="2024-09-04T07:44:45.271" v="2740" actId="478"/>
-          <ac:spMkLst>
-            <pc:docMk/>
-            <pc:sldMk cId="2473131799" sldId="1418"/>
-            <ac:spMk id="13" creationId="{E230B75D-07D4-D7C7-2821-3CCCAF092EF3}"/>
-          </ac:spMkLst>
-        </pc:spChg>
-        <pc:spChg chg="mod">
-          <ac:chgData name="佐藤　寛也" userId="27837c8b-abaf-4096-b544-58e4cbe7054e" providerId="ADAL" clId="{193E6E28-8FC8-4E23-B702-0C05D06AA1DC}" dt="2024-09-04T07:45:09.601" v="2749" actId="1076"/>
-          <ac:spMkLst>
-            <pc:docMk/>
-            <pc:sldMk cId="2473131799" sldId="1418"/>
-            <ac:spMk id="15" creationId="{1B436B85-723F-9246-41D2-7AB66B80A298}"/>
-          </ac:spMkLst>
-        </pc:spChg>
-        <pc:spChg chg="del">
-          <ac:chgData name="佐藤　寛也" userId="27837c8b-abaf-4096-b544-58e4cbe7054e" providerId="ADAL" clId="{193E6E28-8FC8-4E23-B702-0C05D06AA1DC}" dt="2024-09-04T07:45:04.902" v="2748" actId="478"/>
-          <ac:spMkLst>
-            <pc:docMk/>
-            <pc:sldMk cId="2473131799" sldId="1418"/>
-            <ac:spMk id="16" creationId="{F0DC19EE-563C-180A-EDB8-2801DB7236FB}"/>
-          </ac:spMkLst>
-        </pc:spChg>
-        <pc:spChg chg="del">
-          <ac:chgData name="佐藤　寛也" userId="27837c8b-abaf-4096-b544-58e4cbe7054e" providerId="ADAL" clId="{193E6E28-8FC8-4E23-B702-0C05D06AA1DC}" dt="2024-09-04T07:45:04.902" v="2748" actId="478"/>
-          <ac:spMkLst>
-            <pc:docMk/>
-            <pc:sldMk cId="2473131799" sldId="1418"/>
-            <ac:spMk id="17" creationId="{F6CDBF55-FAF5-C3A5-F438-B2CC04200004}"/>
-          </ac:spMkLst>
-        </pc:spChg>
-        <pc:spChg chg="mod">
-          <ac:chgData name="佐藤　寛也" userId="27837c8b-abaf-4096-b544-58e4cbe7054e" providerId="ADAL" clId="{193E6E28-8FC8-4E23-B702-0C05D06AA1DC}" dt="2024-09-04T08:09:08.258" v="3573" actId="1076"/>
-          <ac:spMkLst>
-            <pc:docMk/>
-            <pc:sldMk cId="2473131799" sldId="1418"/>
-            <ac:spMk id="18" creationId="{7D73C95A-4B95-38BC-C5FB-1DA717401B3A}"/>
-          </ac:spMkLst>
-        </pc:spChg>
-        <pc:spChg chg="mod">
-          <ac:chgData name="佐藤　寛也" userId="27837c8b-abaf-4096-b544-58e4cbe7054e" providerId="ADAL" clId="{193E6E28-8FC8-4E23-B702-0C05D06AA1DC}" dt="2024-09-04T07:45:09.601" v="2749" actId="1076"/>
-          <ac:spMkLst>
-            <pc:docMk/>
-            <pc:sldMk cId="2473131799" sldId="1418"/>
-            <ac:spMk id="19" creationId="{E6D588E6-CD39-D225-38E8-F9B83EEAEFF6}"/>
-          </ac:spMkLst>
-        </pc:spChg>
-        <pc:spChg chg="del">
-          <ac:chgData name="佐藤　寛也" userId="27837c8b-abaf-4096-b544-58e4cbe7054e" providerId="ADAL" clId="{193E6E28-8FC8-4E23-B702-0C05D06AA1DC}" dt="2024-09-04T07:45:04.902" v="2748" actId="478"/>
-          <ac:spMkLst>
-            <pc:docMk/>
-            <pc:sldMk cId="2473131799" sldId="1418"/>
-            <ac:spMk id="21" creationId="{CE68ECF9-A3C0-9DF9-5DC0-3D511E49790E}"/>
-          </ac:spMkLst>
-        </pc:spChg>
-        <pc:spChg chg="add del mod">
-          <ac:chgData name="佐藤　寛也" userId="27837c8b-abaf-4096-b544-58e4cbe7054e" providerId="ADAL" clId="{193E6E28-8FC8-4E23-B702-0C05D06AA1DC}" dt="2024-09-04T07:44:54.188" v="2745"/>
-          <ac:spMkLst>
-            <pc:docMk/>
-            <pc:sldMk cId="2473131799" sldId="1418"/>
-            <ac:spMk id="22" creationId="{4CA4ACC5-CFE4-1E84-A15B-A0604E8958B4}"/>
-          </ac:spMkLst>
-        </pc:spChg>
-        <pc:spChg chg="add mod">
-          <ac:chgData name="佐藤　寛也" userId="27837c8b-abaf-4096-b544-58e4cbe7054e" providerId="ADAL" clId="{193E6E28-8FC8-4E23-B702-0C05D06AA1DC}" dt="2024-09-04T08:11:59.397" v="3600" actId="14100"/>
-          <ac:spMkLst>
-            <pc:docMk/>
-            <pc:sldMk cId="2473131799" sldId="1418"/>
-            <ac:spMk id="25" creationId="{1A1A300E-1CB5-6469-5262-841788DA66BD}"/>
-          </ac:spMkLst>
-        </pc:spChg>
-        <pc:spChg chg="add mod">
-          <ac:chgData name="佐藤　寛也" userId="27837c8b-abaf-4096-b544-58e4cbe7054e" providerId="ADAL" clId="{193E6E28-8FC8-4E23-B702-0C05D06AA1DC}" dt="2024-09-04T08:12:42.740" v="3606" actId="14100"/>
-          <ac:spMkLst>
-            <pc:docMk/>
-            <pc:sldMk cId="2473131799" sldId="1418"/>
-            <ac:spMk id="26" creationId="{75D3F8DF-B853-F8F8-9105-1D48DB735745}"/>
-          </ac:spMkLst>
-        </pc:spChg>
-        <pc:picChg chg="mod">
-          <ac:chgData name="佐藤　寛也" userId="27837c8b-abaf-4096-b544-58e4cbe7054e" providerId="ADAL" clId="{193E6E28-8FC8-4E23-B702-0C05D06AA1DC}" dt="2024-09-04T08:10:10.168" v="3585" actId="1076"/>
-          <ac:picMkLst>
-            <pc:docMk/>
-            <pc:sldMk cId="2473131799" sldId="1418"/>
-            <ac:picMk id="3" creationId="{45F7C8BB-D72F-C945-B7FD-81F0902BB732}"/>
-          </ac:picMkLst>
-        </pc:picChg>
-        <pc:picChg chg="add del mod ord">
-          <ac:chgData name="佐藤　寛也" userId="27837c8b-abaf-4096-b544-58e4cbe7054e" providerId="ADAL" clId="{193E6E28-8FC8-4E23-B702-0C05D06AA1DC}" dt="2024-09-04T07:44:46.996" v="2743" actId="478"/>
-          <ac:picMkLst>
-            <pc:docMk/>
-            <pc:sldMk cId="2473131799" sldId="1418"/>
-            <ac:picMk id="7" creationId="{A7CAC9B1-1AB9-DAAA-3172-DC26DD4C7641}"/>
-          </ac:picMkLst>
-        </pc:picChg>
-        <pc:picChg chg="add del mod">
-          <ac:chgData name="佐藤　寛也" userId="27837c8b-abaf-4096-b544-58e4cbe7054e" providerId="ADAL" clId="{193E6E28-8FC8-4E23-B702-0C05D06AA1DC}" dt="2024-09-04T07:44:48.358" v="2744" actId="478"/>
-          <ac:picMkLst>
-            <pc:docMk/>
-            <pc:sldMk cId="2473131799" sldId="1418"/>
-            <ac:picMk id="14" creationId="{211F2B1D-9AEE-6A59-7CE4-771E01313C47}"/>
-          </ac:picMkLst>
-        </pc:picChg>
-        <pc:picChg chg="add mod ord">
-          <ac:chgData name="佐藤　寛也" userId="27837c8b-abaf-4096-b544-58e4cbe7054e" providerId="ADAL" clId="{193E6E28-8FC8-4E23-B702-0C05D06AA1DC}" dt="2024-09-04T07:44:58.198" v="2747" actId="167"/>
-          <ac:picMkLst>
-            <pc:docMk/>
-            <pc:sldMk cId="2473131799" sldId="1418"/>
-            <ac:picMk id="24" creationId="{61796372-4A04-4435-7FD8-7EBAC9111186}"/>
-          </ac:picMkLst>
-        </pc:picChg>
-      </pc:sldChg>
-      <pc:sldChg chg="addSp delSp modSp new mod">
-        <pc:chgData name="佐藤　寛也" userId="27837c8b-abaf-4096-b544-58e4cbe7054e" providerId="ADAL" clId="{193E6E28-8FC8-4E23-B702-0C05D06AA1DC}" dt="2024-09-05T08:29:33.101" v="4212" actId="404"/>
-        <pc:sldMkLst>
-          <pc:docMk/>
-          <pc:sldMk cId="280610682" sldId="1419"/>
-        </pc:sldMkLst>
-        <pc:spChg chg="mod">
-          <ac:chgData name="佐藤　寛也" userId="27837c8b-abaf-4096-b544-58e4cbe7054e" providerId="ADAL" clId="{193E6E28-8FC8-4E23-B702-0C05D06AA1DC}" dt="2024-09-05T08:29:33.101" v="4212" actId="404"/>
-          <ac:spMkLst>
-            <pc:docMk/>
-            <pc:sldMk cId="280610682" sldId="1419"/>
-            <ac:spMk id="2" creationId="{616BBF18-2EA3-DF8C-AC99-B7328D4F60C3}"/>
-          </ac:spMkLst>
-        </pc:spChg>
-        <pc:spChg chg="del">
-          <ac:chgData name="佐藤　寛也" userId="27837c8b-abaf-4096-b544-58e4cbe7054e" providerId="ADAL" clId="{193E6E28-8FC8-4E23-B702-0C05D06AA1DC}" dt="2024-09-04T07:49:36.566" v="2757"/>
-          <ac:spMkLst>
-            <pc:docMk/>
-            <pc:sldMk cId="280610682" sldId="1419"/>
-            <ac:spMk id="3" creationId="{38282C82-5977-36DC-546C-B59D9A037010}"/>
-          </ac:spMkLst>
-        </pc:spChg>
-        <pc:spChg chg="add del mod">
-          <ac:chgData name="佐藤　寛也" userId="27837c8b-abaf-4096-b544-58e4cbe7054e" providerId="ADAL" clId="{193E6E28-8FC8-4E23-B702-0C05D06AA1DC}" dt="2024-09-04T07:51:00.076" v="2780" actId="21"/>
-          <ac:spMkLst>
-            <pc:docMk/>
-            <pc:sldMk cId="280610682" sldId="1419"/>
-            <ac:spMk id="9" creationId="{D89255AF-7EC5-8CD7-A46F-17BBBCC60CAD}"/>
-          </ac:spMkLst>
-        </pc:spChg>
-        <pc:spChg chg="add mod">
-          <ac:chgData name="佐藤　寛也" userId="27837c8b-abaf-4096-b544-58e4cbe7054e" providerId="ADAL" clId="{193E6E28-8FC8-4E23-B702-0C05D06AA1DC}" dt="2024-09-04T07:50:38.174" v="2778" actId="1037"/>
-          <ac:spMkLst>
-            <pc:docMk/>
-            <pc:sldMk cId="280610682" sldId="1419"/>
-            <ac:spMk id="10" creationId="{73DF0402-38DC-B08E-5268-777359499633}"/>
-          </ac:spMkLst>
-        </pc:spChg>
-        <pc:spChg chg="add mod">
-          <ac:chgData name="佐藤　寛也" userId="27837c8b-abaf-4096-b544-58e4cbe7054e" providerId="ADAL" clId="{193E6E28-8FC8-4E23-B702-0C05D06AA1DC}" dt="2024-09-04T07:50:31.109" v="2768" actId="1076"/>
-          <ac:spMkLst>
-            <pc:docMk/>
-            <pc:sldMk cId="280610682" sldId="1419"/>
-            <ac:spMk id="11" creationId="{28098476-6517-BB5A-C683-D01771E4CF48}"/>
-          </ac:spMkLst>
-        </pc:spChg>
-        <pc:picChg chg="add mod">
-          <ac:chgData name="佐藤　寛也" userId="27837c8b-abaf-4096-b544-58e4cbe7054e" providerId="ADAL" clId="{193E6E28-8FC8-4E23-B702-0C05D06AA1DC}" dt="2024-09-04T07:49:38.447" v="2758" actId="27614"/>
-          <ac:picMkLst>
-            <pc:docMk/>
-            <pc:sldMk cId="280610682" sldId="1419"/>
-            <ac:picMk id="8" creationId="{715C7BA1-B92C-6F40-BD15-60FA37996BA0}"/>
-          </ac:picMkLst>
-        </pc:picChg>
-      </pc:sldChg>
-      <pc:sldChg chg="addSp delSp modSp new mod">
-        <pc:chgData name="佐藤　寛也" userId="27837c8b-abaf-4096-b544-58e4cbe7054e" providerId="ADAL" clId="{193E6E28-8FC8-4E23-B702-0C05D06AA1DC}" dt="2024-09-06T02:52:08.814" v="5392"/>
-        <pc:sldMkLst>
-          <pc:docMk/>
-          <pc:sldMk cId="2698866615" sldId="1420"/>
-        </pc:sldMkLst>
-        <pc:spChg chg="mod">
-          <ac:chgData name="佐藤　寛也" userId="27837c8b-abaf-4096-b544-58e4cbe7054e" providerId="ADAL" clId="{193E6E28-8FC8-4E23-B702-0C05D06AA1DC}" dt="2024-09-06T02:52:08.498" v="5391" actId="20577"/>
-          <ac:spMkLst>
-            <pc:docMk/>
-            <pc:sldMk cId="2698866615" sldId="1420"/>
-            <ac:spMk id="2" creationId="{3F9BFB1D-6AA6-7123-ED79-C9B8C17397B4}"/>
-          </ac:spMkLst>
-        </pc:spChg>
-        <pc:spChg chg="del">
-          <ac:chgData name="佐藤　寛也" userId="27837c8b-abaf-4096-b544-58e4cbe7054e" providerId="ADAL" clId="{193E6E28-8FC8-4E23-B702-0C05D06AA1DC}" dt="2024-09-04T07:49:49.730" v="2760"/>
-          <ac:spMkLst>
-            <pc:docMk/>
-            <pc:sldMk cId="2698866615" sldId="1420"/>
-            <ac:spMk id="3" creationId="{F7C3B6F9-D0F4-20D6-B4A8-4DFAA5BAC55D}"/>
-          </ac:spMkLst>
-        </pc:spChg>
-        <pc:spChg chg="add mod">
-          <ac:chgData name="佐藤　寛也" userId="27837c8b-abaf-4096-b544-58e4cbe7054e" providerId="ADAL" clId="{193E6E28-8FC8-4E23-B702-0C05D06AA1DC}" dt="2024-09-04T07:51:13.846" v="2784" actId="1038"/>
-          <ac:spMkLst>
-            <pc:docMk/>
-            <pc:sldMk cId="2698866615" sldId="1420"/>
-            <ac:spMk id="9" creationId="{B26D6197-871C-1E39-E761-0892E07E53A6}"/>
-          </ac:spMkLst>
-        </pc:spChg>
-        <pc:spChg chg="add mod">
-          <ac:chgData name="佐藤　寛也" userId="27837c8b-abaf-4096-b544-58e4cbe7054e" providerId="ADAL" clId="{193E6E28-8FC8-4E23-B702-0C05D06AA1DC}" dt="2024-09-04T07:51:41.897" v="2790" actId="14100"/>
-          <ac:spMkLst>
-            <pc:docMk/>
-            <pc:sldMk cId="2698866615" sldId="1420"/>
-            <ac:spMk id="10" creationId="{00728A6A-76A4-E921-26C6-B3AC1D809ABF}"/>
-          </ac:spMkLst>
-        </pc:spChg>
-        <pc:spChg chg="add mod">
-          <ac:chgData name="佐藤　寛也" userId="27837c8b-abaf-4096-b544-58e4cbe7054e" providerId="ADAL" clId="{193E6E28-8FC8-4E23-B702-0C05D06AA1DC}" dt="2024-09-04T07:52:23.301" v="2795" actId="14100"/>
-          <ac:spMkLst>
-            <pc:docMk/>
-            <pc:sldMk cId="2698866615" sldId="1420"/>
-            <ac:spMk id="13" creationId="{F8E4AD28-FD4B-07B4-D706-B62EBE56C381}"/>
-          </ac:spMkLst>
-        </pc:spChg>
-        <pc:spChg chg="add mod">
-          <ac:chgData name="佐藤　寛也" userId="27837c8b-abaf-4096-b544-58e4cbe7054e" providerId="ADAL" clId="{193E6E28-8FC8-4E23-B702-0C05D06AA1DC}" dt="2024-09-04T07:53:31.664" v="2824" actId="1037"/>
-          <ac:spMkLst>
-            <pc:docMk/>
-            <pc:sldMk cId="2698866615" sldId="1420"/>
-            <ac:spMk id="14" creationId="{5EFACEEC-0F13-B200-86A5-264E03635949}"/>
-          </ac:spMkLst>
-        </pc:spChg>
-        <pc:spChg chg="add mod">
-          <ac:chgData name="佐藤　寛也" userId="27837c8b-abaf-4096-b544-58e4cbe7054e" providerId="ADAL" clId="{193E6E28-8FC8-4E23-B702-0C05D06AA1DC}" dt="2024-09-04T07:54:18.573" v="2830" actId="692"/>
-          <ac:spMkLst>
-            <pc:docMk/>
-            <pc:sldMk cId="2698866615" sldId="1420"/>
-            <ac:spMk id="15" creationId="{AAA0F9F2-AF40-2A6D-8B91-1F21711C8A2F}"/>
-          </ac:spMkLst>
-        </pc:spChg>
-        <pc:spChg chg="add mod">
-          <ac:chgData name="佐藤　寛也" userId="27837c8b-abaf-4096-b544-58e4cbe7054e" providerId="ADAL" clId="{193E6E28-8FC8-4E23-B702-0C05D06AA1DC}" dt="2024-09-04T07:54:18.573" v="2830" actId="692"/>
-          <ac:spMkLst>
-            <pc:docMk/>
-            <pc:sldMk cId="2698866615" sldId="1420"/>
-            <ac:spMk id="16" creationId="{3D252DBD-76DE-CD5B-AC7E-9E9D040B595C}"/>
-          </ac:spMkLst>
-        </pc:spChg>
-        <pc:spChg chg="add mod">
-          <ac:chgData name="佐藤　寛也" userId="27837c8b-abaf-4096-b544-58e4cbe7054e" providerId="ADAL" clId="{193E6E28-8FC8-4E23-B702-0C05D06AA1DC}" dt="2024-09-04T08:04:50.184" v="3454" actId="1076"/>
-          <ac:spMkLst>
-            <pc:docMk/>
-            <pc:sldMk cId="2698866615" sldId="1420"/>
-            <ac:spMk id="17" creationId="{7AFE6929-7E40-B2B6-45C8-951BCAF8BF00}"/>
-          </ac:spMkLst>
-        </pc:spChg>
-        <pc:spChg chg="add mod">
-          <ac:chgData name="佐藤　寛也" userId="27837c8b-abaf-4096-b544-58e4cbe7054e" providerId="ADAL" clId="{193E6E28-8FC8-4E23-B702-0C05D06AA1DC}" dt="2024-09-04T07:55:05.736" v="2855" actId="1036"/>
-          <ac:spMkLst>
-            <pc:docMk/>
-            <pc:sldMk cId="2698866615" sldId="1420"/>
-            <ac:spMk id="18" creationId="{51C32DB4-2474-2AE7-3BBE-FC97226E0DB5}"/>
-          </ac:spMkLst>
-        </pc:spChg>
-        <pc:spChg chg="add mod">
-          <ac:chgData name="佐藤　寛也" userId="27837c8b-abaf-4096-b544-58e4cbe7054e" providerId="ADAL" clId="{193E6E28-8FC8-4E23-B702-0C05D06AA1DC}" dt="2024-09-06T02:52:08.814" v="5392"/>
-          <ac:spMkLst>
-            <pc:docMk/>
-            <pc:sldMk cId="2698866615" sldId="1420"/>
-            <ac:spMk id="19" creationId="{A4CBD873-9283-E822-05D7-39E0A0831949}"/>
-          </ac:spMkLst>
-        </pc:spChg>
-        <pc:picChg chg="add mod">
-          <ac:chgData name="佐藤　寛也" userId="27837c8b-abaf-4096-b544-58e4cbe7054e" providerId="ADAL" clId="{193E6E28-8FC8-4E23-B702-0C05D06AA1DC}" dt="2024-09-04T07:51:18.323" v="2787" actId="1076"/>
-          <ac:picMkLst>
-            <pc:docMk/>
-            <pc:sldMk cId="2698866615" sldId="1420"/>
-            <ac:picMk id="8" creationId="{0DCE835E-D41F-1506-D64E-1E7A09A24010}"/>
-          </ac:picMkLst>
-        </pc:picChg>
-        <pc:picChg chg="add mod">
-          <ac:chgData name="佐藤　寛也" userId="27837c8b-abaf-4096-b544-58e4cbe7054e" providerId="ADAL" clId="{193E6E28-8FC8-4E23-B702-0C05D06AA1DC}" dt="2024-09-04T07:53:14.943" v="2812" actId="1582"/>
-          <ac:picMkLst>
-            <pc:docMk/>
-            <pc:sldMk cId="2698866615" sldId="1420"/>
-            <ac:picMk id="12" creationId="{44521B13-CCAB-0F47-2838-D4696DC240A2}"/>
-          </ac:picMkLst>
-        </pc:picChg>
-      </pc:sldChg>
-      <pc:sldChg chg="addSp delSp modSp new mod">
-        <pc:chgData name="佐藤　寛也" userId="27837c8b-abaf-4096-b544-58e4cbe7054e" providerId="ADAL" clId="{193E6E28-8FC8-4E23-B702-0C05D06AA1DC}" dt="2024-09-06T02:38:32.165" v="5317" actId="207"/>
-        <pc:sldMkLst>
-          <pc:docMk/>
-          <pc:sldMk cId="1866858908" sldId="1421"/>
-        </pc:sldMkLst>
-        <pc:spChg chg="mod">
-          <ac:chgData name="佐藤　寛也" userId="27837c8b-abaf-4096-b544-58e4cbe7054e" providerId="ADAL" clId="{193E6E28-8FC8-4E23-B702-0C05D06AA1DC}" dt="2024-09-04T08:05:31.968" v="3456" actId="20577"/>
-          <ac:spMkLst>
-            <pc:docMk/>
-            <pc:sldMk cId="1866858908" sldId="1421"/>
-            <ac:spMk id="5" creationId="{01B5EB9C-C463-9341-554C-9D7DF7264B33}"/>
-          </ac:spMkLst>
-        </pc:spChg>
-        <pc:spChg chg="mod">
-          <ac:chgData name="佐藤　寛也" userId="27837c8b-abaf-4096-b544-58e4cbe7054e" providerId="ADAL" clId="{193E6E28-8FC8-4E23-B702-0C05D06AA1DC}" dt="2024-09-06T02:38:32.165" v="5317" actId="207"/>
-          <ac:spMkLst>
-            <pc:docMk/>
-            <pc:sldMk cId="1866858908" sldId="1421"/>
-            <ac:spMk id="6" creationId="{22083119-FBF2-9464-4116-E981DDB743E8}"/>
-          </ac:spMkLst>
-        </pc:spChg>
-        <pc:spChg chg="add del mod">
-          <ac:chgData name="佐藤　寛也" userId="27837c8b-abaf-4096-b544-58e4cbe7054e" providerId="ADAL" clId="{193E6E28-8FC8-4E23-B702-0C05D06AA1DC}" dt="2024-09-04T10:24:04.095" v="4023" actId="478"/>
-          <ac:spMkLst>
-            <pc:docMk/>
-            <pc:sldMk cId="1866858908" sldId="1421"/>
-            <ac:spMk id="7" creationId="{86C96E61-6BB2-D9A8-9829-B161E79B128F}"/>
-          </ac:spMkLst>
-        </pc:spChg>
-      </pc:sldChg>
-      <pc:sldChg chg="modSp mod">
-        <pc:chgData name="佐藤　寛也" userId="27837c8b-abaf-4096-b544-58e4cbe7054e" providerId="ADAL" clId="{193E6E28-8FC8-4E23-B702-0C05D06AA1DC}" dt="2024-09-05T08:36:13.869" v="4245" actId="2710"/>
-        <pc:sldMkLst>
-          <pc:docMk/>
-          <pc:sldMk cId="393741535" sldId="1422"/>
-        </pc:sldMkLst>
-        <pc:spChg chg="mod">
-          <ac:chgData name="佐藤　寛也" userId="27837c8b-abaf-4096-b544-58e4cbe7054e" providerId="ADAL" clId="{193E6E28-8FC8-4E23-B702-0C05D06AA1DC}" dt="2024-09-05T08:36:13.869" v="4245" actId="2710"/>
-          <ac:spMkLst>
-            <pc:docMk/>
-            <pc:sldMk cId="393741535" sldId="1422"/>
-            <ac:spMk id="3" creationId="{F68775E6-F813-17B7-0CC8-EF53F6F34CDC}"/>
-          </ac:spMkLst>
-        </pc:spChg>
-      </pc:sldChg>
-      <pc:sldChg chg="addSp delSp modSp new mod">
-        <pc:chgData name="佐藤　寛也" userId="27837c8b-abaf-4096-b544-58e4cbe7054e" providerId="ADAL" clId="{193E6E28-8FC8-4E23-B702-0C05D06AA1DC}" dt="2024-09-06T02:33:20.795" v="5284"/>
-        <pc:sldMkLst>
-          <pc:docMk/>
-          <pc:sldMk cId="2964385537" sldId="1423"/>
-        </pc:sldMkLst>
-        <pc:spChg chg="del">
-          <ac:chgData name="佐藤　寛也" userId="27837c8b-abaf-4096-b544-58e4cbe7054e" providerId="ADAL" clId="{193E6E28-8FC8-4E23-B702-0C05D06AA1DC}" dt="2024-09-05T08:18:35.592" v="4026" actId="478"/>
-          <ac:spMkLst>
-            <pc:docMk/>
-            <pc:sldMk cId="2964385537" sldId="1423"/>
-            <ac:spMk id="5" creationId="{0E7B4C01-251B-A6B2-D4F4-D9CC54125403}"/>
-          </ac:spMkLst>
-        </pc:spChg>
-        <pc:spChg chg="del">
-          <ac:chgData name="佐藤　寛也" userId="27837c8b-abaf-4096-b544-58e4cbe7054e" providerId="ADAL" clId="{193E6E28-8FC8-4E23-B702-0C05D06AA1DC}" dt="2024-09-05T08:18:36.880" v="4027" actId="478"/>
-          <ac:spMkLst>
-            <pc:docMk/>
-            <pc:sldMk cId="2964385537" sldId="1423"/>
-            <ac:spMk id="6" creationId="{AE2E1A86-6A4F-3FE9-72BB-6F6247173FAB}"/>
-          </ac:spMkLst>
-        </pc:spChg>
-        <pc:spChg chg="add mod">
-          <ac:chgData name="佐藤　寛也" userId="27837c8b-abaf-4096-b544-58e4cbe7054e" providerId="ADAL" clId="{193E6E28-8FC8-4E23-B702-0C05D06AA1DC}" dt="2024-09-05T08:27:01.888" v="4209" actId="20577"/>
-          <ac:spMkLst>
-            <pc:docMk/>
-            <pc:sldMk cId="2964385537" sldId="1423"/>
-            <ac:spMk id="8" creationId="{9D254E49-B69D-583E-7C4B-320E2506F067}"/>
-          </ac:spMkLst>
-        </pc:spChg>
-        <pc:spChg chg="add mod">
-          <ac:chgData name="佐藤　寛也" userId="27837c8b-abaf-4096-b544-58e4cbe7054e" providerId="ADAL" clId="{193E6E28-8FC8-4E23-B702-0C05D06AA1DC}" dt="2024-09-05T08:21:38.507" v="4122" actId="14100"/>
-          <ac:spMkLst>
-            <pc:docMk/>
-            <pc:sldMk cId="2964385537" sldId="1423"/>
-            <ac:spMk id="9" creationId="{35DE4730-263C-C0D9-F491-AEFDDFC60C9D}"/>
-          </ac:spMkLst>
-        </pc:spChg>
-        <pc:spChg chg="add mod">
-          <ac:chgData name="佐藤　寛也" userId="27837c8b-abaf-4096-b544-58e4cbe7054e" providerId="ADAL" clId="{193E6E28-8FC8-4E23-B702-0C05D06AA1DC}" dt="2024-09-06T02:33:20.795" v="5284"/>
-          <ac:spMkLst>
-            <pc:docMk/>
-            <pc:sldMk cId="2964385537" sldId="1423"/>
-            <ac:spMk id="10" creationId="{78AF498D-AD80-E042-F315-A68AC5DC4391}"/>
-          </ac:spMkLst>
-        </pc:spChg>
-        <pc:spChg chg="add mod">
-          <ac:chgData name="佐藤　寛也" userId="27837c8b-abaf-4096-b544-58e4cbe7054e" providerId="ADAL" clId="{193E6E28-8FC8-4E23-B702-0C05D06AA1DC}" dt="2024-09-06T02:33:20.795" v="5284"/>
-          <ac:spMkLst>
-            <pc:docMk/>
-            <pc:sldMk cId="2964385537" sldId="1423"/>
-            <ac:spMk id="11" creationId="{6491C56D-3639-E92C-9EC6-9B8A1137F1E2}"/>
-          </ac:spMkLst>
-        </pc:spChg>
-        <pc:spChg chg="add mod">
-          <ac:chgData name="佐藤　寛也" userId="27837c8b-abaf-4096-b544-58e4cbe7054e" providerId="ADAL" clId="{193E6E28-8FC8-4E23-B702-0C05D06AA1DC}" dt="2024-09-06T02:33:20.795" v="5284"/>
-          <ac:spMkLst>
-            <pc:docMk/>
-            <pc:sldMk cId="2964385537" sldId="1423"/>
-            <ac:spMk id="12" creationId="{BD73687E-AC4B-826F-B9C2-3A3642B64B07}"/>
-          </ac:spMkLst>
-        </pc:spChg>
-        <pc:picChg chg="add mod">
-          <ac:chgData name="佐藤　寛也" userId="27837c8b-abaf-4096-b544-58e4cbe7054e" providerId="ADAL" clId="{193E6E28-8FC8-4E23-B702-0C05D06AA1DC}" dt="2024-09-06T02:31:47.983" v="5272" actId="167"/>
-          <ac:picMkLst>
-            <pc:docMk/>
-            <pc:sldMk cId="2964385537" sldId="1423"/>
-            <ac:picMk id="5" creationId="{C2D670E3-524C-0811-DB41-D504E1656656}"/>
-          </ac:picMkLst>
-        </pc:picChg>
-        <pc:picChg chg="add mod">
-          <ac:chgData name="佐藤　寛也" userId="27837c8b-abaf-4096-b544-58e4cbe7054e" providerId="ADAL" clId="{193E6E28-8FC8-4E23-B702-0C05D06AA1DC}" dt="2024-09-06T02:31:47.983" v="5272" actId="167"/>
-          <ac:picMkLst>
-            <pc:docMk/>
-            <pc:sldMk cId="2964385537" sldId="1423"/>
-            <ac:picMk id="6" creationId="{21F4EED5-FEF4-E1BE-18E4-B4E07D1F059C}"/>
-          </ac:picMkLst>
-        </pc:picChg>
-        <pc:picChg chg="add del mod">
-          <ac:chgData name="佐藤　寛也" userId="27837c8b-abaf-4096-b544-58e4cbe7054e" providerId="ADAL" clId="{193E6E28-8FC8-4E23-B702-0C05D06AA1DC}" dt="2024-09-06T02:31:44.304" v="5269" actId="478"/>
-          <ac:picMkLst>
-            <pc:docMk/>
-            <pc:sldMk cId="2964385537" sldId="1423"/>
-            <ac:picMk id="7" creationId="{1EF74D3A-AC52-BA6D-29BE-F95C63253944}"/>
-          </ac:picMkLst>
-        </pc:picChg>
-      </pc:sldChg>
-      <pc:sldChg chg="addSp delSp modSp add mod">
-        <pc:chgData name="佐藤　寛也" userId="27837c8b-abaf-4096-b544-58e4cbe7054e" providerId="ADAL" clId="{193E6E28-8FC8-4E23-B702-0C05D06AA1DC}" dt="2024-09-06T02:33:22.806" v="5285"/>
-        <pc:sldMkLst>
-          <pc:docMk/>
-          <pc:sldMk cId="1606902397" sldId="1424"/>
-        </pc:sldMkLst>
-        <pc:spChg chg="add mod">
-          <ac:chgData name="佐藤　寛也" userId="27837c8b-abaf-4096-b544-58e4cbe7054e" providerId="ADAL" clId="{193E6E28-8FC8-4E23-B702-0C05D06AA1DC}" dt="2024-09-05T08:22:21.573" v="4168" actId="1035"/>
-          <ac:spMkLst>
-            <pc:docMk/>
-            <pc:sldMk cId="1606902397" sldId="1424"/>
-            <ac:spMk id="5" creationId="{7B6B1757-E3ED-2CBA-0349-55489ECB094C}"/>
-          </ac:spMkLst>
-        </pc:spChg>
-        <pc:spChg chg="mod">
-          <ac:chgData name="佐藤　寛也" userId="27837c8b-abaf-4096-b544-58e4cbe7054e" providerId="ADAL" clId="{193E6E28-8FC8-4E23-B702-0C05D06AA1DC}" dt="2024-09-05T08:22:05.033" v="4160" actId="113"/>
-          <ac:spMkLst>
-            <pc:docMk/>
-            <pc:sldMk cId="1606902397" sldId="1424"/>
-            <ac:spMk id="8" creationId="{9D254E49-B69D-583E-7C4B-320E2506F067}"/>
-          </ac:spMkLst>
-        </pc:spChg>
-        <pc:spChg chg="add mod">
-          <ac:chgData name="佐藤　寛也" userId="27837c8b-abaf-4096-b544-58e4cbe7054e" providerId="ADAL" clId="{193E6E28-8FC8-4E23-B702-0C05D06AA1DC}" dt="2024-09-06T02:33:22.806" v="5285"/>
-          <ac:spMkLst>
-            <pc:docMk/>
-            <pc:sldMk cId="1606902397" sldId="1424"/>
-            <ac:spMk id="11" creationId="{B77DA59D-AD25-06A1-1E25-BD0D0BFF3BE6}"/>
-          </ac:spMkLst>
-        </pc:spChg>
-        <pc:spChg chg="add mod">
-          <ac:chgData name="佐藤　寛也" userId="27837c8b-abaf-4096-b544-58e4cbe7054e" providerId="ADAL" clId="{193E6E28-8FC8-4E23-B702-0C05D06AA1DC}" dt="2024-09-06T02:33:22.806" v="5285"/>
-          <ac:spMkLst>
-            <pc:docMk/>
-            <pc:sldMk cId="1606902397" sldId="1424"/>
-            <ac:spMk id="12" creationId="{5431061E-6D02-FB62-5C39-54FA7B1BCF8E}"/>
-          </ac:spMkLst>
-        </pc:spChg>
-        <pc:spChg chg="add mod">
-          <ac:chgData name="佐藤　寛也" userId="27837c8b-abaf-4096-b544-58e4cbe7054e" providerId="ADAL" clId="{193E6E28-8FC8-4E23-B702-0C05D06AA1DC}" dt="2024-09-06T02:33:22.806" v="5285"/>
-          <ac:spMkLst>
-            <pc:docMk/>
-            <pc:sldMk cId="1606902397" sldId="1424"/>
-            <ac:spMk id="13" creationId="{4BDEC34C-74D4-FE4A-CA67-199AA920DD40}"/>
-          </ac:spMkLst>
-        </pc:spChg>
-        <pc:picChg chg="add mod">
-          <ac:chgData name="佐藤　寛也" userId="27837c8b-abaf-4096-b544-58e4cbe7054e" providerId="ADAL" clId="{193E6E28-8FC8-4E23-B702-0C05D06AA1DC}" dt="2024-09-06T02:31:41.643" v="5268" actId="167"/>
-          <ac:picMkLst>
-            <pc:docMk/>
-            <pc:sldMk cId="1606902397" sldId="1424"/>
-            <ac:picMk id="6" creationId="{CC2F0B05-61E1-14F4-335D-8C61630AE301}"/>
-          </ac:picMkLst>
-        </pc:picChg>
-        <pc:picChg chg="del">
-          <ac:chgData name="佐藤　寛也" userId="27837c8b-abaf-4096-b544-58e4cbe7054e" providerId="ADAL" clId="{193E6E28-8FC8-4E23-B702-0C05D06AA1DC}" dt="2024-09-06T02:31:39.455" v="5266" actId="478"/>
-          <ac:picMkLst>
-            <pc:docMk/>
-            <pc:sldMk cId="1606902397" sldId="1424"/>
-            <ac:picMk id="7" creationId="{1EF74D3A-AC52-BA6D-29BE-F95C63253944}"/>
-          </ac:picMkLst>
-        </pc:picChg>
-        <pc:picChg chg="add mod">
-          <ac:chgData name="佐藤　寛也" userId="27837c8b-abaf-4096-b544-58e4cbe7054e" providerId="ADAL" clId="{193E6E28-8FC8-4E23-B702-0C05D06AA1DC}" dt="2024-09-06T02:31:41.643" v="5268" actId="167"/>
-          <ac:picMkLst>
-            <pc:docMk/>
-            <pc:sldMk cId="1606902397" sldId="1424"/>
-            <ac:picMk id="10" creationId="{383E5D78-4DAA-5458-5992-F34EF8E5AD80}"/>
-          </ac:picMkLst>
-        </pc:picChg>
-      </pc:sldChg>
-      <pc:sldChg chg="addSp delSp modSp add mod">
-        <pc:chgData name="佐藤　寛也" userId="27837c8b-abaf-4096-b544-58e4cbe7054e" providerId="ADAL" clId="{193E6E28-8FC8-4E23-B702-0C05D06AA1DC}" dt="2024-09-06T02:33:24.390" v="5286"/>
-        <pc:sldMkLst>
-          <pc:docMk/>
-          <pc:sldMk cId="477276183" sldId="1425"/>
-        </pc:sldMkLst>
-        <pc:spChg chg="mod">
-          <ac:chgData name="佐藤　寛也" userId="27837c8b-abaf-4096-b544-58e4cbe7054e" providerId="ADAL" clId="{193E6E28-8FC8-4E23-B702-0C05D06AA1DC}" dt="2024-09-05T08:23:27.310" v="4208" actId="1036"/>
-          <ac:spMkLst>
-            <pc:docMk/>
-            <pc:sldMk cId="477276183" sldId="1425"/>
-            <ac:spMk id="5" creationId="{7B6B1757-E3ED-2CBA-0349-55489ECB094C}"/>
-          </ac:spMkLst>
-        </pc:spChg>
-        <pc:spChg chg="add mod">
-          <ac:chgData name="佐藤　寛也" userId="27837c8b-abaf-4096-b544-58e4cbe7054e" providerId="ADAL" clId="{193E6E28-8FC8-4E23-B702-0C05D06AA1DC}" dt="2024-09-06T02:30:47.776" v="5262"/>
-          <ac:spMkLst>
-            <pc:docMk/>
-            <pc:sldMk cId="477276183" sldId="1425"/>
-            <ac:spMk id="6" creationId="{44F2B169-C674-C0CE-D744-CF5671CF2E2B}"/>
-          </ac:spMkLst>
-        </pc:spChg>
-        <pc:spChg chg="mod">
-          <ac:chgData name="佐藤　寛也" userId="27837c8b-abaf-4096-b544-58e4cbe7054e" providerId="ADAL" clId="{193E6E28-8FC8-4E23-B702-0C05D06AA1DC}" dt="2024-09-05T08:23:22.526" v="4205" actId="20577"/>
-          <ac:spMkLst>
-            <pc:docMk/>
-            <pc:sldMk cId="477276183" sldId="1425"/>
-            <ac:spMk id="8" creationId="{9D254E49-B69D-583E-7C4B-320E2506F067}"/>
-          </ac:spMkLst>
-        </pc:spChg>
-        <pc:spChg chg="add mod">
-          <ac:chgData name="佐藤　寛也" userId="27837c8b-abaf-4096-b544-58e4cbe7054e" providerId="ADAL" clId="{193E6E28-8FC8-4E23-B702-0C05D06AA1DC}" dt="2024-09-06T02:30:47.776" v="5262"/>
-          <ac:spMkLst>
-            <pc:docMk/>
-            <pc:sldMk cId="477276183" sldId="1425"/>
-            <ac:spMk id="10" creationId="{65AC8C15-DB16-84C0-AA2D-F9E4E6467557}"/>
-          </ac:spMkLst>
-        </pc:spChg>
-        <pc:spChg chg="add mod">
-          <ac:chgData name="佐藤　寛也" userId="27837c8b-abaf-4096-b544-58e4cbe7054e" providerId="ADAL" clId="{193E6E28-8FC8-4E23-B702-0C05D06AA1DC}" dt="2024-09-06T02:30:47.776" v="5262"/>
-          <ac:spMkLst>
-            <pc:docMk/>
-            <pc:sldMk cId="477276183" sldId="1425"/>
-            <ac:spMk id="11" creationId="{402B1887-DFB2-FBFA-6B2A-4BE447A5CA2D}"/>
-          </ac:spMkLst>
-        </pc:spChg>
-        <pc:spChg chg="add mod">
-          <ac:chgData name="佐藤　寛也" userId="27837c8b-abaf-4096-b544-58e4cbe7054e" providerId="ADAL" clId="{193E6E28-8FC8-4E23-B702-0C05D06AA1DC}" dt="2024-09-06T02:33:24.390" v="5286"/>
-          <ac:spMkLst>
-            <pc:docMk/>
-            <pc:sldMk cId="477276183" sldId="1425"/>
-            <ac:spMk id="14" creationId="{719C6C3F-82E3-CD40-77F7-DED3DEB8D32C}"/>
-          </ac:spMkLst>
-        </pc:spChg>
-        <pc:spChg chg="add mod">
-          <ac:chgData name="佐藤　寛也" userId="27837c8b-abaf-4096-b544-58e4cbe7054e" providerId="ADAL" clId="{193E6E28-8FC8-4E23-B702-0C05D06AA1DC}" dt="2024-09-06T02:33:24.390" v="5286"/>
-          <ac:spMkLst>
-            <pc:docMk/>
-            <pc:sldMk cId="477276183" sldId="1425"/>
-            <ac:spMk id="15" creationId="{C0111617-1731-309F-80D6-B5FD33ABE9EA}"/>
-          </ac:spMkLst>
-        </pc:spChg>
-        <pc:spChg chg="add mod">
-          <ac:chgData name="佐藤　寛也" userId="27837c8b-abaf-4096-b544-58e4cbe7054e" providerId="ADAL" clId="{193E6E28-8FC8-4E23-B702-0C05D06AA1DC}" dt="2024-09-06T02:33:24.390" v="5286"/>
-          <ac:spMkLst>
-            <pc:docMk/>
-            <pc:sldMk cId="477276183" sldId="1425"/>
-            <ac:spMk id="16" creationId="{99910DC9-F519-DD0D-7C0A-334E2CBFB9B5}"/>
-          </ac:spMkLst>
-        </pc:spChg>
-        <pc:picChg chg="del">
-          <ac:chgData name="佐藤　寛也" userId="27837c8b-abaf-4096-b544-58e4cbe7054e" providerId="ADAL" clId="{193E6E28-8FC8-4E23-B702-0C05D06AA1DC}" dt="2024-09-06T02:31:32.438" v="5263" actId="478"/>
-          <ac:picMkLst>
-            <pc:docMk/>
-            <pc:sldMk cId="477276183" sldId="1425"/>
-            <ac:picMk id="7" creationId="{1EF74D3A-AC52-BA6D-29BE-F95C63253944}"/>
-          </ac:picMkLst>
-        </pc:picChg>
-        <pc:picChg chg="add mod">
-          <ac:chgData name="佐藤　寛也" userId="27837c8b-abaf-4096-b544-58e4cbe7054e" providerId="ADAL" clId="{193E6E28-8FC8-4E23-B702-0C05D06AA1DC}" dt="2024-09-06T02:31:34.426" v="5265" actId="167"/>
-          <ac:picMkLst>
-            <pc:docMk/>
-            <pc:sldMk cId="477276183" sldId="1425"/>
-            <ac:picMk id="12" creationId="{070D081D-9390-8001-7AE8-EEE89B794C5A}"/>
-          </ac:picMkLst>
-        </pc:picChg>
-        <pc:picChg chg="add mod">
-          <ac:chgData name="佐藤　寛也" userId="27837c8b-abaf-4096-b544-58e4cbe7054e" providerId="ADAL" clId="{193E6E28-8FC8-4E23-B702-0C05D06AA1DC}" dt="2024-09-06T02:31:34.426" v="5265" actId="167"/>
-          <ac:picMkLst>
-            <pc:docMk/>
-            <pc:sldMk cId="477276183" sldId="1425"/>
-            <ac:picMk id="13" creationId="{07EE37E5-2FC5-9FC4-CAC0-4C1763DE6C37}"/>
-          </ac:picMkLst>
-        </pc:picChg>
-      </pc:sldChg>
-      <pc:sldChg chg="addSp delSp modSp add mod ord">
-        <pc:chgData name="佐藤　寛也" userId="27837c8b-abaf-4096-b544-58e4cbe7054e" providerId="ADAL" clId="{193E6E28-8FC8-4E23-B702-0C05D06AA1DC}" dt="2024-09-06T02:24:22.294" v="5261" actId="14100"/>
-        <pc:sldMkLst>
-          <pc:docMk/>
-          <pc:sldMk cId="3444094588" sldId="1426"/>
-        </pc:sldMkLst>
-        <pc:spChg chg="mod">
-          <ac:chgData name="佐藤　寛也" userId="27837c8b-abaf-4096-b544-58e4cbe7054e" providerId="ADAL" clId="{193E6E28-8FC8-4E23-B702-0C05D06AA1DC}" dt="2024-09-05T08:58:37.592" v="4951" actId="20577"/>
-          <ac:spMkLst>
-            <pc:docMk/>
-            <pc:sldMk cId="3444094588" sldId="1426"/>
-            <ac:spMk id="2" creationId="{21D0CFCA-348F-6DF4-2D11-99E2969833F2}"/>
-          </ac:spMkLst>
-        </pc:spChg>
-        <pc:spChg chg="del">
-          <ac:chgData name="佐藤　寛也" userId="27837c8b-abaf-4096-b544-58e4cbe7054e" providerId="ADAL" clId="{193E6E28-8FC8-4E23-B702-0C05D06AA1DC}" dt="2024-09-05T08:37:44.418" v="4247" actId="478"/>
-          <ac:spMkLst>
-            <pc:docMk/>
-            <pc:sldMk cId="3444094588" sldId="1426"/>
-            <ac:spMk id="3" creationId="{C8906452-3DF7-BA54-EA6F-A4DDBF3FBC16}"/>
-          </ac:spMkLst>
-        </pc:spChg>
-        <pc:spChg chg="mod">
-          <ac:chgData name="佐藤　寛也" userId="27837c8b-abaf-4096-b544-58e4cbe7054e" providerId="ADAL" clId="{193E6E28-8FC8-4E23-B702-0C05D06AA1DC}" dt="2024-09-05T08:54:20.387" v="4796" actId="1076"/>
-          <ac:spMkLst>
-            <pc:docMk/>
-            <pc:sldMk cId="3444094588" sldId="1426"/>
-            <ac:spMk id="7" creationId="{2E7461E0-B650-187F-0547-70108A04EB76}"/>
-          </ac:spMkLst>
-        </pc:spChg>
-        <pc:spChg chg="mod">
-          <ac:chgData name="佐藤　寛也" userId="27837c8b-abaf-4096-b544-58e4cbe7054e" providerId="ADAL" clId="{193E6E28-8FC8-4E23-B702-0C05D06AA1DC}" dt="2024-09-05T08:54:20.387" v="4796" actId="1076"/>
-          <ac:spMkLst>
-            <pc:docMk/>
-            <pc:sldMk cId="3444094588" sldId="1426"/>
-            <ac:spMk id="8" creationId="{711889AB-7B2F-6A6E-E852-8811831E890F}"/>
-          </ac:spMkLst>
-        </pc:spChg>
-        <pc:spChg chg="mod">
-          <ac:chgData name="佐藤　寛也" userId="27837c8b-abaf-4096-b544-58e4cbe7054e" providerId="ADAL" clId="{193E6E28-8FC8-4E23-B702-0C05D06AA1DC}" dt="2024-09-05T08:54:20.387" v="4796" actId="1076"/>
-          <ac:spMkLst>
-            <pc:docMk/>
-            <pc:sldMk cId="3444094588" sldId="1426"/>
-            <ac:spMk id="9" creationId="{B50CD7E4-A3CA-1DFD-AD7F-C71027C18AD9}"/>
-          </ac:spMkLst>
-        </pc:spChg>
-        <pc:spChg chg="mod">
-          <ac:chgData name="佐藤　寛也" userId="27837c8b-abaf-4096-b544-58e4cbe7054e" providerId="ADAL" clId="{193E6E28-8FC8-4E23-B702-0C05D06AA1DC}" dt="2024-09-05T08:54:20.387" v="4796" actId="1076"/>
-          <ac:spMkLst>
-            <pc:docMk/>
-            <pc:sldMk cId="3444094588" sldId="1426"/>
-            <ac:spMk id="10" creationId="{E9B9608B-7923-1E0A-D0CC-7595F0EED9EC}"/>
-          </ac:spMkLst>
-        </pc:spChg>
-        <pc:spChg chg="add mod">
-          <ac:chgData name="佐藤　寛也" userId="27837c8b-abaf-4096-b544-58e4cbe7054e" providerId="ADAL" clId="{193E6E28-8FC8-4E23-B702-0C05D06AA1DC}" dt="2024-09-05T09:02:28.341" v="5093" actId="403"/>
-          <ac:spMkLst>
-            <pc:docMk/>
-            <pc:sldMk cId="3444094588" sldId="1426"/>
-            <ac:spMk id="13" creationId="{B7B8D02E-2E56-98ED-9443-58A2BFD110BF}"/>
-          </ac:spMkLst>
-        </pc:spChg>
-        <pc:spChg chg="add mod">
-          <ac:chgData name="佐藤　寛也" userId="27837c8b-abaf-4096-b544-58e4cbe7054e" providerId="ADAL" clId="{193E6E28-8FC8-4E23-B702-0C05D06AA1DC}" dt="2024-09-05T09:03:44.574" v="5111" actId="207"/>
-          <ac:spMkLst>
-            <pc:docMk/>
-            <pc:sldMk cId="3444094588" sldId="1426"/>
-            <ac:spMk id="14" creationId="{BCE6DF86-A867-F4C9-DA40-28D57A6A6B36}"/>
-          </ac:spMkLst>
-        </pc:spChg>
-        <pc:spChg chg="del mod">
-          <ac:chgData name="佐藤　寛也" userId="27837c8b-abaf-4096-b544-58e4cbe7054e" providerId="ADAL" clId="{193E6E28-8FC8-4E23-B702-0C05D06AA1DC}" dt="2024-09-05T08:55:02.126" v="4820" actId="478"/>
-          <ac:spMkLst>
-            <pc:docMk/>
-            <pc:sldMk cId="3444094588" sldId="1426"/>
-            <ac:spMk id="15" creationId="{6AC0C189-57F6-5C45-6CF6-8A1BADECB49F}"/>
-          </ac:spMkLst>
-        </pc:spChg>
-        <pc:spChg chg="del mod">
-          <ac:chgData name="佐藤　寛也" userId="27837c8b-abaf-4096-b544-58e4cbe7054e" providerId="ADAL" clId="{193E6E28-8FC8-4E23-B702-0C05D06AA1DC}" dt="2024-09-05T08:55:02.126" v="4820" actId="478"/>
-          <ac:spMkLst>
-            <pc:docMk/>
-            <pc:sldMk cId="3444094588" sldId="1426"/>
-            <ac:spMk id="16" creationId="{FAC1266D-89CE-06E6-FF8D-D07DA41A0FFE}"/>
-          </ac:spMkLst>
-        </pc:spChg>
-        <pc:spChg chg="add mod">
-          <ac:chgData name="佐藤　寛也" userId="27837c8b-abaf-4096-b544-58e4cbe7054e" providerId="ADAL" clId="{193E6E28-8FC8-4E23-B702-0C05D06AA1DC}" dt="2024-09-05T08:54:53.615" v="4819" actId="20577"/>
-          <ac:spMkLst>
-            <pc:docMk/>
-            <pc:sldMk cId="3444094588" sldId="1426"/>
-            <ac:spMk id="17" creationId="{DA5EA3CC-8576-21AB-A136-624017CA6C94}"/>
-          </ac:spMkLst>
-        </pc:spChg>
-        <pc:spChg chg="add mod">
-          <ac:chgData name="佐藤　寛也" userId="27837c8b-abaf-4096-b544-58e4cbe7054e" providerId="ADAL" clId="{193E6E28-8FC8-4E23-B702-0C05D06AA1DC}" dt="2024-09-05T08:54:20.387" v="4796" actId="1076"/>
-          <ac:spMkLst>
-            <pc:docMk/>
-            <pc:sldMk cId="3444094588" sldId="1426"/>
-            <ac:spMk id="28" creationId="{BFEB9934-1363-F438-87DC-75334851D616}"/>
-          </ac:spMkLst>
-        </pc:spChg>
-        <pc:spChg chg="add mod">
-          <ac:chgData name="佐藤　寛也" userId="27837c8b-abaf-4096-b544-58e4cbe7054e" providerId="ADAL" clId="{193E6E28-8FC8-4E23-B702-0C05D06AA1DC}" dt="2024-09-05T08:54:20.387" v="4796" actId="1076"/>
-          <ac:spMkLst>
-            <pc:docMk/>
-            <pc:sldMk cId="3444094588" sldId="1426"/>
-            <ac:spMk id="29" creationId="{59081A0F-A52D-34C4-92B6-3D13F0766D27}"/>
-          </ac:spMkLst>
-        </pc:spChg>
-        <pc:spChg chg="add mod">
-          <ac:chgData name="佐藤　寛也" userId="27837c8b-abaf-4096-b544-58e4cbe7054e" providerId="ADAL" clId="{193E6E28-8FC8-4E23-B702-0C05D06AA1DC}" dt="2024-09-05T08:54:20.387" v="4796" actId="1076"/>
-          <ac:spMkLst>
-            <pc:docMk/>
-            <pc:sldMk cId="3444094588" sldId="1426"/>
-            <ac:spMk id="30" creationId="{2139ABF0-A068-C6DC-FB55-925DD2FD2D7C}"/>
-          </ac:spMkLst>
-        </pc:spChg>
-        <pc:spChg chg="add mod">
-          <ac:chgData name="佐藤　寛也" userId="27837c8b-abaf-4096-b544-58e4cbe7054e" providerId="ADAL" clId="{193E6E28-8FC8-4E23-B702-0C05D06AA1DC}" dt="2024-09-05T08:54:20.387" v="4796" actId="1076"/>
-          <ac:spMkLst>
-            <pc:docMk/>
-            <pc:sldMk cId="3444094588" sldId="1426"/>
-            <ac:spMk id="32" creationId="{E1DD4F29-F619-C42A-FE41-51C56B699A36}"/>
-          </ac:spMkLst>
-        </pc:spChg>
-        <pc:spChg chg="add mod">
-          <ac:chgData name="佐藤　寛也" userId="27837c8b-abaf-4096-b544-58e4cbe7054e" providerId="ADAL" clId="{193E6E28-8FC8-4E23-B702-0C05D06AA1DC}" dt="2024-09-05T08:54:20.387" v="4796" actId="1076"/>
-          <ac:spMkLst>
-            <pc:docMk/>
-            <pc:sldMk cId="3444094588" sldId="1426"/>
-            <ac:spMk id="33" creationId="{A09CD86C-1EEF-E1A3-68F8-6D8531E2DB29}"/>
-          </ac:spMkLst>
-        </pc:spChg>
-        <pc:spChg chg="add mod">
-          <ac:chgData name="佐藤　寛也" userId="27837c8b-abaf-4096-b544-58e4cbe7054e" providerId="ADAL" clId="{193E6E28-8FC8-4E23-B702-0C05D06AA1DC}" dt="2024-09-05T09:09:18.969" v="5177" actId="20577"/>
-          <ac:spMkLst>
-            <pc:docMk/>
-            <pc:sldMk cId="3444094588" sldId="1426"/>
-            <ac:spMk id="34" creationId="{8FDC921C-7EF6-A770-CA01-6F61C3D13BD1}"/>
-          </ac:spMkLst>
-        </pc:spChg>
-        <pc:spChg chg="add mod">
-          <ac:chgData name="佐藤　寛也" userId="27837c8b-abaf-4096-b544-58e4cbe7054e" providerId="ADAL" clId="{193E6E28-8FC8-4E23-B702-0C05D06AA1DC}" dt="2024-09-05T08:59:41.790" v="4963" actId="207"/>
-          <ac:spMkLst>
-            <pc:docMk/>
-            <pc:sldMk cId="3444094588" sldId="1426"/>
-            <ac:spMk id="35" creationId="{9060F685-F1B2-E7D9-A3DD-655A15CE7432}"/>
-          </ac:spMkLst>
-        </pc:spChg>
-        <pc:spChg chg="add mod">
-          <ac:chgData name="佐藤　寛也" userId="27837c8b-abaf-4096-b544-58e4cbe7054e" providerId="ADAL" clId="{193E6E28-8FC8-4E23-B702-0C05D06AA1DC}" dt="2024-09-05T09:00:38.769" v="5029" actId="1035"/>
-          <ac:spMkLst>
-            <pc:docMk/>
-            <pc:sldMk cId="3444094588" sldId="1426"/>
-            <ac:spMk id="36" creationId="{1045E949-D964-E1B0-DFBD-DCDEF236B442}"/>
-          </ac:spMkLst>
-        </pc:spChg>
-        <pc:spChg chg="add del mod">
-          <ac:chgData name="佐藤　寛也" userId="27837c8b-abaf-4096-b544-58e4cbe7054e" providerId="ADAL" clId="{193E6E28-8FC8-4E23-B702-0C05D06AA1DC}" dt="2024-09-05T09:01:25.895" v="5080" actId="478"/>
-          <ac:spMkLst>
-            <pc:docMk/>
-            <pc:sldMk cId="3444094588" sldId="1426"/>
-            <ac:spMk id="38" creationId="{92E475D8-487B-8B98-29AB-BFE100DF82E0}"/>
-          </ac:spMkLst>
-        </pc:spChg>
-        <pc:spChg chg="add del mod">
-          <ac:chgData name="佐藤　寛也" userId="27837c8b-abaf-4096-b544-58e4cbe7054e" providerId="ADAL" clId="{193E6E28-8FC8-4E23-B702-0C05D06AA1DC}" dt="2024-09-05T09:01:25.498" v="5079" actId="478"/>
-          <ac:spMkLst>
-            <pc:docMk/>
-            <pc:sldMk cId="3444094588" sldId="1426"/>
-            <ac:spMk id="39" creationId="{1608131E-B36A-EFE5-D302-4509144159D8}"/>
-          </ac:spMkLst>
-        </pc:spChg>
-        <pc:spChg chg="add del mod">
-          <ac:chgData name="佐藤　寛也" userId="27837c8b-abaf-4096-b544-58e4cbe7054e" providerId="ADAL" clId="{193E6E28-8FC8-4E23-B702-0C05D06AA1DC}" dt="2024-09-05T09:01:22.777" v="5078" actId="478"/>
-          <ac:spMkLst>
-            <pc:docMk/>
-            <pc:sldMk cId="3444094588" sldId="1426"/>
-            <ac:spMk id="40" creationId="{65A6690C-5FE0-DA84-F406-058480726DAB}"/>
-          </ac:spMkLst>
-        </pc:spChg>
-        <pc:spChg chg="add mod ord">
-          <ac:chgData name="佐藤　寛也" userId="27837c8b-abaf-4096-b544-58e4cbe7054e" providerId="ADAL" clId="{193E6E28-8FC8-4E23-B702-0C05D06AA1DC}" dt="2024-09-05T09:03:58.801" v="5112" actId="207"/>
-          <ac:spMkLst>
-            <pc:docMk/>
-            <pc:sldMk cId="3444094588" sldId="1426"/>
-            <ac:spMk id="41" creationId="{10DB6C19-FF1A-8EB4-0155-3D314D417FFF}"/>
-          </ac:spMkLst>
-        </pc:spChg>
-        <pc:spChg chg="add mod ord">
-          <ac:chgData name="佐藤　寛也" userId="27837c8b-abaf-4096-b544-58e4cbe7054e" providerId="ADAL" clId="{193E6E28-8FC8-4E23-B702-0C05D06AA1DC}" dt="2024-09-05T09:03:58.801" v="5112" actId="207"/>
-          <ac:spMkLst>
-            <pc:docMk/>
-            <pc:sldMk cId="3444094588" sldId="1426"/>
-            <ac:spMk id="42" creationId="{FE4D9754-0ACB-3378-1747-27C01114183E}"/>
-          </ac:spMkLst>
-        </pc:spChg>
-        <pc:spChg chg="add mod ord">
-          <ac:chgData name="佐藤　寛也" userId="27837c8b-abaf-4096-b544-58e4cbe7054e" providerId="ADAL" clId="{193E6E28-8FC8-4E23-B702-0C05D06AA1DC}" dt="2024-09-05T09:03:30.553" v="5109" actId="167"/>
-          <ac:spMkLst>
-            <pc:docMk/>
-            <pc:sldMk cId="3444094588" sldId="1426"/>
-            <ac:spMk id="43" creationId="{EA122432-64F8-5E89-DE0B-335B361E75DC}"/>
-          </ac:spMkLst>
-        </pc:spChg>
-        <pc:spChg chg="add mod ord">
-          <ac:chgData name="佐藤　寛也" userId="27837c8b-abaf-4096-b544-58e4cbe7054e" providerId="ADAL" clId="{193E6E28-8FC8-4E23-B702-0C05D06AA1DC}" dt="2024-09-06T02:24:22.294" v="5261" actId="14100"/>
-          <ac:spMkLst>
-            <pc:docMk/>
-            <pc:sldMk cId="3444094588" sldId="1426"/>
-            <ac:spMk id="44" creationId="{73A6A888-446F-AE1D-66A3-08A62304EB71}"/>
-          </ac:spMkLst>
-        </pc:spChg>
-        <pc:spChg chg="add mod">
-          <ac:chgData name="佐藤　寛也" userId="27837c8b-abaf-4096-b544-58e4cbe7054e" providerId="ADAL" clId="{193E6E28-8FC8-4E23-B702-0C05D06AA1DC}" dt="2024-09-05T09:06:48.915" v="5137" actId="121"/>
-          <ac:spMkLst>
-            <pc:docMk/>
-            <pc:sldMk cId="3444094588" sldId="1426"/>
-            <ac:spMk id="45" creationId="{8DDA4C2F-364E-2BEF-7C73-6E7AADFDC417}"/>
-          </ac:spMkLst>
-        </pc:spChg>
-        <pc:grpChg chg="add del mod">
-          <ac:chgData name="佐藤　寛也" userId="27837c8b-abaf-4096-b544-58e4cbe7054e" providerId="ADAL" clId="{193E6E28-8FC8-4E23-B702-0C05D06AA1DC}" dt="2024-09-05T08:54:15.996" v="4795" actId="165"/>
-          <ac:grpSpMkLst>
-            <pc:docMk/>
-            <pc:sldMk cId="3444094588" sldId="1426"/>
-            <ac:grpSpMk id="37" creationId="{A2EF7691-3009-1994-EAA7-CBCBA62F5BD1}"/>
-          </ac:grpSpMkLst>
-        </pc:grpChg>
-        <pc:picChg chg="mod">
-          <ac:chgData name="佐藤　寛也" userId="27837c8b-abaf-4096-b544-58e4cbe7054e" providerId="ADAL" clId="{193E6E28-8FC8-4E23-B702-0C05D06AA1DC}" dt="2024-09-05T08:54:20.387" v="4796" actId="1076"/>
-          <ac:picMkLst>
-            <pc:docMk/>
-            <pc:sldMk cId="3444094588" sldId="1426"/>
-            <ac:picMk id="11" creationId="{DD413FC8-0CFB-A46C-BA80-DCD723AE08AF}"/>
-          </ac:picMkLst>
-        </pc:picChg>
-        <pc:picChg chg="mod">
-          <ac:chgData name="佐藤　寛也" userId="27837c8b-abaf-4096-b544-58e4cbe7054e" providerId="ADAL" clId="{193E6E28-8FC8-4E23-B702-0C05D06AA1DC}" dt="2024-09-05T08:54:20.387" v="4796" actId="1076"/>
-          <ac:picMkLst>
-            <pc:docMk/>
-            <pc:sldMk cId="3444094588" sldId="1426"/>
-            <ac:picMk id="12" creationId="{B3A843EF-E3A6-DC9E-6BC2-A7FB2C510DFC}"/>
-          </ac:picMkLst>
-        </pc:picChg>
-        <pc:cxnChg chg="add mod">
-          <ac:chgData name="佐藤　寛也" userId="27837c8b-abaf-4096-b544-58e4cbe7054e" providerId="ADAL" clId="{193E6E28-8FC8-4E23-B702-0C05D06AA1DC}" dt="2024-09-05T09:02:17.646" v="5092" actId="1582"/>
-          <ac:cxnSpMkLst>
-            <pc:docMk/>
-            <pc:sldMk cId="3444094588" sldId="1426"/>
-            <ac:cxnSpMk id="19" creationId="{18D3F40A-F4C1-9035-98B8-9F98AB265918}"/>
-          </ac:cxnSpMkLst>
-        </pc:cxnChg>
-        <pc:cxnChg chg="add mod">
-          <ac:chgData name="佐藤　寛也" userId="27837c8b-abaf-4096-b544-58e4cbe7054e" providerId="ADAL" clId="{193E6E28-8FC8-4E23-B702-0C05D06AA1DC}" dt="2024-09-05T09:02:17.646" v="5092" actId="1582"/>
-          <ac:cxnSpMkLst>
-            <pc:docMk/>
-            <pc:sldMk cId="3444094588" sldId="1426"/>
-            <ac:cxnSpMk id="20" creationId="{50FAEF67-BE10-1F6A-56EF-31CBC6B8FFC5}"/>
-          </ac:cxnSpMkLst>
-        </pc:cxnChg>
-        <pc:cxnChg chg="add del mod">
-          <ac:chgData name="佐藤　寛也" userId="27837c8b-abaf-4096-b544-58e4cbe7054e" providerId="ADAL" clId="{193E6E28-8FC8-4E23-B702-0C05D06AA1DC}" dt="2024-09-05T08:42:43.538" v="4480" actId="478"/>
-          <ac:cxnSpMkLst>
-            <pc:docMk/>
-            <pc:sldMk cId="3444094588" sldId="1426"/>
-            <ac:cxnSpMk id="21" creationId="{A4B3B3E5-6064-82D2-C4F4-CC0B9BADDEC2}"/>
-          </ac:cxnSpMkLst>
-        </pc:cxnChg>
-        <pc:cxnChg chg="add mod">
-          <ac:chgData name="佐藤　寛也" userId="27837c8b-abaf-4096-b544-58e4cbe7054e" providerId="ADAL" clId="{193E6E28-8FC8-4E23-B702-0C05D06AA1DC}" dt="2024-09-05T09:02:17.646" v="5092" actId="1582"/>
-          <ac:cxnSpMkLst>
-            <pc:docMk/>
-            <pc:sldMk cId="3444094588" sldId="1426"/>
-            <ac:cxnSpMk id="22" creationId="{C6EEEC4F-0B9E-E08B-F9E0-338793B3F205}"/>
-          </ac:cxnSpMkLst>
-        </pc:cxnChg>
-        <pc:cxnChg chg="add mod topLvl">
-          <ac:chgData name="佐藤　寛也" userId="27837c8b-abaf-4096-b544-58e4cbe7054e" providerId="ADAL" clId="{193E6E28-8FC8-4E23-B702-0C05D06AA1DC}" dt="2024-09-05T09:02:17.646" v="5092" actId="1582"/>
-          <ac:cxnSpMkLst>
-            <pc:docMk/>
-            <pc:sldMk cId="3444094588" sldId="1426"/>
-            <ac:cxnSpMk id="23" creationId="{7884EBE2-8D31-2777-D638-85694DCEEC2D}"/>
-          </ac:cxnSpMkLst>
-        </pc:cxnChg>
-        <pc:cxnChg chg="add mod topLvl">
-          <ac:chgData name="佐藤　寛也" userId="27837c8b-abaf-4096-b544-58e4cbe7054e" providerId="ADAL" clId="{193E6E28-8FC8-4E23-B702-0C05D06AA1DC}" dt="2024-09-05T09:02:17.646" v="5092" actId="1582"/>
-          <ac:cxnSpMkLst>
-            <pc:docMk/>
-            <pc:sldMk cId="3444094588" sldId="1426"/>
-            <ac:cxnSpMk id="26" creationId="{C8168B1F-86C8-24C2-8AB5-A37E2410197D}"/>
-          </ac:cxnSpMkLst>
-        </pc:cxnChg>
-        <pc:cxnChg chg="add mod topLvl">
-          <ac:chgData name="佐藤　寛也" userId="27837c8b-abaf-4096-b544-58e4cbe7054e" providerId="ADAL" clId="{193E6E28-8FC8-4E23-B702-0C05D06AA1DC}" dt="2024-09-05T09:02:17.646" v="5092" actId="1582"/>
-          <ac:cxnSpMkLst>
-            <pc:docMk/>
-            <pc:sldMk cId="3444094588" sldId="1426"/>
-            <ac:cxnSpMk id="27" creationId="{3CC2EC10-0E9F-73CE-14DF-ABC6086BC858}"/>
-          </ac:cxnSpMkLst>
-        </pc:cxnChg>
-      </pc:sldChg>
-      <pc:sldChg chg="addSp delSp modSp add mod ord">
-        <pc:chgData name="佐藤　寛也" userId="27837c8b-abaf-4096-b544-58e4cbe7054e" providerId="ADAL" clId="{193E6E28-8FC8-4E23-B702-0C05D06AA1DC}" dt="2024-09-05T09:22:33.088" v="5248" actId="1037"/>
-        <pc:sldMkLst>
-          <pc:docMk/>
-          <pc:sldMk cId="1881789830" sldId="1427"/>
-        </pc:sldMkLst>
-        <pc:spChg chg="mod">
-          <ac:chgData name="佐藤　寛也" userId="27837c8b-abaf-4096-b544-58e4cbe7054e" providerId="ADAL" clId="{193E6E28-8FC8-4E23-B702-0C05D06AA1DC}" dt="2024-09-05T08:53:38.916" v="4789" actId="20577"/>
-          <ac:spMkLst>
-            <pc:docMk/>
-            <pc:sldMk cId="1881789830" sldId="1427"/>
-            <ac:spMk id="2" creationId="{21D0CFCA-348F-6DF4-2D11-99E2969833F2}"/>
-          </ac:spMkLst>
-        </pc:spChg>
-        <pc:spChg chg="del mod">
-          <ac:chgData name="佐藤　寛也" userId="27837c8b-abaf-4096-b544-58e4cbe7054e" providerId="ADAL" clId="{193E6E28-8FC8-4E23-B702-0C05D06AA1DC}" dt="2024-09-05T09:04:17.914" v="5116" actId="478"/>
-          <ac:spMkLst>
-            <pc:docMk/>
-            <pc:sldMk cId="1881789830" sldId="1427"/>
-            <ac:spMk id="3" creationId="{41AEE836-B07F-6756-DC70-5EA0EE3A1CC4}"/>
-          </ac:spMkLst>
-        </pc:spChg>
-        <pc:spChg chg="mod">
-          <ac:chgData name="佐藤　寛也" userId="27837c8b-abaf-4096-b544-58e4cbe7054e" providerId="ADAL" clId="{193E6E28-8FC8-4E23-B702-0C05D06AA1DC}" dt="2024-09-05T09:21:48.002" v="5221" actId="14100"/>
-          <ac:spMkLst>
-            <pc:docMk/>
-            <pc:sldMk cId="1881789830" sldId="1427"/>
-            <ac:spMk id="8" creationId="{549AE2D9-DA59-50D5-3413-B0D146083583}"/>
-          </ac:spMkLst>
-        </pc:spChg>
-        <pc:spChg chg="del">
-          <ac:chgData name="佐藤　寛也" userId="27837c8b-abaf-4096-b544-58e4cbe7054e" providerId="ADAL" clId="{193E6E28-8FC8-4E23-B702-0C05D06AA1DC}" dt="2024-09-05T08:55:06.857" v="4821" actId="478"/>
-          <ac:spMkLst>
-            <pc:docMk/>
-            <pc:sldMk cId="1881789830" sldId="1427"/>
-            <ac:spMk id="9" creationId="{2BEF2B5C-0BFE-EE67-2BC9-31924B40AA08}"/>
-          </ac:spMkLst>
-        </pc:spChg>
-        <pc:spChg chg="mod">
-          <ac:chgData name="佐藤　寛也" userId="27837c8b-abaf-4096-b544-58e4cbe7054e" providerId="ADAL" clId="{193E6E28-8FC8-4E23-B702-0C05D06AA1DC}" dt="2024-09-05T09:22:27.105" v="5236" actId="1076"/>
-          <ac:spMkLst>
-            <pc:docMk/>
-            <pc:sldMk cId="1881789830" sldId="1427"/>
-            <ac:spMk id="10" creationId="{77DF0CC4-9166-3878-268B-B07887951991}"/>
-          </ac:spMkLst>
-        </pc:spChg>
-        <pc:spChg chg="add del mod">
-          <ac:chgData name="佐藤　寛也" userId="27837c8b-abaf-4096-b544-58e4cbe7054e" providerId="ADAL" clId="{193E6E28-8FC8-4E23-B702-0C05D06AA1DC}" dt="2024-09-05T09:20:19.411" v="5190" actId="478"/>
-          <ac:spMkLst>
-            <pc:docMk/>
-            <pc:sldMk cId="1881789830" sldId="1427"/>
-            <ac:spMk id="11" creationId="{BBB49099-76F1-7875-2409-AF3C6F6CE7F3}"/>
-          </ac:spMkLst>
-        </pc:spChg>
-        <pc:spChg chg="mod">
-          <ac:chgData name="佐藤　寛也" userId="27837c8b-abaf-4096-b544-58e4cbe7054e" providerId="ADAL" clId="{193E6E28-8FC8-4E23-B702-0C05D06AA1DC}" dt="2024-09-05T09:21:59.793" v="5224" actId="14100"/>
-          <ac:spMkLst>
-            <pc:docMk/>
-            <pc:sldMk cId="1881789830" sldId="1427"/>
-            <ac:spMk id="14" creationId="{83E5FD2B-71A6-0378-E492-304B82034893}"/>
-          </ac:spMkLst>
-        </pc:spChg>
-        <pc:spChg chg="del">
-          <ac:chgData name="佐藤　寛也" userId="27837c8b-abaf-4096-b544-58e4cbe7054e" providerId="ADAL" clId="{193E6E28-8FC8-4E23-B702-0C05D06AA1DC}" dt="2024-09-05T08:55:06.857" v="4821" actId="478"/>
-          <ac:spMkLst>
-            <pc:docMk/>
-            <pc:sldMk cId="1881789830" sldId="1427"/>
-            <ac:spMk id="16" creationId="{EFB4FFCD-A85F-5C00-D4CC-44B23EEB4F38}"/>
-          </ac:spMkLst>
-        </pc:spChg>
-        <pc:spChg chg="mod">
-          <ac:chgData name="佐藤　寛也" userId="27837c8b-abaf-4096-b544-58e4cbe7054e" providerId="ADAL" clId="{193E6E28-8FC8-4E23-B702-0C05D06AA1DC}" dt="2024-09-05T09:22:16.844" v="5230" actId="14100"/>
-          <ac:spMkLst>
-            <pc:docMk/>
-            <pc:sldMk cId="1881789830" sldId="1427"/>
-            <ac:spMk id="17" creationId="{7198A0E0-FA17-4F47-CC3C-17A4C6473590}"/>
-          </ac:spMkLst>
-        </pc:spChg>
-        <pc:spChg chg="del">
-          <ac:chgData name="佐藤　寛也" userId="27837c8b-abaf-4096-b544-58e4cbe7054e" providerId="ADAL" clId="{193E6E28-8FC8-4E23-B702-0C05D06AA1DC}" dt="2024-09-05T08:55:08.704" v="4822" actId="478"/>
-          <ac:spMkLst>
-            <pc:docMk/>
-            <pc:sldMk cId="1881789830" sldId="1427"/>
-            <ac:spMk id="18" creationId="{F95050BD-DCBF-1534-F37F-004F44F94704}"/>
-          </ac:spMkLst>
-        </pc:spChg>
-        <pc:graphicFrameChg chg="mod modGraphic">
-          <ac:chgData name="佐藤　寛也" userId="27837c8b-abaf-4096-b544-58e4cbe7054e" providerId="ADAL" clId="{193E6E28-8FC8-4E23-B702-0C05D06AA1DC}" dt="2024-09-05T09:22:11.262" v="5228"/>
-          <ac:graphicFrameMkLst>
-            <pc:docMk/>
-            <pc:sldMk cId="1881789830" sldId="1427"/>
-            <ac:graphicFrameMk id="7" creationId="{CD95F47B-724F-6E0A-C103-DA07593C0894}"/>
-          </ac:graphicFrameMkLst>
-        </pc:graphicFrameChg>
-        <pc:cxnChg chg="mod">
-          <ac:chgData name="佐藤　寛也" userId="27837c8b-abaf-4096-b544-58e4cbe7054e" providerId="ADAL" clId="{193E6E28-8FC8-4E23-B702-0C05D06AA1DC}" dt="2024-09-05T09:22:33.088" v="5248" actId="1037"/>
-          <ac:cxnSpMkLst>
-            <pc:docMk/>
-            <pc:sldMk cId="1881789830" sldId="1427"/>
-            <ac:cxnSpMk id="12" creationId="{9ABD69E2-4E9C-0E2E-84B6-5DA2730856E6}"/>
-          </ac:cxnSpMkLst>
-        </pc:cxnChg>
-      </pc:sldChg>
-      <pc:sldChg chg="addSp delSp modSp add mod">
-        <pc:chgData name="佐藤　寛也" userId="27837c8b-abaf-4096-b544-58e4cbe7054e" providerId="ADAL" clId="{193E6E28-8FC8-4E23-B702-0C05D06AA1DC}" dt="2024-09-06T02:35:03.697" v="5297"/>
-        <pc:sldMkLst>
-          <pc:docMk/>
-          <pc:sldMk cId="789427228" sldId="1428"/>
-        </pc:sldMkLst>
-        <pc:spChg chg="mod">
-          <ac:chgData name="佐藤　寛也" userId="27837c8b-abaf-4096-b544-58e4cbe7054e" providerId="ADAL" clId="{193E6E28-8FC8-4E23-B702-0C05D06AA1DC}" dt="2024-09-06T02:35:03.697" v="5297"/>
-          <ac:spMkLst>
-            <pc:docMk/>
-            <pc:sldMk cId="789427228" sldId="1428"/>
-            <ac:spMk id="3" creationId="{41AEE836-B07F-6756-DC70-5EA0EE3A1CC4}"/>
-          </ac:spMkLst>
-        </pc:spChg>
-        <pc:spChg chg="del">
-          <ac:chgData name="佐藤　寛也" userId="27837c8b-abaf-4096-b544-58e4cbe7054e" providerId="ADAL" clId="{193E6E28-8FC8-4E23-B702-0C05D06AA1DC}" dt="2024-09-05T08:55:18.940" v="4824" actId="478"/>
-          <ac:spMkLst>
-            <pc:docMk/>
-            <pc:sldMk cId="789427228" sldId="1428"/>
-            <ac:spMk id="8" creationId="{549AE2D9-DA59-50D5-3413-B0D146083583}"/>
-          </ac:spMkLst>
-        </pc:spChg>
-        <pc:spChg chg="del">
-          <ac:chgData name="佐藤　寛也" userId="27837c8b-abaf-4096-b544-58e4cbe7054e" providerId="ADAL" clId="{193E6E28-8FC8-4E23-B702-0C05D06AA1DC}" dt="2024-09-05T08:55:18.940" v="4824" actId="478"/>
-          <ac:spMkLst>
-            <pc:docMk/>
-            <pc:sldMk cId="789427228" sldId="1428"/>
-            <ac:spMk id="9" creationId="{2BEF2B5C-0BFE-EE67-2BC9-31924B40AA08}"/>
-          </ac:spMkLst>
-        </pc:spChg>
-        <pc:spChg chg="del">
-          <ac:chgData name="佐藤　寛也" userId="27837c8b-abaf-4096-b544-58e4cbe7054e" providerId="ADAL" clId="{193E6E28-8FC8-4E23-B702-0C05D06AA1DC}" dt="2024-09-05T08:55:18.940" v="4824" actId="478"/>
-          <ac:spMkLst>
-            <pc:docMk/>
-            <pc:sldMk cId="789427228" sldId="1428"/>
-            <ac:spMk id="10" creationId="{77DF0CC4-9166-3878-268B-B07887951991}"/>
-          </ac:spMkLst>
-        </pc:spChg>
-        <pc:spChg chg="add del mod">
-          <ac:chgData name="佐藤　寛也" userId="27837c8b-abaf-4096-b544-58e4cbe7054e" providerId="ADAL" clId="{193E6E28-8FC8-4E23-B702-0C05D06AA1DC}" dt="2024-09-05T08:57:31.183" v="4883" actId="22"/>
-          <ac:spMkLst>
-            <pc:docMk/>
-            <pc:sldMk cId="789427228" sldId="1428"/>
-            <ac:spMk id="13" creationId="{945913AE-2917-B488-AC10-F49402BAD406}"/>
-          </ac:spMkLst>
-        </pc:spChg>
-        <pc:spChg chg="del">
-          <ac:chgData name="佐藤　寛也" userId="27837c8b-abaf-4096-b544-58e4cbe7054e" providerId="ADAL" clId="{193E6E28-8FC8-4E23-B702-0C05D06AA1DC}" dt="2024-09-05T08:55:18.940" v="4824" actId="478"/>
-          <ac:spMkLst>
-            <pc:docMk/>
-            <pc:sldMk cId="789427228" sldId="1428"/>
-            <ac:spMk id="14" creationId="{83E5FD2B-71A6-0378-E492-304B82034893}"/>
-          </ac:spMkLst>
-        </pc:spChg>
-        <pc:spChg chg="del">
-          <ac:chgData name="佐藤　寛也" userId="27837c8b-abaf-4096-b544-58e4cbe7054e" providerId="ADAL" clId="{193E6E28-8FC8-4E23-B702-0C05D06AA1DC}" dt="2024-09-05T08:55:18.940" v="4824" actId="478"/>
-          <ac:spMkLst>
-            <pc:docMk/>
-            <pc:sldMk cId="789427228" sldId="1428"/>
-            <ac:spMk id="16" creationId="{EFB4FFCD-A85F-5C00-D4CC-44B23EEB4F38}"/>
-          </ac:spMkLst>
-        </pc:spChg>
-        <pc:spChg chg="del">
-          <ac:chgData name="佐藤　寛也" userId="27837c8b-abaf-4096-b544-58e4cbe7054e" providerId="ADAL" clId="{193E6E28-8FC8-4E23-B702-0C05D06AA1DC}" dt="2024-09-05T08:55:18.940" v="4824" actId="478"/>
-          <ac:spMkLst>
-            <pc:docMk/>
-            <pc:sldMk cId="789427228" sldId="1428"/>
-            <ac:spMk id="17" creationId="{7198A0E0-FA17-4F47-CC3C-17A4C6473590}"/>
-          </ac:spMkLst>
-        </pc:spChg>
-        <pc:spChg chg="del">
-          <ac:chgData name="佐藤　寛也" userId="27837c8b-abaf-4096-b544-58e4cbe7054e" providerId="ADAL" clId="{193E6E28-8FC8-4E23-B702-0C05D06AA1DC}" dt="2024-09-05T08:55:18.940" v="4824" actId="478"/>
-          <ac:spMkLst>
-            <pc:docMk/>
-            <pc:sldMk cId="789427228" sldId="1428"/>
-            <ac:spMk id="18" creationId="{F95050BD-DCBF-1534-F37F-004F44F94704}"/>
-          </ac:spMkLst>
-        </pc:spChg>
-        <pc:graphicFrameChg chg="del">
-          <ac:chgData name="佐藤　寛也" userId="27837c8b-abaf-4096-b544-58e4cbe7054e" providerId="ADAL" clId="{193E6E28-8FC8-4E23-B702-0C05D06AA1DC}" dt="2024-09-05T08:55:18.940" v="4824" actId="478"/>
-          <ac:graphicFrameMkLst>
-            <pc:docMk/>
-            <pc:sldMk cId="789427228" sldId="1428"/>
-            <ac:graphicFrameMk id="7" creationId="{CD95F47B-724F-6E0A-C103-DA07593C0894}"/>
-          </ac:graphicFrameMkLst>
-        </pc:graphicFrameChg>
-        <pc:cxnChg chg="del">
-          <ac:chgData name="佐藤　寛也" userId="27837c8b-abaf-4096-b544-58e4cbe7054e" providerId="ADAL" clId="{193E6E28-8FC8-4E23-B702-0C05D06AA1DC}" dt="2024-09-05T08:55:18.940" v="4824" actId="478"/>
-          <ac:cxnSpMkLst>
-            <pc:docMk/>
-            <pc:sldMk cId="789427228" sldId="1428"/>
-            <ac:cxnSpMk id="12" creationId="{9ABD69E2-4E9C-0E2E-84B6-5DA2730856E6}"/>
-          </ac:cxnSpMkLst>
-        </pc:cxnChg>
-      </pc:sldChg>
-      <pc:sldChg chg="addSp modSp add mod">
-        <pc:chgData name="佐藤　寛也" userId="27837c8b-abaf-4096-b544-58e4cbe7054e" providerId="ADAL" clId="{193E6E28-8FC8-4E23-B702-0C05D06AA1DC}" dt="2024-09-06T02:33:26.782" v="5287"/>
-        <pc:sldMkLst>
-          <pc:docMk/>
-          <pc:sldMk cId="1939673003" sldId="1429"/>
-        </pc:sldMkLst>
-        <pc:spChg chg="add mod">
-          <ac:chgData name="佐藤　寛也" userId="27837c8b-abaf-4096-b544-58e4cbe7054e" providerId="ADAL" clId="{193E6E28-8FC8-4E23-B702-0C05D06AA1DC}" dt="2024-09-06T02:33:26.782" v="5287"/>
-          <ac:spMkLst>
-            <pc:docMk/>
-            <pc:sldMk cId="1939673003" sldId="1429"/>
-            <ac:spMk id="7" creationId="{F3779465-5948-BBC2-1B4B-6A088C70DAB3}"/>
-          </ac:spMkLst>
-        </pc:spChg>
-        <pc:spChg chg="mod">
-          <ac:chgData name="佐藤　寛也" userId="27837c8b-abaf-4096-b544-58e4cbe7054e" providerId="ADAL" clId="{193E6E28-8FC8-4E23-B702-0C05D06AA1DC}" dt="2024-09-06T02:32:07.919" v="5283" actId="20577"/>
-          <ac:spMkLst>
-            <pc:docMk/>
-            <pc:sldMk cId="1939673003" sldId="1429"/>
-            <ac:spMk id="8" creationId="{9D254E49-B69D-583E-7C4B-320E2506F067}"/>
-          </ac:spMkLst>
-        </pc:spChg>
-        <pc:spChg chg="add mod">
-          <ac:chgData name="佐藤　寛也" userId="27837c8b-abaf-4096-b544-58e4cbe7054e" providerId="ADAL" clId="{193E6E28-8FC8-4E23-B702-0C05D06AA1DC}" dt="2024-09-06T02:33:26.782" v="5287"/>
-          <ac:spMkLst>
-            <pc:docMk/>
-            <pc:sldMk cId="1939673003" sldId="1429"/>
-            <ac:spMk id="10" creationId="{E4E683BA-D493-0E92-4B62-2E3339B8F342}"/>
-          </ac:spMkLst>
-        </pc:spChg>
-        <pc:spChg chg="add mod">
-          <ac:chgData name="佐藤　寛也" userId="27837c8b-abaf-4096-b544-58e4cbe7054e" providerId="ADAL" clId="{193E6E28-8FC8-4E23-B702-0C05D06AA1DC}" dt="2024-09-06T02:33:26.782" v="5287"/>
-          <ac:spMkLst>
-            <pc:docMk/>
-            <pc:sldMk cId="1939673003" sldId="1429"/>
-            <ac:spMk id="11" creationId="{13A585DA-5AD7-A8DF-3D0A-13D4DED2EE6F}"/>
           </ac:spMkLst>
         </pc:spChg>
       </pc:sldChg>
@@ -4134,7 +4153,7 @@
           <a:p>
             <a:fld id="{CB1A4338-2B97-43C1-AE79-82EAB43E70B8}" type="datetimeFigureOut">
               <a:rPr kumimoji="1" lang="ja-JP" altLang="en-US" smtClean="0"/>
-              <a:t>2024/9/9</a:t>
+              <a:t>2024/9/10</a:t>
             </a:fld>
             <a:endParaRPr kumimoji="1" lang="ja-JP" altLang="en-US"/>
           </a:p>
@@ -5133,10 +5152,10 @@
           <p:nvPr userDrawn="1"/>
         </p:nvPicPr>
         <p:blipFill>
-          <a:blip r:embed="rId3">
+          <a:blip r:embed="rId3" cstate="screen">
             <a:extLst>
               <a:ext uri="{28A0092B-C50C-407E-A947-70E740481C1C}">
-                <a14:useLocalDpi xmlns:a14="http://schemas.microsoft.com/office/drawing/2010/main" val="0"/>
+                <a14:useLocalDpi xmlns:a14="http://schemas.microsoft.com/office/drawing/2010/main"/>
               </a:ext>
             </a:extLst>
           </a:blip>
@@ -5732,10 +5751,10 @@
           <p:nvPr userDrawn="1"/>
         </p:nvPicPr>
         <p:blipFill>
-          <a:blip r:embed="rId3">
+          <a:blip r:embed="rId3" cstate="screen">
             <a:extLst>
               <a:ext uri="{28A0092B-C50C-407E-A947-70E740481C1C}">
-                <a14:useLocalDpi xmlns:a14="http://schemas.microsoft.com/office/drawing/2010/main" val="0"/>
+                <a14:useLocalDpi xmlns:a14="http://schemas.microsoft.com/office/drawing/2010/main"/>
               </a:ext>
             </a:extLst>
           </a:blip>
@@ -6464,10 +6483,10 @@
           <p:nvPr userDrawn="1"/>
         </p:nvPicPr>
         <p:blipFill>
-          <a:blip r:embed="rId8">
+          <a:blip r:embed="rId8" cstate="screen">
             <a:extLst>
               <a:ext uri="{28A0092B-C50C-407E-A947-70E740481C1C}">
-                <a14:useLocalDpi xmlns:a14="http://schemas.microsoft.com/office/drawing/2010/main" val="0"/>
+                <a14:useLocalDpi xmlns:a14="http://schemas.microsoft.com/office/drawing/2010/main"/>
               </a:ext>
             </a:extLst>
           </a:blip>
@@ -7227,41 +7246,41 @@
           <a:lstStyle/>
           <a:p>
             <a:r>
-              <a:rPr lang="en-US" altLang="ja-JP" dirty="0"/>
+              <a:rPr lang="en-US" altLang="ja-JP"/>
               <a:t>Access via </a:t>
             </a:r>
             <a:r>
-              <a:rPr lang="en-US" altLang="ja-JP" b="1" dirty="0">
+              <a:rPr lang="en-US" altLang="ja-JP" b="1">
                 <a:hlinkClick r:id="rId2"/>
               </a:rPr>
               <a:t>this link</a:t>
             </a:r>
             <a:r>
-              <a:rPr lang="en-US" altLang="ja-JP" dirty="0"/>
+              <a:rPr lang="en-US" altLang="ja-JP"/>
               <a:t> or </a:t>
             </a:r>
             <a:r>
-              <a:rPr lang="en-US" altLang="ja-JP" dirty="0">
+              <a:rPr lang="en-US" altLang="ja-JP">
                 <a:hlinkClick r:id="rId3"/>
               </a:rPr>
               <a:t>https://sli.do/ </a:t>
             </a:r>
             <a:r>
-              <a:rPr lang="en-US" altLang="ja-JP" dirty="0"/>
+              <a:rPr lang="en-US" altLang="ja-JP"/>
               <a:t> and following e</a:t>
             </a:r>
             <a:r>
-              <a:rPr lang="ja-JP" altLang="en-US" dirty="0"/>
+              <a:rPr lang="ja-JP" altLang="en-US"/>
               <a:t>vent code:</a:t>
             </a:r>
-            <a:endParaRPr lang="en-US" altLang="ja-JP" b="1" dirty="0">
+            <a:endParaRPr lang="en-US" altLang="ja-JP" b="1">
               <a:latin typeface="Courier New" panose="02070309020205020404" pitchFamily="49" charset="0"/>
               <a:cs typeface="Courier New" panose="02070309020205020404" pitchFamily="49" charset="0"/>
             </a:endParaRPr>
           </a:p>
           <a:p>
             <a:r>
-              <a:rPr lang="en-US" altLang="ja-JP" b="1" dirty="0">
+              <a:rPr lang="en-US" altLang="ja-JP" b="1">
                 <a:solidFill>
                   <a:srgbClr val="107B30"/>
                 </a:solidFill>
@@ -7273,17 +7292,17 @@
           </a:p>
           <a:p>
             <a:r>
-              <a:rPr lang="ja-JP" altLang="en-US" dirty="0"/>
+              <a:rPr lang="ja-JP" altLang="en-US"/>
               <a:t>Please ask questions at any time</a:t>
             </a:r>
-            <a:endParaRPr lang="en-US" altLang="ja-JP" dirty="0"/>
-          </a:p>
-          <a:p>
-            <a:r>
-              <a:rPr lang="ja-JP" altLang="en-US" dirty="0"/>
+            <a:endParaRPr lang="en-US" altLang="ja-JP"/>
+          </a:p>
+          <a:p>
+            <a:r>
+              <a:rPr lang="ja-JP" altLang="en-US"/>
               <a:t>before or during the explanation.</a:t>
             </a:r>
-            <a:endParaRPr lang="en-US" altLang="ja-JP" dirty="0"/>
+            <a:endParaRPr lang="en-US" altLang="ja-JP"/>
           </a:p>
         </p:txBody>
       </p:sp>
@@ -7356,8 +7375,8 @@
         </p:nvSpPr>
         <p:spPr>
           <a:xfrm>
-            <a:off x="8528818" y="6550223"/>
-            <a:ext cx="3663182" cy="307777"/>
+            <a:off x="8528817" y="6550223"/>
+            <a:ext cx="3663183" cy="307777"/>
           </a:xfrm>
           <a:prstGeom prst="rect">
             <a:avLst/>
@@ -7372,15 +7391,15 @@
           <a:p>
             <a:pPr algn="r"/>
             <a:r>
-              <a:rPr kumimoji="1" lang="en-US" altLang="ja-JP" sz="1400" dirty="0">
+              <a:rPr kumimoji="1" lang="en-US" altLang="ja-JP" sz="1400">
                 <a:solidFill>
                   <a:schemeClr val="bg1"/>
                 </a:solidFill>
                 <a:latin typeface="Consolas" panose="020B0609020204030204" pitchFamily="49" charset="0"/>
               </a:rPr>
-              <a:t>Ver 2.20 Last updated on 2024/09/09</a:t>
-            </a:r>
-            <a:endParaRPr kumimoji="1" lang="ja-JP" altLang="en-US" sz="1400" dirty="0">
+              <a:t>Ver 2.22 Last updated on 2024/09/10</a:t>
+            </a:r>
+            <a:endParaRPr kumimoji="1" lang="ja-JP" altLang="en-US" sz="1400">
               <a:solidFill>
                 <a:schemeClr val="bg1"/>
               </a:solidFill>
@@ -7487,41 +7506,41 @@
               <a:buNone/>
             </a:pPr>
             <a:r>
-              <a:rPr lang="en-US" altLang="ja-JP" b="1" dirty="0">
+              <a:rPr lang="en-US" altLang="ja-JP" b="1">
                 <a:ea typeface="メイリオ"/>
               </a:rPr>
               <a:t>Register notices about classes</a:t>
             </a:r>
-            <a:endParaRPr kumimoji="1" lang="en-US" altLang="ja-JP" b="1" dirty="0"/>
-          </a:p>
-          <a:p>
-            <a:r>
-              <a:rPr kumimoji="1" lang="en-US" altLang="ja-JP" dirty="0">
+            <a:endParaRPr kumimoji="1" lang="en-US" altLang="ja-JP" b="1"/>
+          </a:p>
+          <a:p>
+            <a:r>
+              <a:rPr kumimoji="1" lang="en-US" altLang="ja-JP">
                 <a:ea typeface="メイリオ"/>
               </a:rPr>
               <a:t>Register for information on class cancellations, classroom changes</a:t>
             </a:r>
             <a:r>
-              <a:rPr lang="en-US" altLang="ja-JP" dirty="0">
+              <a:rPr lang="en-US" altLang="ja-JP">
                 <a:ea typeface="メイリオ"/>
               </a:rPr>
               <a:t>, </a:t>
             </a:r>
             <a:r>
-              <a:rPr lang="en-US" altLang="ja-JP" dirty="0">
+              <a:rPr lang="en-US" altLang="ja-JP">
                 <a:ea typeface="メイリオ"/>
                 <a:cs typeface="+mn-lt"/>
               </a:rPr>
               <a:t>and </a:t>
             </a:r>
             <a:r>
-              <a:rPr lang="en-US" dirty="0">
+              <a:rPr lang="en-US">
                 <a:ea typeface="+mn-lt"/>
                 <a:cs typeface="+mn-lt"/>
               </a:rPr>
               <a:t>supplementary classes</a:t>
             </a:r>
-            <a:endParaRPr lang="en-US" altLang="ja-JP" dirty="0">
+            <a:endParaRPr lang="en-US" altLang="ja-JP">
               <a:ea typeface="+mn-lt"/>
               <a:cs typeface="+mn-lt"/>
             </a:endParaRPr>
@@ -7530,25 +7549,25 @@
             <a:pPr marL="0" indent="0">
               <a:buNone/>
             </a:pPr>
-            <a:endParaRPr lang="en-US" altLang="ja-JP" dirty="0"/>
+            <a:endParaRPr lang="en-US" altLang="ja-JP"/>
           </a:p>
           <a:p>
             <a:pPr marL="0" indent="0">
               <a:buNone/>
             </a:pPr>
             <a:r>
-              <a:rPr lang="en-US" altLang="ja-JP" b="1" dirty="0"/>
+              <a:rPr lang="en-US" altLang="ja-JP" b="1"/>
               <a:t>Supervising Students</a:t>
             </a:r>
           </a:p>
           <a:p>
             <a:r>
-              <a:rPr kumimoji="1" lang="en-US" altLang="ja-JP" dirty="0"/>
+              <a:rPr kumimoji="1" lang="en-US" altLang="ja-JP"/>
               <a:t>Browse information about the students you are supervising</a:t>
             </a:r>
           </a:p>
           <a:p>
-            <a:endParaRPr kumimoji="1" lang="en-US" altLang="ja-JP" dirty="0"/>
+            <a:endParaRPr kumimoji="1" lang="en-US" altLang="ja-JP"/>
           </a:p>
           <a:p>
             <a:endParaRPr kumimoji="1" lang="ja-JP" altLang="en-US"/>
@@ -7710,19 +7729,19 @@
           <a:lstStyle/>
           <a:p>
             <a:r>
-              <a:rPr kumimoji="1" lang="en-US" altLang="ja-JP" dirty="0">
+              <a:rPr kumimoji="1" lang="en-US" altLang="ja-JP">
                 <a:ea typeface="メイリオ"/>
               </a:rPr>
               <a:t>UTAS:</a:t>
             </a:r>
             <a:r>
-              <a:rPr lang="en-US" altLang="ja-JP" dirty="0">
+              <a:rPr lang="en-US" altLang="ja-JP">
                 <a:ea typeface="メイリオ"/>
               </a:rPr>
               <a:t> Switch Languages </a:t>
             </a:r>
             <a:r>
-              <a:rPr lang="en-US" altLang="ja-JP" sz="3600" dirty="0">
+              <a:rPr lang="en-US" altLang="ja-JP" sz="3600">
                 <a:ea typeface="メイリオ"/>
               </a:rPr>
               <a:t>(after login) </a:t>
@@ -7751,7 +7770,7 @@
           <a:blip r:embed="rId2">
             <a:extLst>
               <a:ext uri="{28A0092B-C50C-407E-A947-70E740481C1C}">
-                <a14:useLocalDpi xmlns:a14="http://schemas.microsoft.com/office/drawing/2010/main" val="0"/>
+                <a14:useLocalDpi xmlns:a14="http://schemas.microsoft.com/office/drawing/2010/main"/>
               </a:ext>
             </a:extLst>
           </a:blip>
@@ -8080,7 +8099,7 @@
           <a:blip r:embed="rId2">
             <a:extLst>
               <a:ext uri="{28A0092B-C50C-407E-A947-70E740481C1C}">
-                <a14:useLocalDpi xmlns:a14="http://schemas.microsoft.com/office/drawing/2010/main" val="0"/>
+                <a14:useLocalDpi xmlns:a14="http://schemas.microsoft.com/office/drawing/2010/main"/>
               </a:ext>
             </a:extLst>
           </a:blip>
@@ -8923,10 +8942,10 @@
           <p:nvPr/>
         </p:nvPicPr>
         <p:blipFill>
-          <a:blip r:embed="rId3">
+          <a:blip r:embed="rId3" cstate="screen">
             <a:extLst>
               <a:ext uri="{28A0092B-C50C-407E-A947-70E740481C1C}">
-                <a14:useLocalDpi xmlns:a14="http://schemas.microsoft.com/office/drawing/2010/main" val="0"/>
+                <a14:useLocalDpi xmlns:a14="http://schemas.microsoft.com/office/drawing/2010/main"/>
               </a:ext>
             </a:extLst>
           </a:blip>
@@ -10298,31 +10317,31 @@
           <a:lstStyle/>
           <a:p>
             <a:r>
-              <a:rPr kumimoji="1" lang="en-US" altLang="ja-JP" dirty="0">
+              <a:rPr kumimoji="1" lang="en-US" altLang="ja-JP">
                 <a:ea typeface="メイリオ"/>
               </a:rPr>
               <a:t>UTOL: Switch </a:t>
             </a:r>
             <a:r>
-              <a:rPr lang="en-US" altLang="ja-JP" dirty="0">
+              <a:rPr lang="en-US" altLang="ja-JP">
                 <a:ea typeface="メイリオ"/>
               </a:rPr>
               <a:t>L</a:t>
             </a:r>
             <a:r>
-              <a:rPr kumimoji="1" lang="en-US" altLang="ja-JP" dirty="0">
+              <a:rPr kumimoji="1" lang="en-US" altLang="ja-JP">
                 <a:ea typeface="メイリオ"/>
               </a:rPr>
               <a:t>anguages</a:t>
             </a:r>
             <a:r>
-              <a:rPr lang="en-US" altLang="ja-JP" dirty="0">
+              <a:rPr lang="en-US" altLang="ja-JP">
                 <a:ea typeface="メイリオ"/>
               </a:rPr>
               <a:t> </a:t>
             </a:r>
             <a:r>
-              <a:rPr lang="en-US" altLang="ja-JP" sz="3600" dirty="0">
+              <a:rPr lang="en-US" altLang="ja-JP" sz="3600">
                 <a:ea typeface="メイリオ"/>
               </a:rPr>
               <a:t>(after login)</a:t>
@@ -10438,7 +10457,7 @@
           <a:blip r:embed="rId2">
             <a:extLst>
               <a:ext uri="{28A0092B-C50C-407E-A947-70E740481C1C}">
-                <a14:useLocalDpi xmlns:a14="http://schemas.microsoft.com/office/drawing/2010/main" val="0"/>
+                <a14:useLocalDpi xmlns:a14="http://schemas.microsoft.com/office/drawing/2010/main"/>
               </a:ext>
             </a:extLst>
           </a:blip>
@@ -10787,7 +10806,7 @@
           <a:blip r:embed="rId2">
             <a:extLst>
               <a:ext uri="{28A0092B-C50C-407E-A947-70E740481C1C}">
-                <a14:useLocalDpi xmlns:a14="http://schemas.microsoft.com/office/drawing/2010/main" val="0"/>
+                <a14:useLocalDpi xmlns:a14="http://schemas.microsoft.com/office/drawing/2010/main"/>
               </a:ext>
             </a:extLst>
           </a:blip>
@@ -10824,24 +10843,24 @@
           <a:lstStyle/>
           <a:p>
             <a:r>
-              <a:rPr kumimoji="1" lang="en-US" altLang="ja-JP" dirty="0">
+              <a:rPr kumimoji="1" lang="en-US" altLang="ja-JP">
                 <a:ea typeface="メイリオ"/>
               </a:rPr>
               <a:t>UTOL: Detailed </a:t>
             </a:r>
             <a:r>
-              <a:rPr lang="en-US" altLang="ja-JP" dirty="0">
+              <a:rPr lang="en-US" altLang="ja-JP">
                 <a:ea typeface="メイリオ"/>
               </a:rPr>
               <a:t>M</a:t>
             </a:r>
             <a:r>
-              <a:rPr kumimoji="1" lang="en-US" altLang="ja-JP" dirty="0">
+              <a:rPr kumimoji="1" lang="en-US" altLang="ja-JP">
                 <a:ea typeface="メイリオ"/>
               </a:rPr>
               <a:t>anual</a:t>
             </a:r>
-            <a:endParaRPr lang="en-US" altLang="ja-JP" strike="sngStrike" dirty="0">
+            <a:endParaRPr lang="en-US" altLang="ja-JP" strike="sngStrike">
               <a:ea typeface="メイリオ"/>
               <a:cs typeface="Calibri"/>
             </a:endParaRPr>
@@ -11101,7 +11120,13 @@
           <p:nvPr/>
         </p:nvPicPr>
         <p:blipFill>
-          <a:blip r:embed="rId3"/>
+          <a:blip r:embed="rId3" cstate="screen">
+            <a:extLst>
+              <a:ext uri="{28A0092B-C50C-407E-A947-70E740481C1C}">
+                <a14:useLocalDpi xmlns:a14="http://schemas.microsoft.com/office/drawing/2010/main"/>
+              </a:ext>
+            </a:extLst>
+          </a:blip>
           <a:stretch>
             <a:fillRect/>
           </a:stretch>
@@ -11332,24 +11357,24 @@
           <a:lstStyle/>
           <a:p>
             <a:r>
-              <a:rPr lang="en-US" altLang="ja-JP" dirty="0">
+              <a:rPr lang="en-US" altLang="ja-JP">
                 <a:ea typeface="メイリオ"/>
               </a:rPr>
               <a:t>UTOL: Your</a:t>
             </a:r>
             <a:r>
-              <a:rPr kumimoji="1" lang="en-US" altLang="ja-JP" dirty="0">
+              <a:rPr kumimoji="1" lang="en-US" altLang="ja-JP">
                 <a:ea typeface="メイリオ"/>
               </a:rPr>
               <a:t> </a:t>
             </a:r>
             <a:r>
-              <a:rPr lang="en-US" altLang="ja-JP" dirty="0">
+              <a:rPr lang="en-US" altLang="ja-JP">
                 <a:ea typeface="メイリオ"/>
               </a:rPr>
               <a:t>Go-To LMS</a:t>
             </a:r>
-            <a:endParaRPr kumimoji="1" lang="ja-JP" altLang="en-US" dirty="0">
+            <a:endParaRPr kumimoji="1" lang="ja-JP" altLang="en-US">
               <a:ea typeface="メイリオ"/>
             </a:endParaRPr>
           </a:p>
@@ -11389,34 +11414,34 @@
               </a:lnSpc>
             </a:pPr>
             <a:r>
-              <a:rPr kumimoji="1" lang="en-US" dirty="0">
+              <a:rPr kumimoji="1" lang="en-US">
                 <a:ea typeface="+mn-lt"/>
                 <a:cs typeface="+mn-lt"/>
               </a:rPr>
               <a:t>UTOL is </a:t>
             </a:r>
             <a:r>
-              <a:rPr lang="en-US" dirty="0">
+              <a:rPr lang="en-US">
                 <a:ea typeface="+mn-lt"/>
                 <a:cs typeface="+mn-lt"/>
               </a:rPr>
               <a:t>available</a:t>
             </a:r>
             <a:r>
-              <a:rPr kumimoji="1" lang="en-US" dirty="0">
+              <a:rPr kumimoji="1" lang="en-US">
                 <a:ea typeface="+mn-lt"/>
                 <a:cs typeface="+mn-lt"/>
               </a:rPr>
               <a:t> University-wide</a:t>
             </a:r>
             <a:r>
-              <a:rPr lang="en-US" dirty="0">
+              <a:rPr lang="en-US">
                 <a:ea typeface="+mn-lt"/>
                 <a:cs typeface="+mn-lt"/>
               </a:rPr>
               <a:t> as UTokyo’s recommended LMS.</a:t>
             </a:r>
-            <a:endParaRPr lang="ja-JP" altLang="en-US" dirty="0">
+            <a:endParaRPr lang="ja-JP" altLang="en-US">
               <a:ea typeface="+mn-lt"/>
               <a:cs typeface="+mn-lt"/>
             </a:endParaRPr>
@@ -11428,13 +11453,13 @@
               </a:lnSpc>
             </a:pPr>
             <a:r>
-              <a:rPr lang="en-US" dirty="0">
+              <a:rPr lang="en-US">
                 <a:ea typeface="+mn-lt"/>
                 <a:cs typeface="+mn-lt"/>
               </a:rPr>
               <a:t>However, the choice of using an LMS is entirely up to each instructor.</a:t>
             </a:r>
-            <a:endParaRPr lang="ja-JP" altLang="en-US" dirty="0">
+            <a:endParaRPr lang="ja-JP" altLang="en-US">
               <a:ea typeface="+mn-lt"/>
               <a:cs typeface="+mn-lt"/>
             </a:endParaRPr>
@@ -11446,7 +11471,7 @@
               </a:lnSpc>
             </a:pPr>
             <a:r>
-              <a:rPr lang="en-US" sz="2200" dirty="0">
+              <a:rPr lang="en-US" sz="2200">
                 <a:ea typeface="Calibri"/>
                 <a:cs typeface="Calibri"/>
               </a:rPr>
@@ -11460,7 +11485,7 @@
               </a:lnSpc>
             </a:pPr>
             <a:r>
-              <a:rPr lang="en-US" sz="2200" dirty="0">
+              <a:rPr lang="en-US" sz="2200">
                 <a:ea typeface="Calibri"/>
                 <a:cs typeface="Calibri"/>
               </a:rPr>
@@ -11474,7 +11499,7 @@
               </a:lnSpc>
             </a:pPr>
             <a:r>
-              <a:rPr lang="en-US" altLang="ja-JP" b="1" dirty="0">
+              <a:rPr lang="en-US" altLang="ja-JP" b="1">
                 <a:solidFill>
                   <a:srgbClr val="FF0000"/>
                 </a:solidFill>
@@ -11483,7 +11508,7 @@
               <a:t>We</a:t>
             </a:r>
             <a:r>
-              <a:rPr kumimoji="1" lang="en-US" altLang="ja-JP" b="1" dirty="0">
+              <a:rPr kumimoji="1" lang="en-US" altLang="ja-JP" b="1">
                 <a:solidFill>
                   <a:srgbClr val="FF0000"/>
                 </a:solidFill>
@@ -11492,7 +11517,7 @@
               <a:t> </a:t>
             </a:r>
             <a:r>
-              <a:rPr lang="en-US" altLang="ja-JP" b="1" dirty="0">
+              <a:rPr lang="en-US" altLang="ja-JP" b="1">
                 <a:solidFill>
                   <a:srgbClr val="FF0000"/>
                 </a:solidFill>
@@ -11501,7 +11526,7 @@
               <a:t>recommend</a:t>
             </a:r>
             <a:r>
-              <a:rPr kumimoji="1" lang="en-US" altLang="ja-JP" b="1" dirty="0">
+              <a:rPr kumimoji="1" lang="en-US" altLang="ja-JP" b="1">
                 <a:solidFill>
                   <a:srgbClr val="FF0000"/>
                 </a:solidFill>
@@ -11510,7 +11535,7 @@
               <a:t> using UTOL </a:t>
             </a:r>
             <a:r>
-              <a:rPr kumimoji="1" lang="en-US" altLang="ja-JP" dirty="0">
+              <a:rPr kumimoji="1" lang="en-US" altLang="ja-JP">
                 <a:ea typeface="メイリオ"/>
               </a:rPr>
               <a:t>when using an LMS.</a:t>
@@ -11527,14 +11552,14 @@
               </a:lnSpc>
             </a:pPr>
             <a:r>
-              <a:rPr lang="en-US" dirty="0">
+              <a:rPr lang="en-US">
                 <a:ea typeface="+mn-lt"/>
                 <a:cs typeface="+mn-lt"/>
               </a:rPr>
               <a:t>A unified system benefits students by </a:t>
             </a:r>
             <a:r>
-              <a:rPr lang="en-US" dirty="0">
+              <a:rPr lang="en-US">
                 <a:solidFill>
                   <a:srgbClr val="155F90"/>
                 </a:solidFill>
@@ -11544,13 +11569,13 @@
               <a:t>reducing confusion across courses</a:t>
             </a:r>
             <a:r>
-              <a:rPr lang="en-US" dirty="0">
+              <a:rPr lang="en-US">
                 <a:ea typeface="+mn-lt"/>
                 <a:cs typeface="+mn-lt"/>
               </a:rPr>
               <a:t>.</a:t>
             </a:r>
-            <a:endParaRPr lang="en-US" altLang="ja-JP" dirty="0">
+            <a:endParaRPr lang="en-US" altLang="ja-JP">
               <a:ea typeface="メイリオ"/>
               <a:cs typeface="+mn-lt"/>
             </a:endParaRPr>
@@ -11562,13 +11587,13 @@
               </a:lnSpc>
             </a:pPr>
             <a:r>
-              <a:rPr lang="en-US" dirty="0">
+              <a:rPr lang="en-US">
                 <a:ea typeface="+mn-lt"/>
                 <a:cs typeface="+mn-lt"/>
               </a:rPr>
               <a:t>Instructors or TAs can contact enrolled students without needing their email addresses.</a:t>
             </a:r>
-            <a:endParaRPr lang="en-US" altLang="ja-JP" dirty="0">
+            <a:endParaRPr lang="en-US" altLang="ja-JP">
               <a:ea typeface="メイリオ"/>
               <a:cs typeface="Calibri"/>
             </a:endParaRPr>
@@ -11834,30 +11859,30 @@
           <a:lstStyle/>
           <a:p>
             <a:r>
-              <a:rPr lang="en-US" altLang="ja-JP" dirty="0">
+              <a:rPr lang="en-US" altLang="ja-JP">
                 <a:ea typeface="メイリオ"/>
               </a:rPr>
               <a:t>What class instructors </a:t>
             </a:r>
             <a:r>
-              <a:rPr lang="en-US" altLang="ja-JP" b="1" dirty="0">
+              <a:rPr lang="en-US" altLang="ja-JP" b="1">
                 <a:ea typeface="メイリオ"/>
               </a:rPr>
               <a:t>must</a:t>
             </a:r>
             <a:r>
-              <a:rPr lang="en-US" altLang="ja-JP" dirty="0">
+              <a:rPr lang="en-US" altLang="ja-JP">
                 <a:ea typeface="メイリオ"/>
               </a:rPr>
               <a:t> do about </a:t>
             </a:r>
             <a:r>
-              <a:rPr lang="en-US" altLang="ja-JP" b="1" dirty="0">
+              <a:rPr lang="en-US" altLang="ja-JP" b="1">
                 <a:ea typeface="メイリオ"/>
               </a:rPr>
               <a:t>UTOL</a:t>
             </a:r>
-            <a:endParaRPr lang="ja-JP" altLang="en-US" b="1" dirty="0">
+            <a:endParaRPr lang="ja-JP" altLang="en-US" b="1">
               <a:ea typeface="メイリオ"/>
               <a:cs typeface="Calibri"/>
             </a:endParaRPr>
@@ -11899,7 +11924,7 @@
               <a:buNone/>
             </a:pPr>
             <a:r>
-              <a:rPr kumimoji="1" lang="en-US" altLang="ja-JP" sz="3600" b="1" dirty="0">
+              <a:rPr kumimoji="1" lang="en-US" altLang="ja-JP" sz="3600" b="1">
                 <a:solidFill>
                   <a:srgbClr val="155F90"/>
                 </a:solidFill>
@@ -11908,7 +11933,7 @@
               <a:t>Decide </a:t>
             </a:r>
             <a:r>
-              <a:rPr lang="en-US" altLang="ja-JP" sz="3600" b="1" dirty="0">
+              <a:rPr lang="en-US" altLang="ja-JP" sz="3600" b="1">
                 <a:solidFill>
                   <a:srgbClr val="155F90"/>
                 </a:solidFill>
@@ -11917,7 +11942,7 @@
               <a:t>whether to use</a:t>
             </a:r>
             <a:r>
-              <a:rPr kumimoji="1" lang="en-US" altLang="ja-JP" sz="3600" b="1" dirty="0">
+              <a:rPr kumimoji="1" lang="en-US" altLang="ja-JP" sz="3600" b="1">
                 <a:solidFill>
                   <a:srgbClr val="155F90"/>
                 </a:solidFill>
@@ -11925,7 +11950,7 @@
               </a:rPr>
               <a:t> UTOL or not</a:t>
             </a:r>
-            <a:endParaRPr lang="en-US" altLang="ja-JP" sz="3600" dirty="0">
+            <a:endParaRPr lang="en-US" altLang="ja-JP" sz="3600">
               <a:ea typeface="メイリオ"/>
               <a:cs typeface="Calibri"/>
             </a:endParaRPr>
@@ -12051,14 +12076,14 @@
           <a:lstStyle/>
           <a:p>
             <a:r>
-              <a:rPr lang="en-US" sz="2800" dirty="0">
+              <a:rPr lang="en-US" sz="2800">
                 <a:ea typeface="Calibri"/>
                 <a:cs typeface="Calibri"/>
               </a:rPr>
               <a:t>In the syllabus in UTAS, </a:t>
             </a:r>
             <a:r>
-              <a:rPr lang="en-US" altLang="ja-JP" sz="2800" dirty="0">
+              <a:rPr lang="en-US" altLang="ja-JP" sz="2800">
                 <a:ea typeface="メイリオ"/>
                 <a:cs typeface="Arial"/>
               </a:rPr>
@@ -12100,14 +12125,14 @@
           <a:p>
             <a:pPr marL="0" lvl="1"/>
             <a:r>
-              <a:rPr lang="en-US" altLang="ja-JP" sz="3200" dirty="0">
+              <a:rPr lang="en-US" altLang="ja-JP" sz="3200">
                 <a:ea typeface="メイリオ"/>
                 <a:cs typeface="Arial"/>
               </a:rPr>
               <a:t>Set</a:t>
             </a:r>
             <a:r>
-              <a:rPr lang="en-US" altLang="ja-JP" sz="3200" b="1" dirty="0">
+              <a:rPr lang="en-US" altLang="ja-JP" sz="3200" b="1">
                 <a:solidFill>
                   <a:srgbClr val="155F90"/>
                 </a:solidFill>
@@ -12116,7 +12141,7 @@
               </a:rPr>
               <a:t> registration restrictions</a:t>
             </a:r>
-            <a:endParaRPr lang="en-US" altLang="ja-JP" sz="3200" dirty="0">
+            <a:endParaRPr lang="en-US" altLang="ja-JP" sz="3200">
               <a:ea typeface="メイリオ"/>
               <a:cs typeface="Arial"/>
             </a:endParaRPr>
@@ -12127,27 +12152,27 @@
               <a:buChar char="§"/>
             </a:pPr>
             <a:r>
-              <a:rPr lang="en-US" sz="2800" dirty="0">
+              <a:rPr lang="en-US" sz="2800">
                 <a:ea typeface="+mn-lt"/>
                 <a:cs typeface="+mn-lt"/>
               </a:rPr>
               <a:t>set “</a:t>
             </a:r>
             <a:r>
-              <a:rPr lang="en-US" sz="2800" i="1" dirty="0">
+              <a:rPr lang="en-US" sz="2800" i="1">
                 <a:ea typeface="+mn-lt"/>
                 <a:cs typeface="+mn-lt"/>
               </a:rPr>
               <a:t>Enrolled Student Range Setting</a:t>
             </a:r>
             <a:r>
-              <a:rPr lang="en-US" sz="2800" dirty="0">
+              <a:rPr lang="en-US" sz="2800">
                 <a:ea typeface="+mn-lt"/>
                 <a:cs typeface="+mn-lt"/>
               </a:rPr>
               <a:t>” in UTOL</a:t>
             </a:r>
-            <a:endParaRPr lang="en-US" altLang="ja-JP" sz="2800" dirty="0">
+            <a:endParaRPr lang="en-US" altLang="ja-JP" sz="2800">
               <a:ea typeface="Meiryo UI"/>
               <a:cs typeface="Calibri"/>
             </a:endParaRPr>
@@ -12292,19 +12317,19 @@
           <a:lstStyle/>
           <a:p>
             <a:r>
-              <a:rPr lang="en-US" altLang="ja-JP" sz="3200" dirty="0">
+              <a:rPr lang="en-US" altLang="ja-JP" sz="3200">
                 <a:ea typeface="メイリオ"/>
               </a:rPr>
               <a:t>If using UTOL</a:t>
             </a:r>
-            <a:endParaRPr lang="ja-JP" altLang="en-US" dirty="0">
+            <a:endParaRPr lang="ja-JP" altLang="en-US">
               <a:ea typeface="メイリオ" panose="020B0604030504040204" pitchFamily="34" charset="-128"/>
               <a:cs typeface="Calibri" panose="020F0502020204030204"/>
             </a:endParaRPr>
           </a:p>
           <a:p>
             <a:r>
-              <a:rPr lang="en-US" sz="2800" b="1" dirty="0">
+              <a:rPr lang="en-US" sz="2800" b="1">
                 <a:solidFill>
                   <a:srgbClr val="FF0000"/>
                 </a:solidFill>
@@ -12313,7 +12338,7 @@
               </a:rPr>
               <a:t>(Recommended)</a:t>
             </a:r>
-            <a:endParaRPr lang="en-US" sz="2800" dirty="0">
+            <a:endParaRPr lang="en-US" sz="2800">
               <a:ea typeface="Calibri"/>
               <a:cs typeface="Calibri"/>
             </a:endParaRPr>
@@ -12352,12 +12377,12 @@
           <a:lstStyle/>
           <a:p>
             <a:r>
-              <a:rPr lang="en-US" altLang="ja-JP" sz="3200" dirty="0">
+              <a:rPr lang="en-US" altLang="ja-JP" sz="3200">
                 <a:ea typeface="メイリオ"/>
               </a:rPr>
               <a:t>If not</a:t>
             </a:r>
-            <a:endParaRPr lang="en-US" dirty="0"/>
+            <a:endParaRPr lang="en-US"/>
           </a:p>
         </p:txBody>
       </p:sp>
@@ -12428,10 +12453,10 @@
           <p:nvPr/>
         </p:nvPicPr>
         <p:blipFill>
-          <a:blip r:embed="rId2">
+          <a:blip r:embed="rId2" cstate="screen">
             <a:extLst>
               <a:ext uri="{28A0092B-C50C-407E-A947-70E740481C1C}">
-                <a14:useLocalDpi xmlns:a14="http://schemas.microsoft.com/office/drawing/2010/main" val="0"/>
+                <a14:useLocalDpi xmlns:a14="http://schemas.microsoft.com/office/drawing/2010/main"/>
               </a:ext>
             </a:extLst>
           </a:blip>
@@ -13034,10 +13059,10 @@
           <p:nvPr/>
         </p:nvPicPr>
         <p:blipFill>
-          <a:blip r:embed="rId2">
+          <a:blip r:embed="rId2" cstate="screen">
             <a:extLst>
               <a:ext uri="{28A0092B-C50C-407E-A947-70E740481C1C}">
-                <a14:useLocalDpi xmlns:a14="http://schemas.microsoft.com/office/drawing/2010/main" val="0"/>
+                <a14:useLocalDpi xmlns:a14="http://schemas.microsoft.com/office/drawing/2010/main"/>
               </a:ext>
             </a:extLst>
           </a:blip>
@@ -13073,10 +13098,10 @@
           <p:nvPr/>
         </p:nvPicPr>
         <p:blipFill>
-          <a:blip r:embed="rId3">
+          <a:blip r:embed="rId3" cstate="screen">
             <a:extLst>
               <a:ext uri="{28A0092B-C50C-407E-A947-70E740481C1C}">
-                <a14:useLocalDpi xmlns:a14="http://schemas.microsoft.com/office/drawing/2010/main" val="0"/>
+                <a14:useLocalDpi xmlns:a14="http://schemas.microsoft.com/office/drawing/2010/main"/>
               </a:ext>
             </a:extLst>
           </a:blip>
@@ -13238,17 +13263,17 @@
           <a:lstStyle/>
           <a:p>
             <a:r>
-              <a:rPr kumimoji="1" lang="en-US" altLang="ja-JP" sz="2400" dirty="0"/>
+              <a:rPr kumimoji="1" lang="en-US" altLang="ja-JP" sz="2400"/>
               <a:t>(Students who just</a:t>
             </a:r>
           </a:p>
           <a:p>
             <a:r>
-              <a:rPr lang="en-US" altLang="ja-JP" sz="2400" dirty="0"/>
+              <a:rPr lang="en-US" altLang="ja-JP" sz="2400"/>
               <a:t> </a:t>
             </a:r>
             <a:r>
-              <a:rPr kumimoji="1" lang="en-US" altLang="ja-JP" sz="2400" dirty="0"/>
+              <a:rPr kumimoji="1" lang="en-US" altLang="ja-JP" sz="2400"/>
               <a:t>want to browse materials)</a:t>
             </a:r>
             <a:endParaRPr kumimoji="1" lang="ja-JP" altLang="en-US" sz="2400"/>
@@ -13759,103 +13784,103 @@
           <a:lstStyle/>
           <a:p>
             <a:r>
-              <a:rPr lang="en-US" altLang="ja-JP" dirty="0">
+              <a:rPr lang="en-US" altLang="ja-JP">
                 <a:ea typeface="メイリオ"/>
               </a:rPr>
               <a:t>The class instructor</a:t>
             </a:r>
-            <a:endParaRPr lang="en-US" altLang="ja-JP" dirty="0"/>
-          </a:p>
-          <a:p>
-            <a:r>
-              <a:rPr kumimoji="1" lang="en-US" altLang="ja-JP" b="1" dirty="0">
+            <a:endParaRPr lang="en-US" altLang="ja-JP"/>
+          </a:p>
+          <a:p>
+            <a:r>
+              <a:rPr kumimoji="1" lang="en-US" altLang="ja-JP" b="1">
                 <a:ea typeface="メイリオ"/>
               </a:rPr>
               <a:t>(1) </a:t>
             </a:r>
             <a:r>
-              <a:rPr lang="en-US" altLang="ja-JP" b="1" dirty="0">
+              <a:rPr lang="en-US" altLang="ja-JP" b="1">
                 <a:ea typeface="メイリオ"/>
               </a:rPr>
               <a:t>allows</a:t>
             </a:r>
             <a:r>
-              <a:rPr kumimoji="1" lang="en-US" altLang="ja-JP" b="1" dirty="0">
+              <a:rPr kumimoji="1" lang="en-US" altLang="ja-JP" b="1">
                 <a:ea typeface="メイリオ"/>
               </a:rPr>
               <a:t> </a:t>
             </a:r>
             <a:r>
-              <a:rPr lang="en-US" b="1" dirty="0">
+              <a:rPr lang="en-US" b="1">
                 <a:ea typeface="Calibri"/>
               </a:rPr>
               <a:t>students to </a:t>
             </a:r>
             <a:r>
-              <a:rPr lang="en-US" altLang="ja-JP" b="1" dirty="0">
+              <a:rPr lang="en-US" altLang="ja-JP" b="1">
                 <a:ea typeface="メイリオ"/>
               </a:rPr>
               <a:t>self-register </a:t>
             </a:r>
-            <a:endParaRPr kumimoji="1" lang="en-US" altLang="ja-JP" dirty="0"/>
-          </a:p>
-          <a:p>
-            <a:r>
-              <a:rPr lang="en-US" altLang="ja-JP" dirty="0">
+            <a:endParaRPr kumimoji="1" lang="en-US" altLang="ja-JP"/>
+          </a:p>
+          <a:p>
+            <a:r>
+              <a:rPr lang="en-US" altLang="ja-JP">
                 <a:ea typeface="メイリオ"/>
               </a:rPr>
               <a:t>o</a:t>
             </a:r>
             <a:r>
-              <a:rPr kumimoji="1" lang="en-US" altLang="ja-JP" dirty="0">
+              <a:rPr kumimoji="1" lang="en-US" altLang="ja-JP">
                 <a:ea typeface="メイリオ"/>
               </a:rPr>
               <a:t>r </a:t>
             </a:r>
             <a:r>
-              <a:rPr kumimoji="1" lang="en-US" altLang="ja-JP" b="1" dirty="0">
+              <a:rPr kumimoji="1" lang="en-US" altLang="ja-JP" b="1">
                 <a:ea typeface="メイリオ"/>
               </a:rPr>
               <a:t>(2) </a:t>
             </a:r>
             <a:r>
-              <a:rPr lang="en-US" altLang="ja-JP" b="1" dirty="0">
+              <a:rPr lang="en-US" altLang="ja-JP" b="1">
                 <a:ea typeface="メイリオ"/>
               </a:rPr>
               <a:t>registers</a:t>
             </a:r>
             <a:r>
-              <a:rPr kumimoji="1" lang="en-US" altLang="ja-JP" b="1" dirty="0">
+              <a:rPr kumimoji="1" lang="en-US" altLang="ja-JP" b="1">
                 <a:ea typeface="メイリオ"/>
               </a:rPr>
               <a:t> </a:t>
             </a:r>
             <a:r>
-              <a:rPr lang="en-US" b="1" dirty="0">
+              <a:rPr lang="en-US" b="1">
                 <a:ea typeface="Calibri"/>
               </a:rPr>
               <a:t>students </a:t>
             </a:r>
             <a:r>
-              <a:rPr lang="en-US" altLang="ja-JP" b="1" dirty="0">
+              <a:rPr lang="en-US" altLang="ja-JP" b="1">
                 <a:ea typeface="メイリオ"/>
               </a:rPr>
               <a:t>individually</a:t>
             </a:r>
             <a:r>
-              <a:rPr kumimoji="1" lang="en-US" altLang="ja-JP" b="1" dirty="0">
+              <a:rPr kumimoji="1" lang="en-US" altLang="ja-JP" b="1">
                 <a:ea typeface="メイリオ"/>
               </a:rPr>
               <a:t>.</a:t>
             </a:r>
-            <a:endParaRPr lang="en-US" altLang="ja-JP" b="1" dirty="0">
+            <a:endParaRPr lang="en-US" altLang="ja-JP" b="1">
               <a:ea typeface="メイリオ"/>
               <a:cs typeface="Calibri"/>
             </a:endParaRPr>
           </a:p>
           <a:p>
             <a:r>
-              <a:rPr kumimoji="1" lang="en-US" altLang="ja-JP" b="1" dirty="0">
+              <a:rPr kumimoji="1" lang="en-US" altLang="ja-JP" b="1">
                 <a:solidFill>
                   <a:srgbClr val="FF0000"/>
                 </a:solidFill>
@@ -13864,7 +13889,7 @@
               <a:t>(</a:t>
             </a:r>
             <a:r>
-              <a:rPr lang="en-US" altLang="ja-JP" b="1" dirty="0">
+              <a:rPr lang="en-US" altLang="ja-JP" b="1">
                 <a:solidFill>
                   <a:srgbClr val="FF0000"/>
                 </a:solidFill>
@@ -13873,7 +13898,7 @@
               <a:t>settings need</a:t>
             </a:r>
             <a:r>
-              <a:rPr kumimoji="1" lang="en-US" altLang="ja-JP" b="1" dirty="0">
+              <a:rPr kumimoji="1" lang="en-US" altLang="ja-JP" b="1">
                 <a:solidFill>
                   <a:srgbClr val="FF0000"/>
                 </a:solidFill>
@@ -13882,7 +13907,7 @@
               <a:t> to </a:t>
             </a:r>
             <a:r>
-              <a:rPr lang="en-US" altLang="ja-JP" b="1" dirty="0">
+              <a:rPr lang="en-US" altLang="ja-JP" b="1">
                 <a:solidFill>
                   <a:srgbClr val="FF0000"/>
                 </a:solidFill>
@@ -13891,7 +13916,7 @@
               <a:t>be activated</a:t>
             </a:r>
             <a:r>
-              <a:rPr kumimoji="1" lang="en-US" altLang="ja-JP" b="1" dirty="0">
+              <a:rPr kumimoji="1" lang="en-US" altLang="ja-JP" b="1">
                 <a:solidFill>
                   <a:srgbClr val="FF0000"/>
                 </a:solidFill>
@@ -13899,7 +13924,7 @@
               </a:rPr>
               <a:t>)</a:t>
             </a:r>
-            <a:endParaRPr kumimoji="1" lang="ja-JP" altLang="en-US" b="1" dirty="0">
+            <a:endParaRPr kumimoji="1" lang="ja-JP" altLang="en-US" b="1">
               <a:solidFill>
                 <a:srgbClr val="FF0000"/>
               </a:solidFill>
@@ -13992,7 +14017,7 @@
           <a:lstStyle/>
           <a:p>
             <a:r>
-              <a:rPr lang="en-US" altLang="ja-JP" b="1" dirty="0">
+              <a:rPr lang="en-US" altLang="ja-JP" b="1">
                 <a:solidFill>
                   <a:srgbClr val="155F90"/>
                 </a:solidFill>
@@ -14084,10 +14109,10 @@
           <p:nvPr/>
         </p:nvPicPr>
         <p:blipFill>
-          <a:blip r:embed="rId3">
+          <a:blip r:embed="rId3" cstate="screen">
             <a:extLst>
               <a:ext uri="{28A0092B-C50C-407E-A947-70E740481C1C}">
-                <a14:useLocalDpi xmlns:a14="http://schemas.microsoft.com/office/drawing/2010/main" val="0"/>
+                <a14:useLocalDpi xmlns:a14="http://schemas.microsoft.com/office/drawing/2010/main"/>
               </a:ext>
             </a:extLst>
           </a:blip>
@@ -14949,17 +14974,17 @@
                     <a:lstStyle/>
                     <a:p>
                       <a:r>
-                        <a:rPr kumimoji="1" lang="en-US" altLang="ja-JP" sz="2000" dirty="0"/>
+                        <a:rPr kumimoji="1" lang="en-US" altLang="ja-JP" sz="2000"/>
                         <a:t>Course Settings</a:t>
                       </a:r>
                       <a:br>
-                        <a:rPr kumimoji="1" lang="en-US" altLang="ja-JP" sz="2000" dirty="0"/>
+                        <a:rPr kumimoji="1" lang="en-US" altLang="ja-JP" sz="2000"/>
                       </a:br>
                       <a:r>
-                        <a:rPr kumimoji="1" lang="en-US" altLang="ja-JP" sz="2000" dirty="0"/>
+                        <a:rPr kumimoji="1" lang="en-US" altLang="ja-JP" sz="2000"/>
                         <a:t>Enrolled student range setting</a:t>
                       </a:r>
-                      <a:endParaRPr kumimoji="1" lang="ja-JP" altLang="en-US" sz="2000" dirty="0"/>
+                      <a:endParaRPr kumimoji="1" lang="ja-JP" altLang="en-US" sz="2000"/>
                     </a:p>
                   </a:txBody>
                   <a:tcPr anchor="ctr"/>
@@ -14970,12 +14995,12 @@
                     <a:lstStyle/>
                     <a:p>
                       <a:r>
-                        <a:rPr lang="en-US" altLang="ja-JP" sz="2000" b="1" i="0" u="none" strike="noStrike" baseline="0" dirty="0">
+                        <a:rPr lang="en-US" altLang="ja-JP" sz="2000" b="1" i="0" u="none" strike="noStrike" baseline="0">
                           <a:latin typeface="BIZ UDPMincho"/>
                         </a:rPr>
                         <a:t>Before the end of the registration period on UTAS</a:t>
                       </a:r>
-                      <a:endParaRPr kumimoji="1" lang="ja-JP" altLang="en-US" sz="2000" dirty="0"/>
+                      <a:endParaRPr kumimoji="1" lang="ja-JP" altLang="en-US" sz="2000"/>
                     </a:p>
                   </a:txBody>
                   <a:tcPr anchor="ctr"/>
@@ -15003,23 +15028,23 @@
                         <a:defRPr/>
                       </a:pPr>
                       <a:r>
-                        <a:rPr lang="en-US" altLang="ja-JP" sz="2000" b="1" i="0" u="none" strike="noStrike" baseline="0" dirty="0">
+                        <a:rPr lang="en-US" altLang="ja-JP" sz="2000" b="1" i="0" u="none" strike="noStrike" baseline="0">
                           <a:latin typeface="BIZ UDPMincho"/>
                         </a:rPr>
                         <a:t>After the end of the</a:t>
                       </a:r>
                       <a:br>
-                        <a:rPr lang="en-US" altLang="ja-JP" sz="2000" b="1" i="0" u="none" strike="noStrike" baseline="0" dirty="0">
+                        <a:rPr lang="en-US" altLang="ja-JP" sz="2000" b="1" i="0" u="none" strike="noStrike" baseline="0">
                           <a:latin typeface="BIZ UDPMincho"/>
                         </a:rPr>
                       </a:br>
                       <a:r>
-                        <a:rPr lang="en-US" altLang="ja-JP" sz="2000" b="1" i="0" u="none" strike="noStrike" baseline="0" dirty="0">
+                        <a:rPr lang="en-US" altLang="ja-JP" sz="2000" b="1" i="0" u="none" strike="noStrike" baseline="0">
                           <a:latin typeface="BIZ UDPMincho"/>
                         </a:rPr>
                         <a:t>registration period on UTAS</a:t>
                       </a:r>
-                      <a:endParaRPr kumimoji="1" lang="ja-JP" altLang="en-US" sz="2000" dirty="0"/>
+                      <a:endParaRPr kumimoji="1" lang="ja-JP" altLang="en-US" sz="2000"/>
                     </a:p>
                   </a:txBody>
                   <a:tcPr anchor="ctr"/>
@@ -15037,19 +15062,19 @@
                     <a:lstStyle/>
                     <a:p>
                       <a:r>
-                        <a:rPr lang="en-US" altLang="ja-JP" sz="2000" b="0" i="0" u="none" strike="noStrike" baseline="0" dirty="0">
+                        <a:rPr lang="en-US" altLang="ja-JP" sz="2000" b="0" i="0" u="none" strike="noStrike" baseline="0">
                           <a:latin typeface="BIZ UDPMincho"/>
                         </a:rPr>
                         <a:t>Always “</a:t>
                       </a:r>
                       <a:r>
-                        <a:rPr lang="en-US" altLang="ja-JP" sz="2000" b="1" i="0" u="none" strike="noStrike" baseline="0" dirty="0">
+                        <a:rPr lang="en-US" altLang="ja-JP" sz="2000" b="1" i="0" u="none" strike="noStrike" baseline="0">
                           <a:latin typeface="BIZ UDPMincho"/>
                         </a:rPr>
                         <a:t>All regardless of registration method</a:t>
                       </a:r>
                       <a:r>
-                        <a:rPr lang="en-US" altLang="ja-JP" sz="2000" b="0" i="0" u="none" strike="noStrike" baseline="0" dirty="0">
+                        <a:rPr lang="en-US" altLang="ja-JP" sz="2000" b="0" i="0" u="none" strike="noStrike" baseline="0">
                           <a:latin typeface="BIZ UDPMincho"/>
                         </a:rPr>
                         <a:t>”</a:t>
@@ -15064,7 +15089,7 @@
                     <a:lstStyle/>
                     <a:p>
                       <a:r>
-                        <a:rPr lang="en-US" altLang="ja-JP" sz="2000" b="1" dirty="0">
+                        <a:rPr lang="en-US" altLang="ja-JP" sz="2000" b="1">
                           <a:solidFill>
                             <a:schemeClr val="accent6"/>
                           </a:solidFill>
@@ -15073,7 +15098,7 @@
                         <a:t>A</a:t>
                       </a:r>
                       <a:r>
-                        <a:rPr lang="en-US" altLang="ja-JP" sz="2000" b="1" i="0" u="none" strike="noStrike" baseline="0" dirty="0">
+                        <a:rPr lang="en-US" altLang="ja-JP" sz="2000" b="1" i="0" u="none" strike="noStrike" baseline="0">
                           <a:solidFill>
                             <a:schemeClr val="accent6"/>
                           </a:solidFill>
@@ -15081,7 +15106,7 @@
                         </a:rPr>
                         <a:t>llow any students who wishes to attend the class to register on UTOL by themselves before or during the class period.</a:t>
                       </a:r>
-                      <a:endParaRPr kumimoji="1" lang="ja-JP" altLang="en-US" sz="2000" dirty="0">
+                      <a:endParaRPr kumimoji="1" lang="ja-JP" altLang="en-US" sz="2000">
                         <a:solidFill>
                           <a:schemeClr val="accent6"/>
                         </a:solidFill>
@@ -15113,19 +15138,19 @@
                     <a:lstStyle/>
                     <a:p>
                       <a:r>
-                        <a:rPr lang="en-US" altLang="ja-JP" sz="2000" b="1" i="0" u="none" strike="noStrike" baseline="0" dirty="0">
+                        <a:rPr lang="en-US" altLang="ja-JP" sz="2000" b="1" i="0" u="none" strike="noStrike" baseline="0">
                           <a:latin typeface="BIZ UDPMincho"/>
                         </a:rPr>
                         <a:t>Automatically switch </a:t>
                       </a:r>
                       <a:r>
-                        <a:rPr lang="en-US" altLang="ja-JP" sz="1800" b="0" i="0" u="none" strike="noStrike" baseline="0" dirty="0">
+                        <a:rPr lang="en-US" altLang="ja-JP" sz="1800" b="0" i="0" u="none" strike="noStrike" baseline="0">
                           <a:latin typeface="BIZ UDPMincho"/>
                         </a:rPr>
                         <a:t>from “All regardless of registration method" to "Registration and instructor registration only” </a:t>
                       </a:r>
                       <a:r>
-                        <a:rPr lang="en-US" altLang="ja-JP" sz="2000" b="1" i="0" u="none" strike="noStrike" baseline="0" dirty="0">
+                        <a:rPr lang="en-US" altLang="ja-JP" sz="2000" b="1" i="0" u="none" strike="noStrike" baseline="0">
                           <a:latin typeface="BIZ UDPMincho"/>
                         </a:rPr>
                         <a:t>on the course confirmation date</a:t>
@@ -15167,19 +15192,19 @@
                     <a:lstStyle/>
                     <a:p>
                       <a:r>
-                        <a:rPr lang="en-US" altLang="ja-JP" sz="2000" b="0" i="0" u="none" strike="noStrike" baseline="0" dirty="0">
+                        <a:rPr lang="en-US" altLang="ja-JP" sz="2000" b="0" i="0" u="none" strike="noStrike" baseline="0">
                           <a:latin typeface="BIZ UDPMincho"/>
                         </a:rPr>
                         <a:t>Always “</a:t>
                       </a:r>
                       <a:r>
-                        <a:rPr lang="en-US" altLang="ja-JP" sz="2000" b="1" i="0" u="none" strike="noStrike" baseline="0" dirty="0">
+                        <a:rPr lang="en-US" altLang="ja-JP" sz="2000" b="1" i="0" u="none" strike="noStrike" baseline="0">
                           <a:latin typeface="BIZ UDPMincho"/>
                         </a:rPr>
                         <a:t>Registration and instructor registration only</a:t>
                       </a:r>
                       <a:r>
-                        <a:rPr lang="en-US" altLang="ja-JP" sz="2000" b="0" i="0" u="none" strike="noStrike" baseline="0" dirty="0">
+                        <a:rPr lang="en-US" altLang="ja-JP" sz="2000" b="0" i="0" u="none" strike="noStrike" baseline="0">
                           <a:latin typeface="BIZ UDPMincho"/>
                         </a:rPr>
                         <a:t>”</a:t>
@@ -15211,7 +15236,7 @@
                         <a:defRPr/>
                       </a:pPr>
                       <a:r>
-                        <a:rPr lang="en-US" altLang="ja-JP" sz="2000" b="1" dirty="0">
+                        <a:rPr lang="en-US" altLang="ja-JP" sz="2000" b="1">
                           <a:solidFill>
                             <a:srgbClr val="FF0000"/>
                           </a:solidFill>
@@ -15219,7 +15244,7 @@
                         <a:t>A</a:t>
                       </a:r>
                       <a:r>
-                        <a:rPr kumimoji="1" lang="en-US" altLang="ja-JP" sz="2000" b="1" dirty="0">
+                        <a:rPr kumimoji="1" lang="en-US" altLang="ja-JP" sz="2000" b="1">
                           <a:solidFill>
                             <a:srgbClr val="FF0000"/>
                           </a:solidFill>
@@ -15227,7 +15252,7 @@
                         <a:t>llow only students registered on UTAS and students directly invited by the instructor to </a:t>
                       </a:r>
                       <a:r>
-                        <a:rPr lang="en-US" altLang="ja-JP" sz="2000" b="1" dirty="0">
+                        <a:rPr lang="en-US" altLang="ja-JP" sz="2000" b="1">
                           <a:solidFill>
                             <a:srgbClr val="FF0000"/>
                           </a:solidFill>
@@ -15235,14 +15260,14 @@
                         <a:t>register</a:t>
                       </a:r>
                       <a:r>
-                        <a:rPr kumimoji="1" lang="en-US" altLang="ja-JP" sz="2000" b="1" dirty="0">
+                        <a:rPr kumimoji="1" lang="en-US" altLang="ja-JP" sz="2000" b="1">
                           <a:solidFill>
                             <a:srgbClr val="FF0000"/>
                           </a:solidFill>
                         </a:rPr>
                         <a:t> on UTOL.</a:t>
                       </a:r>
-                      <a:endParaRPr kumimoji="1" lang="ja-JP" altLang="en-US" sz="2000" dirty="0">
+                      <a:endParaRPr kumimoji="1" lang="ja-JP" altLang="en-US" sz="2000">
                         <a:solidFill>
                           <a:srgbClr val="FF0000"/>
                         </a:solidFill>
@@ -15300,7 +15325,7 @@
           <a:lstStyle/>
           <a:p>
             <a:r>
-              <a:rPr kumimoji="1" lang="en-US" altLang="ja-JP" sz="2000" b="1" dirty="0">
+              <a:rPr kumimoji="1" lang="en-US" altLang="ja-JP" sz="2000" b="1">
                 <a:solidFill>
                   <a:srgbClr val="FF0000"/>
                 </a:solidFill>
@@ -15310,7 +15335,7 @@
           </a:p>
           <a:p>
             <a:r>
-              <a:rPr kumimoji="1" lang="en-US" altLang="ja-JP" sz="2000" b="1" dirty="0">
+              <a:rPr kumimoji="1" lang="en-US" altLang="ja-JP" sz="2000" b="1">
                 <a:solidFill>
                   <a:srgbClr val="FF0000"/>
                 </a:solidFill>
@@ -15722,7 +15747,13 @@
           <p:nvPr/>
         </p:nvPicPr>
         <p:blipFill>
-          <a:blip r:embed="rId2"/>
+          <a:blip r:embed="rId2" cstate="screen">
+            <a:extLst>
+              <a:ext uri="{28A0092B-C50C-407E-A947-70E740481C1C}">
+                <a14:useLocalDpi xmlns:a14="http://schemas.microsoft.com/office/drawing/2010/main"/>
+              </a:ext>
+            </a:extLst>
+          </a:blip>
           <a:stretch>
             <a:fillRect/>
           </a:stretch>
@@ -15908,19 +15939,19 @@
               </a:lnSpc>
             </a:pPr>
             <a:r>
-              <a:rPr kumimoji="1" lang="en-US" altLang="ja-JP" dirty="0">
+              <a:rPr kumimoji="1" lang="en-US" altLang="ja-JP">
                 <a:ea typeface="メイリオ"/>
               </a:rPr>
               <a:t>(Invite </a:t>
             </a:r>
             <a:r>
-              <a:rPr lang="en-US" altLang="ja-JP" dirty="0">
+              <a:rPr lang="en-US" altLang="ja-JP">
                 <a:ea typeface="メイリオ"/>
               </a:rPr>
               <a:t>or register</a:t>
             </a:r>
             <a:r>
-              <a:rPr kumimoji="1" lang="en-US" altLang="ja-JP" dirty="0">
+              <a:rPr kumimoji="1" lang="en-US" altLang="ja-JP">
                 <a:ea typeface="メイリオ"/>
               </a:rPr>
               <a:t> students to the courses)</a:t>
@@ -15933,18 +15964,18 @@
               </a:lnSpc>
             </a:pPr>
             <a:r>
-              <a:rPr lang="en-US" altLang="ja-JP" dirty="0">
+              <a:rPr lang="en-US" altLang="ja-JP">
                 <a:ea typeface="メイリオ"/>
               </a:rPr>
               <a:t>Only if you a</a:t>
             </a:r>
             <a:r>
-              <a:rPr kumimoji="1" lang="en-US" altLang="ja-JP" dirty="0">
+              <a:rPr kumimoji="1" lang="en-US" altLang="ja-JP">
                 <a:ea typeface="メイリオ"/>
               </a:rPr>
               <a:t>llow only students registered on UTAS and there are students who must be manually invited by the instructor</a:t>
             </a:r>
-            <a:endParaRPr lang="en-US" altLang="ja-JP" dirty="0">
+            <a:endParaRPr lang="en-US" altLang="ja-JP">
               <a:ea typeface="メイリオ"/>
               <a:cs typeface="Calibri"/>
             </a:endParaRPr>
@@ -15956,12 +15987,12 @@
               </a:lnSpc>
             </a:pPr>
             <a:r>
-              <a:rPr kumimoji="1" lang="en-US" altLang="ja-JP" dirty="0">
+              <a:rPr kumimoji="1" lang="en-US" altLang="ja-JP">
                 <a:ea typeface="メイリオ"/>
               </a:rPr>
               <a:t>Distribute class materials to students</a:t>
             </a:r>
-            <a:endParaRPr lang="en-US" altLang="ja-JP" dirty="0">
+            <a:endParaRPr lang="en-US" altLang="ja-JP">
               <a:ea typeface="メイリオ"/>
               <a:cs typeface="Calibri"/>
             </a:endParaRPr>
@@ -15973,12 +16004,12 @@
               </a:lnSpc>
             </a:pPr>
             <a:r>
-              <a:rPr lang="en-US" altLang="ja-JP" dirty="0">
+              <a:rPr lang="en-US" altLang="ja-JP">
                 <a:ea typeface="メイリオ"/>
               </a:rPr>
               <a:t>Inform the online class information to students</a:t>
             </a:r>
-            <a:endParaRPr lang="en-US" altLang="ja-JP" dirty="0">
+            <a:endParaRPr lang="en-US" altLang="ja-JP">
               <a:ea typeface="メイリオ"/>
               <a:cs typeface="Calibri"/>
             </a:endParaRPr>
@@ -15990,24 +16021,24 @@
               </a:lnSpc>
             </a:pPr>
             <a:r>
-              <a:rPr lang="en-US" altLang="ja-JP" dirty="0">
+              <a:rPr lang="en-US" altLang="ja-JP">
                 <a:ea typeface="メイリオ"/>
               </a:rPr>
               <a:t>Send/receive direct messages (or entire notice) to </a:t>
             </a:r>
             <a:r>
-              <a:rPr lang="en-US" dirty="0">
+              <a:rPr lang="en-US">
                 <a:ea typeface="Calibri"/>
               </a:rPr>
               <a:t>registered </a:t>
             </a:r>
             <a:r>
-              <a:rPr lang="en-US" altLang="ja-JP" dirty="0">
+              <a:rPr lang="en-US" altLang="ja-JP">
                 <a:ea typeface="メイリオ"/>
               </a:rPr>
               <a:t>students and TAs</a:t>
             </a:r>
-            <a:endParaRPr lang="en-US" altLang="ja-JP" dirty="0">
+            <a:endParaRPr lang="en-US" altLang="ja-JP">
               <a:ea typeface="メイリオ"/>
               <a:cs typeface="Calibri"/>
             </a:endParaRPr>
@@ -16019,7 +16050,7 @@
               </a:lnSpc>
             </a:pPr>
             <a:r>
-              <a:rPr lang="en-US" dirty="0">
+              <a:rPr lang="en-US">
                 <a:ea typeface="Calibri"/>
                 <a:cs typeface="Calibri"/>
               </a:rPr>
@@ -16033,7 +16064,7 @@
               </a:lnSpc>
             </a:pPr>
             <a:r>
-              <a:rPr lang="en-US" dirty="0">
+              <a:rPr lang="en-US">
                 <a:ea typeface="Calibri"/>
                 <a:cs typeface="Calibri"/>
               </a:rPr>
@@ -16047,13 +16078,13 @@
               </a:lnSpc>
             </a:pPr>
             <a:r>
-              <a:rPr lang="en-US" dirty="0">
+              <a:rPr lang="en-US">
                 <a:ea typeface="Calibri"/>
                 <a:cs typeface="Calibri"/>
               </a:rPr>
               <a:t>Exchange opinions on threads in a forum </a:t>
             </a:r>
-            <a:endParaRPr lang="en-US" dirty="0"/>
+            <a:endParaRPr lang="en-US"/>
           </a:p>
           <a:p>
             <a:pPr>
@@ -16062,13 +16093,13 @@
               </a:lnSpc>
             </a:pPr>
             <a:r>
-              <a:rPr lang="en-US" dirty="0">
+              <a:rPr lang="en-US">
                 <a:ea typeface="Calibri"/>
                 <a:cs typeface="Calibri"/>
               </a:rPr>
               <a:t>Receive update notifications</a:t>
             </a:r>
-            <a:endParaRPr lang="en-US" dirty="0"/>
+            <a:endParaRPr lang="en-US"/>
           </a:p>
           <a:p>
             <a:pPr lvl="1">
@@ -16077,21 +16108,21 @@
               </a:lnSpc>
             </a:pPr>
             <a:r>
-              <a:rPr lang="en-US" dirty="0">
+              <a:rPr lang="en-US">
                 <a:ea typeface="Calibri"/>
                 <a:cs typeface="Calibri"/>
               </a:rPr>
               <a:t>Via email, LINE, </a:t>
             </a:r>
             <a:r>
-              <a:rPr lang="en-US" dirty="0" err="1">
+              <a:rPr lang="en-US" err="1">
                 <a:ea typeface="Calibri"/>
                 <a:cs typeface="Calibri"/>
               </a:rPr>
               <a:t>UTokyo</a:t>
             </a:r>
             <a:r>
-              <a:rPr lang="en-US" dirty="0">
+              <a:rPr lang="en-US">
                 <a:ea typeface="Calibri"/>
                 <a:cs typeface="Calibri"/>
               </a:rPr>
@@ -16296,7 +16327,7 @@
               </a:lnSpc>
             </a:pPr>
             <a:r>
-              <a:rPr lang="en-US" altLang="ja-JP" dirty="0">
+              <a:rPr lang="en-US" altLang="ja-JP">
                 <a:ea typeface="+mn-lt"/>
                 <a:cs typeface="+mn-lt"/>
               </a:rPr>
@@ -16322,7 +16353,7 @@
               <a:buAutoNum type="alphaUcPeriod"/>
             </a:pPr>
             <a:r>
-              <a:rPr lang="en-US" altLang="ja-JP" sz="2800" dirty="0">
+              <a:rPr lang="en-US" altLang="ja-JP" sz="2800">
                 <a:solidFill>
                   <a:srgbClr val="155F90"/>
                 </a:solidFill>
@@ -16332,7 +16363,7 @@
               <a:t>Instructors can</a:t>
             </a:r>
             <a:r>
-              <a:rPr lang="ja-JP" altLang="en-US" sz="2800" dirty="0">
+              <a:rPr lang="ja-JP" altLang="en-US" sz="2800">
                 <a:solidFill>
                   <a:srgbClr val="155F90"/>
                 </a:solidFill>
@@ -16342,7 +16373,7 @@
               <a:t> </a:t>
             </a:r>
             <a:r>
-              <a:rPr lang="en-US" altLang="ja-JP" sz="2800" dirty="0">
+              <a:rPr lang="en-US" altLang="ja-JP" sz="2800">
                 <a:solidFill>
                   <a:srgbClr val="155F90"/>
                 </a:solidFill>
@@ -16352,7 +16383,7 @@
               <a:t>register feedback comments or upload a feedback file in UTOL.</a:t>
             </a:r>
             <a:br>
-              <a:rPr lang="en-US" altLang="ja-JP" sz="2800" dirty="0">
+              <a:rPr lang="en-US" altLang="ja-JP" sz="2800">
                 <a:solidFill>
                   <a:srgbClr val="155F90"/>
                 </a:solidFill>
@@ -16361,7 +16392,7 @@
               </a:rPr>
             </a:br>
             <a:r>
-              <a:rPr lang="en-US" sz="2800" dirty="0">
+              <a:rPr lang="en-US" sz="2800">
                 <a:solidFill>
                   <a:srgbClr val="155F90"/>
                 </a:solidFill>
@@ -16370,7 +16401,7 @@
               </a:rPr>
               <a:t>See also: UTOL manual pp. 75-78</a:t>
             </a:r>
-            <a:endParaRPr lang="ja-JP" sz="2800" dirty="0">
+            <a:endParaRPr lang="ja-JP" sz="2800">
               <a:solidFill>
                 <a:srgbClr val="000000"/>
               </a:solidFill>
@@ -16515,7 +16546,7 @@
           <a:p>
             <a:pPr algn="ctr"/>
             <a:r>
-              <a:rPr lang="en-US" dirty="0">
+              <a:rPr lang="en-US">
                 <a:solidFill>
                   <a:srgbClr val="FF0000"/>
                 </a:solidFill>
@@ -16549,7 +16580,13 @@
           <p:nvPr/>
         </p:nvPicPr>
         <p:blipFill>
-          <a:blip r:embed="rId2"/>
+          <a:blip r:embed="rId2" cstate="screen">
+            <a:extLst>
+              <a:ext uri="{28A0092B-C50C-407E-A947-70E740481C1C}">
+                <a14:useLocalDpi xmlns:a14="http://schemas.microsoft.com/office/drawing/2010/main"/>
+              </a:ext>
+            </a:extLst>
+          </a:blip>
           <a:stretch>
             <a:fillRect/>
           </a:stretch>
@@ -16586,7 +16623,13 @@
           <p:nvPr/>
         </p:nvPicPr>
         <p:blipFill>
-          <a:blip r:embed="rId3"/>
+          <a:blip r:embed="rId3" cstate="screen">
+            <a:extLst>
+              <a:ext uri="{28A0092B-C50C-407E-A947-70E740481C1C}">
+                <a14:useLocalDpi xmlns:a14="http://schemas.microsoft.com/office/drawing/2010/main"/>
+              </a:ext>
+            </a:extLst>
+          </a:blip>
           <a:stretch>
             <a:fillRect/>
           </a:stretch>
@@ -16762,7 +16805,7 @@
               </a:lnSpc>
             </a:pPr>
             <a:r>
-              <a:rPr lang="en-US" altLang="ja-JP" dirty="0">
+              <a:rPr lang="en-US" altLang="ja-JP">
                 <a:ea typeface="+mn-lt"/>
                 <a:cs typeface="+mn-lt"/>
               </a:rPr>
@@ -16785,7 +16828,7 @@
               <a:buAutoNum type="alphaUcPeriod"/>
             </a:pPr>
             <a:r>
-              <a:rPr lang="en-US" sz="2800" dirty="0">
+              <a:rPr lang="en-US" sz="2800">
                 <a:solidFill>
                   <a:srgbClr val="155F90"/>
                 </a:solidFill>
@@ -16795,7 +16838,7 @@
               <a:t>Yes. Please click </a:t>
             </a:r>
             <a:r>
-              <a:rPr lang="en-US" sz="2800" i="1" dirty="0">
+              <a:rPr lang="en-US" sz="2800" i="1">
                 <a:solidFill>
                   <a:srgbClr val="155F90"/>
                 </a:solidFill>
@@ -16805,7 +16848,7 @@
               <a:t>User group settings</a:t>
             </a:r>
             <a:r>
-              <a:rPr lang="en-US" sz="2800" dirty="0">
+              <a:rPr lang="en-US" sz="2800">
                 <a:solidFill>
                   <a:srgbClr val="155F90"/>
                 </a:solidFill>
@@ -16815,7 +16858,7 @@
               <a:t>.</a:t>
             </a:r>
             <a:br>
-              <a:rPr lang="en-US" sz="2800" dirty="0">
+              <a:rPr lang="en-US" sz="2800">
                 <a:solidFill>
                   <a:srgbClr val="155F90"/>
                 </a:solidFill>
@@ -16824,7 +16867,7 @@
               </a:rPr>
             </a:br>
             <a:r>
-              <a:rPr lang="en-US" sz="2800" dirty="0">
+              <a:rPr lang="en-US" sz="2800">
                 <a:solidFill>
                   <a:srgbClr val="155F90"/>
                 </a:solidFill>
@@ -16834,13 +16877,13 @@
               <a:t>See also: UTOL manual pp. 215-219</a:t>
             </a:r>
             <a:r>
-              <a:rPr lang="en-US" sz="2800" dirty="0">
+              <a:rPr lang="en-US" sz="2800">
                 <a:ea typeface="+mn-lt"/>
                 <a:cs typeface="+mn-lt"/>
               </a:rPr>
               <a:t> </a:t>
             </a:r>
-            <a:endParaRPr lang="en-US" altLang="ja-JP" sz="2800" dirty="0">
+            <a:endParaRPr lang="en-US" altLang="ja-JP" sz="2800">
               <a:ea typeface="+mn-lt"/>
               <a:cs typeface="+mn-lt"/>
             </a:endParaRPr>
@@ -16851,7 +16894,7 @@
                 <a:spcPct val="100000"/>
               </a:lnSpc>
             </a:pPr>
-            <a:endParaRPr lang="en-US" altLang="ja-JP" dirty="0">
+            <a:endParaRPr lang="en-US" altLang="ja-JP">
               <a:ea typeface="+mn-lt"/>
               <a:cs typeface="+mn-lt"/>
             </a:endParaRPr>
@@ -16863,7 +16906,7 @@
               </a:lnSpc>
             </a:pPr>
             <a:r>
-              <a:rPr lang="en-US" altLang="ja-JP" dirty="0">
+              <a:rPr lang="en-US" altLang="ja-JP">
                 <a:ea typeface="+mn-lt"/>
                 <a:cs typeface="+mn-lt"/>
               </a:rPr>
@@ -16877,20 +16920,20 @@
               <a:t>Is it possible to upload a document (e.g., a feedback sheet or a </a:t>
             </a:r>
             <a:r>
-              <a:rPr lang="en-US" altLang="ja-JP" dirty="0">
+              <a:rPr lang="en-US" altLang="ja-JP">
                 <a:ea typeface="+mn-lt"/>
                 <a:cs typeface="+mn-lt"/>
               </a:rPr>
               <a:t>document</a:t>
             </a:r>
             <a:r>
-              <a:rPr lang="ja-JP" dirty="0">
+              <a:rPr lang="ja-JP">
                 <a:ea typeface="+mn-lt"/>
                 <a:cs typeface="+mn-lt"/>
               </a:rPr>
               <a:t>) to only one student?</a:t>
             </a:r>
-            <a:endParaRPr lang="ja-JP" dirty="0">
+            <a:endParaRPr lang="ja-JP">
               <a:ea typeface="メイリオ"/>
               <a:cs typeface="Calibri"/>
             </a:endParaRPr>
@@ -16903,7 +16946,7 @@
               <a:buAutoNum type="alphaUcPeriod"/>
             </a:pPr>
             <a:r>
-              <a:rPr lang="en-US" altLang="ja-JP" sz="2800" dirty="0">
+              <a:rPr lang="en-US" altLang="ja-JP" sz="2800">
                 <a:solidFill>
                   <a:srgbClr val="155F90"/>
                 </a:solidFill>
@@ -16913,7 +16956,7 @@
               <a:t>Yes. Please use </a:t>
             </a:r>
             <a:r>
-              <a:rPr lang="en-US" sz="2800" i="1" dirty="0">
+              <a:rPr lang="en-US" sz="2800" i="1">
                 <a:solidFill>
                   <a:srgbClr val="155F90"/>
                 </a:solidFill>
@@ -16923,7 +16966,7 @@
               <a:t>Messages</a:t>
             </a:r>
             <a:r>
-              <a:rPr lang="en-US" sz="2800" dirty="0">
+              <a:rPr lang="en-US" sz="2800">
                 <a:solidFill>
                   <a:srgbClr val="155F90"/>
                 </a:solidFill>
@@ -16933,7 +16976,7 @@
               <a:t>.</a:t>
             </a:r>
             <a:br>
-              <a:rPr lang="en-US" sz="2800" dirty="0">
+              <a:rPr lang="en-US" sz="2800">
                 <a:solidFill>
                   <a:srgbClr val="155F90"/>
                 </a:solidFill>
@@ -16942,7 +16985,7 @@
               </a:rPr>
             </a:br>
             <a:r>
-              <a:rPr lang="en-US" sz="2800" dirty="0">
+              <a:rPr lang="en-US" sz="2800">
                 <a:solidFill>
                   <a:srgbClr val="155F90"/>
                 </a:solidFill>
@@ -16951,7 +16994,7 @@
               </a:rPr>
               <a:t>See also: UTOL manual pp. 49-57</a:t>
             </a:r>
-            <a:endParaRPr lang="ja-JP" sz="2800" dirty="0">
+            <a:endParaRPr lang="ja-JP" sz="2800">
               <a:solidFill>
                 <a:srgbClr val="155F90"/>
               </a:solidFill>
@@ -17241,31 +17284,31 @@
               <a:buNone/>
             </a:pPr>
             <a:r>
-              <a:rPr lang="en-US" altLang="ja-JP" b="1" dirty="0">
+              <a:rPr lang="en-US" altLang="ja-JP" b="1">
                 <a:ea typeface="メイリオ"/>
               </a:rPr>
               <a:t>UTOL guidance article on </a:t>
             </a:r>
             <a:r>
-              <a:rPr lang="en-US" altLang="ja-JP" b="1" dirty="0" err="1">
+              <a:rPr lang="en-US" altLang="ja-JP" b="1" err="1">
                 <a:ea typeface="メイリオ"/>
               </a:rPr>
               <a:t>utelecon</a:t>
             </a:r>
             <a:r>
-              <a:rPr lang="en-US" altLang="ja-JP" b="1" dirty="0">
+              <a:rPr lang="en-US" altLang="ja-JP" b="1">
                 <a:ea typeface="メイリオ"/>
               </a:rPr>
               <a:t> </a:t>
             </a:r>
             <a:r>
-              <a:rPr lang="en-US" altLang="ja-JP" dirty="0">
+              <a:rPr lang="en-US" altLang="ja-JP">
                 <a:ea typeface="メイリオ"/>
               </a:rPr>
               <a:t>(</a:t>
             </a:r>
             <a:r>
-              <a:rPr lang="en-US" altLang="ja-JP" b="1" dirty="0">
+              <a:rPr lang="en-US" altLang="ja-JP" b="1">
                 <a:solidFill>
                   <a:srgbClr val="155F90"/>
                 </a:solidFill>
@@ -17274,7 +17317,7 @@
               <a:t>English version provided</a:t>
             </a:r>
             <a:r>
-              <a:rPr lang="en-US" altLang="ja-JP" dirty="0">
+              <a:rPr lang="en-US" altLang="ja-JP">
                 <a:ea typeface="メイリオ"/>
               </a:rPr>
               <a:t>)</a:t>
@@ -17282,43 +17325,43 @@
           </a:p>
           <a:p>
             <a:r>
-              <a:rPr kumimoji="1" lang="en-US" altLang="ja-JP" dirty="0">
+              <a:rPr kumimoji="1" lang="en-US" altLang="ja-JP">
                 <a:ea typeface="メイリオ"/>
               </a:rPr>
               <a:t>For Faculty</a:t>
             </a:r>
             <a:br>
-              <a:rPr lang="en-US" altLang="ja-JP" dirty="0"/>
+              <a:rPr lang="en-US" altLang="ja-JP"/>
             </a:br>
             <a:r>
-              <a:rPr kumimoji="1" lang="en-US" altLang="ja-JP" sz="2400" dirty="0">
+              <a:rPr kumimoji="1" lang="en-US" altLang="ja-JP" sz="2400">
                 <a:ea typeface="メイリオ"/>
                 <a:hlinkClick r:id="rId2"/>
               </a:rPr>
               <a:t>https://utelecon.adm.u-tokyo.ac.jp/en/utol/lecturers/</a:t>
             </a:r>
-            <a:endParaRPr kumimoji="1" lang="en-US" altLang="ja-JP" sz="2400" dirty="0">
+            <a:endParaRPr kumimoji="1" lang="en-US" altLang="ja-JP" sz="2400">
               <a:ea typeface="メイリオ"/>
             </a:endParaRPr>
           </a:p>
           <a:p>
             <a:r>
-              <a:rPr kumimoji="1" lang="en-US" altLang="ja-JP" dirty="0">
+              <a:rPr kumimoji="1" lang="en-US" altLang="ja-JP">
                 <a:ea typeface="メイリオ"/>
               </a:rPr>
               <a:t>For Students</a:t>
             </a:r>
             <a:br>
-              <a:rPr lang="en-US" altLang="ja-JP" dirty="0"/>
+              <a:rPr lang="en-US" altLang="ja-JP"/>
             </a:br>
             <a:r>
-              <a:rPr kumimoji="1" lang="en-US" altLang="ja-JP" sz="2400" dirty="0">
+              <a:rPr kumimoji="1" lang="en-US" altLang="ja-JP" sz="2400">
                 <a:ea typeface="メイリオ"/>
                 <a:hlinkClick r:id="rId3"/>
               </a:rPr>
               <a:t>https://utelecon.adm.u-tokyo.ac.jp/en/utol/students/</a:t>
             </a:r>
-            <a:endParaRPr kumimoji="1" lang="en-US" altLang="ja-JP" sz="2400" dirty="0">
+            <a:endParaRPr kumimoji="1" lang="en-US" altLang="ja-JP" sz="2400">
               <a:ea typeface="メイリオ"/>
             </a:endParaRPr>
           </a:p>
@@ -17330,52 +17373,52 @@
               <a:buNone/>
             </a:pPr>
             <a:r>
-              <a:rPr lang="en-US" altLang="ja-JP" b="1" dirty="0">
+              <a:rPr lang="en-US" altLang="ja-JP" b="1">
                 <a:ea typeface="メイリオ"/>
               </a:rPr>
               <a:t>UTOL guidance article on </a:t>
             </a:r>
             <a:r>
-              <a:rPr lang="en-US" altLang="ja-JP" b="1" dirty="0" err="1">
+              <a:rPr lang="en-US" altLang="ja-JP" b="1" err="1">
                 <a:ea typeface="メイリオ"/>
               </a:rPr>
               <a:t>UTokyo</a:t>
             </a:r>
             <a:r>
-              <a:rPr lang="en-US" altLang="ja-JP" b="1" dirty="0">
+              <a:rPr lang="en-US" altLang="ja-JP" b="1">
                 <a:ea typeface="メイリオ"/>
               </a:rPr>
               <a:t> Portal </a:t>
             </a:r>
             <a:r>
-              <a:rPr lang="en-US" altLang="ja-JP" dirty="0">
+              <a:rPr lang="en-US" altLang="ja-JP">
                 <a:ea typeface="メイリオ"/>
               </a:rPr>
               <a:t>(only in Japanese)</a:t>
             </a:r>
-            <a:endParaRPr lang="en-US" altLang="ja-JP" dirty="0">
+            <a:endParaRPr lang="en-US" altLang="ja-JP">
               <a:ea typeface="メイリオ"/>
               <a:cs typeface="Calibri"/>
             </a:endParaRPr>
           </a:p>
           <a:p>
             <a:r>
-              <a:rPr lang="en-US" altLang="ja-JP" dirty="0">
+              <a:rPr lang="en-US" altLang="ja-JP">
                 <a:ea typeface="メイリオ"/>
               </a:rPr>
               <a:t>For Administrative Staff</a:t>
             </a:r>
             <a:br>
-              <a:rPr lang="en-US" altLang="ja-JP" dirty="0"/>
+              <a:rPr lang="en-US" altLang="ja-JP"/>
             </a:br>
             <a:r>
-              <a:rPr lang="en-US" altLang="ja-JP" sz="2400" dirty="0">
+              <a:rPr lang="en-US" altLang="ja-JP" sz="2400">
                 <a:ea typeface="メイリオ"/>
                 <a:hlinkClick r:id="rId4"/>
               </a:rPr>
               <a:t>https://univtokyo.sharepoint.com/sites/utokyoportal/wiki/d/UTOL.aspx</a:t>
             </a:r>
-            <a:endParaRPr lang="en-US" altLang="ja-JP" dirty="0">
+            <a:endParaRPr lang="en-US" altLang="ja-JP">
               <a:ea typeface="メイリオ"/>
             </a:endParaRPr>
           </a:p>
@@ -17390,40 +17433,27 @@
               <a:buNone/>
             </a:pPr>
             <a:r>
-              <a:rPr lang="en-US" altLang="ja-JP" b="1" dirty="0">
+              <a:rPr lang="en-US" altLang="ja-JP" b="1">
                 <a:ea typeface="メイリオ"/>
-              </a:rPr>
-              <a:t>Appendix </a:t>
-            </a:r>
-            <a:r>
-              <a:rPr lang="en-US" altLang="ja-JP" sz="2000" b="1" dirty="0">
+                <a:hlinkClick r:id="rId5"/>
+              </a:rPr>
+              <a:t>Appendix</a:t>
+            </a:r>
+            <a:r>
+              <a:rPr lang="en-US" altLang="ja-JP" b="1">
                 <a:ea typeface="メイリオ"/>
               </a:rPr>
+              <a:t> </a:t>
+            </a:r>
+            <a:r>
+              <a:rPr lang="en-US" altLang="ja-JP" sz="2000" b="1">
+                <a:ea typeface="メイリオ"/>
+              </a:rPr>
               <a:t>(English translation of the material of the Information session in March 2024)</a:t>
             </a:r>
-            <a:endParaRPr lang="en-US" altLang="ja-JP" sz="2000" b="1" dirty="0">
+            <a:endParaRPr lang="en-US" altLang="ja-JP" sz="2000" b="1">
               <a:ea typeface="メイリオ"/>
               <a:cs typeface="Calibri"/>
-            </a:endParaRPr>
-          </a:p>
-          <a:p>
-            <a:pPr marL="0" indent="0">
-              <a:buNone/>
-            </a:pPr>
-            <a:r>
-              <a:rPr kumimoji="1" lang="en-US" altLang="ja-JP" sz="2000" b="1" dirty="0">
-                <a:solidFill>
-                  <a:srgbClr val="FF0000"/>
-                </a:solidFill>
-                <a:ea typeface="メイリオ"/>
-              </a:rPr>
-              <a:t>* Coming soon</a:t>
-            </a:r>
-            <a:endParaRPr kumimoji="1" lang="ja-JP" altLang="en-US" sz="2000" b="1" dirty="0">
-              <a:solidFill>
-                <a:srgbClr val="FF0000"/>
-              </a:solidFill>
-              <a:ea typeface="メイリオ"/>
             </a:endParaRPr>
           </a:p>
         </p:txBody>
@@ -17503,10 +17533,10 @@
           <p:nvPr/>
         </p:nvPicPr>
         <p:blipFill>
-          <a:blip r:embed="rId3">
+          <a:blip r:embed="rId3" cstate="screen">
             <a:extLst>
               <a:ext uri="{28A0092B-C50C-407E-A947-70E740481C1C}">
-                <a14:useLocalDpi xmlns:a14="http://schemas.microsoft.com/office/drawing/2010/main" val="0"/>
+                <a14:useLocalDpi xmlns:a14="http://schemas.microsoft.com/office/drawing/2010/main"/>
               </a:ext>
             </a:extLst>
           </a:blip>
@@ -18229,11 +18259,11 @@
               </a:lnSpc>
             </a:pPr>
             <a:r>
-              <a:rPr lang="en-US" altLang="ja-JP" dirty="0" err="1"/>
+              <a:rPr lang="en-US" altLang="ja-JP" err="1"/>
               <a:t>UTokyo</a:t>
             </a:r>
             <a:r>
-              <a:rPr lang="en-US" altLang="ja-JP" dirty="0"/>
+              <a:rPr lang="en-US" altLang="ja-JP"/>
               <a:t> experienced a rapid increase in the use of ICT systems and tools in classes after fully online in 2020!</a:t>
             </a:r>
           </a:p>
@@ -18244,7 +18274,7 @@
               </a:lnSpc>
             </a:pPr>
             <a:r>
-              <a:rPr lang="en-US" altLang="ja-JP" dirty="0"/>
+              <a:rPr lang="en-US" altLang="ja-JP"/>
               <a:t>Since then, there has been a considerable return to face-to-face classes, but the use of ICT systems and tools in the classroom has increased significantly compared to before 2019.</a:t>
             </a:r>
           </a:p>
@@ -18255,7 +18285,7 @@
               </a:lnSpc>
             </a:pPr>
             <a:r>
-              <a:rPr lang="en-US" altLang="ja-JP" dirty="0"/>
+              <a:rPr lang="en-US" altLang="ja-JP"/>
               <a:t>Progress has also been made in developing an environment for the use of IT systems in the classroom.</a:t>
             </a:r>
           </a:p>
@@ -18266,7 +18296,7 @@
               </a:lnSpc>
             </a:pPr>
             <a:r>
-              <a:rPr lang="en-US" altLang="ja-JP" dirty="0"/>
+              <a:rPr lang="en-US" altLang="ja-JP"/>
               <a:t>Wi-Fi has been installed in classrooms, and students are now bringing their own laptops and other devices to class.</a:t>
             </a:r>
           </a:p>
@@ -18574,7 +18604,7 @@
               <a:buNone/>
             </a:pPr>
             <a:r>
-              <a:rPr kumimoji="1" lang="en-US" altLang="ja-JP" sz="3600" b="1" dirty="0">
+              <a:rPr kumimoji="1" lang="en-US" altLang="ja-JP" sz="3600" b="1">
                 <a:solidFill>
                   <a:srgbClr val="155F90"/>
                 </a:solidFill>
@@ -18594,10 +18624,10 @@
               <a:t>Before starting classes, we recommend that you become familiar with the following systems</a:t>
             </a:r>
             <a:r>
-              <a:rPr kumimoji="1" lang="en-US" altLang="ja-JP" dirty="0"/>
+              <a:rPr kumimoji="1" lang="en-US" altLang="ja-JP"/>
               <a:t>:</a:t>
             </a:r>
-            <a:endParaRPr lang="en-US" altLang="ja-JP" dirty="0"/>
+            <a:endParaRPr lang="en-US" altLang="ja-JP"/>
           </a:p>
           <a:p>
             <a:pPr lvl="1">
@@ -18606,15 +18636,15 @@
               </a:lnSpc>
             </a:pPr>
             <a:r>
-              <a:rPr kumimoji="1" lang="en-US" altLang="ja-JP" b="1" dirty="0"/>
+              <a:rPr kumimoji="1" lang="en-US" altLang="ja-JP" b="1"/>
               <a:t>UTAS </a:t>
             </a:r>
             <a:r>
-              <a:rPr kumimoji="1" lang="en-US" altLang="ja-JP" dirty="0"/>
+              <a:rPr kumimoji="1" lang="en-US" altLang="ja-JP"/>
               <a:t>(</a:t>
             </a:r>
             <a:r>
-              <a:rPr kumimoji="1" lang="en-US" altLang="ja-JP" b="1" dirty="0" err="1">
+              <a:rPr kumimoji="1" lang="en-US" altLang="ja-JP" b="1" err="1">
                 <a:solidFill>
                   <a:schemeClr val="accent6"/>
                 </a:solidFill>
@@ -18622,15 +18652,15 @@
               <a:t>UT</a:t>
             </a:r>
             <a:r>
-              <a:rPr kumimoji="1" lang="en-US" altLang="ja-JP" dirty="0" err="1"/>
+              <a:rPr kumimoji="1" lang="en-US" altLang="ja-JP" err="1"/>
               <a:t>okyo</a:t>
             </a:r>
             <a:r>
-              <a:rPr kumimoji="1" lang="en-US" altLang="ja-JP" dirty="0"/>
+              <a:rPr kumimoji="1" lang="en-US" altLang="ja-JP"/>
               <a:t> </a:t>
             </a:r>
             <a:r>
-              <a:rPr kumimoji="1" lang="en-US" altLang="ja-JP" b="1" dirty="0">
+              <a:rPr kumimoji="1" lang="en-US" altLang="ja-JP" b="1">
                 <a:solidFill>
                   <a:schemeClr val="accent6"/>
                 </a:solidFill>
@@ -18638,11 +18668,11 @@
               <a:t>A</a:t>
             </a:r>
             <a:r>
-              <a:rPr kumimoji="1" lang="en-US" altLang="ja-JP" dirty="0"/>
+              <a:rPr kumimoji="1" lang="en-US" altLang="ja-JP"/>
               <a:t>cademic Affairs </a:t>
             </a:r>
             <a:r>
-              <a:rPr kumimoji="1" lang="en-US" altLang="ja-JP" b="1" dirty="0">
+              <a:rPr kumimoji="1" lang="en-US" altLang="ja-JP" b="1">
                 <a:solidFill>
                   <a:schemeClr val="accent6"/>
                 </a:solidFill>
@@ -18650,7 +18680,7 @@
               <a:t>S</a:t>
             </a:r>
             <a:r>
-              <a:rPr kumimoji="1" lang="en-US" altLang="ja-JP" dirty="0"/>
+              <a:rPr kumimoji="1" lang="en-US" altLang="ja-JP"/>
               <a:t>ystem)</a:t>
             </a:r>
           </a:p>
@@ -18661,7 +18691,7 @@
               </a:lnSpc>
             </a:pPr>
             <a:r>
-              <a:rPr lang="en-US" altLang="ja-JP" dirty="0"/>
+              <a:rPr lang="en-US" altLang="ja-JP"/>
               <a:t>is u</a:t>
             </a:r>
             <a:r>
@@ -18669,7 +18699,7 @@
               <a:t>sed </a:t>
             </a:r>
             <a:r>
-              <a:rPr lang="en-US" altLang="ja-JP" dirty="0"/>
+              <a:rPr lang="en-US" altLang="ja-JP"/>
               <a:t>to </a:t>
             </a:r>
             <a:r>
@@ -18677,7 +18707,7 @@
               <a:t>register </a:t>
             </a:r>
             <a:r>
-              <a:rPr lang="en-US" altLang="ja-JP" dirty="0"/>
+              <a:rPr lang="en-US" altLang="ja-JP"/>
               <a:t>syllabuses</a:t>
             </a:r>
             <a:r>
@@ -18685,7 +18715,7 @@
               <a:t> and </a:t>
             </a:r>
             <a:r>
-              <a:rPr lang="en-US" altLang="ja-JP" dirty="0"/>
+              <a:rPr lang="en-US" altLang="ja-JP"/>
               <a:t>assign</a:t>
             </a:r>
             <a:r>
@@ -18693,7 +18723,7 @@
               <a:t> grades</a:t>
             </a:r>
             <a:r>
-              <a:rPr lang="en-US" altLang="ja-JP" dirty="0"/>
+              <a:rPr lang="en-US" altLang="ja-JP"/>
               <a:t>.</a:t>
             </a:r>
           </a:p>
@@ -18704,7 +18734,7 @@
               </a:lnSpc>
             </a:pPr>
             <a:r>
-              <a:rPr lang="en-US" altLang="ja-JP" dirty="0"/>
+              <a:rPr lang="en-US" altLang="ja-JP"/>
               <a:t>deals with information that should be officially recorded (syllabuses and grade).</a:t>
             </a:r>
           </a:p>
@@ -18715,15 +18745,15 @@
               </a:lnSpc>
             </a:pPr>
             <a:r>
-              <a:rPr kumimoji="1" lang="en-US" altLang="ja-JP" b="1" dirty="0"/>
+              <a:rPr kumimoji="1" lang="en-US" altLang="ja-JP" b="1"/>
               <a:t>UTOL</a:t>
             </a:r>
             <a:r>
-              <a:rPr kumimoji="1" lang="en-US" altLang="ja-JP" dirty="0"/>
+              <a:rPr kumimoji="1" lang="en-US" altLang="ja-JP"/>
               <a:t> (</a:t>
             </a:r>
             <a:r>
-              <a:rPr kumimoji="1" lang="en-US" altLang="ja-JP" b="1" dirty="0" err="1">
+              <a:rPr kumimoji="1" lang="en-US" altLang="ja-JP" b="1" err="1">
                 <a:solidFill>
                   <a:schemeClr val="accent6"/>
                 </a:solidFill>
@@ -18731,15 +18761,15 @@
               <a:t>UTo</a:t>
             </a:r>
             <a:r>
-              <a:rPr kumimoji="1" lang="en-US" altLang="ja-JP" dirty="0" err="1"/>
+              <a:rPr kumimoji="1" lang="en-US" altLang="ja-JP" err="1"/>
               <a:t>kyo</a:t>
             </a:r>
             <a:r>
-              <a:rPr kumimoji="1" lang="en-US" altLang="ja-JP" dirty="0"/>
+              <a:rPr kumimoji="1" lang="en-US" altLang="ja-JP"/>
               <a:t> </a:t>
             </a:r>
             <a:r>
-              <a:rPr kumimoji="1" lang="en-US" altLang="ja-JP" b="1" dirty="0">
+              <a:rPr kumimoji="1" lang="en-US" altLang="ja-JP" b="1">
                 <a:solidFill>
                   <a:schemeClr val="accent6"/>
                 </a:solidFill>
@@ -18747,7 +18777,7 @@
               <a:t>L</a:t>
             </a:r>
             <a:r>
-              <a:rPr kumimoji="1" lang="en-US" altLang="ja-JP" dirty="0"/>
+              <a:rPr kumimoji="1" lang="en-US" altLang="ja-JP"/>
               <a:t>MS; Learning </a:t>
             </a:r>
             <a:r>
@@ -18755,7 +18785,7 @@
               <a:t>Management System</a:t>
             </a:r>
             <a:r>
-              <a:rPr kumimoji="1" lang="en-US" altLang="ja-JP" dirty="0"/>
+              <a:rPr kumimoji="1" lang="en-US" altLang="ja-JP"/>
               <a:t>)</a:t>
             </a:r>
           </a:p>
@@ -18766,11 +18796,11 @@
               </a:lnSpc>
             </a:pPr>
             <a:r>
-              <a:rPr lang="en-US" altLang="ja-JP" dirty="0"/>
+              <a:rPr lang="en-US" altLang="ja-JP"/>
               <a:t>is u</a:t>
             </a:r>
             <a:r>
-              <a:rPr kumimoji="1" lang="en-US" altLang="ja-JP" dirty="0"/>
+              <a:rPr kumimoji="1" lang="en-US" altLang="ja-JP"/>
               <a:t>sed to issue notices, distribute materials, record attendance, and accept assignments.</a:t>
             </a:r>
           </a:p>
@@ -18781,7 +18811,7 @@
               </a:lnSpc>
             </a:pPr>
             <a:r>
-              <a:rPr lang="en-US" altLang="ja-JP" dirty="0"/>
+              <a:rPr lang="en-US" altLang="ja-JP"/>
               <a:t>supports the exchange of information between faculty and students during class periods.</a:t>
             </a:r>
           </a:p>
@@ -18792,11 +18822,11 @@
               </a:lnSpc>
             </a:pPr>
             <a:r>
-              <a:rPr lang="en-US" altLang="ja-JP" b="1" dirty="0"/>
+              <a:rPr lang="en-US" altLang="ja-JP" b="1"/>
               <a:t>Zoom </a:t>
             </a:r>
             <a:r>
-              <a:rPr lang="en-US" altLang="ja-JP" dirty="0"/>
+              <a:rPr lang="en-US" altLang="ja-JP"/>
               <a:t>(online </a:t>
             </a:r>
             <a:r>
@@ -18804,7 +18834,7 @@
               <a:t>conferencing </a:t>
             </a:r>
             <a:r>
-              <a:rPr lang="en-US" altLang="ja-JP" dirty="0"/>
+              <a:rPr lang="en-US" altLang="ja-JP"/>
               <a:t>tool)</a:t>
             </a:r>
           </a:p>
@@ -18815,18 +18845,18 @@
               </a:lnSpc>
             </a:pPr>
             <a:r>
-              <a:rPr lang="en-US" altLang="ja-JP" dirty="0"/>
+              <a:rPr lang="en-US" altLang="ja-JP"/>
               <a:t>is t</a:t>
             </a:r>
             <a:r>
-              <a:rPr kumimoji="1" lang="en-US" altLang="ja-JP" dirty="0"/>
+              <a:rPr kumimoji="1" lang="en-US" altLang="ja-JP"/>
               <a:t>he most widely used online conferencing tool in </a:t>
             </a:r>
             <a:r>
-              <a:rPr kumimoji="1" lang="en-US" altLang="ja-JP" dirty="0" err="1"/>
+              <a:rPr kumimoji="1" lang="en-US" altLang="ja-JP" err="1"/>
               <a:t>UTokyo</a:t>
             </a:r>
-            <a:endParaRPr kumimoji="1" lang="en-US" altLang="ja-JP" dirty="0"/>
+            <a:endParaRPr kumimoji="1" lang="en-US" altLang="ja-JP"/>
           </a:p>
         </p:txBody>
       </p:sp>
@@ -19125,7 +19155,7 @@
           <a:lstStyle/>
           <a:p>
             <a:r>
-              <a:rPr lang="en-US" altLang="ja-JP" dirty="0"/>
+              <a:rPr lang="en-US" altLang="ja-JP"/>
               <a:t>For More Details</a:t>
             </a:r>
             <a:endParaRPr kumimoji="1" lang="ja-JP" altLang="en-US"/>
@@ -19300,7 +19330,13 @@
           <p:nvPr/>
         </p:nvPicPr>
         <p:blipFill>
-          <a:blip r:embed="rId3"/>
+          <a:blip r:embed="rId3" cstate="screen">
+            <a:extLst>
+              <a:ext uri="{28A0092B-C50C-407E-A947-70E740481C1C}">
+                <a14:useLocalDpi xmlns:a14="http://schemas.microsoft.com/office/drawing/2010/main"/>
+              </a:ext>
+            </a:extLst>
+          </a:blip>
           <a:stretch>
             <a:fillRect/>
           </a:stretch>
@@ -20329,7 +20365,7 @@
               </a:lnSpc>
             </a:pPr>
             <a:r>
-              <a:rPr lang="en-US" altLang="ja-JP" dirty="0">
+              <a:rPr lang="en-US" altLang="ja-JP">
                 <a:ea typeface="メイリオ"/>
               </a:rPr>
               <a:t>Before class period</a:t>
@@ -20342,12 +20378,12 @@
               </a:lnSpc>
             </a:pPr>
             <a:r>
-              <a:rPr lang="en-US" altLang="ja-JP" dirty="0">
+              <a:rPr lang="en-US" altLang="ja-JP">
                 <a:ea typeface="メイリオ"/>
               </a:rPr>
               <a:t>Writing the syllabus</a:t>
             </a:r>
-            <a:endParaRPr lang="en-US" altLang="ja-JP" dirty="0">
+            <a:endParaRPr lang="en-US" altLang="ja-JP">
               <a:solidFill>
                 <a:srgbClr val="FF9900"/>
               </a:solidFill>
@@ -20361,12 +20397,12 @@
               </a:lnSpc>
             </a:pPr>
             <a:r>
-              <a:rPr lang="en-US" altLang="ja-JP" dirty="0">
+              <a:rPr lang="en-US" altLang="ja-JP">
                 <a:ea typeface="メイリオ"/>
               </a:rPr>
               <a:t>During class period</a:t>
             </a:r>
-            <a:endParaRPr lang="en-US" altLang="ja-JP" dirty="0">
+            <a:endParaRPr lang="en-US" altLang="ja-JP">
               <a:ea typeface="メイリオ"/>
               <a:cs typeface="Calibri"/>
             </a:endParaRPr>
@@ -20378,12 +20414,12 @@
               </a:lnSpc>
             </a:pPr>
             <a:r>
-              <a:rPr lang="en-US" altLang="ja-JP" dirty="0">
+              <a:rPr lang="en-US" altLang="ja-JP">
                 <a:ea typeface="メイリオ"/>
               </a:rPr>
               <a:t>Communication with students outside of class hours</a:t>
             </a:r>
-            <a:endParaRPr lang="en-US" altLang="ja-JP" dirty="0">
+            <a:endParaRPr lang="en-US" altLang="ja-JP">
               <a:ea typeface="メイリオ"/>
               <a:cs typeface="Calibri"/>
             </a:endParaRPr>
@@ -20395,12 +20431,12 @@
               </a:lnSpc>
             </a:pPr>
             <a:r>
-              <a:rPr lang="en-US" altLang="ja-JP" dirty="0">
+              <a:rPr lang="en-US" altLang="ja-JP">
                 <a:ea typeface="メイリオ"/>
               </a:rPr>
               <a:t>Setting up online meetings and inform students about it</a:t>
             </a:r>
-            <a:endParaRPr lang="en-US" altLang="ja-JP" dirty="0">
+            <a:endParaRPr lang="en-US" altLang="ja-JP">
               <a:solidFill>
                 <a:srgbClr val="3366FF"/>
               </a:solidFill>
@@ -20414,12 +20450,12 @@
               </a:lnSpc>
             </a:pPr>
             <a:r>
-              <a:rPr lang="en-US" altLang="ja-JP" dirty="0">
+              <a:rPr lang="en-US" altLang="ja-JP">
                 <a:ea typeface="メイリオ"/>
               </a:rPr>
               <a:t>Distributing materials</a:t>
             </a:r>
-            <a:endParaRPr lang="en-US" altLang="ja-JP" dirty="0">
+            <a:endParaRPr lang="en-US" altLang="ja-JP">
               <a:ea typeface="メイリオ"/>
               <a:cs typeface="Calibri"/>
             </a:endParaRPr>
@@ -20431,12 +20467,12 @@
               </a:lnSpc>
             </a:pPr>
             <a:r>
-              <a:rPr lang="en-US" altLang="ja-JP" dirty="0">
+              <a:rPr lang="en-US" altLang="ja-JP">
                 <a:ea typeface="メイリオ"/>
               </a:rPr>
               <a:t>Checking student attendance</a:t>
             </a:r>
-            <a:endParaRPr lang="en-US" altLang="ja-JP" dirty="0">
+            <a:endParaRPr lang="en-US" altLang="ja-JP">
               <a:solidFill>
                 <a:schemeClr val="accent6"/>
               </a:solidFill>
@@ -20450,12 +20486,12 @@
               </a:lnSpc>
             </a:pPr>
             <a:r>
-              <a:rPr lang="en-US" altLang="ja-JP" dirty="0">
+              <a:rPr lang="en-US" altLang="ja-JP">
                 <a:ea typeface="メイリオ"/>
               </a:rPr>
               <a:t>Assigning assignments, collecting and grading assignments	</a:t>
             </a:r>
-            <a:endParaRPr lang="en-US" altLang="ja-JP" dirty="0">
+            <a:endParaRPr lang="en-US" altLang="ja-JP">
               <a:solidFill>
                 <a:schemeClr val="accent6"/>
               </a:solidFill>
@@ -20469,12 +20505,12 @@
               </a:lnSpc>
             </a:pPr>
             <a:r>
-              <a:rPr lang="en-US" altLang="ja-JP" dirty="0">
+              <a:rPr lang="en-US" altLang="ja-JP">
                 <a:ea typeface="メイリオ"/>
               </a:rPr>
               <a:t>Online testing</a:t>
             </a:r>
-            <a:endParaRPr lang="en-US" altLang="ja-JP" dirty="0">
+            <a:endParaRPr lang="en-US" altLang="ja-JP">
               <a:solidFill>
                 <a:schemeClr val="accent6"/>
               </a:solidFill>
@@ -20488,12 +20524,12 @@
               </a:lnSpc>
             </a:pPr>
             <a:r>
-              <a:rPr lang="en-US" altLang="ja-JP" dirty="0">
+              <a:rPr lang="en-US" altLang="ja-JP">
                 <a:ea typeface="メイリオ"/>
               </a:rPr>
               <a:t>Notify students of class cancellations and supplementary classes</a:t>
             </a:r>
-            <a:endParaRPr lang="en-US" altLang="ja-JP" dirty="0">
+            <a:endParaRPr lang="en-US" altLang="ja-JP">
               <a:ea typeface="メイリオ"/>
               <a:cs typeface="Calibri"/>
             </a:endParaRPr>
@@ -20505,12 +20541,12 @@
               </a:lnSpc>
             </a:pPr>
             <a:r>
-              <a:rPr lang="en-US" altLang="ja-JP" dirty="0">
+              <a:rPr lang="en-US" altLang="ja-JP">
                 <a:ea typeface="メイリオ"/>
               </a:rPr>
               <a:t>After class period</a:t>
             </a:r>
-            <a:endParaRPr lang="en-US" altLang="ja-JP" dirty="0">
+            <a:endParaRPr lang="en-US" altLang="ja-JP">
               <a:ea typeface="メイリオ"/>
               <a:cs typeface="Calibri"/>
             </a:endParaRPr>
@@ -20522,7 +20558,7 @@
               </a:lnSpc>
             </a:pPr>
             <a:r>
-              <a:rPr lang="en-US" altLang="ja-JP" dirty="0">
+              <a:rPr lang="en-US" altLang="ja-JP">
                 <a:ea typeface="メイリオ"/>
               </a:rPr>
               <a:t>Assigning grades</a:t>
@@ -22034,10 +22070,10 @@
           <p:nvPr/>
         </p:nvPicPr>
         <p:blipFill>
-          <a:blip r:embed="rId5">
+          <a:blip r:embed="rId5" cstate="screen">
             <a:extLst>
               <a:ext uri="{28A0092B-C50C-407E-A947-70E740481C1C}">
-                <a14:useLocalDpi xmlns:a14="http://schemas.microsoft.com/office/drawing/2010/main" val="0"/>
+                <a14:useLocalDpi xmlns:a14="http://schemas.microsoft.com/office/drawing/2010/main"/>
               </a:ext>
             </a:extLst>
           </a:blip>
@@ -22073,10 +22109,10 @@
           <p:nvPr/>
         </p:nvPicPr>
         <p:blipFill>
-          <a:blip r:embed="rId6">
+          <a:blip r:embed="rId6" cstate="screen">
             <a:extLst>
               <a:ext uri="{28A0092B-C50C-407E-A947-70E740481C1C}">
-                <a14:useLocalDpi xmlns:a14="http://schemas.microsoft.com/office/drawing/2010/main" val="0"/>
+                <a14:useLocalDpi xmlns:a14="http://schemas.microsoft.com/office/drawing/2010/main"/>
               </a:ext>
             </a:extLst>
           </a:blip>
@@ -22216,10 +22252,10 @@
           <p:nvPr/>
         </p:nvPicPr>
         <p:blipFill>
-          <a:blip r:embed="rId3">
+          <a:blip r:embed="rId3" cstate="screen">
             <a:extLst>
               <a:ext uri="{28A0092B-C50C-407E-A947-70E740481C1C}">
-                <a14:useLocalDpi xmlns:a14="http://schemas.microsoft.com/office/drawing/2010/main" val="0"/>
+                <a14:useLocalDpi xmlns:a14="http://schemas.microsoft.com/office/drawing/2010/main"/>
               </a:ext>
             </a:extLst>
           </a:blip>
@@ -23110,7 +23146,13 @@
           <p:nvPr/>
         </p:nvPicPr>
         <p:blipFill>
-          <a:blip r:embed="rId2"/>
+          <a:blip r:embed="rId2" cstate="screen">
+            <a:extLst>
+              <a:ext uri="{28A0092B-C50C-407E-A947-70E740481C1C}">
+                <a14:useLocalDpi xmlns:a14="http://schemas.microsoft.com/office/drawing/2010/main"/>
+              </a:ext>
+            </a:extLst>
+          </a:blip>
           <a:srcRect t="2999"/>
           <a:stretch/>
         </p:blipFill>
@@ -23188,7 +23230,13 @@
           <p:nvPr/>
         </p:nvPicPr>
         <p:blipFill>
-          <a:blip r:embed="rId3"/>
+          <a:blip r:embed="rId3" cstate="screen">
+            <a:extLst>
+              <a:ext uri="{28A0092B-C50C-407E-A947-70E740481C1C}">
+                <a14:useLocalDpi xmlns:a14="http://schemas.microsoft.com/office/drawing/2010/main"/>
+              </a:ext>
+            </a:extLst>
+          </a:blip>
           <a:stretch>
             <a:fillRect/>
           </a:stretch>
@@ -23555,7 +23603,7 @@
               <a:buNone/>
             </a:pPr>
             <a:r>
-              <a:rPr lang="en-US" altLang="ja-JP" b="1" dirty="0">
+              <a:rPr lang="en-US" altLang="ja-JP" b="1">
                 <a:solidFill>
                   <a:srgbClr val="FF0000"/>
                 </a:solidFill>
@@ -23564,7 +23612,7 @@
               <a:t>For detail</a:t>
             </a:r>
             <a:r>
-              <a:rPr kumimoji="1" lang="en-US" altLang="ja-JP" b="1" dirty="0">
+              <a:rPr kumimoji="1" lang="en-US" altLang="ja-JP" b="1">
                 <a:solidFill>
                   <a:srgbClr val="FF0000"/>
                 </a:solidFill>
@@ -23573,7 +23621,7 @@
               <a:t>, please follow the requests and instructions of the faculty/graduate school </a:t>
             </a:r>
             <a:r>
-              <a:rPr lang="en-US" altLang="ja-JP" b="1" dirty="0">
+              <a:rPr lang="en-US" altLang="ja-JP" b="1">
                 <a:solidFill>
                   <a:srgbClr val="FF0000"/>
                 </a:solidFill>
@@ -23582,7 +23630,7 @@
               <a:t>offering the </a:t>
             </a:r>
             <a:r>
-              <a:rPr lang="en-US" altLang="ja-JP" b="1" dirty="0">
+              <a:rPr lang="en-US" altLang="ja-JP" b="1">
                 <a:solidFill>
                   <a:srgbClr val="FF0000"/>
                 </a:solidFill>
@@ -23591,7 +23639,7 @@
               </a:rPr>
               <a:t>courses.</a:t>
             </a:r>
-            <a:endParaRPr kumimoji="1" lang="en-US" altLang="ja-JP" b="1" dirty="0">
+            <a:endParaRPr kumimoji="1" lang="en-US" altLang="ja-JP" b="1">
               <a:solidFill>
                 <a:srgbClr val="FF0000"/>
               </a:solidFill>
@@ -23603,7 +23651,7 @@
               <a:buNone/>
             </a:pPr>
             <a:r>
-              <a:rPr lang="en-US" altLang="ja-JP" sz="2400" b="1" dirty="0">
+              <a:rPr lang="en-US" altLang="ja-JP" sz="2400" b="1">
                 <a:solidFill>
                   <a:srgbClr val="FF0000"/>
                 </a:solidFill>
@@ -23611,7 +23659,7 @@
               </a:rPr>
               <a:t>(When to enter, what to enter, how to enter, etc. )</a:t>
             </a:r>
-            <a:endParaRPr lang="en-US" altLang="ja-JP" sz="2400" b="1" dirty="0">
+            <a:endParaRPr lang="en-US" altLang="ja-JP" sz="2400" b="1">
               <a:solidFill>
                 <a:srgbClr val="FF0000"/>
               </a:solidFill>
@@ -23623,7 +23671,7 @@
             <a:pPr marL="0" indent="0">
               <a:buNone/>
             </a:pPr>
-            <a:endParaRPr kumimoji="1" lang="en-US" altLang="ja-JP" sz="1400" dirty="0"/>
+            <a:endParaRPr kumimoji="1" lang="en-US" altLang="ja-JP" sz="1400"/>
           </a:p>
           <a:p>
             <a:pPr marL="514350" indent="-514350">
@@ -23631,7 +23679,7 @@
               <a:buAutoNum type="arabicPeriod"/>
             </a:pPr>
             <a:r>
-              <a:rPr kumimoji="1" lang="en-US" altLang="ja-JP" b="1" dirty="0">
+              <a:rPr kumimoji="1" lang="en-US" altLang="ja-JP" b="1">
                 <a:solidFill>
                   <a:srgbClr val="155F90"/>
                 </a:solidFill>
@@ -23640,7 +23688,7 @@
               <a:t>Write the syllabus for the </a:t>
             </a:r>
             <a:r>
-              <a:rPr lang="en-US" altLang="ja-JP" b="1" dirty="0">
+              <a:rPr lang="en-US" altLang="ja-JP" b="1">
                 <a:solidFill>
                   <a:srgbClr val="155F90"/>
                 </a:solidFill>
@@ -23648,7 +23696,7 @@
               </a:rPr>
               <a:t>courses.</a:t>
             </a:r>
-            <a:endParaRPr lang="en-US" altLang="ja-JP" b="1" dirty="0">
+            <a:endParaRPr lang="en-US" altLang="ja-JP" b="1">
               <a:solidFill>
                 <a:srgbClr val="155F90"/>
               </a:solidFill>
@@ -23659,13 +23707,13 @@
           <a:p>
             <a:pPr lvl="1"/>
             <a:r>
-              <a:rPr kumimoji="1" lang="en-US" altLang="ja-JP" dirty="0">
+              <a:rPr kumimoji="1" lang="en-US" altLang="ja-JP">
                 <a:ea typeface="メイリオ"/>
               </a:rPr>
               <a:t>See also: </a:t>
             </a:r>
             <a:r>
-              <a:rPr kumimoji="1" lang="en-US" altLang="ja-JP" b="1" dirty="0">
+              <a:rPr kumimoji="1" lang="en-US" altLang="ja-JP" b="1">
                 <a:solidFill>
                   <a:srgbClr val="155F90"/>
                 </a:solidFill>
@@ -23674,24 +23722,24 @@
               <a:t>Guidelines for Creating Syllabuses </a:t>
             </a:r>
             <a:r>
-              <a:rPr kumimoji="1" lang="en-US" altLang="ja-JP" sz="2000" dirty="0">
+              <a:rPr kumimoji="1" lang="en-US" altLang="ja-JP" sz="2000">
                 <a:ea typeface="メイリオ"/>
               </a:rPr>
               <a:t>(English ver./Japanese ver</a:t>
             </a:r>
             <a:r>
-              <a:rPr lang="en-US" altLang="ja-JP" sz="2000" dirty="0">
+              <a:rPr lang="en-US" altLang="ja-JP" sz="2000">
                 <a:ea typeface="メイリオ"/>
               </a:rPr>
               <a:t>.</a:t>
             </a:r>
             <a:r>
-              <a:rPr kumimoji="1" lang="en-US" altLang="ja-JP" sz="2000" dirty="0">
+              <a:rPr kumimoji="1" lang="en-US" altLang="ja-JP" sz="2000">
                 <a:ea typeface="メイリオ"/>
               </a:rPr>
               <a:t>)</a:t>
             </a:r>
-            <a:endParaRPr lang="en-US" altLang="ja-JP" sz="2000" dirty="0">
+            <a:endParaRPr lang="en-US" altLang="ja-JP" sz="2000">
               <a:ea typeface="メイリオ"/>
               <a:cs typeface="Calibri"/>
             </a:endParaRPr>
@@ -23699,24 +23747,24 @@
           <a:p>
             <a:pPr lvl="1"/>
             <a:r>
-              <a:rPr lang="en-US" altLang="ja-JP" dirty="0">
+              <a:rPr lang="en-US" altLang="ja-JP">
                 <a:ea typeface="メイリオ"/>
               </a:rPr>
               <a:t>See also: UTAS manual for faculty </a:t>
             </a:r>
             <a:r>
-              <a:rPr lang="en-US" altLang="ja-JP" sz="2000" dirty="0">
+              <a:rPr lang="en-US" altLang="ja-JP" sz="2000">
                 <a:ea typeface="メイリオ"/>
               </a:rPr>
               <a:t>(currently provided only in Japanese)</a:t>
             </a:r>
             <a:r>
-              <a:rPr lang="en-US" altLang="ja-JP" dirty="0">
+              <a:rPr lang="en-US" altLang="ja-JP">
                 <a:ea typeface="メイリオ"/>
               </a:rPr>
               <a:t> pp. 32-47</a:t>
             </a:r>
-            <a:endParaRPr lang="en-US" altLang="ja-JP" dirty="0">
+            <a:endParaRPr lang="en-US" altLang="ja-JP">
               <a:ea typeface="メイリオ"/>
               <a:cs typeface="Calibri"/>
             </a:endParaRPr>
@@ -23726,7 +23774,7 @@
               <a:buAutoNum type="arabicPeriod"/>
             </a:pPr>
             <a:r>
-              <a:rPr kumimoji="1" lang="en-US" altLang="ja-JP" b="1" dirty="0">
+              <a:rPr kumimoji="1" lang="en-US" altLang="ja-JP" b="1">
                 <a:solidFill>
                   <a:srgbClr val="155F90"/>
                 </a:solidFill>
@@ -23735,7 +23783,7 @@
               <a:t>Check students who have registered for the </a:t>
             </a:r>
             <a:r>
-              <a:rPr lang="en-US" b="1" dirty="0">
+              <a:rPr lang="en-US" b="1">
                 <a:solidFill>
                   <a:srgbClr val="155F90"/>
                 </a:solidFill>
@@ -23743,7 +23791,7 @@
               </a:rPr>
               <a:t>courses.</a:t>
             </a:r>
-            <a:endParaRPr lang="en-US" b="1" dirty="0">
+            <a:endParaRPr lang="en-US" b="1">
               <a:solidFill>
                 <a:srgbClr val="155F90"/>
               </a:solidFill>
@@ -23754,24 +23802,24 @@
           <a:p>
             <a:pPr lvl="1"/>
             <a:r>
-              <a:rPr lang="en-US" altLang="ja-JP" dirty="0">
+              <a:rPr lang="en-US" altLang="ja-JP">
                 <a:ea typeface="メイリオ"/>
               </a:rPr>
               <a:t>See also: UTAS manual for faculty </a:t>
             </a:r>
             <a:r>
-              <a:rPr lang="en-US" altLang="ja-JP" sz="2000" dirty="0">
+              <a:rPr lang="en-US" altLang="ja-JP" sz="2000">
                 <a:ea typeface="メイリオ"/>
               </a:rPr>
               <a:t>(currently provided only in Japanese)</a:t>
             </a:r>
             <a:r>
-              <a:rPr lang="en-US" altLang="ja-JP" dirty="0">
+              <a:rPr lang="en-US" altLang="ja-JP">
                 <a:ea typeface="メイリオ"/>
               </a:rPr>
               <a:t> pp. 7-12</a:t>
             </a:r>
-            <a:endParaRPr lang="en-US" altLang="ja-JP" dirty="0">
+            <a:endParaRPr lang="en-US" altLang="ja-JP">
               <a:ea typeface="メイリオ"/>
               <a:cs typeface="Calibri"/>
             </a:endParaRPr>
@@ -23781,7 +23829,7 @@
               <a:buAutoNum type="arabicPeriod"/>
             </a:pPr>
             <a:r>
-              <a:rPr kumimoji="1" lang="en-US" altLang="ja-JP" b="1" dirty="0">
+              <a:rPr kumimoji="1" lang="en-US" altLang="ja-JP" b="1">
                 <a:solidFill>
                   <a:srgbClr val="155F90"/>
                 </a:solidFill>
@@ -23790,7 +23838,7 @@
               <a:t>Assign grades to students after the </a:t>
             </a:r>
             <a:r>
-              <a:rPr lang="en-US" b="1" dirty="0">
+              <a:rPr lang="en-US" b="1">
                 <a:solidFill>
                   <a:srgbClr val="155F90"/>
                 </a:solidFill>
@@ -23798,7 +23846,7 @@
               </a:rPr>
               <a:t>courses.</a:t>
             </a:r>
-            <a:endParaRPr lang="en-US" b="1" dirty="0">
+            <a:endParaRPr lang="en-US" b="1">
               <a:solidFill>
                 <a:srgbClr val="155F90"/>
               </a:solidFill>
@@ -23809,24 +23857,24 @@
           <a:p>
             <a:pPr lvl="1"/>
             <a:r>
-              <a:rPr lang="en-US" altLang="ja-JP" dirty="0">
+              <a:rPr lang="en-US" altLang="ja-JP">
                 <a:ea typeface="メイリオ"/>
               </a:rPr>
               <a:t>See also: UTAS manual for faculty </a:t>
             </a:r>
             <a:r>
-              <a:rPr lang="en-US" altLang="ja-JP" sz="2000" dirty="0">
+              <a:rPr lang="en-US" altLang="ja-JP" sz="2000">
                 <a:ea typeface="メイリオ"/>
               </a:rPr>
               <a:t>(currently provided only in Japanese)</a:t>
             </a:r>
             <a:r>
-              <a:rPr lang="en-US" altLang="ja-JP" dirty="0">
+              <a:rPr lang="en-US" altLang="ja-JP">
                 <a:ea typeface="メイリオ"/>
               </a:rPr>
               <a:t> pp. 13-31</a:t>
             </a:r>
-            <a:endParaRPr lang="en-US" altLang="ja-JP" dirty="0">
+            <a:endParaRPr lang="en-US" altLang="ja-JP">
               <a:ea typeface="メイリオ"/>
               <a:cs typeface="Calibri"/>
             </a:endParaRPr>
@@ -24549,15 +24597,6 @@
 </file>
 
 <file path=customXml/item1.xml><?xml version="1.0" encoding="utf-8"?>
-<?mso-contentType ?>
-<FormTemplates xmlns="http://schemas.microsoft.com/sharepoint/v3/contenttype/forms">
-  <Display>DocumentLibraryForm</Display>
-  <Edit>DocumentLibraryForm</Edit>
-  <New>DocumentLibraryForm</New>
-</FormTemplates>
-</file>
-
-<file path=customXml/item2.xml><?xml version="1.0" encoding="utf-8"?>
 <p:properties xmlns:p="http://schemas.microsoft.com/office/2006/metadata/properties" xmlns:xsi="http://www.w3.org/2001/XMLSchema-instance" xmlns:pc="http://schemas.microsoft.com/office/infopath/2007/PartnerControls">
   <documentManagement>
     <TaxCatchAll xmlns="334cf2e0-0245-4f40-82a3-a831e5e7775a" xsi:nil="true"/>
@@ -24568,7 +24607,7 @@
 </p:properties>
 </file>
 
-<file path=customXml/item3.xml><?xml version="1.0" encoding="utf-8"?>
+<file path=customXml/item2.xml><?xml version="1.0" encoding="utf-8"?>
 <ct:contentTypeSchema xmlns:ct="http://schemas.microsoft.com/office/2006/metadata/contentType" xmlns:ma="http://schemas.microsoft.com/office/2006/metadata/properties/metaAttributes" ct:_="" ma:_="" ma:contentTypeName="ドキュメント" ma:contentTypeID="0x010100BC2807EFFEAAE646B3C72679374A27AD" ma:contentTypeVersion="16" ma:contentTypeDescription="新しいドキュメントを作成します。" ma:contentTypeScope="" ma:versionID="fc2dabbf376b68d69de6d8a4d9b1094b">
   <xsd:schema xmlns:xsd="http://www.w3.org/2001/XMLSchema" xmlns:xs="http://www.w3.org/2001/XMLSchema" xmlns:p="http://schemas.microsoft.com/office/2006/metadata/properties" xmlns:ns2="d89fd5b0-f297-46a7-8c43-79b7b7b34272" xmlns:ns3="334cf2e0-0245-4f40-82a3-a831e5e7775a" targetNamespace="http://schemas.microsoft.com/office/2006/metadata/properties" ma:root="true" ma:fieldsID="2af6a43cef02a594c9bf66487b64536d" ns2:_="" ns3:_="">
     <xsd:import namespace="d89fd5b0-f297-46a7-8c43-79b7b7b34272"/>
@@ -24811,32 +24850,33 @@
 </ct:contentTypeSchema>
 </file>
 
+<file path=customXml/item3.xml><?xml version="1.0" encoding="utf-8"?>
+<?mso-contentType ?>
+<FormTemplates xmlns="http://schemas.microsoft.com/sharepoint/v3/contenttype/forms">
+  <Display>DocumentLibraryForm</Display>
+  <Edit>DocumentLibraryForm</Edit>
+  <New>DocumentLibraryForm</New>
+</FormTemplates>
+</file>
+
 <file path=customXml/itemProps1.xml><?xml version="1.0" encoding="utf-8"?>
-<ds:datastoreItem xmlns:ds="http://schemas.openxmlformats.org/officeDocument/2006/customXml" ds:itemID="{6130639F-8A0E-4631-BB2C-1307E9C18413}">
+<ds:datastoreItem xmlns:ds="http://schemas.openxmlformats.org/officeDocument/2006/customXml" ds:itemID="{613B5A8C-C2D2-4C49-A03B-B41437F9A3AD}">
   <ds:schemaRefs>
-    <ds:schemaRef ds:uri="http://schemas.microsoft.com/sharepoint/v3/contenttype/forms"/>
+    <ds:schemaRef ds:uri="334cf2e0-0245-4f40-82a3-a831e5e7775a"/>
+    <ds:schemaRef ds:uri="d89fd5b0-f297-46a7-8c43-79b7b7b34272"/>
+    <ds:schemaRef ds:uri="http://purl.org/dc/dcmitype/"/>
+    <ds:schemaRef ds:uri="http://purl.org/dc/elements/1.1/"/>
+    <ds:schemaRef ds:uri="http://purl.org/dc/terms/"/>
+    <ds:schemaRef ds:uri="http://schemas.microsoft.com/office/2006/documentManagement/types"/>
+    <ds:schemaRef ds:uri="http://schemas.microsoft.com/office/2006/metadata/properties"/>
+    <ds:schemaRef ds:uri="http://schemas.microsoft.com/office/infopath/2007/PartnerControls"/>
+    <ds:schemaRef ds:uri="http://schemas.openxmlformats.org/package/2006/metadata/core-properties"/>
+    <ds:schemaRef ds:uri="http://www.w3.org/XML/1998/namespace"/>
   </ds:schemaRefs>
 </ds:datastoreItem>
 </file>
 
 <file path=customXml/itemProps2.xml><?xml version="1.0" encoding="utf-8"?>
-<ds:datastoreItem xmlns:ds="http://schemas.openxmlformats.org/officeDocument/2006/customXml" ds:itemID="{613B5A8C-C2D2-4C49-A03B-B41437F9A3AD}">
-  <ds:schemaRefs>
-    <ds:schemaRef ds:uri="http://www.w3.org/XML/1998/namespace"/>
-    <ds:schemaRef ds:uri="d89fd5b0-f297-46a7-8c43-79b7b7b34272"/>
-    <ds:schemaRef ds:uri="http://schemas.microsoft.com/office/2006/documentManagement/types"/>
-    <ds:schemaRef ds:uri="http://schemas.openxmlformats.org/package/2006/metadata/core-properties"/>
-    <ds:schemaRef ds:uri="http://purl.org/dc/terms/"/>
-    <ds:schemaRef ds:uri="http://schemas.microsoft.com/office/infopath/2007/PartnerControls"/>
-    <ds:schemaRef ds:uri="http://purl.org/dc/elements/1.1/"/>
-    <ds:schemaRef ds:uri="http://purl.org/dc/dcmitype/"/>
-    <ds:schemaRef ds:uri="334cf2e0-0245-4f40-82a3-a831e5e7775a"/>
-    <ds:schemaRef ds:uri="http://schemas.microsoft.com/office/2006/metadata/properties"/>
-  </ds:schemaRefs>
-</ds:datastoreItem>
-</file>
-
-<file path=customXml/itemProps3.xml><?xml version="1.0" encoding="utf-8"?>
 <ds:datastoreItem xmlns:ds="http://schemas.openxmlformats.org/officeDocument/2006/customXml" ds:itemID="{96EDB849-E126-4A5D-A0F0-5D46FEB7FFF9}">
   <ds:schemaRefs>
     <ds:schemaRef ds:uri="334cf2e0-0245-4f40-82a3-a831e5e7775a"/>
@@ -24853,4 +24893,12 @@
     <ds:schemaRef ds:uri="http://www.w3.org/2001/XMLSchema"/>
   </ds:schemaRefs>
 </ds:datastoreItem>
+</file>
+
+<file path=customXml/itemProps3.xml><?xml version="1.0" encoding="utf-8"?>
+<ds:datastoreItem xmlns:ds="http://schemas.openxmlformats.org/officeDocument/2006/customXml" ds:itemID="{6130639F-8A0E-4631-BB2C-1307E9C18413}">
+  <ds:schemaRefs>
+    <ds:schemaRef ds:uri="http://schemas.microsoft.com/sharepoint/v3/contenttype/forms"/>
+  </ds:schemaRefs>
+</ds:datastoreItem>
 </file>
--- a/src/pages/en/events/2024-09-13/slides/03_utas_utol_en.pptx
+++ b/src/pages/en/events/2024-09-13/slides/03_utas_utol_en.pptx
@@ -149,3926 +149,9 @@
 <file path=ppt/revisionInfo.xml><?xml version="1.0" encoding="utf-8"?>
 <p1510:revInfo xmlns:a="http://schemas.openxmlformats.org/drawingml/2006/main" xmlns:r="http://schemas.openxmlformats.org/officeDocument/2006/relationships" xmlns:p1510="http://schemas.microsoft.com/office/powerpoint/2015/10/main">
   <p1510:revLst>
-    <p1510:client id="{86306417-DAAF-4CFB-9028-3E4EA03B485E}" v="12" dt="2024-09-10T07:49:17.171"/>
+    <p1510:client id="{86306417-DAAF-4CFB-9028-3E4EA03B485E}" v="13" dt="2024-09-10T08:06:28.599"/>
   </p1510:revLst>
 </p1510:revInfo>
-</file>
-
-<file path=ppt/changesInfos/changesInfo1.xml><?xml version="1.0" encoding="utf-8"?>
-<pc:chgInfo xmlns:a="http://schemas.openxmlformats.org/drawingml/2006/main" xmlns:r="http://schemas.openxmlformats.org/officeDocument/2006/relationships" xmlns:ac="http://schemas.microsoft.com/office/drawing/2013/main/command" xmlns:pc="http://schemas.microsoft.com/office/powerpoint/2013/main/command">
-  <pc:docChgLst>
-    <pc:chgData name="雨宮　智浩" userId="S::9288019215@utac.u-tokyo.ac.jp::018ceb06-00b6-4c8b-821f-fe5856736a8a" providerId="AD" clId="Web-{68FE3186-E4E8-C727-9B14-B26AA440F5DC}"/>
-    <pc:docChg chg="modSld">
-      <pc:chgData name="雨宮　智浩" userId="S::9288019215@utac.u-tokyo.ac.jp::018ceb06-00b6-4c8b-821f-fe5856736a8a" providerId="AD" clId="Web-{68FE3186-E4E8-C727-9B14-B26AA440F5DC}" dt="2024-09-04T08:07:21.535" v="71" actId="1076"/>
-      <pc:docMkLst>
-        <pc:docMk/>
-      </pc:docMkLst>
-      <pc:sldChg chg="modSp">
-        <pc:chgData name="雨宮　智浩" userId="S::9288019215@utac.u-tokyo.ac.jp::018ceb06-00b6-4c8b-821f-fe5856736a8a" providerId="AD" clId="Web-{68FE3186-E4E8-C727-9B14-B26AA440F5DC}" dt="2024-09-04T08:04:13.890" v="55" actId="1076"/>
-        <pc:sldMkLst>
-          <pc:docMk/>
-          <pc:sldMk cId="176847597" sldId="1415"/>
-        </pc:sldMkLst>
-        <pc:spChg chg="mod">
-          <ac:chgData name="雨宮　智浩" userId="S::9288019215@utac.u-tokyo.ac.jp::018ceb06-00b6-4c8b-821f-fe5856736a8a" providerId="AD" clId="Web-{68FE3186-E4E8-C727-9B14-B26AA440F5DC}" dt="2024-09-04T08:04:13.890" v="55" actId="1076"/>
-          <ac:spMkLst>
-            <pc:docMk/>
-            <pc:sldMk cId="176847597" sldId="1415"/>
-            <ac:spMk id="3" creationId="{41AEE836-B07F-6756-DC70-5EA0EE3A1CC4}"/>
-          </ac:spMkLst>
-        </pc:spChg>
-      </pc:sldChg>
-      <pc:sldChg chg="addSp modSp">
-        <pc:chgData name="雨宮　智浩" userId="S::9288019215@utac.u-tokyo.ac.jp::018ceb06-00b6-4c8b-821f-fe5856736a8a" providerId="AD" clId="Web-{68FE3186-E4E8-C727-9B14-B26AA440F5DC}" dt="2024-09-04T08:07:21.535" v="71" actId="1076"/>
-        <pc:sldMkLst>
-          <pc:docMk/>
-          <pc:sldMk cId="2473131799" sldId="1418"/>
-        </pc:sldMkLst>
-        <pc:spChg chg="mod">
-          <ac:chgData name="雨宮　智浩" userId="S::9288019215@utac.u-tokyo.ac.jp::018ceb06-00b6-4c8b-821f-fe5856736a8a" providerId="AD" clId="Web-{68FE3186-E4E8-C727-9B14-B26AA440F5DC}" dt="2024-09-04T08:06:16.565" v="59" actId="20577"/>
-          <ac:spMkLst>
-            <pc:docMk/>
-            <pc:sldMk cId="2473131799" sldId="1418"/>
-            <ac:spMk id="2" creationId="{DAA4631E-08C4-0E32-119E-7BC58AE9E790}"/>
-          </ac:spMkLst>
-        </pc:spChg>
-        <pc:spChg chg="mod">
-          <ac:chgData name="雨宮　智浩" userId="S::9288019215@utac.u-tokyo.ac.jp::018ceb06-00b6-4c8b-821f-fe5856736a8a" providerId="AD" clId="Web-{68FE3186-E4E8-C727-9B14-B26AA440F5DC}" dt="2024-09-04T08:06:49.941" v="63" actId="1076"/>
-          <ac:spMkLst>
-            <pc:docMk/>
-            <pc:sldMk cId="2473131799" sldId="1418"/>
-            <ac:spMk id="15" creationId="{1B436B85-723F-9246-41D2-7AB66B80A298}"/>
-          </ac:spMkLst>
-        </pc:spChg>
-        <pc:spChg chg="mod">
-          <ac:chgData name="雨宮　智浩" userId="S::9288019215@utac.u-tokyo.ac.jp::018ceb06-00b6-4c8b-821f-fe5856736a8a" providerId="AD" clId="Web-{68FE3186-E4E8-C727-9B14-B26AA440F5DC}" dt="2024-09-04T08:06:49.957" v="64" actId="1076"/>
-          <ac:spMkLst>
-            <pc:docMk/>
-            <pc:sldMk cId="2473131799" sldId="1418"/>
-            <ac:spMk id="18" creationId="{7D73C95A-4B95-38BC-C5FB-1DA717401B3A}"/>
-          </ac:spMkLst>
-        </pc:spChg>
-        <pc:spChg chg="mod">
-          <ac:chgData name="雨宮　智浩" userId="S::9288019215@utac.u-tokyo.ac.jp::018ceb06-00b6-4c8b-821f-fe5856736a8a" providerId="AD" clId="Web-{68FE3186-E4E8-C727-9B14-B26AA440F5DC}" dt="2024-09-04T08:06:49.957" v="65" actId="1076"/>
-          <ac:spMkLst>
-            <pc:docMk/>
-            <pc:sldMk cId="2473131799" sldId="1418"/>
-            <ac:spMk id="19" creationId="{E6D588E6-CD39-D225-38E8-F9B83EEAEFF6}"/>
-          </ac:spMkLst>
-        </pc:spChg>
-        <pc:picChg chg="add mod">
-          <ac:chgData name="雨宮　智浩" userId="S::9288019215@utac.u-tokyo.ac.jp::018ceb06-00b6-4c8b-821f-fe5856736a8a" providerId="AD" clId="Web-{68FE3186-E4E8-C727-9B14-B26AA440F5DC}" dt="2024-09-04T08:07:21.535" v="71" actId="1076"/>
-          <ac:picMkLst>
-            <pc:docMk/>
-            <pc:sldMk cId="2473131799" sldId="1418"/>
-            <ac:picMk id="3" creationId="{45F7C8BB-D72F-C945-B7FD-81F0902BB732}"/>
-          </ac:picMkLst>
-        </pc:picChg>
-        <pc:picChg chg="mod">
-          <ac:chgData name="雨宮　智浩" userId="S::9288019215@utac.u-tokyo.ac.jp::018ceb06-00b6-4c8b-821f-fe5856736a8a" providerId="AD" clId="Web-{68FE3186-E4E8-C727-9B14-B26AA440F5DC}" dt="2024-09-04T08:06:49.941" v="62" actId="1076"/>
-          <ac:picMkLst>
-            <pc:docMk/>
-            <pc:sldMk cId="2473131799" sldId="1418"/>
-            <ac:picMk id="24" creationId="{61796372-4A04-4435-7FD8-7EBAC9111186}"/>
-          </ac:picMkLst>
-        </pc:picChg>
-      </pc:sldChg>
-    </pc:docChg>
-  </pc:docChgLst>
-  <pc:docChgLst>
-    <pc:chgData name="佐藤　寛也" userId="27837c8b-abaf-4096-b544-58e4cbe7054e" providerId="ADAL" clId="{03C4690F-D76B-48FB-B343-CCF95B0FF544}"/>
-    <pc:docChg chg="custSel modSld">
-      <pc:chgData name="佐藤　寛也" userId="27837c8b-abaf-4096-b544-58e4cbe7054e" providerId="ADAL" clId="{03C4690F-D76B-48FB-B343-CCF95B0FF544}" dt="2024-07-05T06:36:01.982" v="1"/>
-      <pc:docMkLst>
-        <pc:docMk/>
-      </pc:docMkLst>
-      <pc:sldChg chg="addSp delSp modSp mod">
-        <pc:chgData name="佐藤　寛也" userId="27837c8b-abaf-4096-b544-58e4cbe7054e" providerId="ADAL" clId="{03C4690F-D76B-48FB-B343-CCF95B0FF544}" dt="2024-07-05T06:36:01.982" v="1"/>
-        <pc:sldMkLst>
-          <pc:docMk/>
-          <pc:sldMk cId="2292264982" sldId="256"/>
-        </pc:sldMkLst>
-        <pc:spChg chg="del">
-          <ac:chgData name="佐藤　寛也" userId="27837c8b-abaf-4096-b544-58e4cbe7054e" providerId="ADAL" clId="{03C4690F-D76B-48FB-B343-CCF95B0FF544}" dt="2024-07-05T06:35:52.853" v="0" actId="478"/>
-          <ac:spMkLst>
-            <pc:docMk/>
-            <pc:sldMk cId="2292264982" sldId="256"/>
-            <ac:spMk id="4" creationId="{D12A556D-E458-C03F-159E-C94DB8018206}"/>
-          </ac:spMkLst>
-        </pc:spChg>
-        <pc:spChg chg="del">
-          <ac:chgData name="佐藤　寛也" userId="27837c8b-abaf-4096-b544-58e4cbe7054e" providerId="ADAL" clId="{03C4690F-D76B-48FB-B343-CCF95B0FF544}" dt="2024-07-05T06:35:52.853" v="0" actId="478"/>
-          <ac:spMkLst>
-            <pc:docMk/>
-            <pc:sldMk cId="2292264982" sldId="256"/>
-            <ac:spMk id="5" creationId="{CB76B9EF-5509-7E11-647E-D88F96AC0E91}"/>
-          </ac:spMkLst>
-        </pc:spChg>
-        <pc:spChg chg="del">
-          <ac:chgData name="佐藤　寛也" userId="27837c8b-abaf-4096-b544-58e4cbe7054e" providerId="ADAL" clId="{03C4690F-D76B-48FB-B343-CCF95B0FF544}" dt="2024-07-05T06:35:52.853" v="0" actId="478"/>
-          <ac:spMkLst>
-            <pc:docMk/>
-            <pc:sldMk cId="2292264982" sldId="256"/>
-            <ac:spMk id="7" creationId="{B1409E50-9F00-2674-DECA-28AB5BADBBB0}"/>
-          </ac:spMkLst>
-        </pc:spChg>
-        <pc:spChg chg="add mod">
-          <ac:chgData name="佐藤　寛也" userId="27837c8b-abaf-4096-b544-58e4cbe7054e" providerId="ADAL" clId="{03C4690F-D76B-48FB-B343-CCF95B0FF544}" dt="2024-07-05T06:36:01.982" v="1"/>
-          <ac:spMkLst>
-            <pc:docMk/>
-            <pc:sldMk cId="2292264982" sldId="256"/>
-            <ac:spMk id="8" creationId="{49D27D66-AAE8-E08B-218F-03A7B6FF2F95}"/>
-          </ac:spMkLst>
-        </pc:spChg>
-        <pc:spChg chg="add mod">
-          <ac:chgData name="佐藤　寛也" userId="27837c8b-abaf-4096-b544-58e4cbe7054e" providerId="ADAL" clId="{03C4690F-D76B-48FB-B343-CCF95B0FF544}" dt="2024-07-05T06:36:01.982" v="1"/>
-          <ac:spMkLst>
-            <pc:docMk/>
-            <pc:sldMk cId="2292264982" sldId="256"/>
-            <ac:spMk id="9" creationId="{C500070E-B6D1-AC6E-5ED4-298D0E9250B7}"/>
-          </ac:spMkLst>
-        </pc:spChg>
-        <pc:spChg chg="add mod">
-          <ac:chgData name="佐藤　寛也" userId="27837c8b-abaf-4096-b544-58e4cbe7054e" providerId="ADAL" clId="{03C4690F-D76B-48FB-B343-CCF95B0FF544}" dt="2024-07-05T06:36:01.982" v="1"/>
-          <ac:spMkLst>
-            <pc:docMk/>
-            <pc:sldMk cId="2292264982" sldId="256"/>
-            <ac:spMk id="10" creationId="{7DD91D86-2F47-884B-7F6D-45BC8F5B6D88}"/>
-          </ac:spMkLst>
-        </pc:spChg>
-      </pc:sldChg>
-    </pc:docChg>
-  </pc:docChgLst>
-  <pc:docChgLst>
-    <pc:chgData name="佐藤　寛也" userId="27837c8b-abaf-4096-b544-58e4cbe7054e" providerId="ADAL" clId="{193E6E28-8FC8-4E23-B702-0C05D06AA1DC}"/>
-    <pc:docChg chg="undo redo custSel addSld delSld modSld sldOrd">
-      <pc:chgData name="佐藤　寛也" userId="27837c8b-abaf-4096-b544-58e4cbe7054e" providerId="ADAL" clId="{193E6E28-8FC8-4E23-B702-0C05D06AA1DC}" dt="2024-09-06T02:52:29.130" v="5393"/>
-      <pc:docMkLst>
-        <pc:docMk/>
-      </pc:docMkLst>
-      <pc:sldChg chg="addSp modSp mod">
-        <pc:chgData name="佐藤　寛也" userId="27837c8b-abaf-4096-b544-58e4cbe7054e" providerId="ADAL" clId="{193E6E28-8FC8-4E23-B702-0C05D06AA1DC}" dt="2024-09-06T02:49:25.401" v="5342" actId="20577"/>
-        <pc:sldMkLst>
-          <pc:docMk/>
-          <pc:sldMk cId="2292264982" sldId="256"/>
-        </pc:sldMkLst>
-        <pc:spChg chg="mod">
-          <ac:chgData name="佐藤　寛也" userId="27837c8b-abaf-4096-b544-58e4cbe7054e" providerId="ADAL" clId="{193E6E28-8FC8-4E23-B702-0C05D06AA1DC}" dt="2024-09-06T02:49:20.762" v="5340" actId="27636"/>
-          <ac:spMkLst>
-            <pc:docMk/>
-            <pc:sldMk cId="2292264982" sldId="256"/>
-            <ac:spMk id="3" creationId="{92A3CDA6-C2CF-9E57-ABBE-E6FF1371E360}"/>
-          </ac:spMkLst>
-        </pc:spChg>
-        <pc:spChg chg="add mod">
-          <ac:chgData name="佐藤　寛也" userId="27837c8b-abaf-4096-b544-58e4cbe7054e" providerId="ADAL" clId="{193E6E28-8FC8-4E23-B702-0C05D06AA1DC}" dt="2024-09-06T02:49:25.401" v="5342" actId="20577"/>
-          <ac:spMkLst>
-            <pc:docMk/>
-            <pc:sldMk cId="2292264982" sldId="256"/>
-            <ac:spMk id="4" creationId="{74A8D6B1-152D-8CDC-6D83-B795F55DE09A}"/>
-          </ac:spMkLst>
-        </pc:spChg>
-      </pc:sldChg>
-      <pc:sldChg chg="modSp mod">
-        <pc:chgData name="佐藤　寛也" userId="27837c8b-abaf-4096-b544-58e4cbe7054e" providerId="ADAL" clId="{193E6E28-8FC8-4E23-B702-0C05D06AA1DC}" dt="2024-09-06T02:52:29.130" v="5393"/>
-        <pc:sldMkLst>
-          <pc:docMk/>
-          <pc:sldMk cId="1578608887" sldId="1402"/>
-        </pc:sldMkLst>
-        <pc:spChg chg="mod">
-          <ac:chgData name="佐藤　寛也" userId="27837c8b-abaf-4096-b544-58e4cbe7054e" providerId="ADAL" clId="{193E6E28-8FC8-4E23-B702-0C05D06AA1DC}" dt="2024-09-06T02:52:29.130" v="5393"/>
-          <ac:spMkLst>
-            <pc:docMk/>
-            <pc:sldMk cId="1578608887" sldId="1402"/>
-            <ac:spMk id="3" creationId="{16FF0A75-AD20-769F-6C62-614A33EDE4D0}"/>
-          </ac:spMkLst>
-        </pc:spChg>
-      </pc:sldChg>
-      <pc:sldChg chg="del">
-        <pc:chgData name="佐藤　寛也" userId="27837c8b-abaf-4096-b544-58e4cbe7054e" providerId="ADAL" clId="{193E6E28-8FC8-4E23-B702-0C05D06AA1DC}" dt="2024-09-04T04:44:50.611" v="1734" actId="47"/>
-        <pc:sldMkLst>
-          <pc:docMk/>
-          <pc:sldMk cId="3844574707" sldId="1405"/>
-        </pc:sldMkLst>
-      </pc:sldChg>
-      <pc:sldChg chg="modSp mod ord">
-        <pc:chgData name="佐藤　寛也" userId="27837c8b-abaf-4096-b544-58e4cbe7054e" providerId="ADAL" clId="{193E6E28-8FC8-4E23-B702-0C05D06AA1DC}" dt="2024-09-05T08:28:23.729" v="4210" actId="20577"/>
-        <pc:sldMkLst>
-          <pc:docMk/>
-          <pc:sldMk cId="1985137625" sldId="1406"/>
-        </pc:sldMkLst>
-        <pc:spChg chg="mod">
-          <ac:chgData name="佐藤　寛也" userId="27837c8b-abaf-4096-b544-58e4cbe7054e" providerId="ADAL" clId="{193E6E28-8FC8-4E23-B702-0C05D06AA1DC}" dt="2024-09-05T08:28:23.729" v="4210" actId="20577"/>
-          <ac:spMkLst>
-            <pc:docMk/>
-            <pc:sldMk cId="1985137625" sldId="1406"/>
-            <ac:spMk id="7" creationId="{015FA5FE-9762-006C-3F83-289C82D18762}"/>
-          </ac:spMkLst>
-        </pc:spChg>
-      </pc:sldChg>
-      <pc:sldChg chg="modSp mod">
-        <pc:chgData name="佐藤　寛也" userId="27837c8b-abaf-4096-b544-58e4cbe7054e" providerId="ADAL" clId="{193E6E28-8FC8-4E23-B702-0C05D06AA1DC}" dt="2024-09-04T05:37:32.468" v="2597" actId="20577"/>
-        <pc:sldMkLst>
-          <pc:docMk/>
-          <pc:sldMk cId="754850982" sldId="1407"/>
-        </pc:sldMkLst>
-        <pc:spChg chg="mod">
-          <ac:chgData name="佐藤　寛也" userId="27837c8b-abaf-4096-b544-58e4cbe7054e" providerId="ADAL" clId="{193E6E28-8FC8-4E23-B702-0C05D06AA1DC}" dt="2024-09-04T05:37:32.468" v="2597" actId="20577"/>
-          <ac:spMkLst>
-            <pc:docMk/>
-            <pc:sldMk cId="754850982" sldId="1407"/>
-            <ac:spMk id="7" creationId="{73218CA3-DCC3-9247-1CB7-5311CC12A4F5}"/>
-          </ac:spMkLst>
-        </pc:spChg>
-      </pc:sldChg>
-      <pc:sldChg chg="modSp mod">
-        <pc:chgData name="佐藤　寛也" userId="27837c8b-abaf-4096-b544-58e4cbe7054e" providerId="ADAL" clId="{193E6E28-8FC8-4E23-B702-0C05D06AA1DC}" dt="2024-09-06T02:52:06.113" v="5387" actId="20577"/>
-        <pc:sldMkLst>
-          <pc:docMk/>
-          <pc:sldMk cId="2141358339" sldId="1408"/>
-        </pc:sldMkLst>
-        <pc:spChg chg="mod">
-          <ac:chgData name="佐藤　寛也" userId="27837c8b-abaf-4096-b544-58e4cbe7054e" providerId="ADAL" clId="{193E6E28-8FC8-4E23-B702-0C05D06AA1DC}" dt="2024-09-04T04:41:59.717" v="1667" actId="113"/>
-          <ac:spMkLst>
-            <pc:docMk/>
-            <pc:sldMk cId="2141358339" sldId="1408"/>
-            <ac:spMk id="2" creationId="{8661AFE6-57B7-F88A-D022-A14791F59621}"/>
-          </ac:spMkLst>
-        </pc:spChg>
-        <pc:spChg chg="mod">
-          <ac:chgData name="佐藤　寛也" userId="27837c8b-abaf-4096-b544-58e4cbe7054e" providerId="ADAL" clId="{193E6E28-8FC8-4E23-B702-0C05D06AA1DC}" dt="2024-09-06T02:52:06.113" v="5387" actId="20577"/>
-          <ac:spMkLst>
-            <pc:docMk/>
-            <pc:sldMk cId="2141358339" sldId="1408"/>
-            <ac:spMk id="3" creationId="{11BE7EF4-56DF-F510-784F-2E996E481ACE}"/>
-          </ac:spMkLst>
-        </pc:spChg>
-      </pc:sldChg>
-      <pc:sldChg chg="modSp add mod">
-        <pc:chgData name="佐藤　寛也" userId="27837c8b-abaf-4096-b544-58e4cbe7054e" providerId="ADAL" clId="{193E6E28-8FC8-4E23-B702-0C05D06AA1DC}" dt="2024-09-04T10:23:42.444" v="4021" actId="113"/>
-        <pc:sldMkLst>
-          <pc:docMk/>
-          <pc:sldMk cId="737078635" sldId="1409"/>
-        </pc:sldMkLst>
-        <pc:spChg chg="mod">
-          <ac:chgData name="佐藤　寛也" userId="27837c8b-abaf-4096-b544-58e4cbe7054e" providerId="ADAL" clId="{193E6E28-8FC8-4E23-B702-0C05D06AA1DC}" dt="2024-09-04T04:42:21.963" v="1669" actId="113"/>
-          <ac:spMkLst>
-            <pc:docMk/>
-            <pc:sldMk cId="737078635" sldId="1409"/>
-            <ac:spMk id="2" creationId="{8661AFE6-57B7-F88A-D022-A14791F59621}"/>
-          </ac:spMkLst>
-        </pc:spChg>
-        <pc:spChg chg="mod">
-          <ac:chgData name="佐藤　寛也" userId="27837c8b-abaf-4096-b544-58e4cbe7054e" providerId="ADAL" clId="{193E6E28-8FC8-4E23-B702-0C05D06AA1DC}" dt="2024-09-04T10:23:42.444" v="4021" actId="113"/>
-          <ac:spMkLst>
-            <pc:docMk/>
-            <pc:sldMk cId="737078635" sldId="1409"/>
-            <ac:spMk id="3" creationId="{11BE7EF4-56DF-F510-784F-2E996E481ACE}"/>
-          </ac:spMkLst>
-        </pc:spChg>
-      </pc:sldChg>
-      <pc:sldChg chg="addSp delSp modSp new mod ord modClrScheme chgLayout">
-        <pc:chgData name="佐藤　寛也" userId="27837c8b-abaf-4096-b544-58e4cbe7054e" providerId="ADAL" clId="{193E6E28-8FC8-4E23-B702-0C05D06AA1DC}" dt="2024-09-04T04:47:48.111" v="1787" actId="1076"/>
-        <pc:sldMkLst>
-          <pc:docMk/>
-          <pc:sldMk cId="4288561965" sldId="1410"/>
-        </pc:sldMkLst>
-        <pc:spChg chg="mod ord">
-          <ac:chgData name="佐藤　寛也" userId="27837c8b-abaf-4096-b544-58e4cbe7054e" providerId="ADAL" clId="{193E6E28-8FC8-4E23-B702-0C05D06AA1DC}" dt="2024-09-04T04:14:16.162" v="850" actId="700"/>
-          <ac:spMkLst>
-            <pc:docMk/>
-            <pc:sldMk cId="4288561965" sldId="1410"/>
-            <ac:spMk id="2" creationId="{D2EC63E3-45D7-F476-18BF-25E58D75754D}"/>
-          </ac:spMkLst>
-        </pc:spChg>
-        <pc:spChg chg="del mod ord">
-          <ac:chgData name="佐藤　寛也" userId="27837c8b-abaf-4096-b544-58e4cbe7054e" providerId="ADAL" clId="{193E6E28-8FC8-4E23-B702-0C05D06AA1DC}" dt="2024-09-04T04:14:12.735" v="849" actId="700"/>
-          <ac:spMkLst>
-            <pc:docMk/>
-            <pc:sldMk cId="4288561965" sldId="1410"/>
-            <ac:spMk id="3" creationId="{953213B8-1FBE-318A-151A-51BABF1F6ABE}"/>
-          </ac:spMkLst>
-        </pc:spChg>
-        <pc:spChg chg="mod ord">
-          <ac:chgData name="佐藤　寛也" userId="27837c8b-abaf-4096-b544-58e4cbe7054e" providerId="ADAL" clId="{193E6E28-8FC8-4E23-B702-0C05D06AA1DC}" dt="2024-09-04T04:14:16.162" v="850" actId="700"/>
-          <ac:spMkLst>
-            <pc:docMk/>
-            <pc:sldMk cId="4288561965" sldId="1410"/>
-            <ac:spMk id="4" creationId="{8BD9BA96-2C73-F15B-0EC8-A1740938D32B}"/>
-          </ac:spMkLst>
-        </pc:spChg>
-        <pc:spChg chg="mod ord">
-          <ac:chgData name="佐藤　寛也" userId="27837c8b-abaf-4096-b544-58e4cbe7054e" providerId="ADAL" clId="{193E6E28-8FC8-4E23-B702-0C05D06AA1DC}" dt="2024-09-04T04:14:16.162" v="850" actId="700"/>
-          <ac:spMkLst>
-            <pc:docMk/>
-            <pc:sldMk cId="4288561965" sldId="1410"/>
-            <ac:spMk id="5" creationId="{C4BB9A44-04C9-CB39-DD07-4D1DA8158E25}"/>
-          </ac:spMkLst>
-        </pc:spChg>
-        <pc:spChg chg="mod ord">
-          <ac:chgData name="佐藤　寛也" userId="27837c8b-abaf-4096-b544-58e4cbe7054e" providerId="ADAL" clId="{193E6E28-8FC8-4E23-B702-0C05D06AA1DC}" dt="2024-09-04T04:14:16.162" v="850" actId="700"/>
-          <ac:spMkLst>
-            <pc:docMk/>
-            <pc:sldMk cId="4288561965" sldId="1410"/>
-            <ac:spMk id="6" creationId="{297C03DE-83C8-7CF2-6CFB-108BA541C5DD}"/>
-          </ac:spMkLst>
-        </pc:spChg>
-        <pc:spChg chg="add del mod ord">
-          <ac:chgData name="佐藤　寛也" userId="27837c8b-abaf-4096-b544-58e4cbe7054e" providerId="ADAL" clId="{193E6E28-8FC8-4E23-B702-0C05D06AA1DC}" dt="2024-09-04T04:14:16.162" v="850" actId="700"/>
-          <ac:spMkLst>
-            <pc:docMk/>
-            <pc:sldMk cId="4288561965" sldId="1410"/>
-            <ac:spMk id="7" creationId="{FF616FF9-66AA-A57B-F133-D794FAB594A5}"/>
-          </ac:spMkLst>
-        </pc:spChg>
-        <pc:spChg chg="add mod ord">
-          <ac:chgData name="佐藤　寛也" userId="27837c8b-abaf-4096-b544-58e4cbe7054e" providerId="ADAL" clId="{193E6E28-8FC8-4E23-B702-0C05D06AA1DC}" dt="2024-09-04T04:47:45.143" v="1786" actId="5793"/>
-          <ac:spMkLst>
-            <pc:docMk/>
-            <pc:sldMk cId="4288561965" sldId="1410"/>
-            <ac:spMk id="8" creationId="{55FEF13F-7146-C72A-A1BD-C7CB3F1B77BE}"/>
-          </ac:spMkLst>
-        </pc:spChg>
-        <pc:spChg chg="add mod topLvl">
-          <ac:chgData name="佐藤　寛也" userId="27837c8b-abaf-4096-b544-58e4cbe7054e" providerId="ADAL" clId="{193E6E28-8FC8-4E23-B702-0C05D06AA1DC}" dt="2024-09-04T04:46:45.666" v="1759" actId="1076"/>
-          <ac:spMkLst>
-            <pc:docMk/>
-            <pc:sldMk cId="4288561965" sldId="1410"/>
-            <ac:spMk id="14" creationId="{70DDFEBA-092B-A9D6-2266-F35A7F4C94C5}"/>
-          </ac:spMkLst>
-        </pc:spChg>
-        <pc:spChg chg="add del">
-          <ac:chgData name="佐藤　寛也" userId="27837c8b-abaf-4096-b544-58e4cbe7054e" providerId="ADAL" clId="{193E6E28-8FC8-4E23-B702-0C05D06AA1DC}" dt="2024-09-04T04:18:06.583" v="930" actId="11529"/>
-          <ac:spMkLst>
-            <pc:docMk/>
-            <pc:sldMk cId="4288561965" sldId="1410"/>
-            <ac:spMk id="15" creationId="{E94B7C5F-543E-3F63-E908-989BAB38D63C}"/>
-          </ac:spMkLst>
-        </pc:spChg>
-        <pc:spChg chg="add mod topLvl">
-          <ac:chgData name="佐藤　寛也" userId="27837c8b-abaf-4096-b544-58e4cbe7054e" providerId="ADAL" clId="{193E6E28-8FC8-4E23-B702-0C05D06AA1DC}" dt="2024-09-04T04:46:31.636" v="1757" actId="14100"/>
-          <ac:spMkLst>
-            <pc:docMk/>
-            <pc:sldMk cId="4288561965" sldId="1410"/>
-            <ac:spMk id="16" creationId="{BA133BB0-CDDA-EEFB-971F-B1341348D334}"/>
-          </ac:spMkLst>
-        </pc:spChg>
-        <pc:spChg chg="add mod">
-          <ac:chgData name="佐藤　寛也" userId="27837c8b-abaf-4096-b544-58e4cbe7054e" providerId="ADAL" clId="{193E6E28-8FC8-4E23-B702-0C05D06AA1DC}" dt="2024-09-04T04:47:48.111" v="1787" actId="1076"/>
-          <ac:spMkLst>
-            <pc:docMk/>
-            <pc:sldMk cId="4288561965" sldId="1410"/>
-            <ac:spMk id="19" creationId="{AAE4CC20-8DA8-CD98-D4E7-356E56F28EEF}"/>
-          </ac:spMkLst>
-        </pc:spChg>
-        <pc:spChg chg="add mod">
-          <ac:chgData name="佐藤　寛也" userId="27837c8b-abaf-4096-b544-58e4cbe7054e" providerId="ADAL" clId="{193E6E28-8FC8-4E23-B702-0C05D06AA1DC}" dt="2024-09-04T04:45:13.369" v="1740" actId="1076"/>
-          <ac:spMkLst>
-            <pc:docMk/>
-            <pc:sldMk cId="4288561965" sldId="1410"/>
-            <ac:spMk id="21" creationId="{5C6E9D95-BE3E-ED49-4E17-F55D0D399D76}"/>
-          </ac:spMkLst>
-        </pc:spChg>
-        <pc:grpChg chg="add del mod">
-          <ac:chgData name="佐藤　寛也" userId="27837c8b-abaf-4096-b544-58e4cbe7054e" providerId="ADAL" clId="{193E6E28-8FC8-4E23-B702-0C05D06AA1DC}" dt="2024-09-04T04:45:56.226" v="1750" actId="165"/>
-          <ac:grpSpMkLst>
-            <pc:docMk/>
-            <pc:sldMk cId="4288561965" sldId="1410"/>
-            <ac:grpSpMk id="23" creationId="{735F41C9-C4C5-D5EE-D53F-53D2E6670CCF}"/>
-          </ac:grpSpMkLst>
-        </pc:grpChg>
-        <pc:picChg chg="add mod topLvl modCrop">
-          <ac:chgData name="佐藤　寛也" userId="27837c8b-abaf-4096-b544-58e4cbe7054e" providerId="ADAL" clId="{193E6E28-8FC8-4E23-B702-0C05D06AA1DC}" dt="2024-09-04T04:45:56.226" v="1750" actId="165"/>
-          <ac:picMkLst>
-            <pc:docMk/>
-            <pc:sldMk cId="4288561965" sldId="1410"/>
-            <ac:picMk id="10" creationId="{7DD40797-3CD1-E1AF-F422-BFD8D8778E1B}"/>
-          </ac:picMkLst>
-        </pc:picChg>
-        <pc:picChg chg="add mod ord topLvl">
-          <ac:chgData name="佐藤　寛也" userId="27837c8b-abaf-4096-b544-58e4cbe7054e" providerId="ADAL" clId="{193E6E28-8FC8-4E23-B702-0C05D06AA1DC}" dt="2024-09-04T04:46:10.657" v="1753" actId="1076"/>
-          <ac:picMkLst>
-            <pc:docMk/>
-            <pc:sldMk cId="4288561965" sldId="1410"/>
-            <ac:picMk id="12" creationId="{F309749A-0CC3-145E-F4BF-D4F86DB32282}"/>
-          </ac:picMkLst>
-        </pc:picChg>
-        <pc:cxnChg chg="add mod topLvl">
-          <ac:chgData name="佐藤　寛也" userId="27837c8b-abaf-4096-b544-58e4cbe7054e" providerId="ADAL" clId="{193E6E28-8FC8-4E23-B702-0C05D06AA1DC}" dt="2024-09-04T04:46:47.735" v="1760" actId="1076"/>
-          <ac:cxnSpMkLst>
-            <pc:docMk/>
-            <pc:sldMk cId="4288561965" sldId="1410"/>
-            <ac:cxnSpMk id="18" creationId="{2F398C5F-9944-1CAD-7B35-9F9BF6684016}"/>
-          </ac:cxnSpMkLst>
-        </pc:cxnChg>
-      </pc:sldChg>
-      <pc:sldChg chg="addSp delSp modSp new del mod ord">
-        <pc:chgData name="佐藤　寛也" userId="27837c8b-abaf-4096-b544-58e4cbe7054e" providerId="ADAL" clId="{193E6E28-8FC8-4E23-B702-0C05D06AA1DC}" dt="2024-09-05T09:06:56.557" v="5138" actId="47"/>
-        <pc:sldMkLst>
-          <pc:docMk/>
-          <pc:sldMk cId="1810238456" sldId="1411"/>
-        </pc:sldMkLst>
-        <pc:spChg chg="mod">
-          <ac:chgData name="佐藤　寛也" userId="27837c8b-abaf-4096-b544-58e4cbe7054e" providerId="ADAL" clId="{193E6E28-8FC8-4E23-B702-0C05D06AA1DC}" dt="2024-09-04T04:43:28.403" v="1729" actId="20577"/>
-          <ac:spMkLst>
-            <pc:docMk/>
-            <pc:sldMk cId="1810238456" sldId="1411"/>
-            <ac:spMk id="2" creationId="{21D0CFCA-348F-6DF4-2D11-99E2969833F2}"/>
-          </ac:spMkLst>
-        </pc:spChg>
-        <pc:spChg chg="del mod">
-          <ac:chgData name="佐藤　寛也" userId="27837c8b-abaf-4096-b544-58e4cbe7054e" providerId="ADAL" clId="{193E6E28-8FC8-4E23-B702-0C05D06AA1DC}" dt="2024-09-04T04:21:24.792" v="1045" actId="478"/>
-          <ac:spMkLst>
-            <pc:docMk/>
-            <pc:sldMk cId="1810238456" sldId="1411"/>
-            <ac:spMk id="3" creationId="{41AEE836-B07F-6756-DC70-5EA0EE3A1CC4}"/>
-          </ac:spMkLst>
-        </pc:spChg>
-        <pc:spChg chg="add mod">
-          <ac:chgData name="佐藤　寛也" userId="27837c8b-abaf-4096-b544-58e4cbe7054e" providerId="ADAL" clId="{193E6E28-8FC8-4E23-B702-0C05D06AA1DC}" dt="2024-09-04T09:23:31.173" v="3751" actId="1076"/>
-          <ac:spMkLst>
-            <pc:docMk/>
-            <pc:sldMk cId="1810238456" sldId="1411"/>
-            <ac:spMk id="7" creationId="{2E7461E0-B650-187F-0547-70108A04EB76}"/>
-          </ac:spMkLst>
-        </pc:spChg>
-        <pc:spChg chg="add mod">
-          <ac:chgData name="佐藤　寛也" userId="27837c8b-abaf-4096-b544-58e4cbe7054e" providerId="ADAL" clId="{193E6E28-8FC8-4E23-B702-0C05D06AA1DC}" dt="2024-09-04T04:21:13.561" v="1042" actId="14100"/>
-          <ac:spMkLst>
-            <pc:docMk/>
-            <pc:sldMk cId="1810238456" sldId="1411"/>
-            <ac:spMk id="8" creationId="{711889AB-7B2F-6A6E-E852-8811831E890F}"/>
-          </ac:spMkLst>
-        </pc:spChg>
-        <pc:spChg chg="add mod">
-          <ac:chgData name="佐藤　寛也" userId="27837c8b-abaf-4096-b544-58e4cbe7054e" providerId="ADAL" clId="{193E6E28-8FC8-4E23-B702-0C05D06AA1DC}" dt="2024-09-04T09:23:31.173" v="3751" actId="1076"/>
-          <ac:spMkLst>
-            <pc:docMk/>
-            <pc:sldMk cId="1810238456" sldId="1411"/>
-            <ac:spMk id="9" creationId="{B50CD7E4-A3CA-1DFD-AD7F-C71027C18AD9}"/>
-          </ac:spMkLst>
-        </pc:spChg>
-        <pc:spChg chg="add mod">
-          <ac:chgData name="佐藤　寛也" userId="27837c8b-abaf-4096-b544-58e4cbe7054e" providerId="ADAL" clId="{193E6E28-8FC8-4E23-B702-0C05D06AA1DC}" dt="2024-09-04T09:23:31.173" v="3751" actId="1076"/>
-          <ac:spMkLst>
-            <pc:docMk/>
-            <pc:sldMk cId="1810238456" sldId="1411"/>
-            <ac:spMk id="10" creationId="{E9B9608B-7923-1E0A-D0CC-7595F0EED9EC}"/>
-          </ac:spMkLst>
-        </pc:spChg>
-        <pc:spChg chg="add del mod">
-          <ac:chgData name="佐藤　寛也" userId="27837c8b-abaf-4096-b544-58e4cbe7054e" providerId="ADAL" clId="{193E6E28-8FC8-4E23-B702-0C05D06AA1DC}" dt="2024-09-04T04:21:27.441" v="1046" actId="478"/>
-          <ac:spMkLst>
-            <pc:docMk/>
-            <pc:sldMk cId="1810238456" sldId="1411"/>
-            <ac:spMk id="14" creationId="{ABA86493-5AE8-89DD-E09A-37987E1AD538}"/>
-          </ac:spMkLst>
-        </pc:spChg>
-        <pc:spChg chg="add mod">
-          <ac:chgData name="佐藤　寛也" userId="27837c8b-abaf-4096-b544-58e4cbe7054e" providerId="ADAL" clId="{193E6E28-8FC8-4E23-B702-0C05D06AA1DC}" dt="2024-09-04T09:23:31.173" v="3751" actId="1076"/>
-          <ac:spMkLst>
-            <pc:docMk/>
-            <pc:sldMk cId="1810238456" sldId="1411"/>
-            <ac:spMk id="15" creationId="{6AC0C189-57F6-5C45-6CF6-8A1BADECB49F}"/>
-          </ac:spMkLst>
-        </pc:spChg>
-        <pc:spChg chg="add mod">
-          <ac:chgData name="佐藤　寛也" userId="27837c8b-abaf-4096-b544-58e4cbe7054e" providerId="ADAL" clId="{193E6E28-8FC8-4E23-B702-0C05D06AA1DC}" dt="2024-09-04T09:23:31.173" v="3751" actId="1076"/>
-          <ac:spMkLst>
-            <pc:docMk/>
-            <pc:sldMk cId="1810238456" sldId="1411"/>
-            <ac:spMk id="16" creationId="{FAC1266D-89CE-06E6-FF8D-D07DA41A0FFE}"/>
-          </ac:spMkLst>
-        </pc:spChg>
-        <pc:spChg chg="add del mod">
-          <ac:chgData name="佐藤　寛也" userId="27837c8b-abaf-4096-b544-58e4cbe7054e" providerId="ADAL" clId="{193E6E28-8FC8-4E23-B702-0C05D06AA1DC}" dt="2024-09-04T10:23:57.963" v="4022" actId="478"/>
-          <ac:spMkLst>
-            <pc:docMk/>
-            <pc:sldMk cId="1810238456" sldId="1411"/>
-            <ac:spMk id="17" creationId="{058E648A-BAE6-E27B-1DC4-1175A3B52EA3}"/>
-          </ac:spMkLst>
-        </pc:spChg>
-        <pc:picChg chg="add mod">
-          <ac:chgData name="佐藤　寛也" userId="27837c8b-abaf-4096-b544-58e4cbe7054e" providerId="ADAL" clId="{193E6E28-8FC8-4E23-B702-0C05D06AA1DC}" dt="2024-09-04T04:21:07.329" v="1041"/>
-          <ac:picMkLst>
-            <pc:docMk/>
-            <pc:sldMk cId="1810238456" sldId="1411"/>
-            <ac:picMk id="11" creationId="{DD413FC8-0CFB-A46C-BA80-DCD723AE08AF}"/>
-          </ac:picMkLst>
-        </pc:picChg>
-        <pc:picChg chg="add mod">
-          <ac:chgData name="佐藤　寛也" userId="27837c8b-abaf-4096-b544-58e4cbe7054e" providerId="ADAL" clId="{193E6E28-8FC8-4E23-B702-0C05D06AA1DC}" dt="2024-09-04T04:21:07.329" v="1041"/>
-          <ac:picMkLst>
-            <pc:docMk/>
-            <pc:sldMk cId="1810238456" sldId="1411"/>
-            <ac:picMk id="12" creationId="{B3A843EF-E3A6-DC9E-6BC2-A7FB2C510DFC}"/>
-          </ac:picMkLst>
-        </pc:picChg>
-      </pc:sldChg>
-      <pc:sldChg chg="addSp modSp add mod modClrScheme chgLayout">
-        <pc:chgData name="佐藤　寛也" userId="27837c8b-abaf-4096-b544-58e4cbe7054e" providerId="ADAL" clId="{193E6E28-8FC8-4E23-B702-0C05D06AA1DC}" dt="2024-09-04T07:33:49.978" v="2654" actId="1036"/>
-        <pc:sldMkLst>
-          <pc:docMk/>
-          <pc:sldMk cId="360300041" sldId="1412"/>
-        </pc:sldMkLst>
-        <pc:spChg chg="mod ord">
-          <ac:chgData name="佐藤　寛也" userId="27837c8b-abaf-4096-b544-58e4cbe7054e" providerId="ADAL" clId="{193E6E28-8FC8-4E23-B702-0C05D06AA1DC}" dt="2024-09-04T04:14:18.948" v="851" actId="700"/>
-          <ac:spMkLst>
-            <pc:docMk/>
-            <pc:sldMk cId="360300041" sldId="1412"/>
-            <ac:spMk id="2" creationId="{D2EC63E3-45D7-F476-18BF-25E58D75754D}"/>
-          </ac:spMkLst>
-        </pc:spChg>
-        <pc:spChg chg="mod ord">
-          <ac:chgData name="佐藤　寛也" userId="27837c8b-abaf-4096-b544-58e4cbe7054e" providerId="ADAL" clId="{193E6E28-8FC8-4E23-B702-0C05D06AA1DC}" dt="2024-09-04T04:47:42.500" v="1785" actId="313"/>
-          <ac:spMkLst>
-            <pc:docMk/>
-            <pc:sldMk cId="360300041" sldId="1412"/>
-            <ac:spMk id="3" creationId="{953213B8-1FBE-318A-151A-51BABF1F6ABE}"/>
-          </ac:spMkLst>
-        </pc:spChg>
-        <pc:spChg chg="mod ord">
-          <ac:chgData name="佐藤　寛也" userId="27837c8b-abaf-4096-b544-58e4cbe7054e" providerId="ADAL" clId="{193E6E28-8FC8-4E23-B702-0C05D06AA1DC}" dt="2024-09-04T04:14:18.948" v="851" actId="700"/>
-          <ac:spMkLst>
-            <pc:docMk/>
-            <pc:sldMk cId="360300041" sldId="1412"/>
-            <ac:spMk id="4" creationId="{8BD9BA96-2C73-F15B-0EC8-A1740938D32B}"/>
-          </ac:spMkLst>
-        </pc:spChg>
-        <pc:spChg chg="mod ord">
-          <ac:chgData name="佐藤　寛也" userId="27837c8b-abaf-4096-b544-58e4cbe7054e" providerId="ADAL" clId="{193E6E28-8FC8-4E23-B702-0C05D06AA1DC}" dt="2024-09-04T04:14:18.948" v="851" actId="700"/>
-          <ac:spMkLst>
-            <pc:docMk/>
-            <pc:sldMk cId="360300041" sldId="1412"/>
-            <ac:spMk id="5" creationId="{C4BB9A44-04C9-CB39-DD07-4D1DA8158E25}"/>
-          </ac:spMkLst>
-        </pc:spChg>
-        <pc:spChg chg="mod ord">
-          <ac:chgData name="佐藤　寛也" userId="27837c8b-abaf-4096-b544-58e4cbe7054e" providerId="ADAL" clId="{193E6E28-8FC8-4E23-B702-0C05D06AA1DC}" dt="2024-09-04T04:14:18.948" v="851" actId="700"/>
-          <ac:spMkLst>
-            <pc:docMk/>
-            <pc:sldMk cId="360300041" sldId="1412"/>
-            <ac:spMk id="6" creationId="{297C03DE-83C8-7CF2-6CFB-108BA541C5DD}"/>
-          </ac:spMkLst>
-        </pc:spChg>
-        <pc:spChg chg="add mod">
-          <ac:chgData name="佐藤　寛也" userId="27837c8b-abaf-4096-b544-58e4cbe7054e" providerId="ADAL" clId="{193E6E28-8FC8-4E23-B702-0C05D06AA1DC}" dt="2024-09-04T04:13:28.497" v="836" actId="1076"/>
-          <ac:spMkLst>
-            <pc:docMk/>
-            <pc:sldMk cId="360300041" sldId="1412"/>
-            <ac:spMk id="9" creationId="{436A2211-6598-39E1-49D6-3FDBFFA3D253}"/>
-          </ac:spMkLst>
-        </pc:spChg>
-        <pc:spChg chg="add mod">
-          <ac:chgData name="佐藤　寛也" userId="27837c8b-abaf-4096-b544-58e4cbe7054e" providerId="ADAL" clId="{193E6E28-8FC8-4E23-B702-0C05D06AA1DC}" dt="2024-09-04T04:19:44.029" v="955" actId="1076"/>
-          <ac:spMkLst>
-            <pc:docMk/>
-            <pc:sldMk cId="360300041" sldId="1412"/>
-            <ac:spMk id="10" creationId="{F5D2E339-C9B2-5A49-C6D9-FEF71A14B0CE}"/>
-          </ac:spMkLst>
-        </pc:spChg>
-        <pc:spChg chg="add mod">
-          <ac:chgData name="佐藤　寛也" userId="27837c8b-abaf-4096-b544-58e4cbe7054e" providerId="ADAL" clId="{193E6E28-8FC8-4E23-B702-0C05D06AA1DC}" dt="2024-09-04T04:45:29.999" v="1744" actId="120"/>
-          <ac:spMkLst>
-            <pc:docMk/>
-            <pc:sldMk cId="360300041" sldId="1412"/>
-            <ac:spMk id="11" creationId="{6C4F3BB4-84BB-B9DB-31B5-D969F8F419CC}"/>
-          </ac:spMkLst>
-        </pc:spChg>
-        <pc:spChg chg="add mod">
-          <ac:chgData name="佐藤　寛也" userId="27837c8b-abaf-4096-b544-58e4cbe7054e" providerId="ADAL" clId="{193E6E28-8FC8-4E23-B702-0C05D06AA1DC}" dt="2024-09-04T07:33:12.155" v="2643" actId="20577"/>
-          <ac:spMkLst>
-            <pc:docMk/>
-            <pc:sldMk cId="360300041" sldId="1412"/>
-            <ac:spMk id="13" creationId="{C4DF6A5F-5111-F7EB-928B-53FA6EDE050D}"/>
-          </ac:spMkLst>
-        </pc:spChg>
-        <pc:spChg chg="add mod">
-          <ac:chgData name="佐藤　寛也" userId="27837c8b-abaf-4096-b544-58e4cbe7054e" providerId="ADAL" clId="{193E6E28-8FC8-4E23-B702-0C05D06AA1DC}" dt="2024-09-04T07:32:13.385" v="2627" actId="571"/>
-          <ac:spMkLst>
-            <pc:docMk/>
-            <pc:sldMk cId="360300041" sldId="1412"/>
-            <ac:spMk id="15" creationId="{EB2A8EFB-2DBD-A206-C322-53D4353B9D07}"/>
-          </ac:spMkLst>
-        </pc:spChg>
-        <pc:spChg chg="add mod">
-          <ac:chgData name="佐藤　寛也" userId="27837c8b-abaf-4096-b544-58e4cbe7054e" providerId="ADAL" clId="{193E6E28-8FC8-4E23-B702-0C05D06AA1DC}" dt="2024-09-04T07:33:49.978" v="2654" actId="1036"/>
-          <ac:spMkLst>
-            <pc:docMk/>
-            <pc:sldMk cId="360300041" sldId="1412"/>
-            <ac:spMk id="18" creationId="{1BB2D213-780C-5C69-9922-58C04F4ED897}"/>
-          </ac:spMkLst>
-        </pc:spChg>
-        <pc:picChg chg="add mod">
-          <ac:chgData name="佐藤　寛也" userId="27837c8b-abaf-4096-b544-58e4cbe7054e" providerId="ADAL" clId="{193E6E28-8FC8-4E23-B702-0C05D06AA1DC}" dt="2024-09-04T04:19:44.029" v="955" actId="1076"/>
-          <ac:picMkLst>
-            <pc:docMk/>
-            <pc:sldMk cId="360300041" sldId="1412"/>
-            <ac:picMk id="8" creationId="{843C1C8E-EFC2-5530-0CE4-E5BCCB26BD08}"/>
-          </ac:picMkLst>
-        </pc:picChg>
-        <pc:picChg chg="add mod">
-          <ac:chgData name="佐藤　寛也" userId="27837c8b-abaf-4096-b544-58e4cbe7054e" providerId="ADAL" clId="{193E6E28-8FC8-4E23-B702-0C05D06AA1DC}" dt="2024-09-04T07:32:03.639" v="2624" actId="1037"/>
-          <ac:picMkLst>
-            <pc:docMk/>
-            <pc:sldMk cId="360300041" sldId="1412"/>
-            <ac:picMk id="12" creationId="{BFE54770-9D87-D440-564E-5D493C622E76}"/>
-          </ac:picMkLst>
-        </pc:picChg>
-        <pc:cxnChg chg="add mod">
-          <ac:chgData name="佐藤　寛也" userId="27837c8b-abaf-4096-b544-58e4cbe7054e" providerId="ADAL" clId="{193E6E28-8FC8-4E23-B702-0C05D06AA1DC}" dt="2024-09-04T07:33:20.213" v="2648" actId="14100"/>
-          <ac:cxnSpMkLst>
-            <pc:docMk/>
-            <pc:sldMk cId="360300041" sldId="1412"/>
-            <ac:cxnSpMk id="14" creationId="{8414C94A-EB32-7FAA-DEAD-F2EA787EDB3D}"/>
-          </ac:cxnSpMkLst>
-        </pc:cxnChg>
-      </pc:sldChg>
-      <pc:sldChg chg="modSp new del mod">
-        <pc:chgData name="佐藤　寛也" userId="27837c8b-abaf-4096-b544-58e4cbe7054e" providerId="ADAL" clId="{193E6E28-8FC8-4E23-B702-0C05D06AA1DC}" dt="2024-09-04T03:09:50.186" v="142" actId="47"/>
-        <pc:sldMkLst>
-          <pc:docMk/>
-          <pc:sldMk cId="2333443033" sldId="1412"/>
-        </pc:sldMkLst>
-        <pc:spChg chg="mod">
-          <ac:chgData name="佐藤　寛也" userId="27837c8b-abaf-4096-b544-58e4cbe7054e" providerId="ADAL" clId="{193E6E28-8FC8-4E23-B702-0C05D06AA1DC}" dt="2024-09-04T03:09:15.242" v="132" actId="27636"/>
-          <ac:spMkLst>
-            <pc:docMk/>
-            <pc:sldMk cId="2333443033" sldId="1412"/>
-            <ac:spMk id="2" creationId="{9E91D1B4-6CE5-621C-2DC0-4445402B0C7B}"/>
-          </ac:spMkLst>
-        </pc:spChg>
-      </pc:sldChg>
-      <pc:sldChg chg="modSp add mod ord">
-        <pc:chgData name="佐藤　寛也" userId="27837c8b-abaf-4096-b544-58e4cbe7054e" providerId="ADAL" clId="{193E6E28-8FC8-4E23-B702-0C05D06AA1DC}" dt="2024-09-06T02:39:16.348" v="5329" actId="20577"/>
-        <pc:sldMkLst>
-          <pc:docMk/>
-          <pc:sldMk cId="117506766" sldId="1413"/>
-        </pc:sldMkLst>
-        <pc:spChg chg="mod">
-          <ac:chgData name="佐藤　寛也" userId="27837c8b-abaf-4096-b544-58e4cbe7054e" providerId="ADAL" clId="{193E6E28-8FC8-4E23-B702-0C05D06AA1DC}" dt="2024-09-04T04:40:26.983" v="1614" actId="20577"/>
-          <ac:spMkLst>
-            <pc:docMk/>
-            <pc:sldMk cId="117506766" sldId="1413"/>
-            <ac:spMk id="2" creationId="{21D0CFCA-348F-6DF4-2D11-99E2969833F2}"/>
-          </ac:spMkLst>
-        </pc:spChg>
-        <pc:spChg chg="mod">
-          <ac:chgData name="佐藤　寛也" userId="27837c8b-abaf-4096-b544-58e4cbe7054e" providerId="ADAL" clId="{193E6E28-8FC8-4E23-B702-0C05D06AA1DC}" dt="2024-09-06T02:39:16.348" v="5329" actId="20577"/>
-          <ac:spMkLst>
-            <pc:docMk/>
-            <pc:sldMk cId="117506766" sldId="1413"/>
-            <ac:spMk id="3" creationId="{41AEE836-B07F-6756-DC70-5EA0EE3A1CC4}"/>
-          </ac:spMkLst>
-        </pc:spChg>
-      </pc:sldChg>
-      <pc:sldChg chg="modSp add del mod">
-        <pc:chgData name="佐藤　寛也" userId="27837c8b-abaf-4096-b544-58e4cbe7054e" providerId="ADAL" clId="{193E6E28-8FC8-4E23-B702-0C05D06AA1DC}" dt="2024-09-04T03:09:49.076" v="141" actId="47"/>
-        <pc:sldMkLst>
-          <pc:docMk/>
-          <pc:sldMk cId="416721258" sldId="1413"/>
-        </pc:sldMkLst>
-        <pc:spChg chg="mod">
-          <ac:chgData name="佐藤　寛也" userId="27837c8b-abaf-4096-b544-58e4cbe7054e" providerId="ADAL" clId="{193E6E28-8FC8-4E23-B702-0C05D06AA1DC}" dt="2024-09-04T03:09:31.705" v="136" actId="14100"/>
-          <ac:spMkLst>
-            <pc:docMk/>
-            <pc:sldMk cId="416721258" sldId="1413"/>
-            <ac:spMk id="2" creationId="{9E91D1B4-6CE5-621C-2DC0-4445402B0C7B}"/>
-          </ac:spMkLst>
-        </pc:spChg>
-      </pc:sldChg>
-      <pc:sldChg chg="add del ord">
-        <pc:chgData name="佐藤　寛也" userId="27837c8b-abaf-4096-b544-58e4cbe7054e" providerId="ADAL" clId="{193E6E28-8FC8-4E23-B702-0C05D06AA1DC}" dt="2024-09-04T03:09:48.121" v="140" actId="47"/>
-        <pc:sldMkLst>
-          <pc:docMk/>
-          <pc:sldMk cId="270009088" sldId="1414"/>
-        </pc:sldMkLst>
-      </pc:sldChg>
-      <pc:sldChg chg="modSp add del mod ord">
-        <pc:chgData name="佐藤　寛也" userId="27837c8b-abaf-4096-b544-58e4cbe7054e" providerId="ADAL" clId="{193E6E28-8FC8-4E23-B702-0C05D06AA1DC}" dt="2024-09-04T05:17:19.489" v="2442" actId="47"/>
-        <pc:sldMkLst>
-          <pc:docMk/>
-          <pc:sldMk cId="3915811712" sldId="1414"/>
-        </pc:sldMkLst>
-        <pc:spChg chg="mod">
-          <ac:chgData name="佐藤　寛也" userId="27837c8b-abaf-4096-b544-58e4cbe7054e" providerId="ADAL" clId="{193E6E28-8FC8-4E23-B702-0C05D06AA1DC}" dt="2024-09-04T04:49:24.965" v="1810" actId="20577"/>
-          <ac:spMkLst>
-            <pc:docMk/>
-            <pc:sldMk cId="3915811712" sldId="1414"/>
-            <ac:spMk id="2" creationId="{21D0CFCA-348F-6DF4-2D11-99E2969833F2}"/>
-          </ac:spMkLst>
-        </pc:spChg>
-        <pc:spChg chg="mod">
-          <ac:chgData name="佐藤　寛也" userId="27837c8b-abaf-4096-b544-58e4cbe7054e" providerId="ADAL" clId="{193E6E28-8FC8-4E23-B702-0C05D06AA1DC}" dt="2024-09-04T05:09:20.596" v="2296" actId="20578"/>
-          <ac:spMkLst>
-            <pc:docMk/>
-            <pc:sldMk cId="3915811712" sldId="1414"/>
-            <ac:spMk id="3" creationId="{41AEE836-B07F-6756-DC70-5EA0EE3A1CC4}"/>
-          </ac:spMkLst>
-        </pc:spChg>
-      </pc:sldChg>
-      <pc:sldChg chg="modSp add mod">
-        <pc:chgData name="佐藤　寛也" userId="27837c8b-abaf-4096-b544-58e4cbe7054e" providerId="ADAL" clId="{193E6E28-8FC8-4E23-B702-0C05D06AA1DC}" dt="2024-09-05T09:28:01.770" v="5259" actId="20577"/>
-        <pc:sldMkLst>
-          <pc:docMk/>
-          <pc:sldMk cId="176847597" sldId="1415"/>
-        </pc:sldMkLst>
-        <pc:spChg chg="mod">
-          <ac:chgData name="佐藤　寛也" userId="27837c8b-abaf-4096-b544-58e4cbe7054e" providerId="ADAL" clId="{193E6E28-8FC8-4E23-B702-0C05D06AA1DC}" dt="2024-09-05T09:28:01.770" v="5259" actId="20577"/>
-          <ac:spMkLst>
-            <pc:docMk/>
-            <pc:sldMk cId="176847597" sldId="1415"/>
-            <ac:spMk id="3" creationId="{41AEE836-B07F-6756-DC70-5EA0EE3A1CC4}"/>
-          </ac:spMkLst>
-        </pc:spChg>
-      </pc:sldChg>
-      <pc:sldChg chg="addSp delSp modSp add del mod ord">
-        <pc:chgData name="佐藤　寛也" userId="27837c8b-abaf-4096-b544-58e4cbe7054e" providerId="ADAL" clId="{193E6E28-8FC8-4E23-B702-0C05D06AA1DC}" dt="2024-09-05T09:06:32.744" v="5119" actId="47"/>
-        <pc:sldMkLst>
-          <pc:docMk/>
-          <pc:sldMk cId="2659024569" sldId="1416"/>
-        </pc:sldMkLst>
-        <pc:spChg chg="mod">
-          <ac:chgData name="佐藤　寛也" userId="27837c8b-abaf-4096-b544-58e4cbe7054e" providerId="ADAL" clId="{193E6E28-8FC8-4E23-B702-0C05D06AA1DC}" dt="2024-09-04T05:07:28.962" v="2281" actId="20577"/>
-          <ac:spMkLst>
-            <pc:docMk/>
-            <pc:sldMk cId="2659024569" sldId="1416"/>
-            <ac:spMk id="3" creationId="{41AEE836-B07F-6756-DC70-5EA0EE3A1CC4}"/>
-          </ac:spMkLst>
-        </pc:spChg>
-        <pc:spChg chg="add mod">
-          <ac:chgData name="佐藤　寛也" userId="27837c8b-abaf-4096-b544-58e4cbe7054e" providerId="ADAL" clId="{193E6E28-8FC8-4E23-B702-0C05D06AA1DC}" dt="2024-09-04T09:00:21.885" v="3687" actId="1582"/>
-          <ac:spMkLst>
-            <pc:docMk/>
-            <pc:sldMk cId="2659024569" sldId="1416"/>
-            <ac:spMk id="8" creationId="{549AE2D9-DA59-50D5-3413-B0D146083583}"/>
-          </ac:spMkLst>
-        </pc:spChg>
-        <pc:spChg chg="add del">
-          <ac:chgData name="佐藤　寛也" userId="27837c8b-abaf-4096-b544-58e4cbe7054e" providerId="ADAL" clId="{193E6E28-8FC8-4E23-B702-0C05D06AA1DC}" dt="2024-09-04T05:09:06.487" v="2295" actId="478"/>
-          <ac:spMkLst>
-            <pc:docMk/>
-            <pc:sldMk cId="2659024569" sldId="1416"/>
-            <ac:spMk id="8" creationId="{F0B24EA4-4BAA-BA18-523E-93A750BD5C55}"/>
-          </ac:spMkLst>
-        </pc:spChg>
-        <pc:spChg chg="add mod">
-          <ac:chgData name="佐藤　寛也" userId="27837c8b-abaf-4096-b544-58e4cbe7054e" providerId="ADAL" clId="{193E6E28-8FC8-4E23-B702-0C05D06AA1DC}" dt="2024-09-04T09:48:25.210" v="3915" actId="1076"/>
-          <ac:spMkLst>
-            <pc:docMk/>
-            <pc:sldMk cId="2659024569" sldId="1416"/>
-            <ac:spMk id="9" creationId="{2BEF2B5C-0BFE-EE67-2BC9-31924B40AA08}"/>
-          </ac:spMkLst>
-        </pc:spChg>
-        <pc:spChg chg="add mod">
-          <ac:chgData name="佐藤　寛也" userId="27837c8b-abaf-4096-b544-58e4cbe7054e" providerId="ADAL" clId="{193E6E28-8FC8-4E23-B702-0C05D06AA1DC}" dt="2024-09-04T09:48:04.130" v="3909" actId="1076"/>
-          <ac:spMkLst>
-            <pc:docMk/>
-            <pc:sldMk cId="2659024569" sldId="1416"/>
-            <ac:spMk id="10" creationId="{77DF0CC4-9166-3878-268B-B07887951991}"/>
-          </ac:spMkLst>
-        </pc:spChg>
-        <pc:spChg chg="add del">
-          <ac:chgData name="佐藤　寛也" userId="27837c8b-abaf-4096-b544-58e4cbe7054e" providerId="ADAL" clId="{193E6E28-8FC8-4E23-B702-0C05D06AA1DC}" dt="2024-09-04T09:00:50.814" v="3692" actId="478"/>
-          <ac:spMkLst>
-            <pc:docMk/>
-            <pc:sldMk cId="2659024569" sldId="1416"/>
-            <ac:spMk id="11" creationId="{EC954807-6560-AE57-95E7-F82A857C931C}"/>
-          </ac:spMkLst>
-        </pc:spChg>
-        <pc:spChg chg="add del mod">
-          <ac:chgData name="佐藤　寛也" userId="27837c8b-abaf-4096-b544-58e4cbe7054e" providerId="ADAL" clId="{193E6E28-8FC8-4E23-B702-0C05D06AA1DC}" dt="2024-09-04T08:58:20.757" v="3664" actId="478"/>
-          <ac:spMkLst>
-            <pc:docMk/>
-            <pc:sldMk cId="2659024569" sldId="1416"/>
-            <ac:spMk id="13" creationId="{C9FAFFB9-93D0-9D7D-D9B0-A6C80D67F416}"/>
-          </ac:spMkLst>
-        </pc:spChg>
-        <pc:spChg chg="add del">
-          <ac:chgData name="佐藤　寛也" userId="27837c8b-abaf-4096-b544-58e4cbe7054e" providerId="ADAL" clId="{193E6E28-8FC8-4E23-B702-0C05D06AA1DC}" dt="2024-09-04T05:13:56.666" v="2409" actId="478"/>
-          <ac:spMkLst>
-            <pc:docMk/>
-            <pc:sldMk cId="2659024569" sldId="1416"/>
-            <ac:spMk id="14" creationId="{24A21E9B-281D-BAE1-5699-0129DD7E86D7}"/>
-          </ac:spMkLst>
-        </pc:spChg>
-        <pc:spChg chg="add mod">
-          <ac:chgData name="佐藤　寛也" userId="27837c8b-abaf-4096-b544-58e4cbe7054e" providerId="ADAL" clId="{193E6E28-8FC8-4E23-B702-0C05D06AA1DC}" dt="2024-09-04T09:00:10.862" v="3685" actId="1582"/>
-          <ac:spMkLst>
-            <pc:docMk/>
-            <pc:sldMk cId="2659024569" sldId="1416"/>
-            <ac:spMk id="14" creationId="{83E5FD2B-71A6-0378-E492-304B82034893}"/>
-          </ac:spMkLst>
-        </pc:spChg>
-        <pc:spChg chg="add del mod">
-          <ac:chgData name="佐藤　寛也" userId="27837c8b-abaf-4096-b544-58e4cbe7054e" providerId="ADAL" clId="{193E6E28-8FC8-4E23-B702-0C05D06AA1DC}" dt="2024-09-04T08:58:56.886" v="3667" actId="478"/>
-          <ac:spMkLst>
-            <pc:docMk/>
-            <pc:sldMk cId="2659024569" sldId="1416"/>
-            <ac:spMk id="15" creationId="{737D231C-57B1-052C-82D1-E71DAE8BC95E}"/>
-          </ac:spMkLst>
-        </pc:spChg>
-        <pc:spChg chg="add mod ord">
-          <ac:chgData name="佐藤　寛也" userId="27837c8b-abaf-4096-b544-58e4cbe7054e" providerId="ADAL" clId="{193E6E28-8FC8-4E23-B702-0C05D06AA1DC}" dt="2024-09-04T09:48:25.210" v="3915" actId="1076"/>
-          <ac:spMkLst>
-            <pc:docMk/>
-            <pc:sldMk cId="2659024569" sldId="1416"/>
-            <ac:spMk id="16" creationId="{EFB4FFCD-A85F-5C00-D4CC-44B23EEB4F38}"/>
-          </ac:spMkLst>
-        </pc:spChg>
-        <pc:spChg chg="add mod">
-          <ac:chgData name="佐藤　寛也" userId="27837c8b-abaf-4096-b544-58e4cbe7054e" providerId="ADAL" clId="{193E6E28-8FC8-4E23-B702-0C05D06AA1DC}" dt="2024-09-04T09:00:10.862" v="3685" actId="1582"/>
-          <ac:spMkLst>
-            <pc:docMk/>
-            <pc:sldMk cId="2659024569" sldId="1416"/>
-            <ac:spMk id="17" creationId="{7198A0E0-FA17-4F47-CC3C-17A4C6473590}"/>
-          </ac:spMkLst>
-        </pc:spChg>
-        <pc:spChg chg="add mod">
-          <ac:chgData name="佐藤　寛也" userId="27837c8b-abaf-4096-b544-58e4cbe7054e" providerId="ADAL" clId="{193E6E28-8FC8-4E23-B702-0C05D06AA1DC}" dt="2024-09-04T09:49:12.272" v="3929" actId="14100"/>
-          <ac:spMkLst>
-            <pc:docMk/>
-            <pc:sldMk cId="2659024569" sldId="1416"/>
-            <ac:spMk id="18" creationId="{F95050BD-DCBF-1534-F37F-004F44F94704}"/>
-          </ac:spMkLst>
-        </pc:spChg>
-        <pc:spChg chg="add del">
-          <ac:chgData name="佐藤　寛也" userId="27837c8b-abaf-4096-b544-58e4cbe7054e" providerId="ADAL" clId="{193E6E28-8FC8-4E23-B702-0C05D06AA1DC}" dt="2024-09-04T05:31:20.738" v="2568" actId="478"/>
-          <ac:spMkLst>
-            <pc:docMk/>
-            <pc:sldMk cId="2659024569" sldId="1416"/>
-            <ac:spMk id="19" creationId="{5FE85ED1-60EF-6CFE-69F9-AB9F31A57623}"/>
-          </ac:spMkLst>
-        </pc:spChg>
-        <pc:spChg chg="add del mod">
-          <ac:chgData name="佐藤　寛也" userId="27837c8b-abaf-4096-b544-58e4cbe7054e" providerId="ADAL" clId="{193E6E28-8FC8-4E23-B702-0C05D06AA1DC}" dt="2024-09-04T08:58:59.870" v="3669" actId="478"/>
-          <ac:spMkLst>
-            <pc:docMk/>
-            <pc:sldMk cId="2659024569" sldId="1416"/>
-            <ac:spMk id="20" creationId="{489AB132-9C77-A190-1410-C672627C3BC9}"/>
-          </ac:spMkLst>
-        </pc:spChg>
-        <pc:graphicFrameChg chg="add mod modGraphic">
-          <ac:chgData name="佐藤　寛也" userId="27837c8b-abaf-4096-b544-58e4cbe7054e" providerId="ADAL" clId="{193E6E28-8FC8-4E23-B702-0C05D06AA1DC}" dt="2024-09-04T09:49:06" v="3928" actId="20577"/>
-          <ac:graphicFrameMkLst>
-            <pc:docMk/>
-            <pc:sldMk cId="2659024569" sldId="1416"/>
-            <ac:graphicFrameMk id="7" creationId="{CD95F47B-724F-6E0A-C103-DA07593C0894}"/>
-          </ac:graphicFrameMkLst>
-        </pc:graphicFrameChg>
-        <pc:cxnChg chg="add mod">
-          <ac:chgData name="佐藤　寛也" userId="27837c8b-abaf-4096-b544-58e4cbe7054e" providerId="ADAL" clId="{193E6E28-8FC8-4E23-B702-0C05D06AA1DC}" dt="2024-09-04T08:58:24.934" v="3665" actId="1076"/>
-          <ac:cxnSpMkLst>
-            <pc:docMk/>
-            <pc:sldMk cId="2659024569" sldId="1416"/>
-            <ac:cxnSpMk id="12" creationId="{9ABD69E2-4E9C-0E2E-84B6-5DA2730856E6}"/>
-          </ac:cxnSpMkLst>
-        </pc:cxnChg>
-        <pc:cxnChg chg="add del mod">
-          <ac:chgData name="佐藤　寛也" userId="27837c8b-abaf-4096-b544-58e4cbe7054e" providerId="ADAL" clId="{193E6E28-8FC8-4E23-B702-0C05D06AA1DC}" dt="2024-09-04T05:32:40.519" v="2578" actId="478"/>
-          <ac:cxnSpMkLst>
-            <pc:docMk/>
-            <pc:sldMk cId="2659024569" sldId="1416"/>
-            <ac:cxnSpMk id="22" creationId="{93760CA7-D477-1AFC-DC56-17CA2DD8F8AE}"/>
-          </ac:cxnSpMkLst>
-        </pc:cxnChg>
-        <pc:cxnChg chg="add del mod">
-          <ac:chgData name="佐藤　寛也" userId="27837c8b-abaf-4096-b544-58e4cbe7054e" providerId="ADAL" clId="{193E6E28-8FC8-4E23-B702-0C05D06AA1DC}" dt="2024-09-04T05:33:30.156" v="2594" actId="478"/>
-          <ac:cxnSpMkLst>
-            <pc:docMk/>
-            <pc:sldMk cId="2659024569" sldId="1416"/>
-            <ac:cxnSpMk id="24" creationId="{E6EFFAFD-24F5-2911-501B-D6DD35B54BF4}"/>
-          </ac:cxnSpMkLst>
-        </pc:cxnChg>
-        <pc:cxnChg chg="add del mod">
-          <ac:chgData name="佐藤　寛也" userId="27837c8b-abaf-4096-b544-58e4cbe7054e" providerId="ADAL" clId="{193E6E28-8FC8-4E23-B702-0C05D06AA1DC}" dt="2024-09-04T05:33:30.156" v="2594" actId="478"/>
-          <ac:cxnSpMkLst>
-            <pc:docMk/>
-            <pc:sldMk cId="2659024569" sldId="1416"/>
-            <ac:cxnSpMk id="25" creationId="{04C03AAB-188C-EF47-EA9E-7FE853030626}"/>
-          </ac:cxnSpMkLst>
-        </pc:cxnChg>
-      </pc:sldChg>
-      <pc:sldChg chg="addSp delSp modSp new mod ord">
-        <pc:chgData name="佐藤　寛也" userId="27837c8b-abaf-4096-b544-58e4cbe7054e" providerId="ADAL" clId="{193E6E28-8FC8-4E23-B702-0C05D06AA1DC}" dt="2024-09-05T08:29:43.315" v="4214" actId="404"/>
-        <pc:sldMkLst>
-          <pc:docMk/>
-          <pc:sldMk cId="2127359854" sldId="1417"/>
-        </pc:sldMkLst>
-        <pc:spChg chg="mod">
-          <ac:chgData name="佐藤　寛也" userId="27837c8b-abaf-4096-b544-58e4cbe7054e" providerId="ADAL" clId="{193E6E28-8FC8-4E23-B702-0C05D06AA1DC}" dt="2024-09-05T08:29:43.315" v="4214" actId="404"/>
-          <ac:spMkLst>
-            <pc:docMk/>
-            <pc:sldMk cId="2127359854" sldId="1417"/>
-            <ac:spMk id="2" creationId="{DAA4631E-08C4-0E32-119E-7BC58AE9E790}"/>
-          </ac:spMkLst>
-        </pc:spChg>
-        <pc:spChg chg="del">
-          <ac:chgData name="佐藤　寛也" userId="27837c8b-abaf-4096-b544-58e4cbe7054e" providerId="ADAL" clId="{193E6E28-8FC8-4E23-B702-0C05D06AA1DC}" dt="2024-09-04T07:37:08.332" v="2656" actId="22"/>
-          <ac:spMkLst>
-            <pc:docMk/>
-            <pc:sldMk cId="2127359854" sldId="1417"/>
-            <ac:spMk id="3" creationId="{252A3F36-8C80-225E-866F-3D1B3DF48EDB}"/>
-          </ac:spMkLst>
-        </pc:spChg>
-        <pc:spChg chg="add del mod">
-          <ac:chgData name="佐藤　寛也" userId="27837c8b-abaf-4096-b544-58e4cbe7054e" providerId="ADAL" clId="{193E6E28-8FC8-4E23-B702-0C05D06AA1DC}" dt="2024-09-04T07:38:40.564" v="2660"/>
-          <ac:spMkLst>
-            <pc:docMk/>
-            <pc:sldMk cId="2127359854" sldId="1417"/>
-            <ac:spMk id="10" creationId="{4C2031B0-DD10-1B23-9960-F9709784CDCC}"/>
-          </ac:spMkLst>
-        </pc:spChg>
-        <pc:spChg chg="add del mod">
-          <ac:chgData name="佐藤　寛也" userId="27837c8b-abaf-4096-b544-58e4cbe7054e" providerId="ADAL" clId="{193E6E28-8FC8-4E23-B702-0C05D06AA1DC}" dt="2024-09-04T08:09:37.558" v="3576" actId="478"/>
-          <ac:spMkLst>
-            <pc:docMk/>
-            <pc:sldMk cId="2127359854" sldId="1417"/>
-            <ac:spMk id="15" creationId="{1B436B85-723F-9246-41D2-7AB66B80A298}"/>
-          </ac:spMkLst>
-        </pc:spChg>
-        <pc:spChg chg="add del mod">
-          <ac:chgData name="佐藤　寛也" userId="27837c8b-abaf-4096-b544-58e4cbe7054e" providerId="ADAL" clId="{193E6E28-8FC8-4E23-B702-0C05D06AA1DC}" dt="2024-09-04T08:09:57.866" v="3584" actId="1038"/>
-          <ac:spMkLst>
-            <pc:docMk/>
-            <pc:sldMk cId="2127359854" sldId="1417"/>
-            <ac:spMk id="16" creationId="{F0DC19EE-563C-180A-EDB8-2801DB7236FB}"/>
-          </ac:spMkLst>
-        </pc:spChg>
-        <pc:spChg chg="add del mod">
-          <ac:chgData name="佐藤　寛也" userId="27837c8b-abaf-4096-b544-58e4cbe7054e" providerId="ADAL" clId="{193E6E28-8FC8-4E23-B702-0C05D06AA1DC}" dt="2024-09-04T08:09:49.184" v="3580" actId="1037"/>
-          <ac:spMkLst>
-            <pc:docMk/>
-            <pc:sldMk cId="2127359854" sldId="1417"/>
-            <ac:spMk id="17" creationId="{F6CDBF55-FAF5-C3A5-F438-B2CC04200004}"/>
-          </ac:spMkLst>
-        </pc:spChg>
-        <pc:spChg chg="add del mod">
-          <ac:chgData name="佐藤　寛也" userId="27837c8b-abaf-4096-b544-58e4cbe7054e" providerId="ADAL" clId="{193E6E28-8FC8-4E23-B702-0C05D06AA1DC}" dt="2024-09-04T08:09:37.558" v="3576" actId="478"/>
-          <ac:spMkLst>
-            <pc:docMk/>
-            <pc:sldMk cId="2127359854" sldId="1417"/>
-            <ac:spMk id="18" creationId="{7D73C95A-4B95-38BC-C5FB-1DA717401B3A}"/>
-          </ac:spMkLst>
-        </pc:spChg>
-        <pc:spChg chg="add del mod">
-          <ac:chgData name="佐藤　寛也" userId="27837c8b-abaf-4096-b544-58e4cbe7054e" providerId="ADAL" clId="{193E6E28-8FC8-4E23-B702-0C05D06AA1DC}" dt="2024-09-04T08:09:37.558" v="3576" actId="478"/>
-          <ac:spMkLst>
-            <pc:docMk/>
-            <pc:sldMk cId="2127359854" sldId="1417"/>
-            <ac:spMk id="19" creationId="{E6D588E6-CD39-D225-38E8-F9B83EEAEFF6}"/>
-          </ac:spMkLst>
-        </pc:spChg>
-        <pc:spChg chg="add del mod">
-          <ac:chgData name="佐藤　寛也" userId="27837c8b-abaf-4096-b544-58e4cbe7054e" providerId="ADAL" clId="{193E6E28-8FC8-4E23-B702-0C05D06AA1DC}" dt="2024-09-04T07:42:46.842" v="2719" actId="478"/>
-          <ac:spMkLst>
-            <pc:docMk/>
-            <pc:sldMk cId="2127359854" sldId="1417"/>
-            <ac:spMk id="20" creationId="{91D86F52-C6FB-F093-100D-85CC93896535}"/>
-          </ac:spMkLst>
-        </pc:spChg>
-        <pc:spChg chg="add del mod">
-          <ac:chgData name="佐藤　寛也" userId="27837c8b-abaf-4096-b544-58e4cbe7054e" providerId="ADAL" clId="{193E6E28-8FC8-4E23-B702-0C05D06AA1DC}" dt="2024-09-04T08:09:49.184" v="3580" actId="1037"/>
-          <ac:spMkLst>
-            <pc:docMk/>
-            <pc:sldMk cId="2127359854" sldId="1417"/>
-            <ac:spMk id="21" creationId="{CE68ECF9-A3C0-9DF9-5DC0-3D511E49790E}"/>
-          </ac:spMkLst>
-        </pc:spChg>
-        <pc:spChg chg="add mod">
-          <ac:chgData name="佐藤　寛也" userId="27837c8b-abaf-4096-b544-58e4cbe7054e" providerId="ADAL" clId="{193E6E28-8FC8-4E23-B702-0C05D06AA1DC}" dt="2024-09-04T08:11:50.124" v="3597" actId="1035"/>
-          <ac:spMkLst>
-            <pc:docMk/>
-            <pc:sldMk cId="2127359854" sldId="1417"/>
-            <ac:spMk id="24" creationId="{2B40E22E-15C3-4952-0BF7-702C427E19CE}"/>
-          </ac:spMkLst>
-        </pc:spChg>
-        <pc:spChg chg="add del">
-          <ac:chgData name="佐藤　寛也" userId="27837c8b-abaf-4096-b544-58e4cbe7054e" providerId="ADAL" clId="{193E6E28-8FC8-4E23-B702-0C05D06AA1DC}" dt="2024-09-04T08:12:52.715" v="3608" actId="478"/>
-          <ac:spMkLst>
-            <pc:docMk/>
-            <pc:sldMk cId="2127359854" sldId="1417"/>
-            <ac:spMk id="25" creationId="{183742CF-9441-BA83-FB9A-F2DDA2CBFA39}"/>
-          </ac:spMkLst>
-        </pc:spChg>
-        <pc:picChg chg="add del mod ord">
-          <ac:chgData name="佐藤　寛也" userId="27837c8b-abaf-4096-b544-58e4cbe7054e" providerId="ADAL" clId="{193E6E28-8FC8-4E23-B702-0C05D06AA1DC}" dt="2024-09-04T07:37:18.233" v="2657" actId="478"/>
-          <ac:picMkLst>
-            <pc:docMk/>
-            <pc:sldMk cId="2127359854" sldId="1417"/>
-            <ac:picMk id="8" creationId="{37B379B1-4905-AB49-73B3-C2073B5E502D}"/>
-          </ac:picMkLst>
-        </pc:picChg>
-        <pc:picChg chg="add del">
-          <ac:chgData name="佐藤　寛也" userId="27837c8b-abaf-4096-b544-58e4cbe7054e" providerId="ADAL" clId="{193E6E28-8FC8-4E23-B702-0C05D06AA1DC}" dt="2024-09-04T07:37:23.214" v="2659" actId="22"/>
-          <ac:picMkLst>
-            <pc:docMk/>
-            <pc:sldMk cId="2127359854" sldId="1417"/>
-            <ac:picMk id="12" creationId="{B94B05BA-3117-3F4B-EDDE-CB6EFF0155D7}"/>
-          </ac:picMkLst>
-        </pc:picChg>
-        <pc:picChg chg="add mod">
-          <ac:chgData name="佐藤　寛也" userId="27837c8b-abaf-4096-b544-58e4cbe7054e" providerId="ADAL" clId="{193E6E28-8FC8-4E23-B702-0C05D06AA1DC}" dt="2024-09-04T08:09:25.360" v="3575" actId="1076"/>
-          <ac:picMkLst>
-            <pc:docMk/>
-            <pc:sldMk cId="2127359854" sldId="1417"/>
-            <ac:picMk id="14" creationId="{211F2B1D-9AEE-6A59-7CE4-771E01313C47}"/>
-          </ac:picMkLst>
-        </pc:picChg>
-        <pc:picChg chg="add mod">
-          <ac:chgData name="佐藤　寛也" userId="27837c8b-abaf-4096-b544-58e4cbe7054e" providerId="ADAL" clId="{193E6E28-8FC8-4E23-B702-0C05D06AA1DC}" dt="2024-09-04T08:11:28.293" v="3591" actId="1076"/>
-          <ac:picMkLst>
-            <pc:docMk/>
-            <pc:sldMk cId="2127359854" sldId="1417"/>
-            <ac:picMk id="23" creationId="{956AA407-9D39-7C11-4329-63DF6CE12F99}"/>
-          </ac:picMkLst>
-        </pc:picChg>
-        <pc:cxnChg chg="add mod">
-          <ac:chgData name="佐藤　寛也" userId="27837c8b-abaf-4096-b544-58e4cbe7054e" providerId="ADAL" clId="{193E6E28-8FC8-4E23-B702-0C05D06AA1DC}" dt="2024-09-04T08:13:08.185" v="3615" actId="692"/>
-          <ac:cxnSpMkLst>
-            <pc:docMk/>
-            <pc:sldMk cId="2127359854" sldId="1417"/>
-            <ac:cxnSpMk id="27" creationId="{F4C1438F-47D9-3EA6-3269-4033E5F7EE56}"/>
-          </ac:cxnSpMkLst>
-        </pc:cxnChg>
-      </pc:sldChg>
-      <pc:sldChg chg="addSp delSp modSp add mod ord">
-        <pc:chgData name="佐藤　寛也" userId="27837c8b-abaf-4096-b544-58e4cbe7054e" providerId="ADAL" clId="{193E6E28-8FC8-4E23-B702-0C05D06AA1DC}" dt="2024-09-04T08:12:42.740" v="3606" actId="14100"/>
-        <pc:sldMkLst>
-          <pc:docMk/>
-          <pc:sldMk cId="2473131799" sldId="1418"/>
-        </pc:sldMkLst>
-        <pc:spChg chg="mod">
-          <ac:chgData name="佐藤　寛也" userId="27837c8b-abaf-4096-b544-58e4cbe7054e" providerId="ADAL" clId="{193E6E28-8FC8-4E23-B702-0C05D06AA1DC}" dt="2024-09-04T08:08:23.854" v="3569" actId="20577"/>
-          <ac:spMkLst>
-            <pc:docMk/>
-            <pc:sldMk cId="2473131799" sldId="1418"/>
-            <ac:spMk id="2" creationId="{DAA4631E-08C4-0E32-119E-7BC58AE9E790}"/>
-          </ac:spMkLst>
-        </pc:spChg>
-        <pc:spChg chg="add del mod">
-          <ac:chgData name="佐藤　寛也" userId="27837c8b-abaf-4096-b544-58e4cbe7054e" providerId="ADAL" clId="{193E6E28-8FC8-4E23-B702-0C05D06AA1DC}" dt="2024-09-04T07:44:38.351" v="2736" actId="478"/>
-          <ac:spMkLst>
-            <pc:docMk/>
-            <pc:sldMk cId="2473131799" sldId="1418"/>
-            <ac:spMk id="9" creationId="{43D47544-F5D1-66EF-C3C8-06B4B9967E9F}"/>
-          </ac:spMkLst>
-        </pc:spChg>
-        <pc:spChg chg="add del mod">
-          <ac:chgData name="佐藤　寛也" userId="27837c8b-abaf-4096-b544-58e4cbe7054e" providerId="ADAL" clId="{193E6E28-8FC8-4E23-B702-0C05D06AA1DC}" dt="2024-09-04T07:44:41.186" v="2738" actId="478"/>
-          <ac:spMkLst>
-            <pc:docMk/>
-            <pc:sldMk cId="2473131799" sldId="1418"/>
-            <ac:spMk id="11" creationId="{E8AD554F-9F8D-E11D-EC7C-7219897858B2}"/>
-          </ac:spMkLst>
-        </pc:spChg>
-        <pc:spChg chg="add del mod">
-          <ac:chgData name="佐藤　寛也" userId="27837c8b-abaf-4096-b544-58e4cbe7054e" providerId="ADAL" clId="{193E6E28-8FC8-4E23-B702-0C05D06AA1DC}" dt="2024-09-04T07:44:45.271" v="2740" actId="478"/>
-          <ac:spMkLst>
-            <pc:docMk/>
-            <pc:sldMk cId="2473131799" sldId="1418"/>
-            <ac:spMk id="13" creationId="{E230B75D-07D4-D7C7-2821-3CCCAF092EF3}"/>
-          </ac:spMkLst>
-        </pc:spChg>
-        <pc:spChg chg="mod">
-          <ac:chgData name="佐藤　寛也" userId="27837c8b-abaf-4096-b544-58e4cbe7054e" providerId="ADAL" clId="{193E6E28-8FC8-4E23-B702-0C05D06AA1DC}" dt="2024-09-04T07:45:09.601" v="2749" actId="1076"/>
-          <ac:spMkLst>
-            <pc:docMk/>
-            <pc:sldMk cId="2473131799" sldId="1418"/>
-            <ac:spMk id="15" creationId="{1B436B85-723F-9246-41D2-7AB66B80A298}"/>
-          </ac:spMkLst>
-        </pc:spChg>
-        <pc:spChg chg="del">
-          <ac:chgData name="佐藤　寛也" userId="27837c8b-abaf-4096-b544-58e4cbe7054e" providerId="ADAL" clId="{193E6E28-8FC8-4E23-B702-0C05D06AA1DC}" dt="2024-09-04T07:45:04.902" v="2748" actId="478"/>
-          <ac:spMkLst>
-            <pc:docMk/>
-            <pc:sldMk cId="2473131799" sldId="1418"/>
-            <ac:spMk id="16" creationId="{F0DC19EE-563C-180A-EDB8-2801DB7236FB}"/>
-          </ac:spMkLst>
-        </pc:spChg>
-        <pc:spChg chg="del">
-          <ac:chgData name="佐藤　寛也" userId="27837c8b-abaf-4096-b544-58e4cbe7054e" providerId="ADAL" clId="{193E6E28-8FC8-4E23-B702-0C05D06AA1DC}" dt="2024-09-04T07:45:04.902" v="2748" actId="478"/>
-          <ac:spMkLst>
-            <pc:docMk/>
-            <pc:sldMk cId="2473131799" sldId="1418"/>
-            <ac:spMk id="17" creationId="{F6CDBF55-FAF5-C3A5-F438-B2CC04200004}"/>
-          </ac:spMkLst>
-        </pc:spChg>
-        <pc:spChg chg="mod">
-          <ac:chgData name="佐藤　寛也" userId="27837c8b-abaf-4096-b544-58e4cbe7054e" providerId="ADAL" clId="{193E6E28-8FC8-4E23-B702-0C05D06AA1DC}" dt="2024-09-04T08:09:08.258" v="3573" actId="1076"/>
-          <ac:spMkLst>
-            <pc:docMk/>
-            <pc:sldMk cId="2473131799" sldId="1418"/>
-            <ac:spMk id="18" creationId="{7D73C95A-4B95-38BC-C5FB-1DA717401B3A}"/>
-          </ac:spMkLst>
-        </pc:spChg>
-        <pc:spChg chg="mod">
-          <ac:chgData name="佐藤　寛也" userId="27837c8b-abaf-4096-b544-58e4cbe7054e" providerId="ADAL" clId="{193E6E28-8FC8-4E23-B702-0C05D06AA1DC}" dt="2024-09-04T07:45:09.601" v="2749" actId="1076"/>
-          <ac:spMkLst>
-            <pc:docMk/>
-            <pc:sldMk cId="2473131799" sldId="1418"/>
-            <ac:spMk id="19" creationId="{E6D588E6-CD39-D225-38E8-F9B83EEAEFF6}"/>
-          </ac:spMkLst>
-        </pc:spChg>
-        <pc:spChg chg="del">
-          <ac:chgData name="佐藤　寛也" userId="27837c8b-abaf-4096-b544-58e4cbe7054e" providerId="ADAL" clId="{193E6E28-8FC8-4E23-B702-0C05D06AA1DC}" dt="2024-09-04T07:45:04.902" v="2748" actId="478"/>
-          <ac:spMkLst>
-            <pc:docMk/>
-            <pc:sldMk cId="2473131799" sldId="1418"/>
-            <ac:spMk id="21" creationId="{CE68ECF9-A3C0-9DF9-5DC0-3D511E49790E}"/>
-          </ac:spMkLst>
-        </pc:spChg>
-        <pc:spChg chg="add del mod">
-          <ac:chgData name="佐藤　寛也" userId="27837c8b-abaf-4096-b544-58e4cbe7054e" providerId="ADAL" clId="{193E6E28-8FC8-4E23-B702-0C05D06AA1DC}" dt="2024-09-04T07:44:54.188" v="2745"/>
-          <ac:spMkLst>
-            <pc:docMk/>
-            <pc:sldMk cId="2473131799" sldId="1418"/>
-            <ac:spMk id="22" creationId="{4CA4ACC5-CFE4-1E84-A15B-A0604E8958B4}"/>
-          </ac:spMkLst>
-        </pc:spChg>
-        <pc:spChg chg="add mod">
-          <ac:chgData name="佐藤　寛也" userId="27837c8b-abaf-4096-b544-58e4cbe7054e" providerId="ADAL" clId="{193E6E28-8FC8-4E23-B702-0C05D06AA1DC}" dt="2024-09-04T08:11:59.397" v="3600" actId="14100"/>
-          <ac:spMkLst>
-            <pc:docMk/>
-            <pc:sldMk cId="2473131799" sldId="1418"/>
-            <ac:spMk id="25" creationId="{1A1A300E-1CB5-6469-5262-841788DA66BD}"/>
-          </ac:spMkLst>
-        </pc:spChg>
-        <pc:spChg chg="add mod">
-          <ac:chgData name="佐藤　寛也" userId="27837c8b-abaf-4096-b544-58e4cbe7054e" providerId="ADAL" clId="{193E6E28-8FC8-4E23-B702-0C05D06AA1DC}" dt="2024-09-04T08:12:42.740" v="3606" actId="14100"/>
-          <ac:spMkLst>
-            <pc:docMk/>
-            <pc:sldMk cId="2473131799" sldId="1418"/>
-            <ac:spMk id="26" creationId="{75D3F8DF-B853-F8F8-9105-1D48DB735745}"/>
-          </ac:spMkLst>
-        </pc:spChg>
-        <pc:picChg chg="mod">
-          <ac:chgData name="佐藤　寛也" userId="27837c8b-abaf-4096-b544-58e4cbe7054e" providerId="ADAL" clId="{193E6E28-8FC8-4E23-B702-0C05D06AA1DC}" dt="2024-09-04T08:10:10.168" v="3585" actId="1076"/>
-          <ac:picMkLst>
-            <pc:docMk/>
-            <pc:sldMk cId="2473131799" sldId="1418"/>
-            <ac:picMk id="3" creationId="{45F7C8BB-D72F-C945-B7FD-81F0902BB732}"/>
-          </ac:picMkLst>
-        </pc:picChg>
-        <pc:picChg chg="add del mod ord">
-          <ac:chgData name="佐藤　寛也" userId="27837c8b-abaf-4096-b544-58e4cbe7054e" providerId="ADAL" clId="{193E6E28-8FC8-4E23-B702-0C05D06AA1DC}" dt="2024-09-04T07:44:46.996" v="2743" actId="478"/>
-          <ac:picMkLst>
-            <pc:docMk/>
-            <pc:sldMk cId="2473131799" sldId="1418"/>
-            <ac:picMk id="7" creationId="{A7CAC9B1-1AB9-DAAA-3172-DC26DD4C7641}"/>
-          </ac:picMkLst>
-        </pc:picChg>
-        <pc:picChg chg="add del mod">
-          <ac:chgData name="佐藤　寛也" userId="27837c8b-abaf-4096-b544-58e4cbe7054e" providerId="ADAL" clId="{193E6E28-8FC8-4E23-B702-0C05D06AA1DC}" dt="2024-09-04T07:44:48.358" v="2744" actId="478"/>
-          <ac:picMkLst>
-            <pc:docMk/>
-            <pc:sldMk cId="2473131799" sldId="1418"/>
-            <ac:picMk id="14" creationId="{211F2B1D-9AEE-6A59-7CE4-771E01313C47}"/>
-          </ac:picMkLst>
-        </pc:picChg>
-        <pc:picChg chg="add mod ord">
-          <ac:chgData name="佐藤　寛也" userId="27837c8b-abaf-4096-b544-58e4cbe7054e" providerId="ADAL" clId="{193E6E28-8FC8-4E23-B702-0C05D06AA1DC}" dt="2024-09-04T07:44:58.198" v="2747" actId="167"/>
-          <ac:picMkLst>
-            <pc:docMk/>
-            <pc:sldMk cId="2473131799" sldId="1418"/>
-            <ac:picMk id="24" creationId="{61796372-4A04-4435-7FD8-7EBAC9111186}"/>
-          </ac:picMkLst>
-        </pc:picChg>
-      </pc:sldChg>
-      <pc:sldChg chg="addSp delSp modSp new mod">
-        <pc:chgData name="佐藤　寛也" userId="27837c8b-abaf-4096-b544-58e4cbe7054e" providerId="ADAL" clId="{193E6E28-8FC8-4E23-B702-0C05D06AA1DC}" dt="2024-09-05T08:29:33.101" v="4212" actId="404"/>
-        <pc:sldMkLst>
-          <pc:docMk/>
-          <pc:sldMk cId="280610682" sldId="1419"/>
-        </pc:sldMkLst>
-        <pc:spChg chg="mod">
-          <ac:chgData name="佐藤　寛也" userId="27837c8b-abaf-4096-b544-58e4cbe7054e" providerId="ADAL" clId="{193E6E28-8FC8-4E23-B702-0C05D06AA1DC}" dt="2024-09-05T08:29:33.101" v="4212" actId="404"/>
-          <ac:spMkLst>
-            <pc:docMk/>
-            <pc:sldMk cId="280610682" sldId="1419"/>
-            <ac:spMk id="2" creationId="{616BBF18-2EA3-DF8C-AC99-B7328D4F60C3}"/>
-          </ac:spMkLst>
-        </pc:spChg>
-        <pc:spChg chg="del">
-          <ac:chgData name="佐藤　寛也" userId="27837c8b-abaf-4096-b544-58e4cbe7054e" providerId="ADAL" clId="{193E6E28-8FC8-4E23-B702-0C05D06AA1DC}" dt="2024-09-04T07:49:36.566" v="2757"/>
-          <ac:spMkLst>
-            <pc:docMk/>
-            <pc:sldMk cId="280610682" sldId="1419"/>
-            <ac:spMk id="3" creationId="{38282C82-5977-36DC-546C-B59D9A037010}"/>
-          </ac:spMkLst>
-        </pc:spChg>
-        <pc:spChg chg="add del mod">
-          <ac:chgData name="佐藤　寛也" userId="27837c8b-abaf-4096-b544-58e4cbe7054e" providerId="ADAL" clId="{193E6E28-8FC8-4E23-B702-0C05D06AA1DC}" dt="2024-09-04T07:51:00.076" v="2780" actId="21"/>
-          <ac:spMkLst>
-            <pc:docMk/>
-            <pc:sldMk cId="280610682" sldId="1419"/>
-            <ac:spMk id="9" creationId="{D89255AF-7EC5-8CD7-A46F-17BBBCC60CAD}"/>
-          </ac:spMkLst>
-        </pc:spChg>
-        <pc:spChg chg="add mod">
-          <ac:chgData name="佐藤　寛也" userId="27837c8b-abaf-4096-b544-58e4cbe7054e" providerId="ADAL" clId="{193E6E28-8FC8-4E23-B702-0C05D06AA1DC}" dt="2024-09-04T07:50:38.174" v="2778" actId="1037"/>
-          <ac:spMkLst>
-            <pc:docMk/>
-            <pc:sldMk cId="280610682" sldId="1419"/>
-            <ac:spMk id="10" creationId="{73DF0402-38DC-B08E-5268-777359499633}"/>
-          </ac:spMkLst>
-        </pc:spChg>
-        <pc:spChg chg="add mod">
-          <ac:chgData name="佐藤　寛也" userId="27837c8b-abaf-4096-b544-58e4cbe7054e" providerId="ADAL" clId="{193E6E28-8FC8-4E23-B702-0C05D06AA1DC}" dt="2024-09-04T07:50:31.109" v="2768" actId="1076"/>
-          <ac:spMkLst>
-            <pc:docMk/>
-            <pc:sldMk cId="280610682" sldId="1419"/>
-            <ac:spMk id="11" creationId="{28098476-6517-BB5A-C683-D01771E4CF48}"/>
-          </ac:spMkLst>
-        </pc:spChg>
-        <pc:picChg chg="add mod">
-          <ac:chgData name="佐藤　寛也" userId="27837c8b-abaf-4096-b544-58e4cbe7054e" providerId="ADAL" clId="{193E6E28-8FC8-4E23-B702-0C05D06AA1DC}" dt="2024-09-04T07:49:38.447" v="2758" actId="27614"/>
-          <ac:picMkLst>
-            <pc:docMk/>
-            <pc:sldMk cId="280610682" sldId="1419"/>
-            <ac:picMk id="8" creationId="{715C7BA1-B92C-6F40-BD15-60FA37996BA0}"/>
-          </ac:picMkLst>
-        </pc:picChg>
-      </pc:sldChg>
-      <pc:sldChg chg="addSp delSp modSp new mod">
-        <pc:chgData name="佐藤　寛也" userId="27837c8b-abaf-4096-b544-58e4cbe7054e" providerId="ADAL" clId="{193E6E28-8FC8-4E23-B702-0C05D06AA1DC}" dt="2024-09-06T02:52:08.814" v="5392"/>
-        <pc:sldMkLst>
-          <pc:docMk/>
-          <pc:sldMk cId="2698866615" sldId="1420"/>
-        </pc:sldMkLst>
-        <pc:spChg chg="mod">
-          <ac:chgData name="佐藤　寛也" userId="27837c8b-abaf-4096-b544-58e4cbe7054e" providerId="ADAL" clId="{193E6E28-8FC8-4E23-B702-0C05D06AA1DC}" dt="2024-09-06T02:52:08.498" v="5391" actId="20577"/>
-          <ac:spMkLst>
-            <pc:docMk/>
-            <pc:sldMk cId="2698866615" sldId="1420"/>
-            <ac:spMk id="2" creationId="{3F9BFB1D-6AA6-7123-ED79-C9B8C17397B4}"/>
-          </ac:spMkLst>
-        </pc:spChg>
-        <pc:spChg chg="del">
-          <ac:chgData name="佐藤　寛也" userId="27837c8b-abaf-4096-b544-58e4cbe7054e" providerId="ADAL" clId="{193E6E28-8FC8-4E23-B702-0C05D06AA1DC}" dt="2024-09-04T07:49:49.730" v="2760"/>
-          <ac:spMkLst>
-            <pc:docMk/>
-            <pc:sldMk cId="2698866615" sldId="1420"/>
-            <ac:spMk id="3" creationId="{F7C3B6F9-D0F4-20D6-B4A8-4DFAA5BAC55D}"/>
-          </ac:spMkLst>
-        </pc:spChg>
-        <pc:spChg chg="add mod">
-          <ac:chgData name="佐藤　寛也" userId="27837c8b-abaf-4096-b544-58e4cbe7054e" providerId="ADAL" clId="{193E6E28-8FC8-4E23-B702-0C05D06AA1DC}" dt="2024-09-04T07:51:13.846" v="2784" actId="1038"/>
-          <ac:spMkLst>
-            <pc:docMk/>
-            <pc:sldMk cId="2698866615" sldId="1420"/>
-            <ac:spMk id="9" creationId="{B26D6197-871C-1E39-E761-0892E07E53A6}"/>
-          </ac:spMkLst>
-        </pc:spChg>
-        <pc:spChg chg="add mod">
-          <ac:chgData name="佐藤　寛也" userId="27837c8b-abaf-4096-b544-58e4cbe7054e" providerId="ADAL" clId="{193E6E28-8FC8-4E23-B702-0C05D06AA1DC}" dt="2024-09-04T07:51:41.897" v="2790" actId="14100"/>
-          <ac:spMkLst>
-            <pc:docMk/>
-            <pc:sldMk cId="2698866615" sldId="1420"/>
-            <ac:spMk id="10" creationId="{00728A6A-76A4-E921-26C6-B3AC1D809ABF}"/>
-          </ac:spMkLst>
-        </pc:spChg>
-        <pc:spChg chg="add mod">
-          <ac:chgData name="佐藤　寛也" userId="27837c8b-abaf-4096-b544-58e4cbe7054e" providerId="ADAL" clId="{193E6E28-8FC8-4E23-B702-0C05D06AA1DC}" dt="2024-09-04T07:52:23.301" v="2795" actId="14100"/>
-          <ac:spMkLst>
-            <pc:docMk/>
-            <pc:sldMk cId="2698866615" sldId="1420"/>
-            <ac:spMk id="13" creationId="{F8E4AD28-FD4B-07B4-D706-B62EBE56C381}"/>
-          </ac:spMkLst>
-        </pc:spChg>
-        <pc:spChg chg="add mod">
-          <ac:chgData name="佐藤　寛也" userId="27837c8b-abaf-4096-b544-58e4cbe7054e" providerId="ADAL" clId="{193E6E28-8FC8-4E23-B702-0C05D06AA1DC}" dt="2024-09-04T07:53:31.664" v="2824" actId="1037"/>
-          <ac:spMkLst>
-            <pc:docMk/>
-            <pc:sldMk cId="2698866615" sldId="1420"/>
-            <ac:spMk id="14" creationId="{5EFACEEC-0F13-B200-86A5-264E03635949}"/>
-          </ac:spMkLst>
-        </pc:spChg>
-        <pc:spChg chg="add mod">
-          <ac:chgData name="佐藤　寛也" userId="27837c8b-abaf-4096-b544-58e4cbe7054e" providerId="ADAL" clId="{193E6E28-8FC8-4E23-B702-0C05D06AA1DC}" dt="2024-09-04T07:54:18.573" v="2830" actId="692"/>
-          <ac:spMkLst>
-            <pc:docMk/>
-            <pc:sldMk cId="2698866615" sldId="1420"/>
-            <ac:spMk id="15" creationId="{AAA0F9F2-AF40-2A6D-8B91-1F21711C8A2F}"/>
-          </ac:spMkLst>
-        </pc:spChg>
-        <pc:spChg chg="add mod">
-          <ac:chgData name="佐藤　寛也" userId="27837c8b-abaf-4096-b544-58e4cbe7054e" providerId="ADAL" clId="{193E6E28-8FC8-4E23-B702-0C05D06AA1DC}" dt="2024-09-04T07:54:18.573" v="2830" actId="692"/>
-          <ac:spMkLst>
-            <pc:docMk/>
-            <pc:sldMk cId="2698866615" sldId="1420"/>
-            <ac:spMk id="16" creationId="{3D252DBD-76DE-CD5B-AC7E-9E9D040B595C}"/>
-          </ac:spMkLst>
-        </pc:spChg>
-        <pc:spChg chg="add mod">
-          <ac:chgData name="佐藤　寛也" userId="27837c8b-abaf-4096-b544-58e4cbe7054e" providerId="ADAL" clId="{193E6E28-8FC8-4E23-B702-0C05D06AA1DC}" dt="2024-09-04T08:04:50.184" v="3454" actId="1076"/>
-          <ac:spMkLst>
-            <pc:docMk/>
-            <pc:sldMk cId="2698866615" sldId="1420"/>
-            <ac:spMk id="17" creationId="{7AFE6929-7E40-B2B6-45C8-951BCAF8BF00}"/>
-          </ac:spMkLst>
-        </pc:spChg>
-        <pc:spChg chg="add mod">
-          <ac:chgData name="佐藤　寛也" userId="27837c8b-abaf-4096-b544-58e4cbe7054e" providerId="ADAL" clId="{193E6E28-8FC8-4E23-B702-0C05D06AA1DC}" dt="2024-09-04T07:55:05.736" v="2855" actId="1036"/>
-          <ac:spMkLst>
-            <pc:docMk/>
-            <pc:sldMk cId="2698866615" sldId="1420"/>
-            <ac:spMk id="18" creationId="{51C32DB4-2474-2AE7-3BBE-FC97226E0DB5}"/>
-          </ac:spMkLst>
-        </pc:spChg>
-        <pc:spChg chg="add mod">
-          <ac:chgData name="佐藤　寛也" userId="27837c8b-abaf-4096-b544-58e4cbe7054e" providerId="ADAL" clId="{193E6E28-8FC8-4E23-B702-0C05D06AA1DC}" dt="2024-09-06T02:52:08.814" v="5392"/>
-          <ac:spMkLst>
-            <pc:docMk/>
-            <pc:sldMk cId="2698866615" sldId="1420"/>
-            <ac:spMk id="19" creationId="{A4CBD873-9283-E822-05D7-39E0A0831949}"/>
-          </ac:spMkLst>
-        </pc:spChg>
-        <pc:picChg chg="add mod">
-          <ac:chgData name="佐藤　寛也" userId="27837c8b-abaf-4096-b544-58e4cbe7054e" providerId="ADAL" clId="{193E6E28-8FC8-4E23-B702-0C05D06AA1DC}" dt="2024-09-04T07:51:18.323" v="2787" actId="1076"/>
-          <ac:picMkLst>
-            <pc:docMk/>
-            <pc:sldMk cId="2698866615" sldId="1420"/>
-            <ac:picMk id="8" creationId="{0DCE835E-D41F-1506-D64E-1E7A09A24010}"/>
-          </ac:picMkLst>
-        </pc:picChg>
-        <pc:picChg chg="add mod">
-          <ac:chgData name="佐藤　寛也" userId="27837c8b-abaf-4096-b544-58e4cbe7054e" providerId="ADAL" clId="{193E6E28-8FC8-4E23-B702-0C05D06AA1DC}" dt="2024-09-04T07:53:14.943" v="2812" actId="1582"/>
-          <ac:picMkLst>
-            <pc:docMk/>
-            <pc:sldMk cId="2698866615" sldId="1420"/>
-            <ac:picMk id="12" creationId="{44521B13-CCAB-0F47-2838-D4696DC240A2}"/>
-          </ac:picMkLst>
-        </pc:picChg>
-      </pc:sldChg>
-      <pc:sldChg chg="addSp delSp modSp new mod">
-        <pc:chgData name="佐藤　寛也" userId="27837c8b-abaf-4096-b544-58e4cbe7054e" providerId="ADAL" clId="{193E6E28-8FC8-4E23-B702-0C05D06AA1DC}" dt="2024-09-06T02:38:32.165" v="5317" actId="207"/>
-        <pc:sldMkLst>
-          <pc:docMk/>
-          <pc:sldMk cId="1866858908" sldId="1421"/>
-        </pc:sldMkLst>
-        <pc:spChg chg="mod">
-          <ac:chgData name="佐藤　寛也" userId="27837c8b-abaf-4096-b544-58e4cbe7054e" providerId="ADAL" clId="{193E6E28-8FC8-4E23-B702-0C05D06AA1DC}" dt="2024-09-04T08:05:31.968" v="3456" actId="20577"/>
-          <ac:spMkLst>
-            <pc:docMk/>
-            <pc:sldMk cId="1866858908" sldId="1421"/>
-            <ac:spMk id="5" creationId="{01B5EB9C-C463-9341-554C-9D7DF7264B33}"/>
-          </ac:spMkLst>
-        </pc:spChg>
-        <pc:spChg chg="mod">
-          <ac:chgData name="佐藤　寛也" userId="27837c8b-abaf-4096-b544-58e4cbe7054e" providerId="ADAL" clId="{193E6E28-8FC8-4E23-B702-0C05D06AA1DC}" dt="2024-09-06T02:38:32.165" v="5317" actId="207"/>
-          <ac:spMkLst>
-            <pc:docMk/>
-            <pc:sldMk cId="1866858908" sldId="1421"/>
-            <ac:spMk id="6" creationId="{22083119-FBF2-9464-4116-E981DDB743E8}"/>
-          </ac:spMkLst>
-        </pc:spChg>
-        <pc:spChg chg="add del mod">
-          <ac:chgData name="佐藤　寛也" userId="27837c8b-abaf-4096-b544-58e4cbe7054e" providerId="ADAL" clId="{193E6E28-8FC8-4E23-B702-0C05D06AA1DC}" dt="2024-09-04T10:24:04.095" v="4023" actId="478"/>
-          <ac:spMkLst>
-            <pc:docMk/>
-            <pc:sldMk cId="1866858908" sldId="1421"/>
-            <ac:spMk id="7" creationId="{86C96E61-6BB2-D9A8-9829-B161E79B128F}"/>
-          </ac:spMkLst>
-        </pc:spChg>
-      </pc:sldChg>
-      <pc:sldChg chg="modSp mod">
-        <pc:chgData name="佐藤　寛也" userId="27837c8b-abaf-4096-b544-58e4cbe7054e" providerId="ADAL" clId="{193E6E28-8FC8-4E23-B702-0C05D06AA1DC}" dt="2024-09-05T08:36:13.869" v="4245" actId="2710"/>
-        <pc:sldMkLst>
-          <pc:docMk/>
-          <pc:sldMk cId="393741535" sldId="1422"/>
-        </pc:sldMkLst>
-        <pc:spChg chg="mod">
-          <ac:chgData name="佐藤　寛也" userId="27837c8b-abaf-4096-b544-58e4cbe7054e" providerId="ADAL" clId="{193E6E28-8FC8-4E23-B702-0C05D06AA1DC}" dt="2024-09-05T08:36:13.869" v="4245" actId="2710"/>
-          <ac:spMkLst>
-            <pc:docMk/>
-            <pc:sldMk cId="393741535" sldId="1422"/>
-            <ac:spMk id="3" creationId="{F68775E6-F813-17B7-0CC8-EF53F6F34CDC}"/>
-          </ac:spMkLst>
-        </pc:spChg>
-      </pc:sldChg>
-      <pc:sldChg chg="addSp delSp modSp new mod">
-        <pc:chgData name="佐藤　寛也" userId="27837c8b-abaf-4096-b544-58e4cbe7054e" providerId="ADAL" clId="{193E6E28-8FC8-4E23-B702-0C05D06AA1DC}" dt="2024-09-06T02:33:20.795" v="5284"/>
-        <pc:sldMkLst>
-          <pc:docMk/>
-          <pc:sldMk cId="2964385537" sldId="1423"/>
-        </pc:sldMkLst>
-        <pc:spChg chg="del">
-          <ac:chgData name="佐藤　寛也" userId="27837c8b-abaf-4096-b544-58e4cbe7054e" providerId="ADAL" clId="{193E6E28-8FC8-4E23-B702-0C05D06AA1DC}" dt="2024-09-05T08:18:35.592" v="4026" actId="478"/>
-          <ac:spMkLst>
-            <pc:docMk/>
-            <pc:sldMk cId="2964385537" sldId="1423"/>
-            <ac:spMk id="5" creationId="{0E7B4C01-251B-A6B2-D4F4-D9CC54125403}"/>
-          </ac:spMkLst>
-        </pc:spChg>
-        <pc:spChg chg="del">
-          <ac:chgData name="佐藤　寛也" userId="27837c8b-abaf-4096-b544-58e4cbe7054e" providerId="ADAL" clId="{193E6E28-8FC8-4E23-B702-0C05D06AA1DC}" dt="2024-09-05T08:18:36.880" v="4027" actId="478"/>
-          <ac:spMkLst>
-            <pc:docMk/>
-            <pc:sldMk cId="2964385537" sldId="1423"/>
-            <ac:spMk id="6" creationId="{AE2E1A86-6A4F-3FE9-72BB-6F6247173FAB}"/>
-          </ac:spMkLst>
-        </pc:spChg>
-        <pc:spChg chg="add mod">
-          <ac:chgData name="佐藤　寛也" userId="27837c8b-abaf-4096-b544-58e4cbe7054e" providerId="ADAL" clId="{193E6E28-8FC8-4E23-B702-0C05D06AA1DC}" dt="2024-09-05T08:27:01.888" v="4209" actId="20577"/>
-          <ac:spMkLst>
-            <pc:docMk/>
-            <pc:sldMk cId="2964385537" sldId="1423"/>
-            <ac:spMk id="8" creationId="{9D254E49-B69D-583E-7C4B-320E2506F067}"/>
-          </ac:spMkLst>
-        </pc:spChg>
-        <pc:spChg chg="add mod">
-          <ac:chgData name="佐藤　寛也" userId="27837c8b-abaf-4096-b544-58e4cbe7054e" providerId="ADAL" clId="{193E6E28-8FC8-4E23-B702-0C05D06AA1DC}" dt="2024-09-05T08:21:38.507" v="4122" actId="14100"/>
-          <ac:spMkLst>
-            <pc:docMk/>
-            <pc:sldMk cId="2964385537" sldId="1423"/>
-            <ac:spMk id="9" creationId="{35DE4730-263C-C0D9-F491-AEFDDFC60C9D}"/>
-          </ac:spMkLst>
-        </pc:spChg>
-        <pc:spChg chg="add mod">
-          <ac:chgData name="佐藤　寛也" userId="27837c8b-abaf-4096-b544-58e4cbe7054e" providerId="ADAL" clId="{193E6E28-8FC8-4E23-B702-0C05D06AA1DC}" dt="2024-09-06T02:33:20.795" v="5284"/>
-          <ac:spMkLst>
-            <pc:docMk/>
-            <pc:sldMk cId="2964385537" sldId="1423"/>
-            <ac:spMk id="10" creationId="{78AF498D-AD80-E042-F315-A68AC5DC4391}"/>
-          </ac:spMkLst>
-        </pc:spChg>
-        <pc:spChg chg="add mod">
-          <ac:chgData name="佐藤　寛也" userId="27837c8b-abaf-4096-b544-58e4cbe7054e" providerId="ADAL" clId="{193E6E28-8FC8-4E23-B702-0C05D06AA1DC}" dt="2024-09-06T02:33:20.795" v="5284"/>
-          <ac:spMkLst>
-            <pc:docMk/>
-            <pc:sldMk cId="2964385537" sldId="1423"/>
-            <ac:spMk id="11" creationId="{6491C56D-3639-E92C-9EC6-9B8A1137F1E2}"/>
-          </ac:spMkLst>
-        </pc:spChg>
-        <pc:spChg chg="add mod">
-          <ac:chgData name="佐藤　寛也" userId="27837c8b-abaf-4096-b544-58e4cbe7054e" providerId="ADAL" clId="{193E6E28-8FC8-4E23-B702-0C05D06AA1DC}" dt="2024-09-06T02:33:20.795" v="5284"/>
-          <ac:spMkLst>
-            <pc:docMk/>
-            <pc:sldMk cId="2964385537" sldId="1423"/>
-            <ac:spMk id="12" creationId="{BD73687E-AC4B-826F-B9C2-3A3642B64B07}"/>
-          </ac:spMkLst>
-        </pc:spChg>
-        <pc:picChg chg="add mod">
-          <ac:chgData name="佐藤　寛也" userId="27837c8b-abaf-4096-b544-58e4cbe7054e" providerId="ADAL" clId="{193E6E28-8FC8-4E23-B702-0C05D06AA1DC}" dt="2024-09-06T02:31:47.983" v="5272" actId="167"/>
-          <ac:picMkLst>
-            <pc:docMk/>
-            <pc:sldMk cId="2964385537" sldId="1423"/>
-            <ac:picMk id="5" creationId="{C2D670E3-524C-0811-DB41-D504E1656656}"/>
-          </ac:picMkLst>
-        </pc:picChg>
-        <pc:picChg chg="add mod">
-          <ac:chgData name="佐藤　寛也" userId="27837c8b-abaf-4096-b544-58e4cbe7054e" providerId="ADAL" clId="{193E6E28-8FC8-4E23-B702-0C05D06AA1DC}" dt="2024-09-06T02:31:47.983" v="5272" actId="167"/>
-          <ac:picMkLst>
-            <pc:docMk/>
-            <pc:sldMk cId="2964385537" sldId="1423"/>
-            <ac:picMk id="6" creationId="{21F4EED5-FEF4-E1BE-18E4-B4E07D1F059C}"/>
-          </ac:picMkLst>
-        </pc:picChg>
-        <pc:picChg chg="add del mod">
-          <ac:chgData name="佐藤　寛也" userId="27837c8b-abaf-4096-b544-58e4cbe7054e" providerId="ADAL" clId="{193E6E28-8FC8-4E23-B702-0C05D06AA1DC}" dt="2024-09-06T02:31:44.304" v="5269" actId="478"/>
-          <ac:picMkLst>
-            <pc:docMk/>
-            <pc:sldMk cId="2964385537" sldId="1423"/>
-            <ac:picMk id="7" creationId="{1EF74D3A-AC52-BA6D-29BE-F95C63253944}"/>
-          </ac:picMkLst>
-        </pc:picChg>
-      </pc:sldChg>
-      <pc:sldChg chg="addSp delSp modSp add mod">
-        <pc:chgData name="佐藤　寛也" userId="27837c8b-abaf-4096-b544-58e4cbe7054e" providerId="ADAL" clId="{193E6E28-8FC8-4E23-B702-0C05D06AA1DC}" dt="2024-09-06T02:33:22.806" v="5285"/>
-        <pc:sldMkLst>
-          <pc:docMk/>
-          <pc:sldMk cId="1606902397" sldId="1424"/>
-        </pc:sldMkLst>
-        <pc:spChg chg="add mod">
-          <ac:chgData name="佐藤　寛也" userId="27837c8b-abaf-4096-b544-58e4cbe7054e" providerId="ADAL" clId="{193E6E28-8FC8-4E23-B702-0C05D06AA1DC}" dt="2024-09-05T08:22:21.573" v="4168" actId="1035"/>
-          <ac:spMkLst>
-            <pc:docMk/>
-            <pc:sldMk cId="1606902397" sldId="1424"/>
-            <ac:spMk id="5" creationId="{7B6B1757-E3ED-2CBA-0349-55489ECB094C}"/>
-          </ac:spMkLst>
-        </pc:spChg>
-        <pc:spChg chg="mod">
-          <ac:chgData name="佐藤　寛也" userId="27837c8b-abaf-4096-b544-58e4cbe7054e" providerId="ADAL" clId="{193E6E28-8FC8-4E23-B702-0C05D06AA1DC}" dt="2024-09-05T08:22:05.033" v="4160" actId="113"/>
-          <ac:spMkLst>
-            <pc:docMk/>
-            <pc:sldMk cId="1606902397" sldId="1424"/>
-            <ac:spMk id="8" creationId="{9D254E49-B69D-583E-7C4B-320E2506F067}"/>
-          </ac:spMkLst>
-        </pc:spChg>
-        <pc:spChg chg="add mod">
-          <ac:chgData name="佐藤　寛也" userId="27837c8b-abaf-4096-b544-58e4cbe7054e" providerId="ADAL" clId="{193E6E28-8FC8-4E23-B702-0C05D06AA1DC}" dt="2024-09-06T02:33:22.806" v="5285"/>
-          <ac:spMkLst>
-            <pc:docMk/>
-            <pc:sldMk cId="1606902397" sldId="1424"/>
-            <ac:spMk id="11" creationId="{B77DA59D-AD25-06A1-1E25-BD0D0BFF3BE6}"/>
-          </ac:spMkLst>
-        </pc:spChg>
-        <pc:spChg chg="add mod">
-          <ac:chgData name="佐藤　寛也" userId="27837c8b-abaf-4096-b544-58e4cbe7054e" providerId="ADAL" clId="{193E6E28-8FC8-4E23-B702-0C05D06AA1DC}" dt="2024-09-06T02:33:22.806" v="5285"/>
-          <ac:spMkLst>
-            <pc:docMk/>
-            <pc:sldMk cId="1606902397" sldId="1424"/>
-            <ac:spMk id="12" creationId="{5431061E-6D02-FB62-5C39-54FA7B1BCF8E}"/>
-          </ac:spMkLst>
-        </pc:spChg>
-        <pc:spChg chg="add mod">
-          <ac:chgData name="佐藤　寛也" userId="27837c8b-abaf-4096-b544-58e4cbe7054e" providerId="ADAL" clId="{193E6E28-8FC8-4E23-B702-0C05D06AA1DC}" dt="2024-09-06T02:33:22.806" v="5285"/>
-          <ac:spMkLst>
-            <pc:docMk/>
-            <pc:sldMk cId="1606902397" sldId="1424"/>
-            <ac:spMk id="13" creationId="{4BDEC34C-74D4-FE4A-CA67-199AA920DD40}"/>
-          </ac:spMkLst>
-        </pc:spChg>
-        <pc:picChg chg="add mod">
-          <ac:chgData name="佐藤　寛也" userId="27837c8b-abaf-4096-b544-58e4cbe7054e" providerId="ADAL" clId="{193E6E28-8FC8-4E23-B702-0C05D06AA1DC}" dt="2024-09-06T02:31:41.643" v="5268" actId="167"/>
-          <ac:picMkLst>
-            <pc:docMk/>
-            <pc:sldMk cId="1606902397" sldId="1424"/>
-            <ac:picMk id="6" creationId="{CC2F0B05-61E1-14F4-335D-8C61630AE301}"/>
-          </ac:picMkLst>
-        </pc:picChg>
-        <pc:picChg chg="del">
-          <ac:chgData name="佐藤　寛也" userId="27837c8b-abaf-4096-b544-58e4cbe7054e" providerId="ADAL" clId="{193E6E28-8FC8-4E23-B702-0C05D06AA1DC}" dt="2024-09-06T02:31:39.455" v="5266" actId="478"/>
-          <ac:picMkLst>
-            <pc:docMk/>
-            <pc:sldMk cId="1606902397" sldId="1424"/>
-            <ac:picMk id="7" creationId="{1EF74D3A-AC52-BA6D-29BE-F95C63253944}"/>
-          </ac:picMkLst>
-        </pc:picChg>
-        <pc:picChg chg="add mod">
-          <ac:chgData name="佐藤　寛也" userId="27837c8b-abaf-4096-b544-58e4cbe7054e" providerId="ADAL" clId="{193E6E28-8FC8-4E23-B702-0C05D06AA1DC}" dt="2024-09-06T02:31:41.643" v="5268" actId="167"/>
-          <ac:picMkLst>
-            <pc:docMk/>
-            <pc:sldMk cId="1606902397" sldId="1424"/>
-            <ac:picMk id="10" creationId="{383E5D78-4DAA-5458-5992-F34EF8E5AD80}"/>
-          </ac:picMkLst>
-        </pc:picChg>
-      </pc:sldChg>
-      <pc:sldChg chg="addSp delSp modSp add mod">
-        <pc:chgData name="佐藤　寛也" userId="27837c8b-abaf-4096-b544-58e4cbe7054e" providerId="ADAL" clId="{193E6E28-8FC8-4E23-B702-0C05D06AA1DC}" dt="2024-09-06T02:33:24.390" v="5286"/>
-        <pc:sldMkLst>
-          <pc:docMk/>
-          <pc:sldMk cId="477276183" sldId="1425"/>
-        </pc:sldMkLst>
-        <pc:spChg chg="mod">
-          <ac:chgData name="佐藤　寛也" userId="27837c8b-abaf-4096-b544-58e4cbe7054e" providerId="ADAL" clId="{193E6E28-8FC8-4E23-B702-0C05D06AA1DC}" dt="2024-09-05T08:23:27.310" v="4208" actId="1036"/>
-          <ac:spMkLst>
-            <pc:docMk/>
-            <pc:sldMk cId="477276183" sldId="1425"/>
-            <ac:spMk id="5" creationId="{7B6B1757-E3ED-2CBA-0349-55489ECB094C}"/>
-          </ac:spMkLst>
-        </pc:spChg>
-        <pc:spChg chg="add mod">
-          <ac:chgData name="佐藤　寛也" userId="27837c8b-abaf-4096-b544-58e4cbe7054e" providerId="ADAL" clId="{193E6E28-8FC8-4E23-B702-0C05D06AA1DC}" dt="2024-09-06T02:30:47.776" v="5262"/>
-          <ac:spMkLst>
-            <pc:docMk/>
-            <pc:sldMk cId="477276183" sldId="1425"/>
-            <ac:spMk id="6" creationId="{44F2B169-C674-C0CE-D744-CF5671CF2E2B}"/>
-          </ac:spMkLst>
-        </pc:spChg>
-        <pc:spChg chg="mod">
-          <ac:chgData name="佐藤　寛也" userId="27837c8b-abaf-4096-b544-58e4cbe7054e" providerId="ADAL" clId="{193E6E28-8FC8-4E23-B702-0C05D06AA1DC}" dt="2024-09-05T08:23:22.526" v="4205" actId="20577"/>
-          <ac:spMkLst>
-            <pc:docMk/>
-            <pc:sldMk cId="477276183" sldId="1425"/>
-            <ac:spMk id="8" creationId="{9D254E49-B69D-583E-7C4B-320E2506F067}"/>
-          </ac:spMkLst>
-        </pc:spChg>
-        <pc:spChg chg="add mod">
-          <ac:chgData name="佐藤　寛也" userId="27837c8b-abaf-4096-b544-58e4cbe7054e" providerId="ADAL" clId="{193E6E28-8FC8-4E23-B702-0C05D06AA1DC}" dt="2024-09-06T02:30:47.776" v="5262"/>
-          <ac:spMkLst>
-            <pc:docMk/>
-            <pc:sldMk cId="477276183" sldId="1425"/>
-            <ac:spMk id="10" creationId="{65AC8C15-DB16-84C0-AA2D-F9E4E6467557}"/>
-          </ac:spMkLst>
-        </pc:spChg>
-        <pc:spChg chg="add mod">
-          <ac:chgData name="佐藤　寛也" userId="27837c8b-abaf-4096-b544-58e4cbe7054e" providerId="ADAL" clId="{193E6E28-8FC8-4E23-B702-0C05D06AA1DC}" dt="2024-09-06T02:30:47.776" v="5262"/>
-          <ac:spMkLst>
-            <pc:docMk/>
-            <pc:sldMk cId="477276183" sldId="1425"/>
-            <ac:spMk id="11" creationId="{402B1887-DFB2-FBFA-6B2A-4BE447A5CA2D}"/>
-          </ac:spMkLst>
-        </pc:spChg>
-        <pc:spChg chg="add mod">
-          <ac:chgData name="佐藤　寛也" userId="27837c8b-abaf-4096-b544-58e4cbe7054e" providerId="ADAL" clId="{193E6E28-8FC8-4E23-B702-0C05D06AA1DC}" dt="2024-09-06T02:33:24.390" v="5286"/>
-          <ac:spMkLst>
-            <pc:docMk/>
-            <pc:sldMk cId="477276183" sldId="1425"/>
-            <ac:spMk id="14" creationId="{719C6C3F-82E3-CD40-77F7-DED3DEB8D32C}"/>
-          </ac:spMkLst>
-        </pc:spChg>
-        <pc:spChg chg="add mod">
-          <ac:chgData name="佐藤　寛也" userId="27837c8b-abaf-4096-b544-58e4cbe7054e" providerId="ADAL" clId="{193E6E28-8FC8-4E23-B702-0C05D06AA1DC}" dt="2024-09-06T02:33:24.390" v="5286"/>
-          <ac:spMkLst>
-            <pc:docMk/>
-            <pc:sldMk cId="477276183" sldId="1425"/>
-            <ac:spMk id="15" creationId="{C0111617-1731-309F-80D6-B5FD33ABE9EA}"/>
-          </ac:spMkLst>
-        </pc:spChg>
-        <pc:spChg chg="add mod">
-          <ac:chgData name="佐藤　寛也" userId="27837c8b-abaf-4096-b544-58e4cbe7054e" providerId="ADAL" clId="{193E6E28-8FC8-4E23-B702-0C05D06AA1DC}" dt="2024-09-06T02:33:24.390" v="5286"/>
-          <ac:spMkLst>
-            <pc:docMk/>
-            <pc:sldMk cId="477276183" sldId="1425"/>
-            <ac:spMk id="16" creationId="{99910DC9-F519-DD0D-7C0A-334E2CBFB9B5}"/>
-          </ac:spMkLst>
-        </pc:spChg>
-        <pc:picChg chg="del">
-          <ac:chgData name="佐藤　寛也" userId="27837c8b-abaf-4096-b544-58e4cbe7054e" providerId="ADAL" clId="{193E6E28-8FC8-4E23-B702-0C05D06AA1DC}" dt="2024-09-06T02:31:32.438" v="5263" actId="478"/>
-          <ac:picMkLst>
-            <pc:docMk/>
-            <pc:sldMk cId="477276183" sldId="1425"/>
-            <ac:picMk id="7" creationId="{1EF74D3A-AC52-BA6D-29BE-F95C63253944}"/>
-          </ac:picMkLst>
-        </pc:picChg>
-        <pc:picChg chg="add mod">
-          <ac:chgData name="佐藤　寛也" userId="27837c8b-abaf-4096-b544-58e4cbe7054e" providerId="ADAL" clId="{193E6E28-8FC8-4E23-B702-0C05D06AA1DC}" dt="2024-09-06T02:31:34.426" v="5265" actId="167"/>
-          <ac:picMkLst>
-            <pc:docMk/>
-            <pc:sldMk cId="477276183" sldId="1425"/>
-            <ac:picMk id="12" creationId="{070D081D-9390-8001-7AE8-EEE89B794C5A}"/>
-          </ac:picMkLst>
-        </pc:picChg>
-        <pc:picChg chg="add mod">
-          <ac:chgData name="佐藤　寛也" userId="27837c8b-abaf-4096-b544-58e4cbe7054e" providerId="ADAL" clId="{193E6E28-8FC8-4E23-B702-0C05D06AA1DC}" dt="2024-09-06T02:31:34.426" v="5265" actId="167"/>
-          <ac:picMkLst>
-            <pc:docMk/>
-            <pc:sldMk cId="477276183" sldId="1425"/>
-            <ac:picMk id="13" creationId="{07EE37E5-2FC5-9FC4-CAC0-4C1763DE6C37}"/>
-          </ac:picMkLst>
-        </pc:picChg>
-      </pc:sldChg>
-      <pc:sldChg chg="addSp delSp modSp add mod ord">
-        <pc:chgData name="佐藤　寛也" userId="27837c8b-abaf-4096-b544-58e4cbe7054e" providerId="ADAL" clId="{193E6E28-8FC8-4E23-B702-0C05D06AA1DC}" dt="2024-09-06T02:24:22.294" v="5261" actId="14100"/>
-        <pc:sldMkLst>
-          <pc:docMk/>
-          <pc:sldMk cId="3444094588" sldId="1426"/>
-        </pc:sldMkLst>
-        <pc:spChg chg="mod">
-          <ac:chgData name="佐藤　寛也" userId="27837c8b-abaf-4096-b544-58e4cbe7054e" providerId="ADAL" clId="{193E6E28-8FC8-4E23-B702-0C05D06AA1DC}" dt="2024-09-05T08:58:37.592" v="4951" actId="20577"/>
-          <ac:spMkLst>
-            <pc:docMk/>
-            <pc:sldMk cId="3444094588" sldId="1426"/>
-            <ac:spMk id="2" creationId="{21D0CFCA-348F-6DF4-2D11-99E2969833F2}"/>
-          </ac:spMkLst>
-        </pc:spChg>
-        <pc:spChg chg="del">
-          <ac:chgData name="佐藤　寛也" userId="27837c8b-abaf-4096-b544-58e4cbe7054e" providerId="ADAL" clId="{193E6E28-8FC8-4E23-B702-0C05D06AA1DC}" dt="2024-09-05T08:37:44.418" v="4247" actId="478"/>
-          <ac:spMkLst>
-            <pc:docMk/>
-            <pc:sldMk cId="3444094588" sldId="1426"/>
-            <ac:spMk id="3" creationId="{C8906452-3DF7-BA54-EA6F-A4DDBF3FBC16}"/>
-          </ac:spMkLst>
-        </pc:spChg>
-        <pc:spChg chg="mod">
-          <ac:chgData name="佐藤　寛也" userId="27837c8b-abaf-4096-b544-58e4cbe7054e" providerId="ADAL" clId="{193E6E28-8FC8-4E23-B702-0C05D06AA1DC}" dt="2024-09-05T08:54:20.387" v="4796" actId="1076"/>
-          <ac:spMkLst>
-            <pc:docMk/>
-            <pc:sldMk cId="3444094588" sldId="1426"/>
-            <ac:spMk id="7" creationId="{2E7461E0-B650-187F-0547-70108A04EB76}"/>
-          </ac:spMkLst>
-        </pc:spChg>
-        <pc:spChg chg="mod">
-          <ac:chgData name="佐藤　寛也" userId="27837c8b-abaf-4096-b544-58e4cbe7054e" providerId="ADAL" clId="{193E6E28-8FC8-4E23-B702-0C05D06AA1DC}" dt="2024-09-05T08:54:20.387" v="4796" actId="1076"/>
-          <ac:spMkLst>
-            <pc:docMk/>
-            <pc:sldMk cId="3444094588" sldId="1426"/>
-            <ac:spMk id="8" creationId="{711889AB-7B2F-6A6E-E852-8811831E890F}"/>
-          </ac:spMkLst>
-        </pc:spChg>
-        <pc:spChg chg="mod">
-          <ac:chgData name="佐藤　寛也" userId="27837c8b-abaf-4096-b544-58e4cbe7054e" providerId="ADAL" clId="{193E6E28-8FC8-4E23-B702-0C05D06AA1DC}" dt="2024-09-05T08:54:20.387" v="4796" actId="1076"/>
-          <ac:spMkLst>
-            <pc:docMk/>
-            <pc:sldMk cId="3444094588" sldId="1426"/>
-            <ac:spMk id="9" creationId="{B50CD7E4-A3CA-1DFD-AD7F-C71027C18AD9}"/>
-          </ac:spMkLst>
-        </pc:spChg>
-        <pc:spChg chg="mod">
-          <ac:chgData name="佐藤　寛也" userId="27837c8b-abaf-4096-b544-58e4cbe7054e" providerId="ADAL" clId="{193E6E28-8FC8-4E23-B702-0C05D06AA1DC}" dt="2024-09-05T08:54:20.387" v="4796" actId="1076"/>
-          <ac:spMkLst>
-            <pc:docMk/>
-            <pc:sldMk cId="3444094588" sldId="1426"/>
-            <ac:spMk id="10" creationId="{E9B9608B-7923-1E0A-D0CC-7595F0EED9EC}"/>
-          </ac:spMkLst>
-        </pc:spChg>
-        <pc:spChg chg="add mod">
-          <ac:chgData name="佐藤　寛也" userId="27837c8b-abaf-4096-b544-58e4cbe7054e" providerId="ADAL" clId="{193E6E28-8FC8-4E23-B702-0C05D06AA1DC}" dt="2024-09-05T09:02:28.341" v="5093" actId="403"/>
-          <ac:spMkLst>
-            <pc:docMk/>
-            <pc:sldMk cId="3444094588" sldId="1426"/>
-            <ac:spMk id="13" creationId="{B7B8D02E-2E56-98ED-9443-58A2BFD110BF}"/>
-          </ac:spMkLst>
-        </pc:spChg>
-        <pc:spChg chg="add mod">
-          <ac:chgData name="佐藤　寛也" userId="27837c8b-abaf-4096-b544-58e4cbe7054e" providerId="ADAL" clId="{193E6E28-8FC8-4E23-B702-0C05D06AA1DC}" dt="2024-09-05T09:03:44.574" v="5111" actId="207"/>
-          <ac:spMkLst>
-            <pc:docMk/>
-            <pc:sldMk cId="3444094588" sldId="1426"/>
-            <ac:spMk id="14" creationId="{BCE6DF86-A867-F4C9-DA40-28D57A6A6B36}"/>
-          </ac:spMkLst>
-        </pc:spChg>
-        <pc:spChg chg="del mod">
-          <ac:chgData name="佐藤　寛也" userId="27837c8b-abaf-4096-b544-58e4cbe7054e" providerId="ADAL" clId="{193E6E28-8FC8-4E23-B702-0C05D06AA1DC}" dt="2024-09-05T08:55:02.126" v="4820" actId="478"/>
-          <ac:spMkLst>
-            <pc:docMk/>
-            <pc:sldMk cId="3444094588" sldId="1426"/>
-            <ac:spMk id="15" creationId="{6AC0C189-57F6-5C45-6CF6-8A1BADECB49F}"/>
-          </ac:spMkLst>
-        </pc:spChg>
-        <pc:spChg chg="del mod">
-          <ac:chgData name="佐藤　寛也" userId="27837c8b-abaf-4096-b544-58e4cbe7054e" providerId="ADAL" clId="{193E6E28-8FC8-4E23-B702-0C05D06AA1DC}" dt="2024-09-05T08:55:02.126" v="4820" actId="478"/>
-          <ac:spMkLst>
-            <pc:docMk/>
-            <pc:sldMk cId="3444094588" sldId="1426"/>
-            <ac:spMk id="16" creationId="{FAC1266D-89CE-06E6-FF8D-D07DA41A0FFE}"/>
-          </ac:spMkLst>
-        </pc:spChg>
-        <pc:spChg chg="add mod">
-          <ac:chgData name="佐藤　寛也" userId="27837c8b-abaf-4096-b544-58e4cbe7054e" providerId="ADAL" clId="{193E6E28-8FC8-4E23-B702-0C05D06AA1DC}" dt="2024-09-05T08:54:53.615" v="4819" actId="20577"/>
-          <ac:spMkLst>
-            <pc:docMk/>
-            <pc:sldMk cId="3444094588" sldId="1426"/>
-            <ac:spMk id="17" creationId="{DA5EA3CC-8576-21AB-A136-624017CA6C94}"/>
-          </ac:spMkLst>
-        </pc:spChg>
-        <pc:spChg chg="add mod">
-          <ac:chgData name="佐藤　寛也" userId="27837c8b-abaf-4096-b544-58e4cbe7054e" providerId="ADAL" clId="{193E6E28-8FC8-4E23-B702-0C05D06AA1DC}" dt="2024-09-05T08:54:20.387" v="4796" actId="1076"/>
-          <ac:spMkLst>
-            <pc:docMk/>
-            <pc:sldMk cId="3444094588" sldId="1426"/>
-            <ac:spMk id="28" creationId="{BFEB9934-1363-F438-87DC-75334851D616}"/>
-          </ac:spMkLst>
-        </pc:spChg>
-        <pc:spChg chg="add mod">
-          <ac:chgData name="佐藤　寛也" userId="27837c8b-abaf-4096-b544-58e4cbe7054e" providerId="ADAL" clId="{193E6E28-8FC8-4E23-B702-0C05D06AA1DC}" dt="2024-09-05T08:54:20.387" v="4796" actId="1076"/>
-          <ac:spMkLst>
-            <pc:docMk/>
-            <pc:sldMk cId="3444094588" sldId="1426"/>
-            <ac:spMk id="29" creationId="{59081A0F-A52D-34C4-92B6-3D13F0766D27}"/>
-          </ac:spMkLst>
-        </pc:spChg>
-        <pc:spChg chg="add mod">
-          <ac:chgData name="佐藤　寛也" userId="27837c8b-abaf-4096-b544-58e4cbe7054e" providerId="ADAL" clId="{193E6E28-8FC8-4E23-B702-0C05D06AA1DC}" dt="2024-09-05T08:54:20.387" v="4796" actId="1076"/>
-          <ac:spMkLst>
-            <pc:docMk/>
-            <pc:sldMk cId="3444094588" sldId="1426"/>
-            <ac:spMk id="30" creationId="{2139ABF0-A068-C6DC-FB55-925DD2FD2D7C}"/>
-          </ac:spMkLst>
-        </pc:spChg>
-        <pc:spChg chg="add mod">
-          <ac:chgData name="佐藤　寛也" userId="27837c8b-abaf-4096-b544-58e4cbe7054e" providerId="ADAL" clId="{193E6E28-8FC8-4E23-B702-0C05D06AA1DC}" dt="2024-09-05T08:54:20.387" v="4796" actId="1076"/>
-          <ac:spMkLst>
-            <pc:docMk/>
-            <pc:sldMk cId="3444094588" sldId="1426"/>
-            <ac:spMk id="32" creationId="{E1DD4F29-F619-C42A-FE41-51C56B699A36}"/>
-          </ac:spMkLst>
-        </pc:spChg>
-        <pc:spChg chg="add mod">
-          <ac:chgData name="佐藤　寛也" userId="27837c8b-abaf-4096-b544-58e4cbe7054e" providerId="ADAL" clId="{193E6E28-8FC8-4E23-B702-0C05D06AA1DC}" dt="2024-09-05T08:54:20.387" v="4796" actId="1076"/>
-          <ac:spMkLst>
-            <pc:docMk/>
-            <pc:sldMk cId="3444094588" sldId="1426"/>
-            <ac:spMk id="33" creationId="{A09CD86C-1EEF-E1A3-68F8-6D8531E2DB29}"/>
-          </ac:spMkLst>
-        </pc:spChg>
-        <pc:spChg chg="add mod">
-          <ac:chgData name="佐藤　寛也" userId="27837c8b-abaf-4096-b544-58e4cbe7054e" providerId="ADAL" clId="{193E6E28-8FC8-4E23-B702-0C05D06AA1DC}" dt="2024-09-05T09:09:18.969" v="5177" actId="20577"/>
-          <ac:spMkLst>
-            <pc:docMk/>
-            <pc:sldMk cId="3444094588" sldId="1426"/>
-            <ac:spMk id="34" creationId="{8FDC921C-7EF6-A770-CA01-6F61C3D13BD1}"/>
-          </ac:spMkLst>
-        </pc:spChg>
-        <pc:spChg chg="add mod">
-          <ac:chgData name="佐藤　寛也" userId="27837c8b-abaf-4096-b544-58e4cbe7054e" providerId="ADAL" clId="{193E6E28-8FC8-4E23-B702-0C05D06AA1DC}" dt="2024-09-05T08:59:41.790" v="4963" actId="207"/>
-          <ac:spMkLst>
-            <pc:docMk/>
-            <pc:sldMk cId="3444094588" sldId="1426"/>
-            <ac:spMk id="35" creationId="{9060F685-F1B2-E7D9-A3DD-655A15CE7432}"/>
-          </ac:spMkLst>
-        </pc:spChg>
-        <pc:spChg chg="add mod">
-          <ac:chgData name="佐藤　寛也" userId="27837c8b-abaf-4096-b544-58e4cbe7054e" providerId="ADAL" clId="{193E6E28-8FC8-4E23-B702-0C05D06AA1DC}" dt="2024-09-05T09:00:38.769" v="5029" actId="1035"/>
-          <ac:spMkLst>
-            <pc:docMk/>
-            <pc:sldMk cId="3444094588" sldId="1426"/>
-            <ac:spMk id="36" creationId="{1045E949-D964-E1B0-DFBD-DCDEF236B442}"/>
-          </ac:spMkLst>
-        </pc:spChg>
-        <pc:spChg chg="add del mod">
-          <ac:chgData name="佐藤　寛也" userId="27837c8b-abaf-4096-b544-58e4cbe7054e" providerId="ADAL" clId="{193E6E28-8FC8-4E23-B702-0C05D06AA1DC}" dt="2024-09-05T09:01:25.895" v="5080" actId="478"/>
-          <ac:spMkLst>
-            <pc:docMk/>
-            <pc:sldMk cId="3444094588" sldId="1426"/>
-            <ac:spMk id="38" creationId="{92E475D8-487B-8B98-29AB-BFE100DF82E0}"/>
-          </ac:spMkLst>
-        </pc:spChg>
-        <pc:spChg chg="add del mod">
-          <ac:chgData name="佐藤　寛也" userId="27837c8b-abaf-4096-b544-58e4cbe7054e" providerId="ADAL" clId="{193E6E28-8FC8-4E23-B702-0C05D06AA1DC}" dt="2024-09-05T09:01:25.498" v="5079" actId="478"/>
-          <ac:spMkLst>
-            <pc:docMk/>
-            <pc:sldMk cId="3444094588" sldId="1426"/>
-            <ac:spMk id="39" creationId="{1608131E-B36A-EFE5-D302-4509144159D8}"/>
-          </ac:spMkLst>
-        </pc:spChg>
-        <pc:spChg chg="add del mod">
-          <ac:chgData name="佐藤　寛也" userId="27837c8b-abaf-4096-b544-58e4cbe7054e" providerId="ADAL" clId="{193E6E28-8FC8-4E23-B702-0C05D06AA1DC}" dt="2024-09-05T09:01:22.777" v="5078" actId="478"/>
-          <ac:spMkLst>
-            <pc:docMk/>
-            <pc:sldMk cId="3444094588" sldId="1426"/>
-            <ac:spMk id="40" creationId="{65A6690C-5FE0-DA84-F406-058480726DAB}"/>
-          </ac:spMkLst>
-        </pc:spChg>
-        <pc:spChg chg="add mod ord">
-          <ac:chgData name="佐藤　寛也" userId="27837c8b-abaf-4096-b544-58e4cbe7054e" providerId="ADAL" clId="{193E6E28-8FC8-4E23-B702-0C05D06AA1DC}" dt="2024-09-05T09:03:58.801" v="5112" actId="207"/>
-          <ac:spMkLst>
-            <pc:docMk/>
-            <pc:sldMk cId="3444094588" sldId="1426"/>
-            <ac:spMk id="41" creationId="{10DB6C19-FF1A-8EB4-0155-3D314D417FFF}"/>
-          </ac:spMkLst>
-        </pc:spChg>
-        <pc:spChg chg="add mod ord">
-          <ac:chgData name="佐藤　寛也" userId="27837c8b-abaf-4096-b544-58e4cbe7054e" providerId="ADAL" clId="{193E6E28-8FC8-4E23-B702-0C05D06AA1DC}" dt="2024-09-05T09:03:58.801" v="5112" actId="207"/>
-          <ac:spMkLst>
-            <pc:docMk/>
-            <pc:sldMk cId="3444094588" sldId="1426"/>
-            <ac:spMk id="42" creationId="{FE4D9754-0ACB-3378-1747-27C01114183E}"/>
-          </ac:spMkLst>
-        </pc:spChg>
-        <pc:spChg chg="add mod ord">
-          <ac:chgData name="佐藤　寛也" userId="27837c8b-abaf-4096-b544-58e4cbe7054e" providerId="ADAL" clId="{193E6E28-8FC8-4E23-B702-0C05D06AA1DC}" dt="2024-09-05T09:03:30.553" v="5109" actId="167"/>
-          <ac:spMkLst>
-            <pc:docMk/>
-            <pc:sldMk cId="3444094588" sldId="1426"/>
-            <ac:spMk id="43" creationId="{EA122432-64F8-5E89-DE0B-335B361E75DC}"/>
-          </ac:spMkLst>
-        </pc:spChg>
-        <pc:spChg chg="add mod ord">
-          <ac:chgData name="佐藤　寛也" userId="27837c8b-abaf-4096-b544-58e4cbe7054e" providerId="ADAL" clId="{193E6E28-8FC8-4E23-B702-0C05D06AA1DC}" dt="2024-09-06T02:24:22.294" v="5261" actId="14100"/>
-          <ac:spMkLst>
-            <pc:docMk/>
-            <pc:sldMk cId="3444094588" sldId="1426"/>
-            <ac:spMk id="44" creationId="{73A6A888-446F-AE1D-66A3-08A62304EB71}"/>
-          </ac:spMkLst>
-        </pc:spChg>
-        <pc:spChg chg="add mod">
-          <ac:chgData name="佐藤　寛也" userId="27837c8b-abaf-4096-b544-58e4cbe7054e" providerId="ADAL" clId="{193E6E28-8FC8-4E23-B702-0C05D06AA1DC}" dt="2024-09-05T09:06:48.915" v="5137" actId="121"/>
-          <ac:spMkLst>
-            <pc:docMk/>
-            <pc:sldMk cId="3444094588" sldId="1426"/>
-            <ac:spMk id="45" creationId="{8DDA4C2F-364E-2BEF-7C73-6E7AADFDC417}"/>
-          </ac:spMkLst>
-        </pc:spChg>
-        <pc:grpChg chg="add del mod">
-          <ac:chgData name="佐藤　寛也" userId="27837c8b-abaf-4096-b544-58e4cbe7054e" providerId="ADAL" clId="{193E6E28-8FC8-4E23-B702-0C05D06AA1DC}" dt="2024-09-05T08:54:15.996" v="4795" actId="165"/>
-          <ac:grpSpMkLst>
-            <pc:docMk/>
-            <pc:sldMk cId="3444094588" sldId="1426"/>
-            <ac:grpSpMk id="37" creationId="{A2EF7691-3009-1994-EAA7-CBCBA62F5BD1}"/>
-          </ac:grpSpMkLst>
-        </pc:grpChg>
-        <pc:picChg chg="mod">
-          <ac:chgData name="佐藤　寛也" userId="27837c8b-abaf-4096-b544-58e4cbe7054e" providerId="ADAL" clId="{193E6E28-8FC8-4E23-B702-0C05D06AA1DC}" dt="2024-09-05T08:54:20.387" v="4796" actId="1076"/>
-          <ac:picMkLst>
-            <pc:docMk/>
-            <pc:sldMk cId="3444094588" sldId="1426"/>
-            <ac:picMk id="11" creationId="{DD413FC8-0CFB-A46C-BA80-DCD723AE08AF}"/>
-          </ac:picMkLst>
-        </pc:picChg>
-        <pc:picChg chg="mod">
-          <ac:chgData name="佐藤　寛也" userId="27837c8b-abaf-4096-b544-58e4cbe7054e" providerId="ADAL" clId="{193E6E28-8FC8-4E23-B702-0C05D06AA1DC}" dt="2024-09-05T08:54:20.387" v="4796" actId="1076"/>
-          <ac:picMkLst>
-            <pc:docMk/>
-            <pc:sldMk cId="3444094588" sldId="1426"/>
-            <ac:picMk id="12" creationId="{B3A843EF-E3A6-DC9E-6BC2-A7FB2C510DFC}"/>
-          </ac:picMkLst>
-        </pc:picChg>
-        <pc:cxnChg chg="add mod">
-          <ac:chgData name="佐藤　寛也" userId="27837c8b-abaf-4096-b544-58e4cbe7054e" providerId="ADAL" clId="{193E6E28-8FC8-4E23-B702-0C05D06AA1DC}" dt="2024-09-05T09:02:17.646" v="5092" actId="1582"/>
-          <ac:cxnSpMkLst>
-            <pc:docMk/>
-            <pc:sldMk cId="3444094588" sldId="1426"/>
-            <ac:cxnSpMk id="19" creationId="{18D3F40A-F4C1-9035-98B8-9F98AB265918}"/>
-          </ac:cxnSpMkLst>
-        </pc:cxnChg>
-        <pc:cxnChg chg="add mod">
-          <ac:chgData name="佐藤　寛也" userId="27837c8b-abaf-4096-b544-58e4cbe7054e" providerId="ADAL" clId="{193E6E28-8FC8-4E23-B702-0C05D06AA1DC}" dt="2024-09-05T09:02:17.646" v="5092" actId="1582"/>
-          <ac:cxnSpMkLst>
-            <pc:docMk/>
-            <pc:sldMk cId="3444094588" sldId="1426"/>
-            <ac:cxnSpMk id="20" creationId="{50FAEF67-BE10-1F6A-56EF-31CBC6B8FFC5}"/>
-          </ac:cxnSpMkLst>
-        </pc:cxnChg>
-        <pc:cxnChg chg="add del mod">
-          <ac:chgData name="佐藤　寛也" userId="27837c8b-abaf-4096-b544-58e4cbe7054e" providerId="ADAL" clId="{193E6E28-8FC8-4E23-B702-0C05D06AA1DC}" dt="2024-09-05T08:42:43.538" v="4480" actId="478"/>
-          <ac:cxnSpMkLst>
-            <pc:docMk/>
-            <pc:sldMk cId="3444094588" sldId="1426"/>
-            <ac:cxnSpMk id="21" creationId="{A4B3B3E5-6064-82D2-C4F4-CC0B9BADDEC2}"/>
-          </ac:cxnSpMkLst>
-        </pc:cxnChg>
-        <pc:cxnChg chg="add mod">
-          <ac:chgData name="佐藤　寛也" userId="27837c8b-abaf-4096-b544-58e4cbe7054e" providerId="ADAL" clId="{193E6E28-8FC8-4E23-B702-0C05D06AA1DC}" dt="2024-09-05T09:02:17.646" v="5092" actId="1582"/>
-          <ac:cxnSpMkLst>
-            <pc:docMk/>
-            <pc:sldMk cId="3444094588" sldId="1426"/>
-            <ac:cxnSpMk id="22" creationId="{C6EEEC4F-0B9E-E08B-F9E0-338793B3F205}"/>
-          </ac:cxnSpMkLst>
-        </pc:cxnChg>
-        <pc:cxnChg chg="add mod topLvl">
-          <ac:chgData name="佐藤　寛也" userId="27837c8b-abaf-4096-b544-58e4cbe7054e" providerId="ADAL" clId="{193E6E28-8FC8-4E23-B702-0C05D06AA1DC}" dt="2024-09-05T09:02:17.646" v="5092" actId="1582"/>
-          <ac:cxnSpMkLst>
-            <pc:docMk/>
-            <pc:sldMk cId="3444094588" sldId="1426"/>
-            <ac:cxnSpMk id="23" creationId="{7884EBE2-8D31-2777-D638-85694DCEEC2D}"/>
-          </ac:cxnSpMkLst>
-        </pc:cxnChg>
-        <pc:cxnChg chg="add mod topLvl">
-          <ac:chgData name="佐藤　寛也" userId="27837c8b-abaf-4096-b544-58e4cbe7054e" providerId="ADAL" clId="{193E6E28-8FC8-4E23-B702-0C05D06AA1DC}" dt="2024-09-05T09:02:17.646" v="5092" actId="1582"/>
-          <ac:cxnSpMkLst>
-            <pc:docMk/>
-            <pc:sldMk cId="3444094588" sldId="1426"/>
-            <ac:cxnSpMk id="26" creationId="{C8168B1F-86C8-24C2-8AB5-A37E2410197D}"/>
-          </ac:cxnSpMkLst>
-        </pc:cxnChg>
-        <pc:cxnChg chg="add mod topLvl">
-          <ac:chgData name="佐藤　寛也" userId="27837c8b-abaf-4096-b544-58e4cbe7054e" providerId="ADAL" clId="{193E6E28-8FC8-4E23-B702-0C05D06AA1DC}" dt="2024-09-05T09:02:17.646" v="5092" actId="1582"/>
-          <ac:cxnSpMkLst>
-            <pc:docMk/>
-            <pc:sldMk cId="3444094588" sldId="1426"/>
-            <ac:cxnSpMk id="27" creationId="{3CC2EC10-0E9F-73CE-14DF-ABC6086BC858}"/>
-          </ac:cxnSpMkLst>
-        </pc:cxnChg>
-      </pc:sldChg>
-      <pc:sldChg chg="addSp delSp modSp add mod ord">
-        <pc:chgData name="佐藤　寛也" userId="27837c8b-abaf-4096-b544-58e4cbe7054e" providerId="ADAL" clId="{193E6E28-8FC8-4E23-B702-0C05D06AA1DC}" dt="2024-09-05T09:22:33.088" v="5248" actId="1037"/>
-        <pc:sldMkLst>
-          <pc:docMk/>
-          <pc:sldMk cId="1881789830" sldId="1427"/>
-        </pc:sldMkLst>
-        <pc:spChg chg="mod">
-          <ac:chgData name="佐藤　寛也" userId="27837c8b-abaf-4096-b544-58e4cbe7054e" providerId="ADAL" clId="{193E6E28-8FC8-4E23-B702-0C05D06AA1DC}" dt="2024-09-05T08:53:38.916" v="4789" actId="20577"/>
-          <ac:spMkLst>
-            <pc:docMk/>
-            <pc:sldMk cId="1881789830" sldId="1427"/>
-            <ac:spMk id="2" creationId="{21D0CFCA-348F-6DF4-2D11-99E2969833F2}"/>
-          </ac:spMkLst>
-        </pc:spChg>
-        <pc:spChg chg="del mod">
-          <ac:chgData name="佐藤　寛也" userId="27837c8b-abaf-4096-b544-58e4cbe7054e" providerId="ADAL" clId="{193E6E28-8FC8-4E23-B702-0C05D06AA1DC}" dt="2024-09-05T09:04:17.914" v="5116" actId="478"/>
-          <ac:spMkLst>
-            <pc:docMk/>
-            <pc:sldMk cId="1881789830" sldId="1427"/>
-            <ac:spMk id="3" creationId="{41AEE836-B07F-6756-DC70-5EA0EE3A1CC4}"/>
-          </ac:spMkLst>
-        </pc:spChg>
-        <pc:spChg chg="mod">
-          <ac:chgData name="佐藤　寛也" userId="27837c8b-abaf-4096-b544-58e4cbe7054e" providerId="ADAL" clId="{193E6E28-8FC8-4E23-B702-0C05D06AA1DC}" dt="2024-09-05T09:21:48.002" v="5221" actId="14100"/>
-          <ac:spMkLst>
-            <pc:docMk/>
-            <pc:sldMk cId="1881789830" sldId="1427"/>
-            <ac:spMk id="8" creationId="{549AE2D9-DA59-50D5-3413-B0D146083583}"/>
-          </ac:spMkLst>
-        </pc:spChg>
-        <pc:spChg chg="del">
-          <ac:chgData name="佐藤　寛也" userId="27837c8b-abaf-4096-b544-58e4cbe7054e" providerId="ADAL" clId="{193E6E28-8FC8-4E23-B702-0C05D06AA1DC}" dt="2024-09-05T08:55:06.857" v="4821" actId="478"/>
-          <ac:spMkLst>
-            <pc:docMk/>
-            <pc:sldMk cId="1881789830" sldId="1427"/>
-            <ac:spMk id="9" creationId="{2BEF2B5C-0BFE-EE67-2BC9-31924B40AA08}"/>
-          </ac:spMkLst>
-        </pc:spChg>
-        <pc:spChg chg="mod">
-          <ac:chgData name="佐藤　寛也" userId="27837c8b-abaf-4096-b544-58e4cbe7054e" providerId="ADAL" clId="{193E6E28-8FC8-4E23-B702-0C05D06AA1DC}" dt="2024-09-05T09:22:27.105" v="5236" actId="1076"/>
-          <ac:spMkLst>
-            <pc:docMk/>
-            <pc:sldMk cId="1881789830" sldId="1427"/>
-            <ac:spMk id="10" creationId="{77DF0CC4-9166-3878-268B-B07887951991}"/>
-          </ac:spMkLst>
-        </pc:spChg>
-        <pc:spChg chg="add del mod">
-          <ac:chgData name="佐藤　寛也" userId="27837c8b-abaf-4096-b544-58e4cbe7054e" providerId="ADAL" clId="{193E6E28-8FC8-4E23-B702-0C05D06AA1DC}" dt="2024-09-05T09:20:19.411" v="5190" actId="478"/>
-          <ac:spMkLst>
-            <pc:docMk/>
-            <pc:sldMk cId="1881789830" sldId="1427"/>
-            <ac:spMk id="11" creationId="{BBB49099-76F1-7875-2409-AF3C6F6CE7F3}"/>
-          </ac:spMkLst>
-        </pc:spChg>
-        <pc:spChg chg="mod">
-          <ac:chgData name="佐藤　寛也" userId="27837c8b-abaf-4096-b544-58e4cbe7054e" providerId="ADAL" clId="{193E6E28-8FC8-4E23-B702-0C05D06AA1DC}" dt="2024-09-05T09:21:59.793" v="5224" actId="14100"/>
-          <ac:spMkLst>
-            <pc:docMk/>
-            <pc:sldMk cId="1881789830" sldId="1427"/>
-            <ac:spMk id="14" creationId="{83E5FD2B-71A6-0378-E492-304B82034893}"/>
-          </ac:spMkLst>
-        </pc:spChg>
-        <pc:spChg chg="del">
-          <ac:chgData name="佐藤　寛也" userId="27837c8b-abaf-4096-b544-58e4cbe7054e" providerId="ADAL" clId="{193E6E28-8FC8-4E23-B702-0C05D06AA1DC}" dt="2024-09-05T08:55:06.857" v="4821" actId="478"/>
-          <ac:spMkLst>
-            <pc:docMk/>
-            <pc:sldMk cId="1881789830" sldId="1427"/>
-            <ac:spMk id="16" creationId="{EFB4FFCD-A85F-5C00-D4CC-44B23EEB4F38}"/>
-          </ac:spMkLst>
-        </pc:spChg>
-        <pc:spChg chg="mod">
-          <ac:chgData name="佐藤　寛也" userId="27837c8b-abaf-4096-b544-58e4cbe7054e" providerId="ADAL" clId="{193E6E28-8FC8-4E23-B702-0C05D06AA1DC}" dt="2024-09-05T09:22:16.844" v="5230" actId="14100"/>
-          <ac:spMkLst>
-            <pc:docMk/>
-            <pc:sldMk cId="1881789830" sldId="1427"/>
-            <ac:spMk id="17" creationId="{7198A0E0-FA17-4F47-CC3C-17A4C6473590}"/>
-          </ac:spMkLst>
-        </pc:spChg>
-        <pc:spChg chg="del">
-          <ac:chgData name="佐藤　寛也" userId="27837c8b-abaf-4096-b544-58e4cbe7054e" providerId="ADAL" clId="{193E6E28-8FC8-4E23-B702-0C05D06AA1DC}" dt="2024-09-05T08:55:08.704" v="4822" actId="478"/>
-          <ac:spMkLst>
-            <pc:docMk/>
-            <pc:sldMk cId="1881789830" sldId="1427"/>
-            <ac:spMk id="18" creationId="{F95050BD-DCBF-1534-F37F-004F44F94704}"/>
-          </ac:spMkLst>
-        </pc:spChg>
-        <pc:graphicFrameChg chg="mod modGraphic">
-          <ac:chgData name="佐藤　寛也" userId="27837c8b-abaf-4096-b544-58e4cbe7054e" providerId="ADAL" clId="{193E6E28-8FC8-4E23-B702-0C05D06AA1DC}" dt="2024-09-05T09:22:11.262" v="5228"/>
-          <ac:graphicFrameMkLst>
-            <pc:docMk/>
-            <pc:sldMk cId="1881789830" sldId="1427"/>
-            <ac:graphicFrameMk id="7" creationId="{CD95F47B-724F-6E0A-C103-DA07593C0894}"/>
-          </ac:graphicFrameMkLst>
-        </pc:graphicFrameChg>
-        <pc:cxnChg chg="mod">
-          <ac:chgData name="佐藤　寛也" userId="27837c8b-abaf-4096-b544-58e4cbe7054e" providerId="ADAL" clId="{193E6E28-8FC8-4E23-B702-0C05D06AA1DC}" dt="2024-09-05T09:22:33.088" v="5248" actId="1037"/>
-          <ac:cxnSpMkLst>
-            <pc:docMk/>
-            <pc:sldMk cId="1881789830" sldId="1427"/>
-            <ac:cxnSpMk id="12" creationId="{9ABD69E2-4E9C-0E2E-84B6-5DA2730856E6}"/>
-          </ac:cxnSpMkLst>
-        </pc:cxnChg>
-      </pc:sldChg>
-      <pc:sldChg chg="addSp delSp modSp add mod">
-        <pc:chgData name="佐藤　寛也" userId="27837c8b-abaf-4096-b544-58e4cbe7054e" providerId="ADAL" clId="{193E6E28-8FC8-4E23-B702-0C05D06AA1DC}" dt="2024-09-06T02:35:03.697" v="5297"/>
-        <pc:sldMkLst>
-          <pc:docMk/>
-          <pc:sldMk cId="789427228" sldId="1428"/>
-        </pc:sldMkLst>
-        <pc:spChg chg="mod">
-          <ac:chgData name="佐藤　寛也" userId="27837c8b-abaf-4096-b544-58e4cbe7054e" providerId="ADAL" clId="{193E6E28-8FC8-4E23-B702-0C05D06AA1DC}" dt="2024-09-06T02:35:03.697" v="5297"/>
-          <ac:spMkLst>
-            <pc:docMk/>
-            <pc:sldMk cId="789427228" sldId="1428"/>
-            <ac:spMk id="3" creationId="{41AEE836-B07F-6756-DC70-5EA0EE3A1CC4}"/>
-          </ac:spMkLst>
-        </pc:spChg>
-        <pc:spChg chg="del">
-          <ac:chgData name="佐藤　寛也" userId="27837c8b-abaf-4096-b544-58e4cbe7054e" providerId="ADAL" clId="{193E6E28-8FC8-4E23-B702-0C05D06AA1DC}" dt="2024-09-05T08:55:18.940" v="4824" actId="478"/>
-          <ac:spMkLst>
-            <pc:docMk/>
-            <pc:sldMk cId="789427228" sldId="1428"/>
-            <ac:spMk id="8" creationId="{549AE2D9-DA59-50D5-3413-B0D146083583}"/>
-          </ac:spMkLst>
-        </pc:spChg>
-        <pc:spChg chg="del">
-          <ac:chgData name="佐藤　寛也" userId="27837c8b-abaf-4096-b544-58e4cbe7054e" providerId="ADAL" clId="{193E6E28-8FC8-4E23-B702-0C05D06AA1DC}" dt="2024-09-05T08:55:18.940" v="4824" actId="478"/>
-          <ac:spMkLst>
-            <pc:docMk/>
-            <pc:sldMk cId="789427228" sldId="1428"/>
-            <ac:spMk id="9" creationId="{2BEF2B5C-0BFE-EE67-2BC9-31924B40AA08}"/>
-          </ac:spMkLst>
-        </pc:spChg>
-        <pc:spChg chg="del">
-          <ac:chgData name="佐藤　寛也" userId="27837c8b-abaf-4096-b544-58e4cbe7054e" providerId="ADAL" clId="{193E6E28-8FC8-4E23-B702-0C05D06AA1DC}" dt="2024-09-05T08:55:18.940" v="4824" actId="478"/>
-          <ac:spMkLst>
-            <pc:docMk/>
-            <pc:sldMk cId="789427228" sldId="1428"/>
-            <ac:spMk id="10" creationId="{77DF0CC4-9166-3878-268B-B07887951991}"/>
-          </ac:spMkLst>
-        </pc:spChg>
-        <pc:spChg chg="add del mod">
-          <ac:chgData name="佐藤　寛也" userId="27837c8b-abaf-4096-b544-58e4cbe7054e" providerId="ADAL" clId="{193E6E28-8FC8-4E23-B702-0C05D06AA1DC}" dt="2024-09-05T08:57:31.183" v="4883" actId="22"/>
-          <ac:spMkLst>
-            <pc:docMk/>
-            <pc:sldMk cId="789427228" sldId="1428"/>
-            <ac:spMk id="13" creationId="{945913AE-2917-B488-AC10-F49402BAD406}"/>
-          </ac:spMkLst>
-        </pc:spChg>
-        <pc:spChg chg="del">
-          <ac:chgData name="佐藤　寛也" userId="27837c8b-abaf-4096-b544-58e4cbe7054e" providerId="ADAL" clId="{193E6E28-8FC8-4E23-B702-0C05D06AA1DC}" dt="2024-09-05T08:55:18.940" v="4824" actId="478"/>
-          <ac:spMkLst>
-            <pc:docMk/>
-            <pc:sldMk cId="789427228" sldId="1428"/>
-            <ac:spMk id="14" creationId="{83E5FD2B-71A6-0378-E492-304B82034893}"/>
-          </ac:spMkLst>
-        </pc:spChg>
-        <pc:spChg chg="del">
-          <ac:chgData name="佐藤　寛也" userId="27837c8b-abaf-4096-b544-58e4cbe7054e" providerId="ADAL" clId="{193E6E28-8FC8-4E23-B702-0C05D06AA1DC}" dt="2024-09-05T08:55:18.940" v="4824" actId="478"/>
-          <ac:spMkLst>
-            <pc:docMk/>
-            <pc:sldMk cId="789427228" sldId="1428"/>
-            <ac:spMk id="16" creationId="{EFB4FFCD-A85F-5C00-D4CC-44B23EEB4F38}"/>
-          </ac:spMkLst>
-        </pc:spChg>
-        <pc:spChg chg="del">
-          <ac:chgData name="佐藤　寛也" userId="27837c8b-abaf-4096-b544-58e4cbe7054e" providerId="ADAL" clId="{193E6E28-8FC8-4E23-B702-0C05D06AA1DC}" dt="2024-09-05T08:55:18.940" v="4824" actId="478"/>
-          <ac:spMkLst>
-            <pc:docMk/>
-            <pc:sldMk cId="789427228" sldId="1428"/>
-            <ac:spMk id="17" creationId="{7198A0E0-FA17-4F47-CC3C-17A4C6473590}"/>
-          </ac:spMkLst>
-        </pc:spChg>
-        <pc:spChg chg="del">
-          <ac:chgData name="佐藤　寛也" userId="27837c8b-abaf-4096-b544-58e4cbe7054e" providerId="ADAL" clId="{193E6E28-8FC8-4E23-B702-0C05D06AA1DC}" dt="2024-09-05T08:55:18.940" v="4824" actId="478"/>
-          <ac:spMkLst>
-            <pc:docMk/>
-            <pc:sldMk cId="789427228" sldId="1428"/>
-            <ac:spMk id="18" creationId="{F95050BD-DCBF-1534-F37F-004F44F94704}"/>
-          </ac:spMkLst>
-        </pc:spChg>
-        <pc:graphicFrameChg chg="del">
-          <ac:chgData name="佐藤　寛也" userId="27837c8b-abaf-4096-b544-58e4cbe7054e" providerId="ADAL" clId="{193E6E28-8FC8-4E23-B702-0C05D06AA1DC}" dt="2024-09-05T08:55:18.940" v="4824" actId="478"/>
-          <ac:graphicFrameMkLst>
-            <pc:docMk/>
-            <pc:sldMk cId="789427228" sldId="1428"/>
-            <ac:graphicFrameMk id="7" creationId="{CD95F47B-724F-6E0A-C103-DA07593C0894}"/>
-          </ac:graphicFrameMkLst>
-        </pc:graphicFrameChg>
-        <pc:cxnChg chg="del">
-          <ac:chgData name="佐藤　寛也" userId="27837c8b-abaf-4096-b544-58e4cbe7054e" providerId="ADAL" clId="{193E6E28-8FC8-4E23-B702-0C05D06AA1DC}" dt="2024-09-05T08:55:18.940" v="4824" actId="478"/>
-          <ac:cxnSpMkLst>
-            <pc:docMk/>
-            <pc:sldMk cId="789427228" sldId="1428"/>
-            <ac:cxnSpMk id="12" creationId="{9ABD69E2-4E9C-0E2E-84B6-5DA2730856E6}"/>
-          </ac:cxnSpMkLst>
-        </pc:cxnChg>
-      </pc:sldChg>
-      <pc:sldChg chg="addSp modSp add mod">
-        <pc:chgData name="佐藤　寛也" userId="27837c8b-abaf-4096-b544-58e4cbe7054e" providerId="ADAL" clId="{193E6E28-8FC8-4E23-B702-0C05D06AA1DC}" dt="2024-09-06T02:33:26.782" v="5287"/>
-        <pc:sldMkLst>
-          <pc:docMk/>
-          <pc:sldMk cId="1939673003" sldId="1429"/>
-        </pc:sldMkLst>
-        <pc:spChg chg="add mod">
-          <ac:chgData name="佐藤　寛也" userId="27837c8b-abaf-4096-b544-58e4cbe7054e" providerId="ADAL" clId="{193E6E28-8FC8-4E23-B702-0C05D06AA1DC}" dt="2024-09-06T02:33:26.782" v="5287"/>
-          <ac:spMkLst>
-            <pc:docMk/>
-            <pc:sldMk cId="1939673003" sldId="1429"/>
-            <ac:spMk id="7" creationId="{F3779465-5948-BBC2-1B4B-6A088C70DAB3}"/>
-          </ac:spMkLst>
-        </pc:spChg>
-        <pc:spChg chg="mod">
-          <ac:chgData name="佐藤　寛也" userId="27837c8b-abaf-4096-b544-58e4cbe7054e" providerId="ADAL" clId="{193E6E28-8FC8-4E23-B702-0C05D06AA1DC}" dt="2024-09-06T02:32:07.919" v="5283" actId="20577"/>
-          <ac:spMkLst>
-            <pc:docMk/>
-            <pc:sldMk cId="1939673003" sldId="1429"/>
-            <ac:spMk id="8" creationId="{9D254E49-B69D-583E-7C4B-320E2506F067}"/>
-          </ac:spMkLst>
-        </pc:spChg>
-        <pc:spChg chg="add mod">
-          <ac:chgData name="佐藤　寛也" userId="27837c8b-abaf-4096-b544-58e4cbe7054e" providerId="ADAL" clId="{193E6E28-8FC8-4E23-B702-0C05D06AA1DC}" dt="2024-09-06T02:33:26.782" v="5287"/>
-          <ac:spMkLst>
-            <pc:docMk/>
-            <pc:sldMk cId="1939673003" sldId="1429"/>
-            <ac:spMk id="10" creationId="{E4E683BA-D493-0E92-4B62-2E3339B8F342}"/>
-          </ac:spMkLst>
-        </pc:spChg>
-        <pc:spChg chg="add mod">
-          <ac:chgData name="佐藤　寛也" userId="27837c8b-abaf-4096-b544-58e4cbe7054e" providerId="ADAL" clId="{193E6E28-8FC8-4E23-B702-0C05D06AA1DC}" dt="2024-09-06T02:33:26.782" v="5287"/>
-          <ac:spMkLst>
-            <pc:docMk/>
-            <pc:sldMk cId="1939673003" sldId="1429"/>
-            <ac:spMk id="11" creationId="{13A585DA-5AD7-A8DF-3D0A-13D4DED2EE6F}"/>
-          </ac:spMkLst>
-        </pc:spChg>
-      </pc:sldChg>
-    </pc:docChg>
-  </pc:docChgLst>
-  <pc:docChgLst>
-    <pc:chgData name="佐藤　寛也" userId="27837c8b-abaf-4096-b544-58e4cbe7054e" providerId="ADAL" clId="{86306417-DAAF-4CFB-9028-3E4EA03B485E}"/>
-    <pc:docChg chg="custSel modSld">
-      <pc:chgData name="佐藤　寛也" userId="27837c8b-abaf-4096-b544-58e4cbe7054e" providerId="ADAL" clId="{86306417-DAAF-4CFB-9028-3E4EA03B485E}" dt="2024-09-10T07:48:51.057" v="40" actId="478"/>
-      <pc:docMkLst>
-        <pc:docMk/>
-      </pc:docMkLst>
-      <pc:sldChg chg="modSp mod">
-        <pc:chgData name="佐藤　寛也" userId="27837c8b-abaf-4096-b544-58e4cbe7054e" providerId="ADAL" clId="{86306417-DAAF-4CFB-9028-3E4EA03B485E}" dt="2024-09-10T07:36:25.323" v="17" actId="20577"/>
-        <pc:sldMkLst>
-          <pc:docMk/>
-          <pc:sldMk cId="2292264982" sldId="256"/>
-        </pc:sldMkLst>
-        <pc:spChg chg="mod">
-          <ac:chgData name="佐藤　寛也" userId="27837c8b-abaf-4096-b544-58e4cbe7054e" providerId="ADAL" clId="{86306417-DAAF-4CFB-9028-3E4EA03B485E}" dt="2024-09-10T07:36:25.323" v="17" actId="20577"/>
-          <ac:spMkLst>
-            <pc:docMk/>
-            <pc:sldMk cId="2292264982" sldId="256"/>
-            <ac:spMk id="4" creationId="{74A8D6B1-152D-8CDC-6D83-B795F55DE09A}"/>
-          </ac:spMkLst>
-        </pc:spChg>
-      </pc:sldChg>
-      <pc:sldChg chg="addSp delSp modSp mod">
-        <pc:chgData name="佐藤　寛也" userId="27837c8b-abaf-4096-b544-58e4cbe7054e" providerId="ADAL" clId="{86306417-DAAF-4CFB-9028-3E4EA03B485E}" dt="2024-09-10T07:48:51.057" v="40" actId="478"/>
-        <pc:sldMkLst>
-          <pc:docMk/>
-          <pc:sldMk cId="1866858908" sldId="1421"/>
-        </pc:sldMkLst>
-        <pc:spChg chg="mod">
-          <ac:chgData name="佐藤　寛也" userId="27837c8b-abaf-4096-b544-58e4cbe7054e" providerId="ADAL" clId="{86306417-DAAF-4CFB-9028-3E4EA03B485E}" dt="2024-09-10T07:42:21.368" v="31" actId="20577"/>
-          <ac:spMkLst>
-            <pc:docMk/>
-            <pc:sldMk cId="1866858908" sldId="1421"/>
-            <ac:spMk id="6" creationId="{22083119-FBF2-9464-4116-E981DDB743E8}"/>
-          </ac:spMkLst>
-        </pc:spChg>
-        <pc:spChg chg="add del mod">
-          <ac:chgData name="佐藤　寛也" userId="27837c8b-abaf-4096-b544-58e4cbe7054e" providerId="ADAL" clId="{86306417-DAAF-4CFB-9028-3E4EA03B485E}" dt="2024-09-10T07:48:51.057" v="40" actId="478"/>
-          <ac:spMkLst>
-            <pc:docMk/>
-            <pc:sldMk cId="1866858908" sldId="1421"/>
-            <ac:spMk id="8" creationId="{E36D1BF9-4EE2-4162-E422-7B7AD3358153}"/>
-          </ac:spMkLst>
-        </pc:spChg>
-      </pc:sldChg>
-      <pc:sldChg chg="modSp mod">
-        <pc:chgData name="佐藤　寛也" userId="27837c8b-abaf-4096-b544-58e4cbe7054e" providerId="ADAL" clId="{86306417-DAAF-4CFB-9028-3E4EA03B485E}" dt="2024-09-09T02:22:36.608" v="6" actId="20577"/>
-        <pc:sldMkLst>
-          <pc:docMk/>
-          <pc:sldMk cId="3444094588" sldId="1426"/>
-        </pc:sldMkLst>
-        <pc:spChg chg="mod">
-          <ac:chgData name="佐藤　寛也" userId="27837c8b-abaf-4096-b544-58e4cbe7054e" providerId="ADAL" clId="{86306417-DAAF-4CFB-9028-3E4EA03B485E}" dt="2024-09-09T02:22:36.608" v="6" actId="20577"/>
-          <ac:spMkLst>
-            <pc:docMk/>
-            <pc:sldMk cId="3444094588" sldId="1426"/>
-            <ac:spMk id="34" creationId="{8FDC921C-7EF6-A770-CA01-6F61C3D13BD1}"/>
-          </ac:spMkLst>
-        </pc:spChg>
-      </pc:sldChg>
-      <pc:sldChg chg="modSp mod">
-        <pc:chgData name="佐藤　寛也" userId="27837c8b-abaf-4096-b544-58e4cbe7054e" providerId="ADAL" clId="{86306417-DAAF-4CFB-9028-3E4EA03B485E}" dt="2024-09-09T02:29:42.833" v="11" actId="1076"/>
-        <pc:sldMkLst>
-          <pc:docMk/>
-          <pc:sldMk cId="1881789830" sldId="1427"/>
-        </pc:sldMkLst>
-        <pc:spChg chg="mod">
-          <ac:chgData name="佐藤　寛也" userId="27837c8b-abaf-4096-b544-58e4cbe7054e" providerId="ADAL" clId="{86306417-DAAF-4CFB-9028-3E4EA03B485E}" dt="2024-09-09T02:29:42.833" v="11" actId="1076"/>
-          <ac:spMkLst>
-            <pc:docMk/>
-            <pc:sldMk cId="1881789830" sldId="1427"/>
-            <ac:spMk id="13" creationId="{1ED88666-2960-AE96-B277-C88214DC9F74}"/>
-          </ac:spMkLst>
-        </pc:spChg>
-        <pc:picChg chg="mod">
-          <ac:chgData name="佐藤　寛也" userId="27837c8b-abaf-4096-b544-58e4cbe7054e" providerId="ADAL" clId="{86306417-DAAF-4CFB-9028-3E4EA03B485E}" dt="2024-09-09T02:29:42.833" v="11" actId="1076"/>
-          <ac:picMkLst>
-            <pc:docMk/>
-            <pc:sldMk cId="1881789830" sldId="1427"/>
-            <ac:picMk id="3" creationId="{6FBA79E7-B728-E9C5-4940-FB8F21E9B31D}"/>
-          </ac:picMkLst>
-        </pc:picChg>
-      </pc:sldChg>
-    </pc:docChg>
-  </pc:docChgLst>
-  <pc:docChgLst>
-    <pc:chgData name="雨宮　智浩" userId="S::9288019215@utac.u-tokyo.ac.jp::018ceb06-00b6-4c8b-821f-fe5856736a8a" providerId="AD" clId="Web-{08EB0644-43D4-88A8-127E-88ED17A1E6B7}"/>
-    <pc:docChg chg="modSld">
-      <pc:chgData name="雨宮　智浩" userId="S::9288019215@utac.u-tokyo.ac.jp::018ceb06-00b6-4c8b-821f-fe5856736a8a" providerId="AD" clId="Web-{08EB0644-43D4-88A8-127E-88ED17A1E6B7}" dt="2024-09-05T14:25:00.414" v="48" actId="20577"/>
-      <pc:docMkLst>
-        <pc:docMk/>
-      </pc:docMkLst>
-      <pc:sldChg chg="modSp">
-        <pc:chgData name="雨宮　智浩" userId="S::9288019215@utac.u-tokyo.ac.jp::018ceb06-00b6-4c8b-821f-fe5856736a8a" providerId="AD" clId="Web-{08EB0644-43D4-88A8-127E-88ED17A1E6B7}" dt="2024-09-05T14:25:00.414" v="48" actId="20577"/>
-        <pc:sldMkLst>
-          <pc:docMk/>
-          <pc:sldMk cId="3626337591" sldId="1404"/>
-        </pc:sldMkLst>
-        <pc:spChg chg="mod">
-          <ac:chgData name="雨宮　智浩" userId="S::9288019215@utac.u-tokyo.ac.jp::018ceb06-00b6-4c8b-821f-fe5856736a8a" providerId="AD" clId="Web-{08EB0644-43D4-88A8-127E-88ED17A1E6B7}" dt="2024-09-05T14:25:00.414" v="48" actId="20577"/>
-          <ac:spMkLst>
-            <pc:docMk/>
-            <pc:sldMk cId="3626337591" sldId="1404"/>
-            <ac:spMk id="14" creationId="{376F3ABE-2951-B7E3-5373-0751143AA308}"/>
-          </ac:spMkLst>
-        </pc:spChg>
-      </pc:sldChg>
-      <pc:sldChg chg="delSp modSp">
-        <pc:chgData name="雨宮　智浩" userId="S::9288019215@utac.u-tokyo.ac.jp::018ceb06-00b6-4c8b-821f-fe5856736a8a" providerId="AD" clId="Web-{08EB0644-43D4-88A8-127E-88ED17A1E6B7}" dt="2024-09-05T14:20:07.144" v="46"/>
-        <pc:sldMkLst>
-          <pc:docMk/>
-          <pc:sldMk cId="3444094588" sldId="1426"/>
-        </pc:sldMkLst>
-        <pc:spChg chg="mod">
-          <ac:chgData name="雨宮　智浩" userId="S::9288019215@utac.u-tokyo.ac.jp::018ceb06-00b6-4c8b-821f-fe5856736a8a" providerId="AD" clId="Web-{08EB0644-43D4-88A8-127E-88ED17A1E6B7}" dt="2024-09-05T14:17:28.402" v="45" actId="20577"/>
-          <ac:spMkLst>
-            <pc:docMk/>
-            <pc:sldMk cId="3444094588" sldId="1426"/>
-            <ac:spMk id="34" creationId="{8FDC921C-7EF6-A770-CA01-6F61C3D13BD1}"/>
-          </ac:spMkLst>
-        </pc:spChg>
-        <pc:spChg chg="del">
-          <ac:chgData name="雨宮　智浩" userId="S::9288019215@utac.u-tokyo.ac.jp::018ceb06-00b6-4c8b-821f-fe5856736a8a" providerId="AD" clId="Web-{08EB0644-43D4-88A8-127E-88ED17A1E6B7}" dt="2024-09-05T14:20:07.144" v="46"/>
-          <ac:spMkLst>
-            <pc:docMk/>
-            <pc:sldMk cId="3444094588" sldId="1426"/>
-            <ac:spMk id="45" creationId="{8DDA4C2F-364E-2BEF-7C73-6E7AADFDC417}"/>
-          </ac:spMkLst>
-        </pc:spChg>
-      </pc:sldChg>
-    </pc:docChg>
-  </pc:docChgLst>
-  <pc:docChgLst>
-    <pc:chgData name="佐藤　寛也" userId="27837c8b-abaf-4096-b544-58e4cbe7054e" providerId="ADAL" clId="{DF96E352-FE0D-A54C-8B21-3550FC8B9C47}"/>
-    <pc:docChg chg="custSel modSld modMainMaster">
-      <pc:chgData name="佐藤　寛也" userId="27837c8b-abaf-4096-b544-58e4cbe7054e" providerId="ADAL" clId="{DF96E352-FE0D-A54C-8B21-3550FC8B9C47}" dt="2024-09-02T00:47:09.916" v="11"/>
-      <pc:docMkLst>
-        <pc:docMk/>
-      </pc:docMkLst>
-      <pc:sldChg chg="modSp mod">
-        <pc:chgData name="佐藤　寛也" userId="27837c8b-abaf-4096-b544-58e4cbe7054e" providerId="ADAL" clId="{DF96E352-FE0D-A54C-8B21-3550FC8B9C47}" dt="2024-09-02T00:46:43.704" v="10" actId="20577"/>
-        <pc:sldMkLst>
-          <pc:docMk/>
-          <pc:sldMk cId="2292264982" sldId="256"/>
-        </pc:sldMkLst>
-        <pc:spChg chg="mod">
-          <ac:chgData name="佐藤　寛也" userId="27837c8b-abaf-4096-b544-58e4cbe7054e" providerId="ADAL" clId="{DF96E352-FE0D-A54C-8B21-3550FC8B9C47}" dt="2024-09-02T00:46:43.704" v="10" actId="20577"/>
-          <ac:spMkLst>
-            <pc:docMk/>
-            <pc:sldMk cId="2292264982" sldId="256"/>
-            <ac:spMk id="2" creationId="{D049B836-353B-0EDB-5101-3437F71F2E4D}"/>
-          </ac:spMkLst>
-        </pc:spChg>
-      </pc:sldChg>
-      <pc:sldChg chg="modSp mod">
-        <pc:chgData name="佐藤　寛也" userId="27837c8b-abaf-4096-b544-58e4cbe7054e" providerId="ADAL" clId="{DF96E352-FE0D-A54C-8B21-3550FC8B9C47}" dt="2024-09-02T00:47:09.916" v="11"/>
-        <pc:sldMkLst>
-          <pc:docMk/>
-          <pc:sldMk cId="1578608887" sldId="1402"/>
-        </pc:sldMkLst>
-        <pc:spChg chg="mod">
-          <ac:chgData name="佐藤　寛也" userId="27837c8b-abaf-4096-b544-58e4cbe7054e" providerId="ADAL" clId="{DF96E352-FE0D-A54C-8B21-3550FC8B9C47}" dt="2024-09-02T00:47:09.916" v="11"/>
-          <ac:spMkLst>
-            <pc:docMk/>
-            <pc:sldMk cId="1578608887" sldId="1402"/>
-            <ac:spMk id="5" creationId="{2862EFD8-A85B-1021-95B4-194B751655D4}"/>
-          </ac:spMkLst>
-        </pc:spChg>
-        <pc:spChg chg="mod">
-          <ac:chgData name="佐藤　寛也" userId="27837c8b-abaf-4096-b544-58e4cbe7054e" providerId="ADAL" clId="{DF96E352-FE0D-A54C-8B21-3550FC8B9C47}" dt="2024-09-02T00:45:54.847" v="9" actId="20577"/>
-          <ac:spMkLst>
-            <pc:docMk/>
-            <pc:sldMk cId="1578608887" sldId="1402"/>
-            <ac:spMk id="12" creationId="{ED6880AA-BB0F-C2AA-BC5B-79D542E029BF}"/>
-          </ac:spMkLst>
-        </pc:spChg>
-      </pc:sldChg>
-      <pc:sldChg chg="modSp">
-        <pc:chgData name="佐藤　寛也" userId="27837c8b-abaf-4096-b544-58e4cbe7054e" providerId="ADAL" clId="{DF96E352-FE0D-A54C-8B21-3550FC8B9C47}" dt="2024-09-02T00:47:09.916" v="11"/>
-        <pc:sldMkLst>
-          <pc:docMk/>
-          <pc:sldMk cId="4080963220" sldId="1403"/>
-        </pc:sldMkLst>
-        <pc:spChg chg="mod">
-          <ac:chgData name="佐藤　寛也" userId="27837c8b-abaf-4096-b544-58e4cbe7054e" providerId="ADAL" clId="{DF96E352-FE0D-A54C-8B21-3550FC8B9C47}" dt="2024-09-02T00:47:09.916" v="11"/>
-          <ac:spMkLst>
-            <pc:docMk/>
-            <pc:sldMk cId="4080963220" sldId="1403"/>
-            <ac:spMk id="5" creationId="{2862EFD8-A85B-1021-95B4-194B751655D4}"/>
-          </ac:spMkLst>
-        </pc:spChg>
-      </pc:sldChg>
-      <pc:sldChg chg="modSp">
-        <pc:chgData name="佐藤　寛也" userId="27837c8b-abaf-4096-b544-58e4cbe7054e" providerId="ADAL" clId="{DF96E352-FE0D-A54C-8B21-3550FC8B9C47}" dt="2024-09-02T00:47:09.916" v="11"/>
-        <pc:sldMkLst>
-          <pc:docMk/>
-          <pc:sldMk cId="3626337591" sldId="1404"/>
-        </pc:sldMkLst>
-        <pc:spChg chg="mod">
-          <ac:chgData name="佐藤　寛也" userId="27837c8b-abaf-4096-b544-58e4cbe7054e" providerId="ADAL" clId="{DF96E352-FE0D-A54C-8B21-3550FC8B9C47}" dt="2024-09-02T00:47:09.916" v="11"/>
-          <ac:spMkLst>
-            <pc:docMk/>
-            <pc:sldMk cId="3626337591" sldId="1404"/>
-            <ac:spMk id="5" creationId="{2862EFD8-A85B-1021-95B4-194B751655D4}"/>
-          </ac:spMkLst>
-        </pc:spChg>
-      </pc:sldChg>
-      <pc:sldChg chg="modSp">
-        <pc:chgData name="佐藤　寛也" userId="27837c8b-abaf-4096-b544-58e4cbe7054e" providerId="ADAL" clId="{DF96E352-FE0D-A54C-8B21-3550FC8B9C47}" dt="2024-09-02T00:47:09.916" v="11"/>
-        <pc:sldMkLst>
-          <pc:docMk/>
-          <pc:sldMk cId="3844574707" sldId="1405"/>
-        </pc:sldMkLst>
-        <pc:spChg chg="mod">
-          <ac:chgData name="佐藤　寛也" userId="27837c8b-abaf-4096-b544-58e4cbe7054e" providerId="ADAL" clId="{DF96E352-FE0D-A54C-8B21-3550FC8B9C47}" dt="2024-09-02T00:47:09.916" v="11"/>
-          <ac:spMkLst>
-            <pc:docMk/>
-            <pc:sldMk cId="3844574707" sldId="1405"/>
-            <ac:spMk id="5" creationId="{2862EFD8-A85B-1021-95B4-194B751655D4}"/>
-          </ac:spMkLst>
-        </pc:spChg>
-      </pc:sldChg>
-      <pc:sldChg chg="modSp">
-        <pc:chgData name="佐藤　寛也" userId="27837c8b-abaf-4096-b544-58e4cbe7054e" providerId="ADAL" clId="{DF96E352-FE0D-A54C-8B21-3550FC8B9C47}" dt="2024-09-02T00:47:09.916" v="11"/>
-        <pc:sldMkLst>
-          <pc:docMk/>
-          <pc:sldMk cId="1985137625" sldId="1406"/>
-        </pc:sldMkLst>
-        <pc:spChg chg="mod">
-          <ac:chgData name="佐藤　寛也" userId="27837c8b-abaf-4096-b544-58e4cbe7054e" providerId="ADAL" clId="{DF96E352-FE0D-A54C-8B21-3550FC8B9C47}" dt="2024-09-02T00:47:09.916" v="11"/>
-          <ac:spMkLst>
-            <pc:docMk/>
-            <pc:sldMk cId="1985137625" sldId="1406"/>
-            <ac:spMk id="5" creationId="{2862EFD8-A85B-1021-95B4-194B751655D4}"/>
-          </ac:spMkLst>
-        </pc:spChg>
-      </pc:sldChg>
-      <pc:sldChg chg="modSp">
-        <pc:chgData name="佐藤　寛也" userId="27837c8b-abaf-4096-b544-58e4cbe7054e" providerId="ADAL" clId="{DF96E352-FE0D-A54C-8B21-3550FC8B9C47}" dt="2024-09-02T00:47:09.916" v="11"/>
-        <pc:sldMkLst>
-          <pc:docMk/>
-          <pc:sldMk cId="754850982" sldId="1407"/>
-        </pc:sldMkLst>
-        <pc:spChg chg="mod">
-          <ac:chgData name="佐藤　寛也" userId="27837c8b-abaf-4096-b544-58e4cbe7054e" providerId="ADAL" clId="{DF96E352-FE0D-A54C-8B21-3550FC8B9C47}" dt="2024-09-02T00:47:09.916" v="11"/>
-          <ac:spMkLst>
-            <pc:docMk/>
-            <pc:sldMk cId="754850982" sldId="1407"/>
-            <ac:spMk id="5" creationId="{2862EFD8-A85B-1021-95B4-194B751655D4}"/>
-          </ac:spMkLst>
-        </pc:spChg>
-      </pc:sldChg>
-      <pc:sldChg chg="modSp">
-        <pc:chgData name="佐藤　寛也" userId="27837c8b-abaf-4096-b544-58e4cbe7054e" providerId="ADAL" clId="{DF96E352-FE0D-A54C-8B21-3550FC8B9C47}" dt="2024-09-02T00:47:09.916" v="11"/>
-        <pc:sldMkLst>
-          <pc:docMk/>
-          <pc:sldMk cId="2141358339" sldId="1408"/>
-        </pc:sldMkLst>
-        <pc:spChg chg="mod">
-          <ac:chgData name="佐藤　寛也" userId="27837c8b-abaf-4096-b544-58e4cbe7054e" providerId="ADAL" clId="{DF96E352-FE0D-A54C-8B21-3550FC8B9C47}" dt="2024-09-02T00:47:09.916" v="11"/>
-          <ac:spMkLst>
-            <pc:docMk/>
-            <pc:sldMk cId="2141358339" sldId="1408"/>
-            <ac:spMk id="5" creationId="{0D5AFF5E-8A9F-DFBF-8DE4-60A093CA74F5}"/>
-          </ac:spMkLst>
-        </pc:spChg>
-      </pc:sldChg>
-      <pc:sldMasterChg chg="modSp mod modSldLayout">
-        <pc:chgData name="佐藤　寛也" userId="27837c8b-abaf-4096-b544-58e4cbe7054e" providerId="ADAL" clId="{DF96E352-FE0D-A54C-8B21-3550FC8B9C47}" dt="2024-09-02T00:47:09.916" v="11"/>
-        <pc:sldMasterMkLst>
-          <pc:docMk/>
-          <pc:sldMasterMk cId="2539943305" sldId="2147483648"/>
-        </pc:sldMasterMkLst>
-        <pc:spChg chg="mod">
-          <ac:chgData name="佐藤　寛也" userId="27837c8b-abaf-4096-b544-58e4cbe7054e" providerId="ADAL" clId="{DF96E352-FE0D-A54C-8B21-3550FC8B9C47}" dt="2024-09-02T00:47:09.916" v="11"/>
-          <ac:spMkLst>
-            <pc:docMk/>
-            <pc:sldMasterMk cId="2539943305" sldId="2147483648"/>
-            <ac:spMk id="5" creationId="{E910322E-B731-CD41-C4B3-E35EB9B58A48}"/>
-          </ac:spMkLst>
-        </pc:spChg>
-        <pc:sldLayoutChg chg="modSp mod">
-          <pc:chgData name="佐藤　寛也" userId="27837c8b-abaf-4096-b544-58e4cbe7054e" providerId="ADAL" clId="{DF96E352-FE0D-A54C-8B21-3550FC8B9C47}" dt="2024-09-02T00:47:09.916" v="11"/>
-          <pc:sldLayoutMkLst>
-            <pc:docMk/>
-            <pc:sldMasterMk cId="2539943305" sldId="2147483648"/>
-            <pc:sldLayoutMk cId="1614817101" sldId="2147483649"/>
-          </pc:sldLayoutMkLst>
-          <pc:spChg chg="mod">
-            <ac:chgData name="佐藤　寛也" userId="27837c8b-abaf-4096-b544-58e4cbe7054e" providerId="ADAL" clId="{DF96E352-FE0D-A54C-8B21-3550FC8B9C47}" dt="2024-09-02T00:47:09.916" v="11"/>
-            <ac:spMkLst>
-              <pc:docMk/>
-              <pc:sldMasterMk cId="2539943305" sldId="2147483648"/>
-              <pc:sldLayoutMk cId="1614817101" sldId="2147483649"/>
-              <ac:spMk id="5" creationId="{161268DE-3E09-B9A6-521E-ECA40FC4C6BE}"/>
-            </ac:spMkLst>
-          </pc:spChg>
-        </pc:sldLayoutChg>
-        <pc:sldLayoutChg chg="modSp mod">
-          <pc:chgData name="佐藤　寛也" userId="27837c8b-abaf-4096-b544-58e4cbe7054e" providerId="ADAL" clId="{DF96E352-FE0D-A54C-8B21-3550FC8B9C47}" dt="2024-09-02T00:47:09.916" v="11"/>
-          <pc:sldLayoutMkLst>
-            <pc:docMk/>
-            <pc:sldMasterMk cId="2539943305" sldId="2147483648"/>
-            <pc:sldLayoutMk cId="2605457433" sldId="2147483650"/>
-          </pc:sldLayoutMkLst>
-          <pc:spChg chg="mod">
-            <ac:chgData name="佐藤　寛也" userId="27837c8b-abaf-4096-b544-58e4cbe7054e" providerId="ADAL" clId="{DF96E352-FE0D-A54C-8B21-3550FC8B9C47}" dt="2024-09-02T00:47:09.916" v="11"/>
-            <ac:spMkLst>
-              <pc:docMk/>
-              <pc:sldMasterMk cId="2539943305" sldId="2147483648"/>
-              <pc:sldLayoutMk cId="2605457433" sldId="2147483650"/>
-              <ac:spMk id="5" creationId="{917F24DC-5BD7-7FD0-FB33-E12075D7BB04}"/>
-            </ac:spMkLst>
-          </pc:spChg>
-        </pc:sldLayoutChg>
-        <pc:sldLayoutChg chg="modSp mod">
-          <pc:chgData name="佐藤　寛也" userId="27837c8b-abaf-4096-b544-58e4cbe7054e" providerId="ADAL" clId="{DF96E352-FE0D-A54C-8B21-3550FC8B9C47}" dt="2024-09-02T00:47:09.916" v="11"/>
-          <pc:sldLayoutMkLst>
-            <pc:docMk/>
-            <pc:sldMasterMk cId="2539943305" sldId="2147483648"/>
-            <pc:sldLayoutMk cId="613064517" sldId="2147483651"/>
-          </pc:sldLayoutMkLst>
-          <pc:spChg chg="mod">
-            <ac:chgData name="佐藤　寛也" userId="27837c8b-abaf-4096-b544-58e4cbe7054e" providerId="ADAL" clId="{DF96E352-FE0D-A54C-8B21-3550FC8B9C47}" dt="2024-09-02T00:47:09.916" v="11"/>
-            <ac:spMkLst>
-              <pc:docMk/>
-              <pc:sldMasterMk cId="2539943305" sldId="2147483648"/>
-              <pc:sldLayoutMk cId="613064517" sldId="2147483651"/>
-              <ac:spMk id="5" creationId="{D2E699F1-B038-362A-C206-7243A87E12E7}"/>
-            </ac:spMkLst>
-          </pc:spChg>
-        </pc:sldLayoutChg>
-        <pc:sldLayoutChg chg="modSp mod">
-          <pc:chgData name="佐藤　寛也" userId="27837c8b-abaf-4096-b544-58e4cbe7054e" providerId="ADAL" clId="{DF96E352-FE0D-A54C-8B21-3550FC8B9C47}" dt="2024-09-02T00:47:09.916" v="11"/>
-          <pc:sldLayoutMkLst>
-            <pc:docMk/>
-            <pc:sldMasterMk cId="2539943305" sldId="2147483648"/>
-            <pc:sldLayoutMk cId="1713713980" sldId="2147483654"/>
-          </pc:sldLayoutMkLst>
-          <pc:spChg chg="mod">
-            <ac:chgData name="佐藤　寛也" userId="27837c8b-abaf-4096-b544-58e4cbe7054e" providerId="ADAL" clId="{DF96E352-FE0D-A54C-8B21-3550FC8B9C47}" dt="2024-09-02T00:47:09.916" v="11"/>
-            <ac:spMkLst>
-              <pc:docMk/>
-              <pc:sldMasterMk cId="2539943305" sldId="2147483648"/>
-              <pc:sldLayoutMk cId="1713713980" sldId="2147483654"/>
-              <ac:spMk id="4" creationId="{5A329B63-E0C7-88F5-4CAF-CCE7B8A03881}"/>
-            </ac:spMkLst>
-          </pc:spChg>
-        </pc:sldLayoutChg>
-        <pc:sldLayoutChg chg="modSp mod">
-          <pc:chgData name="佐藤　寛也" userId="27837c8b-abaf-4096-b544-58e4cbe7054e" providerId="ADAL" clId="{DF96E352-FE0D-A54C-8B21-3550FC8B9C47}" dt="2024-09-02T00:47:09.916" v="11"/>
-          <pc:sldLayoutMkLst>
-            <pc:docMk/>
-            <pc:sldMasterMk cId="2539943305" sldId="2147483648"/>
-            <pc:sldLayoutMk cId="1472218596" sldId="2147483655"/>
-          </pc:sldLayoutMkLst>
-          <pc:spChg chg="mod">
-            <ac:chgData name="佐藤　寛也" userId="27837c8b-abaf-4096-b544-58e4cbe7054e" providerId="ADAL" clId="{DF96E352-FE0D-A54C-8B21-3550FC8B9C47}" dt="2024-09-02T00:47:09.916" v="11"/>
-            <ac:spMkLst>
-              <pc:docMk/>
-              <pc:sldMasterMk cId="2539943305" sldId="2147483648"/>
-              <pc:sldLayoutMk cId="1472218596" sldId="2147483655"/>
-              <ac:spMk id="3" creationId="{A6C003CF-6969-17DE-4CEE-1DC3C14C3FBA}"/>
-            </ac:spMkLst>
-          </pc:spChg>
-        </pc:sldLayoutChg>
-      </pc:sldMasterChg>
-    </pc:docChg>
-  </pc:docChgLst>
-  <pc:docChgLst>
-    <pc:chgData name="雨宮　智浩" userId="S::9288019215@utac.u-tokyo.ac.jp::018ceb06-00b6-4c8b-821f-fe5856736a8a" providerId="AD" clId="Web-{8C09A18B-A87D-6154-4DC2-8826B0A70040}"/>
-    <pc:docChg chg="modSld">
-      <pc:chgData name="雨宮　智浩" userId="S::9288019215@utac.u-tokyo.ac.jp::018ceb06-00b6-4c8b-821f-fe5856736a8a" providerId="AD" clId="Web-{8C09A18B-A87D-6154-4DC2-8826B0A70040}" dt="2024-09-08T05:37:22.851" v="0" actId="20577"/>
-      <pc:docMkLst>
-        <pc:docMk/>
-      </pc:docMkLst>
-      <pc:sldChg chg="modSp">
-        <pc:chgData name="雨宮　智浩" userId="S::9288019215@utac.u-tokyo.ac.jp::018ceb06-00b6-4c8b-821f-fe5856736a8a" providerId="AD" clId="Web-{8C09A18B-A87D-6154-4DC2-8826B0A70040}" dt="2024-09-08T05:37:22.851" v="0" actId="20577"/>
-        <pc:sldMkLst>
-          <pc:docMk/>
-          <pc:sldMk cId="737078635" sldId="1409"/>
-        </pc:sldMkLst>
-        <pc:spChg chg="mod">
-          <ac:chgData name="雨宮　智浩" userId="S::9288019215@utac.u-tokyo.ac.jp::018ceb06-00b6-4c8b-821f-fe5856736a8a" providerId="AD" clId="Web-{8C09A18B-A87D-6154-4DC2-8826B0A70040}" dt="2024-09-08T05:37:22.851" v="0" actId="20577"/>
-          <ac:spMkLst>
-            <pc:docMk/>
-            <pc:sldMk cId="737078635" sldId="1409"/>
-            <ac:spMk id="3" creationId="{11BE7EF4-56DF-F510-784F-2E996E481ACE}"/>
-          </ac:spMkLst>
-        </pc:spChg>
-      </pc:sldChg>
-    </pc:docChg>
-  </pc:docChgLst>
-  <pc:docChgLst>
-    <pc:chgData name="雨宮　智浩" userId="S::9288019215@utac.u-tokyo.ac.jp::018ceb06-00b6-4c8b-821f-fe5856736a8a" providerId="AD" clId="Web-{71F8D438-9F47-872D-730F-066D2D943600}"/>
-    <pc:docChg chg="addSld modSld sldOrd">
-      <pc:chgData name="雨宮　智浩" userId="S::9288019215@utac.u-tokyo.ac.jp::018ceb06-00b6-4c8b-821f-fe5856736a8a" providerId="AD" clId="Web-{71F8D438-9F47-872D-730F-066D2D943600}" dt="2024-09-05T08:37:48.233" v="348" actId="14100"/>
-      <pc:docMkLst>
-        <pc:docMk/>
-      </pc:docMkLst>
-      <pc:sldChg chg="modSp">
-        <pc:chgData name="雨宮　智浩" userId="S::9288019215@utac.u-tokyo.ac.jp::018ceb06-00b6-4c8b-821f-fe5856736a8a" providerId="AD" clId="Web-{71F8D438-9F47-872D-730F-066D2D943600}" dt="2024-09-05T07:44:12.170" v="31" actId="20577"/>
-        <pc:sldMkLst>
-          <pc:docMk/>
-          <pc:sldMk cId="2141358339" sldId="1408"/>
-        </pc:sldMkLst>
-        <pc:spChg chg="mod">
-          <ac:chgData name="雨宮　智浩" userId="S::9288019215@utac.u-tokyo.ac.jp::018ceb06-00b6-4c8b-821f-fe5856736a8a" providerId="AD" clId="Web-{71F8D438-9F47-872D-730F-066D2D943600}" dt="2024-09-05T07:44:12.170" v="31" actId="20577"/>
-          <ac:spMkLst>
-            <pc:docMk/>
-            <pc:sldMk cId="2141358339" sldId="1408"/>
-            <ac:spMk id="3" creationId="{11BE7EF4-56DF-F510-784F-2E996E481ACE}"/>
-          </ac:spMkLst>
-        </pc:spChg>
-      </pc:sldChg>
-      <pc:sldChg chg="modSp">
-        <pc:chgData name="雨宮　智浩" userId="S::9288019215@utac.u-tokyo.ac.jp::018ceb06-00b6-4c8b-821f-fe5856736a8a" providerId="AD" clId="Web-{71F8D438-9F47-872D-730F-066D2D943600}" dt="2024-09-05T07:41:35.149" v="20" actId="20577"/>
-        <pc:sldMkLst>
-          <pc:docMk/>
-          <pc:sldMk cId="737078635" sldId="1409"/>
-        </pc:sldMkLst>
-        <pc:spChg chg="mod">
-          <ac:chgData name="雨宮　智浩" userId="S::9288019215@utac.u-tokyo.ac.jp::018ceb06-00b6-4c8b-821f-fe5856736a8a" providerId="AD" clId="Web-{71F8D438-9F47-872D-730F-066D2D943600}" dt="2024-09-05T07:41:35.149" v="20" actId="20577"/>
-          <ac:spMkLst>
-            <pc:docMk/>
-            <pc:sldMk cId="737078635" sldId="1409"/>
-            <ac:spMk id="3" creationId="{11BE7EF4-56DF-F510-784F-2E996E481ACE}"/>
-          </ac:spMkLst>
-        </pc:spChg>
-      </pc:sldChg>
-      <pc:sldChg chg="addSp modSp">
-        <pc:chgData name="雨宮　智浩" userId="S::9288019215@utac.u-tokyo.ac.jp::018ceb06-00b6-4c8b-821f-fe5856736a8a" providerId="AD" clId="Web-{71F8D438-9F47-872D-730F-066D2D943600}" dt="2024-09-05T08:37:48.233" v="348" actId="14100"/>
-        <pc:sldMkLst>
-          <pc:docMk/>
-          <pc:sldMk cId="1810238456" sldId="1411"/>
-        </pc:sldMkLst>
-        <pc:spChg chg="add mod">
-          <ac:chgData name="雨宮　智浩" userId="S::9288019215@utac.u-tokyo.ac.jp::018ceb06-00b6-4c8b-821f-fe5856736a8a" providerId="AD" clId="Web-{71F8D438-9F47-872D-730F-066D2D943600}" dt="2024-09-05T08:37:48.233" v="348" actId="14100"/>
-          <ac:spMkLst>
-            <pc:docMk/>
-            <pc:sldMk cId="1810238456" sldId="1411"/>
-            <ac:spMk id="3" creationId="{C8906452-3DF7-BA54-EA6F-A4DDBF3FBC16}"/>
-          </ac:spMkLst>
-        </pc:spChg>
-      </pc:sldChg>
-      <pc:sldChg chg="modSp">
-        <pc:chgData name="雨宮　智浩" userId="S::9288019215@utac.u-tokyo.ac.jp::018ceb06-00b6-4c8b-821f-fe5856736a8a" providerId="AD" clId="Web-{71F8D438-9F47-872D-730F-066D2D943600}" dt="2024-09-05T07:58:41.278" v="95" actId="20577"/>
-        <pc:sldMkLst>
-          <pc:docMk/>
-          <pc:sldMk cId="117506766" sldId="1413"/>
-        </pc:sldMkLst>
-        <pc:spChg chg="mod">
-          <ac:chgData name="雨宮　智浩" userId="S::9288019215@utac.u-tokyo.ac.jp::018ceb06-00b6-4c8b-821f-fe5856736a8a" providerId="AD" clId="Web-{71F8D438-9F47-872D-730F-066D2D943600}" dt="2024-09-05T07:58:41.278" v="95" actId="20577"/>
-          <ac:spMkLst>
-            <pc:docMk/>
-            <pc:sldMk cId="117506766" sldId="1413"/>
-            <ac:spMk id="3" creationId="{41AEE836-B07F-6756-DC70-5EA0EE3A1CC4}"/>
-          </ac:spMkLst>
-        </pc:spChg>
-      </pc:sldChg>
-      <pc:sldChg chg="modSp">
-        <pc:chgData name="雨宮　智浩" userId="S::9288019215@utac.u-tokyo.ac.jp::018ceb06-00b6-4c8b-821f-fe5856736a8a" providerId="AD" clId="Web-{71F8D438-9F47-872D-730F-066D2D943600}" dt="2024-09-05T07:46:22.878" v="42" actId="20577"/>
-        <pc:sldMkLst>
-          <pc:docMk/>
-          <pc:sldMk cId="2127359854" sldId="1417"/>
-        </pc:sldMkLst>
-        <pc:spChg chg="mod">
-          <ac:chgData name="雨宮　智浩" userId="S::9288019215@utac.u-tokyo.ac.jp::018ceb06-00b6-4c8b-821f-fe5856736a8a" providerId="AD" clId="Web-{71F8D438-9F47-872D-730F-066D2D943600}" dt="2024-09-05T07:46:22.878" v="42" actId="20577"/>
-          <ac:spMkLst>
-            <pc:docMk/>
-            <pc:sldMk cId="2127359854" sldId="1417"/>
-            <ac:spMk id="2" creationId="{DAA4631E-08C4-0E32-119E-7BC58AE9E790}"/>
-          </ac:spMkLst>
-        </pc:spChg>
-      </pc:sldChg>
-      <pc:sldChg chg="modSp">
-        <pc:chgData name="雨宮　智浩" userId="S::9288019215@utac.u-tokyo.ac.jp::018ceb06-00b6-4c8b-821f-fe5856736a8a" providerId="AD" clId="Web-{71F8D438-9F47-872D-730F-066D2D943600}" dt="2024-09-05T07:45:20.610" v="38" actId="20577"/>
-        <pc:sldMkLst>
-          <pc:docMk/>
-          <pc:sldMk cId="280610682" sldId="1419"/>
-        </pc:sldMkLst>
-        <pc:spChg chg="mod">
-          <ac:chgData name="雨宮　智浩" userId="S::9288019215@utac.u-tokyo.ac.jp::018ceb06-00b6-4c8b-821f-fe5856736a8a" providerId="AD" clId="Web-{71F8D438-9F47-872D-730F-066D2D943600}" dt="2024-09-05T07:45:20.610" v="38" actId="20577"/>
-          <ac:spMkLst>
-            <pc:docMk/>
-            <pc:sldMk cId="280610682" sldId="1419"/>
-            <ac:spMk id="2" creationId="{616BBF18-2EA3-DF8C-AC99-B7328D4F60C3}"/>
-          </ac:spMkLst>
-        </pc:spChg>
-      </pc:sldChg>
-      <pc:sldChg chg="modSp new ord">
-        <pc:chgData name="雨宮　智浩" userId="S::9288019215@utac.u-tokyo.ac.jp::018ceb06-00b6-4c8b-821f-fe5856736a8a" providerId="AD" clId="Web-{71F8D438-9F47-872D-730F-066D2D943600}" dt="2024-09-05T08:16:59.722" v="288"/>
-        <pc:sldMkLst>
-          <pc:docMk/>
-          <pc:sldMk cId="393741535" sldId="1422"/>
-        </pc:sldMkLst>
-        <pc:spChg chg="mod">
-          <ac:chgData name="雨宮　智浩" userId="S::9288019215@utac.u-tokyo.ac.jp::018ceb06-00b6-4c8b-821f-fe5856736a8a" providerId="AD" clId="Web-{71F8D438-9F47-872D-730F-066D2D943600}" dt="2024-09-05T08:16:44.049" v="287" actId="20577"/>
-          <ac:spMkLst>
-            <pc:docMk/>
-            <pc:sldMk cId="393741535" sldId="1422"/>
-            <ac:spMk id="2" creationId="{4E1D0AED-C4B4-CB0B-E228-9C810E80C2AF}"/>
-          </ac:spMkLst>
-        </pc:spChg>
-        <pc:spChg chg="mod">
-          <ac:chgData name="雨宮　智浩" userId="S::9288019215@utac.u-tokyo.ac.jp::018ceb06-00b6-4c8b-821f-fe5856736a8a" providerId="AD" clId="Web-{71F8D438-9F47-872D-730F-066D2D943600}" dt="2024-09-05T08:15:29.125" v="279" actId="20577"/>
-          <ac:spMkLst>
-            <pc:docMk/>
-            <pc:sldMk cId="393741535" sldId="1422"/>
-            <ac:spMk id="3" creationId="{F68775E6-F813-17B7-0CC8-EF53F6F34CDC}"/>
-          </ac:spMkLst>
-        </pc:spChg>
-      </pc:sldChg>
-    </pc:docChg>
-  </pc:docChgLst>
-  <pc:docChgLst>
-    <pc:chgData name="佐藤　寛也" userId="27837c8b-abaf-4096-b544-58e4cbe7054e" providerId="ADAL" clId="{F60464E8-BBB8-6E40-BC50-59B3BBB32414}"/>
-    <pc:docChg chg="undo custSel delSld modSld">
-      <pc:chgData name="佐藤　寛也" userId="27837c8b-abaf-4096-b544-58e4cbe7054e" providerId="ADAL" clId="{F60464E8-BBB8-6E40-BC50-59B3BBB32414}" dt="2024-09-09T01:05:42.239" v="120" actId="14100"/>
-      <pc:docMkLst>
-        <pc:docMk/>
-      </pc:docMkLst>
-      <pc:sldChg chg="modSp mod">
-        <pc:chgData name="佐藤　寛也" userId="27837c8b-abaf-4096-b544-58e4cbe7054e" providerId="ADAL" clId="{F60464E8-BBB8-6E40-BC50-59B3BBB32414}" dt="2024-09-09T00:56:24.876" v="0" actId="20577"/>
-        <pc:sldMkLst>
-          <pc:docMk/>
-          <pc:sldMk cId="1578608887" sldId="1402"/>
-        </pc:sldMkLst>
-        <pc:spChg chg="mod">
-          <ac:chgData name="佐藤　寛也" userId="27837c8b-abaf-4096-b544-58e4cbe7054e" providerId="ADAL" clId="{F60464E8-BBB8-6E40-BC50-59B3BBB32414}" dt="2024-09-09T00:56:24.876" v="0" actId="20577"/>
-          <ac:spMkLst>
-            <pc:docMk/>
-            <pc:sldMk cId="1578608887" sldId="1402"/>
-            <ac:spMk id="3" creationId="{16FF0A75-AD20-769F-6C62-614A33EDE4D0}"/>
-          </ac:spMkLst>
-        </pc:spChg>
-      </pc:sldChg>
-      <pc:sldChg chg="modSp mod">
-        <pc:chgData name="佐藤　寛也" userId="27837c8b-abaf-4096-b544-58e4cbe7054e" providerId="ADAL" clId="{F60464E8-BBB8-6E40-BC50-59B3BBB32414}" dt="2024-09-09T00:56:32.613" v="4" actId="20577"/>
-        <pc:sldMkLst>
-          <pc:docMk/>
-          <pc:sldMk cId="4080963220" sldId="1403"/>
-        </pc:sldMkLst>
-        <pc:spChg chg="mod">
-          <ac:chgData name="佐藤　寛也" userId="27837c8b-abaf-4096-b544-58e4cbe7054e" providerId="ADAL" clId="{F60464E8-BBB8-6E40-BC50-59B3BBB32414}" dt="2024-09-09T00:56:32.613" v="4" actId="20577"/>
-          <ac:spMkLst>
-            <pc:docMk/>
-            <pc:sldMk cId="4080963220" sldId="1403"/>
-            <ac:spMk id="2" creationId="{0DD8CF49-64AC-1FCC-3F64-297A9BEC1995}"/>
-          </ac:spMkLst>
-        </pc:spChg>
-      </pc:sldChg>
-      <pc:sldChg chg="modSp mod">
-        <pc:chgData name="佐藤　寛也" userId="27837c8b-abaf-4096-b544-58e4cbe7054e" providerId="ADAL" clId="{F60464E8-BBB8-6E40-BC50-59B3BBB32414}" dt="2024-09-09T01:05:42.239" v="120" actId="14100"/>
-        <pc:sldMkLst>
-          <pc:docMk/>
-          <pc:sldMk cId="3626337591" sldId="1404"/>
-        </pc:sldMkLst>
-        <pc:spChg chg="mod">
-          <ac:chgData name="佐藤　寛也" userId="27837c8b-abaf-4096-b544-58e4cbe7054e" providerId="ADAL" clId="{F60464E8-BBB8-6E40-BC50-59B3BBB32414}" dt="2024-09-09T01:05:22.582" v="119" actId="20577"/>
-          <ac:spMkLst>
-            <pc:docMk/>
-            <pc:sldMk cId="3626337591" sldId="1404"/>
-            <ac:spMk id="14" creationId="{376F3ABE-2951-B7E3-5373-0751143AA308}"/>
-          </ac:spMkLst>
-        </pc:spChg>
-        <pc:cxnChg chg="mod">
-          <ac:chgData name="佐藤　寛也" userId="27837c8b-abaf-4096-b544-58e4cbe7054e" providerId="ADAL" clId="{F60464E8-BBB8-6E40-BC50-59B3BBB32414}" dt="2024-09-09T01:05:42.239" v="120" actId="14100"/>
-          <ac:cxnSpMkLst>
-            <pc:docMk/>
-            <pc:sldMk cId="3626337591" sldId="1404"/>
-            <ac:cxnSpMk id="30" creationId="{7B0CADFD-1AE9-087C-7295-F0ABBD009364}"/>
-          </ac:cxnSpMkLst>
-        </pc:cxnChg>
-      </pc:sldChg>
-      <pc:sldChg chg="modSp mod">
-        <pc:chgData name="佐藤　寛也" userId="27837c8b-abaf-4096-b544-58e4cbe7054e" providerId="ADAL" clId="{F60464E8-BBB8-6E40-BC50-59B3BBB32414}" dt="2024-09-09T01:02:41.728" v="73" actId="20577"/>
-        <pc:sldMkLst>
-          <pc:docMk/>
-          <pc:sldMk cId="754850982" sldId="1407"/>
-        </pc:sldMkLst>
-        <pc:spChg chg="mod">
-          <ac:chgData name="佐藤　寛也" userId="27837c8b-abaf-4096-b544-58e4cbe7054e" providerId="ADAL" clId="{F60464E8-BBB8-6E40-BC50-59B3BBB32414}" dt="2024-09-09T01:02:41.728" v="73" actId="20577"/>
-          <ac:spMkLst>
-            <pc:docMk/>
-            <pc:sldMk cId="754850982" sldId="1407"/>
-            <ac:spMk id="3" creationId="{16FF0A75-AD20-769F-6C62-614A33EDE4D0}"/>
-          </ac:spMkLst>
-        </pc:spChg>
-      </pc:sldChg>
-      <pc:sldChg chg="modSp mod">
-        <pc:chgData name="佐藤　寛也" userId="27837c8b-abaf-4096-b544-58e4cbe7054e" providerId="ADAL" clId="{F60464E8-BBB8-6E40-BC50-59B3BBB32414}" dt="2024-09-09T01:04:42.993" v="97" actId="20577"/>
-        <pc:sldMkLst>
-          <pc:docMk/>
-          <pc:sldMk cId="2141358339" sldId="1408"/>
-        </pc:sldMkLst>
-        <pc:spChg chg="mod">
-          <ac:chgData name="佐藤　寛也" userId="27837c8b-abaf-4096-b544-58e4cbe7054e" providerId="ADAL" clId="{F60464E8-BBB8-6E40-BC50-59B3BBB32414}" dt="2024-09-09T01:04:42.993" v="97" actId="20577"/>
-          <ac:spMkLst>
-            <pc:docMk/>
-            <pc:sldMk cId="2141358339" sldId="1408"/>
-            <ac:spMk id="3" creationId="{11BE7EF4-56DF-F510-784F-2E996E481ACE}"/>
-          </ac:spMkLst>
-        </pc:spChg>
-      </pc:sldChg>
-      <pc:sldChg chg="modSp mod">
-        <pc:chgData name="佐藤　寛也" userId="27837c8b-abaf-4096-b544-58e4cbe7054e" providerId="ADAL" clId="{F60464E8-BBB8-6E40-BC50-59B3BBB32414}" dt="2024-09-09T00:57:46.306" v="24" actId="20577"/>
-        <pc:sldMkLst>
-          <pc:docMk/>
-          <pc:sldMk cId="2127359854" sldId="1417"/>
-        </pc:sldMkLst>
-        <pc:spChg chg="mod">
-          <ac:chgData name="佐藤　寛也" userId="27837c8b-abaf-4096-b544-58e4cbe7054e" providerId="ADAL" clId="{F60464E8-BBB8-6E40-BC50-59B3BBB32414}" dt="2024-09-09T00:57:46.306" v="24" actId="20577"/>
-          <ac:spMkLst>
-            <pc:docMk/>
-            <pc:sldMk cId="2127359854" sldId="1417"/>
-            <ac:spMk id="2" creationId="{DAA4631E-08C4-0E32-119E-7BC58AE9E790}"/>
-          </ac:spMkLst>
-        </pc:spChg>
-      </pc:sldChg>
-      <pc:sldChg chg="modSp mod">
-        <pc:chgData name="佐藤　寛也" userId="27837c8b-abaf-4096-b544-58e4cbe7054e" providerId="ADAL" clId="{F60464E8-BBB8-6E40-BC50-59B3BBB32414}" dt="2024-09-09T00:57:48.562" v="26" actId="20577"/>
-        <pc:sldMkLst>
-          <pc:docMk/>
-          <pc:sldMk cId="2473131799" sldId="1418"/>
-        </pc:sldMkLst>
-        <pc:spChg chg="mod">
-          <ac:chgData name="佐藤　寛也" userId="27837c8b-abaf-4096-b544-58e4cbe7054e" providerId="ADAL" clId="{F60464E8-BBB8-6E40-BC50-59B3BBB32414}" dt="2024-09-09T00:57:48.562" v="26" actId="20577"/>
-          <ac:spMkLst>
-            <pc:docMk/>
-            <pc:sldMk cId="2473131799" sldId="1418"/>
-            <ac:spMk id="2" creationId="{DAA4631E-08C4-0E32-119E-7BC58AE9E790}"/>
-          </ac:spMkLst>
-        </pc:spChg>
-      </pc:sldChg>
-      <pc:sldChg chg="modSp mod">
-        <pc:chgData name="佐藤　寛也" userId="27837c8b-abaf-4096-b544-58e4cbe7054e" providerId="ADAL" clId="{F60464E8-BBB8-6E40-BC50-59B3BBB32414}" dt="2024-09-09T00:57:52.972" v="28" actId="20577"/>
-        <pc:sldMkLst>
-          <pc:docMk/>
-          <pc:sldMk cId="280610682" sldId="1419"/>
-        </pc:sldMkLst>
-        <pc:spChg chg="mod">
-          <ac:chgData name="佐藤　寛也" userId="27837c8b-abaf-4096-b544-58e4cbe7054e" providerId="ADAL" clId="{F60464E8-BBB8-6E40-BC50-59B3BBB32414}" dt="2024-09-09T00:57:52.972" v="28" actId="20577"/>
-          <ac:spMkLst>
-            <pc:docMk/>
-            <pc:sldMk cId="280610682" sldId="1419"/>
-            <ac:spMk id="2" creationId="{616BBF18-2EA3-DF8C-AC99-B7328D4F60C3}"/>
-          </ac:spMkLst>
-        </pc:spChg>
-      </pc:sldChg>
-      <pc:sldChg chg="modSp mod">
-        <pc:chgData name="佐藤　寛也" userId="27837c8b-abaf-4096-b544-58e4cbe7054e" providerId="ADAL" clId="{F60464E8-BBB8-6E40-BC50-59B3BBB32414}" dt="2024-09-09T01:04:24.089" v="92" actId="20577"/>
-        <pc:sldMkLst>
-          <pc:docMk/>
-          <pc:sldMk cId="3444094588" sldId="1426"/>
-        </pc:sldMkLst>
-        <pc:spChg chg="mod">
-          <ac:chgData name="佐藤　寛也" userId="27837c8b-abaf-4096-b544-58e4cbe7054e" providerId="ADAL" clId="{F60464E8-BBB8-6E40-BC50-59B3BBB32414}" dt="2024-09-09T01:04:19.465" v="83" actId="20577"/>
-          <ac:spMkLst>
-            <pc:docMk/>
-            <pc:sldMk cId="3444094588" sldId="1426"/>
-            <ac:spMk id="17" creationId="{DA5EA3CC-8576-21AB-A136-624017CA6C94}"/>
-          </ac:spMkLst>
-        </pc:spChg>
-        <pc:spChg chg="mod">
-          <ac:chgData name="佐藤　寛也" userId="27837c8b-abaf-4096-b544-58e4cbe7054e" providerId="ADAL" clId="{F60464E8-BBB8-6E40-BC50-59B3BBB32414}" dt="2024-09-09T01:04:24.089" v="92" actId="20577"/>
-          <ac:spMkLst>
-            <pc:docMk/>
-            <pc:sldMk cId="3444094588" sldId="1426"/>
-            <ac:spMk id="36" creationId="{1045E949-D964-E1B0-DFBD-DCDEF236B442}"/>
-          </ac:spMkLst>
-        </pc:spChg>
-      </pc:sldChg>
-      <pc:sldChg chg="modSp mod">
-        <pc:chgData name="佐藤　寛也" userId="27837c8b-abaf-4096-b544-58e4cbe7054e" providerId="ADAL" clId="{F60464E8-BBB8-6E40-BC50-59B3BBB32414}" dt="2024-09-09T01:02:12.637" v="68" actId="20577"/>
-        <pc:sldMkLst>
-          <pc:docMk/>
-          <pc:sldMk cId="1881789830" sldId="1427"/>
-        </pc:sldMkLst>
-        <pc:spChg chg="mod">
-          <ac:chgData name="佐藤　寛也" userId="27837c8b-abaf-4096-b544-58e4cbe7054e" providerId="ADAL" clId="{F60464E8-BBB8-6E40-BC50-59B3BBB32414}" dt="2024-09-09T01:02:09.448" v="66" actId="20577"/>
-          <ac:spMkLst>
-            <pc:docMk/>
-            <pc:sldMk cId="1881789830" sldId="1427"/>
-            <ac:spMk id="10" creationId="{77DF0CC4-9166-3878-268B-B07887951991}"/>
-          </ac:spMkLst>
-        </pc:spChg>
-        <pc:graphicFrameChg chg="modGraphic">
-          <ac:chgData name="佐藤　寛也" userId="27837c8b-abaf-4096-b544-58e4cbe7054e" providerId="ADAL" clId="{F60464E8-BBB8-6E40-BC50-59B3BBB32414}" dt="2024-09-09T01:02:12.637" v="68" actId="20577"/>
-          <ac:graphicFrameMkLst>
-            <pc:docMk/>
-            <pc:sldMk cId="1881789830" sldId="1427"/>
-            <ac:graphicFrameMk id="7" creationId="{CD95F47B-724F-6E0A-C103-DA07593C0894}"/>
-          </ac:graphicFrameMkLst>
-        </pc:graphicFrameChg>
-      </pc:sldChg>
-      <pc:sldChg chg="del">
-        <pc:chgData name="佐藤　寛也" userId="27837c8b-abaf-4096-b544-58e4cbe7054e" providerId="ADAL" clId="{F60464E8-BBB8-6E40-BC50-59B3BBB32414}" dt="2024-09-09T01:03:29.818" v="74" actId="2696"/>
-        <pc:sldMkLst>
-          <pc:docMk/>
-          <pc:sldMk cId="789427228" sldId="1428"/>
-        </pc:sldMkLst>
-      </pc:sldChg>
-      <pc:sldChg chg="addSp delSp modSp mod">
-        <pc:chgData name="佐藤　寛也" userId="27837c8b-abaf-4096-b544-58e4cbe7054e" providerId="ADAL" clId="{F60464E8-BBB8-6E40-BC50-59B3BBB32414}" dt="2024-09-09T01:01:48.182" v="65" actId="478"/>
-        <pc:sldMkLst>
-          <pc:docMk/>
-          <pc:sldMk cId="1093800098" sldId="1430"/>
-        </pc:sldMkLst>
-        <pc:spChg chg="mod">
-          <ac:chgData name="佐藤　寛也" userId="27837c8b-abaf-4096-b544-58e4cbe7054e" providerId="ADAL" clId="{F60464E8-BBB8-6E40-BC50-59B3BBB32414}" dt="2024-09-09T01:00:16.016" v="57" actId="1076"/>
-          <ac:spMkLst>
-            <pc:docMk/>
-            <pc:sldMk cId="1093800098" sldId="1430"/>
-            <ac:spMk id="7" creationId="{1C090726-8088-0A58-4CA6-55B6CC9661EA}"/>
-          </ac:spMkLst>
-        </pc:spChg>
-        <pc:spChg chg="mod">
-          <ac:chgData name="佐藤　寛也" userId="27837c8b-abaf-4096-b544-58e4cbe7054e" providerId="ADAL" clId="{F60464E8-BBB8-6E40-BC50-59B3BBB32414}" dt="2024-09-09T01:01:30.001" v="61" actId="1076"/>
-          <ac:spMkLst>
-            <pc:docMk/>
-            <pc:sldMk cId="1093800098" sldId="1430"/>
-            <ac:spMk id="8" creationId="{52FE5440-5E7C-C658-956C-7B7F33D2BB65}"/>
-          </ac:spMkLst>
-        </pc:spChg>
-        <pc:spChg chg="mod">
-          <ac:chgData name="佐藤　寛也" userId="27837c8b-abaf-4096-b544-58e4cbe7054e" providerId="ADAL" clId="{F60464E8-BBB8-6E40-BC50-59B3BBB32414}" dt="2024-09-09T00:58:37.392" v="35" actId="207"/>
-          <ac:spMkLst>
-            <pc:docMk/>
-            <pc:sldMk cId="1093800098" sldId="1430"/>
-            <ac:spMk id="9" creationId="{E529D8B3-7258-2B3A-0DE0-5E5A46783454}"/>
-          </ac:spMkLst>
-        </pc:spChg>
-        <pc:spChg chg="mod">
-          <ac:chgData name="佐藤　寛也" userId="27837c8b-abaf-4096-b544-58e4cbe7054e" providerId="ADAL" clId="{F60464E8-BBB8-6E40-BC50-59B3BBB32414}" dt="2024-09-09T00:58:44.510" v="36" actId="207"/>
-          <ac:spMkLst>
-            <pc:docMk/>
-            <pc:sldMk cId="1093800098" sldId="1430"/>
-            <ac:spMk id="10" creationId="{ECA37AAF-723E-1CC1-93EA-B6E403EB3B0A}"/>
-          </ac:spMkLst>
-        </pc:spChg>
-        <pc:spChg chg="mod">
-          <ac:chgData name="佐藤　寛也" userId="27837c8b-abaf-4096-b544-58e4cbe7054e" providerId="ADAL" clId="{F60464E8-BBB8-6E40-BC50-59B3BBB32414}" dt="2024-09-09T00:58:10.613" v="30" actId="20577"/>
-          <ac:spMkLst>
-            <pc:docMk/>
-            <pc:sldMk cId="1093800098" sldId="1430"/>
-            <ac:spMk id="11" creationId="{412D0704-2941-C41E-7BAD-41E87DBD07B8}"/>
-          </ac:spMkLst>
-        </pc:spChg>
-        <pc:spChg chg="mod">
-          <ac:chgData name="佐藤　寛也" userId="27837c8b-abaf-4096-b544-58e4cbe7054e" providerId="ADAL" clId="{F60464E8-BBB8-6E40-BC50-59B3BBB32414}" dt="2024-09-09T01:01:44.171" v="63" actId="1076"/>
-          <ac:spMkLst>
-            <pc:docMk/>
-            <pc:sldMk cId="1093800098" sldId="1430"/>
-            <ac:spMk id="12" creationId="{891BF255-1F97-D5DE-C3D3-1931B2421379}"/>
-          </ac:spMkLst>
-        </pc:spChg>
-        <pc:spChg chg="add del">
-          <ac:chgData name="佐藤　寛也" userId="27837c8b-abaf-4096-b544-58e4cbe7054e" providerId="ADAL" clId="{F60464E8-BBB8-6E40-BC50-59B3BBB32414}" dt="2024-09-09T01:01:48.182" v="65" actId="478"/>
-          <ac:spMkLst>
-            <pc:docMk/>
-            <pc:sldMk cId="1093800098" sldId="1430"/>
-            <ac:spMk id="13" creationId="{102701C2-2CC5-7B16-1CD2-D841FF14320D}"/>
-          </ac:spMkLst>
-        </pc:spChg>
-        <pc:spChg chg="add mod">
-          <ac:chgData name="佐藤　寛也" userId="27837c8b-abaf-4096-b544-58e4cbe7054e" providerId="ADAL" clId="{F60464E8-BBB8-6E40-BC50-59B3BBB32414}" dt="2024-09-09T00:59:22.690" v="45" actId="2085"/>
-          <ac:spMkLst>
-            <pc:docMk/>
-            <pc:sldMk cId="1093800098" sldId="1430"/>
-            <ac:spMk id="14" creationId="{AAE39981-D072-15C2-2C45-08ED56B0CD76}"/>
-          </ac:spMkLst>
-        </pc:spChg>
-        <pc:spChg chg="add mod">
-          <ac:chgData name="佐藤　寛也" userId="27837c8b-abaf-4096-b544-58e4cbe7054e" providerId="ADAL" clId="{F60464E8-BBB8-6E40-BC50-59B3BBB32414}" dt="2024-09-09T00:59:27.517" v="47" actId="2085"/>
-          <ac:spMkLst>
-            <pc:docMk/>
-            <pc:sldMk cId="1093800098" sldId="1430"/>
-            <ac:spMk id="16" creationId="{F333DD37-6DA2-9F3D-56D6-A473CF419027}"/>
-          </ac:spMkLst>
-        </pc:spChg>
-      </pc:sldChg>
-    </pc:docChg>
-  </pc:docChgLst>
-  <pc:docChgLst>
-    <pc:chgData name="雨宮　智浩" userId="S::9288019215@utac.u-tokyo.ac.jp::018ceb06-00b6-4c8b-821f-fe5856736a8a" providerId="AD" clId="Web-{29B416D7-6A9C-5138-D7DB-54674D91A798}"/>
-    <pc:docChg chg="modSld">
-      <pc:chgData name="雨宮　智浩" userId="S::9288019215@utac.u-tokyo.ac.jp::018ceb06-00b6-4c8b-821f-fe5856736a8a" providerId="AD" clId="Web-{29B416D7-6A9C-5138-D7DB-54674D91A798}" dt="2024-09-08T05:08:48.932" v="11" actId="1076"/>
-      <pc:docMkLst>
-        <pc:docMk/>
-      </pc:docMkLst>
-      <pc:sldChg chg="modSp">
-        <pc:chgData name="雨宮　智浩" userId="S::9288019215@utac.u-tokyo.ac.jp::018ceb06-00b6-4c8b-821f-fe5856736a8a" providerId="AD" clId="Web-{29B416D7-6A9C-5138-D7DB-54674D91A798}" dt="2024-09-08T05:08:48.932" v="11" actId="1076"/>
-        <pc:sldMkLst>
-          <pc:docMk/>
-          <pc:sldMk cId="3626337591" sldId="1404"/>
-        </pc:sldMkLst>
-        <pc:spChg chg="mod">
-          <ac:chgData name="雨宮　智浩" userId="S::9288019215@utac.u-tokyo.ac.jp::018ceb06-00b6-4c8b-821f-fe5856736a8a" providerId="AD" clId="Web-{29B416D7-6A9C-5138-D7DB-54674D91A798}" dt="2024-09-08T05:08:34.728" v="9" actId="20577"/>
-          <ac:spMkLst>
-            <pc:docMk/>
-            <pc:sldMk cId="3626337591" sldId="1404"/>
-            <ac:spMk id="2" creationId="{0DD8CF49-64AC-1FCC-3F64-297A9BEC1995}"/>
-          </ac:spMkLst>
-        </pc:spChg>
-        <pc:spChg chg="mod">
-          <ac:chgData name="雨宮　智浩" userId="S::9288019215@utac.u-tokyo.ac.jp::018ceb06-00b6-4c8b-821f-fe5856736a8a" providerId="AD" clId="Web-{29B416D7-6A9C-5138-D7DB-54674D91A798}" dt="2024-09-08T05:08:48.932" v="11" actId="1076"/>
-          <ac:spMkLst>
-            <pc:docMk/>
-            <pc:sldMk cId="3626337591" sldId="1404"/>
-            <ac:spMk id="37" creationId="{6FD6F3CB-7631-A255-278E-51C50C9B009E}"/>
-          </ac:spMkLst>
-        </pc:spChg>
-        <pc:spChg chg="mod">
-          <ac:chgData name="雨宮　智浩" userId="S::9288019215@utac.u-tokyo.ac.jp::018ceb06-00b6-4c8b-821f-fe5856736a8a" providerId="AD" clId="Web-{29B416D7-6A9C-5138-D7DB-54674D91A798}" dt="2024-09-08T05:08:48.917" v="10" actId="1076"/>
-          <ac:spMkLst>
-            <pc:docMk/>
-            <pc:sldMk cId="3626337591" sldId="1404"/>
-            <ac:spMk id="39" creationId="{BCEF91A0-7FDC-7AA4-8C67-0C37335F5A29}"/>
-          </ac:spMkLst>
-        </pc:spChg>
-      </pc:sldChg>
-    </pc:docChg>
-  </pc:docChgLst>
-  <pc:docChgLst>
-    <pc:chgData name="雨宮　智浩" userId="S::9288019215@utac.u-tokyo.ac.jp::018ceb06-00b6-4c8b-821f-fe5856736a8a" providerId="AD" clId="Web-{0809808E-536E-6D47-16C4-27B8C4CF9EEA}"/>
-    <pc:docChg chg="addSld modSld sldOrd">
-      <pc:chgData name="雨宮　智浩" userId="S::9288019215@utac.u-tokyo.ac.jp::018ceb06-00b6-4c8b-821f-fe5856736a8a" providerId="AD" clId="Web-{0809808E-536E-6D47-16C4-27B8C4CF9EEA}" dt="2024-09-08T14:31:09.147" v="624" actId="20577"/>
-      <pc:docMkLst>
-        <pc:docMk/>
-      </pc:docMkLst>
-      <pc:sldChg chg="modSp">
-        <pc:chgData name="雨宮　智浩" userId="S::9288019215@utac.u-tokyo.ac.jp::018ceb06-00b6-4c8b-821f-fe5856736a8a" providerId="AD" clId="Web-{0809808E-536E-6D47-16C4-27B8C4CF9EEA}" dt="2024-09-08T05:55:16.764" v="3" actId="20577"/>
-        <pc:sldMkLst>
-          <pc:docMk/>
-          <pc:sldMk cId="2141358339" sldId="1408"/>
-        </pc:sldMkLst>
-        <pc:spChg chg="mod">
-          <ac:chgData name="雨宮　智浩" userId="S::9288019215@utac.u-tokyo.ac.jp::018ceb06-00b6-4c8b-821f-fe5856736a8a" providerId="AD" clId="Web-{0809808E-536E-6D47-16C4-27B8C4CF9EEA}" dt="2024-09-08T05:55:16.764" v="3" actId="20577"/>
-          <ac:spMkLst>
-            <pc:docMk/>
-            <pc:sldMk cId="2141358339" sldId="1408"/>
-            <ac:spMk id="3" creationId="{11BE7EF4-56DF-F510-784F-2E996E481ACE}"/>
-          </ac:spMkLst>
-        </pc:spChg>
-      </pc:sldChg>
-      <pc:sldChg chg="ord">
-        <pc:chgData name="雨宮　智浩" userId="S::9288019215@utac.u-tokyo.ac.jp::018ceb06-00b6-4c8b-821f-fe5856736a8a" providerId="AD" clId="Web-{0809808E-536E-6D47-16C4-27B8C4CF9EEA}" dt="2024-09-08T06:55:55.735" v="284"/>
-        <pc:sldMkLst>
-          <pc:docMk/>
-          <pc:sldMk cId="360300041" sldId="1412"/>
-        </pc:sldMkLst>
-      </pc:sldChg>
-      <pc:sldChg chg="delSp modSp ord">
-        <pc:chgData name="雨宮　智浩" userId="S::9288019215@utac.u-tokyo.ac.jp::018ceb06-00b6-4c8b-821f-fe5856736a8a" providerId="AD" clId="Web-{0809808E-536E-6D47-16C4-27B8C4CF9EEA}" dt="2024-09-08T06:27:49.504" v="62" actId="20577"/>
-        <pc:sldMkLst>
-          <pc:docMk/>
-          <pc:sldMk cId="117506766" sldId="1413"/>
-        </pc:sldMkLst>
-        <pc:spChg chg="mod">
-          <ac:chgData name="雨宮　智浩" userId="S::9288019215@utac.u-tokyo.ac.jp::018ceb06-00b6-4c8b-821f-fe5856736a8a" providerId="AD" clId="Web-{0809808E-536E-6D47-16C4-27B8C4CF9EEA}" dt="2024-09-08T06:09:25.741" v="21" actId="20577"/>
-          <ac:spMkLst>
-            <pc:docMk/>
-            <pc:sldMk cId="117506766" sldId="1413"/>
-            <ac:spMk id="2" creationId="{21D0CFCA-348F-6DF4-2D11-99E2969833F2}"/>
-          </ac:spMkLst>
-        </pc:spChg>
-        <pc:spChg chg="mod">
-          <ac:chgData name="雨宮　智浩" userId="S::9288019215@utac.u-tokyo.ac.jp::018ceb06-00b6-4c8b-821f-fe5856736a8a" providerId="AD" clId="Web-{0809808E-536E-6D47-16C4-27B8C4CF9EEA}" dt="2024-09-08T06:27:49.504" v="62" actId="20577"/>
-          <ac:spMkLst>
-            <pc:docMk/>
-            <pc:sldMk cId="117506766" sldId="1413"/>
-            <ac:spMk id="3" creationId="{41AEE836-B07F-6756-DC70-5EA0EE3A1CC4}"/>
-          </ac:spMkLst>
-        </pc:spChg>
-        <pc:spChg chg="del">
-          <ac:chgData name="雨宮　智浩" userId="S::9288019215@utac.u-tokyo.ac.jp::018ceb06-00b6-4c8b-821f-fe5856736a8a" providerId="AD" clId="Web-{0809808E-536E-6D47-16C4-27B8C4CF9EEA}" dt="2024-09-08T06:09:28.804" v="22"/>
-          <ac:spMkLst>
-            <pc:docMk/>
-            <pc:sldMk cId="117506766" sldId="1413"/>
-            <ac:spMk id="7" creationId="{F906CCDF-0963-35E9-6340-D54C77160910}"/>
-          </ac:spMkLst>
-        </pc:spChg>
-      </pc:sldChg>
-      <pc:sldChg chg="modSp">
-        <pc:chgData name="雨宮　智浩" userId="S::9288019215@utac.u-tokyo.ac.jp::018ceb06-00b6-4c8b-821f-fe5856736a8a" providerId="AD" clId="Web-{0809808E-536E-6D47-16C4-27B8C4CF9EEA}" dt="2024-09-08T07:29:11.622" v="483" actId="20577"/>
-        <pc:sldMkLst>
-          <pc:docMk/>
-          <pc:sldMk cId="176847597" sldId="1415"/>
-        </pc:sldMkLst>
-        <pc:spChg chg="mod">
-          <ac:chgData name="雨宮　智浩" userId="S::9288019215@utac.u-tokyo.ac.jp::018ceb06-00b6-4c8b-821f-fe5856736a8a" providerId="AD" clId="Web-{0809808E-536E-6D47-16C4-27B8C4CF9EEA}" dt="2024-09-08T07:29:11.622" v="483" actId="20577"/>
-          <ac:spMkLst>
-            <pc:docMk/>
-            <pc:sldMk cId="176847597" sldId="1415"/>
-            <ac:spMk id="3" creationId="{41AEE836-B07F-6756-DC70-5EA0EE3A1CC4}"/>
-          </ac:spMkLst>
-        </pc:spChg>
-      </pc:sldChg>
-      <pc:sldChg chg="ord">
-        <pc:chgData name="雨宮　智浩" userId="S::9288019215@utac.u-tokyo.ac.jp::018ceb06-00b6-4c8b-821f-fe5856736a8a" providerId="AD" clId="Web-{0809808E-536E-6D47-16C4-27B8C4CF9EEA}" dt="2024-09-08T09:00:09.835" v="620"/>
-        <pc:sldMkLst>
-          <pc:docMk/>
-          <pc:sldMk cId="2127359854" sldId="1417"/>
-        </pc:sldMkLst>
-      </pc:sldChg>
-      <pc:sldChg chg="ord">
-        <pc:chgData name="雨宮　智浩" userId="S::9288019215@utac.u-tokyo.ac.jp::018ceb06-00b6-4c8b-821f-fe5856736a8a" providerId="AD" clId="Web-{0809808E-536E-6D47-16C4-27B8C4CF9EEA}" dt="2024-09-08T09:00:09.835" v="619"/>
-        <pc:sldMkLst>
-          <pc:docMk/>
-          <pc:sldMk cId="2473131799" sldId="1418"/>
-        </pc:sldMkLst>
-      </pc:sldChg>
-      <pc:sldChg chg="modSp">
-        <pc:chgData name="雨宮　智浩" userId="S::9288019215@utac.u-tokyo.ac.jp::018ceb06-00b6-4c8b-821f-fe5856736a8a" providerId="AD" clId="Web-{0809808E-536E-6D47-16C4-27B8C4CF9EEA}" dt="2024-09-08T14:31:09.147" v="624" actId="20577"/>
-        <pc:sldMkLst>
-          <pc:docMk/>
-          <pc:sldMk cId="1866858908" sldId="1421"/>
-        </pc:sldMkLst>
-        <pc:spChg chg="mod">
-          <ac:chgData name="雨宮　智浩" userId="S::9288019215@utac.u-tokyo.ac.jp::018ceb06-00b6-4c8b-821f-fe5856736a8a" providerId="AD" clId="Web-{0809808E-536E-6D47-16C4-27B8C4CF9EEA}" dt="2024-09-08T14:31:09.147" v="624" actId="20577"/>
-          <ac:spMkLst>
-            <pc:docMk/>
-            <pc:sldMk cId="1866858908" sldId="1421"/>
-            <ac:spMk id="6" creationId="{22083119-FBF2-9464-4116-E981DDB743E8}"/>
-          </ac:spMkLst>
-        </pc:spChg>
-      </pc:sldChg>
-      <pc:sldChg chg="addSp delSp modSp ord">
-        <pc:chgData name="雨宮　智浩" userId="S::9288019215@utac.u-tokyo.ac.jp::018ceb06-00b6-4c8b-821f-fe5856736a8a" providerId="AD" clId="Web-{0809808E-536E-6D47-16C4-27B8C4CF9EEA}" dt="2024-09-08T07:50:24.293" v="618" actId="20577"/>
-        <pc:sldMkLst>
-          <pc:docMk/>
-          <pc:sldMk cId="393741535" sldId="1422"/>
-        </pc:sldMkLst>
-        <pc:spChg chg="mod">
-          <ac:chgData name="雨宮　智浩" userId="S::9288019215@utac.u-tokyo.ac.jp::018ceb06-00b6-4c8b-821f-fe5856736a8a" providerId="AD" clId="Web-{0809808E-536E-6D47-16C4-27B8C4CF9EEA}" dt="2024-09-08T07:50:24.293" v="618" actId="20577"/>
-          <ac:spMkLst>
-            <pc:docMk/>
-            <pc:sldMk cId="393741535" sldId="1422"/>
-            <ac:spMk id="2" creationId="{4E1D0AED-C4B4-CB0B-E228-9C810E80C2AF}"/>
-          </ac:spMkLst>
-        </pc:spChg>
-        <pc:spChg chg="mod">
-          <ac:chgData name="雨宮　智浩" userId="S::9288019215@utac.u-tokyo.ac.jp::018ceb06-00b6-4c8b-821f-fe5856736a8a" providerId="AD" clId="Web-{0809808E-536E-6D47-16C4-27B8C4CF9EEA}" dt="2024-09-08T07:45:00.552" v="607" actId="20577"/>
-          <ac:spMkLst>
-            <pc:docMk/>
-            <pc:sldMk cId="393741535" sldId="1422"/>
-            <ac:spMk id="3" creationId="{F68775E6-F813-17B7-0CC8-EF53F6F34CDC}"/>
-          </ac:spMkLst>
-        </pc:spChg>
-        <pc:picChg chg="add del mod">
-          <ac:chgData name="雨宮　智浩" userId="S::9288019215@utac.u-tokyo.ac.jp::018ceb06-00b6-4c8b-821f-fe5856736a8a" providerId="AD" clId="Web-{0809808E-536E-6D47-16C4-27B8C4CF9EEA}" dt="2024-09-08T07:41:52.016" v="562"/>
-          <ac:picMkLst>
-            <pc:docMk/>
-            <pc:sldMk cId="393741535" sldId="1422"/>
-            <ac:picMk id="7" creationId="{CABF26EB-B594-5EB7-DB34-1D746314FF9B}"/>
-          </ac:picMkLst>
-        </pc:picChg>
-      </pc:sldChg>
-      <pc:sldChg chg="addSp delSp modSp">
-        <pc:chgData name="雨宮　智浩" userId="S::9288019215@utac.u-tokyo.ac.jp::018ceb06-00b6-4c8b-821f-fe5856736a8a" providerId="AD" clId="Web-{0809808E-536E-6D47-16C4-27B8C4CF9EEA}" dt="2024-09-08T07:28:10.433" v="476"/>
-        <pc:sldMkLst>
-          <pc:docMk/>
-          <pc:sldMk cId="1881789830" sldId="1427"/>
-        </pc:sldMkLst>
-        <pc:spChg chg="mod">
-          <ac:chgData name="雨宮　智浩" userId="S::9288019215@utac.u-tokyo.ac.jp::018ceb06-00b6-4c8b-821f-fe5856736a8a" providerId="AD" clId="Web-{0809808E-536E-6D47-16C4-27B8C4CF9EEA}" dt="2024-09-08T07:23:40.161" v="454" actId="1076"/>
-          <ac:spMkLst>
-            <pc:docMk/>
-            <pc:sldMk cId="1881789830" sldId="1427"/>
-            <ac:spMk id="8" creationId="{549AE2D9-DA59-50D5-3413-B0D146083583}"/>
-          </ac:spMkLst>
-        </pc:spChg>
-        <pc:spChg chg="add del">
-          <ac:chgData name="雨宮　智浩" userId="S::9288019215@utac.u-tokyo.ac.jp::018ceb06-00b6-4c8b-821f-fe5856736a8a" providerId="AD" clId="Web-{0809808E-536E-6D47-16C4-27B8C4CF9EEA}" dt="2024-09-08T07:24:02.303" v="460"/>
-          <ac:spMkLst>
-            <pc:docMk/>
-            <pc:sldMk cId="1881789830" sldId="1427"/>
-            <ac:spMk id="9" creationId="{2FAD613B-B867-37A7-D6DC-C7DF1D773C3B}"/>
-          </ac:spMkLst>
-        </pc:spChg>
-        <pc:spChg chg="mod">
-          <ac:chgData name="雨宮　智浩" userId="S::9288019215@utac.u-tokyo.ac.jp::018ceb06-00b6-4c8b-821f-fe5856736a8a" providerId="AD" clId="Web-{0809808E-536E-6D47-16C4-27B8C4CF9EEA}" dt="2024-09-08T07:23:40.115" v="452" actId="1076"/>
-          <ac:spMkLst>
-            <pc:docMk/>
-            <pc:sldMk cId="1881789830" sldId="1427"/>
-            <ac:spMk id="10" creationId="{77DF0CC4-9166-3878-268B-B07887951991}"/>
-          </ac:spMkLst>
-        </pc:spChg>
-        <pc:spChg chg="add mod">
-          <ac:chgData name="雨宮　智浩" userId="S::9288019215@utac.u-tokyo.ac.jp::018ceb06-00b6-4c8b-821f-fe5856736a8a" providerId="AD" clId="Web-{0809808E-536E-6D47-16C4-27B8C4CF9EEA}" dt="2024-09-08T07:25:10.991" v="466" actId="1076"/>
-          <ac:spMkLst>
-            <pc:docMk/>
-            <pc:sldMk cId="1881789830" sldId="1427"/>
-            <ac:spMk id="13" creationId="{1ED88666-2960-AE96-B277-C88214DC9F74}"/>
-          </ac:spMkLst>
-        </pc:spChg>
-        <pc:spChg chg="mod">
-          <ac:chgData name="雨宮　智浩" userId="S::9288019215@utac.u-tokyo.ac.jp::018ceb06-00b6-4c8b-821f-fe5856736a8a" providerId="AD" clId="Web-{0809808E-536E-6D47-16C4-27B8C4CF9EEA}" dt="2024-09-08T07:23:40.193" v="455" actId="1076"/>
-          <ac:spMkLst>
-            <pc:docMk/>
-            <pc:sldMk cId="1881789830" sldId="1427"/>
-            <ac:spMk id="14" creationId="{83E5FD2B-71A6-0378-E492-304B82034893}"/>
-          </ac:spMkLst>
-        </pc:spChg>
-        <pc:spChg chg="mod">
-          <ac:chgData name="雨宮　智浩" userId="S::9288019215@utac.u-tokyo.ac.jp::018ceb06-00b6-4c8b-821f-fe5856736a8a" providerId="AD" clId="Web-{0809808E-536E-6D47-16C4-27B8C4CF9EEA}" dt="2024-09-08T07:23:40.224" v="456" actId="1076"/>
-          <ac:spMkLst>
-            <pc:docMk/>
-            <pc:sldMk cId="1881789830" sldId="1427"/>
-            <ac:spMk id="17" creationId="{7198A0E0-FA17-4F47-CC3C-17A4C6473590}"/>
-          </ac:spMkLst>
-        </pc:spChg>
-        <pc:graphicFrameChg chg="mod modGraphic">
-          <ac:chgData name="雨宮　智浩" userId="S::9288019215@utac.u-tokyo.ac.jp::018ceb06-00b6-4c8b-821f-fe5856736a8a" providerId="AD" clId="Web-{0809808E-536E-6D47-16C4-27B8C4CF9EEA}" dt="2024-09-08T07:28:10.433" v="476"/>
-          <ac:graphicFrameMkLst>
-            <pc:docMk/>
-            <pc:sldMk cId="1881789830" sldId="1427"/>
-            <ac:graphicFrameMk id="7" creationId="{CD95F47B-724F-6E0A-C103-DA07593C0894}"/>
-          </ac:graphicFrameMkLst>
-        </pc:graphicFrameChg>
-        <pc:picChg chg="add mod">
-          <ac:chgData name="雨宮　智浩" userId="S::9288019215@utac.u-tokyo.ac.jp::018ceb06-00b6-4c8b-821f-fe5856736a8a" providerId="AD" clId="Web-{0809808E-536E-6D47-16C4-27B8C4CF9EEA}" dt="2024-09-08T07:25:10.960" v="465" actId="1076"/>
-          <ac:picMkLst>
-            <pc:docMk/>
-            <pc:sldMk cId="1881789830" sldId="1427"/>
-            <ac:picMk id="3" creationId="{6FBA79E7-B728-E9C5-4940-FB8F21E9B31D}"/>
-          </ac:picMkLst>
-        </pc:picChg>
-        <pc:cxnChg chg="mod">
-          <ac:chgData name="雨宮　智浩" userId="S::9288019215@utac.u-tokyo.ac.jp::018ceb06-00b6-4c8b-821f-fe5856736a8a" providerId="AD" clId="Web-{0809808E-536E-6D47-16C4-27B8C4CF9EEA}" dt="2024-09-08T07:23:40.130" v="453" actId="1076"/>
-          <ac:cxnSpMkLst>
-            <pc:docMk/>
-            <pc:sldMk cId="1881789830" sldId="1427"/>
-            <ac:cxnSpMk id="12" creationId="{9ABD69E2-4E9C-0E2E-84B6-5DA2730856E6}"/>
-          </ac:cxnSpMkLst>
-        </pc:cxnChg>
-      </pc:sldChg>
-      <pc:sldChg chg="modSp mod ord modShow">
-        <pc:chgData name="雨宮　智浩" userId="S::9288019215@utac.u-tokyo.ac.jp::018ceb06-00b6-4c8b-821f-fe5856736a8a" providerId="AD" clId="Web-{0809808E-536E-6D47-16C4-27B8C4CF9EEA}" dt="2024-09-08T07:13:43.899" v="440"/>
-        <pc:sldMkLst>
-          <pc:docMk/>
-          <pc:sldMk cId="789427228" sldId="1428"/>
-        </pc:sldMkLst>
-        <pc:spChg chg="mod">
-          <ac:chgData name="雨宮　智浩" userId="S::9288019215@utac.u-tokyo.ac.jp::018ceb06-00b6-4c8b-821f-fe5856736a8a" providerId="AD" clId="Web-{0809808E-536E-6D47-16C4-27B8C4CF9EEA}" dt="2024-09-08T06:33:34.824" v="67" actId="20577"/>
-          <ac:spMkLst>
-            <pc:docMk/>
-            <pc:sldMk cId="789427228" sldId="1428"/>
-            <ac:spMk id="2" creationId="{21D0CFCA-348F-6DF4-2D11-99E2969833F2}"/>
-          </ac:spMkLst>
-        </pc:spChg>
-        <pc:spChg chg="mod">
-          <ac:chgData name="雨宮　智浩" userId="S::9288019215@utac.u-tokyo.ac.jp::018ceb06-00b6-4c8b-821f-fe5856736a8a" providerId="AD" clId="Web-{0809808E-536E-6D47-16C4-27B8C4CF9EEA}" dt="2024-09-08T06:55:09.890" v="283" actId="20577"/>
-          <ac:spMkLst>
-            <pc:docMk/>
-            <pc:sldMk cId="789427228" sldId="1428"/>
-            <ac:spMk id="3" creationId="{41AEE836-B07F-6756-DC70-5EA0EE3A1CC4}"/>
-          </ac:spMkLst>
-        </pc:spChg>
-      </pc:sldChg>
-      <pc:sldChg chg="addSp modSp add replId">
-        <pc:chgData name="雨宮　智浩" userId="S::9288019215@utac.u-tokyo.ac.jp::018ceb06-00b6-4c8b-821f-fe5856736a8a" providerId="AD" clId="Web-{0809808E-536E-6D47-16C4-27B8C4CF9EEA}" dt="2024-09-08T07:26:22.868" v="469"/>
-        <pc:sldMkLst>
-          <pc:docMk/>
-          <pc:sldMk cId="1093800098" sldId="1430"/>
-        </pc:sldMkLst>
-        <pc:spChg chg="mod">
-          <ac:chgData name="雨宮　智浩" userId="S::9288019215@utac.u-tokyo.ac.jp::018ceb06-00b6-4c8b-821f-fe5856736a8a" providerId="AD" clId="Web-{0809808E-536E-6D47-16C4-27B8C4CF9EEA}" dt="2024-09-08T07:03:42.198" v="307" actId="14100"/>
-          <ac:spMkLst>
-            <pc:docMk/>
-            <pc:sldMk cId="1093800098" sldId="1430"/>
-            <ac:spMk id="3" creationId="{41AEE836-B07F-6756-DC70-5EA0EE3A1CC4}"/>
-          </ac:spMkLst>
-        </pc:spChg>
-        <pc:spChg chg="add mod">
-          <ac:chgData name="雨宮　智浩" userId="S::9288019215@utac.u-tokyo.ac.jp::018ceb06-00b6-4c8b-821f-fe5856736a8a" providerId="AD" clId="Web-{0809808E-536E-6D47-16C4-27B8C4CF9EEA}" dt="2024-09-08T07:11:26.740" v="436" actId="1076"/>
-          <ac:spMkLst>
-            <pc:docMk/>
-            <pc:sldMk cId="1093800098" sldId="1430"/>
-            <ac:spMk id="7" creationId="{1C090726-8088-0A58-4CA6-55B6CC9661EA}"/>
-          </ac:spMkLst>
-        </pc:spChg>
-        <pc:spChg chg="add mod">
-          <ac:chgData name="雨宮　智浩" userId="S::9288019215@utac.u-tokyo.ac.jp::018ceb06-00b6-4c8b-821f-fe5856736a8a" providerId="AD" clId="Web-{0809808E-536E-6D47-16C4-27B8C4CF9EEA}" dt="2024-09-08T07:22:36.957" v="447" actId="20577"/>
-          <ac:spMkLst>
-            <pc:docMk/>
-            <pc:sldMk cId="1093800098" sldId="1430"/>
-            <ac:spMk id="8" creationId="{52FE5440-5E7C-C658-956C-7B7F33D2BB65}"/>
-          </ac:spMkLst>
-        </pc:spChg>
-        <pc:spChg chg="add mod">
-          <ac:chgData name="雨宮　智浩" userId="S::9288019215@utac.u-tokyo.ac.jp::018ceb06-00b6-4c8b-821f-fe5856736a8a" providerId="AD" clId="Web-{0809808E-536E-6D47-16C4-27B8C4CF9EEA}" dt="2024-09-08T07:11:33.818" v="437" actId="1076"/>
-          <ac:spMkLst>
-            <pc:docMk/>
-            <pc:sldMk cId="1093800098" sldId="1430"/>
-            <ac:spMk id="9" creationId="{E529D8B3-7258-2B3A-0DE0-5E5A46783454}"/>
-          </ac:spMkLst>
-        </pc:spChg>
-        <pc:spChg chg="add mod">
-          <ac:chgData name="雨宮　智浩" userId="S::9288019215@utac.u-tokyo.ac.jp::018ceb06-00b6-4c8b-821f-fe5856736a8a" providerId="AD" clId="Web-{0809808E-536E-6D47-16C4-27B8C4CF9EEA}" dt="2024-09-08T07:26:22.868" v="469"/>
-          <ac:spMkLst>
-            <pc:docMk/>
-            <pc:sldMk cId="1093800098" sldId="1430"/>
-            <ac:spMk id="10" creationId="{ECA37AAF-723E-1CC1-93EA-B6E403EB3B0A}"/>
-          </ac:spMkLst>
-        </pc:spChg>
-        <pc:spChg chg="add mod">
-          <ac:chgData name="雨宮　智浩" userId="S::9288019215@utac.u-tokyo.ac.jp::018ceb06-00b6-4c8b-821f-fe5856736a8a" providerId="AD" clId="Web-{0809808E-536E-6D47-16C4-27B8C4CF9EEA}" dt="2024-09-08T07:08:30.705" v="422" actId="1076"/>
-          <ac:spMkLst>
-            <pc:docMk/>
-            <pc:sldMk cId="1093800098" sldId="1430"/>
-            <ac:spMk id="11" creationId="{412D0704-2941-C41E-7BAD-41E87DBD07B8}"/>
-          </ac:spMkLst>
-        </pc:spChg>
-        <pc:spChg chg="add mod">
-          <ac:chgData name="雨宮　智浩" userId="S::9288019215@utac.u-tokyo.ac.jp::018ceb06-00b6-4c8b-821f-fe5856736a8a" providerId="AD" clId="Web-{0809808E-536E-6D47-16C4-27B8C4CF9EEA}" dt="2024-09-08T07:11:37.240" v="439" actId="1076"/>
-          <ac:spMkLst>
-            <pc:docMk/>
-            <pc:sldMk cId="1093800098" sldId="1430"/>
-            <ac:spMk id="12" creationId="{891BF255-1F97-D5DE-C3D3-1931B2421379}"/>
-          </ac:spMkLst>
-        </pc:spChg>
-        <pc:spChg chg="add mod">
-          <ac:chgData name="雨宮　智浩" userId="S::9288019215@utac.u-tokyo.ac.jp::018ceb06-00b6-4c8b-821f-fe5856736a8a" providerId="AD" clId="Web-{0809808E-536E-6D47-16C4-27B8C4CF9EEA}" dt="2024-09-08T07:09:27.628" v="431" actId="1076"/>
-          <ac:spMkLst>
-            <pc:docMk/>
-            <pc:sldMk cId="1093800098" sldId="1430"/>
-            <ac:spMk id="13" creationId="{102701C2-2CC5-7B16-1CD2-D841FF14320D}"/>
-          </ac:spMkLst>
-        </pc:spChg>
-        <pc:picChg chg="add mod">
-          <ac:chgData name="雨宮　智浩" userId="S::9288019215@utac.u-tokyo.ac.jp::018ceb06-00b6-4c8b-821f-fe5856736a8a" providerId="AD" clId="Web-{0809808E-536E-6D47-16C4-27B8C4CF9EEA}" dt="2024-09-08T07:25:50.445" v="467" actId="14100"/>
-          <ac:picMkLst>
-            <pc:docMk/>
-            <pc:sldMk cId="1093800098" sldId="1430"/>
-            <ac:picMk id="15" creationId="{7A64F991-E353-0253-912A-4EC7A33F8351}"/>
-          </ac:picMkLst>
-        </pc:picChg>
-      </pc:sldChg>
-      <pc:sldChg chg="addSp delSp modSp add replId">
-        <pc:chgData name="雨宮　智浩" userId="S::9288019215@utac.u-tokyo.ac.jp::018ceb06-00b6-4c8b-821f-fe5856736a8a" providerId="AD" clId="Web-{0809808E-536E-6D47-16C4-27B8C4CF9EEA}" dt="2024-09-08T07:50:15.808" v="616" actId="20577"/>
-        <pc:sldMkLst>
-          <pc:docMk/>
-          <pc:sldMk cId="615120728" sldId="1431"/>
-        </pc:sldMkLst>
-        <pc:spChg chg="mod">
-          <ac:chgData name="雨宮　智浩" userId="S::9288019215@utac.u-tokyo.ac.jp::018ceb06-00b6-4c8b-821f-fe5856736a8a" providerId="AD" clId="Web-{0809808E-536E-6D47-16C4-27B8C4CF9EEA}" dt="2024-09-08T07:50:15.808" v="616" actId="20577"/>
-          <ac:spMkLst>
-            <pc:docMk/>
-            <pc:sldMk cId="615120728" sldId="1431"/>
-            <ac:spMk id="2" creationId="{4E1D0AED-C4B4-CB0B-E228-9C810E80C2AF}"/>
-          </ac:spMkLst>
-        </pc:spChg>
-        <pc:spChg chg="mod">
-          <ac:chgData name="雨宮　智浩" userId="S::9288019215@utac.u-tokyo.ac.jp::018ceb06-00b6-4c8b-821f-fe5856736a8a" providerId="AD" clId="Web-{0809808E-536E-6D47-16C4-27B8C4CF9EEA}" dt="2024-09-08T07:45:48.053" v="614" actId="1076"/>
-          <ac:spMkLst>
-            <pc:docMk/>
-            <pc:sldMk cId="615120728" sldId="1431"/>
-            <ac:spMk id="3" creationId="{F68775E6-F813-17B7-0CC8-EF53F6F34CDC}"/>
-          </ac:spMkLst>
-        </pc:spChg>
-        <pc:spChg chg="add mod">
-          <ac:chgData name="雨宮　智浩" userId="S::9288019215@utac.u-tokyo.ac.jp::018ceb06-00b6-4c8b-821f-fe5856736a8a" providerId="AD" clId="Web-{0809808E-536E-6D47-16C4-27B8C4CF9EEA}" dt="2024-09-08T07:41:13.312" v="556" actId="1076"/>
-          <ac:spMkLst>
-            <pc:docMk/>
-            <pc:sldMk cId="615120728" sldId="1431"/>
-            <ac:spMk id="8" creationId="{9E8AA596-5776-D778-5A85-F0F4B7C20861}"/>
-          </ac:spMkLst>
-        </pc:spChg>
-        <pc:spChg chg="add mod">
-          <ac:chgData name="雨宮　智浩" userId="S::9288019215@utac.u-tokyo.ac.jp::018ceb06-00b6-4c8b-821f-fe5856736a8a" providerId="AD" clId="Web-{0809808E-536E-6D47-16C4-27B8C4CF9EEA}" dt="2024-09-08T07:41:08.078" v="555" actId="1076"/>
-          <ac:spMkLst>
-            <pc:docMk/>
-            <pc:sldMk cId="615120728" sldId="1431"/>
-            <ac:spMk id="12" creationId="{3ED24974-117D-14D6-7383-162C5B40BF75}"/>
-          </ac:spMkLst>
-        </pc:spChg>
-        <pc:picChg chg="mod ord">
-          <ac:chgData name="雨宮　智浩" userId="S::9288019215@utac.u-tokyo.ac.jp::018ceb06-00b6-4c8b-821f-fe5856736a8a" providerId="AD" clId="Web-{0809808E-536E-6D47-16C4-27B8C4CF9EEA}" dt="2024-09-08T07:40:59.781" v="554"/>
-          <ac:picMkLst>
-            <pc:docMk/>
-            <pc:sldMk cId="615120728" sldId="1431"/>
-            <ac:picMk id="7" creationId="{CABF26EB-B594-5EB7-DB34-1D746314FF9B}"/>
-          </ac:picMkLst>
-        </pc:picChg>
-        <pc:picChg chg="add del mod">
-          <ac:chgData name="雨宮　智浩" userId="S::9288019215@utac.u-tokyo.ac.jp::018ceb06-00b6-4c8b-821f-fe5856736a8a" providerId="AD" clId="Web-{0809808E-536E-6D47-16C4-27B8C4CF9EEA}" dt="2024-09-08T07:39:10.669" v="527"/>
-          <ac:picMkLst>
-            <pc:docMk/>
-            <pc:sldMk cId="615120728" sldId="1431"/>
-            <ac:picMk id="9" creationId="{B5CD7D27-6CDB-D45B-A8B7-312FC1207399}"/>
-          </ac:picMkLst>
-        </pc:picChg>
-        <pc:picChg chg="add mod">
-          <ac:chgData name="雨宮　智浩" userId="S::9288019215@utac.u-tokyo.ac.jp::018ceb06-00b6-4c8b-821f-fe5856736a8a" providerId="AD" clId="Web-{0809808E-536E-6D47-16C4-27B8C4CF9EEA}" dt="2024-09-08T07:40:53.562" v="553"/>
-          <ac:picMkLst>
-            <pc:docMk/>
-            <pc:sldMk cId="615120728" sldId="1431"/>
-            <ac:picMk id="10" creationId="{C1DD226A-C3B9-6CFA-4DD6-32565FFE21CF}"/>
-          </ac:picMkLst>
-        </pc:picChg>
-      </pc:sldChg>
-    </pc:docChg>
-  </pc:docChgLst>
-  <pc:docChgLst>
-    <pc:chgData name="寛也 佐藤" userId="27837c8b-abaf-4096-b544-58e4cbe7054e" providerId="ADAL" clId="{03C4690F-D76B-48FB-B343-CCF95B0FF544}"/>
-    <pc:docChg chg="undo custSel modSld">
-      <pc:chgData name="寛也 佐藤" userId="27837c8b-abaf-4096-b544-58e4cbe7054e" providerId="ADAL" clId="{03C4690F-D76B-48FB-B343-CCF95B0FF544}" dt="2024-07-03T05:13:57.059" v="136"/>
-      <pc:docMkLst>
-        <pc:docMk/>
-      </pc:docMkLst>
-      <pc:sldChg chg="addSp delSp modSp mod">
-        <pc:chgData name="寛也 佐藤" userId="27837c8b-abaf-4096-b544-58e4cbe7054e" providerId="ADAL" clId="{03C4690F-D76B-48FB-B343-CCF95B0FF544}" dt="2024-07-03T05:13:57.059" v="136"/>
-        <pc:sldMkLst>
-          <pc:docMk/>
-          <pc:sldMk cId="2292264982" sldId="256"/>
-        </pc:sldMkLst>
-        <pc:spChg chg="add mod">
-          <ac:chgData name="寛也 佐藤" userId="27837c8b-abaf-4096-b544-58e4cbe7054e" providerId="ADAL" clId="{03C4690F-D76B-48FB-B343-CCF95B0FF544}" dt="2024-07-03T05:13:57.059" v="136"/>
-          <ac:spMkLst>
-            <pc:docMk/>
-            <pc:sldMk cId="2292264982" sldId="256"/>
-            <ac:spMk id="4" creationId="{D12A556D-E458-C03F-159E-C94DB8018206}"/>
-          </ac:spMkLst>
-        </pc:spChg>
-        <pc:spChg chg="add mod">
-          <ac:chgData name="寛也 佐藤" userId="27837c8b-abaf-4096-b544-58e4cbe7054e" providerId="ADAL" clId="{03C4690F-D76B-48FB-B343-CCF95B0FF544}" dt="2024-07-03T05:13:57.059" v="136"/>
-          <ac:spMkLst>
-            <pc:docMk/>
-            <pc:sldMk cId="2292264982" sldId="256"/>
-            <ac:spMk id="5" creationId="{CB76B9EF-5509-7E11-647E-D88F96AC0E91}"/>
-          </ac:spMkLst>
-        </pc:spChg>
-        <pc:spChg chg="add mod">
-          <ac:chgData name="寛也 佐藤" userId="27837c8b-abaf-4096-b544-58e4cbe7054e" providerId="ADAL" clId="{03C4690F-D76B-48FB-B343-CCF95B0FF544}" dt="2024-07-03T05:13:57.059" v="136"/>
-          <ac:spMkLst>
-            <pc:docMk/>
-            <pc:sldMk cId="2292264982" sldId="256"/>
-            <ac:spMk id="7" creationId="{B1409E50-9F00-2674-DECA-28AB5BADBBB0}"/>
-          </ac:spMkLst>
-        </pc:spChg>
-        <pc:spChg chg="del">
-          <ac:chgData name="寛也 佐藤" userId="27837c8b-abaf-4096-b544-58e4cbe7054e" providerId="ADAL" clId="{03C4690F-D76B-48FB-B343-CCF95B0FF544}" dt="2024-07-03T05:13:56.697" v="135" actId="478"/>
-          <ac:spMkLst>
-            <pc:docMk/>
-            <pc:sldMk cId="2292264982" sldId="256"/>
-            <ac:spMk id="11" creationId="{280B162B-F3E3-38D5-D7D2-85F3BB83C66A}"/>
-          </ac:spMkLst>
-        </pc:spChg>
-        <pc:spChg chg="del">
-          <ac:chgData name="寛也 佐藤" userId="27837c8b-abaf-4096-b544-58e4cbe7054e" providerId="ADAL" clId="{03C4690F-D76B-48FB-B343-CCF95B0FF544}" dt="2024-07-03T05:13:56.697" v="135" actId="478"/>
-          <ac:spMkLst>
-            <pc:docMk/>
-            <pc:sldMk cId="2292264982" sldId="256"/>
-            <ac:spMk id="12" creationId="{5F1580B5-9344-B223-A358-8F1A7F38DDEF}"/>
-          </ac:spMkLst>
-        </pc:spChg>
-        <pc:spChg chg="del">
-          <ac:chgData name="寛也 佐藤" userId="27837c8b-abaf-4096-b544-58e4cbe7054e" providerId="ADAL" clId="{03C4690F-D76B-48FB-B343-CCF95B0FF544}" dt="2024-07-03T05:13:56.697" v="135" actId="478"/>
-          <ac:spMkLst>
-            <pc:docMk/>
-            <pc:sldMk cId="2292264982" sldId="256"/>
-            <ac:spMk id="13" creationId="{057E6938-EF25-914D-D785-B730E296D4D3}"/>
-          </ac:spMkLst>
-        </pc:spChg>
-        <pc:picChg chg="del">
-          <ac:chgData name="寛也 佐藤" userId="27837c8b-abaf-4096-b544-58e4cbe7054e" providerId="ADAL" clId="{03C4690F-D76B-48FB-B343-CCF95B0FF544}" dt="2024-07-03T05:13:56.697" v="135" actId="478"/>
-          <ac:picMkLst>
-            <pc:docMk/>
-            <pc:sldMk cId="2292264982" sldId="256"/>
-            <ac:picMk id="10" creationId="{4B34BF66-4F07-2DA9-2FBA-98C408BA5F2A}"/>
-          </ac:picMkLst>
-        </pc:picChg>
-      </pc:sldChg>
-      <pc:sldChg chg="addSp delSp modSp mod">
-        <pc:chgData name="寛也 佐藤" userId="27837c8b-abaf-4096-b544-58e4cbe7054e" providerId="ADAL" clId="{03C4690F-D76B-48FB-B343-CCF95B0FF544}" dt="2024-07-03T05:08:44.897" v="134" actId="113"/>
-        <pc:sldMkLst>
-          <pc:docMk/>
-          <pc:sldMk cId="3626337591" sldId="1404"/>
-        </pc:sldMkLst>
-        <pc:spChg chg="add mod">
-          <ac:chgData name="寛也 佐藤" userId="27837c8b-abaf-4096-b544-58e4cbe7054e" providerId="ADAL" clId="{03C4690F-D76B-48FB-B343-CCF95B0FF544}" dt="2024-07-03T05:03:33.067" v="39" actId="164"/>
-          <ac:spMkLst>
-            <pc:docMk/>
-            <pc:sldMk cId="3626337591" sldId="1404"/>
-            <ac:spMk id="3" creationId="{8CBE3A8C-7AF4-A0E7-59BB-C557DBADA5F8}"/>
-          </ac:spMkLst>
-        </pc:spChg>
-        <pc:spChg chg="add mod">
-          <ac:chgData name="寛也 佐藤" userId="27837c8b-abaf-4096-b544-58e4cbe7054e" providerId="ADAL" clId="{03C4690F-D76B-48FB-B343-CCF95B0FF544}" dt="2024-07-03T05:03:33.067" v="39" actId="164"/>
-          <ac:spMkLst>
-            <pc:docMk/>
-            <pc:sldMk cId="3626337591" sldId="1404"/>
-            <ac:spMk id="7" creationId="{9DCB46B5-0A33-3972-8142-C2EC2943808F}"/>
-          </ac:spMkLst>
-        </pc:spChg>
-        <pc:spChg chg="mod ord">
-          <ac:chgData name="寛也 佐藤" userId="27837c8b-abaf-4096-b544-58e4cbe7054e" providerId="ADAL" clId="{03C4690F-D76B-48FB-B343-CCF95B0FF544}" dt="2024-07-03T05:07:58.331" v="119" actId="166"/>
-          <ac:spMkLst>
-            <pc:docMk/>
-            <pc:sldMk cId="3626337591" sldId="1404"/>
-            <ac:spMk id="8" creationId="{CC0A4548-9B98-19E8-4E13-A77C30631351}"/>
-          </ac:spMkLst>
-        </pc:spChg>
-        <pc:spChg chg="mod ord">
-          <ac:chgData name="寛也 佐藤" userId="27837c8b-abaf-4096-b544-58e4cbe7054e" providerId="ADAL" clId="{03C4690F-D76B-48FB-B343-CCF95B0FF544}" dt="2024-07-03T05:07:58.331" v="119" actId="166"/>
-          <ac:spMkLst>
-            <pc:docMk/>
-            <pc:sldMk cId="3626337591" sldId="1404"/>
-            <ac:spMk id="9" creationId="{5679176E-2F40-CEAB-09FD-BB8507225644}"/>
-          </ac:spMkLst>
-        </pc:spChg>
-        <pc:spChg chg="add mod">
-          <ac:chgData name="寛也 佐藤" userId="27837c8b-abaf-4096-b544-58e4cbe7054e" providerId="ADAL" clId="{03C4690F-D76B-48FB-B343-CCF95B0FF544}" dt="2024-07-03T05:03:33.067" v="39" actId="164"/>
-          <ac:spMkLst>
-            <pc:docMk/>
-            <pc:sldMk cId="3626337591" sldId="1404"/>
-            <ac:spMk id="10" creationId="{E2ED809F-BA37-95E8-D03E-F57A40B2795A}"/>
-          </ac:spMkLst>
-        </pc:spChg>
-        <pc:spChg chg="add mod">
-          <ac:chgData name="寛也 佐藤" userId="27837c8b-abaf-4096-b544-58e4cbe7054e" providerId="ADAL" clId="{03C4690F-D76B-48FB-B343-CCF95B0FF544}" dt="2024-07-03T05:03:03.963" v="31" actId="164"/>
-          <ac:spMkLst>
-            <pc:docMk/>
-            <pc:sldMk cId="3626337591" sldId="1404"/>
-            <ac:spMk id="12" creationId="{F4174DF7-A2A4-1BEE-388F-81839DFF242B}"/>
-          </ac:spMkLst>
-        </pc:spChg>
-        <pc:spChg chg="mod">
-          <ac:chgData name="寛也 佐藤" userId="27837c8b-abaf-4096-b544-58e4cbe7054e" providerId="ADAL" clId="{03C4690F-D76B-48FB-B343-CCF95B0FF544}" dt="2024-07-03T05:04:34.910" v="84" actId="6549"/>
-          <ac:spMkLst>
-            <pc:docMk/>
-            <pc:sldMk cId="3626337591" sldId="1404"/>
-            <ac:spMk id="14" creationId="{376F3ABE-2951-B7E3-5373-0751143AA308}"/>
-          </ac:spMkLst>
-        </pc:spChg>
-        <pc:spChg chg="add mod">
-          <ac:chgData name="寛也 佐藤" userId="27837c8b-abaf-4096-b544-58e4cbe7054e" providerId="ADAL" clId="{03C4690F-D76B-48FB-B343-CCF95B0FF544}" dt="2024-07-03T05:03:03.963" v="31" actId="164"/>
-          <ac:spMkLst>
-            <pc:docMk/>
-            <pc:sldMk cId="3626337591" sldId="1404"/>
-            <ac:spMk id="15" creationId="{6A76E322-9289-CFD5-75B0-663CBF8B3D87}"/>
-          </ac:spMkLst>
-        </pc:spChg>
-        <pc:spChg chg="add mod">
-          <ac:chgData name="寛也 佐藤" userId="27837c8b-abaf-4096-b544-58e4cbe7054e" providerId="ADAL" clId="{03C4690F-D76B-48FB-B343-CCF95B0FF544}" dt="2024-07-03T05:03:03.963" v="31" actId="164"/>
-          <ac:spMkLst>
-            <pc:docMk/>
-            <pc:sldMk cId="3626337591" sldId="1404"/>
-            <ac:spMk id="16" creationId="{7018AD8A-40F8-1597-91CB-895CB4199546}"/>
-          </ac:spMkLst>
-        </pc:spChg>
-        <pc:spChg chg="mod">
-          <ac:chgData name="寛也 佐藤" userId="27837c8b-abaf-4096-b544-58e4cbe7054e" providerId="ADAL" clId="{03C4690F-D76B-48FB-B343-CCF95B0FF544}" dt="2024-07-03T05:04:41.584" v="90" actId="1036"/>
-          <ac:spMkLst>
-            <pc:docMk/>
-            <pc:sldMk cId="3626337591" sldId="1404"/>
-            <ac:spMk id="17" creationId="{87C88432-358A-C200-5551-F60A17028B14}"/>
-          </ac:spMkLst>
-        </pc:spChg>
-        <pc:spChg chg="add mod">
-          <ac:chgData name="寛也 佐藤" userId="27837c8b-abaf-4096-b544-58e4cbe7054e" providerId="ADAL" clId="{03C4690F-D76B-48FB-B343-CCF95B0FF544}" dt="2024-07-03T05:03:03.963" v="31" actId="164"/>
-          <ac:spMkLst>
-            <pc:docMk/>
-            <pc:sldMk cId="3626337591" sldId="1404"/>
-            <ac:spMk id="19" creationId="{45DFE9C8-1625-332D-24F7-6820A436B024}"/>
-          </ac:spMkLst>
-        </pc:spChg>
-        <pc:spChg chg="add mod">
-          <ac:chgData name="寛也 佐藤" userId="27837c8b-abaf-4096-b544-58e4cbe7054e" providerId="ADAL" clId="{03C4690F-D76B-48FB-B343-CCF95B0FF544}" dt="2024-07-03T05:03:03.963" v="31" actId="164"/>
-          <ac:spMkLst>
-            <pc:docMk/>
-            <pc:sldMk cId="3626337591" sldId="1404"/>
-            <ac:spMk id="20" creationId="{2B905198-E822-6CEE-CA71-E00FD0B001E6}"/>
-          </ac:spMkLst>
-        </pc:spChg>
-        <pc:spChg chg="add mod">
-          <ac:chgData name="寛也 佐藤" userId="27837c8b-abaf-4096-b544-58e4cbe7054e" providerId="ADAL" clId="{03C4690F-D76B-48FB-B343-CCF95B0FF544}" dt="2024-07-03T05:03:03.963" v="31" actId="164"/>
-          <ac:spMkLst>
-            <pc:docMk/>
-            <pc:sldMk cId="3626337591" sldId="1404"/>
-            <ac:spMk id="21" creationId="{95943EA8-80D8-7F02-405F-66F47FF6E305}"/>
-          </ac:spMkLst>
-        </pc:spChg>
-        <pc:spChg chg="add mod">
-          <ac:chgData name="寛也 佐藤" userId="27837c8b-abaf-4096-b544-58e4cbe7054e" providerId="ADAL" clId="{03C4690F-D76B-48FB-B343-CCF95B0FF544}" dt="2024-07-03T05:03:03.963" v="31" actId="164"/>
-          <ac:spMkLst>
-            <pc:docMk/>
-            <pc:sldMk cId="3626337591" sldId="1404"/>
-            <ac:spMk id="22" creationId="{8F2376CD-4761-D6DB-FCAC-B8B2927214F5}"/>
-          </ac:spMkLst>
-        </pc:spChg>
-        <pc:spChg chg="add mod">
-          <ac:chgData name="寛也 佐藤" userId="27837c8b-abaf-4096-b544-58e4cbe7054e" providerId="ADAL" clId="{03C4690F-D76B-48FB-B343-CCF95B0FF544}" dt="2024-07-03T05:04:41.584" v="90" actId="1036"/>
-          <ac:spMkLst>
-            <pc:docMk/>
-            <pc:sldMk cId="3626337591" sldId="1404"/>
-            <ac:spMk id="32" creationId="{04D40111-56A4-377E-F0A9-CD3EFB25189A}"/>
-          </ac:spMkLst>
-        </pc:spChg>
-        <pc:spChg chg="add del mod">
-          <ac:chgData name="寛也 佐藤" userId="27837c8b-abaf-4096-b544-58e4cbe7054e" providerId="ADAL" clId="{03C4690F-D76B-48FB-B343-CCF95B0FF544}" dt="2024-07-03T05:06:02.791" v="93"/>
-          <ac:spMkLst>
-            <pc:docMk/>
-            <pc:sldMk cId="3626337591" sldId="1404"/>
-            <ac:spMk id="36" creationId="{6F5331FD-E97C-A3DB-3569-1E67A929CAE5}"/>
-          </ac:spMkLst>
-        </pc:spChg>
-        <pc:spChg chg="add mod ord">
-          <ac:chgData name="寛也 佐藤" userId="27837c8b-abaf-4096-b544-58e4cbe7054e" providerId="ADAL" clId="{03C4690F-D76B-48FB-B343-CCF95B0FF544}" dt="2024-07-03T05:08:44.897" v="134" actId="113"/>
-          <ac:spMkLst>
-            <pc:docMk/>
-            <pc:sldMk cId="3626337591" sldId="1404"/>
-            <ac:spMk id="37" creationId="{6FD6F3CB-7631-A255-278E-51C50C9B009E}"/>
-          </ac:spMkLst>
-        </pc:spChg>
-        <pc:spChg chg="add mod ord">
-          <ac:chgData name="寛也 佐藤" userId="27837c8b-abaf-4096-b544-58e4cbe7054e" providerId="ADAL" clId="{03C4690F-D76B-48FB-B343-CCF95B0FF544}" dt="2024-07-03T05:07:32.287" v="114" actId="207"/>
-          <ac:spMkLst>
-            <pc:docMk/>
-            <pc:sldMk cId="3626337591" sldId="1404"/>
-            <ac:spMk id="38" creationId="{43D38C52-9B81-71D3-FEBF-5DC95CCB46B0}"/>
-          </ac:spMkLst>
-        </pc:spChg>
-        <pc:spChg chg="add mod">
-          <ac:chgData name="寛也 佐藤" userId="27837c8b-abaf-4096-b544-58e4cbe7054e" providerId="ADAL" clId="{03C4690F-D76B-48FB-B343-CCF95B0FF544}" dt="2024-07-03T05:08:28.525" v="129" actId="2085"/>
-          <ac:spMkLst>
-            <pc:docMk/>
-            <pc:sldMk cId="3626337591" sldId="1404"/>
-            <ac:spMk id="39" creationId="{BCEF91A0-7FDC-7AA4-8C67-0C37335F5A29}"/>
-          </ac:spMkLst>
-        </pc:spChg>
-        <pc:grpChg chg="add mod">
-          <ac:chgData name="寛也 佐藤" userId="27837c8b-abaf-4096-b544-58e4cbe7054e" providerId="ADAL" clId="{03C4690F-D76B-48FB-B343-CCF95B0FF544}" dt="2024-07-03T05:02:59.082" v="30" actId="164"/>
-          <ac:grpSpMkLst>
-            <pc:docMk/>
-            <pc:sldMk cId="3626337591" sldId="1404"/>
-            <ac:grpSpMk id="33" creationId="{6A6DCCA6-C286-4A24-E173-D9381ABB7C42}"/>
-          </ac:grpSpMkLst>
-        </pc:grpChg>
-        <pc:grpChg chg="add mod">
-          <ac:chgData name="寛也 佐藤" userId="27837c8b-abaf-4096-b544-58e4cbe7054e" providerId="ADAL" clId="{03C4690F-D76B-48FB-B343-CCF95B0FF544}" dt="2024-07-03T05:04:41.584" v="90" actId="1036"/>
-          <ac:grpSpMkLst>
-            <pc:docMk/>
-            <pc:sldMk cId="3626337591" sldId="1404"/>
-            <ac:grpSpMk id="34" creationId="{2FA0FCAC-5F85-7BE1-F851-F3BCC4B5912F}"/>
-          </ac:grpSpMkLst>
-        </pc:grpChg>
-        <pc:grpChg chg="add mod">
-          <ac:chgData name="寛也 佐藤" userId="27837c8b-abaf-4096-b544-58e4cbe7054e" providerId="ADAL" clId="{03C4690F-D76B-48FB-B343-CCF95B0FF544}" dt="2024-07-03T05:04:41.584" v="90" actId="1036"/>
-          <ac:grpSpMkLst>
-            <pc:docMk/>
-            <pc:sldMk cId="3626337591" sldId="1404"/>
-            <ac:grpSpMk id="35" creationId="{90982899-2706-3505-B83C-F2F033B46CF3}"/>
-          </ac:grpSpMkLst>
-        </pc:grpChg>
-        <pc:cxnChg chg="mod">
-          <ac:chgData name="寛也 佐藤" userId="27837c8b-abaf-4096-b544-58e4cbe7054e" providerId="ADAL" clId="{03C4690F-D76B-48FB-B343-CCF95B0FF544}" dt="2024-07-03T05:04:41.584" v="90" actId="1036"/>
-          <ac:cxnSpMkLst>
-            <pc:docMk/>
-            <pc:sldMk cId="3626337591" sldId="1404"/>
-            <ac:cxnSpMk id="11" creationId="{BEC88D06-97F6-1B8B-2E22-DE88B44EF445}"/>
-          </ac:cxnSpMkLst>
-        </pc:cxnChg>
-        <pc:cxnChg chg="mod">
-          <ac:chgData name="寛也 佐藤" userId="27837c8b-abaf-4096-b544-58e4cbe7054e" providerId="ADAL" clId="{03C4690F-D76B-48FB-B343-CCF95B0FF544}" dt="2024-07-03T05:04:41.584" v="90" actId="1036"/>
-          <ac:cxnSpMkLst>
-            <pc:docMk/>
-            <pc:sldMk cId="3626337591" sldId="1404"/>
-            <ac:cxnSpMk id="13" creationId="{EF5DDC12-12EA-EBB1-B4A5-F461E8EFFFC2}"/>
-          </ac:cxnSpMkLst>
-        </pc:cxnChg>
-        <pc:cxnChg chg="mod">
-          <ac:chgData name="寛也 佐藤" userId="27837c8b-abaf-4096-b544-58e4cbe7054e" providerId="ADAL" clId="{03C4690F-D76B-48FB-B343-CCF95B0FF544}" dt="2024-07-03T05:04:41.584" v="90" actId="1036"/>
-          <ac:cxnSpMkLst>
-            <pc:docMk/>
-            <pc:sldMk cId="3626337591" sldId="1404"/>
-            <ac:cxnSpMk id="18" creationId="{798BDA78-8DF2-1A69-D056-39E83F5CCC49}"/>
-          </ac:cxnSpMkLst>
-        </pc:cxnChg>
-        <pc:cxnChg chg="mod">
-          <ac:chgData name="寛也 佐藤" userId="27837c8b-abaf-4096-b544-58e4cbe7054e" providerId="ADAL" clId="{03C4690F-D76B-48FB-B343-CCF95B0FF544}" dt="2024-07-03T05:04:41.584" v="90" actId="1036"/>
-          <ac:cxnSpMkLst>
-            <pc:docMk/>
-            <pc:sldMk cId="3626337591" sldId="1404"/>
-            <ac:cxnSpMk id="23" creationId="{3B6164EB-111F-F125-3503-A5D2E76DCF62}"/>
-          </ac:cxnSpMkLst>
-        </pc:cxnChg>
-        <pc:cxnChg chg="mod">
-          <ac:chgData name="寛也 佐藤" userId="27837c8b-abaf-4096-b544-58e4cbe7054e" providerId="ADAL" clId="{03C4690F-D76B-48FB-B343-CCF95B0FF544}" dt="2024-07-03T05:04:41.584" v="90" actId="1036"/>
-          <ac:cxnSpMkLst>
-            <pc:docMk/>
-            <pc:sldMk cId="3626337591" sldId="1404"/>
-            <ac:cxnSpMk id="24" creationId="{86E3763F-A72D-EB84-1FE7-5E0708E40F57}"/>
-          </ac:cxnSpMkLst>
-        </pc:cxnChg>
-        <pc:cxnChg chg="mod">
-          <ac:chgData name="寛也 佐藤" userId="27837c8b-abaf-4096-b544-58e4cbe7054e" providerId="ADAL" clId="{03C4690F-D76B-48FB-B343-CCF95B0FF544}" dt="2024-07-03T05:04:41.584" v="90" actId="1036"/>
-          <ac:cxnSpMkLst>
-            <pc:docMk/>
-            <pc:sldMk cId="3626337591" sldId="1404"/>
-            <ac:cxnSpMk id="25" creationId="{F3F401C3-079B-7489-FB08-4DB9BC17FA09}"/>
-          </ac:cxnSpMkLst>
-        </pc:cxnChg>
-        <pc:cxnChg chg="mod">
-          <ac:chgData name="寛也 佐藤" userId="27837c8b-abaf-4096-b544-58e4cbe7054e" providerId="ADAL" clId="{03C4690F-D76B-48FB-B343-CCF95B0FF544}" dt="2024-07-03T05:04:41.584" v="90" actId="1036"/>
-          <ac:cxnSpMkLst>
-            <pc:docMk/>
-            <pc:sldMk cId="3626337591" sldId="1404"/>
-            <ac:cxnSpMk id="26" creationId="{D14C974B-4D96-BA53-C586-35257BB1DF00}"/>
-          </ac:cxnSpMkLst>
-        </pc:cxnChg>
-        <pc:cxnChg chg="mod">
-          <ac:chgData name="寛也 佐藤" userId="27837c8b-abaf-4096-b544-58e4cbe7054e" providerId="ADAL" clId="{03C4690F-D76B-48FB-B343-CCF95B0FF544}" dt="2024-07-03T05:04:41.584" v="90" actId="1036"/>
-          <ac:cxnSpMkLst>
-            <pc:docMk/>
-            <pc:sldMk cId="3626337591" sldId="1404"/>
-            <ac:cxnSpMk id="27" creationId="{CA765CCA-A712-7BC8-7570-B42E3DF5B657}"/>
-          </ac:cxnSpMkLst>
-        </pc:cxnChg>
-        <pc:cxnChg chg="mod">
-          <ac:chgData name="寛也 佐藤" userId="27837c8b-abaf-4096-b544-58e4cbe7054e" providerId="ADAL" clId="{03C4690F-D76B-48FB-B343-CCF95B0FF544}" dt="2024-07-03T05:04:41.584" v="90" actId="1036"/>
-          <ac:cxnSpMkLst>
-            <pc:docMk/>
-            <pc:sldMk cId="3626337591" sldId="1404"/>
-            <ac:cxnSpMk id="28" creationId="{E424F6BF-13A3-6E74-B6B1-DBEB9B3B160D}"/>
-          </ac:cxnSpMkLst>
-        </pc:cxnChg>
-        <pc:cxnChg chg="mod">
-          <ac:chgData name="寛也 佐藤" userId="27837c8b-abaf-4096-b544-58e4cbe7054e" providerId="ADAL" clId="{03C4690F-D76B-48FB-B343-CCF95B0FF544}" dt="2024-07-03T05:04:41.584" v="90" actId="1036"/>
-          <ac:cxnSpMkLst>
-            <pc:docMk/>
-            <pc:sldMk cId="3626337591" sldId="1404"/>
-            <ac:cxnSpMk id="29" creationId="{A4CC6401-F1B9-0E69-35A5-A7D4A1FA9831}"/>
-          </ac:cxnSpMkLst>
-        </pc:cxnChg>
-        <pc:cxnChg chg="mod">
-          <ac:chgData name="寛也 佐藤" userId="27837c8b-abaf-4096-b544-58e4cbe7054e" providerId="ADAL" clId="{03C4690F-D76B-48FB-B343-CCF95B0FF544}" dt="2024-07-03T05:04:41.584" v="90" actId="1036"/>
-          <ac:cxnSpMkLst>
-            <pc:docMk/>
-            <pc:sldMk cId="3626337591" sldId="1404"/>
-            <ac:cxnSpMk id="30" creationId="{7B0CADFD-1AE9-087C-7295-F0ABBD009364}"/>
-          </ac:cxnSpMkLst>
-        </pc:cxnChg>
-        <pc:cxnChg chg="mod">
-          <ac:chgData name="寛也 佐藤" userId="27837c8b-abaf-4096-b544-58e4cbe7054e" providerId="ADAL" clId="{03C4690F-D76B-48FB-B343-CCF95B0FF544}" dt="2024-07-03T05:04:41.584" v="90" actId="1036"/>
-          <ac:cxnSpMkLst>
-            <pc:docMk/>
-            <pc:sldMk cId="3626337591" sldId="1404"/>
-            <ac:cxnSpMk id="31" creationId="{C4D87125-D3FE-0D03-39B0-4D02FAADD664}"/>
-          </ac:cxnSpMkLst>
-        </pc:cxnChg>
-      </pc:sldChg>
-    </pc:docChg>
-  </pc:docChgLst>
-  <pc:docChgLst>
-    <pc:chgData name="雨宮　智浩" userId="S::9288019215@utac.u-tokyo.ac.jp::018ceb06-00b6-4c8b-821f-fe5856736a8a" providerId="AD" clId="Web-{C59DD01F-5E58-DC3E-F867-C2DF0D0032B2}"/>
-    <pc:docChg chg="modSld sldOrd">
-      <pc:chgData name="雨宮　智浩" userId="S::9288019215@utac.u-tokyo.ac.jp::018ceb06-00b6-4c8b-821f-fe5856736a8a" providerId="AD" clId="Web-{C59DD01F-5E58-DC3E-F867-C2DF0D0032B2}" dt="2024-09-05T06:48:10.534" v="13" actId="20577"/>
-      <pc:docMkLst>
-        <pc:docMk/>
-      </pc:docMkLst>
-      <pc:sldChg chg="modSp">
-        <pc:chgData name="雨宮　智浩" userId="S::9288019215@utac.u-tokyo.ac.jp::018ceb06-00b6-4c8b-821f-fe5856736a8a" providerId="AD" clId="Web-{C59DD01F-5E58-DC3E-F867-C2DF0D0032B2}" dt="2024-09-05T06:42:30.917" v="5" actId="20577"/>
-        <pc:sldMkLst>
-          <pc:docMk/>
-          <pc:sldMk cId="2141358339" sldId="1408"/>
-        </pc:sldMkLst>
-        <pc:spChg chg="mod">
-          <ac:chgData name="雨宮　智浩" userId="S::9288019215@utac.u-tokyo.ac.jp::018ceb06-00b6-4c8b-821f-fe5856736a8a" providerId="AD" clId="Web-{C59DD01F-5E58-DC3E-F867-C2DF0D0032B2}" dt="2024-09-05T06:42:30.917" v="5" actId="20577"/>
-          <ac:spMkLst>
-            <pc:docMk/>
-            <pc:sldMk cId="2141358339" sldId="1408"/>
-            <ac:spMk id="3" creationId="{11BE7EF4-56DF-F510-784F-2E996E481ACE}"/>
-          </ac:spMkLst>
-        </pc:spChg>
-      </pc:sldChg>
-      <pc:sldChg chg="ord">
-        <pc:chgData name="雨宮　智浩" userId="S::9288019215@utac.u-tokyo.ac.jp::018ceb06-00b6-4c8b-821f-fe5856736a8a" providerId="AD" clId="Web-{C59DD01F-5E58-DC3E-F867-C2DF0D0032B2}" dt="2024-09-05T06:45:15.233" v="7"/>
-        <pc:sldMkLst>
-          <pc:docMk/>
-          <pc:sldMk cId="1810238456" sldId="1411"/>
-        </pc:sldMkLst>
-      </pc:sldChg>
-      <pc:sldChg chg="modSp">
-        <pc:chgData name="雨宮　智浩" userId="S::9288019215@utac.u-tokyo.ac.jp::018ceb06-00b6-4c8b-821f-fe5856736a8a" providerId="AD" clId="Web-{C59DD01F-5E58-DC3E-F867-C2DF0D0032B2}" dt="2024-09-05T06:48:10.534" v="13" actId="20577"/>
-        <pc:sldMkLst>
-          <pc:docMk/>
-          <pc:sldMk cId="117506766" sldId="1413"/>
-        </pc:sldMkLst>
-        <pc:spChg chg="mod">
-          <ac:chgData name="雨宮　智浩" userId="S::9288019215@utac.u-tokyo.ac.jp::018ceb06-00b6-4c8b-821f-fe5856736a8a" providerId="AD" clId="Web-{C59DD01F-5E58-DC3E-F867-C2DF0D0032B2}" dt="2024-09-05T06:48:10.534" v="13" actId="20577"/>
-          <ac:spMkLst>
-            <pc:docMk/>
-            <pc:sldMk cId="117506766" sldId="1413"/>
-            <ac:spMk id="3" creationId="{41AEE836-B07F-6756-DC70-5EA0EE3A1CC4}"/>
-          </ac:spMkLst>
-        </pc:spChg>
-      </pc:sldChg>
-    </pc:docChg>
-  </pc:docChgLst>
-  <pc:docChgLst>
-    <pc:chgData name="雨宮　智浩" userId="S::9288019215@utac.u-tokyo.ac.jp::018ceb06-00b6-4c8b-821f-fe5856736a8a" providerId="AD" clId="Web-{E52823F3-2262-B852-0200-E4DF1045324F}"/>
-    <pc:docChg chg="modSld">
-      <pc:chgData name="雨宮　智浩" userId="S::9288019215@utac.u-tokyo.ac.jp::018ceb06-00b6-4c8b-821f-fe5856736a8a" providerId="AD" clId="Web-{E52823F3-2262-B852-0200-E4DF1045324F}" dt="2024-09-04T05:53:54.583" v="228" actId="20577"/>
-      <pc:docMkLst>
-        <pc:docMk/>
-      </pc:docMkLst>
-      <pc:sldChg chg="modSp">
-        <pc:chgData name="雨宮　智浩" userId="S::9288019215@utac.u-tokyo.ac.jp::018ceb06-00b6-4c8b-821f-fe5856736a8a" providerId="AD" clId="Web-{E52823F3-2262-B852-0200-E4DF1045324F}" dt="2024-09-04T05:14:53.710" v="16" actId="1076"/>
-        <pc:sldMkLst>
-          <pc:docMk/>
-          <pc:sldMk cId="4080963220" sldId="1403"/>
-        </pc:sldMkLst>
-        <pc:spChg chg="mod">
-          <ac:chgData name="雨宮　智浩" userId="S::9288019215@utac.u-tokyo.ac.jp::018ceb06-00b6-4c8b-821f-fe5856736a8a" providerId="AD" clId="Web-{E52823F3-2262-B852-0200-E4DF1045324F}" dt="2024-09-04T05:14:49.476" v="15" actId="20577"/>
-          <ac:spMkLst>
-            <pc:docMk/>
-            <pc:sldMk cId="4080963220" sldId="1403"/>
-            <ac:spMk id="14" creationId="{376F3ABE-2951-B7E3-5373-0751143AA308}"/>
-          </ac:spMkLst>
-        </pc:spChg>
-        <pc:picChg chg="mod">
-          <ac:chgData name="雨宮　智浩" userId="S::9288019215@utac.u-tokyo.ac.jp::018ceb06-00b6-4c8b-821f-fe5856736a8a" providerId="AD" clId="Web-{E52823F3-2262-B852-0200-E4DF1045324F}" dt="2024-09-04T05:14:53.710" v="16" actId="1076"/>
-          <ac:picMkLst>
-            <pc:docMk/>
-            <pc:sldMk cId="4080963220" sldId="1403"/>
-            <ac:picMk id="15" creationId="{534F1761-1B29-536E-2867-FC177425F5A3}"/>
-          </ac:picMkLst>
-        </pc:picChg>
-      </pc:sldChg>
-      <pc:sldChg chg="modSp">
-        <pc:chgData name="雨宮　智浩" userId="S::9288019215@utac.u-tokyo.ac.jp::018ceb06-00b6-4c8b-821f-fe5856736a8a" providerId="AD" clId="Web-{E52823F3-2262-B852-0200-E4DF1045324F}" dt="2024-09-04T05:53:54.583" v="228" actId="20577"/>
-        <pc:sldMkLst>
-          <pc:docMk/>
-          <pc:sldMk cId="176847597" sldId="1415"/>
-        </pc:sldMkLst>
-        <pc:spChg chg="mod">
-          <ac:chgData name="雨宮　智浩" userId="S::9288019215@utac.u-tokyo.ac.jp::018ceb06-00b6-4c8b-821f-fe5856736a8a" providerId="AD" clId="Web-{E52823F3-2262-B852-0200-E4DF1045324F}" dt="2024-09-04T05:53:54.583" v="228" actId="20577"/>
-          <ac:spMkLst>
-            <pc:docMk/>
-            <pc:sldMk cId="176847597" sldId="1415"/>
-            <ac:spMk id="3" creationId="{41AEE836-B07F-6756-DC70-5EA0EE3A1CC4}"/>
-          </ac:spMkLst>
-        </pc:spChg>
-      </pc:sldChg>
-      <pc:sldChg chg="addSp modSp">
-        <pc:chgData name="雨宮　智浩" userId="S::9288019215@utac.u-tokyo.ac.jp::018ceb06-00b6-4c8b-821f-fe5856736a8a" providerId="AD" clId="Web-{E52823F3-2262-B852-0200-E4DF1045324F}" dt="2024-09-04T05:30:59.890" v="44" actId="1076"/>
-        <pc:sldMkLst>
-          <pc:docMk/>
-          <pc:sldMk cId="2659024569" sldId="1416"/>
-        </pc:sldMkLst>
-        <pc:spChg chg="add mod">
-          <ac:chgData name="雨宮　智浩" userId="S::9288019215@utac.u-tokyo.ac.jp::018ceb06-00b6-4c8b-821f-fe5856736a8a" providerId="AD" clId="Web-{E52823F3-2262-B852-0200-E4DF1045324F}" dt="2024-09-04T05:30:59.890" v="44" actId="1076"/>
-          <ac:spMkLst>
-            <pc:docMk/>
-            <pc:sldMk cId="2659024569" sldId="1416"/>
-            <ac:spMk id="11" creationId="{EC954807-6560-AE57-95E7-F82A857C931C}"/>
-          </ac:spMkLst>
-        </pc:spChg>
-      </pc:sldChg>
-    </pc:docChg>
-  </pc:docChgLst>
-  <pc:docChgLst>
-    <pc:chgData name="雨宮　智浩" userId="S::9288019215@utac.u-tokyo.ac.jp::018ceb06-00b6-4c8b-821f-fe5856736a8a" providerId="AD" clId="Web-{D7F828A5-D5D4-3FAA-5F15-48737B56146D}"/>
-    <pc:docChg chg="modSld">
-      <pc:chgData name="雨宮　智浩" userId="S::9288019215@utac.u-tokyo.ac.jp::018ceb06-00b6-4c8b-821f-fe5856736a8a" providerId="AD" clId="Web-{D7F828A5-D5D4-3FAA-5F15-48737B56146D}" dt="2024-09-06T07:31:27.954" v="90" actId="20577"/>
-      <pc:docMkLst>
-        <pc:docMk/>
-      </pc:docMkLst>
-      <pc:sldChg chg="modSp">
-        <pc:chgData name="雨宮　智浩" userId="S::9288019215@utac.u-tokyo.ac.jp::018ceb06-00b6-4c8b-821f-fe5856736a8a" providerId="AD" clId="Web-{D7F828A5-D5D4-3FAA-5F15-48737B56146D}" dt="2024-09-06T03:30:19.024" v="2" actId="20577"/>
-        <pc:sldMkLst>
-          <pc:docMk/>
-          <pc:sldMk cId="737078635" sldId="1409"/>
-        </pc:sldMkLst>
-        <pc:spChg chg="mod">
-          <ac:chgData name="雨宮　智浩" userId="S::9288019215@utac.u-tokyo.ac.jp::018ceb06-00b6-4c8b-821f-fe5856736a8a" providerId="AD" clId="Web-{D7F828A5-D5D4-3FAA-5F15-48737B56146D}" dt="2024-09-06T03:30:19.024" v="2" actId="20577"/>
-          <ac:spMkLst>
-            <pc:docMk/>
-            <pc:sldMk cId="737078635" sldId="1409"/>
-            <ac:spMk id="3" creationId="{11BE7EF4-56DF-F510-784F-2E996E481ACE}"/>
-          </ac:spMkLst>
-        </pc:spChg>
-      </pc:sldChg>
-      <pc:sldChg chg="addSp modSp">
-        <pc:chgData name="雨宮　智浩" userId="S::9288019215@utac.u-tokyo.ac.jp::018ceb06-00b6-4c8b-821f-fe5856736a8a" providerId="AD" clId="Web-{D7F828A5-D5D4-3FAA-5F15-48737B56146D}" dt="2024-09-06T07:30:58.639" v="89" actId="20577"/>
-        <pc:sldMkLst>
-          <pc:docMk/>
-          <pc:sldMk cId="117506766" sldId="1413"/>
-        </pc:sldMkLst>
-        <pc:spChg chg="mod">
-          <ac:chgData name="雨宮　智浩" userId="S::9288019215@utac.u-tokyo.ac.jp::018ceb06-00b6-4c8b-821f-fe5856736a8a" providerId="AD" clId="Web-{D7F828A5-D5D4-3FAA-5F15-48737B56146D}" dt="2024-09-06T07:30:58.639" v="89" actId="20577"/>
-          <ac:spMkLst>
-            <pc:docMk/>
-            <pc:sldMk cId="117506766" sldId="1413"/>
-            <ac:spMk id="3" creationId="{41AEE836-B07F-6756-DC70-5EA0EE3A1CC4}"/>
-          </ac:spMkLst>
-        </pc:spChg>
-        <pc:spChg chg="add mod">
-          <ac:chgData name="雨宮　智浩" userId="S::9288019215@utac.u-tokyo.ac.jp::018ceb06-00b6-4c8b-821f-fe5856736a8a" providerId="AD" clId="Web-{D7F828A5-D5D4-3FAA-5F15-48737B56146D}" dt="2024-09-06T05:41:08.112" v="87" actId="20577"/>
-          <ac:spMkLst>
-            <pc:docMk/>
-            <pc:sldMk cId="117506766" sldId="1413"/>
-            <ac:spMk id="7" creationId="{F906CCDF-0963-35E9-6340-D54C77160910}"/>
-          </ac:spMkLst>
-        </pc:spChg>
-      </pc:sldChg>
-      <pc:sldChg chg="modSp">
-        <pc:chgData name="雨宮　智浩" userId="S::9288019215@utac.u-tokyo.ac.jp::018ceb06-00b6-4c8b-821f-fe5856736a8a" providerId="AD" clId="Web-{D7F828A5-D5D4-3FAA-5F15-48737B56146D}" dt="2024-09-06T07:31:27.954" v="90" actId="20577"/>
-        <pc:sldMkLst>
-          <pc:docMk/>
-          <pc:sldMk cId="3444094588" sldId="1426"/>
-        </pc:sldMkLst>
-        <pc:spChg chg="mod">
-          <ac:chgData name="雨宮　智浩" userId="S::9288019215@utac.u-tokyo.ac.jp::018ceb06-00b6-4c8b-821f-fe5856736a8a" providerId="AD" clId="Web-{D7F828A5-D5D4-3FAA-5F15-48737B56146D}" dt="2024-09-06T07:31:27.954" v="90" actId="20577"/>
-          <ac:spMkLst>
-            <pc:docMk/>
-            <pc:sldMk cId="3444094588" sldId="1426"/>
-            <ac:spMk id="36" creationId="{1045E949-D964-E1B0-DFBD-DCDEF236B442}"/>
-          </ac:spMkLst>
-        </pc:spChg>
-      </pc:sldChg>
-    </pc:docChg>
-  </pc:docChgLst>
-</pc:chgInfo>
 </file>
 
 <file path=ppt/notesMasters/notesMaster1.xml><?xml version="1.0" encoding="utf-8"?>
@@ -17284,31 +13367,31 @@
               <a:buNone/>
             </a:pPr>
             <a:r>
-              <a:rPr lang="en-US" altLang="ja-JP" b="1">
+              <a:rPr lang="en-US" altLang="ja-JP" b="1" dirty="0">
                 <a:ea typeface="メイリオ"/>
               </a:rPr>
               <a:t>UTOL guidance article on </a:t>
             </a:r>
             <a:r>
-              <a:rPr lang="en-US" altLang="ja-JP" b="1" err="1">
+              <a:rPr lang="en-US" altLang="ja-JP" b="1" dirty="0" err="1">
                 <a:ea typeface="メイリオ"/>
               </a:rPr>
               <a:t>utelecon</a:t>
             </a:r>
             <a:r>
-              <a:rPr lang="en-US" altLang="ja-JP" b="1">
+              <a:rPr lang="en-US" altLang="ja-JP" b="1" dirty="0">
                 <a:ea typeface="メイリオ"/>
               </a:rPr>
               <a:t> </a:t>
             </a:r>
             <a:r>
-              <a:rPr lang="en-US" altLang="ja-JP">
+              <a:rPr lang="en-US" altLang="ja-JP" dirty="0">
                 <a:ea typeface="メイリオ"/>
               </a:rPr>
               <a:t>(</a:t>
             </a:r>
             <a:r>
-              <a:rPr lang="en-US" altLang="ja-JP" b="1">
+              <a:rPr lang="en-US" altLang="ja-JP" b="1" dirty="0">
                 <a:solidFill>
                   <a:srgbClr val="155F90"/>
                 </a:solidFill>
@@ -17317,7 +13400,7 @@
               <a:t>English version provided</a:t>
             </a:r>
             <a:r>
-              <a:rPr lang="en-US" altLang="ja-JP">
+              <a:rPr lang="en-US" altLang="ja-JP" dirty="0">
                 <a:ea typeface="メイリオ"/>
               </a:rPr>
               <a:t>)</a:t>
@@ -17325,100 +13408,100 @@
           </a:p>
           <a:p>
             <a:r>
-              <a:rPr kumimoji="1" lang="en-US" altLang="ja-JP">
+              <a:rPr kumimoji="1" lang="en-US" altLang="ja-JP" dirty="0">
                 <a:ea typeface="メイリオ"/>
               </a:rPr>
               <a:t>For Faculty</a:t>
             </a:r>
             <a:br>
-              <a:rPr lang="en-US" altLang="ja-JP"/>
+              <a:rPr lang="en-US" altLang="ja-JP" dirty="0"/>
             </a:br>
             <a:r>
-              <a:rPr kumimoji="1" lang="en-US" altLang="ja-JP" sz="2400">
+              <a:rPr kumimoji="1" lang="en-US" altLang="ja-JP" sz="2400" dirty="0">
                 <a:ea typeface="メイリオ"/>
                 <a:hlinkClick r:id="rId2"/>
               </a:rPr>
               <a:t>https://utelecon.adm.u-tokyo.ac.jp/en/utol/lecturers/</a:t>
             </a:r>
-            <a:endParaRPr kumimoji="1" lang="en-US" altLang="ja-JP" sz="2400">
+            <a:endParaRPr kumimoji="1" lang="en-US" altLang="ja-JP" sz="2400" dirty="0">
               <a:ea typeface="メイリオ"/>
             </a:endParaRPr>
           </a:p>
           <a:p>
             <a:r>
-              <a:rPr kumimoji="1" lang="en-US" altLang="ja-JP">
+              <a:rPr kumimoji="1" lang="en-US" altLang="ja-JP" dirty="0">
                 <a:ea typeface="メイリオ"/>
               </a:rPr>
               <a:t>For Students</a:t>
             </a:r>
             <a:br>
-              <a:rPr lang="en-US" altLang="ja-JP"/>
+              <a:rPr lang="en-US" altLang="ja-JP" dirty="0"/>
             </a:br>
             <a:r>
-              <a:rPr kumimoji="1" lang="en-US" altLang="ja-JP" sz="2400">
+              <a:rPr kumimoji="1" lang="en-US" altLang="ja-JP" sz="2400" dirty="0">
                 <a:ea typeface="メイリオ"/>
                 <a:hlinkClick r:id="rId3"/>
               </a:rPr>
               <a:t>https://utelecon.adm.u-tokyo.ac.jp/en/utol/students/</a:t>
             </a:r>
-            <a:endParaRPr kumimoji="1" lang="en-US" altLang="ja-JP" sz="2400">
+            <a:endParaRPr kumimoji="1" lang="en-US" altLang="ja-JP" sz="2400" dirty="0">
               <a:ea typeface="メイリオ"/>
             </a:endParaRPr>
           </a:p>
           <a:p>
-            <a:endParaRPr kumimoji="1" lang="en-US" altLang="ja-JP" sz="1400"/>
+            <a:endParaRPr kumimoji="1" lang="en-US" altLang="ja-JP" sz="1400" dirty="0"/>
           </a:p>
           <a:p>
             <a:pPr marL="0" indent="0">
               <a:buNone/>
             </a:pPr>
             <a:r>
-              <a:rPr lang="en-US" altLang="ja-JP" b="1">
+              <a:rPr lang="en-US" altLang="ja-JP" b="1" dirty="0">
                 <a:ea typeface="メイリオ"/>
               </a:rPr>
               <a:t>UTOL guidance article on </a:t>
             </a:r>
             <a:r>
-              <a:rPr lang="en-US" altLang="ja-JP" b="1" err="1">
+              <a:rPr lang="en-US" altLang="ja-JP" b="1" dirty="0" err="1">
                 <a:ea typeface="メイリオ"/>
               </a:rPr>
               <a:t>UTokyo</a:t>
             </a:r>
             <a:r>
-              <a:rPr lang="en-US" altLang="ja-JP" b="1">
+              <a:rPr lang="en-US" altLang="ja-JP" b="1" dirty="0">
                 <a:ea typeface="メイリオ"/>
               </a:rPr>
               <a:t> Portal </a:t>
             </a:r>
             <a:r>
-              <a:rPr lang="en-US" altLang="ja-JP">
+              <a:rPr lang="en-US" altLang="ja-JP" dirty="0">
                 <a:ea typeface="メイリオ"/>
               </a:rPr>
               <a:t>(only in Japanese)</a:t>
             </a:r>
-            <a:endParaRPr lang="en-US" altLang="ja-JP">
+            <a:endParaRPr lang="en-US" altLang="ja-JP" dirty="0">
               <a:ea typeface="メイリオ"/>
               <a:cs typeface="Calibri"/>
             </a:endParaRPr>
           </a:p>
           <a:p>
             <a:r>
-              <a:rPr lang="en-US" altLang="ja-JP">
+              <a:rPr lang="en-US" altLang="ja-JP" dirty="0">
                 <a:ea typeface="メイリオ"/>
               </a:rPr>
               <a:t>For Administrative Staff</a:t>
             </a:r>
             <a:br>
-              <a:rPr lang="en-US" altLang="ja-JP"/>
+              <a:rPr lang="en-US" altLang="ja-JP" dirty="0"/>
             </a:br>
             <a:r>
-              <a:rPr lang="en-US" altLang="ja-JP" sz="2400">
+              <a:rPr lang="en-US" altLang="ja-JP" sz="2400" dirty="0">
                 <a:ea typeface="メイリオ"/>
                 <a:hlinkClick r:id="rId4"/>
               </a:rPr>
               <a:t>https://univtokyo.sharepoint.com/sites/utokyoportal/wiki/d/UTOL.aspx</a:t>
             </a:r>
-            <a:endParaRPr lang="en-US" altLang="ja-JP">
+            <a:endParaRPr lang="en-US" altLang="ja-JP" dirty="0">
               <a:ea typeface="メイリオ"/>
             </a:endParaRPr>
           </a:p>
@@ -17426,32 +13509,32 @@
             <a:pPr marL="0" indent="0">
               <a:buNone/>
             </a:pPr>
-            <a:endParaRPr lang="en-US" altLang="ja-JP" sz="1400"/>
+            <a:endParaRPr lang="en-US" altLang="ja-JP" sz="1400" dirty="0"/>
           </a:p>
           <a:p>
             <a:pPr marL="0" indent="0">
               <a:buNone/>
             </a:pPr>
             <a:r>
-              <a:rPr lang="en-US" altLang="ja-JP" b="1">
+              <a:rPr lang="en-US" altLang="ja-JP" b="1" dirty="0">
                 <a:ea typeface="メイリオ"/>
                 <a:hlinkClick r:id="rId5"/>
               </a:rPr>
               <a:t>Appendix</a:t>
             </a:r>
             <a:r>
-              <a:rPr lang="en-US" altLang="ja-JP" b="1">
+              <a:rPr lang="en-US" altLang="ja-JP" b="1" dirty="0">
                 <a:ea typeface="メイリオ"/>
               </a:rPr>
               <a:t> </a:t>
             </a:r>
             <a:r>
-              <a:rPr lang="en-US" altLang="ja-JP" sz="2000" b="1">
+              <a:rPr lang="en-US" altLang="ja-JP" sz="2000" b="1" dirty="0">
                 <a:ea typeface="メイリオ"/>
               </a:rPr>
               <a:t>(English translation of the material of the Information session in March 2024)</a:t>
             </a:r>
-            <a:endParaRPr lang="en-US" altLang="ja-JP" sz="2000" b="1">
+            <a:endParaRPr lang="en-US" altLang="ja-JP" sz="2000" b="1" dirty="0">
               <a:ea typeface="メイリオ"/>
               <a:cs typeface="Calibri"/>
             </a:endParaRPr>
@@ -24597,17 +20680,6 @@
 </file>
 
 <file path=customXml/item1.xml><?xml version="1.0" encoding="utf-8"?>
-<p:properties xmlns:p="http://schemas.microsoft.com/office/2006/metadata/properties" xmlns:xsi="http://www.w3.org/2001/XMLSchema-instance" xmlns:pc="http://schemas.microsoft.com/office/infopath/2007/PartnerControls">
-  <documentManagement>
-    <TaxCatchAll xmlns="334cf2e0-0245-4f40-82a3-a831e5e7775a" xsi:nil="true"/>
-    <lcf76f155ced4ddcb4097134ff3c332f xmlns="d89fd5b0-f297-46a7-8c43-79b7b7b34272">
-      <Terms xmlns="http://schemas.microsoft.com/office/infopath/2007/PartnerControls"/>
-    </lcf76f155ced4ddcb4097134ff3c332f>
-  </documentManagement>
-</p:properties>
-</file>
-
-<file path=customXml/item2.xml><?xml version="1.0" encoding="utf-8"?>
 <ct:contentTypeSchema xmlns:ct="http://schemas.microsoft.com/office/2006/metadata/contentType" xmlns:ma="http://schemas.microsoft.com/office/2006/metadata/properties/metaAttributes" ct:_="" ma:_="" ma:contentTypeName="ドキュメント" ma:contentTypeID="0x010100BC2807EFFEAAE646B3C72679374A27AD" ma:contentTypeVersion="16" ma:contentTypeDescription="新しいドキュメントを作成します。" ma:contentTypeScope="" ma:versionID="fc2dabbf376b68d69de6d8a4d9b1094b">
   <xsd:schema xmlns:xsd="http://www.w3.org/2001/XMLSchema" xmlns:xs="http://www.w3.org/2001/XMLSchema" xmlns:p="http://schemas.microsoft.com/office/2006/metadata/properties" xmlns:ns2="d89fd5b0-f297-46a7-8c43-79b7b7b34272" xmlns:ns3="334cf2e0-0245-4f40-82a3-a831e5e7775a" targetNamespace="http://schemas.microsoft.com/office/2006/metadata/properties" ma:root="true" ma:fieldsID="2af6a43cef02a594c9bf66487b64536d" ns2:_="" ns3:_="">
     <xsd:import namespace="d89fd5b0-f297-46a7-8c43-79b7b7b34272"/>
@@ -24850,7 +20922,7 @@
 </ct:contentTypeSchema>
 </file>
 
-<file path=customXml/item3.xml><?xml version="1.0" encoding="utf-8"?>
+<file path=customXml/item2.xml><?xml version="1.0" encoding="utf-8"?>
 <?mso-contentType ?>
 <FormTemplates xmlns="http://schemas.microsoft.com/sharepoint/v3/contenttype/forms">
   <Display>DocumentLibraryForm</Display>
@@ -24859,24 +20931,18 @@
 </FormTemplates>
 </file>
 
-<file path=customXml/itemProps1.xml><?xml version="1.0" encoding="utf-8"?>
-<ds:datastoreItem xmlns:ds="http://schemas.openxmlformats.org/officeDocument/2006/customXml" ds:itemID="{613B5A8C-C2D2-4C49-A03B-B41437F9A3AD}">
-  <ds:schemaRefs>
-    <ds:schemaRef ds:uri="334cf2e0-0245-4f40-82a3-a831e5e7775a"/>
-    <ds:schemaRef ds:uri="d89fd5b0-f297-46a7-8c43-79b7b7b34272"/>
-    <ds:schemaRef ds:uri="http://purl.org/dc/dcmitype/"/>
-    <ds:schemaRef ds:uri="http://purl.org/dc/elements/1.1/"/>
-    <ds:schemaRef ds:uri="http://purl.org/dc/terms/"/>
-    <ds:schemaRef ds:uri="http://schemas.microsoft.com/office/2006/documentManagement/types"/>
-    <ds:schemaRef ds:uri="http://schemas.microsoft.com/office/2006/metadata/properties"/>
-    <ds:schemaRef ds:uri="http://schemas.microsoft.com/office/infopath/2007/PartnerControls"/>
-    <ds:schemaRef ds:uri="http://schemas.openxmlformats.org/package/2006/metadata/core-properties"/>
-    <ds:schemaRef ds:uri="http://www.w3.org/XML/1998/namespace"/>
-  </ds:schemaRefs>
-</ds:datastoreItem>
+<file path=customXml/item3.xml><?xml version="1.0" encoding="utf-8"?>
+<p:properties xmlns:p="http://schemas.microsoft.com/office/2006/metadata/properties" xmlns:xsi="http://www.w3.org/2001/XMLSchema-instance" xmlns:pc="http://schemas.microsoft.com/office/infopath/2007/PartnerControls">
+  <documentManagement>
+    <TaxCatchAll xmlns="334cf2e0-0245-4f40-82a3-a831e5e7775a" xsi:nil="true"/>
+    <lcf76f155ced4ddcb4097134ff3c332f xmlns="d89fd5b0-f297-46a7-8c43-79b7b7b34272">
+      <Terms xmlns="http://schemas.microsoft.com/office/infopath/2007/PartnerControls"/>
+    </lcf76f155ced4ddcb4097134ff3c332f>
+  </documentManagement>
+</p:properties>
 </file>
 
-<file path=customXml/itemProps2.xml><?xml version="1.0" encoding="utf-8"?>
+<file path=customXml/itemProps1.xml><?xml version="1.0" encoding="utf-8"?>
 <ds:datastoreItem xmlns:ds="http://schemas.openxmlformats.org/officeDocument/2006/customXml" ds:itemID="{96EDB849-E126-4A5D-A0F0-5D46FEB7FFF9}">
   <ds:schemaRefs>
     <ds:schemaRef ds:uri="334cf2e0-0245-4f40-82a3-a831e5e7775a"/>
@@ -24895,10 +20961,27 @@
 </ds:datastoreItem>
 </file>
 
-<file path=customXml/itemProps3.xml><?xml version="1.0" encoding="utf-8"?>
+<file path=customXml/itemProps2.xml><?xml version="1.0" encoding="utf-8"?>
 <ds:datastoreItem xmlns:ds="http://schemas.openxmlformats.org/officeDocument/2006/customXml" ds:itemID="{6130639F-8A0E-4631-BB2C-1307E9C18413}">
   <ds:schemaRefs>
     <ds:schemaRef ds:uri="http://schemas.microsoft.com/sharepoint/v3/contenttype/forms"/>
   </ds:schemaRefs>
 </ds:datastoreItem>
+</file>
+
+<file path=customXml/itemProps3.xml><?xml version="1.0" encoding="utf-8"?>
+<ds:datastoreItem xmlns:ds="http://schemas.openxmlformats.org/officeDocument/2006/customXml" ds:itemID="{613B5A8C-C2D2-4C49-A03B-B41437F9A3AD}">
+  <ds:schemaRefs>
+    <ds:schemaRef ds:uri="334cf2e0-0245-4f40-82a3-a831e5e7775a"/>
+    <ds:schemaRef ds:uri="http://www.w3.org/XML/1998/namespace"/>
+    <ds:schemaRef ds:uri="http://purl.org/dc/dcmitype/"/>
+    <ds:schemaRef ds:uri="http://schemas.openxmlformats.org/package/2006/metadata/core-properties"/>
+    <ds:schemaRef ds:uri="http://purl.org/dc/elements/1.1/"/>
+    <ds:schemaRef ds:uri="http://schemas.microsoft.com/office/2006/documentManagement/types"/>
+    <ds:schemaRef ds:uri="d89fd5b0-f297-46a7-8c43-79b7b7b34272"/>
+    <ds:schemaRef ds:uri="http://schemas.microsoft.com/office/infopath/2007/PartnerControls"/>
+    <ds:schemaRef ds:uri="http://schemas.microsoft.com/office/2006/metadata/properties"/>
+    <ds:schemaRef ds:uri="http://purl.org/dc/terms/"/>
+  </ds:schemaRefs>
+</ds:datastoreItem>
 </file>